--- a/help/data-sheets/assets/OnlineSupportDatasheet.pptx
+++ b/help/data-sheets/assets/OnlineSupportDatasheet.pptx
@@ -1640,7 +1640,7 @@
               </a:spcBef>
             </a:pPr>
             <a:r>
-              <a:rPr lang="es-ES" sz="1400" b="1" u="heavy">
+              <a:rPr lang="pt-BR" sz="1400" b="1" u="heavy">
                 <a:solidFill>
                   <a:srgbClr val="020302"/>
                 </a:solidFill>
@@ -1652,7 +1652,7 @@
                 <a:latin typeface="Adobe Clean"/>
                 <a:cs typeface="Adobe Clean"/>
               </a:rPr>
-              <a:t>Destinatarios de nivel de servicio: Respuesta inicial</a:t>
+              <a:t>Metas de nível de serviço: Resposta inicial</a:t>
             </a:r>
           </a:p>
         </p:txBody>
@@ -1694,7 +1694,7 @@
         </p:nvSpPr>
         <p:spPr>
           <a:xfrm>
-            <a:off x="136772" y="813361"/>
+            <a:off x="136772" y="739271"/>
             <a:ext cx="6035427" cy="1089529"/>
           </a:xfrm>
           <a:prstGeom prst="rect">
@@ -1716,7 +1716,7 @@
               </a:spcBef>
             </a:pPr>
             <a:r>
-              <a:rPr lang="es-ES" sz="1200" b="1" dirty="0">
+              <a:rPr lang="pt-BR" sz="1200" b="1" dirty="0">
                 <a:solidFill>
                   <a:schemeClr val="bg1"/>
                 </a:solidFill>
@@ -1724,7 +1724,7 @@
               <a:t>Online</a:t>
             </a:r>
             <a:r>
-              <a:rPr lang="es-ES" sz="1200" dirty="0">
+              <a:rPr lang="pt-BR" sz="1200" dirty="0">
                 <a:solidFill>
                   <a:schemeClr val="bg1"/>
                 </a:solidFill>
@@ -1733,7 +1733,7 @@
               <a:t> | Business | Enterprise | Elite</a:t>
             </a:r>
             <a:br>
-              <a:rPr lang="es-ES" sz="900" dirty="0">
+              <a:rPr lang="pt-BR" sz="900" dirty="0">
                 <a:solidFill>
                   <a:schemeClr val="bg1"/>
                 </a:solidFill>
@@ -1741,52 +1741,16 @@
               </a:rPr>
             </a:br>
             <a:r>
-              <a:rPr lang="es-ES" sz="900" dirty="0">
+              <a:rPr lang="pt-BR" sz="900" dirty="0">
                 <a:solidFill>
                   <a:schemeClr val="bg1"/>
                 </a:solidFill>
                 <a:latin typeface="Adobe Clean SemiLight" panose="020B0403020404020204" pitchFamily="34" charset="0"/>
               </a:rPr>
-              <a:t>Adobe ofrece una amplia variedad de recursos técnicos para ayudar a su negocio, incluidos como parte de su suscripción de licencia de </a:t>
+              <a:t>A Adobe oferece uma ampla gama de recursos técnicos para prestar suporte à sua empresa, incluídos na sua assinatura da Experience Cloud. O Suporte Online inclui acesso a caminhos de aprendizagem personalizados e a fóruns monitorados da comunidade na Adobe Experience League. Você tem à sua disposição a nossa documentação técnica de produto, com todos os detalhes, e as notas de versão publicadas em </a:t>
             </a:r>
             <a:r>
-              <a:rPr lang="es-ES" sz="900" dirty="0" err="1">
-                <a:solidFill>
-                  <a:schemeClr val="bg1"/>
-                </a:solidFill>
-                <a:latin typeface="Adobe Clean SemiLight" panose="020B0403020404020204" pitchFamily="34" charset="0"/>
-              </a:rPr>
-              <a:t>Experience</a:t>
-            </a:r>
-            <a:r>
-              <a:rPr lang="es-ES" sz="900" dirty="0">
-                <a:solidFill>
-                  <a:schemeClr val="bg1"/>
-                </a:solidFill>
-                <a:latin typeface="Adobe Clean SemiLight" panose="020B0403020404020204" pitchFamily="34" charset="0"/>
-              </a:rPr>
-              <a:t> Cloud. El paquete ONLINE incluye acceso a rutas de aprendizaje personalizadas y foros de la comunidad monitorizados a través de Adobe </a:t>
-            </a:r>
-            <a:r>
-              <a:rPr lang="es-ES" sz="900" dirty="0" err="1">
-                <a:solidFill>
-                  <a:schemeClr val="bg1"/>
-                </a:solidFill>
-                <a:latin typeface="Adobe Clean SemiLight" panose="020B0403020404020204" pitchFamily="34" charset="0"/>
-              </a:rPr>
-              <a:t>Experience</a:t>
-            </a:r>
-            <a:r>
-              <a:rPr lang="es-ES" sz="900" dirty="0">
-                <a:solidFill>
-                  <a:schemeClr val="bg1"/>
-                </a:solidFill>
-                <a:latin typeface="Adobe Clean SemiLight" panose="020B0403020404020204" pitchFamily="34" charset="0"/>
-              </a:rPr>
-              <a:t> League. Puede disfrutar de la documentación técnica completa y detallada sobre productos y notas de la versión actual publicadas en </a:t>
-            </a:r>
-            <a:r>
-              <a:rPr lang="es-ES" sz="900" u="sng" dirty="0">
+              <a:rPr lang="pt-BR" sz="900" u="sng" dirty="0">
                 <a:solidFill>
                   <a:schemeClr val="bg1"/>
                 </a:solidFill>
@@ -1802,13 +1766,13 @@
               <a:t>http://www.adobe.com</a:t>
             </a:r>
             <a:r>
-              <a:rPr lang="es-ES" sz="900" dirty="0">
+              <a:rPr lang="pt-BR" sz="900" dirty="0">
                 <a:solidFill>
                   <a:schemeClr val="bg1"/>
                 </a:solidFill>
                 <a:latin typeface="Adobe Clean SemiLight" panose="020B0403020404020204" pitchFamily="34" charset="0"/>
               </a:rPr>
-              <a:t> Nuestro paquete ONLINE también incluye el acceso a nuestros equipos de soporte técnico para problemas de producto de prioridad 1 por vía telefónica para proteger su negocio en los momentos más importantes. Además, podrá registrar solicitudes de prioridad más baja a través del portal de soporte web.</a:t>
+              <a:t> O pacote Online inclui acesso às equipes de suporte técnico por telefone para qualquer problema no produto que tenha prioridade P1, para ajudar a proteger a sua empresa nos momentos mais críticos. Você também pode registrar solicitações de prioridade mais baixa no portal de suporte na web.</a:t>
             </a:r>
           </a:p>
         </p:txBody>
@@ -1851,14 +1815,14 @@
           <p:nvPr>
             <p:extLst>
               <p:ext uri="{D42A27DB-BD31-4B8C-83A1-F6EECF244321}">
-                <p14:modId xmlns:p14="http://schemas.microsoft.com/office/powerpoint/2010/main" val="175049833"/>
+                <p14:modId xmlns:p14="http://schemas.microsoft.com/office/powerpoint/2010/main" val="1471540385"/>
               </p:ext>
             </p:extLst>
           </p:nvPr>
         </p:nvGraphicFramePr>
         <p:xfrm>
-          <a:off x="0" y="1938946"/>
-          <a:ext cx="7705343" cy="5220295"/>
+          <a:off x="0" y="1938947"/>
+          <a:ext cx="7705343" cy="5205864"/>
         </p:xfrm>
         <a:graphic>
           <a:graphicData uri="http://schemas.openxmlformats.org/drawingml/2006/table">
@@ -1917,7 +1881,7 @@
                   </a:extLst>
                 </a:gridCol>
               </a:tblGrid>
-              <a:tr h="353430">
+              <a:tr h="355722">
                 <a:tc gridSpan="2">
                   <a:txBody>
                     <a:bodyPr/>
@@ -1952,14 +1916,14 @@
                         </a:spcBef>
                       </a:pPr>
                       <a:r>
-                        <a:rPr lang="es-ES" sz="900">
+                        <a:rPr lang="pt-BR" sz="900">
                           <a:solidFill>
                             <a:srgbClr val="404040"/>
                           </a:solidFill>
                           <a:latin typeface="Adobe Clean"/>
                           <a:cs typeface="Adobe Clean"/>
                         </a:rPr>
-                        <a:t>Soporte Online</a:t>
+                        <a:t>Suporte Online</a:t>
                       </a:r>
                     </a:p>
                   </a:txBody>
@@ -1995,14 +1959,14 @@
                         </a:spcBef>
                       </a:pPr>
                       <a:r>
-                        <a:rPr lang="es-ES" sz="900">
+                        <a:rPr lang="pt-BR" sz="900">
                           <a:solidFill>
                             <a:srgbClr val="FFFFFF"/>
                           </a:solidFill>
                           <a:latin typeface="Adobe Clean"/>
                           <a:cs typeface="Adobe Clean"/>
                         </a:rPr>
-                        <a:t>Soporte Business</a:t>
+                        <a:t>Suporte Business</a:t>
                       </a:r>
                     </a:p>
                   </a:txBody>
@@ -2044,14 +2008,14 @@
                         </a:spcBef>
                       </a:pPr>
                       <a:r>
-                        <a:rPr lang="es-ES" sz="900">
+                        <a:rPr lang="pt-BR" sz="900">
                           <a:solidFill>
                             <a:srgbClr val="FFFFFF"/>
                           </a:solidFill>
                           <a:latin typeface="Adobe Clean"/>
                           <a:cs typeface="Adobe Clean"/>
                         </a:rPr>
-                        <a:t>Soporte Enterprise</a:t>
+                        <a:t>Suporte Enterprise</a:t>
                       </a:r>
                     </a:p>
                   </a:txBody>
@@ -2093,14 +2057,14 @@
                         </a:spcBef>
                       </a:pPr>
                       <a:r>
-                        <a:rPr lang="es-ES" sz="900">
+                        <a:rPr lang="pt-BR" sz="900">
                           <a:solidFill>
                             <a:srgbClr val="FFFFFF"/>
                           </a:solidFill>
                           <a:latin typeface="Adobe Clean"/>
                           <a:cs typeface="Adobe Clean"/>
                         </a:rPr>
-                        <a:t>Soporte Enterprise</a:t>
+                        <a:t>Suporte Enterprise</a:t>
                       </a:r>
                     </a:p>
                   </a:txBody>
@@ -2142,14 +2106,14 @@
                         </a:spcBef>
                       </a:pPr>
                       <a:r>
-                        <a:rPr lang="es-ES" sz="900">
+                        <a:rPr lang="pt-BR" sz="900">
                           <a:solidFill>
                             <a:srgbClr val="FFFFFF"/>
                           </a:solidFill>
                           <a:latin typeface="Adobe Clean"/>
                           <a:cs typeface="Adobe Clean"/>
                         </a:rPr>
-                        <a:t>Soporte Elite</a:t>
+                        <a:t>Suporte Elite</a:t>
                       </a:r>
                     </a:p>
                   </a:txBody>
@@ -2177,7 +2141,7 @@
                   </a:ext>
                 </a:extLst>
               </a:tr>
-              <a:tr h="353430">
+              <a:tr h="355722">
                 <a:tc gridSpan="2">
                   <a:txBody>
                     <a:bodyPr/>
@@ -2257,14 +2221,14 @@
                         </a:spcBef>
                       </a:pPr>
                       <a:r>
-                        <a:rPr lang="es-ES" sz="800" i="1">
+                        <a:rPr lang="pt-BR" sz="800" i="1">
                           <a:solidFill>
                             <a:srgbClr val="FFFFFF"/>
                           </a:solidFill>
                           <a:latin typeface="Adobe Clean"/>
                           <a:cs typeface="Adobe Clean"/>
                         </a:rPr>
-                        <a:t>Niveles de soporte de pago ($)</a:t>
+                        <a:t>Níveis de suporte pago ($)</a:t>
                       </a:r>
                     </a:p>
                   </a:txBody>
@@ -2337,7 +2301,7 @@
                   </a:ext>
                 </a:extLst>
               </a:tr>
-              <a:tr h="249845">
+              <a:tr h="252963">
                 <a:tc rowSpan="3">
                   <a:txBody>
                     <a:bodyPr/>
@@ -2352,14 +2316,14 @@
                         </a:spcBef>
                       </a:pPr>
                       <a:r>
-                        <a:rPr lang="es-ES" sz="1000" b="1" i="0">
+                        <a:rPr lang="pt-BR" sz="1000" b="1" i="0">
                           <a:solidFill>
                             <a:schemeClr val="bg1"/>
                           </a:solidFill>
                           <a:latin typeface="Adobe Clean" panose="020B0503020404020204" pitchFamily="34" charset="0"/>
                           <a:cs typeface="AdobeClean-Light"/>
                         </a:rPr>
-                        <a:t>Expertos asignados</a:t>
+                        <a:t>Especialistas atribuídos</a:t>
                       </a:r>
                     </a:p>
                   </a:txBody>
@@ -2407,14 +2371,14 @@
                         </a:spcBef>
                       </a:pPr>
                       <a:r>
-                        <a:rPr lang="es-ES" sz="900">
+                        <a:rPr lang="pt-BR" sz="900">
                           <a:solidFill>
                             <a:srgbClr val="020302"/>
                           </a:solidFill>
                           <a:latin typeface="AdobeClean-Light"/>
                           <a:cs typeface="AdobeClean-Light"/>
                         </a:rPr>
-                        <a:t>Responsable de la asistencia técnica de la cuenta</a:t>
+                        <a:t>Líder de suporte da conta</a:t>
                       </a:r>
                     </a:p>
                   </a:txBody>
@@ -2489,7 +2453,7 @@
                         </a:spcBef>
                       </a:pPr>
                       <a:r>
-                        <a:rPr lang="es-ES" sz="900">
+                        <a:rPr lang="pt-BR" sz="900">
                           <a:solidFill>
                             <a:srgbClr val="020302"/>
                           </a:solidFill>
@@ -2602,7 +2566,7 @@
                   </a:ext>
                 </a:extLst>
               </a:tr>
-              <a:tr h="249845">
+              <a:tr h="252963">
                 <a:tc vMerge="1">
                   <a:txBody>
                     <a:bodyPr/>
@@ -2654,14 +2618,14 @@
                         </a:spcBef>
                       </a:pPr>
                       <a:r>
-                        <a:rPr lang="es-ES" sz="900">
+                        <a:rPr lang="pt-BR" sz="900">
                           <a:solidFill>
                             <a:srgbClr val="020302"/>
                           </a:solidFill>
                           <a:latin typeface="AdobeClean-Light"/>
                           <a:cs typeface="AdobeClean-Light"/>
                         </a:rPr>
-                        <a:t>Ingeniero de asistencia técnica especializado</a:t>
+                        <a:t>Engenheiro de suporte nomeado</a:t>
                       </a:r>
                     </a:p>
                   </a:txBody>
@@ -2760,7 +2724,7 @@
                         </a:spcBef>
                       </a:pPr>
                       <a:r>
-                        <a:rPr lang="es-ES" sz="900">
+                        <a:rPr lang="pt-BR" sz="900">
                           <a:solidFill>
                             <a:srgbClr val="020302"/>
                           </a:solidFill>
@@ -2787,7 +2751,7 @@
                         </a:spcBef>
                       </a:pPr>
                       <a:r>
-                        <a:rPr lang="es-ES" sz="900">
+                        <a:rPr lang="pt-BR" sz="900">
                           <a:solidFill>
                             <a:srgbClr val="020302"/>
                           </a:solidFill>
@@ -2813,7 +2777,7 @@
                   </a:ext>
                 </a:extLst>
               </a:tr>
-              <a:tr h="249845">
+              <a:tr h="252963">
                 <a:tc vMerge="1">
                   <a:txBody>
                     <a:bodyPr/>
@@ -2877,14 +2841,14 @@
                         </a:spcBef>
                       </a:pPr>
                       <a:r>
-                        <a:rPr lang="es-ES" sz="900">
+                        <a:rPr lang="pt-BR" sz="900">
                           <a:solidFill>
                             <a:srgbClr val="020302"/>
                           </a:solidFill>
                           <a:latin typeface="AdobeClean-Light"/>
                           <a:cs typeface="AdobeClean-Light"/>
                         </a:rPr>
-                        <a:t>Gestor técnico de cuentas</a:t>
+                        <a:t>Gerente técnico de conta</a:t>
                       </a:r>
                     </a:p>
                   </a:txBody>
@@ -3037,7 +3001,7 @@
                         </a:spcBef>
                       </a:pPr>
                       <a:r>
-                        <a:rPr lang="es-ES" sz="900">
+                        <a:rPr lang="pt-BR" sz="900">
                           <a:solidFill>
                             <a:srgbClr val="020302"/>
                           </a:solidFill>
@@ -3069,7 +3033,7 @@
                   </a:ext>
                 </a:extLst>
               </a:tr>
-              <a:tr h="249845">
+              <a:tr h="252963">
                 <a:tc rowSpan="12">
                   <a:txBody>
                     <a:bodyPr/>
@@ -3084,14 +3048,14 @@
                         </a:spcBef>
                       </a:pPr>
                       <a:r>
-                        <a:rPr lang="es-ES" sz="1000" b="1" i="0">
+                        <a:rPr lang="pt-BR" sz="1000" b="1" i="0">
                           <a:solidFill>
                             <a:schemeClr val="bg1"/>
                           </a:solidFill>
                           <a:latin typeface="Adobe Clean" panose="020B0503020404020204" pitchFamily="34" charset="0"/>
                           <a:cs typeface="AdobeClean-Light"/>
                         </a:rPr>
-                        <a:t>Servicios de soporte</a:t>
+                        <a:t>Serviços de suporte</a:t>
                       </a:r>
                     </a:p>
                   </a:txBody>
@@ -3148,14 +3112,14 @@
                         </a:spcBef>
                       </a:pPr>
                       <a:r>
-                        <a:rPr lang="es-ES" sz="900">
+                        <a:rPr lang="pt-BR" sz="900">
                           <a:solidFill>
                             <a:srgbClr val="020302"/>
                           </a:solidFill>
                           <a:latin typeface="AdobeClean-Light"/>
                           <a:cs typeface="AdobeClean-Light"/>
                         </a:rPr>
-                        <a:t>Soporte Online</a:t>
+                        <a:t>Suporte Online</a:t>
                       </a:r>
                     </a:p>
                   </a:txBody>
@@ -3194,14 +3158,14 @@
                         </a:spcBef>
                       </a:pPr>
                       <a:r>
-                        <a:rPr lang="es-ES" sz="800">
+                        <a:rPr lang="pt-BR" sz="800">
                           <a:solidFill>
                             <a:srgbClr val="020302"/>
                           </a:solidFill>
                           <a:latin typeface="AdobeClean-Light"/>
                           <a:cs typeface="AdobeClean-Light"/>
                         </a:rPr>
-                        <a:t>Horario de trabajo</a:t>
+                        <a:t>Horário comercial</a:t>
                       </a:r>
                     </a:p>
                   </a:txBody>
@@ -3239,14 +3203,14 @@
                         </a:spcBef>
                       </a:pPr>
                       <a:r>
-                        <a:rPr lang="es-ES" sz="800">
+                        <a:rPr lang="pt-BR" sz="800">
                           <a:solidFill>
                             <a:srgbClr val="020302"/>
                           </a:solidFill>
                           <a:latin typeface="AdobeClean-Light"/>
                           <a:cs typeface="AdobeClean-Light"/>
                         </a:rPr>
-                        <a:t>Horario de trabajo</a:t>
+                        <a:t>Horário comercial</a:t>
                       </a:r>
                     </a:p>
                   </a:txBody>
@@ -3304,14 +3268,14 @@
                         </a:spcBef>
                       </a:pPr>
                       <a:r>
-                        <a:rPr lang="es-ES" sz="800">
+                        <a:rPr lang="pt-BR" sz="800">
                           <a:solidFill>
                             <a:srgbClr val="020302"/>
                           </a:solidFill>
                           <a:latin typeface="AdobeClean-Light"/>
                           <a:cs typeface="AdobeClean-Light"/>
                         </a:rPr>
-                        <a:t>24x5</a:t>
+                        <a:t>24X5</a:t>
                       </a:r>
                     </a:p>
                   </a:txBody>
@@ -3338,14 +3302,14 @@
                         </a:spcBef>
                       </a:pPr>
                       <a:r>
-                        <a:rPr lang="es-ES" sz="800">
+                        <a:rPr lang="pt-BR" sz="800">
                           <a:solidFill>
                             <a:srgbClr val="020302"/>
                           </a:solidFill>
                           <a:latin typeface="AdobeClean-Light"/>
                           <a:cs typeface="AdobeClean-Light"/>
                         </a:rPr>
-                        <a:t>24x5</a:t>
+                        <a:t>24X5</a:t>
                       </a:r>
                     </a:p>
                   </a:txBody>
@@ -3370,7 +3334,7 @@
                   </a:ext>
                 </a:extLst>
               </a:tr>
-              <a:tr h="249845">
+              <a:tr h="252963">
                 <a:tc vMerge="1">
                   <a:txBody>
                     <a:bodyPr/>
@@ -3425,14 +3389,14 @@
                         </a:spcBef>
                       </a:pPr>
                       <a:r>
-                        <a:rPr lang="es-ES" sz="900">
+                        <a:rPr lang="pt-BR" sz="900">
                           <a:solidFill>
                             <a:srgbClr val="020302"/>
                           </a:solidFill>
                           <a:latin typeface="AdobeClean-Light"/>
                           <a:cs typeface="AdobeClean-Light"/>
                         </a:rPr>
-                        <a:t>Soporte con problemas P1 24 x 7 x 365</a:t>
+                        <a:t>Suporte 24x7x365 para prioridades P1</a:t>
                       </a:r>
                     </a:p>
                   </a:txBody>
@@ -3465,7 +3429,7 @@
                         </a:spcBef>
                       </a:pPr>
                       <a:r>
-                        <a:rPr lang="es-ES" sz="900">
+                        <a:rPr lang="pt-BR" sz="900">
                           <a:solidFill>
                             <a:srgbClr val="020302"/>
                           </a:solidFill>
@@ -3504,7 +3468,7 @@
                         </a:spcBef>
                       </a:pPr>
                       <a:r>
-                        <a:rPr lang="es-ES" sz="900">
+                        <a:rPr lang="pt-BR" sz="900">
                           <a:solidFill>
                             <a:srgbClr val="020302"/>
                           </a:solidFill>
@@ -3552,7 +3516,7 @@
                         </a:spcBef>
                       </a:pPr>
                       <a:r>
-                        <a:rPr lang="es-ES" sz="900">
+                        <a:rPr lang="pt-BR" sz="900">
                           <a:solidFill>
                             <a:srgbClr val="020302"/>
                           </a:solidFill>
@@ -3579,7 +3543,7 @@
                         </a:spcBef>
                       </a:pPr>
                       <a:r>
-                        <a:rPr lang="es-ES" sz="900">
+                        <a:rPr lang="pt-BR" sz="900">
                           <a:solidFill>
                             <a:srgbClr val="020302"/>
                           </a:solidFill>
@@ -3605,7 +3569,7 @@
                   </a:ext>
                 </a:extLst>
               </a:tr>
-              <a:tr h="249845">
+              <a:tr h="252963">
                 <a:tc vMerge="1">
                   <a:txBody>
                     <a:bodyPr/>
@@ -3660,14 +3624,14 @@
                         </a:spcBef>
                       </a:pPr>
                       <a:r>
-                        <a:rPr lang="es-ES" sz="900">
+                        <a:rPr lang="pt-BR" sz="900">
                           <a:solidFill>
                             <a:srgbClr val="020302"/>
                           </a:solidFill>
                           <a:latin typeface="AdobeClean-Light"/>
                           <a:cs typeface="AdobeClean-Light"/>
                         </a:rPr>
-                        <a:t>Contactos de soporte particulares (por producto)</a:t>
+                        <a:t>Contatos de suporte nomeados (por produto)</a:t>
                       </a:r>
                     </a:p>
                   </a:txBody>
@@ -3700,7 +3664,7 @@
                         </a:spcBef>
                       </a:pPr>
                       <a:r>
-                        <a:rPr lang="es-ES" sz="900">
+                        <a:rPr lang="pt-BR" sz="900">
                           <a:solidFill>
                             <a:srgbClr val="020302"/>
                           </a:solidFill>
@@ -3739,7 +3703,7 @@
                         </a:spcBef>
                       </a:pPr>
                       <a:r>
-                        <a:rPr lang="es-ES" sz="900">
+                        <a:rPr lang="pt-BR" sz="900">
                           <a:solidFill>
                             <a:srgbClr val="020302"/>
                           </a:solidFill>
@@ -3787,7 +3751,7 @@
                         </a:spcBef>
                       </a:pPr>
                       <a:r>
-                        <a:rPr lang="es-ES" sz="900">
+                        <a:rPr lang="pt-BR" sz="900">
                           <a:solidFill>
                             <a:srgbClr val="020302"/>
                           </a:solidFill>
@@ -3814,7 +3778,7 @@
                         </a:spcBef>
                       </a:pPr>
                       <a:r>
-                        <a:rPr lang="es-ES" sz="900">
+                        <a:rPr lang="pt-BR" sz="900">
                           <a:solidFill>
                             <a:srgbClr val="020302"/>
                           </a:solidFill>
@@ -3840,7 +3804,7 @@
                   </a:ext>
                 </a:extLst>
               </a:tr>
-              <a:tr h="249845">
+              <a:tr h="252963">
                 <a:tc vMerge="1">
                   <a:txBody>
                     <a:bodyPr/>
@@ -3895,14 +3859,14 @@
                         </a:spcBef>
                       </a:pPr>
                       <a:r>
-                        <a:rPr lang="es-ES" sz="900">
+                        <a:rPr lang="pt-BR" sz="900">
                           <a:solidFill>
                             <a:srgbClr val="020302"/>
                           </a:solidFill>
                           <a:latin typeface="AdobeClean-Light"/>
                           <a:cs typeface="AdobeClean-Light"/>
                         </a:rPr>
-                        <a:t>Asistencia telefónica en directo</a:t>
+                        <a:t>Suporte telefônico ao vivo</a:t>
                       </a:r>
                     </a:p>
                   </a:txBody>
@@ -3965,7 +3929,7 @@
                         </a:spcBef>
                       </a:pPr>
                       <a:r>
-                        <a:rPr lang="es-ES" sz="900">
+                        <a:rPr lang="pt-BR" sz="900">
                           <a:solidFill>
                             <a:srgbClr val="020302"/>
                           </a:solidFill>
@@ -4013,7 +3977,7 @@
                         </a:spcBef>
                       </a:pPr>
                       <a:r>
-                        <a:rPr lang="es-ES" sz="900">
+                        <a:rPr lang="pt-BR" sz="900">
                           <a:solidFill>
                             <a:srgbClr val="020302"/>
                           </a:solidFill>
@@ -4040,7 +4004,7 @@
                         </a:spcBef>
                       </a:pPr>
                       <a:r>
-                        <a:rPr lang="es-ES" sz="900">
+                        <a:rPr lang="pt-BR" sz="900">
                           <a:solidFill>
                             <a:srgbClr val="020302"/>
                           </a:solidFill>
@@ -4066,7 +4030,7 @@
                   </a:ext>
                 </a:extLst>
               </a:tr>
-              <a:tr h="249845">
+              <a:tr h="252963">
                 <a:tc vMerge="1">
                   <a:txBody>
                     <a:bodyPr/>
@@ -4121,14 +4085,14 @@
                         </a:spcBef>
                       </a:pPr>
                       <a:r>
-                        <a:rPr lang="es-ES" sz="900">
+                        <a:rPr lang="pt-BR" sz="900">
                           <a:solidFill>
                             <a:srgbClr val="020302"/>
                           </a:solidFill>
                           <a:latin typeface="AdobeClean-Light"/>
                           <a:cs typeface="AdobeClean-Light"/>
                         </a:rPr>
-                        <a:t>Administración de la escalabilidad</a:t>
+                        <a:t>Gestão de encaminhamento</a:t>
                       </a:r>
                     </a:p>
                   </a:txBody>
@@ -4191,7 +4155,7 @@
                         </a:spcBef>
                       </a:pPr>
                       <a:r>
-                        <a:rPr lang="es-ES" sz="900">
+                        <a:rPr lang="pt-BR" sz="900">
                           <a:solidFill>
                             <a:srgbClr val="020302"/>
                           </a:solidFill>
@@ -4239,7 +4203,7 @@
                         </a:spcBef>
                       </a:pPr>
                       <a:r>
-                        <a:rPr lang="es-ES" sz="900">
+                        <a:rPr lang="pt-BR" sz="900">
                           <a:solidFill>
                             <a:srgbClr val="020302"/>
                           </a:solidFill>
@@ -4266,7 +4230,7 @@
                         </a:spcBef>
                       </a:pPr>
                       <a:r>
-                        <a:rPr lang="es-ES" sz="900">
+                        <a:rPr lang="pt-BR" sz="900">
                           <a:solidFill>
                             <a:srgbClr val="020302"/>
                           </a:solidFill>
@@ -4292,7 +4256,7 @@
                   </a:ext>
                 </a:extLst>
               </a:tr>
-              <a:tr h="249845">
+              <a:tr h="252963">
                 <a:tc vMerge="1">
                   <a:txBody>
                     <a:bodyPr/>
@@ -4347,14 +4311,14 @@
                         </a:spcBef>
                       </a:pPr>
                       <a:r>
-                        <a:rPr lang="es-ES" sz="900">
+                        <a:rPr lang="pt-BR" sz="900">
                           <a:solidFill>
                             <a:srgbClr val="020302"/>
                           </a:solidFill>
                           <a:latin typeface="AdobeClean-Light"/>
                           <a:cs typeface="AdobeClean-Light"/>
                         </a:rPr>
-                        <a:t>Revisiones de servicio al año</a:t>
+                        <a:t>Revisões de serviço por ano</a:t>
                       </a:r>
                     </a:p>
                   </a:txBody>
@@ -4453,7 +4417,7 @@
                         </a:spcBef>
                       </a:pPr>
                       <a:r>
-                        <a:rPr lang="es-ES" sz="900">
+                        <a:rPr lang="pt-BR" sz="900">
                           <a:solidFill>
                             <a:srgbClr val="020302"/>
                           </a:solidFill>
@@ -4480,7 +4444,7 @@
                         </a:spcBef>
                       </a:pPr>
                       <a:r>
-                        <a:rPr lang="es-ES" sz="900">
+                        <a:rPr lang="pt-BR" sz="900">
                           <a:solidFill>
                             <a:srgbClr val="020302"/>
                           </a:solidFill>
@@ -4506,7 +4470,7 @@
                   </a:ext>
                 </a:extLst>
               </a:tr>
-              <a:tr h="249845">
+              <a:tr h="252963">
                 <a:tc vMerge="1">
                   <a:txBody>
                     <a:bodyPr/>
@@ -4531,11 +4495,11 @@
                         </a:spcBef>
                       </a:pPr>
                       <a:r>
-                        <a:rPr lang="es-ES" sz="900">
+                        <a:rPr lang="pt-BR" sz="900">
                           <a:latin typeface="AdobeClean-Light"/>
                           <a:cs typeface="AdobeClean-Light"/>
                         </a:rPr>
-                        <a:t>Sesiones con expertos al año</a:t>
+                        <a:t>Sessões de especialistas por ano</a:t>
                       </a:r>
                     </a:p>
                   </a:txBody>
@@ -4635,7 +4599,7 @@
                         </a:spcBef>
                       </a:pPr>
                       <a:r>
-                        <a:rPr lang="es-ES" sz="900">
+                        <a:rPr lang="pt-BR" sz="900">
                           <a:latin typeface="AdobeClean-Light"/>
                           <a:cs typeface="AdobeClean-Light"/>
                         </a:rPr>
@@ -4659,7 +4623,7 @@
                         </a:spcBef>
                       </a:pPr>
                       <a:r>
-                        <a:rPr lang="es-ES" sz="900">
+                        <a:rPr lang="pt-BR" sz="900">
                           <a:latin typeface="AdobeClean-Light"/>
                           <a:cs typeface="AdobeClean-Light"/>
                         </a:rPr>
@@ -4682,7 +4646,7 @@
                   </a:ext>
                 </a:extLst>
               </a:tr>
-              <a:tr h="249845">
+              <a:tr h="252963">
                 <a:tc vMerge="1">
                   <a:txBody>
                     <a:bodyPr/>
@@ -4707,11 +4671,11 @@
                         </a:spcBef>
                       </a:pPr>
                       <a:r>
-                        <a:rPr lang="es-ES" sz="900">
+                        <a:rPr lang="pt-BR" sz="900">
                           <a:latin typeface="AdobeClean-Light"/>
                           <a:cs typeface="AdobeClean-Light"/>
                         </a:rPr>
-                        <a:t>Reseñas de casos</a:t>
+                        <a:t>Revisões de caso</a:t>
                       </a:r>
                     </a:p>
                   </a:txBody>
@@ -4820,7 +4784,7 @@
                         <a:defRPr/>
                       </a:pPr>
                       <a:r>
-                        <a:rPr lang="es-ES" sz="900">
+                        <a:rPr lang="pt-BR" sz="900">
                           <a:solidFill>
                             <a:srgbClr val="020302"/>
                           </a:solidFill>
@@ -4856,7 +4820,7 @@
                         <a:defRPr/>
                       </a:pPr>
                       <a:r>
-                        <a:rPr lang="es-ES" sz="900">
+                        <a:rPr lang="pt-BR" sz="900">
                           <a:solidFill>
                             <a:srgbClr val="020302"/>
                           </a:solidFill>
@@ -4882,7 +4846,7 @@
                   </a:ext>
                 </a:extLst>
               </a:tr>
-              <a:tr h="249845">
+              <a:tr h="252963">
                 <a:tc vMerge="1">
                   <a:txBody>
                     <a:bodyPr/>
@@ -4937,14 +4901,14 @@
                         </a:spcBef>
                       </a:pPr>
                       <a:r>
-                        <a:rPr lang="es-ES" sz="900">
+                        <a:rPr lang="pt-BR" sz="900">
                           <a:solidFill>
                             <a:srgbClr val="020302"/>
                           </a:solidFill>
                           <a:latin typeface="AdobeClean-Light"/>
                           <a:cs typeface="AdobeClean-Light"/>
                         </a:rPr>
-                        <a:t>Gestión de eventos</a:t>
+                        <a:t>Gerenciamento de eventos</a:t>
                       </a:r>
                     </a:p>
                   </a:txBody>
@@ -5061,7 +5025,7 @@
                         </a:spcBef>
                       </a:pPr>
                       <a:r>
-                        <a:rPr lang="es-ES" sz="900">
+                        <a:rPr lang="pt-BR" sz="900">
                           <a:solidFill>
                             <a:srgbClr val="020302"/>
                           </a:solidFill>
@@ -5087,7 +5051,7 @@
                   </a:ext>
                 </a:extLst>
               </a:tr>
-              <a:tr h="249845">
+              <a:tr h="252963">
                 <a:tc vMerge="1">
                   <a:txBody>
                     <a:bodyPr/>
@@ -5151,14 +5115,14 @@
                         </a:spcBef>
                       </a:pPr>
                       <a:r>
-                        <a:rPr lang="es-ES" sz="900">
+                        <a:rPr lang="pt-BR" sz="900">
                           <a:solidFill>
                             <a:srgbClr val="020302"/>
                           </a:solidFill>
                           <a:latin typeface="AdobeClean-Light"/>
                           <a:cs typeface="AdobeClean-Light"/>
                         </a:rPr>
-                        <a:t>Revisión, mantenimiento y monitorización del entorno,</a:t>
+                        <a:t>Revisão, manutenção e monitoramento do ambiente,</a:t>
                       </a:r>
                     </a:p>
                   </a:txBody>
@@ -5284,7 +5248,7 @@
                         </a:spcBef>
                       </a:pPr>
                       <a:r>
-                        <a:rPr lang="es-ES" sz="900">
+                        <a:rPr lang="pt-BR" sz="900">
                           <a:solidFill>
                             <a:srgbClr val="020302"/>
                           </a:solidFill>
@@ -5310,7 +5274,7 @@
                   </a:ext>
                 </a:extLst>
               </a:tr>
-              <a:tr h="326432">
+              <a:tr h="328548">
                 <a:tc vMerge="1">
                   <a:txBody>
                     <a:bodyPr/>
@@ -5365,14 +5329,33 @@
                         </a:spcBef>
                       </a:pPr>
                       <a:r>
-                        <a:rPr lang="es-ES" sz="900" dirty="0">
+                        <a:rPr lang="pt-BR" sz="900" dirty="0">
                           <a:solidFill>
                             <a:srgbClr val="020302"/>
                           </a:solidFill>
                           <a:latin typeface="AdobeClean-Light"/>
                           <a:cs typeface="AdobeClean-Light"/>
                         </a:rPr>
-                        <a:t>Lanzamiento, migración, actualización y revisión de la hoja de ruta del producto</a:t>
+                        <a:t>Revisão de versão, migração, atualização e roteiro </a:t>
+                      </a:r>
+                      <a:br>
+                        <a:rPr lang="sk-SK" sz="900" dirty="0">
+                          <a:solidFill>
+                            <a:srgbClr val="020302"/>
+                          </a:solidFill>
+                          <a:latin typeface="AdobeClean-Light"/>
+                          <a:cs typeface="AdobeClean-Light"/>
+                        </a:rPr>
+                      </a:br>
+                      <a:r>
+                        <a:rPr lang="pt-BR" sz="900" dirty="0">
+                          <a:solidFill>
+                            <a:srgbClr val="020302"/>
+                          </a:solidFill>
+                          <a:latin typeface="AdobeClean-Light"/>
+                          <a:cs typeface="AdobeClean-Light"/>
+                        </a:rPr>
+                        <a:t>de produtos</a:t>
                       </a:r>
                     </a:p>
                   </a:txBody>
@@ -5489,7 +5472,7 @@
                         </a:spcBef>
                       </a:pPr>
                       <a:r>
-                        <a:rPr lang="es-ES" sz="900">
+                        <a:rPr lang="pt-BR" sz="900">
                           <a:solidFill>
                             <a:srgbClr val="020302"/>
                           </a:solidFill>
@@ -5515,7 +5498,7 @@
                   </a:ext>
                 </a:extLst>
               </a:tr>
-              <a:tr h="330113">
+              <a:tr h="332254">
                 <a:tc vMerge="1">
                   <a:txBody>
                     <a:bodyPr/>
@@ -5579,11 +5562,24 @@
                         </a:spcBef>
                       </a:pPr>
                       <a:r>
-                        <a:rPr lang="es-ES" sz="900">
+                        <a:rPr lang="pt-BR" sz="900" dirty="0">
                           <a:latin typeface="AdobeClean-Light"/>
                           <a:cs typeface="AdobeClean-Light"/>
                         </a:rPr>
-                        <a:t>Actividades de asistencia en la nube: Experience Manager as Cloud</a:t>
+                        <a:t>Atividades de suporte na nuvem — Experience Manager </a:t>
+                      </a:r>
+                      <a:br>
+                        <a:rPr lang="sk-SK" sz="900" dirty="0">
+                          <a:latin typeface="AdobeClean-Light"/>
+                          <a:cs typeface="AdobeClean-Light"/>
+                        </a:rPr>
+                      </a:br>
+                      <a:r>
+                        <a:rPr lang="pt-BR" sz="900" dirty="0">
+                          <a:latin typeface="AdobeClean-Light"/>
+                          <a:cs typeface="AdobeClean-Light"/>
+                        </a:rPr>
+                        <a:t>as Cloud</a:t>
                       </a:r>
                     </a:p>
                   </a:txBody>
@@ -5711,7 +5707,7 @@
                         </a:spcBef>
                       </a:pPr>
                       <a:r>
-                        <a:rPr lang="es-ES" sz="900">
+                        <a:rPr lang="pt-BR" sz="900">
                           <a:solidFill>
                             <a:srgbClr val="020302"/>
                           </a:solidFill>
@@ -5745,7 +5741,7 @@
                         </a:spcBef>
                       </a:pPr>
                       <a:r>
-                        <a:rPr lang="es-ES" sz="900">
+                        <a:rPr lang="pt-BR" sz="900">
                           <a:solidFill>
                             <a:srgbClr val="020302"/>
                           </a:solidFill>
@@ -5777,7 +5773,7 @@
                   </a:ext>
                 </a:extLst>
               </a:tr>
-              <a:tr h="249845">
+              <a:tr h="252963">
                 <a:tc rowSpan="2">
                   <a:txBody>
                     <a:bodyPr/>
@@ -5792,14 +5788,14 @@
                         </a:spcBef>
                       </a:pPr>
                       <a:r>
-                        <a:rPr lang="es-ES" sz="1000" b="1" i="0">
+                        <a:rPr lang="pt-BR" sz="1000" b="1" i="0">
                           <a:solidFill>
                             <a:schemeClr val="bg1"/>
                           </a:solidFill>
                           <a:latin typeface="Adobe Clean" panose="020B0503020404020204" pitchFamily="34" charset="0"/>
                           <a:cs typeface="AdobeClean-Light"/>
                         </a:rPr>
-                        <a:t>Servicios de campo</a:t>
+                        <a:t>Serviços de campo</a:t>
                       </a:r>
                     </a:p>
                   </a:txBody>
@@ -5853,54 +5849,14 @@
                         </a:spcBef>
                       </a:pPr>
                       <a:r>
-                        <a:rPr lang="es-ES" sz="900" dirty="0">
+                        <a:rPr lang="pt-BR" sz="900">
                           <a:solidFill>
                             <a:srgbClr val="020302"/>
                           </a:solidFill>
                           <a:latin typeface="AdobeClean-Light"/>
                           <a:cs typeface="AdobeClean-Light"/>
                         </a:rPr>
-                        <a:t>Servicios de </a:t>
-                      </a:r>
-                      <a:r>
-                        <a:rPr lang="es-ES" sz="900" dirty="0" err="1">
-                          <a:solidFill>
-                            <a:srgbClr val="020302"/>
-                          </a:solidFill>
-                          <a:latin typeface="AdobeClean-Light"/>
-                          <a:cs typeface="AdobeClean-Light"/>
-                        </a:rPr>
-                        <a:t>Launch</a:t>
-                      </a:r>
-                      <a:r>
-                        <a:rPr lang="es-ES" sz="900" dirty="0">
-                          <a:solidFill>
-                            <a:srgbClr val="020302"/>
-                          </a:solidFill>
-                          <a:latin typeface="AdobeClean-Light"/>
-                          <a:cs typeface="AdobeClean-Light"/>
-                        </a:rPr>
-                        <a:t> </a:t>
-                      </a:r>
-                      <a:r>
-                        <a:rPr lang="es-ES" sz="900" dirty="0" err="1">
-                          <a:solidFill>
-                            <a:srgbClr val="020302"/>
-                          </a:solidFill>
-                          <a:latin typeface="AdobeClean-Light"/>
-                          <a:cs typeface="AdobeClean-Light"/>
-                        </a:rPr>
-                        <a:t>Advisory</a:t>
-                      </a:r>
-                      <a:r>
-                        <a:rPr lang="es-ES" sz="900" dirty="0">
-                          <a:solidFill>
-                            <a:srgbClr val="020302"/>
-                          </a:solidFill>
-                          <a:latin typeface="AdobeClean-Light"/>
-                          <a:cs typeface="AdobeClean-Light"/>
-                        </a:rPr>
-                        <a:t>: primer año de la nueva solución</a:t>
+                        <a:t>Launch Advisory Services — primeiro ano da nova solução</a:t>
                       </a:r>
                     </a:p>
                     <a:p>
@@ -5913,11 +5869,11 @@
                         </a:spcBef>
                       </a:pPr>
                       <a:r>
-                        <a:rPr lang="es-ES" sz="900" dirty="0">
+                        <a:rPr lang="pt-BR" sz="900">
                           <a:latin typeface="AdobeClean-Light"/>
                           <a:cs typeface="AdobeClean-Light"/>
                         </a:rPr>
-                        <a:t>Actividades del servicio de campo</a:t>
+                        <a:t>Atividades de serviço de campo</a:t>
                       </a:r>
                     </a:p>
                   </a:txBody>
@@ -5994,7 +5950,7 @@
                           <a:spcPct val="100000"/>
                         </a:lnSpc>
                       </a:pPr>
-                      <a:endParaRPr sz="900" spc="0">
+                      <a:endParaRPr sz="900" spc="0" dirty="0">
                         <a:latin typeface="Times New Roman"/>
                         <a:cs typeface="Times New Roman"/>
                       </a:endParaRPr>
@@ -6051,7 +6007,7 @@
                         </a:spcBef>
                       </a:pPr>
                       <a:r>
-                        <a:rPr lang="es-ES" sz="900">
+                        <a:rPr lang="pt-BR" sz="900">
                           <a:solidFill>
                             <a:srgbClr val="020302"/>
                           </a:solidFill>
@@ -6085,7 +6041,7 @@
                         </a:spcBef>
                       </a:pPr>
                       <a:r>
-                        <a:rPr lang="es-ES" sz="900">
+                        <a:rPr lang="pt-BR" sz="900">
                           <a:solidFill>
                             <a:srgbClr val="020302"/>
                           </a:solidFill>
@@ -6117,7 +6073,7 @@
                   </a:ext>
                 </a:extLst>
               </a:tr>
-              <a:tr h="292571">
+              <a:tr h="253412">
                 <a:tc vMerge="1">
                   <a:txBody>
                     <a:bodyPr/>
@@ -6263,7 +6219,7 @@
                         </a:spcBef>
                       </a:pPr>
                       <a:r>
-                        <a:rPr lang="es-ES" sz="900">
+                        <a:rPr lang="pt-BR" sz="900">
                           <a:solidFill>
                             <a:srgbClr val="020302"/>
                           </a:solidFill>
@@ -6297,7 +6253,7 @@
                         </a:spcBef>
                       </a:pPr>
                       <a:r>
-                        <a:rPr lang="es-ES" sz="900" dirty="0">
+                        <a:rPr lang="pt-BR" sz="900" dirty="0">
                           <a:solidFill>
                             <a:srgbClr val="020302"/>
                           </a:solidFill>
@@ -6367,7 +6323,7 @@
               </a:spcBef>
             </a:pPr>
             <a:r>
-              <a:rPr lang="es-ES"/>
+              <a:rPr lang="pt-BR"/>
               <a:t>©2021 Adobe. All Rights Reserved. Adobe Confidential.</a:t>
             </a:r>
           </a:p>
@@ -6382,14 +6338,14 @@
           <p:nvPr>
             <p:extLst>
               <p:ext uri="{D42A27DB-BD31-4B8C-83A1-F6EECF244321}">
-                <p14:modId xmlns:p14="http://schemas.microsoft.com/office/powerpoint/2010/main" val="1242633093"/>
+                <p14:modId xmlns:p14="http://schemas.microsoft.com/office/powerpoint/2010/main" val="1969056798"/>
               </p:ext>
             </p:extLst>
           </p:nvPr>
         </p:nvGraphicFramePr>
         <p:xfrm>
           <a:off x="33527" y="7483227"/>
-          <a:ext cx="7705343" cy="2243657"/>
+          <a:ext cx="7705343" cy="2256991"/>
         </p:xfrm>
         <a:graphic>
           <a:graphicData uri="http://schemas.openxmlformats.org/drawingml/2006/table">
@@ -6449,14 +6405,14 @@
                         </a:spcBef>
                       </a:pPr>
                       <a:r>
-                        <a:rPr lang="es-ES" sz="900">
+                        <a:rPr lang="pt-BR" sz="900">
                           <a:solidFill>
                             <a:srgbClr val="020302"/>
                           </a:solidFill>
                           <a:latin typeface="Adobe Clean"/>
                           <a:cs typeface="Adobe Clean"/>
                         </a:rPr>
-                        <a:t>Prioridad</a:t>
+                        <a:t>Prioridade</a:t>
                       </a:r>
                     </a:p>
                   </a:txBody>
@@ -6504,14 +6460,14 @@
                         </a:spcBef>
                       </a:pPr>
                       <a:r>
-                        <a:rPr lang="es-ES" sz="900">
+                        <a:rPr lang="pt-BR" sz="900">
                           <a:solidFill>
                             <a:srgbClr val="020302"/>
                           </a:solidFill>
                           <a:latin typeface="Adobe Clean"/>
                           <a:cs typeface="Adobe Clean"/>
                         </a:rPr>
-                        <a:t>Soporte Online</a:t>
+                        <a:t>Suporte Online</a:t>
                       </a:r>
                     </a:p>
                   </a:txBody>
@@ -6559,14 +6515,14 @@
                         </a:spcBef>
                       </a:pPr>
                       <a:r>
-                        <a:rPr lang="es-ES" sz="900">
+                        <a:rPr lang="pt-BR" sz="900">
                           <a:solidFill>
                             <a:srgbClr val="FFFFFF"/>
                           </a:solidFill>
                           <a:latin typeface="Adobe Clean"/>
                           <a:cs typeface="Adobe Clean"/>
                         </a:rPr>
-                        <a:t>Soporte Business</a:t>
+                        <a:t>Suporte Business</a:t>
                       </a:r>
                     </a:p>
                   </a:txBody>
@@ -6614,14 +6570,14 @@
                         </a:spcBef>
                       </a:pPr>
                       <a:r>
-                        <a:rPr lang="es-ES" sz="900">
+                        <a:rPr lang="pt-BR" sz="900">
                           <a:solidFill>
                             <a:srgbClr val="FFFFFF"/>
                           </a:solidFill>
                           <a:latin typeface="Adobe Clean"/>
                           <a:cs typeface="Adobe Clean"/>
                         </a:rPr>
-                        <a:t>Soporte Enterprise</a:t>
+                        <a:t>Suporte Enterprise</a:t>
                       </a:r>
                     </a:p>
                   </a:txBody>
@@ -6669,14 +6625,14 @@
                         </a:spcBef>
                       </a:pPr>
                       <a:r>
-                        <a:rPr lang="es-ES" sz="900">
+                        <a:rPr lang="pt-BR" sz="900">
                           <a:solidFill>
                             <a:srgbClr val="FFFFFF"/>
                           </a:solidFill>
                           <a:latin typeface="Adobe Clean"/>
                           <a:cs typeface="Adobe Clean"/>
                         </a:rPr>
-                        <a:t>Soporte Elite</a:t>
+                        <a:t>Suporte Elite</a:t>
                       </a:r>
                     </a:p>
                   </a:txBody>
@@ -6731,14 +6687,14 @@
                         </a:spcBef>
                       </a:pPr>
                       <a:r>
-                        <a:rPr lang="es-ES" sz="900" b="1" dirty="0">
+                        <a:rPr lang="pt-BR" sz="900" b="1">
                           <a:solidFill>
                             <a:srgbClr val="020302"/>
                           </a:solidFill>
                           <a:latin typeface="Adobe Clean"/>
                           <a:cs typeface="Adobe Clean"/>
                         </a:rPr>
-                        <a:t>PRIORIDAD 1</a:t>
+                        <a:t>PRIORIDADE 1</a:t>
                       </a:r>
                     </a:p>
                     <a:p>
@@ -6751,13 +6707,13 @@
                         </a:spcBef>
                       </a:pPr>
                       <a:r>
-                        <a:rPr lang="es-ES" sz="800" b="0" i="0" dirty="0">
+                        <a:rPr lang="pt-BR" sz="900" b="0" i="0">
                           <a:solidFill>
                             <a:srgbClr val="000000"/>
                           </a:solidFill>
                           <a:latin typeface="Adobe Clean Light" panose="020B0303020404020204" pitchFamily="34" charset="0"/>
                         </a:rPr>
-                        <a:t>Las funciones empresariales de producción del cliente no están activadas o pierden datos o presentan una degradación del servicio significativa, por lo que se requiere atención inmediata para restaurar la funcionalidad y facilidad de uso. </a:t>
+                        <a:t>As funções de produção do cliente estão inativas ou têm perda significativa de dados ou degradação de serviços, e é necessária atenção imediata para restaurar a funcionalidade e a usabilidade. </a:t>
                       </a:r>
                     </a:p>
                   </a:txBody>
@@ -6802,7 +6758,7 @@
                         </a:spcBef>
                       </a:pPr>
                       <a:r>
-                        <a:rPr lang="es-ES" sz="900" dirty="0">
+                        <a:rPr lang="pt-BR" sz="900" dirty="0">
                           <a:solidFill>
                             <a:srgbClr val="020302"/>
                           </a:solidFill>
@@ -6854,7 +6810,7 @@
                         </a:spcBef>
                       </a:pPr>
                       <a:r>
-                        <a:rPr lang="es-ES" sz="900">
+                        <a:rPr lang="pt-BR" sz="900">
                           <a:solidFill>
                             <a:srgbClr val="020302"/>
                           </a:solidFill>
@@ -6906,7 +6862,7 @@
                         </a:spcBef>
                       </a:pPr>
                       <a:r>
-                        <a:rPr lang="es-ES" sz="900">
+                        <a:rPr lang="pt-BR" sz="900">
                           <a:solidFill>
                             <a:srgbClr val="020302"/>
                           </a:solidFill>
@@ -6958,7 +6914,7 @@
                         </a:spcBef>
                       </a:pPr>
                       <a:r>
-                        <a:rPr lang="es-ES" sz="900">
+                        <a:rPr lang="pt-BR" sz="900">
                           <a:solidFill>
                             <a:srgbClr val="020302"/>
                           </a:solidFill>
@@ -7017,14 +6973,14 @@
                         </a:spcBef>
                       </a:pPr>
                       <a:r>
-                        <a:rPr lang="es-ES" sz="900" b="1" dirty="0">
+                        <a:rPr lang="pt-BR" sz="900" b="1">
                           <a:solidFill>
                             <a:srgbClr val="020302"/>
                           </a:solidFill>
                           <a:latin typeface="Adobe Clean"/>
                           <a:cs typeface="Adobe Clean"/>
                         </a:rPr>
-                        <a:t>PRIORIDAD 2</a:t>
+                        <a:t>PRIORIDADE 2</a:t>
                       </a:r>
                     </a:p>
                     <a:p>
@@ -7046,13 +7002,13 @@
                         <a:defRPr/>
                       </a:pPr>
                       <a:r>
-                        <a:rPr lang="es-ES" sz="800" b="0" i="0" dirty="0">
+                        <a:rPr lang="pt-BR" sz="900" b="0" i="0">
                           <a:solidFill>
                             <a:srgbClr val="000000"/>
                           </a:solidFill>
                           <a:latin typeface="Adobe Clean Light" panose="020B0303020404020204" pitchFamily="34" charset="0"/>
                         </a:rPr>
-                        <a:t>Las funciones empresariales del cliente presentan una importante degradación del servicio o hay una posible pérdida de datos, o una función clave se está viendo afectada. </a:t>
+                        <a:t>As funções empresariais do cliente têm grande degradação de serviços, perda potencial de dados ou foi afetado um recurso importante </a:t>
                       </a:r>
                     </a:p>
                   </a:txBody>
@@ -7097,14 +7053,66 @@
                         </a:spcBef>
                       </a:pPr>
                       <a:r>
-                        <a:rPr lang="es-ES" sz="900" dirty="0">
+                        <a:rPr lang="pt-BR" sz="900">
                           <a:solidFill>
                             <a:srgbClr val="020302"/>
                           </a:solidFill>
                           <a:latin typeface="AdobeClean-Light"/>
                           <a:cs typeface="AdobeClean-Light"/>
                         </a:rPr>
-                        <a:t>Horario de trabajo /  </a:t>
+                        <a:t>Horário comercial/           4 horas</a:t>
+                      </a:r>
+                    </a:p>
+                  </a:txBody>
+                  <a:tcPr marL="0" marR="0" marT="0" marB="0" anchor="ctr">
+                    <a:lnL w="3175">
+                      <a:solidFill>
+                        <a:srgbClr val="B7B8B8"/>
+                      </a:solidFill>
+                      <a:prstDash val="solid"/>
+                    </a:lnL>
+                    <a:lnR w="3175">
+                      <a:solidFill>
+                        <a:srgbClr val="B7B8B8"/>
+                      </a:solidFill>
+                      <a:prstDash val="solid"/>
+                    </a:lnR>
+                    <a:lnT w="3175">
+                      <a:solidFill>
+                        <a:srgbClr val="B7B8B8"/>
+                      </a:solidFill>
+                      <a:prstDash val="solid"/>
+                    </a:lnT>
+                    <a:lnB w="3175">
+                      <a:solidFill>
+                        <a:srgbClr val="B7B8B8"/>
+                      </a:solidFill>
+                      <a:prstDash val="solid"/>
+                    </a:lnB>
+                  </a:tcPr>
+                </a:tc>
+                <a:tc>
+                  <a:txBody>
+                    <a:bodyPr/>
+                    <a:lstStyle/>
+                    <a:p>
+                      <a:pPr marL="0" marR="184785" indent="-194310" algn="ctr">
+                        <a:lnSpc>
+                          <a:spcPct val="100000"/>
+                        </a:lnSpc>
+                        <a:spcBef>
+                          <a:spcPts val="670"/>
+                        </a:spcBef>
+                      </a:pPr>
+                      <a:r>
+                        <a:rPr lang="pt-BR" sz="900" dirty="0">
+                          <a:solidFill>
+                            <a:srgbClr val="020302"/>
+                          </a:solidFill>
+                          <a:latin typeface="AdobeClean-Light"/>
+                          <a:cs typeface="AdobeClean-Light"/>
+                        </a:rPr>
+                        <a:t>Horário comercial/ </a:t>
                       </a:r>
                       <a:br>
                         <a:rPr lang="sk-SK" sz="900" dirty="0">
@@ -7116,14 +7124,14 @@
                         </a:rPr>
                       </a:br>
                       <a:r>
-                        <a:rPr lang="es-ES" sz="900" dirty="0">
+                        <a:rPr lang="pt-BR" sz="900" dirty="0">
                           <a:solidFill>
                             <a:srgbClr val="020302"/>
                           </a:solidFill>
                           <a:latin typeface="AdobeClean-Light"/>
                           <a:cs typeface="AdobeClean-Light"/>
                         </a:rPr>
-                        <a:t>4 horas</a:t>
+                        <a:t>2 horas</a:t>
                       </a:r>
                     </a:p>
                   </a:txBody>
@@ -7159,7 +7167,7 @@
                     <a:bodyPr/>
                     <a:lstStyle/>
                     <a:p>
-                      <a:pPr marL="0" marR="184785" indent="-194310" algn="ctr">
+                      <a:pPr marL="0" marR="325755" indent="-5715" algn="ctr">
                         <a:lnSpc>
                           <a:spcPct val="100000"/>
                         </a:lnSpc>
@@ -7168,33 +7176,14 @@
                         </a:spcBef>
                       </a:pPr>
                       <a:r>
-                        <a:rPr lang="es-ES" sz="900" dirty="0">
+                        <a:rPr lang="pt-BR" sz="900" dirty="0">
                           <a:solidFill>
                             <a:srgbClr val="020302"/>
                           </a:solidFill>
                           <a:latin typeface="AdobeClean-Light"/>
                           <a:cs typeface="AdobeClean-Light"/>
                         </a:rPr>
-                        <a:t>Horario de trabajo / </a:t>
-                      </a:r>
-                      <a:br>
-                        <a:rPr lang="sk-SK" sz="900" dirty="0">
-                          <a:solidFill>
-                            <a:srgbClr val="020302"/>
-                          </a:solidFill>
-                          <a:latin typeface="AdobeClean-Light"/>
-                          <a:cs typeface="AdobeClean-Light"/>
-                        </a:rPr>
-                      </a:br>
-                      <a:r>
-                        <a:rPr lang="es-ES" sz="900" dirty="0">
-                          <a:solidFill>
-                            <a:srgbClr val="020302"/>
-                          </a:solidFill>
-                          <a:latin typeface="AdobeClean-Light"/>
-                          <a:cs typeface="AdobeClean-Light"/>
-                        </a:rPr>
-                        <a:t> 2 horas</a:t>
+                        <a:t>24x5 /                1 hora</a:t>
                       </a:r>
                     </a:p>
                   </a:txBody>
@@ -7230,7 +7219,7 @@
                     <a:bodyPr/>
                     <a:lstStyle/>
                     <a:p>
-                      <a:pPr marL="0" marR="325755" indent="-5715" algn="ctr">
+                      <a:pPr marL="0" marR="259079" indent="111760" algn="ctr">
                         <a:lnSpc>
                           <a:spcPct val="100000"/>
                         </a:lnSpc>
@@ -7239,59 +7228,7 @@
                         </a:spcBef>
                       </a:pPr>
                       <a:r>
-                        <a:rPr lang="es-ES" sz="900">
-                          <a:solidFill>
-                            <a:srgbClr val="020302"/>
-                          </a:solidFill>
-                          <a:latin typeface="AdobeClean-Light"/>
-                          <a:cs typeface="AdobeClean-Light"/>
-                        </a:rPr>
-                        <a:t>24x5 /                1 hora</a:t>
-                      </a:r>
-                    </a:p>
-                  </a:txBody>
-                  <a:tcPr marL="0" marR="0" marT="0" marB="0" anchor="ctr">
-                    <a:lnL w="3175">
-                      <a:solidFill>
-                        <a:srgbClr val="B7B8B8"/>
-                      </a:solidFill>
-                      <a:prstDash val="solid"/>
-                    </a:lnL>
-                    <a:lnR w="3175">
-                      <a:solidFill>
-                        <a:srgbClr val="B7B8B8"/>
-                      </a:solidFill>
-                      <a:prstDash val="solid"/>
-                    </a:lnR>
-                    <a:lnT w="3175">
-                      <a:solidFill>
-                        <a:srgbClr val="B7B8B8"/>
-                      </a:solidFill>
-                      <a:prstDash val="solid"/>
-                    </a:lnT>
-                    <a:lnB w="3175">
-                      <a:solidFill>
-                        <a:srgbClr val="B7B8B8"/>
-                      </a:solidFill>
-                      <a:prstDash val="solid"/>
-                    </a:lnB>
-                  </a:tcPr>
-                </a:tc>
-                <a:tc>
-                  <a:txBody>
-                    <a:bodyPr/>
-                    <a:lstStyle/>
-                    <a:p>
-                      <a:pPr marL="0" marR="259079" indent="111760" algn="ctr">
-                        <a:lnSpc>
-                          <a:spcPct val="100000"/>
-                        </a:lnSpc>
-                        <a:spcBef>
-                          <a:spcPts val="670"/>
-                        </a:spcBef>
-                      </a:pPr>
-                      <a:r>
-                        <a:rPr lang="es-ES" sz="900">
+                        <a:rPr lang="pt-BR" sz="900">
                           <a:solidFill>
                             <a:srgbClr val="020302"/>
                           </a:solidFill>
@@ -7350,14 +7287,14 @@
                         </a:spcBef>
                       </a:pPr>
                       <a:r>
-                        <a:rPr lang="es-ES" sz="900" b="1" dirty="0">
+                        <a:rPr lang="pt-BR" sz="900" b="1" dirty="0">
                           <a:solidFill>
                             <a:srgbClr val="020302"/>
                           </a:solidFill>
                           <a:latin typeface="Adobe Clean"/>
                           <a:cs typeface="Adobe Clean"/>
                         </a:rPr>
-                        <a:t>PRIORIDAD 3</a:t>
+                        <a:t>PRIORIDADE 3</a:t>
                       </a:r>
                     </a:p>
                     <a:p>
@@ -7379,7 +7316,7 @@
                         <a:defRPr/>
                       </a:pPr>
                       <a:r>
-                        <a:rPr kumimoji="0" lang="es-ES" sz="800" b="0" i="0" u="none" strike="noStrike" cap="none" normalizeH="0" baseline="0" noProof="0" dirty="0">
+                        <a:rPr kumimoji="0" lang="pt-BR" sz="900" b="0" i="0" u="none" strike="noStrike" cap="none" spc="-50" normalizeH="0" baseline="0" noProof="0" dirty="0">
                           <a:ln>
                             <a:noFill/>
                           </a:ln>
@@ -7392,7 +7329,7 @@
                           <a:ea typeface="+mn-ea"/>
                           <a:cs typeface="+mn-cs"/>
                         </a:rPr>
-                        <a:t>Las funciones empresariales del cliente presentan una menor degradación del servicio, pero existe una solución que permite que las funciones empresariales sigan funcionando con normalidad. </a:t>
+                        <a:t>As funções empresariais do cliente têm pouca degradação dos serviços, e há uma solução/solução alternativa que permite que as funções empresariais continuem normalmente </a:t>
                       </a:r>
                     </a:p>
                   </a:txBody>
@@ -7437,14 +7374,118 @@
                         </a:spcBef>
                       </a:pPr>
                       <a:r>
-                        <a:rPr lang="es-ES" sz="900" dirty="0">
+                        <a:rPr lang="pt-BR" sz="900">
                           <a:solidFill>
                             <a:srgbClr val="020302"/>
                           </a:solidFill>
                           <a:latin typeface="AdobeClean-Light"/>
                           <a:cs typeface="AdobeClean-Light"/>
                         </a:rPr>
-                        <a:t>Horario de trabajo / </a:t>
+                        <a:t>Horário comercial/            6 horas</a:t>
+                      </a:r>
+                    </a:p>
+                  </a:txBody>
+                  <a:tcPr marL="0" marR="0" marT="0" marB="0" anchor="ctr">
+                    <a:lnL w="3175">
+                      <a:solidFill>
+                        <a:srgbClr val="B7B8B8"/>
+                      </a:solidFill>
+                      <a:prstDash val="solid"/>
+                    </a:lnL>
+                    <a:lnR w="3175">
+                      <a:solidFill>
+                        <a:srgbClr val="B7B8B8"/>
+                      </a:solidFill>
+                      <a:prstDash val="solid"/>
+                    </a:lnR>
+                    <a:lnT w="3175">
+                      <a:solidFill>
+                        <a:srgbClr val="B7B8B8"/>
+                      </a:solidFill>
+                      <a:prstDash val="solid"/>
+                    </a:lnT>
+                    <a:lnB w="3175">
+                      <a:solidFill>
+                        <a:srgbClr val="B7B8B8"/>
+                      </a:solidFill>
+                      <a:prstDash val="solid"/>
+                    </a:lnB>
+                  </a:tcPr>
+                </a:tc>
+                <a:tc>
+                  <a:txBody>
+                    <a:bodyPr/>
+                    <a:lstStyle/>
+                    <a:p>
+                      <a:pPr marL="0" marR="185420" indent="-193675" algn="ctr">
+                        <a:lnSpc>
+                          <a:spcPct val="100000"/>
+                        </a:lnSpc>
+                        <a:spcBef>
+                          <a:spcPts val="645"/>
+                        </a:spcBef>
+                      </a:pPr>
+                      <a:r>
+                        <a:rPr lang="pt-BR" sz="900">
+                          <a:solidFill>
+                            <a:srgbClr val="020302"/>
+                          </a:solidFill>
+                          <a:latin typeface="AdobeClean-Light"/>
+                          <a:cs typeface="AdobeClean-Light"/>
+                        </a:rPr>
+                        <a:t>Horário comercial/           4 horas</a:t>
+                      </a:r>
+                    </a:p>
+                  </a:txBody>
+                  <a:tcPr marL="0" marR="0" marT="0" marB="0" anchor="ctr">
+                    <a:lnL w="3175">
+                      <a:solidFill>
+                        <a:srgbClr val="B7B8B8"/>
+                      </a:solidFill>
+                      <a:prstDash val="solid"/>
+                    </a:lnL>
+                    <a:lnR w="3175">
+                      <a:solidFill>
+                        <a:srgbClr val="B7B8B8"/>
+                      </a:solidFill>
+                      <a:prstDash val="solid"/>
+                    </a:lnR>
+                    <a:lnT w="3175">
+                      <a:solidFill>
+                        <a:srgbClr val="B7B8B8"/>
+                      </a:solidFill>
+                      <a:prstDash val="solid"/>
+                    </a:lnT>
+                    <a:lnB w="3175">
+                      <a:solidFill>
+                        <a:srgbClr val="B7B8B8"/>
+                      </a:solidFill>
+                      <a:prstDash val="solid"/>
+                    </a:lnB>
+                  </a:tcPr>
+                </a:tc>
+                <a:tc>
+                  <a:txBody>
+                    <a:bodyPr/>
+                    <a:lstStyle/>
+                    <a:p>
+                      <a:pPr marL="0" marR="184785" indent="-194310" algn="ctr">
+                        <a:lnSpc>
+                          <a:spcPct val="100000"/>
+                        </a:lnSpc>
+                        <a:spcBef>
+                          <a:spcPts val="645"/>
+                        </a:spcBef>
+                      </a:pPr>
+                      <a:r>
+                        <a:rPr lang="pt-BR" sz="900" dirty="0">
+                          <a:solidFill>
+                            <a:srgbClr val="020302"/>
+                          </a:solidFill>
+                          <a:latin typeface="AdobeClean-Light"/>
+                          <a:cs typeface="AdobeClean-Light"/>
+                        </a:rPr>
+                        <a:t>Horário comercial/ </a:t>
                       </a:r>
                       <a:br>
                         <a:rPr lang="sk-SK" sz="900" dirty="0">
@@ -7456,14 +7497,14 @@
                         </a:rPr>
                       </a:br>
                       <a:r>
-                        <a:rPr lang="es-ES" sz="900" dirty="0">
+                        <a:rPr lang="pt-BR" sz="900" dirty="0">
                           <a:solidFill>
                             <a:srgbClr val="020302"/>
                           </a:solidFill>
                           <a:latin typeface="AdobeClean-Light"/>
                           <a:cs typeface="AdobeClean-Light"/>
                         </a:rPr>
-                        <a:t>6 horas</a:t>
+                        <a:t>2 horas</a:t>
                       </a:r>
                     </a:p>
                   </a:txBody>
@@ -7499,7 +7540,7 @@
                     <a:bodyPr/>
                     <a:lstStyle/>
                     <a:p>
-                      <a:pPr marL="0" marR="185420" indent="-193675" algn="ctr">
+                      <a:pPr marL="0" marR="326390" indent="-5715" algn="ctr">
                         <a:lnSpc>
                           <a:spcPct val="100000"/>
                         </a:lnSpc>
@@ -7508,130 +7549,7 @@
                         </a:spcBef>
                       </a:pPr>
                       <a:r>
-                        <a:rPr lang="es-ES" sz="900">
-                          <a:solidFill>
-                            <a:srgbClr val="020302"/>
-                          </a:solidFill>
-                          <a:latin typeface="AdobeClean-Light"/>
-                          <a:cs typeface="AdobeClean-Light"/>
-                        </a:rPr>
-                        <a:t>Horario de trabajo /  4 horas</a:t>
-                      </a:r>
-                    </a:p>
-                  </a:txBody>
-                  <a:tcPr marL="0" marR="0" marT="0" marB="0" anchor="ctr">
-                    <a:lnL w="3175">
-                      <a:solidFill>
-                        <a:srgbClr val="B7B8B8"/>
-                      </a:solidFill>
-                      <a:prstDash val="solid"/>
-                    </a:lnL>
-                    <a:lnR w="3175">
-                      <a:solidFill>
-                        <a:srgbClr val="B7B8B8"/>
-                      </a:solidFill>
-                      <a:prstDash val="solid"/>
-                    </a:lnR>
-                    <a:lnT w="3175">
-                      <a:solidFill>
-                        <a:srgbClr val="B7B8B8"/>
-                      </a:solidFill>
-                      <a:prstDash val="solid"/>
-                    </a:lnT>
-                    <a:lnB w="3175">
-                      <a:solidFill>
-                        <a:srgbClr val="B7B8B8"/>
-                      </a:solidFill>
-                      <a:prstDash val="solid"/>
-                    </a:lnB>
-                  </a:tcPr>
-                </a:tc>
-                <a:tc>
-                  <a:txBody>
-                    <a:bodyPr/>
-                    <a:lstStyle/>
-                    <a:p>
-                      <a:pPr marL="0" marR="184785" indent="-194310" algn="ctr">
-                        <a:lnSpc>
-                          <a:spcPct val="100000"/>
-                        </a:lnSpc>
-                        <a:spcBef>
-                          <a:spcPts val="645"/>
-                        </a:spcBef>
-                      </a:pPr>
-                      <a:r>
-                        <a:rPr lang="es-ES" sz="900" dirty="0">
-                          <a:solidFill>
-                            <a:srgbClr val="020302"/>
-                          </a:solidFill>
-                          <a:latin typeface="AdobeClean-Light"/>
-                          <a:cs typeface="AdobeClean-Light"/>
-                        </a:rPr>
-                        <a:t>Horario de trabajo /     </a:t>
-                      </a:r>
-                      <a:br>
-                        <a:rPr lang="sk-SK" sz="900" dirty="0">
-                          <a:solidFill>
-                            <a:srgbClr val="020302"/>
-                          </a:solidFill>
-                          <a:latin typeface="AdobeClean-Light"/>
-                          <a:cs typeface="AdobeClean-Light"/>
-                        </a:rPr>
-                      </a:br>
-                      <a:r>
-                        <a:rPr lang="es-ES" sz="900" dirty="0">
-                          <a:solidFill>
-                            <a:srgbClr val="020302"/>
-                          </a:solidFill>
-                          <a:latin typeface="AdobeClean-Light"/>
-                          <a:cs typeface="AdobeClean-Light"/>
-                        </a:rPr>
-                        <a:t>2 horas</a:t>
-                      </a:r>
-                    </a:p>
-                  </a:txBody>
-                  <a:tcPr marL="0" marR="0" marT="0" marB="0" anchor="ctr">
-                    <a:lnL w="3175">
-                      <a:solidFill>
-                        <a:srgbClr val="B7B8B8"/>
-                      </a:solidFill>
-                      <a:prstDash val="solid"/>
-                    </a:lnL>
-                    <a:lnR w="3175">
-                      <a:solidFill>
-                        <a:srgbClr val="B7B8B8"/>
-                      </a:solidFill>
-                      <a:prstDash val="solid"/>
-                    </a:lnR>
-                    <a:lnT w="3175">
-                      <a:solidFill>
-                        <a:srgbClr val="B7B8B8"/>
-                      </a:solidFill>
-                      <a:prstDash val="solid"/>
-                    </a:lnT>
-                    <a:lnB w="3175">
-                      <a:solidFill>
-                        <a:srgbClr val="B7B8B8"/>
-                      </a:solidFill>
-                      <a:prstDash val="solid"/>
-                    </a:lnB>
-                  </a:tcPr>
-                </a:tc>
-                <a:tc>
-                  <a:txBody>
-                    <a:bodyPr/>
-                    <a:lstStyle/>
-                    <a:p>
-                      <a:pPr marL="0" marR="326390" indent="-5715" algn="ctr">
-                        <a:lnSpc>
-                          <a:spcPct val="100000"/>
-                        </a:lnSpc>
-                        <a:spcBef>
-                          <a:spcPts val="645"/>
-                        </a:spcBef>
-                      </a:pPr>
-                      <a:r>
-                        <a:rPr lang="es-ES" sz="900" dirty="0">
+                        <a:rPr lang="pt-BR" sz="900" dirty="0">
                           <a:solidFill>
                             <a:srgbClr val="020302"/>
                           </a:solidFill>
@@ -7690,14 +7608,14 @@
                         </a:spcBef>
                       </a:pPr>
                       <a:r>
-                        <a:rPr lang="es-ES" sz="900" b="1" dirty="0">
+                        <a:rPr lang="pt-BR" sz="900" b="1">
                           <a:solidFill>
                             <a:srgbClr val="020302"/>
                           </a:solidFill>
                           <a:latin typeface="Adobe Clean"/>
                           <a:cs typeface="Adobe Clean"/>
                         </a:rPr>
-                        <a:t>PRIORIDAD 4</a:t>
+                        <a:t>PRIORIDADE 4</a:t>
                       </a:r>
                     </a:p>
                     <a:p>
@@ -7719,13 +7637,13 @@
                         <a:defRPr/>
                       </a:pPr>
                       <a:r>
-                        <a:rPr lang="es-ES" sz="800" b="0" i="0" dirty="0">
+                        <a:rPr lang="pt-BR" sz="900" b="0" i="0">
                           <a:solidFill>
                             <a:srgbClr val="000000"/>
                           </a:solidFill>
                           <a:latin typeface="Adobe Clean Light" panose="020B0303020404020204" pitchFamily="34" charset="0"/>
                         </a:rPr>
-                        <a:t>Pregunta general sobre la funcionalidad actual del producto o una solicitud de mejora. </a:t>
+                        <a:t>Pergunta geral sobre a funcionalidade atual do produto ou solicitação de melhoria </a:t>
                       </a:r>
                     </a:p>
                   </a:txBody>
@@ -7770,162 +7688,16 @@
                         </a:spcBef>
                       </a:pPr>
                       <a:r>
-                        <a:rPr lang="es-ES" sz="900" dirty="0">
+                        <a:rPr lang="pt-BR" sz="900" dirty="0">
                           <a:solidFill>
                             <a:srgbClr val="020302"/>
                           </a:solidFill>
                           <a:latin typeface="AdobeClean-Light"/>
                           <a:cs typeface="AdobeClean-Light"/>
                         </a:rPr>
-                        <a:t>Días laborables / 3 días</a:t>
+                        <a:t>Dias úteis / </a:t>
                       </a:r>
-                    </a:p>
-                  </a:txBody>
-                  <a:tcPr marL="0" marR="0" marT="0" marB="0" anchor="ctr">
-                    <a:lnL w="3175">
-                      <a:solidFill>
-                        <a:srgbClr val="B7B8B8"/>
-                      </a:solidFill>
-                      <a:prstDash val="solid"/>
-                    </a:lnL>
-                    <a:lnR w="3175">
-                      <a:solidFill>
-                        <a:srgbClr val="B7B8B8"/>
-                      </a:solidFill>
-                      <a:prstDash val="solid"/>
-                    </a:lnR>
-                    <a:lnT w="3175">
-                      <a:solidFill>
-                        <a:srgbClr val="B7B8B8"/>
-                      </a:solidFill>
-                      <a:prstDash val="solid"/>
-                    </a:lnT>
-                    <a:lnB w="3175">
-                      <a:solidFill>
-                        <a:srgbClr val="B7B8B8"/>
-                      </a:solidFill>
-                      <a:prstDash val="solid"/>
-                    </a:lnB>
-                  </a:tcPr>
-                </a:tc>
-                <a:tc>
-                  <a:txBody>
-                    <a:bodyPr/>
-                    <a:lstStyle/>
-                    <a:p>
-                      <a:pPr marL="0" marR="223520" indent="-202565" algn="ctr">
-                        <a:lnSpc>
-                          <a:spcPct val="100000"/>
-                        </a:lnSpc>
-                        <a:spcBef>
-                          <a:spcPts val="155"/>
-                        </a:spcBef>
-                      </a:pPr>
-                      <a:r>
-                        <a:rPr lang="es-ES" sz="900">
-                          <a:solidFill>
-                            <a:srgbClr val="020302"/>
-                          </a:solidFill>
-                          <a:latin typeface="AdobeClean-Light"/>
-                          <a:cs typeface="AdobeClean-Light"/>
-                        </a:rPr>
-                        <a:t>Días laborables /     1 día</a:t>
-                      </a:r>
-                    </a:p>
-                  </a:txBody>
-                  <a:tcPr marL="0" marR="0" marT="0" marB="0" anchor="ctr">
-                    <a:lnL w="3175">
-                      <a:solidFill>
-                        <a:srgbClr val="B7B8B8"/>
-                      </a:solidFill>
-                      <a:prstDash val="solid"/>
-                    </a:lnL>
-                    <a:lnR w="3175">
-                      <a:solidFill>
-                        <a:srgbClr val="B7B8B8"/>
-                      </a:solidFill>
-                      <a:prstDash val="solid"/>
-                    </a:lnR>
-                    <a:lnT w="3175">
-                      <a:solidFill>
-                        <a:srgbClr val="B7B8B8"/>
-                      </a:solidFill>
-                      <a:prstDash val="solid"/>
-                    </a:lnT>
-                    <a:lnB w="3175">
-                      <a:solidFill>
-                        <a:srgbClr val="B7B8B8"/>
-                      </a:solidFill>
-                      <a:prstDash val="solid"/>
-                    </a:lnB>
-                  </a:tcPr>
-                </a:tc>
-                <a:tc>
-                  <a:txBody>
-                    <a:bodyPr/>
-                    <a:lstStyle/>
-                    <a:p>
-                      <a:pPr marL="0" marR="223520" indent="-202565" algn="ctr">
-                        <a:lnSpc>
-                          <a:spcPct val="100000"/>
-                        </a:lnSpc>
-                        <a:spcBef>
-                          <a:spcPts val="155"/>
-                        </a:spcBef>
-                      </a:pPr>
-                      <a:r>
-                        <a:rPr lang="es-ES" sz="900">
-                          <a:solidFill>
-                            <a:srgbClr val="020302"/>
-                          </a:solidFill>
-                          <a:latin typeface="AdobeClean-Light"/>
-                          <a:cs typeface="AdobeClean-Light"/>
-                        </a:rPr>
-                        <a:t>Días laborables /      1 día</a:t>
-                      </a:r>
-                    </a:p>
-                  </a:txBody>
-                  <a:tcPr marL="0" marR="0" marT="0" marB="0" anchor="ctr">
-                    <a:lnL w="3175">
-                      <a:solidFill>
-                        <a:srgbClr val="B7B8B8"/>
-                      </a:solidFill>
-                      <a:prstDash val="solid"/>
-                    </a:lnL>
-                    <a:lnR w="3175">
-                      <a:solidFill>
-                        <a:srgbClr val="B7B8B8"/>
-                      </a:solidFill>
-                      <a:prstDash val="solid"/>
-                    </a:lnR>
-                    <a:lnT w="3175">
-                      <a:solidFill>
-                        <a:srgbClr val="B7B8B8"/>
-                      </a:solidFill>
-                      <a:prstDash val="solid"/>
-                    </a:lnT>
-                    <a:lnB w="3175">
-                      <a:solidFill>
-                        <a:srgbClr val="B7B8B8"/>
-                      </a:solidFill>
-                      <a:prstDash val="solid"/>
-                    </a:lnB>
-                  </a:tcPr>
-                </a:tc>
-                <a:tc>
-                  <a:txBody>
-                    <a:bodyPr/>
-                    <a:lstStyle/>
-                    <a:p>
-                      <a:pPr marL="0" marR="223520" indent="-202565" algn="ctr">
-                        <a:lnSpc>
-                          <a:spcPct val="100000"/>
-                        </a:lnSpc>
-                        <a:spcBef>
-                          <a:spcPts val="155"/>
-                        </a:spcBef>
-                      </a:pPr>
-                      <a:r>
+                      <a:br>
                         <a:rPr lang="sk-SK" sz="900" dirty="0">
                           <a:solidFill>
                             <a:srgbClr val="020302"/>
@@ -7933,17 +7705,172 @@
                           <a:latin typeface="AdobeClean-Light"/>
                           <a:cs typeface="AdobeClean-Light"/>
                         </a:rPr>
-                        <a:t>  </a:t>
-                      </a:r>
+                      </a:br>
                       <a:r>
-                        <a:rPr lang="es-ES" sz="900" dirty="0">
+                        <a:rPr lang="pt-BR" sz="900" dirty="0">
                           <a:solidFill>
                             <a:srgbClr val="020302"/>
                           </a:solidFill>
                           <a:latin typeface="AdobeClean-Light"/>
                           <a:cs typeface="AdobeClean-Light"/>
                         </a:rPr>
-                        <a:t>Días laborables /  1 día</a:t>
+                        <a:t>3 dias</a:t>
+                      </a:r>
+                    </a:p>
+                  </a:txBody>
+                  <a:tcPr marL="0" marR="0" marT="0" marB="0" anchor="ctr">
+                    <a:lnL w="3175">
+                      <a:solidFill>
+                        <a:srgbClr val="B7B8B8"/>
+                      </a:solidFill>
+                      <a:prstDash val="solid"/>
+                    </a:lnL>
+                    <a:lnR w="3175">
+                      <a:solidFill>
+                        <a:srgbClr val="B7B8B8"/>
+                      </a:solidFill>
+                      <a:prstDash val="solid"/>
+                    </a:lnR>
+                    <a:lnT w="3175">
+                      <a:solidFill>
+                        <a:srgbClr val="B7B8B8"/>
+                      </a:solidFill>
+                      <a:prstDash val="solid"/>
+                    </a:lnT>
+                    <a:lnB w="3175">
+                      <a:solidFill>
+                        <a:srgbClr val="B7B8B8"/>
+                      </a:solidFill>
+                      <a:prstDash val="solid"/>
+                    </a:lnB>
+                  </a:tcPr>
+                </a:tc>
+                <a:tc>
+                  <a:txBody>
+                    <a:bodyPr/>
+                    <a:lstStyle/>
+                    <a:p>
+                      <a:pPr marL="0" marR="223520" indent="-202565" algn="ctr">
+                        <a:lnSpc>
+                          <a:spcPct val="100000"/>
+                        </a:lnSpc>
+                        <a:spcBef>
+                          <a:spcPts val="155"/>
+                        </a:spcBef>
+                      </a:pPr>
+                      <a:r>
+                        <a:rPr lang="pt-BR" sz="900" dirty="0">
+                          <a:solidFill>
+                            <a:srgbClr val="020302"/>
+                          </a:solidFill>
+                          <a:latin typeface="AdobeClean-Light"/>
+                          <a:cs typeface="AdobeClean-Light"/>
+                        </a:rPr>
+                        <a:t>Dia útil / 1 dia</a:t>
+                      </a:r>
+                    </a:p>
+                  </a:txBody>
+                  <a:tcPr marL="0" marR="0" marT="0" marB="0" anchor="ctr">
+                    <a:lnL w="3175">
+                      <a:solidFill>
+                        <a:srgbClr val="B7B8B8"/>
+                      </a:solidFill>
+                      <a:prstDash val="solid"/>
+                    </a:lnL>
+                    <a:lnR w="3175">
+                      <a:solidFill>
+                        <a:srgbClr val="B7B8B8"/>
+                      </a:solidFill>
+                      <a:prstDash val="solid"/>
+                    </a:lnR>
+                    <a:lnT w="3175">
+                      <a:solidFill>
+                        <a:srgbClr val="B7B8B8"/>
+                      </a:solidFill>
+                      <a:prstDash val="solid"/>
+                    </a:lnT>
+                    <a:lnB w="3175">
+                      <a:solidFill>
+                        <a:srgbClr val="B7B8B8"/>
+                      </a:solidFill>
+                      <a:prstDash val="solid"/>
+                    </a:lnB>
+                  </a:tcPr>
+                </a:tc>
+                <a:tc>
+                  <a:txBody>
+                    <a:bodyPr/>
+                    <a:lstStyle/>
+                    <a:p>
+                      <a:pPr marL="0" marR="223520" indent="-202565" algn="ctr">
+                        <a:lnSpc>
+                          <a:spcPct val="100000"/>
+                        </a:lnSpc>
+                        <a:spcBef>
+                          <a:spcPts val="155"/>
+                        </a:spcBef>
+                      </a:pPr>
+                      <a:r>
+                        <a:rPr lang="pt-BR" sz="900" dirty="0">
+                          <a:solidFill>
+                            <a:srgbClr val="020302"/>
+                          </a:solidFill>
+                          <a:latin typeface="AdobeClean-Light"/>
+                          <a:cs typeface="AdobeClean-Light"/>
+                        </a:rPr>
+                        <a:t>Dia útil / 1 dia</a:t>
+                      </a:r>
+                    </a:p>
+                  </a:txBody>
+                  <a:tcPr marL="0" marR="0" marT="0" marB="0" anchor="ctr">
+                    <a:lnL w="3175">
+                      <a:solidFill>
+                        <a:srgbClr val="B7B8B8"/>
+                      </a:solidFill>
+                      <a:prstDash val="solid"/>
+                    </a:lnL>
+                    <a:lnR w="3175">
+                      <a:solidFill>
+                        <a:srgbClr val="B7B8B8"/>
+                      </a:solidFill>
+                      <a:prstDash val="solid"/>
+                    </a:lnR>
+                    <a:lnT w="3175">
+                      <a:solidFill>
+                        <a:srgbClr val="B7B8B8"/>
+                      </a:solidFill>
+                      <a:prstDash val="solid"/>
+                    </a:lnT>
+                    <a:lnB w="3175">
+                      <a:solidFill>
+                        <a:srgbClr val="B7B8B8"/>
+                      </a:solidFill>
+                      <a:prstDash val="solid"/>
+                    </a:lnB>
+                  </a:tcPr>
+                </a:tc>
+                <a:tc>
+                  <a:txBody>
+                    <a:bodyPr/>
+                    <a:lstStyle/>
+                    <a:p>
+                      <a:pPr marL="0" marR="223520" indent="-202565" algn="ctr">
+                        <a:lnSpc>
+                          <a:spcPct val="100000"/>
+                        </a:lnSpc>
+                        <a:spcBef>
+                          <a:spcPts val="155"/>
+                        </a:spcBef>
+                      </a:pPr>
+                      <a:r>
+                        <a:rPr lang="pt-BR" sz="900" dirty="0">
+                          <a:solidFill>
+                            <a:srgbClr val="020302"/>
+                          </a:solidFill>
+                          <a:latin typeface="AdobeClean-Light"/>
+                          <a:cs typeface="AdobeClean-Light"/>
+                        </a:rPr>
+                        <a:t>Dia útil / 1 dia</a:t>
                       </a:r>
                     </a:p>
                   </a:txBody>
@@ -8024,10 +7951,10 @@
               </a:spcBef>
             </a:pPr>
             <a:r>
-              <a:rPr lang="es-ES" sz="2300">
+              <a:rPr lang="pt-BR" sz="2300">
                 <a:latin typeface="Adobe Clean" panose="020B0503020404020204" pitchFamily="34" charset="0"/>
               </a:rPr>
-              <a:t>OFERTA DE ASISTENCIA DE ADOBE</a:t>
+              <a:t>SERVIÇOS DE SUPORTE ADOBE</a:t>
             </a:r>
           </a:p>
         </p:txBody>
@@ -8061,7 +7988,7 @@
           <a:lstStyle/>
           <a:p>
             <a:r>
-              <a:rPr lang="es-ES" sz="700" i="1">
+              <a:rPr lang="pt-BR" sz="700" i="1">
                 <a:solidFill>
                   <a:schemeClr val="bg1"/>
                 </a:solidFill>
@@ -8319,31 +8246,31 @@
               </a:spcBef>
             </a:pPr>
             <a:r>
-              <a:rPr lang="es-ES" sz="1000">
+              <a:rPr lang="pt-BR" sz="1000">
                 <a:solidFill>
                   <a:srgbClr val="020302"/>
                 </a:solidFill>
                 <a:latin typeface="AdobeClean-Light"/>
                 <a:cs typeface="AdobeClean-Light"/>
               </a:rPr>
-              <a:t>El servicio de asistencia al cliente de Adobe ofrece acceso a recursos en línea para documentación, participación con otros expertos y clientes en prácticas recomendadas y series de seminarios web (horario de oficina) para obtener sugerencias y ver trucos para solucionar problemas. También hay varios canales disponibles</a:t>
+              <a:t>O Suporte ao cliente da Adobe oferece acesso a recursos online para documentação, interação com outros especialistas e clientes para práticas recomendadas e uma série de webinários (Office Hours) para dicas e truques de solução de problemas. Também há vários canais disponíveis</a:t>
             </a:r>
             <a:r>
-              <a:rPr lang="es-ES" sz="1000">
+              <a:rPr lang="pt-BR" sz="1000">
                 <a:latin typeface="AdobeClean-Light"/>
                 <a:cs typeface="AdobeClean-Light"/>
               </a:rPr>
               <a:t> </a:t>
             </a:r>
             <a:r>
-              <a:rPr lang="es-ES" sz="1000">
+              <a:rPr lang="pt-BR" sz="1000">
                 <a:solidFill>
                   <a:srgbClr val="020302"/>
                 </a:solidFill>
                 <a:latin typeface="AdobeClean-Light"/>
                 <a:cs typeface="AdobeClean-Light"/>
               </a:rPr>
-              <a:t>para formular preguntas y enviar casos.</a:t>
+              <a:t>para envio de perguntas e casos</a:t>
             </a:r>
           </a:p>
         </p:txBody>
@@ -8357,7 +8284,7 @@
         <p:spPr>
           <a:xfrm>
             <a:off x="206585" y="8494028"/>
-            <a:ext cx="3270885" cy="579646"/>
+            <a:ext cx="3560153" cy="302647"/>
           </a:xfrm>
           <a:prstGeom prst="rect">
             <a:avLst/>
@@ -8381,33 +8308,14 @@
               </a:tabLst>
             </a:pPr>
             <a:r>
-              <a:rPr lang="es-ES" sz="900" dirty="0">
+              <a:rPr lang="pt-BR" sz="900" dirty="0">
                 <a:solidFill>
                   <a:srgbClr val="020302"/>
                 </a:solidFill>
                 <a:latin typeface="AdobeClean-Light"/>
                 <a:cs typeface="AdobeClean-Light"/>
               </a:rPr>
-              <a:t>Inicie una sesión de chat para obtener respuestas y ayuda </a:t>
-            </a:r>
-            <a:br>
-              <a:rPr lang="sk-SK" sz="900" dirty="0">
-                <a:solidFill>
-                  <a:srgbClr val="020302"/>
-                </a:solidFill>
-                <a:latin typeface="AdobeClean-Light"/>
-                <a:cs typeface="AdobeClean-Light"/>
-              </a:rPr>
-            </a:br>
-            <a:r>
-              <a:rPr lang="es-ES" sz="900" dirty="0">
-                <a:solidFill>
-                  <a:srgbClr val="020302"/>
-                </a:solidFill>
-                <a:latin typeface="AdobeClean-Light"/>
-                <a:cs typeface="AdobeClean-Light"/>
-              </a:rPr>
-              <a:t>con el envío de casos.</a:t>
+              <a:t>Inicie uma sessão de chat para obter respostas e ajuda com o envio de caso</a:t>
             </a:r>
           </a:p>
           <a:p>
@@ -8423,14 +8331,14 @@
               </a:tabLst>
             </a:pPr>
             <a:r>
-              <a:rPr lang="es-ES" sz="900" i="1" dirty="0">
+              <a:rPr lang="pt-BR" sz="900" i="1" dirty="0">
                 <a:solidFill>
                   <a:srgbClr val="7A7A7A"/>
                 </a:solidFill>
                 <a:latin typeface="AdobeClean-LightIt"/>
                 <a:cs typeface="AdobeClean-LightIt"/>
               </a:rPr>
-              <a:t>* No todos los productos ofrecen la opción de disfrutar de asistencia mediante chat en directo.  </a:t>
+              <a:t>*Nem todos os produtos têm suporte de chat ao vivo.  </a:t>
             </a:r>
           </a:p>
         </p:txBody>
@@ -8500,14 +8408,14 @@
               </a:spcBef>
             </a:pPr>
             <a:r>
-              <a:rPr lang="es-ES" sz="1400" b="1">
+              <a:rPr lang="pt-BR" sz="1400" b="1">
                 <a:solidFill>
                   <a:srgbClr val="020302"/>
                 </a:solidFill>
                 <a:latin typeface="Adobe Clean"/>
                 <a:cs typeface="Adobe Clean"/>
               </a:rPr>
-              <a:t>Soporte Online</a:t>
+              <a:t>Suporte Online</a:t>
             </a:r>
           </a:p>
         </p:txBody>
@@ -8555,12 +8463,12 @@
               <a:defRPr/>
             </a:pPr>
             <a:r>
-              <a:rPr lang="es-ES" sz="1200">
+              <a:rPr lang="pt-BR" sz="1200">
                 <a:solidFill>
                   <a:srgbClr val="000000"/>
                 </a:solidFill>
               </a:rPr>
-              <a:t>Foros de la comunidad</a:t>
+              <a:t>Fóruns da comunidade</a:t>
             </a:r>
           </a:p>
         </p:txBody>
@@ -8603,12 +8511,12 @@
               </a:spcAft>
             </a:pPr>
             <a:r>
-              <a:rPr lang="es-ES" sz="1200" b="1">
+              <a:rPr lang="pt-BR" sz="1200" b="1">
                 <a:latin typeface="+mj-lt"/>
                 <a:ea typeface="Open Sans" pitchFamily="34" charset="0"/>
                 <a:cs typeface="Open Sans" pitchFamily="34" charset="0"/>
               </a:rPr>
-              <a:t>Foros en línea</a:t>
+              <a:t>Fóruns online</a:t>
             </a:r>
           </a:p>
         </p:txBody>
@@ -8641,13 +8549,13 @@
           <a:lstStyle/>
           <a:p>
             <a:r>
-              <a:rPr lang="es-ES" sz="1000" dirty="0">
+              <a:rPr lang="pt-BR" sz="1000" dirty="0">
                 <a:solidFill>
                   <a:srgbClr val="000000"/>
                 </a:solidFill>
                 <a:latin typeface="Adobe Clean Light" panose="020B0303020404020204" pitchFamily="34" charset="0"/>
               </a:rPr>
-              <a:t>Acceso continuo en línea a una base de datos donde encontrará cada vez más soluciones técnicas, documentación de productos, preguntas frecuentes y mucho más. Hable con profesionales </a:t>
+              <a:t>Acesso online contínuo a um banco de dados cada vez maior </a:t>
             </a:r>
             <a:br>
               <a:rPr lang="sk-SK" sz="1000" dirty="0">
@@ -8658,13 +8566,13 @@
               </a:rPr>
             </a:br>
             <a:r>
-              <a:rPr lang="es-ES" sz="1000" dirty="0">
+              <a:rPr lang="pt-BR" sz="1000" dirty="0">
                 <a:solidFill>
                   <a:srgbClr val="000000"/>
                 </a:solidFill>
                 <a:latin typeface="Adobe Clean Light" panose="020B0303020404020204" pitchFamily="34" charset="0"/>
               </a:rPr>
-              <a:t>y otros clientes en la Comunidad de Adobe para compartir prácticas recomendadas y lecciones aprendidas.</a:t>
+              <a:t>de soluções técnicas, documentação do produto, perguntas frequentes e muito mais. Conecte-se com profissionais e outros clientes na Comunidade da Adobe para compartilhar práticas recomendadas e lições aprendidas.</a:t>
             </a:r>
           </a:p>
         </p:txBody>
@@ -8712,7 +8620,7 @@
               <a:defRPr/>
             </a:pPr>
             <a:r>
-              <a:rPr lang="es-ES" sz="1200">
+              <a:rPr lang="pt-BR" sz="1200">
                 <a:solidFill>
                   <a:srgbClr val="000000"/>
                 </a:solidFill>
@@ -8760,12 +8668,12 @@
               </a:spcAft>
             </a:pPr>
             <a:r>
-              <a:rPr lang="es-ES" sz="1200" b="1">
+              <a:rPr lang="pt-BR" sz="1200" b="1">
                 <a:latin typeface="+mj-lt"/>
                 <a:ea typeface="Open Sans" pitchFamily="34" charset="0"/>
                 <a:cs typeface="Open Sans" pitchFamily="34" charset="0"/>
               </a:rPr>
-              <a:t>Recorridos autoguiados</a:t>
+              <a:t>Jornadas autoguiadas</a:t>
             </a:r>
           </a:p>
         </p:txBody>
@@ -8785,7 +8693,7 @@
         <p:spPr>
           <a:xfrm>
             <a:off x="257325" y="6132567"/>
-            <a:ext cx="3413002" cy="959237"/>
+            <a:ext cx="3413002" cy="651460"/>
           </a:xfrm>
           <a:prstGeom prst="rect">
             <a:avLst/>
@@ -8798,67 +8706,13 @@
           <a:lstStyle/>
           <a:p>
             <a:r>
-              <a:rPr lang="es-ES" sz="1000" dirty="0">
+              <a:rPr lang="pt-BR" sz="1000" dirty="0">
                 <a:solidFill>
                   <a:srgbClr val="000000"/>
                 </a:solidFill>
                 <a:latin typeface="Adobe Clean Light" panose="020B0303020404020204" pitchFamily="34" charset="0"/>
               </a:rPr>
-              <a:t>Los </a:t>
-            </a:r>
-            <a:r>
-              <a:rPr lang="es-ES" sz="1000" dirty="0" err="1">
-                <a:solidFill>
-                  <a:srgbClr val="000000"/>
-                </a:solidFill>
-                <a:latin typeface="Adobe Clean Light" panose="020B0303020404020204" pitchFamily="34" charset="0"/>
-              </a:rPr>
-              <a:t>experience</a:t>
-            </a:r>
-            <a:r>
-              <a:rPr lang="es-ES" sz="1000" dirty="0">
-                <a:solidFill>
-                  <a:srgbClr val="000000"/>
-                </a:solidFill>
-                <a:latin typeface="Adobe Clean Light" panose="020B0303020404020204" pitchFamily="34" charset="0"/>
-              </a:rPr>
-              <a:t> </a:t>
-            </a:r>
-            <a:r>
-              <a:rPr lang="es-ES" sz="1000" dirty="0" err="1">
-                <a:solidFill>
-                  <a:srgbClr val="000000"/>
-                </a:solidFill>
-                <a:latin typeface="Adobe Clean Light" panose="020B0303020404020204" pitchFamily="34" charset="0"/>
-              </a:rPr>
-              <a:t>makers</a:t>
-            </a:r>
-            <a:r>
-              <a:rPr lang="es-ES" sz="1000" dirty="0">
-                <a:solidFill>
-                  <a:srgbClr val="000000"/>
-                </a:solidFill>
-                <a:latin typeface="Adobe Clean Light" panose="020B0303020404020204" pitchFamily="34" charset="0"/>
-              </a:rPr>
-              <a:t> se realizan con </a:t>
-            </a:r>
-            <a:r>
-              <a:rPr lang="es-ES" sz="1000" dirty="0" err="1">
-                <a:solidFill>
-                  <a:srgbClr val="000000"/>
-                </a:solidFill>
-                <a:latin typeface="Adobe Clean Light" panose="020B0303020404020204" pitchFamily="34" charset="0"/>
-              </a:rPr>
-              <a:t>Experience</a:t>
-            </a:r>
-            <a:r>
-              <a:rPr lang="es-ES" sz="1000" dirty="0">
-                <a:solidFill>
-                  <a:srgbClr val="000000"/>
-                </a:solidFill>
-                <a:latin typeface="Adobe Clean Light" panose="020B0303020404020204" pitchFamily="34" charset="0"/>
-              </a:rPr>
-              <a:t> League. </a:t>
+              <a:t>A Experience League gera criadores de experiências. Os clientes podem adquirir habilidades de gerenciamento de experiência </a:t>
             </a:r>
             <a:br>
               <a:rPr lang="sk-SK" sz="1000" dirty="0">
@@ -8869,30 +8723,13 @@
               </a:rPr>
             </a:br>
             <a:r>
-              <a:rPr lang="es-ES" sz="1000" dirty="0">
+              <a:rPr lang="pt-BR" sz="1000" dirty="0">
                 <a:solidFill>
                   <a:srgbClr val="000000"/>
                 </a:solidFill>
                 <a:latin typeface="Adobe Clean Light" panose="020B0303020404020204" pitchFamily="34" charset="0"/>
               </a:rPr>
-              <a:t>Los clientes pueden aplicar sus conocimientos de administración </a:t>
-            </a:r>
-            <a:br>
-              <a:rPr lang="sk-SK" sz="1000" dirty="0">
-                <a:solidFill>
-                  <a:srgbClr val="000000"/>
-                </a:solidFill>
-                <a:latin typeface="Adobe Clean Light" panose="020B0303020404020204" pitchFamily="34" charset="0"/>
-              </a:rPr>
-            </a:br>
-            <a:r>
-              <a:rPr lang="es-ES" sz="1000" dirty="0">
-                <a:solidFill>
-                  <a:srgbClr val="000000"/>
-                </a:solidFill>
-                <a:latin typeface="Adobe Clean Light" panose="020B0303020404020204" pitchFamily="34" charset="0"/>
-              </a:rPr>
-              <a:t>de la experiencia del cliente con aprendizaje personalizado para desarrollar habilidades, interactuar con la comunidad internacional de compañeros y obtener reconocimiento en su trayectoria profesional. </a:t>
+              <a:t>do cliente com aprendizagem personalizada, participar de uma comunidade de pares global e conseguir reconhecimento de carreira. </a:t>
             </a:r>
           </a:p>
         </p:txBody>
@@ -8940,12 +8777,12 @@
               <a:defRPr/>
             </a:pPr>
             <a:r>
-              <a:rPr lang="es-ES" sz="1200">
+              <a:rPr lang="pt-BR" sz="1200">
                 <a:solidFill>
                   <a:srgbClr val="000000"/>
                 </a:solidFill>
               </a:rPr>
-              <a:t>Horario de oficina</a:t>
+              <a:t>Office Hours</a:t>
             </a:r>
           </a:p>
         </p:txBody>
@@ -8988,12 +8825,12 @@
               </a:spcAft>
             </a:pPr>
             <a:r>
-              <a:rPr lang="es-ES" sz="1200" b="1">
+              <a:rPr lang="pt-BR" sz="1200" b="1">
                 <a:latin typeface="+mj-lt"/>
                 <a:ea typeface="Open Sans" pitchFamily="34" charset="0"/>
                 <a:cs typeface="Open Sans" pitchFamily="34" charset="0"/>
               </a:rPr>
-              <a:t>Seminarios web</a:t>
+              <a:t>Webinários</a:t>
             </a:r>
           </a:p>
         </p:txBody>
@@ -9013,7 +8850,7 @@
         <p:spPr>
           <a:xfrm>
             <a:off x="3810000" y="3893151"/>
-            <a:ext cx="3413002" cy="805349"/>
+            <a:ext cx="3413002" cy="651460"/>
           </a:xfrm>
           <a:prstGeom prst="rect">
             <a:avLst/>
@@ -9026,13 +8863,13 @@
           <a:lstStyle/>
           <a:p>
             <a:r>
-              <a:rPr lang="es-ES" sz="1000" dirty="0">
+              <a:rPr lang="pt-BR" sz="1000" dirty="0">
                 <a:solidFill>
                   <a:srgbClr val="000000"/>
                 </a:solidFill>
                 <a:latin typeface="Adobe Clean Light" panose="020B0303020404020204" pitchFamily="34" charset="0"/>
               </a:rPr>
-              <a:t>En el horario de oficina del equipo de asistencia al cliente de Adobe se incluyen sesiones diseñadas para informar y ayudar a los participantes a solucionar problemas, así como para proporcionar consejos y trucos para que los participantes logren el éxito con </a:t>
+              <a:t>O Office Hours, apresentado pela equipe de Suporte ao cliente </a:t>
             </a:r>
             <a:br>
               <a:rPr lang="sk-SK" sz="1000" dirty="0">
@@ -9043,13 +8880,47 @@
               </a:rPr>
             </a:br>
             <a:r>
-              <a:rPr lang="es-ES" sz="1000" dirty="0">
+              <a:rPr lang="pt-BR" sz="1000" dirty="0">
                 <a:solidFill>
                   <a:srgbClr val="000000"/>
                 </a:solidFill>
                 <a:latin typeface="Adobe Clean Light" panose="020B0303020404020204" pitchFamily="34" charset="0"/>
               </a:rPr>
-              <a:t>las soluciones de Adobe.</a:t>
+              <a:t>da Adobe, inclui sessões para informar e ajudar os participantes </a:t>
+            </a:r>
+            <a:br>
+              <a:rPr lang="sk-SK" sz="1000" dirty="0">
+                <a:solidFill>
+                  <a:srgbClr val="000000"/>
+                </a:solidFill>
+                <a:latin typeface="Adobe Clean Light" panose="020B0303020404020204" pitchFamily="34" charset="0"/>
+              </a:rPr>
+            </a:br>
+            <a:r>
+              <a:rPr lang="pt-BR" sz="1000" dirty="0">
+                <a:solidFill>
+                  <a:srgbClr val="000000"/>
+                </a:solidFill>
+                <a:latin typeface="Adobe Clean Light" panose="020B0303020404020204" pitchFamily="34" charset="0"/>
+              </a:rPr>
+              <a:t>a solucionar problemas e fornecer dicas e truques para aproveitar </a:t>
+            </a:r>
+            <a:br>
+              <a:rPr lang="sk-SK" sz="1000" dirty="0">
+                <a:solidFill>
+                  <a:srgbClr val="000000"/>
+                </a:solidFill>
+                <a:latin typeface="Adobe Clean Light" panose="020B0303020404020204" pitchFamily="34" charset="0"/>
+              </a:rPr>
+            </a:br>
+            <a:r>
+              <a:rPr lang="pt-BR" sz="1000" dirty="0">
+                <a:solidFill>
+                  <a:srgbClr val="000000"/>
+                </a:solidFill>
+                <a:latin typeface="Adobe Clean Light" panose="020B0303020404020204" pitchFamily="34" charset="0"/>
+              </a:rPr>
+              <a:t>ao máximo as soluções da Adobe.</a:t>
             </a:r>
           </a:p>
         </p:txBody>
@@ -9097,12 +8968,12 @@
               <a:defRPr/>
             </a:pPr>
             <a:r>
-              <a:rPr lang="es-ES" sz="1200">
+              <a:rPr lang="pt-BR" sz="1200">
                 <a:solidFill>
                   <a:srgbClr val="000000"/>
                 </a:solidFill>
               </a:rPr>
-              <a:t>Portales de autoayuda</a:t>
+              <a:t>Portais de autoatendimento</a:t>
             </a:r>
           </a:p>
         </p:txBody>
@@ -9145,12 +9016,12 @@
               </a:spcAft>
             </a:pPr>
             <a:r>
-              <a:rPr lang="es-ES" sz="1200" b="1">
+              <a:rPr lang="pt-BR" sz="1200" b="1">
                 <a:latin typeface="+mj-lt"/>
                 <a:ea typeface="Open Sans" pitchFamily="34" charset="0"/>
                 <a:cs typeface="Open Sans" pitchFamily="34" charset="0"/>
               </a:rPr>
-              <a:t>Portal de asistencia 24/7</a:t>
+              <a:t>Portal de suporte 24/7</a:t>
             </a:r>
           </a:p>
         </p:txBody>
@@ -9183,13 +9054,13 @@
           <a:lstStyle/>
           <a:p>
             <a:r>
-              <a:rPr lang="es-ES" sz="1000" dirty="0">
+              <a:rPr lang="pt-BR" sz="1000" dirty="0">
                 <a:solidFill>
                   <a:srgbClr val="000000"/>
                 </a:solidFill>
                 <a:latin typeface="Adobe Clean Light" panose="020B0303020404020204" pitchFamily="34" charset="0"/>
               </a:rPr>
-              <a:t>Acceso al portal de asistencia de autoayuda en línea previa solicitud para enviar solicitudes de asistencia, revisar el estado de los casos </a:t>
+              <a:t>Acesso sob demanda ao Portal de autoatendimento online para enviar solicitações de suporte, revisar o status do caso e procurar outros recursos, como nossa base de conhecimento, notícias </a:t>
             </a:r>
             <a:br>
               <a:rPr lang="sk-SK" sz="1000" dirty="0">
@@ -9200,30 +9071,13 @@
               </a:rPr>
             </a:br>
             <a:r>
-              <a:rPr lang="es-ES" sz="1000" dirty="0">
+              <a:rPr lang="pt-BR" sz="1000" dirty="0">
                 <a:solidFill>
                   <a:srgbClr val="000000"/>
                 </a:solidFill>
                 <a:latin typeface="Adobe Clean Light" panose="020B0303020404020204" pitchFamily="34" charset="0"/>
               </a:rPr>
-              <a:t>y examinar otros recursos, como la base de conocimiento, noticias </a:t>
-            </a:r>
-            <a:br>
-              <a:rPr lang="sk-SK" sz="1000" dirty="0">
-                <a:solidFill>
-                  <a:srgbClr val="000000"/>
-                </a:solidFill>
-                <a:latin typeface="Adobe Clean Light" panose="020B0303020404020204" pitchFamily="34" charset="0"/>
-              </a:rPr>
-            </a:br>
-            <a:r>
-              <a:rPr lang="es-ES" sz="1000" dirty="0">
-                <a:solidFill>
-                  <a:srgbClr val="000000"/>
-                </a:solidFill>
-                <a:latin typeface="Adobe Clean Light" panose="020B0303020404020204" pitchFamily="34" charset="0"/>
-              </a:rPr>
-              <a:t>y alertas, sugerencias destacadas, y mucho más.</a:t>
+              <a:t>e alertas, dicas em destaque e muito mais.</a:t>
             </a:r>
           </a:p>
         </p:txBody>
@@ -9271,12 +9125,12 @@
               <a:defRPr/>
             </a:pPr>
             <a:r>
-              <a:rPr lang="es-ES" sz="1200">
+              <a:rPr lang="pt-BR" sz="1200">
                 <a:solidFill>
                   <a:srgbClr val="000000"/>
                 </a:solidFill>
               </a:rPr>
-              <a:t>Asistencia mediante chat en directo*</a:t>
+              <a:t>Suporte por chat ao vivo*</a:t>
             </a:r>
           </a:p>
         </p:txBody>
@@ -9319,12 +9173,12 @@
               </a:spcAft>
             </a:pPr>
             <a:r>
-              <a:rPr lang="es-ES" sz="1200" b="1">
+              <a:rPr lang="pt-BR" sz="1200" b="1">
                 <a:latin typeface="+mj-lt"/>
                 <a:ea typeface="Open Sans" pitchFamily="34" charset="0"/>
                 <a:cs typeface="Open Sans" pitchFamily="34" charset="0"/>
               </a:rPr>
-              <a:t>Asistencia mediante chat</a:t>
+              <a:t>Suporte por chat</a:t>
             </a:r>
           </a:p>
         </p:txBody>
@@ -9372,12 +9226,12 @@
               <a:defRPr/>
             </a:pPr>
             <a:r>
-              <a:rPr lang="es-ES" sz="1200">
+              <a:rPr lang="pt-BR" sz="1200">
                 <a:solidFill>
                   <a:srgbClr val="000000"/>
                 </a:solidFill>
               </a:rPr>
-              <a:t>24x7x365 en P1 </a:t>
+              <a:t>24 X 7 X 365 P1 </a:t>
             </a:r>
           </a:p>
         </p:txBody>
@@ -9420,12 +9274,12 @@
               </a:spcAft>
             </a:pPr>
             <a:r>
-              <a:rPr lang="es-ES" sz="1200" b="1">
+              <a:rPr lang="pt-BR" sz="1200" b="1">
                 <a:latin typeface="+mj-lt"/>
                 <a:ea typeface="Open Sans" pitchFamily="34" charset="0"/>
                 <a:cs typeface="Open Sans" pitchFamily="34" charset="0"/>
               </a:rPr>
-              <a:t>Asistencia telefónica</a:t>
+              <a:t>Suporte telefônico</a:t>
             </a:r>
           </a:p>
         </p:txBody>
@@ -9445,7 +9299,7 @@
         <p:spPr>
           <a:xfrm>
             <a:off x="3833993" y="8494028"/>
-            <a:ext cx="3413002" cy="651460"/>
+            <a:ext cx="3413002" cy="497572"/>
           </a:xfrm>
           <a:prstGeom prst="rect">
             <a:avLst/>
@@ -9458,30 +9312,19 @@
           <a:lstStyle/>
           <a:p>
             <a:r>
-              <a:rPr lang="es-ES" sz="1000" dirty="0">
+              <a:rPr lang="pt-BR" sz="1000">
                 <a:solidFill>
                   <a:srgbClr val="020302"/>
                 </a:solidFill>
                 <a:latin typeface="AdobeClean-Light"/>
               </a:rPr>
-              <a:t>Los usuarios autorizados o los contactos de soporte particulares</a:t>
+              <a:t>Usuários autorizados ou contatos de suporte nomeados</a:t>
             </a:r>
             <a:r>
-              <a:rPr lang="es-ES" sz="1000" dirty="0">
+              <a:rPr lang="pt-BR" sz="1000">
                 <a:latin typeface="Adobe Clean Light" panose="020B0303020404020204" pitchFamily="34" charset="0"/>
               </a:rPr>
-              <a:t> pueden enviar problemas a través de todos los canales disponibles (incluido el teléfono en el caso de los problemas P1) y hablar </a:t>
-            </a:r>
-            <a:br>
-              <a:rPr lang="sk-SK" sz="1000" dirty="0">
-                <a:latin typeface="Adobe Clean Light" panose="020B0303020404020204" pitchFamily="34" charset="0"/>
-              </a:rPr>
-            </a:br>
-            <a:r>
-              <a:rPr lang="es-ES" sz="1000" dirty="0">
-                <a:latin typeface="Adobe Clean Light" panose="020B0303020404020204" pitchFamily="34" charset="0"/>
-              </a:rPr>
-              <a:t>con nuestro equipo de asistencia en nombre de su empresa. </a:t>
+              <a:t> podem enviar problemas por todos os canais disponíveis (incluindo por telefone em prioridades P1) e contatar a equipe de suporte técnico em nome de sua empresa. </a:t>
             </a:r>
           </a:p>
         </p:txBody>
@@ -9526,7 +9369,7 @@
               </a:spcBef>
             </a:pPr>
             <a:r>
-              <a:rPr lang="es-ES"/>
+              <a:rPr lang="pt-BR"/>
               <a:t>©2021 Adobe. All Rights Reserved. Adobe Confidential.</a:t>
             </a:r>
           </a:p>
@@ -9818,7 +9661,7 @@
               </a:lnSpc>
             </a:pPr>
             <a:r>
-              <a:rPr lang="es-ES" sz="500">
+              <a:rPr lang="pt-BR" sz="500">
                 <a:solidFill>
                   <a:srgbClr val="6C6C6C"/>
                 </a:solidFill>
@@ -9852,7 +9695,7 @@
               </a:spcBef>
             </a:pPr>
             <a:r>
-              <a:rPr lang="es-ES" sz="800">
+              <a:rPr lang="pt-BR" sz="800">
                 <a:solidFill>
                   <a:srgbClr val="6D6D6D"/>
                 </a:solidFill>
@@ -9944,7 +9787,7 @@
               </a:spcBef>
             </a:pPr>
             <a:r>
-              <a:rPr lang="es-ES" sz="1400" b="1">
+              <a:rPr lang="pt-BR" sz="1400" b="1">
                 <a:solidFill>
                   <a:srgbClr val="020302"/>
                 </a:solidFill>
@@ -9986,7 +9829,7 @@
               </a:spcBef>
             </a:pPr>
             <a:r>
-              <a:rPr lang="es-ES" sz="800">
+              <a:rPr lang="pt-BR" sz="800">
                 <a:solidFill>
                   <a:srgbClr val="777879"/>
                 </a:solidFill>
@@ -10003,7 +9846,7 @@
               </a:lnSpc>
             </a:pPr>
             <a:r>
-              <a:rPr lang="es-ES" sz="800">
+              <a:rPr lang="pt-BR" sz="800">
                 <a:solidFill>
                   <a:srgbClr val="777879"/>
                 </a:solidFill>
@@ -10020,14 +9863,14 @@
               </a:lnSpc>
             </a:pPr>
             <a:r>
-              <a:rPr lang="es-ES" sz="800">
+              <a:rPr lang="pt-BR" sz="800">
                 <a:solidFill>
                   <a:srgbClr val="777879"/>
                 </a:solidFill>
                 <a:latin typeface="Adobe Clean"/>
                 <a:cs typeface="Adobe Clean"/>
               </a:rPr>
-              <a:t>San José, CA95110-2704</a:t>
+              <a:t>San Jose, CA95110-2704</a:t>
             </a:r>
           </a:p>
           <a:p>
@@ -10040,14 +9883,14 @@
               </a:spcBef>
             </a:pPr>
             <a:r>
-              <a:rPr lang="es-ES" sz="800">
+              <a:rPr lang="pt-BR" sz="800">
                 <a:solidFill>
                   <a:srgbClr val="777879"/>
                 </a:solidFill>
                 <a:latin typeface="Adobe Clean"/>
                 <a:cs typeface="Adobe Clean"/>
               </a:rPr>
-              <a:t>EE. UU.</a:t>
+              <a:t>USA</a:t>
             </a:r>
           </a:p>
           <a:p>
@@ -10060,7 +9903,7 @@
               </a:spcBef>
             </a:pPr>
             <a:r>
-              <a:rPr lang="es-ES" sz="800" u="sng">
+              <a:rPr lang="pt-BR" sz="800" u="sng">
                 <a:solidFill>
                   <a:srgbClr val="5F5F5F"/>
                 </a:solidFill>
@@ -10228,7 +10071,7 @@
         <p:spPr>
           <a:xfrm>
             <a:off x="75947" y="9437110"/>
-            <a:ext cx="5466715" cy="570865"/>
+            <a:ext cx="5715253" cy="570865"/>
           </a:xfrm>
           <a:prstGeom prst="rect">
             <a:avLst/>
@@ -10249,54 +10092,14 @@
               </a:spcBef>
             </a:pPr>
             <a:r>
-              <a:rPr lang="es-ES" sz="1100" i="1" dirty="0">
+              <a:rPr lang="pt-BR" sz="1100" i="1" dirty="0">
                 <a:solidFill>
                   <a:srgbClr val="777879"/>
                 </a:solidFill>
                 <a:latin typeface="AdobeClean-LightIt"/>
                 <a:cs typeface="AdobeClean-LightIt"/>
               </a:rPr>
-              <a:t>Para saber más sobre las ofertas de asistencia de Adobe y el nivel adecuado para usted, póngase en contacto con su administrador de cuentas (NAM) o con su </a:t>
-            </a:r>
-            <a:r>
-              <a:rPr lang="es-ES" sz="1100" i="1" dirty="0" err="1">
-                <a:solidFill>
-                  <a:srgbClr val="777879"/>
-                </a:solidFill>
-                <a:latin typeface="AdobeClean-LightIt"/>
-                <a:cs typeface="AdobeClean-LightIt"/>
-              </a:rPr>
-              <a:t>Customer</a:t>
-            </a:r>
-            <a:r>
-              <a:rPr lang="es-ES" sz="1100" i="1" dirty="0">
-                <a:solidFill>
-                  <a:srgbClr val="777879"/>
-                </a:solidFill>
-                <a:latin typeface="AdobeClean-LightIt"/>
-                <a:cs typeface="AdobeClean-LightIt"/>
-              </a:rPr>
-              <a:t> </a:t>
-            </a:r>
-            <a:r>
-              <a:rPr lang="es-ES" sz="1100" i="1" dirty="0" err="1">
-                <a:solidFill>
-                  <a:srgbClr val="777879"/>
-                </a:solidFill>
-                <a:latin typeface="AdobeClean-LightIt"/>
-                <a:cs typeface="AdobeClean-LightIt"/>
-              </a:rPr>
-              <a:t>Success</a:t>
-            </a:r>
-            <a:r>
-              <a:rPr lang="es-ES" sz="1100" i="1" dirty="0">
-                <a:solidFill>
-                  <a:srgbClr val="777879"/>
-                </a:solidFill>
-                <a:latin typeface="AdobeClean-LightIt"/>
-                <a:cs typeface="AdobeClean-LightIt"/>
-              </a:rPr>
-              <a:t> Manager (CSM)</a:t>
+              <a:t>Para saber mais sobre os Serviços de suporte Adobe e identificar o nível certo para você, entre em contato com o seu Gerente de conta nomeado (NAM, em inglês) ou Gerente de sucesso do cliente (CSM, em inglês).</a:t>
             </a:r>
           </a:p>
           <a:p>
@@ -10309,94 +10112,14 @@
               </a:spcBef>
             </a:pPr>
             <a:r>
-              <a:rPr lang="es-ES" sz="800" dirty="0">
+              <a:rPr lang="pt-BR" sz="800" dirty="0">
                 <a:solidFill>
                   <a:srgbClr val="6D6D6D"/>
                 </a:solidFill>
                 <a:latin typeface="Adobe Clean"/>
                 <a:cs typeface="Adobe Clean"/>
               </a:rPr>
-              <a:t>©2021 Adobe. </a:t>
-            </a:r>
-            <a:r>
-              <a:rPr lang="es-ES" sz="800" dirty="0" err="1">
-                <a:solidFill>
-                  <a:srgbClr val="6D6D6D"/>
-                </a:solidFill>
-                <a:latin typeface="Adobe Clean"/>
-                <a:cs typeface="Adobe Clean"/>
-              </a:rPr>
-              <a:t>All</a:t>
-            </a:r>
-            <a:r>
-              <a:rPr lang="es-ES" sz="800" dirty="0">
-                <a:solidFill>
-                  <a:srgbClr val="6D6D6D"/>
-                </a:solidFill>
-                <a:latin typeface="Adobe Clean"/>
-                <a:cs typeface="Adobe Clean"/>
-              </a:rPr>
-              <a:t> </a:t>
-            </a:r>
-            <a:r>
-              <a:rPr lang="es-ES" sz="800" dirty="0" err="1">
-                <a:solidFill>
-                  <a:srgbClr val="6D6D6D"/>
-                </a:solidFill>
-                <a:latin typeface="Adobe Clean"/>
-                <a:cs typeface="Adobe Clean"/>
-              </a:rPr>
-              <a:t>Rights</a:t>
-            </a:r>
-            <a:r>
-              <a:rPr lang="es-ES" sz="800" dirty="0">
-                <a:solidFill>
-                  <a:srgbClr val="6D6D6D"/>
-                </a:solidFill>
-                <a:latin typeface="Adobe Clean"/>
-                <a:cs typeface="Adobe Clean"/>
-              </a:rPr>
-              <a:t> </a:t>
-            </a:r>
-            <a:r>
-              <a:rPr lang="es-ES" sz="800" dirty="0" err="1">
-                <a:solidFill>
-                  <a:srgbClr val="6D6D6D"/>
-                </a:solidFill>
-                <a:latin typeface="Adobe Clean"/>
-                <a:cs typeface="Adobe Clean"/>
-              </a:rPr>
-              <a:t>Reserved</a:t>
-            </a:r>
-            <a:r>
-              <a:rPr lang="es-ES" sz="800" dirty="0">
-                <a:solidFill>
-                  <a:srgbClr val="6D6D6D"/>
-                </a:solidFill>
-                <a:latin typeface="Adobe Clean"/>
-                <a:cs typeface="Adobe Clean"/>
-              </a:rPr>
-              <a:t>. Adobe </a:t>
-            </a:r>
-            <a:r>
-              <a:rPr lang="es-ES" sz="800" dirty="0" err="1">
-                <a:solidFill>
-                  <a:srgbClr val="6D6D6D"/>
-                </a:solidFill>
-                <a:latin typeface="Adobe Clean"/>
-                <a:cs typeface="Adobe Clean"/>
-              </a:rPr>
-              <a:t>Confidential</a:t>
-            </a:r>
-            <a:r>
-              <a:rPr lang="es-ES" sz="800" dirty="0">
-                <a:solidFill>
-                  <a:srgbClr val="6D6D6D"/>
-                </a:solidFill>
-                <a:latin typeface="Adobe Clean"/>
-                <a:cs typeface="Adobe Clean"/>
-              </a:rPr>
-              <a:t>.</a:t>
+              <a:t>©2021 Adobe. All Rights Reserved. Adobe Confidential.</a:t>
             </a:r>
           </a:p>
         </p:txBody>
@@ -10415,8 +10138,8 @@
         </p:nvSpPr>
         <p:spPr>
           <a:xfrm>
-            <a:off x="171128" y="5057379"/>
-            <a:ext cx="7144071" cy="755976"/>
+            <a:off x="171129" y="5057379"/>
+            <a:ext cx="6476646" cy="755976"/>
           </a:xfrm>
           <a:prstGeom prst="rect">
             <a:avLst/>
@@ -10434,14 +10157,14 @@
               </a:spcBef>
             </a:pPr>
             <a:r>
-              <a:rPr lang="es-ES" sz="1400" b="1" dirty="0">
+              <a:rPr lang="pt-BR" sz="1400" b="1">
                 <a:solidFill>
                   <a:srgbClr val="020302"/>
                 </a:solidFill>
                 <a:latin typeface="Adobe Clean"/>
                 <a:cs typeface="Adobe Clean"/>
               </a:rPr>
-              <a:t>Alcance regional del Soporte de Adobe, horas locales de trabajo y compatibilidad de idioma</a:t>
+              <a:t>Escopo regional do Suporte da Adobe, horário local de operação e suporte de idioma</a:t>
             </a:r>
           </a:p>
           <a:p>
@@ -10451,30 +10174,13 @@
               </a:spcBef>
             </a:pPr>
             <a:r>
-              <a:rPr lang="es-ES" sz="1000" dirty="0">
+              <a:rPr lang="pt-BR" sz="1000">
                 <a:solidFill>
                   <a:srgbClr val="1F1F1F"/>
                 </a:solidFill>
                 <a:latin typeface="AdobeClean-Light"/>
               </a:rPr>
-              <a:t>El alcance regional del Soporte de Adobe se establece asignando la dirección de facturación del cliente </a:t>
-            </a:r>
-            <a:br>
-              <a:rPr lang="sk-SK" sz="1000" dirty="0">
-                <a:solidFill>
-                  <a:srgbClr val="1F1F1F"/>
-                </a:solidFill>
-                <a:latin typeface="AdobeClean-Light"/>
-              </a:rPr>
-            </a:br>
-            <a:r>
-              <a:rPr lang="es-ES" sz="1000" dirty="0">
-                <a:solidFill>
-                  <a:srgbClr val="1F1F1F"/>
-                </a:solidFill>
-                <a:latin typeface="AdobeClean-Light"/>
-              </a:rPr>
-              <a:t>(mediante la orden de venta o el documento de compra de Soporte de Adobe) con una de estas regiones:</a:t>
+              <a:t>O escopo regional do Suporte da Adobe é estabelecido alinhando o endereço de faturamento do cliente (conforme a ordem de venda ou outro documento de compra do Suporte da Adobe) a uma das regiões seguintes:</a:t>
             </a:r>
           </a:p>
         </p:txBody>
@@ -10494,7 +10200,7 @@
           <p:nvPr>
             <p:extLst>
               <p:ext uri="{D42A27DB-BD31-4B8C-83A1-F6EECF244321}">
-                <p14:modId xmlns:p14="http://schemas.microsoft.com/office/powerpoint/2010/main" val="470106434"/>
+                <p14:modId xmlns:p14="http://schemas.microsoft.com/office/powerpoint/2010/main" val="2846210228"/>
               </p:ext>
             </p:extLst>
           </p:nvPr>
@@ -10547,13 +10253,13 @@
                     <a:p>
                       <a:pPr algn="ctr"/>
                       <a:r>
-                        <a:rPr lang="es-ES" sz="1100">
+                        <a:rPr lang="pt-BR" sz="1100">
                           <a:solidFill>
                             <a:schemeClr val="tx1"/>
                           </a:solidFill>
                           <a:latin typeface="Adobe Clean" panose="020B0503020404020204" pitchFamily="34" charset="0"/>
                         </a:rPr>
-                        <a:t>América</a:t>
+                        <a:t>Américas</a:t>
                       </a:r>
                     </a:p>
                   </a:txBody>
@@ -10612,30 +10318,13 @@
                     <a:p>
                       <a:pPr algn="ctr"/>
                       <a:r>
-                        <a:rPr lang="es-ES" sz="1100" dirty="0">
+                        <a:rPr lang="pt-BR" sz="1100">
                           <a:solidFill>
                             <a:schemeClr val="tx1"/>
                           </a:solidFill>
                           <a:latin typeface="Adobe Clean" panose="020B0503020404020204" pitchFamily="34" charset="0"/>
                         </a:rPr>
-                        <a:t>Europa, Oriente </a:t>
-                      </a:r>
-                      <a:br>
-                        <a:rPr lang="sk-SK" sz="1100" dirty="0">
-                          <a:solidFill>
-                            <a:schemeClr val="tx1"/>
-                          </a:solidFill>
-                          <a:latin typeface="Adobe Clean" panose="020B0503020404020204" pitchFamily="34" charset="0"/>
-                        </a:rPr>
-                      </a:br>
-                      <a:r>
-                        <a:rPr lang="es-ES" sz="1100" dirty="0">
-                          <a:solidFill>
-                            <a:schemeClr val="tx1"/>
-                          </a:solidFill>
-                          <a:latin typeface="Adobe Clean" panose="020B0503020404020204" pitchFamily="34" charset="0"/>
-                        </a:rPr>
-                        <a:t>Medio y África</a:t>
+                        <a:t>Europa, Oriente Médio e África</a:t>
                       </a:r>
                     </a:p>
                   </a:txBody>
@@ -10694,13 +10383,13 @@
                     <a:p>
                       <a:pPr algn="ctr"/>
                       <a:r>
-                        <a:rPr lang="es-ES" sz="1100">
+                        <a:rPr lang="pt-BR" sz="1100">
                           <a:solidFill>
                             <a:schemeClr val="tx1"/>
                           </a:solidFill>
                           <a:latin typeface="Adobe Clean" panose="020B0503020404020204" pitchFamily="34" charset="0"/>
                         </a:rPr>
-                        <a:t>Asia-Pacífico</a:t>
+                        <a:t>Ásia–Pacífico</a:t>
                       </a:r>
                     </a:p>
                   </a:txBody>
@@ -10759,16 +10448,16 @@
                     <a:p>
                       <a:pPr algn="ctr"/>
                       <a:r>
-                        <a:rPr lang="es-ES" sz="1100">
+                        <a:rPr lang="pt-BR" sz="1100">
                           <a:solidFill>
                             <a:schemeClr val="tx1"/>
                           </a:solidFill>
                           <a:latin typeface="Adobe Clean"/>
                         </a:rPr>
-                        <a:t>Japón </a:t>
+                        <a:t>Japão</a:t>
                       </a:r>
                       <a:r>
-                        <a:rPr lang="es-ES" sz="1100" baseline="30000">
+                        <a:rPr lang="pt-BR" sz="1100" baseline="30000">
                           <a:solidFill>
                             <a:schemeClr val="tx1"/>
                           </a:solidFill>
@@ -10840,13 +10529,13 @@
                     <a:p>
                       <a:pPr algn="ctr"/>
                       <a:r>
-                        <a:rPr lang="es-ES" sz="1100">
+                        <a:rPr lang="pt-BR" sz="1100">
                           <a:solidFill>
                             <a:schemeClr val="tx1"/>
                           </a:solidFill>
                           <a:latin typeface="Adobe Clean" panose="020B0503020404020204" pitchFamily="34" charset="0"/>
                         </a:rPr>
-                        <a:t>06:00 h - 17:30 h</a:t>
+                        <a:t>6h – 17h30</a:t>
                       </a:r>
                     </a:p>
                   </a:txBody>
@@ -10905,13 +10594,13 @@
                     <a:p>
                       <a:pPr algn="ctr"/>
                       <a:r>
-                        <a:rPr lang="es-ES" sz="1100">
+                        <a:rPr lang="pt-BR" sz="1100">
                           <a:solidFill>
                             <a:schemeClr val="tx1"/>
                           </a:solidFill>
                           <a:latin typeface="Adobe Clean" panose="020B0503020404020204" pitchFamily="34" charset="0"/>
                         </a:rPr>
-                        <a:t>09:00 h - 17:00 h</a:t>
+                        <a:t>9h – 17h</a:t>
                       </a:r>
                     </a:p>
                   </a:txBody>
@@ -10970,13 +10659,13 @@
                     <a:p>
                       <a:pPr algn="ctr"/>
                       <a:r>
-                        <a:rPr lang="es-ES" sz="1100">
+                        <a:rPr lang="pt-BR" sz="1100">
                           <a:solidFill>
                             <a:schemeClr val="tx1"/>
                           </a:solidFill>
                           <a:latin typeface="Adobe Clean" panose="020B0503020404020204" pitchFamily="34" charset="0"/>
                         </a:rPr>
-                        <a:t>09:00 h - 17:00 h</a:t>
+                        <a:t>9h – 17h</a:t>
                       </a:r>
                     </a:p>
                   </a:txBody>
@@ -11035,13 +10724,13 @@
                     <a:p>
                       <a:pPr algn="ctr"/>
                       <a:r>
-                        <a:rPr lang="es-ES" sz="1100">
+                        <a:rPr lang="pt-BR" sz="1100">
                           <a:solidFill>
                             <a:schemeClr val="tx1"/>
                           </a:solidFill>
                           <a:latin typeface="Adobe Clean" panose="020B0503020404020204" pitchFamily="34" charset="0"/>
                         </a:rPr>
-                        <a:t>09:00 h - 17:30 h</a:t>
+                        <a:t>9h – 17h30</a:t>
                       </a:r>
                     </a:p>
                   </a:txBody>
@@ -11121,13 +10810,13 @@
                         <a:buNone/>
                       </a:pPr>
                       <a:r>
-                        <a:rPr lang="es-ES" sz="1100" dirty="0">
+                        <a:rPr lang="pt-BR" sz="1100">
                           <a:solidFill>
                             <a:schemeClr val="tx1"/>
                           </a:solidFill>
                           <a:latin typeface="Adobe Clean"/>
                         </a:rPr>
-                        <a:t>Compatibilidad de idioma solo disponible en inglés y japonés</a:t>
+                        <a:t>O suporte de idioma está disponível somente em inglês e japonês.</a:t>
                       </a:r>
                     </a:p>
                     <a:p>
@@ -11149,13 +10838,13 @@
                         <a:defRPr/>
                       </a:pPr>
                       <a:r>
-                        <a:rPr lang="es-ES" sz="1100" i="1" dirty="0">
+                        <a:rPr lang="pt-BR" sz="1100" i="1">
                           <a:solidFill>
                             <a:schemeClr val="tx1"/>
                           </a:solidFill>
                           <a:latin typeface="Adobe Clean"/>
                         </a:rPr>
-                        <a:t>*Adobe Commerce no incluye soporte en japonés.</a:t>
+                        <a:t>*O Adobe Commerce exclui o suporte ao idioma japonês.</a:t>
                       </a:r>
                     </a:p>
                     <a:p>
@@ -11178,7 +10867,7 @@
                     <a:p>
                       <a:pPr algn="ctr"/>
                       <a:r>
-                        <a:rPr lang="es-ES" sz="1100" i="0" dirty="0">
+                        <a:rPr lang="pt-BR" sz="1100" i="0">
                           <a:solidFill>
                             <a:schemeClr val="tx1"/>
                           </a:solidFill>
@@ -11187,22 +10876,22 @@
                         <a:t> </a:t>
                       </a:r>
                       <a:r>
-                        <a:rPr lang="es-ES" sz="1100" i="0" baseline="30000" dirty="0">
+                        <a:rPr lang="pt-BR" sz="1100" i="0" baseline="30000">
                           <a:solidFill>
                             <a:schemeClr val="tx1"/>
                           </a:solidFill>
                           <a:latin typeface="Adobe Clean"/>
                         </a:rPr>
-                        <a:t>1 </a:t>
+                        <a:t>1</a:t>
                       </a:r>
                       <a:r>
-                        <a:rPr lang="es-ES" sz="1100" i="0" dirty="0">
+                        <a:rPr lang="pt-BR" sz="1100" i="0">
                           <a:solidFill>
                             <a:schemeClr val="tx1"/>
                           </a:solidFill>
                           <a:latin typeface="Adobe Clean"/>
                         </a:rPr>
-                        <a:t>Los casos de P2, P3, P4 se limitan únicamente al horario laboral en Japón.</a:t>
+                        <a:t>Os casos de prioridade P2, P3 e P4 estão limitados ao horário comercial somente no Japão.</a:t>
                       </a:r>
                     </a:p>
                     <a:p>
@@ -11567,7 +11256,7 @@
           </a:bodyPr>
           <a:lstStyle/>
           <a:p>
-            <a:pPr marL="139065" marR="5080" indent="-139065">
+            <a:pPr marR="5080" algn="ctr">
               <a:lnSpc>
                 <a:spcPts val="1390"/>
               </a:lnSpc>
@@ -11576,14 +11265,14 @@
               </a:spcBef>
             </a:pPr>
             <a:r>
-              <a:rPr lang="es-ES" sz="1200" b="1">
+              <a:rPr lang="pt-BR" sz="1200" b="1" dirty="0">
                 <a:solidFill>
                   <a:srgbClr val="FFFFFF"/>
                 </a:solidFill>
                 <a:latin typeface="Adobe Clean"/>
                 <a:cs typeface="Adobe Clean"/>
               </a:rPr>
-              <a:t>Experiencia sin igual</a:t>
+              <a:t>Experiência sem igual</a:t>
             </a:r>
           </a:p>
         </p:txBody>
@@ -11602,8 +11291,8 @@
         </p:nvSpPr>
         <p:spPr>
           <a:xfrm>
-            <a:off x="4732495" y="8541244"/>
-            <a:ext cx="810895" cy="382797"/>
+            <a:off x="4656295" y="8541244"/>
+            <a:ext cx="906305" cy="382797"/>
           </a:xfrm>
           <a:prstGeom prst="rect">
             <a:avLst/>
@@ -11615,7 +11304,7 @@
           </a:bodyPr>
           <a:lstStyle/>
           <a:p>
-            <a:pPr marL="139065" marR="5080" indent="-139065">
+            <a:pPr marR="5080" algn="ctr">
               <a:lnSpc>
                 <a:spcPts val="1390"/>
               </a:lnSpc>
@@ -11624,14 +11313,14 @@
               </a:spcBef>
             </a:pPr>
             <a:r>
-              <a:rPr lang="es-ES" sz="1200" b="1">
+              <a:rPr lang="pt-BR" sz="1200" b="1" dirty="0">
                 <a:solidFill>
                   <a:srgbClr val="FFFFFF"/>
                 </a:solidFill>
                 <a:latin typeface="Adobe Clean"/>
                 <a:cs typeface="Adobe Clean"/>
               </a:rPr>
-              <a:t>Asistencia ágil</a:t>
+              <a:t>Suporte acelerado</a:t>
             </a:r>
           </a:p>
         </p:txBody>
@@ -11651,7 +11340,7 @@
         <p:spPr>
           <a:xfrm>
             <a:off x="6477000" y="8543943"/>
-            <a:ext cx="810895" cy="385445"/>
+            <a:ext cx="841575" cy="382797"/>
           </a:xfrm>
           <a:prstGeom prst="rect">
             <a:avLst/>
@@ -11672,14 +11361,14 @@
               </a:spcBef>
             </a:pPr>
             <a:r>
-              <a:rPr lang="es-ES" sz="1200" b="1" dirty="0">
+              <a:rPr lang="pt-BR" sz="1200" b="1" dirty="0">
                 <a:solidFill>
                   <a:srgbClr val="FFFFFF"/>
                 </a:solidFill>
                 <a:latin typeface="Adobe Clean"/>
                 <a:cs typeface="Adobe Clean"/>
               </a:rPr>
-              <a:t>Asesoría estratégica</a:t>
+              <a:t>Consultoria estratégica</a:t>
             </a:r>
           </a:p>
         </p:txBody>
@@ -11699,7 +11388,7 @@
           <p:nvPr>
             <p:extLst>
               <p:ext uri="{D42A27DB-BD31-4B8C-83A1-F6EECF244321}">
-                <p14:modId xmlns:p14="http://schemas.microsoft.com/office/powerpoint/2010/main" val="3777494027"/>
+                <p14:modId xmlns:p14="http://schemas.microsoft.com/office/powerpoint/2010/main" val="2855027042"/>
               </p:ext>
             </p:extLst>
           </p:nvPr>
@@ -11737,7 +11426,7 @@
                     <a:lstStyle/>
                     <a:p>
                       <a:r>
-                        <a:rPr lang="es-ES" sz="1100" b="0">
+                        <a:rPr lang="pt-BR" sz="1100" b="0">
                           <a:solidFill>
                             <a:schemeClr val="tx1"/>
                           </a:solidFill>
@@ -11821,7 +11510,7 @@
                         <a:defRPr/>
                       </a:pPr>
                       <a:r>
-                        <a:rPr lang="es-ES" sz="1000" b="0" dirty="0" err="1">
+                        <a:rPr lang="pt-BR" sz="1000" b="0" dirty="0">
                           <a:solidFill>
                             <a:srgbClr val="000000"/>
                           </a:solidFill>
@@ -11829,18 +11518,7 @@
                           <a:ea typeface="+mn-ea"/>
                           <a:cs typeface="+mn-cs"/>
                         </a:rPr>
-                        <a:t>Experience</a:t>
-                      </a:r>
-                      <a:r>
-                        <a:rPr lang="es-ES" sz="1000" b="0" dirty="0">
-                          <a:solidFill>
-                            <a:srgbClr val="000000"/>
-                          </a:solidFill>
-                          <a:latin typeface="Adobe Clean Light" panose="020B0303020404020204" pitchFamily="34" charset="0"/>
-                          <a:ea typeface="+mn-ea"/>
-                          <a:cs typeface="+mn-cs"/>
-                        </a:rPr>
-                        <a:t> League permite a Adobe ayudar a las empresas a alcanzar el valor que esperan de su inversión en Adobe. Es el lugar unificado </a:t>
+                        <a:t>A Experience League foi criada para ajudar as empresas a alcançar </a:t>
                       </a:r>
                       <a:br>
                         <a:rPr lang="sk-SK" sz="1000" b="0" dirty="0">
@@ -11853,7 +11531,7 @@
                         </a:rPr>
                       </a:br>
                       <a:r>
-                        <a:rPr lang="es-ES" sz="1000" b="0" dirty="0">
+                        <a:rPr lang="pt-BR" sz="1000" b="0" dirty="0">
                           <a:solidFill>
                             <a:srgbClr val="000000"/>
                           </a:solidFill>
@@ -11861,7 +11539,7 @@
                           <a:ea typeface="+mn-ea"/>
                           <a:cs typeface="+mn-cs"/>
                         </a:rPr>
-                        <a:t>en el que los clientes pueden aprender, dialogar y crecer siguiendo </a:t>
+                        <a:t>o valor que esperam do seu investimento em produtos da Adobe. </a:t>
                       </a:r>
                       <a:br>
                         <a:rPr lang="sk-SK" sz="1000" b="0" dirty="0">
@@ -11874,7 +11552,7 @@
                         </a:rPr>
                       </a:br>
                       <a:r>
-                        <a:rPr lang="es-ES" sz="1000" b="0" dirty="0">
+                        <a:rPr lang="pt-BR" sz="1000" b="0" dirty="0">
                           <a:solidFill>
                             <a:srgbClr val="000000"/>
                           </a:solidFill>
@@ -11882,7 +11560,7 @@
                           <a:ea typeface="+mn-ea"/>
                           <a:cs typeface="+mn-cs"/>
                         </a:rPr>
-                        <a:t>un camino personalizado hacia el éxito que incluye tutoriales </a:t>
+                        <a:t>É o local unificado onde os clientes podem aprender, interagir e crescer ao longo de um caminho personalizado de sucesso que inclui tutoriais de autoatendimento, documentação dos produtos, treinamento </a:t>
                       </a:r>
                       <a:br>
                         <a:rPr lang="sk-SK" sz="1000" b="0" dirty="0">
@@ -11895,7 +11573,7 @@
                         </a:rPr>
                       </a:br>
                       <a:r>
-                        <a:rPr lang="es-ES" sz="1000" b="0" dirty="0">
+                        <a:rPr lang="pt-BR" sz="1000" b="0" dirty="0">
                           <a:solidFill>
                             <a:srgbClr val="000000"/>
                           </a:solidFill>
@@ -11903,28 +11581,7 @@
                           <a:ea typeface="+mn-ea"/>
                           <a:cs typeface="+mn-cs"/>
                         </a:rPr>
-                        <a:t>de autoayuda, documentación de productos, formación dirigida </a:t>
-                      </a:r>
-                      <a:br>
-                        <a:rPr lang="sk-SK" sz="1000" b="0" dirty="0">
-                          <a:solidFill>
-                            <a:srgbClr val="000000"/>
-                          </a:solidFill>
-                          <a:latin typeface="Adobe Clean Light" panose="020B0303020404020204" pitchFamily="34" charset="0"/>
-                          <a:ea typeface="+mn-ea"/>
-                          <a:cs typeface="+mn-cs"/>
-                        </a:rPr>
-                      </a:br>
-                      <a:r>
-                        <a:rPr lang="es-ES" sz="1000" b="0" dirty="0">
-                          <a:solidFill>
-                            <a:srgbClr val="000000"/>
-                          </a:solidFill>
-                          <a:latin typeface="Adobe Clean Light" panose="020B0303020404020204" pitchFamily="34" charset="0"/>
-                          <a:ea typeface="+mn-ea"/>
-                          <a:cs typeface="+mn-cs"/>
-                        </a:rPr>
-                        <a:t>por instructores, y asistencia técnica y comunitaria. </a:t>
+                        <a:t>com instrutores e suporte técnico e da comunidade. </a:t>
                       </a:r>
                     </a:p>
                   </a:txBody>
@@ -12006,7 +11663,7 @@
                         <a:defRPr/>
                       </a:pPr>
                       <a:r>
-                        <a:rPr lang="es-ES" sz="1100">
+                        <a:rPr lang="pt-BR" sz="1100">
                           <a:solidFill>
                             <a:schemeClr val="dk1"/>
                           </a:solidFill>
@@ -12015,10 +11672,10 @@
                           <a:cs typeface="+mn-cs"/>
                           <a:hlinkClick r:id="rId8"/>
                         </a:rPr>
-                        <a:t>Formación</a:t>
+                        <a:t>Treinamento</a:t>
                       </a:r>
                       <a:r>
-                        <a:rPr lang="es-ES" sz="1100">
+                        <a:rPr lang="pt-BR" sz="1100">
                           <a:solidFill>
                             <a:schemeClr val="dk1"/>
                           </a:solidFill>
@@ -12101,7 +11758,7 @@
                         <a:defRPr/>
                       </a:pPr>
                       <a:r>
-                        <a:rPr lang="es-ES" sz="1000" dirty="0">
+                        <a:rPr lang="pt-BR" sz="1000">
                           <a:solidFill>
                             <a:srgbClr val="000000"/>
                           </a:solidFill>
@@ -12109,73 +11766,7 @@
                           <a:ea typeface="+mn-ea"/>
                           <a:cs typeface="+mn-cs"/>
                         </a:rPr>
-                        <a:t>Puede acceder a los cursos de Adobe Digital </a:t>
-                      </a:r>
-                      <a:r>
-                        <a:rPr lang="es-ES" sz="1000" dirty="0" err="1">
-                          <a:solidFill>
-                            <a:srgbClr val="000000"/>
-                          </a:solidFill>
-                          <a:latin typeface="Adobe Clean Light" panose="020B0303020404020204" pitchFamily="34" charset="0"/>
-                          <a:ea typeface="+mn-ea"/>
-                          <a:cs typeface="+mn-cs"/>
-                        </a:rPr>
-                        <a:t>Learning</a:t>
-                      </a:r>
-                      <a:r>
-                        <a:rPr lang="es-ES" sz="1000" dirty="0">
-                          <a:solidFill>
-                            <a:srgbClr val="000000"/>
-                          </a:solidFill>
-                          <a:latin typeface="Adobe Clean Light" panose="020B0303020404020204" pitchFamily="34" charset="0"/>
-                          <a:ea typeface="+mn-ea"/>
-                          <a:cs typeface="+mn-cs"/>
-                        </a:rPr>
-                        <a:t> </a:t>
-                      </a:r>
-                      <a:r>
-                        <a:rPr lang="es-ES" sz="1000" dirty="0" err="1">
-                          <a:solidFill>
-                            <a:srgbClr val="000000"/>
-                          </a:solidFill>
-                          <a:latin typeface="Adobe Clean Light" panose="020B0303020404020204" pitchFamily="34" charset="0"/>
-                          <a:ea typeface="+mn-ea"/>
-                          <a:cs typeface="+mn-cs"/>
-                        </a:rPr>
-                        <a:t>Services</a:t>
-                      </a:r>
-                      <a:r>
-                        <a:rPr lang="es-ES" sz="1000" dirty="0">
-                          <a:solidFill>
-                            <a:srgbClr val="000000"/>
-                          </a:solidFill>
-                          <a:latin typeface="Adobe Clean Light" panose="020B0303020404020204" pitchFamily="34" charset="0"/>
-                          <a:ea typeface="+mn-ea"/>
-                          <a:cs typeface="+mn-cs"/>
-                        </a:rPr>
-                        <a:t> desde </a:t>
-                      </a:r>
-                      <a:r>
-                        <a:rPr lang="es-ES" sz="1000" dirty="0" err="1">
-                          <a:solidFill>
-                            <a:srgbClr val="000000"/>
-                          </a:solidFill>
-                          <a:latin typeface="Adobe Clean Light" panose="020B0303020404020204" pitchFamily="34" charset="0"/>
-                          <a:ea typeface="+mn-ea"/>
-                          <a:cs typeface="+mn-cs"/>
-                        </a:rPr>
-                        <a:t>Experience</a:t>
-                      </a:r>
-                      <a:r>
-                        <a:rPr lang="es-ES" sz="1000" dirty="0">
-                          <a:solidFill>
-                            <a:srgbClr val="000000"/>
-                          </a:solidFill>
-                          <a:latin typeface="Adobe Clean Light" panose="020B0303020404020204" pitchFamily="34" charset="0"/>
-                          <a:ea typeface="+mn-ea"/>
-                          <a:cs typeface="+mn-cs"/>
-                        </a:rPr>
-                        <a:t> League. Los cursos de formación incluyen desde lecciones bajo demanda hasta lecciones impartidas por instructores. Aquí puede aprender habilidades con valor de mercado reconocido para impulsar el éxito en su organización.</a:t>
+                        <a:t>O acesso aos cursos do Adobe Digital Learning Services está disponível na Experience League. Os cursos de aprendizagem incluem lições sob demanda e com instrutores.  É um lugar para adquirir habilidades com reconhecido valor de mercado que você pode pôr em prática para impulsionar o sucesso na sua organização.</a:t>
                       </a:r>
                     </a:p>
                   </a:txBody>
@@ -12257,7 +11848,7 @@
                         <a:defRPr/>
                       </a:pPr>
                       <a:r>
-                        <a:rPr lang="es-ES" sz="1100">
+                        <a:rPr lang="pt-BR" sz="1100">
                           <a:solidFill>
                             <a:schemeClr val="tx1"/>
                           </a:solidFill>
@@ -12266,7 +11857,7 @@
                           <a:cs typeface="+mn-cs"/>
                           <a:hlinkClick r:id="rId9"/>
                         </a:rPr>
-                        <a:t>Problemas de producción e interrupciones del sistema</a:t>
+                        <a:t>Problemas de produção e paralisações do sistema</a:t>
                       </a:r>
                     </a:p>
                   </a:txBody>
@@ -12341,7 +11932,7 @@
                         <a:defRPr/>
                       </a:pPr>
                       <a:r>
-                        <a:rPr lang="es-ES" sz="1000">
+                        <a:rPr lang="pt-BR" sz="1000" dirty="0">
                           <a:solidFill>
                             <a:srgbClr val="000000"/>
                           </a:solidFill>
@@ -12349,7 +11940,28 @@
                           <a:ea typeface="+mn-ea"/>
                           <a:cs typeface="+mn-cs"/>
                         </a:rPr>
-                        <a:t>Status.adobe.com transmite la información de estado de todos los productos y servicios de Adobe implementados en entornos de varios inquilinos. Los clientes pueden elegir sus preferencias de suscripción para recibir notificaciones por correo electrónico cada vez que Adobe cree, actualice o resuelva un evento de producto. Esto puede incluir problemas de mantenimiento o servicio programados de diversos niveles de gravedad. </a:t>
+                        <a:t>O Status.adobe.com transmite as informações de integridade de todos os produtos e serviços da Adobe implantados em ambientes de vários locatários. Os clientes podem escolher suas preferências de subscrição para receber notificações por email sempre que a Adobe criar, atualizar ou resolver um evento de produto. Isso pode incluir manutenção programada ou problemas de serviço com diferentes níveis </a:t>
+                      </a:r>
+                      <a:br>
+                        <a:rPr lang="sk-SK" sz="1000" dirty="0">
+                          <a:solidFill>
+                            <a:srgbClr val="000000"/>
+                          </a:solidFill>
+                          <a:latin typeface="Adobe Clean Light" panose="020B0303020404020204" pitchFamily="34" charset="0"/>
+                          <a:ea typeface="+mn-ea"/>
+                          <a:cs typeface="+mn-cs"/>
+                        </a:rPr>
+                      </a:br>
+                      <a:r>
+                        <a:rPr lang="pt-BR" sz="1000" dirty="0">
+                          <a:solidFill>
+                            <a:srgbClr val="000000"/>
+                          </a:solidFill>
+                          <a:latin typeface="Adobe Clean Light" panose="020B0303020404020204" pitchFamily="34" charset="0"/>
+                          <a:ea typeface="+mn-ea"/>
+                          <a:cs typeface="+mn-cs"/>
+                        </a:rPr>
+                        <a:t>de gravidade. </a:t>
                       </a:r>
                     </a:p>
                   </a:txBody>
@@ -12431,7 +12043,7 @@
                         <a:defRPr/>
                       </a:pPr>
                       <a:r>
-                        <a:rPr lang="es-ES" sz="1100">
+                        <a:rPr lang="pt-BR" sz="1100">
                           <a:solidFill>
                             <a:schemeClr val="tx1"/>
                           </a:solidFill>
@@ -12440,7 +12052,7 @@
                           <a:cs typeface="+mn-cs"/>
                           <a:hlinkClick r:id="rId10"/>
                         </a:rPr>
-                        <a:t>Términos y condiciones</a:t>
+                        <a:t>Termos e condições</a:t>
                       </a:r>
                     </a:p>
                   </a:txBody>
@@ -12498,7 +12110,7 @@
                     <a:lstStyle/>
                     <a:p>
                       <a:r>
-                        <a:rPr lang="es-ES" sz="1000" dirty="0">
+                        <a:rPr lang="pt-BR" sz="1000" dirty="0">
                           <a:solidFill>
                             <a:srgbClr val="000000"/>
                           </a:solidFill>
@@ -12506,7 +12118,7 @@
                           <a:ea typeface="+mn-ea"/>
                           <a:cs typeface="+mn-cs"/>
                         </a:rPr>
-                        <a:t>Términos y condiciones de las ofertas de los servicios de soporte</a:t>
+                        <a:t>Os Termos e condições que detalham os serviços de suporte</a:t>
                       </a:r>
                     </a:p>
                   </a:txBody>

--- a/help/data-sheets/assets/OnlineSupportDatasheet.pptx
+++ b/help/data-sheets/assets/OnlineSupportDatasheet.pptx
@@ -131,7 +131,7 @@
 <file path=ppt/revisionInfo.xml><?xml version="1.0" encoding="utf-8"?>
 <p1510:revInfo xmlns:a="http://schemas.openxmlformats.org/drawingml/2006/main" xmlns:r="http://schemas.openxmlformats.org/officeDocument/2006/relationships" xmlns:p1510="http://schemas.microsoft.com/office/powerpoint/2015/10/main">
   <p1510:revLst>
-    <p1510:client id="{5343DD59-8FB2-7AAD-1875-255EDB54B98D}" v="367" dt="2021-09-22T18:47:16.489"/>
+    <p1510:client id="{096F7488-A26A-D845-83B0-BE2FC48D1AFD}" v="1" dt="2021-10-13T19:37:08.512"/>
   </p1510:revLst>
 </p1510:revInfo>
 </file>
@@ -167,6 +167,186 @@
             <ac:graphicFrameMk id="25" creationId="{3A91F5B0-3974-A14D-A146-FB590F2AAD18}"/>
           </ac:graphicFrameMkLst>
         </pc:graphicFrameChg>
+      </pc:sldChg>
+    </pc:docChg>
+  </pc:docChgLst>
+  <pc:docChgLst>
+    <pc:chgData name="Akilah Johnson" userId="S::akjohnso@adobe.com::2fa3aa60-0c9c-4d06-bae2-795983241227" providerId="AD" clId="Web-{57A486D7-8267-4044-450E-B1D42691F1A4}"/>
+    <pc:docChg chg="modSld">
+      <pc:chgData name="Akilah Johnson" userId="S::akjohnso@adobe.com::2fa3aa60-0c9c-4d06-bae2-795983241227" providerId="AD" clId="Web-{57A486D7-8267-4044-450E-B1D42691F1A4}" dt="2021-10-12T15:47:55.091" v="2" actId="20577"/>
+      <pc:docMkLst>
+        <pc:docMk/>
+      </pc:docMkLst>
+      <pc:sldChg chg="modSp">
+        <pc:chgData name="Akilah Johnson" userId="S::akjohnso@adobe.com::2fa3aa60-0c9c-4d06-bae2-795983241227" providerId="AD" clId="Web-{57A486D7-8267-4044-450E-B1D42691F1A4}" dt="2021-10-12T15:47:55.091" v="2" actId="20577"/>
+        <pc:sldMkLst>
+          <pc:docMk/>
+          <pc:sldMk cId="0" sldId="256"/>
+        </pc:sldMkLst>
+        <pc:spChg chg="mod">
+          <ac:chgData name="Akilah Johnson" userId="S::akjohnso@adobe.com::2fa3aa60-0c9c-4d06-bae2-795983241227" providerId="AD" clId="Web-{57A486D7-8267-4044-450E-B1D42691F1A4}" dt="2021-10-12T15:47:55.091" v="2" actId="20577"/>
+          <ac:spMkLst>
+            <pc:docMk/>
+            <pc:sldMk cId="0" sldId="256"/>
+            <ac:spMk id="5" creationId="{00000000-0000-0000-0000-000000000000}"/>
+          </ac:spMkLst>
+        </pc:spChg>
+      </pc:sldChg>
+    </pc:docChg>
+  </pc:docChgLst>
+  <pc:docChgLst>
+    <pc:chgData name="Lauren Schutte" userId="6e08b2d3-447a-4d66-86be-444d50df187f" providerId="ADAL" clId="{096F7488-A26A-D845-83B0-BE2FC48D1AFD}"/>
+    <pc:docChg chg="modSld">
+      <pc:chgData name="Lauren Schutte" userId="6e08b2d3-447a-4d66-86be-444d50df187f" providerId="ADAL" clId="{096F7488-A26A-D845-83B0-BE2FC48D1AFD}" dt="2021-10-13T19:38:26.139" v="4" actId="20577"/>
+      <pc:docMkLst>
+        <pc:docMk/>
+      </pc:docMkLst>
+      <pc:sldChg chg="modSp mod">
+        <pc:chgData name="Lauren Schutte" userId="6e08b2d3-447a-4d66-86be-444d50df187f" providerId="ADAL" clId="{096F7488-A26A-D845-83B0-BE2FC48D1AFD}" dt="2021-10-13T19:37:16.686" v="2" actId="242"/>
+        <pc:sldMkLst>
+          <pc:docMk/>
+          <pc:sldMk cId="0" sldId="256"/>
+        </pc:sldMkLst>
+        <pc:graphicFrameChg chg="mod modGraphic">
+          <ac:chgData name="Lauren Schutte" userId="6e08b2d3-447a-4d66-86be-444d50df187f" providerId="ADAL" clId="{096F7488-A26A-D845-83B0-BE2FC48D1AFD}" dt="2021-10-13T19:37:16.686" v="2" actId="242"/>
+          <ac:graphicFrameMkLst>
+            <pc:docMk/>
+            <pc:sldMk cId="0" sldId="256"/>
+            <ac:graphicFrameMk id="9" creationId="{00000000-0000-0000-0000-000000000000}"/>
+          </ac:graphicFrameMkLst>
+        </pc:graphicFrameChg>
+      </pc:sldChg>
+      <pc:sldChg chg="modSp mod">
+        <pc:chgData name="Lauren Schutte" userId="6e08b2d3-447a-4d66-86be-444d50df187f" providerId="ADAL" clId="{096F7488-A26A-D845-83B0-BE2FC48D1AFD}" dt="2021-10-13T19:38:11.810" v="3" actId="20577"/>
+        <pc:sldMkLst>
+          <pc:docMk/>
+          <pc:sldMk cId="0" sldId="257"/>
+        </pc:sldMkLst>
+        <pc:spChg chg="mod">
+          <ac:chgData name="Lauren Schutte" userId="6e08b2d3-447a-4d66-86be-444d50df187f" providerId="ADAL" clId="{096F7488-A26A-D845-83B0-BE2FC48D1AFD}" dt="2021-10-13T19:38:11.810" v="3" actId="20577"/>
+          <ac:spMkLst>
+            <pc:docMk/>
+            <pc:sldMk cId="0" sldId="257"/>
+            <ac:spMk id="39" creationId="{00000000-0000-0000-0000-000000000000}"/>
+          </ac:spMkLst>
+        </pc:spChg>
+      </pc:sldChg>
+      <pc:sldChg chg="modSp mod">
+        <pc:chgData name="Lauren Schutte" userId="6e08b2d3-447a-4d66-86be-444d50df187f" providerId="ADAL" clId="{096F7488-A26A-D845-83B0-BE2FC48D1AFD}" dt="2021-10-13T19:38:26.139" v="4" actId="20577"/>
+        <pc:sldMkLst>
+          <pc:docMk/>
+          <pc:sldMk cId="799510854" sldId="260"/>
+        </pc:sldMkLst>
+        <pc:graphicFrameChg chg="modGraphic">
+          <ac:chgData name="Lauren Schutte" userId="6e08b2d3-447a-4d66-86be-444d50df187f" providerId="ADAL" clId="{096F7488-A26A-D845-83B0-BE2FC48D1AFD}" dt="2021-10-13T19:38:26.139" v="4" actId="20577"/>
+          <ac:graphicFrameMkLst>
+            <pc:docMk/>
+            <pc:sldMk cId="799510854" sldId="260"/>
+            <ac:graphicFrameMk id="111" creationId="{D8653CEC-4213-DE40-9BAF-D1E3318FF89C}"/>
+          </ac:graphicFrameMkLst>
+        </pc:graphicFrameChg>
+      </pc:sldChg>
+    </pc:docChg>
+  </pc:docChgLst>
+  <pc:docChgLst>
+    <pc:chgData name="Akilah Johnson" userId="S::akjohnso@adobe.com::2fa3aa60-0c9c-4d06-bae2-795983241227" providerId="AD" clId="Web-{CF46E89E-48FC-BA32-13C5-654DDA452FDC}"/>
+    <pc:docChg chg="modSld">
+      <pc:chgData name="Akilah Johnson" userId="S::akjohnso@adobe.com::2fa3aa60-0c9c-4d06-bae2-795983241227" providerId="AD" clId="Web-{CF46E89E-48FC-BA32-13C5-654DDA452FDC}" dt="2021-10-12T17:00:50.675" v="21" actId="20577"/>
+      <pc:docMkLst>
+        <pc:docMk/>
+      </pc:docMkLst>
+      <pc:sldChg chg="modSp">
+        <pc:chgData name="Akilah Johnson" userId="S::akjohnso@adobe.com::2fa3aa60-0c9c-4d06-bae2-795983241227" providerId="AD" clId="Web-{CF46E89E-48FC-BA32-13C5-654DDA452FDC}" dt="2021-10-12T16:58:10.550" v="6" actId="20577"/>
+        <pc:sldMkLst>
+          <pc:docMk/>
+          <pc:sldMk cId="0" sldId="256"/>
+        </pc:sldMkLst>
+        <pc:spChg chg="mod">
+          <ac:chgData name="Akilah Johnson" userId="S::akjohnso@adobe.com::2fa3aa60-0c9c-4d06-bae2-795983241227" providerId="AD" clId="Web-{CF46E89E-48FC-BA32-13C5-654DDA452FDC}" dt="2021-10-12T16:58:10.550" v="6" actId="20577"/>
+          <ac:spMkLst>
+            <pc:docMk/>
+            <pc:sldMk cId="0" sldId="256"/>
+            <ac:spMk id="2" creationId="{00000000-0000-0000-0000-000000000000}"/>
+          </ac:spMkLst>
+        </pc:spChg>
+        <pc:graphicFrameChg chg="mod modGraphic">
+          <ac:chgData name="Akilah Johnson" userId="S::akjohnso@adobe.com::2fa3aa60-0c9c-4d06-bae2-795983241227" providerId="AD" clId="Web-{CF46E89E-48FC-BA32-13C5-654DDA452FDC}" dt="2021-10-12T16:57:07.113" v="1"/>
+          <ac:graphicFrameMkLst>
+            <pc:docMk/>
+            <pc:sldMk cId="0" sldId="256"/>
+            <ac:graphicFrameMk id="8" creationId="{00000000-0000-0000-0000-000000000000}"/>
+          </ac:graphicFrameMkLst>
+        </pc:graphicFrameChg>
+      </pc:sldChg>
+      <pc:sldChg chg="modSp">
+        <pc:chgData name="Akilah Johnson" userId="S::akjohnso@adobe.com::2fa3aa60-0c9c-4d06-bae2-795983241227" providerId="AD" clId="Web-{CF46E89E-48FC-BA32-13C5-654DDA452FDC}" dt="2021-10-12T16:59:59.628" v="14" actId="20577"/>
+        <pc:sldMkLst>
+          <pc:docMk/>
+          <pc:sldMk cId="0" sldId="257"/>
+        </pc:sldMkLst>
+        <pc:spChg chg="mod">
+          <ac:chgData name="Akilah Johnson" userId="S::akjohnso@adobe.com::2fa3aa60-0c9c-4d06-bae2-795983241227" providerId="AD" clId="Web-{CF46E89E-48FC-BA32-13C5-654DDA452FDC}" dt="2021-10-12T16:59:21.300" v="12" actId="20577"/>
+          <ac:spMkLst>
+            <pc:docMk/>
+            <pc:sldMk cId="0" sldId="257"/>
+            <ac:spMk id="39" creationId="{00000000-0000-0000-0000-000000000000}"/>
+          </ac:spMkLst>
+        </pc:spChg>
+        <pc:spChg chg="mod">
+          <ac:chgData name="Akilah Johnson" userId="S::akjohnso@adobe.com::2fa3aa60-0c9c-4d06-bae2-795983241227" providerId="AD" clId="Web-{CF46E89E-48FC-BA32-13C5-654DDA452FDC}" dt="2021-10-12T16:59:59.628" v="14" actId="20577"/>
+          <ac:spMkLst>
+            <pc:docMk/>
+            <pc:sldMk cId="0" sldId="257"/>
+            <ac:spMk id="46" creationId="{00000000-0000-0000-0000-000000000000}"/>
+          </ac:spMkLst>
+        </pc:spChg>
+      </pc:sldChg>
+      <pc:sldChg chg="modSp">
+        <pc:chgData name="Akilah Johnson" userId="S::akjohnso@adobe.com::2fa3aa60-0c9c-4d06-bae2-795983241227" providerId="AD" clId="Web-{CF46E89E-48FC-BA32-13C5-654DDA452FDC}" dt="2021-10-12T17:00:50.675" v="21" actId="20577"/>
+        <pc:sldMkLst>
+          <pc:docMk/>
+          <pc:sldMk cId="799510854" sldId="260"/>
+        </pc:sldMkLst>
+        <pc:spChg chg="mod">
+          <ac:chgData name="Akilah Johnson" userId="S::akjohnso@adobe.com::2fa3aa60-0c9c-4d06-bae2-795983241227" providerId="AD" clId="Web-{CF46E89E-48FC-BA32-13C5-654DDA452FDC}" dt="2021-10-12T17:00:50.675" v="21" actId="20577"/>
+          <ac:spMkLst>
+            <pc:docMk/>
+            <pc:sldMk cId="799510854" sldId="260"/>
+            <ac:spMk id="24" creationId="{00000000-0000-0000-0000-000000000000}"/>
+          </ac:spMkLst>
+        </pc:spChg>
+        <pc:spChg chg="mod">
+          <ac:chgData name="Akilah Johnson" userId="S::akjohnso@adobe.com::2fa3aa60-0c9c-4d06-bae2-795983241227" providerId="AD" clId="Web-{CF46E89E-48FC-BA32-13C5-654DDA452FDC}" dt="2021-10-12T17:00:45.784" v="19" actId="20577"/>
+          <ac:spMkLst>
+            <pc:docMk/>
+            <pc:sldMk cId="799510854" sldId="260"/>
+            <ac:spMk id="56" creationId="{00000000-0000-0000-0000-000000000000}"/>
+          </ac:spMkLst>
+        </pc:spChg>
+      </pc:sldChg>
+    </pc:docChg>
+  </pc:docChgLst>
+  <pc:docChgLst>
+    <pc:chgData name="Akilah Johnson" userId="S::akjohnso@adobe.com::2fa3aa60-0c9c-4d06-bae2-795983241227" providerId="AD" clId="Web-{19E88417-C612-7196-8214-73025F75FA84}"/>
+    <pc:docChg chg="modSld">
+      <pc:chgData name="Akilah Johnson" userId="S::akjohnso@adobe.com::2fa3aa60-0c9c-4d06-bae2-795983241227" providerId="AD" clId="Web-{19E88417-C612-7196-8214-73025F75FA84}" dt="2021-10-12T19:15:42.562" v="5" actId="20577"/>
+      <pc:docMkLst>
+        <pc:docMk/>
+      </pc:docMkLst>
+      <pc:sldChg chg="modSp">
+        <pc:chgData name="Akilah Johnson" userId="S::akjohnso@adobe.com::2fa3aa60-0c9c-4d06-bae2-795983241227" providerId="AD" clId="Web-{19E88417-C612-7196-8214-73025F75FA84}" dt="2021-10-12T19:15:42.562" v="5" actId="20577"/>
+        <pc:sldMkLst>
+          <pc:docMk/>
+          <pc:sldMk cId="0" sldId="256"/>
+        </pc:sldMkLst>
+        <pc:spChg chg="mod">
+          <ac:chgData name="Akilah Johnson" userId="S::akjohnso@adobe.com::2fa3aa60-0c9c-4d06-bae2-795983241227" providerId="AD" clId="Web-{19E88417-C612-7196-8214-73025F75FA84}" dt="2021-10-12T19:15:42.562" v="5" actId="20577"/>
+          <ac:spMkLst>
+            <pc:docMk/>
+            <pc:sldMk cId="0" sldId="256"/>
+            <ac:spMk id="13" creationId="{7979C0CC-523E-844A-96DC-75FC662E01AB}"/>
+          </ac:spMkLst>
+        </pc:spChg>
       </pc:sldChg>
     </pc:docChg>
   </pc:docChgLst>
@@ -255,7 +435,7 @@
           <a:p>
             <a:fld id="{A438815C-EDE5-F947-A55F-7634403F36C4}" type="datetimeFigureOut">
               <a:rPr lang="en-US" smtClean="0"/>
-              <a:t>10/1/2021</a:t>
+              <a:t>10/13/21</a:t>
             </a:fld>
             <a:endParaRPr lang="en-US"/>
           </a:p>
@@ -878,7 +1058,7 @@
           <a:p>
             <a:fld id="{1D8BD707-D9CF-40AE-B4C6-C98DA3205C09}" type="datetimeFigureOut">
               <a:rPr lang="en-US"/>
-              <a:t>10/1/2021</a:t>
+              <a:t>10/13/21</a:t>
             </a:fld>
             <a:endParaRPr lang="en-US"/>
           </a:p>
@@ -1062,7 +1242,7 @@
           <a:p>
             <a:fld id="{1D8BD707-D9CF-40AE-B4C6-C98DA3205C09}" type="datetimeFigureOut">
               <a:rPr lang="en-US"/>
-              <a:t>10/1/2021</a:t>
+              <a:t>10/13/21</a:t>
             </a:fld>
             <a:endParaRPr lang="en-US"/>
           </a:p>
@@ -1364,7 +1544,7 @@
           <a:p>
             <a:fld id="{1D8BD707-D9CF-40AE-B4C6-C98DA3205C09}" type="datetimeFigureOut">
               <a:rPr lang="en-US"/>
-              <a:t>10/1/2021</a:t>
+              <a:t>10/13/21</a:t>
             </a:fld>
             <a:endParaRPr lang="en-US"/>
           </a:p>
@@ -1619,28 +1799,25 @@
         <p:spPr>
           <a:xfrm>
             <a:off x="95250" y="7228840"/>
-            <a:ext cx="2800350" cy="238760"/>
+            <a:ext cx="2884717" cy="227626"/>
           </a:xfrm>
           <a:prstGeom prst="rect">
             <a:avLst/>
           </a:prstGeom>
         </p:spPr>
         <p:txBody>
-          <a:bodyPr vert="horz" wrap="square" lIns="0" tIns="12065" rIns="0" bIns="0" rtlCol="0">
+          <a:bodyPr vert="horz" wrap="square" lIns="0" tIns="12065" rIns="0" bIns="0" rtlCol="0" anchor="t">
             <a:spAutoFit/>
           </a:bodyPr>
           <a:lstStyle/>
           <a:p>
             <a:pPr marL="12700">
-              <a:lnSpc>
-                <a:spcPct val="100000"/>
-              </a:lnSpc>
               <a:spcBef>
                 <a:spcPts val="95"/>
               </a:spcBef>
             </a:pPr>
             <a:r>
-              <a:rPr lang="pt-BR" sz="1400" b="1" u="heavy">
+              <a:rPr sz="1400" b="1" u="heavy" spc="10" dirty="0">
                 <a:solidFill>
                   <a:srgbClr val="020302"/>
                 </a:solidFill>
@@ -1652,8 +1829,87 @@
                 <a:latin typeface="Adobe Clean"/>
                 <a:cs typeface="Adobe Clean"/>
               </a:rPr>
-              <a:t>Metas de nível de serviço: Resposta inicial</a:t>
-            </a:r>
+              <a:t>Service </a:t>
+            </a:r>
+            <a:r>
+              <a:rPr sz="1400" b="1" u="heavy" spc="-10" dirty="0">
+                <a:solidFill>
+                  <a:srgbClr val="020302"/>
+                </a:solidFill>
+                <a:uFill>
+                  <a:solidFill>
+                    <a:srgbClr val="020302"/>
+                  </a:solidFill>
+                </a:uFill>
+                <a:latin typeface="Adobe Clean"/>
+                <a:cs typeface="Adobe Clean"/>
+              </a:rPr>
+              <a:t>Level </a:t>
+            </a:r>
+            <a:r>
+              <a:rPr sz="1400" b="1" u="heavy" spc="-45" dirty="0">
+                <a:solidFill>
+                  <a:srgbClr val="020302"/>
+                </a:solidFill>
+                <a:uFill>
+                  <a:solidFill>
+                    <a:srgbClr val="020302"/>
+                  </a:solidFill>
+                </a:uFill>
+                <a:latin typeface="Adobe Clean"/>
+                <a:cs typeface="Adobe Clean"/>
+              </a:rPr>
+              <a:t>Targets: </a:t>
+            </a:r>
+            <a:r>
+              <a:rPr sz="1400" b="1" u="heavy" spc="-10" dirty="0">
+                <a:solidFill>
+                  <a:srgbClr val="020302"/>
+                </a:solidFill>
+                <a:uFill>
+                  <a:solidFill>
+                    <a:srgbClr val="020302"/>
+                  </a:solidFill>
+                </a:uFill>
+                <a:latin typeface="Adobe Clean"/>
+                <a:cs typeface="Adobe Clean"/>
+              </a:rPr>
+              <a:t>Initial</a:t>
+            </a:r>
+            <a:r>
+              <a:rPr lang="en-US" sz="1400" b="1" u="heavy" spc="-10" dirty="0">
+                <a:solidFill>
+                  <a:srgbClr val="020302"/>
+                </a:solidFill>
+                <a:uFill>
+                  <a:solidFill>
+                    <a:srgbClr val="020302"/>
+                  </a:solidFill>
+                </a:uFill>
+                <a:latin typeface="Adobe Clean"/>
+                <a:cs typeface="Adobe Clean"/>
+              </a:rPr>
+              <a:t> </a:t>
+            </a:r>
+            <a:r>
+              <a:rPr sz="1400" b="1" u="heavy" spc="-15" dirty="0">
+                <a:solidFill>
+                  <a:srgbClr val="020302"/>
+                </a:solidFill>
+                <a:uFill>
+                  <a:solidFill>
+                    <a:srgbClr val="020302"/>
+                  </a:solidFill>
+                </a:uFill>
+                <a:latin typeface="Adobe Clean"/>
+                <a:cs typeface="Adobe Clean"/>
+              </a:rPr>
+              <a:t>Response</a:t>
+            </a:r>
+            <a:endParaRPr sz="1400" dirty="0">
+              <a:latin typeface="Adobe Clean"/>
+              <a:cs typeface="Adobe Clean"/>
+            </a:endParaRPr>
           </a:p>
         </p:txBody>
       </p:sp>
@@ -1694,7 +1950,7 @@
         </p:nvSpPr>
         <p:spPr>
           <a:xfrm>
-            <a:off x="136772" y="739271"/>
+            <a:off x="136772" y="813361"/>
             <a:ext cx="6035427" cy="1089529"/>
           </a:xfrm>
           <a:prstGeom prst="rect">
@@ -1702,7 +1958,7 @@
           </a:prstGeom>
         </p:spPr>
         <p:txBody>
-          <a:bodyPr vert="horz" wrap="square" lIns="0" tIns="24130" rIns="0" bIns="0" rtlCol="0">
+          <a:bodyPr vert="horz" wrap="square" lIns="0" tIns="24130" rIns="0" bIns="0" rtlCol="0" anchor="t">
             <a:spAutoFit/>
           </a:bodyPr>
           <a:lstStyle/>
@@ -1716,7 +1972,7 @@
               </a:spcBef>
             </a:pPr>
             <a:r>
-              <a:rPr lang="pt-BR" sz="1200" b="1" dirty="0">
+              <a:rPr lang="en-US" sz="1200" b="1" dirty="0">
                 <a:solidFill>
                   <a:schemeClr val="bg1"/>
                 </a:solidFill>
@@ -1724,37 +1980,34 @@
               <a:t>Online</a:t>
             </a:r>
             <a:r>
-              <a:rPr lang="pt-BR" sz="1200" dirty="0">
+              <a:rPr lang="en-US" sz="1200" dirty="0">
                 <a:solidFill>
                   <a:schemeClr val="bg1"/>
                 </a:solidFill>
+                <a:latin typeface="Adobe Clean Light"/>
+              </a:rPr>
+              <a:t> | Business | Enterprise | Elite</a:t>
+            </a:r>
+            <a:br>
+              <a:rPr lang="en-US" sz="900" dirty="0">
                 <a:latin typeface="Adobe Clean Light" panose="020B0303020404020204" pitchFamily="34" charset="0"/>
               </a:rPr>
-              <a:t> | Business | Enterprise | Elite</a:t>
-            </a:r>
-            <a:br>
-              <a:rPr lang="pt-BR" sz="900" dirty="0">
+            </a:br>
+            <a:r>
+              <a:rPr lang="en-US" sz="900" dirty="0">
                 <a:solidFill>
                   <a:schemeClr val="bg1"/>
                 </a:solidFill>
-                <a:latin typeface="Adobe Clean Light" panose="020B0303020404020204" pitchFamily="34" charset="0"/>
-              </a:rPr>
-            </a:br>
-            <a:r>
-              <a:rPr lang="pt-BR" sz="900" dirty="0">
+                <a:latin typeface="Adobe Clean SemiLight"/>
+              </a:rPr>
+              <a:t>Adobe provides a comprehensive range of technical resources to help support your business included as part of your Experience Cloud license subscription. Online support includes access to personalized learning paths and monitored community forums via the Adobe Experience League. You can take advantage of our detailed and in-depth technical product documentation and current release notes published on </a:t>
+            </a:r>
+            <a:r>
+              <a:rPr lang="en-US" sz="900" u="sng" dirty="0">
                 <a:solidFill>
                   <a:schemeClr val="bg1"/>
                 </a:solidFill>
-                <a:latin typeface="Adobe Clean SemiLight" panose="020B0403020404020204" pitchFamily="34" charset="0"/>
-              </a:rPr>
-              <a:t>A Adobe oferece uma ampla gama de recursos técnicos para prestar suporte à sua empresa, incluídos na sua assinatura da Experience Cloud. O Suporte Online inclui acesso a caminhos de aprendizagem personalizados e a fóruns monitorados da comunidade na Adobe Experience League. Você tem à sua disposição a nossa documentação técnica de produto, com todos os detalhes, e as notas de versão publicadas em </a:t>
-            </a:r>
-            <a:r>
-              <a:rPr lang="pt-BR" sz="900" u="sng" dirty="0">
-                <a:solidFill>
-                  <a:schemeClr val="bg1"/>
-                </a:solidFill>
-                <a:latin typeface="Adobe Clean SemiLight" panose="020B0403020404020204" pitchFamily="34" charset="0"/>
+                <a:latin typeface="Adobe Clean SemiLight"/>
                 <a:hlinkClick r:id="rId4">
                   <a:extLst>
                     <a:ext uri="{A12FA001-AC4F-418D-AE19-62706E023703}">
@@ -1763,17 +2016,24 @@
                   </a:extLst>
                 </a:hlinkClick>
               </a:rPr>
-              <a:t>http://www.adobe.com</a:t>
-            </a:r>
-            <a:r>
-              <a:rPr lang="pt-BR" sz="900" dirty="0">
+              <a:t>http://www.adobe.com. </a:t>
+            </a:r>
+            <a:r>
+              <a:rPr lang="en-US" sz="900" dirty="0">
                 <a:solidFill>
                   <a:schemeClr val="bg1"/>
                 </a:solidFill>
-                <a:latin typeface="Adobe Clean SemiLight" panose="020B0403020404020204" pitchFamily="34" charset="0"/>
-              </a:rPr>
-              <a:t> O pacote Online inclui acesso às equipes de suporte técnico por telefone para qualquer problema no produto que tenha prioridade P1, para ajudar a proteger a sua empresa nos momentos mais críticos. Você também pode registrar solicitações de prioridade mais baixa no portal de suporte na web.</a:t>
-            </a:r>
+                <a:latin typeface="Adobe Clean SemiLight"/>
+              </a:rPr>
+              <a:t>Our Online package also includes access to our technical support teams for any critical P1 product issues via telephone to help protect your business at the most critical times as well as providing the ability to log lower priority requests for assistance via support web portal.</a:t>
+            </a:r>
+            <a:endParaRPr lang="en-US" sz="900" dirty="0">
+              <a:solidFill>
+                <a:schemeClr val="bg1"/>
+              </a:solidFill>
+              <a:latin typeface="Adobe Clean SemiLight"/>
+              <a:cs typeface="AdobeClean-Light"/>
+            </a:endParaRPr>
           </a:p>
         </p:txBody>
       </p:sp>
@@ -1815,14 +2075,14 @@
           <p:nvPr>
             <p:extLst>
               <p:ext uri="{D42A27DB-BD31-4B8C-83A1-F6EECF244321}">
-                <p14:modId xmlns:p14="http://schemas.microsoft.com/office/powerpoint/2010/main" val="1471540385"/>
+                <p14:modId xmlns:p14="http://schemas.microsoft.com/office/powerpoint/2010/main" val="1047125657"/>
               </p:ext>
             </p:extLst>
           </p:nvPr>
         </p:nvGraphicFramePr>
         <p:xfrm>
-          <a:off x="0" y="1938947"/>
-          <a:ext cx="7705343" cy="5205864"/>
+          <a:off x="0" y="1938946"/>
+          <a:ext cx="7705343" cy="5227197"/>
         </p:xfrm>
         <a:graphic>
           <a:graphicData uri="http://schemas.openxmlformats.org/drawingml/2006/table">
@@ -1881,7 +2141,7 @@
                   </a:extLst>
                 </a:gridCol>
               </a:tblGrid>
-              <a:tr h="355722">
+              <a:tr h="218820">
                 <a:tc gridSpan="2">
                   <a:txBody>
                     <a:bodyPr/>
@@ -1916,15 +2176,39 @@
                         </a:spcBef>
                       </a:pPr>
                       <a:r>
-                        <a:rPr lang="pt-BR" sz="900">
+                        <a:rPr sz="900" spc="0" dirty="0">
                           <a:solidFill>
                             <a:srgbClr val="404040"/>
                           </a:solidFill>
                           <a:latin typeface="Adobe Clean"/>
                           <a:cs typeface="Adobe Clean"/>
                         </a:rPr>
-                        <a:t>Suporte Online</a:t>
+                        <a:t>Online</a:t>
                       </a:r>
+                      <a:r>
+                        <a:rPr lang="en-US" sz="900" spc="0" dirty="0">
+                          <a:solidFill>
+                            <a:srgbClr val="404040"/>
+                          </a:solidFill>
+                          <a:latin typeface="Adobe Clean"/>
+                          <a:cs typeface="Adobe Clean"/>
+                        </a:rPr>
+                        <a:t> </a:t>
+                      </a:r>
+                      <a:r>
+                        <a:rPr sz="900" spc="0" dirty="0">
+                          <a:solidFill>
+                            <a:srgbClr val="404040"/>
+                          </a:solidFill>
+                          <a:latin typeface="Adobe Clean"/>
+                          <a:cs typeface="Adobe Clean"/>
+                        </a:rPr>
+                        <a:t>Support</a:t>
+                      </a:r>
+                      <a:endParaRPr sz="900" spc="0" dirty="0">
+                        <a:latin typeface="Adobe Clean"/>
+                        <a:cs typeface="Adobe Clean"/>
+                      </a:endParaRPr>
                     </a:p>
                   </a:txBody>
                   <a:tcPr marL="0" marR="0" marT="7620" marB="0" anchor="ctr">
@@ -1959,15 +2243,39 @@
                         </a:spcBef>
                       </a:pPr>
                       <a:r>
-                        <a:rPr lang="pt-BR" sz="900">
+                        <a:rPr sz="900" spc="0" dirty="0">
                           <a:solidFill>
                             <a:srgbClr val="FFFFFF"/>
                           </a:solidFill>
                           <a:latin typeface="Adobe Clean"/>
                           <a:cs typeface="Adobe Clean"/>
                         </a:rPr>
-                        <a:t>Suporte Business</a:t>
+                        <a:t>Business</a:t>
                       </a:r>
+                      <a:r>
+                        <a:rPr lang="en-US" sz="900" spc="0" dirty="0">
+                          <a:solidFill>
+                            <a:srgbClr val="FFFFFF"/>
+                          </a:solidFill>
+                          <a:latin typeface="Adobe Clean"/>
+                          <a:cs typeface="Adobe Clean"/>
+                        </a:rPr>
+                        <a:t> </a:t>
+                      </a:r>
+                      <a:r>
+                        <a:rPr sz="900" spc="0" dirty="0">
+                          <a:solidFill>
+                            <a:srgbClr val="FFFFFF"/>
+                          </a:solidFill>
+                          <a:latin typeface="Adobe Clean"/>
+                          <a:cs typeface="Adobe Clean"/>
+                        </a:rPr>
+                        <a:t>Support</a:t>
+                      </a:r>
+                      <a:endParaRPr sz="900" spc="0" dirty="0">
+                        <a:latin typeface="Adobe Clean"/>
+                        <a:cs typeface="Adobe Clean"/>
+                      </a:endParaRPr>
                     </a:p>
                   </a:txBody>
                   <a:tcPr marL="0" marR="0" marT="7620" marB="0" anchor="ctr">
@@ -2008,15 +2316,19 @@
                         </a:spcBef>
                       </a:pPr>
                       <a:r>
-                        <a:rPr lang="pt-BR" sz="900">
+                        <a:rPr lang="en-US" sz="900" spc="0" dirty="0">
                           <a:solidFill>
                             <a:srgbClr val="FFFFFF"/>
                           </a:solidFill>
                           <a:latin typeface="Adobe Clean"/>
                           <a:cs typeface="Adobe Clean"/>
                         </a:rPr>
-                        <a:t>Suporte Enterprise</a:t>
+                        <a:t>Enterprise Support</a:t>
                       </a:r>
+                      <a:endParaRPr sz="900" spc="0" dirty="0">
+                        <a:latin typeface="Adobe Clean"/>
+                        <a:cs typeface="Adobe Clean"/>
+                      </a:endParaRPr>
                     </a:p>
                   </a:txBody>
                   <a:tcPr marL="0" marR="0" marT="7620" marB="0" anchor="ctr">
@@ -2057,15 +2369,39 @@
                         </a:spcBef>
                       </a:pPr>
                       <a:r>
-                        <a:rPr lang="pt-BR" sz="900">
+                        <a:rPr sz="900" spc="-20" dirty="0">
                           <a:solidFill>
                             <a:srgbClr val="FFFFFF"/>
                           </a:solidFill>
                           <a:latin typeface="Adobe Clean"/>
                           <a:cs typeface="Adobe Clean"/>
                         </a:rPr>
-                        <a:t>Suporte Enterprise</a:t>
+                        <a:t>Enterprise</a:t>
                       </a:r>
+                      <a:r>
+                        <a:rPr lang="en-US" sz="900" spc="-20" dirty="0">
+                          <a:solidFill>
+                            <a:srgbClr val="FFFFFF"/>
+                          </a:solidFill>
+                          <a:latin typeface="Adobe Clean"/>
+                          <a:cs typeface="Adobe Clean"/>
+                        </a:rPr>
+                        <a:t> </a:t>
+                      </a:r>
+                      <a:r>
+                        <a:rPr sz="900" spc="-20" dirty="0">
+                          <a:solidFill>
+                            <a:srgbClr val="FFFFFF"/>
+                          </a:solidFill>
+                          <a:latin typeface="Adobe Clean"/>
+                          <a:cs typeface="Adobe Clean"/>
+                        </a:rPr>
+                        <a:t>Support</a:t>
+                      </a:r>
+                      <a:endParaRPr sz="900" dirty="0">
+                        <a:latin typeface="Adobe Clean"/>
+                        <a:cs typeface="Adobe Clean"/>
+                      </a:endParaRPr>
                     </a:p>
                   </a:txBody>
                   <a:tcPr marL="0" marR="0" marT="7620" marB="0" anchor="ctr">
@@ -2106,15 +2442,39 @@
                         </a:spcBef>
                       </a:pPr>
                       <a:r>
-                        <a:rPr lang="pt-BR" sz="900">
+                        <a:rPr sz="900" spc="0" dirty="0">
                           <a:solidFill>
                             <a:srgbClr val="FFFFFF"/>
                           </a:solidFill>
                           <a:latin typeface="Adobe Clean"/>
                           <a:cs typeface="Adobe Clean"/>
                         </a:rPr>
-                        <a:t>Suporte Elite</a:t>
+                        <a:t>Elite</a:t>
                       </a:r>
+                      <a:r>
+                        <a:rPr lang="en-US" sz="900" spc="0" dirty="0">
+                          <a:solidFill>
+                            <a:srgbClr val="FFFFFF"/>
+                          </a:solidFill>
+                          <a:latin typeface="Adobe Clean"/>
+                          <a:cs typeface="Adobe Clean"/>
+                        </a:rPr>
+                        <a:t> </a:t>
+                      </a:r>
+                      <a:r>
+                        <a:rPr sz="900" spc="0" dirty="0">
+                          <a:solidFill>
+                            <a:srgbClr val="FFFFFF"/>
+                          </a:solidFill>
+                          <a:latin typeface="Adobe Clean"/>
+                          <a:cs typeface="Adobe Clean"/>
+                        </a:rPr>
+                        <a:t>Support</a:t>
+                      </a:r>
+                      <a:endParaRPr sz="900" spc="0" dirty="0">
+                        <a:latin typeface="Adobe Clean"/>
+                        <a:cs typeface="Adobe Clean"/>
+                      </a:endParaRPr>
                     </a:p>
                   </a:txBody>
                   <a:tcPr marL="0" marR="0" marT="7620" marB="0" anchor="ctr">
@@ -2141,7 +2501,7 @@
                   </a:ext>
                 </a:extLst>
               </a:tr>
-              <a:tr h="355722">
+              <a:tr h="0">
                 <a:tc gridSpan="2">
                   <a:txBody>
                     <a:bodyPr/>
@@ -2167,7 +2527,7 @@
                     <a:bodyPr/>
                     <a:lstStyle/>
                     <a:p>
-                      <a:pPr marL="255904" marR="248920" indent="-25400" algn="l" rtl="0">
+                      <a:pPr marL="255904" marR="248920" indent="-25400">
                         <a:lnSpc>
                           <a:spcPct val="100000"/>
                         </a:lnSpc>
@@ -2221,15 +2581,29 @@
                         </a:spcBef>
                       </a:pPr>
                       <a:r>
-                        <a:rPr lang="pt-BR" sz="800" i="1">
+                        <a:rPr lang="en-US" sz="800" i="1" spc="0" dirty="0">
                           <a:solidFill>
                             <a:srgbClr val="FFFFFF"/>
                           </a:solidFill>
                           <a:latin typeface="Adobe Clean"/>
                           <a:cs typeface="Adobe Clean"/>
                         </a:rPr>
-                        <a:t>Níveis de suporte pago ($)</a:t>
+                        <a:t>Paid</a:t>
                       </a:r>
+                      <a:r>
+                        <a:rPr sz="800" i="1" spc="0" dirty="0">
+                          <a:solidFill>
+                            <a:srgbClr val="FFFFFF"/>
+                          </a:solidFill>
+                          <a:latin typeface="Adobe Clean"/>
+                          <a:cs typeface="Adobe Clean"/>
+                        </a:rPr>
+                        <a:t> Support Levels($)</a:t>
+                      </a:r>
+                      <a:endParaRPr sz="800" spc="0" dirty="0">
+                        <a:latin typeface="Adobe Clean"/>
+                        <a:cs typeface="Adobe Clean"/>
+                      </a:endParaRPr>
                     </a:p>
                   </a:txBody>
                   <a:tcPr marL="0" marR="0" marT="82550" marB="0" anchor="ctr">
@@ -2301,7 +2675,7 @@
                   </a:ext>
                 </a:extLst>
               </a:tr>
-              <a:tr h="252963">
+              <a:tr h="264424">
                 <a:tc rowSpan="3">
                   <a:txBody>
                     <a:bodyPr/>
@@ -2316,15 +2690,22 @@
                         </a:spcBef>
                       </a:pPr>
                       <a:r>
-                        <a:rPr lang="pt-BR" sz="1000" b="1" i="0">
+                        <a:rPr lang="en-US" sz="1000" b="1" i="0" spc="0" dirty="0">
                           <a:solidFill>
                             <a:schemeClr val="bg1"/>
                           </a:solidFill>
                           <a:latin typeface="Adobe Clean" panose="020B0503020404020204" pitchFamily="34" charset="0"/>
                           <a:cs typeface="AdobeClean-Light"/>
                         </a:rPr>
-                        <a:t>Especialistas atribuídos</a:t>
+                        <a:t>Assigned Experts</a:t>
                       </a:r>
+                      <a:endParaRPr sz="1000" b="1" i="0" spc="0" dirty="0">
+                        <a:solidFill>
+                          <a:schemeClr val="bg1"/>
+                        </a:solidFill>
+                        <a:latin typeface="Adobe Clean" panose="020B0503020404020204" pitchFamily="34" charset="0"/>
+                        <a:cs typeface="AdobeClean-Light"/>
+                      </a:endParaRPr>
                     </a:p>
                   </a:txBody>
                   <a:tcPr marL="0" marR="0" marT="58419" marB="0" anchor="ctr">
@@ -2371,15 +2752,19 @@
                         </a:spcBef>
                       </a:pPr>
                       <a:r>
-                        <a:rPr lang="pt-BR" sz="900">
+                        <a:rPr sz="900" spc="0" dirty="0">
                           <a:solidFill>
                             <a:srgbClr val="020302"/>
                           </a:solidFill>
                           <a:latin typeface="AdobeClean-Light"/>
                           <a:cs typeface="AdobeClean-Light"/>
                         </a:rPr>
-                        <a:t>Líder de suporte da conta</a:t>
+                        <a:t>Account Support Lead</a:t>
                       </a:r>
+                      <a:endParaRPr sz="900" spc="0" dirty="0">
+                        <a:latin typeface="AdobeClean-Light"/>
+                        <a:cs typeface="AdobeClean-Light"/>
+                      </a:endParaRPr>
                     </a:p>
                   </a:txBody>
                   <a:tcPr marL="0" marR="0" marT="58419" marB="0">
@@ -2408,7 +2793,7 @@
                     <a:bodyPr/>
                     <a:lstStyle/>
                     <a:p>
-                      <a:pPr algn="l" rtl="0">
+                      <a:pPr>
                         <a:lnSpc>
                           <a:spcPct val="100000"/>
                         </a:lnSpc>
@@ -2453,7 +2838,7 @@
                         </a:spcBef>
                       </a:pPr>
                       <a:r>
-                        <a:rPr lang="pt-BR" sz="900">
+                        <a:rPr sz="900" spc="0" dirty="0">
                           <a:solidFill>
                             <a:srgbClr val="020302"/>
                           </a:solidFill>
@@ -2462,6 +2847,10 @@
                         </a:rPr>
                         <a:t></a:t>
                       </a:r>
+                      <a:endParaRPr sz="900" spc="0" dirty="0">
+                        <a:latin typeface="Wingdings"/>
+                        <a:cs typeface="Wingdings"/>
+                      </a:endParaRPr>
                     </a:p>
                   </a:txBody>
                   <a:tcPr marL="0" marR="0" marT="59690" marB="0">
@@ -2478,7 +2867,7 @@
                     <a:bodyPr/>
                     <a:lstStyle/>
                     <a:p>
-                      <a:pPr algn="l" rtl="0">
+                      <a:pPr algn="ctr">
                         <a:lnSpc>
                           <a:spcPct val="100000"/>
                         </a:lnSpc>
@@ -2509,7 +2898,7 @@
                     <a:bodyPr/>
                     <a:lstStyle/>
                     <a:p>
-                      <a:pPr algn="l" rtl="0">
+                      <a:pPr>
                         <a:lnSpc>
                           <a:spcPct val="100000"/>
                         </a:lnSpc>
@@ -2534,7 +2923,7 @@
                     <a:bodyPr/>
                     <a:lstStyle/>
                     <a:p>
-                      <a:pPr algn="l" rtl="0">
+                      <a:pPr>
                         <a:lnSpc>
                           <a:spcPct val="100000"/>
                         </a:lnSpc>
@@ -2566,13 +2955,13 @@
                   </a:ext>
                 </a:extLst>
               </a:tr>
-              <a:tr h="252963">
+              <a:tr h="264424">
                 <a:tc vMerge="1">
                   <a:txBody>
                     <a:bodyPr/>
                     <a:lstStyle/>
                     <a:p>
-                      <a:pPr marL="50800" algn="l" rtl="0">
+                      <a:pPr marL="50800">
                         <a:lnSpc>
                           <a:spcPct val="100000"/>
                         </a:lnSpc>
@@ -2618,15 +3007,19 @@
                         </a:spcBef>
                       </a:pPr>
                       <a:r>
-                        <a:rPr lang="pt-BR" sz="900">
+                        <a:rPr sz="900" spc="0" dirty="0">
                           <a:solidFill>
                             <a:srgbClr val="020302"/>
                           </a:solidFill>
                           <a:latin typeface="AdobeClean-Light"/>
                           <a:cs typeface="AdobeClean-Light"/>
                         </a:rPr>
-                        <a:t>Engenheiro de suporte nomeado</a:t>
+                        <a:t>Named Support Engineer</a:t>
                       </a:r>
+                      <a:endParaRPr sz="900" spc="0" dirty="0">
+                        <a:latin typeface="AdobeClean-Light"/>
+                        <a:cs typeface="AdobeClean-Light"/>
+                      </a:endParaRPr>
                     </a:p>
                   </a:txBody>
                   <a:tcPr marL="0" marR="0" marT="58419" marB="0">
@@ -2649,7 +3042,7 @@
                     <a:bodyPr/>
                     <a:lstStyle/>
                     <a:p>
-                      <a:pPr algn="l" rtl="0">
+                      <a:pPr>
                         <a:lnSpc>
                           <a:spcPct val="100000"/>
                         </a:lnSpc>
@@ -2679,7 +3072,7 @@
                     <a:bodyPr/>
                     <a:lstStyle/>
                     <a:p>
-                      <a:pPr algn="l" rtl="0">
+                      <a:pPr>
                         <a:lnSpc>
                           <a:spcPct val="100000"/>
                         </a:lnSpc>
@@ -2697,7 +3090,7 @@
                     <a:bodyPr/>
                     <a:lstStyle/>
                     <a:p>
-                      <a:pPr algn="l" rtl="0">
+                      <a:pPr>
                         <a:lnSpc>
                           <a:spcPct val="100000"/>
                         </a:lnSpc>
@@ -2724,7 +3117,7 @@
                         </a:spcBef>
                       </a:pPr>
                       <a:r>
-                        <a:rPr lang="pt-BR" sz="900">
+                        <a:rPr sz="900" spc="0" dirty="0">
                           <a:solidFill>
                             <a:srgbClr val="020302"/>
                           </a:solidFill>
@@ -2733,6 +3126,10 @@
                         </a:rPr>
                         <a:t></a:t>
                       </a:r>
+                      <a:endParaRPr sz="900" spc="0" dirty="0">
+                        <a:latin typeface="Wingdings"/>
+                        <a:cs typeface="Wingdings"/>
+                      </a:endParaRPr>
                     </a:p>
                   </a:txBody>
                   <a:tcPr marL="0" marR="0" marT="59055" marB="0"/>
@@ -2751,7 +3148,7 @@
                         </a:spcBef>
                       </a:pPr>
                       <a:r>
-                        <a:rPr lang="pt-BR" sz="900">
+                        <a:rPr sz="900" spc="0" dirty="0">
                           <a:solidFill>
                             <a:srgbClr val="020302"/>
                           </a:solidFill>
@@ -2760,6 +3157,10 @@
                         </a:rPr>
                         <a:t></a:t>
                       </a:r>
+                      <a:endParaRPr sz="900" spc="0" dirty="0">
+                        <a:latin typeface="Wingdings"/>
+                        <a:cs typeface="Wingdings"/>
+                      </a:endParaRPr>
                     </a:p>
                   </a:txBody>
                   <a:tcPr marL="0" marR="0" marT="59055" marB="0">
@@ -2777,13 +3178,13 @@
                   </a:ext>
                 </a:extLst>
               </a:tr>
-              <a:tr h="252963">
+              <a:tr h="264424">
                 <a:tc vMerge="1">
                   <a:txBody>
                     <a:bodyPr/>
                     <a:lstStyle/>
                     <a:p>
-                      <a:pPr marL="50800" algn="l" rtl="0">
+                      <a:pPr marL="50800">
                         <a:lnSpc>
                           <a:spcPct val="100000"/>
                         </a:lnSpc>
@@ -2841,15 +3242,19 @@
                         </a:spcBef>
                       </a:pPr>
                       <a:r>
-                        <a:rPr lang="pt-BR" sz="900">
+                        <a:rPr sz="900" spc="0" dirty="0">
                           <a:solidFill>
                             <a:srgbClr val="020302"/>
                           </a:solidFill>
                           <a:latin typeface="AdobeClean-Light"/>
                           <a:cs typeface="AdobeClean-Light"/>
                         </a:rPr>
-                        <a:t>Gerente técnico de conta</a:t>
+                        <a:t>Technical Account Manager</a:t>
                       </a:r>
+                      <a:endParaRPr sz="900" spc="0" dirty="0">
+                        <a:latin typeface="AdobeClean-Light"/>
+                        <a:cs typeface="AdobeClean-Light"/>
+                      </a:endParaRPr>
                     </a:p>
                   </a:txBody>
                   <a:tcPr marL="0" marR="0" marT="63500" marB="0">
@@ -2878,7 +3283,7 @@
                     <a:bodyPr/>
                     <a:lstStyle/>
                     <a:p>
-                      <a:pPr algn="l" rtl="0">
+                      <a:pPr>
                         <a:lnSpc>
                           <a:spcPct val="100000"/>
                         </a:lnSpc>
@@ -2914,7 +3319,7 @@
                     <a:bodyPr/>
                     <a:lstStyle/>
                     <a:p>
-                      <a:pPr algn="l" rtl="0">
+                      <a:pPr>
                         <a:lnSpc>
                           <a:spcPct val="100000"/>
                         </a:lnSpc>
@@ -2939,7 +3344,7 @@
                     <a:bodyPr/>
                     <a:lstStyle/>
                     <a:p>
-                      <a:pPr algn="l" rtl="0">
+                      <a:pPr>
                         <a:lnSpc>
                           <a:spcPct val="100000"/>
                         </a:lnSpc>
@@ -2967,7 +3372,7 @@
                     <a:bodyPr/>
                     <a:lstStyle/>
                     <a:p>
-                      <a:pPr algn="l" rtl="0">
+                      <a:pPr>
                         <a:lnSpc>
                           <a:spcPct val="100000"/>
                         </a:lnSpc>
@@ -3001,7 +3406,7 @@
                         </a:spcBef>
                       </a:pPr>
                       <a:r>
-                        <a:rPr lang="pt-BR" sz="900">
+                        <a:rPr sz="900" spc="0" dirty="0">
                           <a:solidFill>
                             <a:srgbClr val="020302"/>
                           </a:solidFill>
@@ -3010,6 +3415,10 @@
                         </a:rPr>
                         <a:t></a:t>
                       </a:r>
+                      <a:endParaRPr sz="900" spc="0">
+                        <a:latin typeface="Wingdings"/>
+                        <a:cs typeface="Wingdings"/>
+                      </a:endParaRPr>
                     </a:p>
                   </a:txBody>
                   <a:tcPr marL="0" marR="0" marT="64135" marB="0">
@@ -3033,7 +3442,7 @@
                   </a:ext>
                 </a:extLst>
               </a:tr>
-              <a:tr h="252963">
+              <a:tr h="264424">
                 <a:tc rowSpan="12">
                   <a:txBody>
                     <a:bodyPr/>
@@ -3048,15 +3457,22 @@
                         </a:spcBef>
                       </a:pPr>
                       <a:r>
-                        <a:rPr lang="pt-BR" sz="1000" b="1" i="0">
+                        <a:rPr lang="en-US" sz="1000" b="1" i="0" spc="0" dirty="0">
                           <a:solidFill>
                             <a:schemeClr val="bg1"/>
                           </a:solidFill>
                           <a:latin typeface="Adobe Clean" panose="020B0503020404020204" pitchFamily="34" charset="0"/>
                           <a:cs typeface="AdobeClean-Light"/>
                         </a:rPr>
-                        <a:t>Serviços de suporte</a:t>
+                        <a:t>Support Services</a:t>
                       </a:r>
+                      <a:endParaRPr sz="1000" b="1" i="0" spc="0" dirty="0">
+                        <a:solidFill>
+                          <a:schemeClr val="bg1"/>
+                        </a:solidFill>
+                        <a:latin typeface="Adobe Clean" panose="020B0503020404020204" pitchFamily="34" charset="0"/>
+                        <a:cs typeface="AdobeClean-Light"/>
+                      </a:endParaRPr>
                     </a:p>
                   </a:txBody>
                   <a:tcPr marL="0" marR="0" marT="57150" marB="0" anchor="ctr">
@@ -3112,15 +3528,29 @@
                         </a:spcBef>
                       </a:pPr>
                       <a:r>
-                        <a:rPr lang="pt-BR" sz="900">
+                        <a:rPr lang="en-US" sz="900" spc="0" dirty="0">
                           <a:solidFill>
                             <a:srgbClr val="020302"/>
                           </a:solidFill>
                           <a:latin typeface="AdobeClean-Light"/>
                           <a:cs typeface="AdobeClean-Light"/>
                         </a:rPr>
-                        <a:t>Suporte Online</a:t>
+                        <a:t>Online </a:t>
                       </a:r>
+                      <a:r>
+                        <a:rPr sz="900" spc="0" dirty="0">
+                          <a:solidFill>
+                            <a:srgbClr val="020302"/>
+                          </a:solidFill>
+                          <a:latin typeface="AdobeClean-Light"/>
+                          <a:cs typeface="AdobeClean-Light"/>
+                        </a:rPr>
+                        <a:t> Support</a:t>
+                      </a:r>
+                      <a:endParaRPr sz="900" spc="0" dirty="0">
+                        <a:latin typeface="AdobeClean-Light"/>
+                        <a:cs typeface="AdobeClean-Light"/>
+                      </a:endParaRPr>
                     </a:p>
                   </a:txBody>
                   <a:tcPr marL="0" marR="0" marT="57150" marB="0">
@@ -3158,15 +3588,19 @@
                         </a:spcBef>
                       </a:pPr>
                       <a:r>
-                        <a:rPr lang="pt-BR" sz="800">
+                        <a:rPr sz="800" spc="0" dirty="0">
                           <a:solidFill>
                             <a:srgbClr val="020302"/>
                           </a:solidFill>
                           <a:latin typeface="AdobeClean-Light"/>
                           <a:cs typeface="AdobeClean-Light"/>
                         </a:rPr>
-                        <a:t>Horário comercial</a:t>
+                        <a:t>Business hours</a:t>
                       </a:r>
+                      <a:endParaRPr sz="800" spc="0" dirty="0">
+                        <a:latin typeface="AdobeClean-Light"/>
+                        <a:cs typeface="AdobeClean-Light"/>
+                      </a:endParaRPr>
                     </a:p>
                   </a:txBody>
                   <a:tcPr marL="0" marR="0" marT="67945" marB="0">
@@ -3203,15 +3637,19 @@
                         </a:spcBef>
                       </a:pPr>
                       <a:r>
-                        <a:rPr lang="pt-BR" sz="800">
+                        <a:rPr sz="800" spc="0" dirty="0">
                           <a:solidFill>
                             <a:srgbClr val="020302"/>
                           </a:solidFill>
                           <a:latin typeface="AdobeClean-Light"/>
                           <a:cs typeface="AdobeClean-Light"/>
                         </a:rPr>
-                        <a:t>Horário comercial</a:t>
+                        <a:t>Business hours</a:t>
                       </a:r>
+                      <a:endParaRPr sz="800" spc="0" dirty="0">
+                        <a:latin typeface="AdobeClean-Light"/>
+                        <a:cs typeface="AdobeClean-Light"/>
+                      </a:endParaRPr>
                     </a:p>
                   </a:txBody>
                   <a:tcPr marL="0" marR="0" marT="67945" marB="0">
@@ -3228,7 +3666,7 @@
                     <a:bodyPr/>
                     <a:lstStyle/>
                     <a:p>
-                      <a:pPr algn="l" rtl="0">
+                      <a:pPr algn="ctr">
                         <a:lnSpc>
                           <a:spcPct val="100000"/>
                         </a:lnSpc>
@@ -3268,7 +3706,7 @@
                         </a:spcBef>
                       </a:pPr>
                       <a:r>
-                        <a:rPr lang="pt-BR" sz="800">
+                        <a:rPr sz="800" spc="0" dirty="0">
                           <a:solidFill>
                             <a:srgbClr val="020302"/>
                           </a:solidFill>
@@ -3277,6 +3715,10 @@
                         </a:rPr>
                         <a:t>24X5</a:t>
                       </a:r>
+                      <a:endParaRPr sz="800" spc="0">
+                        <a:latin typeface="AdobeClean-Light"/>
+                        <a:cs typeface="AdobeClean-Light"/>
+                      </a:endParaRPr>
                     </a:p>
                   </a:txBody>
                   <a:tcPr marL="0" marR="0" marT="67945" marB="0">
@@ -3302,7 +3744,7 @@
                         </a:spcBef>
                       </a:pPr>
                       <a:r>
-                        <a:rPr lang="pt-BR" sz="800">
+                        <a:rPr sz="800" spc="0" dirty="0">
                           <a:solidFill>
                             <a:srgbClr val="020302"/>
                           </a:solidFill>
@@ -3311,6 +3753,10 @@
                         </a:rPr>
                         <a:t>24X5</a:t>
                       </a:r>
+                      <a:endParaRPr sz="800" spc="0" dirty="0">
+                        <a:latin typeface="AdobeClean-Light"/>
+                        <a:cs typeface="AdobeClean-Light"/>
+                      </a:endParaRPr>
                     </a:p>
                   </a:txBody>
                   <a:tcPr marL="0" marR="0" marT="67945" marB="0">
@@ -3334,13 +3780,13 @@
                   </a:ext>
                 </a:extLst>
               </a:tr>
-              <a:tr h="252963">
+              <a:tr h="264424">
                 <a:tc vMerge="1">
                   <a:txBody>
                     <a:bodyPr/>
                     <a:lstStyle/>
                     <a:p>
-                      <a:pPr marL="50800" algn="l" rtl="0">
+                      <a:pPr marL="50800">
                         <a:lnSpc>
                           <a:spcPct val="100000"/>
                         </a:lnSpc>
@@ -3389,15 +3835,39 @@
                         </a:spcBef>
                       </a:pPr>
                       <a:r>
-                        <a:rPr lang="pt-BR" sz="900">
+                        <a:rPr sz="900" spc="0" dirty="0">
                           <a:solidFill>
                             <a:srgbClr val="020302"/>
                           </a:solidFill>
                           <a:latin typeface="AdobeClean-Light"/>
                           <a:cs typeface="AdobeClean-Light"/>
                         </a:rPr>
-                        <a:t>Suporte 24x7x365 para prioridades P1</a:t>
+                        <a:t>24x7</a:t>
                       </a:r>
+                      <a:r>
+                        <a:rPr lang="en-US" sz="900" spc="0" dirty="0">
+                          <a:solidFill>
+                            <a:srgbClr val="020302"/>
+                          </a:solidFill>
+                          <a:latin typeface="AdobeClean-Light"/>
+                          <a:cs typeface="AdobeClean-Light"/>
+                        </a:rPr>
+                        <a:t>x365</a:t>
+                      </a:r>
+                      <a:r>
+                        <a:rPr sz="900" spc="0" dirty="0">
+                          <a:solidFill>
+                            <a:srgbClr val="020302"/>
+                          </a:solidFill>
+                          <a:latin typeface="AdobeClean-Light"/>
+                          <a:cs typeface="AdobeClean-Light"/>
+                        </a:rPr>
+                        <a:t> P1 Issue Support</a:t>
+                      </a:r>
+                      <a:endParaRPr sz="900" spc="0" dirty="0">
+                        <a:latin typeface="AdobeClean-Light"/>
+                        <a:cs typeface="AdobeClean-Light"/>
+                      </a:endParaRPr>
                     </a:p>
                   </a:txBody>
                   <a:tcPr marL="0" marR="0" marT="57785" marB="0">
@@ -3429,7 +3899,7 @@
                         </a:spcBef>
                       </a:pPr>
                       <a:r>
-                        <a:rPr lang="pt-BR" sz="900">
+                        <a:rPr sz="900" spc="0" dirty="0">
                           <a:solidFill>
                             <a:srgbClr val="020302"/>
                           </a:solidFill>
@@ -3438,6 +3908,10 @@
                         </a:rPr>
                         <a:t></a:t>
                       </a:r>
+                      <a:endParaRPr sz="900" spc="0">
+                        <a:latin typeface="Wingdings"/>
+                        <a:cs typeface="Wingdings"/>
+                      </a:endParaRPr>
                     </a:p>
                   </a:txBody>
                   <a:tcPr marL="0" marR="0" marT="58419" marB="0">
@@ -3468,7 +3942,7 @@
                         </a:spcBef>
                       </a:pPr>
                       <a:r>
-                        <a:rPr lang="pt-BR" sz="900">
+                        <a:rPr sz="900" spc="0" dirty="0">
                           <a:solidFill>
                             <a:srgbClr val="020302"/>
                           </a:solidFill>
@@ -3477,6 +3951,10 @@
                         </a:rPr>
                         <a:t></a:t>
                       </a:r>
+                      <a:endParaRPr sz="900" spc="0">
+                        <a:latin typeface="Wingdings"/>
+                        <a:cs typeface="Wingdings"/>
+                      </a:endParaRPr>
                     </a:p>
                   </a:txBody>
                   <a:tcPr marL="0" marR="0" marT="58419" marB="0"/>
@@ -3486,7 +3964,7 @@
                     <a:bodyPr/>
                     <a:lstStyle/>
                     <a:p>
-                      <a:pPr algn="l" rtl="0">
+                      <a:pPr algn="ctr">
                         <a:lnSpc>
                           <a:spcPct val="100000"/>
                         </a:lnSpc>
@@ -3516,7 +3994,7 @@
                         </a:spcBef>
                       </a:pPr>
                       <a:r>
-                        <a:rPr lang="pt-BR" sz="900">
+                        <a:rPr sz="900" spc="0" dirty="0">
                           <a:solidFill>
                             <a:srgbClr val="020302"/>
                           </a:solidFill>
@@ -3525,6 +4003,10 @@
                         </a:rPr>
                         <a:t></a:t>
                       </a:r>
+                      <a:endParaRPr sz="900" spc="0">
+                        <a:latin typeface="Wingdings"/>
+                        <a:cs typeface="Wingdings"/>
+                      </a:endParaRPr>
                     </a:p>
                   </a:txBody>
                   <a:tcPr marL="0" marR="0" marT="58419" marB="0"/>
@@ -3543,7 +4025,7 @@
                         </a:spcBef>
                       </a:pPr>
                       <a:r>
-                        <a:rPr lang="pt-BR" sz="900">
+                        <a:rPr sz="900" spc="0" dirty="0">
                           <a:solidFill>
                             <a:srgbClr val="020302"/>
                           </a:solidFill>
@@ -3552,6 +4034,10 @@
                         </a:rPr>
                         <a:t></a:t>
                       </a:r>
+                      <a:endParaRPr sz="900" spc="0">
+                        <a:latin typeface="Wingdings"/>
+                        <a:cs typeface="Wingdings"/>
+                      </a:endParaRPr>
                     </a:p>
                   </a:txBody>
                   <a:tcPr marL="0" marR="0" marT="58419" marB="0">
@@ -3569,13 +4055,13 @@
                   </a:ext>
                 </a:extLst>
               </a:tr>
-              <a:tr h="252963">
+              <a:tr h="264424">
                 <a:tc vMerge="1">
                   <a:txBody>
                     <a:bodyPr/>
                     <a:lstStyle/>
                     <a:p>
-                      <a:pPr marL="50800" algn="l" rtl="0">
+                      <a:pPr marL="50800">
                         <a:lnSpc>
                           <a:spcPct val="100000"/>
                         </a:lnSpc>
@@ -3624,15 +4110,19 @@
                         </a:spcBef>
                       </a:pPr>
                       <a:r>
-                        <a:rPr lang="pt-BR" sz="900">
+                        <a:rPr lang="en-US" sz="900" spc="0" dirty="0">
                           <a:solidFill>
                             <a:srgbClr val="020302"/>
                           </a:solidFill>
                           <a:latin typeface="AdobeClean-Light"/>
                           <a:cs typeface="AdobeClean-Light"/>
                         </a:rPr>
-                        <a:t>Contatos de suporte nomeados (por produto)</a:t>
+                        <a:t>Named Support Contacts (per product)</a:t>
                       </a:r>
+                      <a:endParaRPr sz="900" spc="0" dirty="0">
+                        <a:latin typeface="AdobeClean-Light"/>
+                        <a:cs typeface="AdobeClean-Light"/>
+                      </a:endParaRPr>
                     </a:p>
                   </a:txBody>
                   <a:tcPr marL="0" marR="0" marT="57785" marB="0">
@@ -3664,7 +4154,7 @@
                         </a:spcBef>
                       </a:pPr>
                       <a:r>
-                        <a:rPr lang="pt-BR" sz="900">
+                        <a:rPr sz="900" spc="0" dirty="0">
                           <a:solidFill>
                             <a:srgbClr val="020302"/>
                           </a:solidFill>
@@ -3673,6 +4163,10 @@
                         </a:rPr>
                         <a:t>4</a:t>
                       </a:r>
+                      <a:endParaRPr sz="900" spc="0" dirty="0">
+                        <a:latin typeface="AdobeClean-Light"/>
+                        <a:cs typeface="AdobeClean-Light"/>
+                      </a:endParaRPr>
                     </a:p>
                   </a:txBody>
                   <a:tcPr marL="0" marR="0" marT="57785" marB="0">
@@ -3703,7 +4197,7 @@
                         </a:spcBef>
                       </a:pPr>
                       <a:r>
-                        <a:rPr lang="pt-BR" sz="900">
+                        <a:rPr sz="900" spc="0" dirty="0">
                           <a:solidFill>
                             <a:srgbClr val="020302"/>
                           </a:solidFill>
@@ -3712,6 +4206,10 @@
                         </a:rPr>
                         <a:t>6</a:t>
                       </a:r>
+                      <a:endParaRPr sz="900" spc="0">
+                        <a:latin typeface="AdobeClean-Light"/>
+                        <a:cs typeface="AdobeClean-Light"/>
+                      </a:endParaRPr>
                     </a:p>
                   </a:txBody>
                   <a:tcPr marL="0" marR="0" marT="57785" marB="0"/>
@@ -3721,7 +4219,7 @@
                     <a:bodyPr/>
                     <a:lstStyle/>
                     <a:p>
-                      <a:pPr algn="l" rtl="0">
+                      <a:pPr algn="ctr">
                         <a:lnSpc>
                           <a:spcPct val="100000"/>
                         </a:lnSpc>
@@ -3751,7 +4249,7 @@
                         </a:spcBef>
                       </a:pPr>
                       <a:r>
-                        <a:rPr lang="pt-BR" sz="900">
+                        <a:rPr sz="900" spc="0" dirty="0">
                           <a:solidFill>
                             <a:srgbClr val="020302"/>
                           </a:solidFill>
@@ -3760,6 +4258,10 @@
                         </a:rPr>
                         <a:t>10</a:t>
                       </a:r>
+                      <a:endParaRPr sz="900" spc="0">
+                        <a:latin typeface="AdobeClean-Light"/>
+                        <a:cs typeface="AdobeClean-Light"/>
+                      </a:endParaRPr>
                     </a:p>
                   </a:txBody>
                   <a:tcPr marL="0" marR="0" marT="57785" marB="0"/>
@@ -3778,7 +4280,7 @@
                         </a:spcBef>
                       </a:pPr>
                       <a:r>
-                        <a:rPr lang="pt-BR" sz="900">
+                        <a:rPr sz="900" spc="0" dirty="0">
                           <a:solidFill>
                             <a:srgbClr val="020302"/>
                           </a:solidFill>
@@ -3787,6 +4289,10 @@
                         </a:rPr>
                         <a:t>15</a:t>
                       </a:r>
+                      <a:endParaRPr sz="900" spc="0">
+                        <a:latin typeface="AdobeClean-Light"/>
+                        <a:cs typeface="AdobeClean-Light"/>
+                      </a:endParaRPr>
                     </a:p>
                   </a:txBody>
                   <a:tcPr marL="0" marR="0" marT="57785" marB="0">
@@ -3804,13 +4310,13 @@
                   </a:ext>
                 </a:extLst>
               </a:tr>
-              <a:tr h="252963">
+              <a:tr h="264424">
                 <a:tc vMerge="1">
                   <a:txBody>
                     <a:bodyPr/>
                     <a:lstStyle/>
                     <a:p>
-                      <a:pPr marL="50800" algn="l" rtl="0">
+                      <a:pPr marL="50800">
                         <a:lnSpc>
                           <a:spcPct val="100000"/>
                         </a:lnSpc>
@@ -3859,15 +4365,19 @@
                         </a:spcBef>
                       </a:pPr>
                       <a:r>
-                        <a:rPr lang="pt-BR" sz="900">
+                        <a:rPr lang="en-US" sz="900" spc="0" dirty="0">
                           <a:solidFill>
                             <a:srgbClr val="020302"/>
                           </a:solidFill>
                           <a:latin typeface="AdobeClean-Light"/>
                           <a:cs typeface="AdobeClean-Light"/>
                         </a:rPr>
-                        <a:t>Suporte telefônico ao vivo</a:t>
+                        <a:t>Live Telephone Support</a:t>
                       </a:r>
+                      <a:endParaRPr sz="900" spc="0" dirty="0">
+                        <a:latin typeface="AdobeClean-Light"/>
+                        <a:cs typeface="AdobeClean-Light"/>
+                      </a:endParaRPr>
                     </a:p>
                   </a:txBody>
                   <a:tcPr marL="0" marR="0" marT="57785" marB="0">
@@ -3890,7 +4400,7 @@
                     <a:bodyPr/>
                     <a:lstStyle/>
                     <a:p>
-                      <a:pPr algn="l" rtl="0">
+                      <a:pPr>
                         <a:lnSpc>
                           <a:spcPct val="100000"/>
                         </a:lnSpc>
@@ -3929,7 +4439,7 @@
                         </a:spcBef>
                       </a:pPr>
                       <a:r>
-                        <a:rPr lang="pt-BR" sz="900">
+                        <a:rPr sz="900" spc="0" dirty="0">
                           <a:solidFill>
                             <a:srgbClr val="020302"/>
                           </a:solidFill>
@@ -3938,6 +4448,10 @@
                         </a:rPr>
                         <a:t></a:t>
                       </a:r>
+                      <a:endParaRPr sz="900" spc="0">
+                        <a:latin typeface="Wingdings"/>
+                        <a:cs typeface="Wingdings"/>
+                      </a:endParaRPr>
                     </a:p>
                   </a:txBody>
                   <a:tcPr marL="0" marR="0" marT="59054" marB="0"/>
@@ -3947,7 +4461,7 @@
                     <a:bodyPr/>
                     <a:lstStyle/>
                     <a:p>
-                      <a:pPr algn="l" rtl="0">
+                      <a:pPr algn="ctr">
                         <a:lnSpc>
                           <a:spcPct val="100000"/>
                         </a:lnSpc>
@@ -3977,7 +4491,7 @@
                         </a:spcBef>
                       </a:pPr>
                       <a:r>
-                        <a:rPr lang="pt-BR" sz="900">
+                        <a:rPr sz="900" spc="0" dirty="0">
                           <a:solidFill>
                             <a:srgbClr val="020302"/>
                           </a:solidFill>
@@ -3986,6 +4500,10 @@
                         </a:rPr>
                         <a:t></a:t>
                       </a:r>
+                      <a:endParaRPr sz="900" spc="0">
+                        <a:latin typeface="Wingdings"/>
+                        <a:cs typeface="Wingdings"/>
+                      </a:endParaRPr>
                     </a:p>
                   </a:txBody>
                   <a:tcPr marL="0" marR="0" marT="59054" marB="0"/>
@@ -4004,7 +4522,7 @@
                         </a:spcBef>
                       </a:pPr>
                       <a:r>
-                        <a:rPr lang="pt-BR" sz="900">
+                        <a:rPr sz="900" spc="0" dirty="0">
                           <a:solidFill>
                             <a:srgbClr val="020302"/>
                           </a:solidFill>
@@ -4013,6 +4531,10 @@
                         </a:rPr>
                         <a:t></a:t>
                       </a:r>
+                      <a:endParaRPr sz="900" spc="0">
+                        <a:latin typeface="Wingdings"/>
+                        <a:cs typeface="Wingdings"/>
+                      </a:endParaRPr>
                     </a:p>
                   </a:txBody>
                   <a:tcPr marL="0" marR="0" marT="59054" marB="0">
@@ -4030,13 +4552,13 @@
                   </a:ext>
                 </a:extLst>
               </a:tr>
-              <a:tr h="252963">
+              <a:tr h="264424">
                 <a:tc vMerge="1">
                   <a:txBody>
                     <a:bodyPr/>
                     <a:lstStyle/>
                     <a:p>
-                      <a:pPr marL="50800" algn="l" rtl="0">
+                      <a:pPr marL="50800">
                         <a:lnSpc>
                           <a:spcPct val="100000"/>
                         </a:lnSpc>
@@ -4085,15 +4607,19 @@
                         </a:spcBef>
                       </a:pPr>
                       <a:r>
-                        <a:rPr lang="pt-BR" sz="900">
+                        <a:rPr sz="900" spc="0" dirty="0">
                           <a:solidFill>
                             <a:srgbClr val="020302"/>
                           </a:solidFill>
                           <a:latin typeface="AdobeClean-Light"/>
                           <a:cs typeface="AdobeClean-Light"/>
                         </a:rPr>
-                        <a:t>Gestão de encaminhamento</a:t>
+                        <a:t>Escalation Management</a:t>
                       </a:r>
+                      <a:endParaRPr sz="900" spc="0" dirty="0">
+                        <a:latin typeface="AdobeClean-Light"/>
+                        <a:cs typeface="AdobeClean-Light"/>
+                      </a:endParaRPr>
                     </a:p>
                   </a:txBody>
                   <a:tcPr marL="0" marR="0" marT="58419" marB="0">
@@ -4116,7 +4642,7 @@
                     <a:bodyPr/>
                     <a:lstStyle/>
                     <a:p>
-                      <a:pPr algn="l" rtl="0">
+                      <a:pPr>
                         <a:lnSpc>
                           <a:spcPct val="100000"/>
                         </a:lnSpc>
@@ -4155,7 +4681,7 @@
                         </a:spcBef>
                       </a:pPr>
                       <a:r>
-                        <a:rPr lang="pt-BR" sz="900">
+                        <a:rPr sz="900" spc="0" dirty="0">
                           <a:solidFill>
                             <a:srgbClr val="020302"/>
                           </a:solidFill>
@@ -4164,6 +4690,10 @@
                         </a:rPr>
                         <a:t></a:t>
                       </a:r>
+                      <a:endParaRPr sz="900" spc="0" dirty="0">
+                        <a:latin typeface="Wingdings"/>
+                        <a:cs typeface="Wingdings"/>
+                      </a:endParaRPr>
                     </a:p>
                   </a:txBody>
                   <a:tcPr marL="0" marR="0" marT="59690" marB="0"/>
@@ -4173,7 +4703,7 @@
                     <a:bodyPr/>
                     <a:lstStyle/>
                     <a:p>
-                      <a:pPr algn="l" rtl="0">
+                      <a:pPr algn="ctr">
                         <a:lnSpc>
                           <a:spcPct val="100000"/>
                         </a:lnSpc>
@@ -4203,7 +4733,7 @@
                         </a:spcBef>
                       </a:pPr>
                       <a:r>
-                        <a:rPr lang="pt-BR" sz="900">
+                        <a:rPr sz="900" spc="0" dirty="0">
                           <a:solidFill>
                             <a:srgbClr val="020302"/>
                           </a:solidFill>
@@ -4212,6 +4742,10 @@
                         </a:rPr>
                         <a:t></a:t>
                       </a:r>
+                      <a:endParaRPr sz="900" spc="0">
+                        <a:latin typeface="Wingdings"/>
+                        <a:cs typeface="Wingdings"/>
+                      </a:endParaRPr>
                     </a:p>
                   </a:txBody>
                   <a:tcPr marL="0" marR="0" marT="59690" marB="0"/>
@@ -4230,7 +4764,7 @@
                         </a:spcBef>
                       </a:pPr>
                       <a:r>
-                        <a:rPr lang="pt-BR" sz="900">
+                        <a:rPr sz="900" spc="0" dirty="0">
                           <a:solidFill>
                             <a:srgbClr val="020302"/>
                           </a:solidFill>
@@ -4239,6 +4773,10 @@
                         </a:rPr>
                         <a:t></a:t>
                       </a:r>
+                      <a:endParaRPr sz="900" spc="0" dirty="0">
+                        <a:latin typeface="Wingdings"/>
+                        <a:cs typeface="Wingdings"/>
+                      </a:endParaRPr>
                     </a:p>
                   </a:txBody>
                   <a:tcPr marL="0" marR="0" marT="59690" marB="0">
@@ -4256,13 +4794,13 @@
                   </a:ext>
                 </a:extLst>
               </a:tr>
-              <a:tr h="252963">
+              <a:tr h="264424">
                 <a:tc vMerge="1">
                   <a:txBody>
                     <a:bodyPr/>
                     <a:lstStyle/>
                     <a:p>
-                      <a:pPr marL="50800" algn="l" rtl="0">
+                      <a:pPr marL="50800">
                         <a:lnSpc>
                           <a:spcPct val="100000"/>
                         </a:lnSpc>
@@ -4311,15 +4849,19 @@
                         </a:spcBef>
                       </a:pPr>
                       <a:r>
-                        <a:rPr lang="pt-BR" sz="900">
+                        <a:rPr sz="900" spc="0" dirty="0">
                           <a:solidFill>
                             <a:srgbClr val="020302"/>
                           </a:solidFill>
                           <a:latin typeface="AdobeClean-Light"/>
                           <a:cs typeface="AdobeClean-Light"/>
                         </a:rPr>
-                        <a:t>Revisões de serviço por ano</a:t>
+                        <a:t>Service Reviews  per Year</a:t>
                       </a:r>
+                      <a:endParaRPr sz="900" spc="0" dirty="0">
+                        <a:latin typeface="AdobeClean-Light"/>
+                        <a:cs typeface="AdobeClean-Light"/>
+                      </a:endParaRPr>
                     </a:p>
                   </a:txBody>
                   <a:tcPr marL="0" marR="0" marT="57150" marB="0">
@@ -4342,7 +4884,7 @@
                     <a:bodyPr/>
                     <a:lstStyle/>
                     <a:p>
-                      <a:pPr algn="l" rtl="0">
+                      <a:pPr>
                         <a:lnSpc>
                           <a:spcPct val="100000"/>
                         </a:lnSpc>
@@ -4372,7 +4914,7 @@
                     <a:bodyPr/>
                     <a:lstStyle/>
                     <a:p>
-                      <a:pPr algn="l" rtl="0">
+                      <a:pPr>
                         <a:lnSpc>
                           <a:spcPct val="100000"/>
                         </a:lnSpc>
@@ -4390,7 +4932,7 @@
                     <a:bodyPr/>
                     <a:lstStyle/>
                     <a:p>
-                      <a:pPr algn="l" rtl="0">
+                      <a:pPr>
                         <a:lnSpc>
                           <a:spcPct val="100000"/>
                         </a:lnSpc>
@@ -4417,7 +4959,7 @@
                         </a:spcBef>
                       </a:pPr>
                       <a:r>
-                        <a:rPr lang="pt-BR" sz="900">
+                        <a:rPr sz="900" spc="0" dirty="0">
                           <a:solidFill>
                             <a:srgbClr val="020302"/>
                           </a:solidFill>
@@ -4426,6 +4968,10 @@
                         </a:rPr>
                         <a:t>2</a:t>
                       </a:r>
+                      <a:endParaRPr sz="900" spc="0" dirty="0">
+                        <a:latin typeface="AdobeClean-Light"/>
+                        <a:cs typeface="AdobeClean-Light"/>
+                      </a:endParaRPr>
                     </a:p>
                   </a:txBody>
                   <a:tcPr marL="0" marR="0" marT="57150" marB="0"/>
@@ -4444,7 +4990,7 @@
                         </a:spcBef>
                       </a:pPr>
                       <a:r>
-                        <a:rPr lang="pt-BR" sz="900">
+                        <a:rPr sz="900" spc="0" dirty="0">
                           <a:solidFill>
                             <a:srgbClr val="020302"/>
                           </a:solidFill>
@@ -4453,6 +4999,10 @@
                         </a:rPr>
                         <a:t>4</a:t>
                       </a:r>
+                      <a:endParaRPr sz="900" spc="0" dirty="0">
+                        <a:latin typeface="AdobeClean-Light"/>
+                        <a:cs typeface="AdobeClean-Light"/>
+                      </a:endParaRPr>
                     </a:p>
                   </a:txBody>
                   <a:tcPr marL="0" marR="0" marT="57150" marB="0">
@@ -4470,7 +5020,7 @@
                   </a:ext>
                 </a:extLst>
               </a:tr>
-              <a:tr h="252963">
+              <a:tr h="264424">
                 <a:tc vMerge="1">
                   <a:txBody>
                     <a:bodyPr/>
@@ -4495,12 +5045,16 @@
                         </a:spcBef>
                       </a:pPr>
                       <a:r>
-                        <a:rPr lang="pt-BR" sz="900">
+                        <a:rPr lang="en-US" sz="900" spc="0" dirty="0">
                           <a:latin typeface="AdobeClean-Light"/>
                           <a:cs typeface="AdobeClean-Light"/>
                         </a:rPr>
-                        <a:t>Sessões de especialistas por ano</a:t>
+                        <a:t>Expert Sessions per Year</a:t>
                       </a:r>
+                      <a:endParaRPr sz="900" spc="0" dirty="0">
+                        <a:latin typeface="AdobeClean-Light"/>
+                        <a:cs typeface="AdobeClean-Light"/>
+                      </a:endParaRPr>
                     </a:p>
                   </a:txBody>
                   <a:tcPr marL="0" marR="0" marT="57150" marB="0">
@@ -4529,7 +5083,7 @@
                     <a:bodyPr/>
                     <a:lstStyle/>
                     <a:p>
-                      <a:pPr algn="l" rtl="0">
+                      <a:pPr>
                         <a:lnSpc>
                           <a:spcPct val="100000"/>
                         </a:lnSpc>
@@ -4562,7 +5116,7 @@
                     <a:bodyPr/>
                     <a:lstStyle/>
                     <a:p>
-                      <a:pPr algn="l" rtl="0">
+                      <a:pPr>
                         <a:lnSpc>
                           <a:spcPct val="100000"/>
                         </a:lnSpc>
@@ -4599,12 +5153,16 @@
                         </a:spcBef>
                       </a:pPr>
                       <a:r>
-                        <a:rPr lang="pt-BR" sz="900">
+                        <a:rPr lang="en-US" sz="900" spc="0" dirty="0">
                           <a:latin typeface="AdobeClean-Light"/>
                           <a:cs typeface="AdobeClean-Light"/>
                         </a:rPr>
                         <a:t>2</a:t>
                       </a:r>
+                      <a:endParaRPr sz="900" spc="0" dirty="0">
+                        <a:latin typeface="AdobeClean-Light"/>
+                        <a:cs typeface="AdobeClean-Light"/>
+                      </a:endParaRPr>
                     </a:p>
                   </a:txBody>
                   <a:tcPr marL="0" marR="0" marT="57150" marB="0"/>
@@ -4623,12 +5181,16 @@
                         </a:spcBef>
                       </a:pPr>
                       <a:r>
-                        <a:rPr lang="pt-BR" sz="900">
+                        <a:rPr lang="en-US" sz="900" spc="0" dirty="0">
                           <a:latin typeface="AdobeClean-Light"/>
                           <a:cs typeface="AdobeClean-Light"/>
                         </a:rPr>
                         <a:t>4</a:t>
                       </a:r>
+                      <a:endParaRPr sz="900" spc="0" dirty="0">
+                        <a:latin typeface="AdobeClean-Light"/>
+                        <a:cs typeface="AdobeClean-Light"/>
+                      </a:endParaRPr>
                     </a:p>
                   </a:txBody>
                   <a:tcPr marL="0" marR="0" marT="57150" marB="0">
@@ -4646,7 +5208,7 @@
                   </a:ext>
                 </a:extLst>
               </a:tr>
-              <a:tr h="252963">
+              <a:tr h="264424">
                 <a:tc vMerge="1">
                   <a:txBody>
                     <a:bodyPr/>
@@ -4671,12 +5233,16 @@
                         </a:spcBef>
                       </a:pPr>
                       <a:r>
-                        <a:rPr lang="pt-BR" sz="900">
+                        <a:rPr lang="en-US" sz="900" spc="0" dirty="0">
                           <a:latin typeface="AdobeClean-Light"/>
                           <a:cs typeface="AdobeClean-Light"/>
                         </a:rPr>
-                        <a:t>Revisões de caso</a:t>
+                        <a:t>Case Reviews</a:t>
                       </a:r>
+                      <a:endParaRPr sz="900" spc="0" dirty="0">
+                        <a:latin typeface="AdobeClean-Light"/>
+                        <a:cs typeface="AdobeClean-Light"/>
+                      </a:endParaRPr>
                     </a:p>
                   </a:txBody>
                   <a:tcPr marL="0" marR="0" marT="57150" marB="0">
@@ -4705,7 +5271,7 @@
                     <a:bodyPr/>
                     <a:lstStyle/>
                     <a:p>
-                      <a:pPr algn="l" rtl="0">
+                      <a:pPr>
                         <a:lnSpc>
                           <a:spcPct val="100000"/>
                         </a:lnSpc>
@@ -4738,7 +5304,7 @@
                     <a:bodyPr/>
                     <a:lstStyle/>
                     <a:p>
-                      <a:pPr algn="l" rtl="0">
+                      <a:pPr>
                         <a:lnSpc>
                           <a:spcPct val="100000"/>
                         </a:lnSpc>
@@ -4784,7 +5350,7 @@
                         <a:defRPr/>
                       </a:pPr>
                       <a:r>
-                        <a:rPr lang="pt-BR" sz="900">
+                        <a:rPr lang="en-US" sz="900" spc="0" dirty="0">
                           <a:solidFill>
                             <a:srgbClr val="020302"/>
                           </a:solidFill>
@@ -4793,6 +5359,10 @@
                         </a:rPr>
                         <a:t></a:t>
                       </a:r>
+                      <a:endParaRPr lang="en-US" sz="900" spc="0" dirty="0">
+                        <a:latin typeface="Wingdings"/>
+                        <a:cs typeface="Wingdings"/>
+                      </a:endParaRPr>
                     </a:p>
                   </a:txBody>
                   <a:tcPr marL="0" marR="0" marT="57150" marB="0"/>
@@ -4820,7 +5390,7 @@
                         <a:defRPr/>
                       </a:pPr>
                       <a:r>
-                        <a:rPr lang="pt-BR" sz="900">
+                        <a:rPr lang="en-US" sz="900" spc="0" dirty="0">
                           <a:solidFill>
                             <a:srgbClr val="020302"/>
                           </a:solidFill>
@@ -4829,6 +5399,10 @@
                         </a:rPr>
                         <a:t></a:t>
                       </a:r>
+                      <a:endParaRPr lang="en-US" sz="900" spc="0" dirty="0">
+                        <a:latin typeface="Wingdings"/>
+                        <a:cs typeface="Wingdings"/>
+                      </a:endParaRPr>
                     </a:p>
                   </a:txBody>
                   <a:tcPr marL="0" marR="0" marT="57150" marB="0">
@@ -4846,13 +5420,13 @@
                   </a:ext>
                 </a:extLst>
               </a:tr>
-              <a:tr h="252963">
+              <a:tr h="264424">
                 <a:tc vMerge="1">
                   <a:txBody>
                     <a:bodyPr/>
                     <a:lstStyle/>
                     <a:p>
-                      <a:pPr marL="48895" algn="l" rtl="0">
+                      <a:pPr marL="48895">
                         <a:lnSpc>
                           <a:spcPct val="100000"/>
                         </a:lnSpc>
@@ -4901,15 +5475,19 @@
                         </a:spcBef>
                       </a:pPr>
                       <a:r>
-                        <a:rPr lang="pt-BR" sz="900">
+                        <a:rPr sz="900" spc="0" dirty="0">
                           <a:solidFill>
                             <a:srgbClr val="020302"/>
                           </a:solidFill>
                           <a:latin typeface="AdobeClean-Light"/>
                           <a:cs typeface="AdobeClean-Light"/>
                         </a:rPr>
-                        <a:t>Gerenciamento de eventos</a:t>
+                        <a:t>Event Management</a:t>
                       </a:r>
+                      <a:endParaRPr sz="900" spc="0" dirty="0">
+                        <a:latin typeface="AdobeClean-Light"/>
+                        <a:cs typeface="AdobeClean-Light"/>
+                      </a:endParaRPr>
                     </a:p>
                   </a:txBody>
                   <a:tcPr marL="0" marR="0" marT="58419" marB="0">
@@ -4932,7 +5510,7 @@
                     <a:bodyPr/>
                     <a:lstStyle/>
                     <a:p>
-                      <a:pPr algn="l" rtl="0">
+                      <a:pPr>
                         <a:lnSpc>
                           <a:spcPct val="100000"/>
                         </a:lnSpc>
@@ -4962,7 +5540,7 @@
                     <a:bodyPr/>
                     <a:lstStyle/>
                     <a:p>
-                      <a:pPr algn="l" rtl="0">
+                      <a:pPr>
                         <a:lnSpc>
                           <a:spcPct val="100000"/>
                         </a:lnSpc>
@@ -4980,7 +5558,7 @@
                     <a:bodyPr/>
                     <a:lstStyle/>
                     <a:p>
-                      <a:pPr algn="l" rtl="0">
+                      <a:pPr>
                         <a:lnSpc>
                           <a:spcPct val="100000"/>
                         </a:lnSpc>
@@ -4998,7 +5576,7 @@
                     <a:bodyPr/>
                     <a:lstStyle/>
                     <a:p>
-                      <a:pPr algn="l" rtl="0">
+                      <a:pPr>
                         <a:lnSpc>
                           <a:spcPct val="100000"/>
                         </a:lnSpc>
@@ -5025,7 +5603,7 @@
                         </a:spcBef>
                       </a:pPr>
                       <a:r>
-                        <a:rPr lang="pt-BR" sz="900">
+                        <a:rPr sz="900" spc="0" dirty="0">
                           <a:solidFill>
                             <a:srgbClr val="020302"/>
                           </a:solidFill>
@@ -5034,6 +5612,10 @@
                         </a:rPr>
                         <a:t></a:t>
                       </a:r>
+                      <a:endParaRPr sz="900" spc="0" dirty="0">
+                        <a:latin typeface="Wingdings"/>
+                        <a:cs typeface="Wingdings"/>
+                      </a:endParaRPr>
                     </a:p>
                   </a:txBody>
                   <a:tcPr marL="0" marR="0" marT="59055" marB="0">
@@ -5051,13 +5633,13 @@
                   </a:ext>
                 </a:extLst>
               </a:tr>
-              <a:tr h="252963">
+              <a:tr h="264424">
                 <a:tc vMerge="1">
                   <a:txBody>
                     <a:bodyPr/>
                     <a:lstStyle/>
                     <a:p>
-                      <a:pPr marL="48895" algn="l" rtl="0">
+                      <a:pPr marL="48895">
                         <a:lnSpc>
                           <a:spcPct val="100000"/>
                         </a:lnSpc>
@@ -5115,14 +5697,34 @@
                         </a:spcBef>
                       </a:pPr>
                       <a:r>
-                        <a:rPr lang="pt-BR" sz="900">
+                        <a:rPr sz="900" spc="0" dirty="0">
                           <a:solidFill>
                             <a:srgbClr val="020302"/>
                           </a:solidFill>
                           <a:latin typeface="AdobeClean-Light"/>
                           <a:cs typeface="AdobeClean-Light"/>
                         </a:rPr>
-                        <a:t>Revisão, manutenção e monitoramento do ambiente,</a:t>
+                        <a:t>Environment</a:t>
+                      </a:r>
+                      <a:r>
+                        <a:rPr lang="en-US" sz="900" spc="0" dirty="0">
+                          <a:solidFill>
+                            <a:srgbClr val="020302"/>
+                          </a:solidFill>
+                          <a:latin typeface="AdobeClean-Light"/>
+                          <a:cs typeface="AdobeClean-Light"/>
+                        </a:rPr>
+                        <a:t> </a:t>
+                      </a:r>
+                      <a:r>
+                        <a:rPr sz="900" spc="0" dirty="0">
+                          <a:solidFill>
+                            <a:srgbClr val="020302"/>
+                          </a:solidFill>
+                          <a:latin typeface="AdobeClean-Light"/>
+                          <a:cs typeface="AdobeClean-Light"/>
+                        </a:rPr>
+                        <a:t>Review, Maintenance &amp; Monitoring</a:t>
                       </a:r>
                     </a:p>
                   </a:txBody>
@@ -5152,7 +5754,7 @@
                     <a:bodyPr/>
                     <a:lstStyle/>
                     <a:p>
-                      <a:pPr algn="l" rtl="0">
+                      <a:pPr>
                         <a:lnSpc>
                           <a:spcPct val="100000"/>
                         </a:lnSpc>
@@ -5185,7 +5787,7 @@
                     <a:bodyPr/>
                     <a:lstStyle/>
                     <a:p>
-                      <a:pPr algn="l" rtl="0">
+                      <a:pPr>
                         <a:lnSpc>
                           <a:spcPct val="100000"/>
                         </a:lnSpc>
@@ -5203,7 +5805,7 @@
                     <a:bodyPr/>
                     <a:lstStyle/>
                     <a:p>
-                      <a:pPr algn="l" rtl="0">
+                      <a:pPr>
                         <a:lnSpc>
                           <a:spcPct val="100000"/>
                         </a:lnSpc>
@@ -5221,7 +5823,7 @@
                     <a:bodyPr/>
                     <a:lstStyle/>
                     <a:p>
-                      <a:pPr algn="l" rtl="0">
+                      <a:pPr>
                         <a:lnSpc>
                           <a:spcPct val="100000"/>
                         </a:lnSpc>
@@ -5248,7 +5850,7 @@
                         </a:spcBef>
                       </a:pPr>
                       <a:r>
-                        <a:rPr lang="pt-BR" sz="900">
+                        <a:rPr sz="900" spc="0" dirty="0">
                           <a:solidFill>
                             <a:srgbClr val="020302"/>
                           </a:solidFill>
@@ -5257,6 +5859,10 @@
                         </a:rPr>
                         <a:t></a:t>
                       </a:r>
+                      <a:endParaRPr sz="900" spc="0" dirty="0">
+                        <a:latin typeface="Wingdings"/>
+                        <a:cs typeface="Wingdings"/>
+                      </a:endParaRPr>
                     </a:p>
                   </a:txBody>
                   <a:tcPr marL="0" marR="0" marT="60325" marB="0">
@@ -5274,13 +5880,13 @@
                   </a:ext>
                 </a:extLst>
               </a:tr>
-              <a:tr h="328548">
+              <a:tr h="264424">
                 <a:tc vMerge="1">
                   <a:txBody>
                     <a:bodyPr/>
                     <a:lstStyle/>
                     <a:p>
-                      <a:pPr marL="49530" algn="l" rtl="0">
+                      <a:pPr marL="49530">
                         <a:lnSpc>
                           <a:spcPct val="100000"/>
                         </a:lnSpc>
@@ -5329,34 +5935,19 @@
                         </a:spcBef>
                       </a:pPr>
                       <a:r>
-                        <a:rPr lang="pt-BR" sz="900" dirty="0">
+                        <a:rPr sz="900" spc="0" dirty="0">
                           <a:solidFill>
                             <a:srgbClr val="020302"/>
                           </a:solidFill>
                           <a:latin typeface="AdobeClean-Light"/>
                           <a:cs typeface="AdobeClean-Light"/>
                         </a:rPr>
-                        <a:t>Revisão de versão, migração, atualização e roteiro </a:t>
+                        <a:t>Release, Migration, Upgrade &amp; Product Roadmap Review</a:t>
                       </a:r>
-                      <a:br>
-                        <a:rPr lang="sk-SK" sz="900" dirty="0">
-                          <a:solidFill>
-                            <a:srgbClr val="020302"/>
-                          </a:solidFill>
-                          <a:latin typeface="AdobeClean-Light"/>
-                          <a:cs typeface="AdobeClean-Light"/>
-                        </a:rPr>
-                      </a:br>
-                      <a:r>
-                        <a:rPr lang="pt-BR" sz="900" dirty="0">
-                          <a:solidFill>
-                            <a:srgbClr val="020302"/>
-                          </a:solidFill>
-                          <a:latin typeface="AdobeClean-Light"/>
-                          <a:cs typeface="AdobeClean-Light"/>
-                        </a:rPr>
-                        <a:t>de produtos</a:t>
-                      </a:r>
+                      <a:endParaRPr sz="900" spc="0" dirty="0">
+                        <a:latin typeface="AdobeClean-Light"/>
+                        <a:cs typeface="AdobeClean-Light"/>
+                      </a:endParaRPr>
                     </a:p>
                   </a:txBody>
                   <a:tcPr marL="0" marR="0" marT="63500" marB="0">
@@ -5379,7 +5970,7 @@
                     <a:bodyPr/>
                     <a:lstStyle/>
                     <a:p>
-                      <a:pPr algn="l" rtl="0">
+                      <a:pPr>
                         <a:lnSpc>
                           <a:spcPct val="100000"/>
                         </a:lnSpc>
@@ -5409,7 +6000,7 @@
                     <a:bodyPr/>
                     <a:lstStyle/>
                     <a:p>
-                      <a:pPr algn="l" rtl="0">
+                      <a:pPr>
                         <a:lnSpc>
                           <a:spcPct val="100000"/>
                         </a:lnSpc>
@@ -5427,7 +6018,7 @@
                     <a:bodyPr/>
                     <a:lstStyle/>
                     <a:p>
-                      <a:pPr algn="l" rtl="0">
+                      <a:pPr>
                         <a:lnSpc>
                           <a:spcPct val="100000"/>
                         </a:lnSpc>
@@ -5445,7 +6036,7 @@
                     <a:bodyPr/>
                     <a:lstStyle/>
                     <a:p>
-                      <a:pPr algn="l" rtl="0">
+                      <a:pPr>
                         <a:lnSpc>
                           <a:spcPct val="100000"/>
                         </a:lnSpc>
@@ -5472,7 +6063,7 @@
                         </a:spcBef>
                       </a:pPr>
                       <a:r>
-                        <a:rPr lang="pt-BR" sz="900">
+                        <a:rPr sz="900" spc="0" dirty="0">
                           <a:solidFill>
                             <a:srgbClr val="020302"/>
                           </a:solidFill>
@@ -5481,6 +6072,10 @@
                         </a:rPr>
                         <a:t></a:t>
                       </a:r>
+                      <a:endParaRPr sz="900" spc="0">
+                        <a:latin typeface="Wingdings"/>
+                        <a:cs typeface="Wingdings"/>
+                      </a:endParaRPr>
                     </a:p>
                   </a:txBody>
                   <a:tcPr marL="0" marR="0" marT="64135" marB="0">
@@ -5498,13 +6093,13 @@
                   </a:ext>
                 </a:extLst>
               </a:tr>
-              <a:tr h="332254">
+              <a:tr h="264424">
                 <a:tc vMerge="1">
                   <a:txBody>
                     <a:bodyPr/>
                     <a:lstStyle/>
                     <a:p>
-                      <a:pPr marL="49530" algn="l" rtl="0">
+                      <a:pPr marL="49530">
                         <a:lnSpc>
                           <a:spcPct val="100000"/>
                         </a:lnSpc>
@@ -5562,24 +6157,11 @@
                         </a:spcBef>
                       </a:pPr>
                       <a:r>
-                        <a:rPr lang="pt-BR" sz="900" dirty="0">
+                        <a:rPr sz="900" spc="0" dirty="0">
                           <a:latin typeface="AdobeClean-Light"/>
                           <a:cs typeface="AdobeClean-Light"/>
                         </a:rPr>
-                        <a:t>Atividades de suporte na nuvem — Experience Manager </a:t>
-                      </a:r>
-                      <a:br>
-                        <a:rPr lang="sk-SK" sz="900" dirty="0">
-                          <a:latin typeface="AdobeClean-Light"/>
-                          <a:cs typeface="AdobeClean-Light"/>
-                        </a:rPr>
-                      </a:br>
-                      <a:r>
-                        <a:rPr lang="pt-BR" sz="900" dirty="0">
-                          <a:latin typeface="AdobeClean-Light"/>
-                          <a:cs typeface="AdobeClean-Light"/>
-                        </a:rPr>
-                        <a:t>as Cloud</a:t>
+                        <a:t>Cloud Support Activities – Experience Manager as Cloud</a:t>
                       </a:r>
                     </a:p>
                   </a:txBody>
@@ -5609,7 +6191,7 @@
                     <a:bodyPr/>
                     <a:lstStyle/>
                     <a:p>
-                      <a:pPr algn="l" rtl="0">
+                      <a:pPr>
                         <a:lnSpc>
                           <a:spcPct val="100000"/>
                         </a:lnSpc>
@@ -5645,7 +6227,7 @@
                     <a:bodyPr/>
                     <a:lstStyle/>
                     <a:p>
-                      <a:pPr algn="l" rtl="0">
+                      <a:pPr>
                         <a:lnSpc>
                           <a:spcPct val="100000"/>
                         </a:lnSpc>
@@ -5670,7 +6252,7 @@
                     <a:bodyPr/>
                     <a:lstStyle/>
                     <a:p>
-                      <a:pPr algn="l" rtl="0">
+                      <a:pPr>
                         <a:lnSpc>
                           <a:spcPct val="100000"/>
                         </a:lnSpc>
@@ -5707,7 +6289,7 @@
                         </a:spcBef>
                       </a:pPr>
                       <a:r>
-                        <a:rPr lang="pt-BR" sz="900">
+                        <a:rPr sz="900" spc="0" dirty="0">
                           <a:solidFill>
                             <a:srgbClr val="020302"/>
                           </a:solidFill>
@@ -5716,6 +6298,10 @@
                         </a:rPr>
                         <a:t></a:t>
                       </a:r>
+                      <a:endParaRPr sz="900" spc="0" dirty="0">
+                        <a:latin typeface="Wingdings"/>
+                        <a:cs typeface="Wingdings"/>
+                      </a:endParaRPr>
                     </a:p>
                   </a:txBody>
                   <a:tcPr marL="0" marR="0" marT="62230" marB="0">
@@ -5741,7 +6327,7 @@
                         </a:spcBef>
                       </a:pPr>
                       <a:r>
-                        <a:rPr lang="pt-BR" sz="900">
+                        <a:rPr sz="900" spc="0" dirty="0">
                           <a:solidFill>
                             <a:srgbClr val="020302"/>
                           </a:solidFill>
@@ -5750,6 +6336,10 @@
                         </a:rPr>
                         <a:t></a:t>
                       </a:r>
+                      <a:endParaRPr sz="900" spc="0" dirty="0">
+                        <a:latin typeface="Wingdings"/>
+                        <a:cs typeface="Wingdings"/>
+                      </a:endParaRPr>
                     </a:p>
                   </a:txBody>
                   <a:tcPr marL="0" marR="0" marT="62230" marB="0">
@@ -5773,7 +6363,7 @@
                   </a:ext>
                 </a:extLst>
               </a:tr>
-              <a:tr h="252963">
+              <a:tr h="264424">
                 <a:tc rowSpan="2">
                   <a:txBody>
                     <a:bodyPr/>
@@ -5788,15 +6378,22 @@
                         </a:spcBef>
                       </a:pPr>
                       <a:r>
-                        <a:rPr lang="pt-BR" sz="1000" b="1" i="0">
+                        <a:rPr lang="en-US" sz="1000" b="1" i="0" spc="0" dirty="0">
                           <a:solidFill>
                             <a:schemeClr val="bg1"/>
                           </a:solidFill>
                           <a:latin typeface="Adobe Clean" panose="020B0503020404020204" pitchFamily="34" charset="0"/>
                           <a:cs typeface="AdobeClean-Light"/>
                         </a:rPr>
-                        <a:t>Serviços de campo</a:t>
+                        <a:t>Field Services</a:t>
                       </a:r>
+                      <a:endParaRPr sz="1000" b="1" i="0" spc="0" dirty="0">
+                        <a:solidFill>
+                          <a:schemeClr val="bg1"/>
+                        </a:solidFill>
+                        <a:latin typeface="Adobe Clean" panose="020B0503020404020204" pitchFamily="34" charset="0"/>
+                        <a:cs typeface="AdobeClean-Light"/>
+                      </a:endParaRPr>
                     </a:p>
                   </a:txBody>
                   <a:tcPr marL="0" marR="0" marT="48260" marB="0" anchor="ctr">
@@ -5849,15 +6446,39 @@
                         </a:spcBef>
                       </a:pPr>
                       <a:r>
-                        <a:rPr lang="pt-BR" sz="900">
+                        <a:rPr sz="900" spc="0" dirty="0">
                           <a:solidFill>
                             <a:srgbClr val="020302"/>
                           </a:solidFill>
                           <a:latin typeface="AdobeClean-Light"/>
                           <a:cs typeface="AdobeClean-Light"/>
                         </a:rPr>
-                        <a:t>Launch Advisory Services — primeiro ano da nova solução</a:t>
+                        <a:t>Launch Advisory Services – First Year of </a:t>
                       </a:r>
+                      <a:r>
+                        <a:rPr lang="en-US" sz="900" spc="0" dirty="0">
+                          <a:solidFill>
+                            <a:srgbClr val="020302"/>
+                          </a:solidFill>
+                          <a:latin typeface="AdobeClean-Light"/>
+                          <a:cs typeface="AdobeClean-Light"/>
+                        </a:rPr>
+                        <a:t>a </a:t>
+                      </a:r>
+                      <a:r>
+                        <a:rPr sz="900" spc="0" dirty="0">
+                          <a:solidFill>
+                            <a:srgbClr val="020302"/>
+                          </a:solidFill>
+                          <a:latin typeface="AdobeClean-Light"/>
+                          <a:cs typeface="AdobeClean-Light"/>
+                        </a:rPr>
+                        <a:t>new solution</a:t>
+                      </a:r>
+                      <a:endParaRPr sz="900" spc="0" dirty="0">
+                        <a:latin typeface="AdobeClean-Light"/>
+                        <a:cs typeface="AdobeClean-Light"/>
+                      </a:endParaRPr>
                     </a:p>
                     <a:p>
                       <a:pPr marL="48260">
@@ -5869,11 +6490,11 @@
                         </a:spcBef>
                       </a:pPr>
                       <a:r>
-                        <a:rPr lang="pt-BR" sz="900">
+                        <a:rPr sz="900" spc="0" dirty="0">
                           <a:latin typeface="AdobeClean-Light"/>
                           <a:cs typeface="AdobeClean-Light"/>
                         </a:rPr>
-                        <a:t>Atividades de serviço de campo</a:t>
+                        <a:t>Field Service Activities</a:t>
                       </a:r>
                     </a:p>
                   </a:txBody>
@@ -5909,7 +6530,7 @@
                     <a:bodyPr/>
                     <a:lstStyle/>
                     <a:p>
-                      <a:pPr algn="l" rtl="0">
+                      <a:pPr>
                         <a:lnSpc>
                           <a:spcPct val="100000"/>
                         </a:lnSpc>
@@ -5945,12 +6566,12 @@
                     <a:bodyPr/>
                     <a:lstStyle/>
                     <a:p>
-                      <a:pPr algn="l" rtl="0">
+                      <a:pPr>
                         <a:lnSpc>
                           <a:spcPct val="100000"/>
                         </a:lnSpc>
                       </a:pPr>
-                      <a:endParaRPr sz="900" spc="0" dirty="0">
+                      <a:endParaRPr sz="900" spc="0">
                         <a:latin typeface="Times New Roman"/>
                         <a:cs typeface="Times New Roman"/>
                       </a:endParaRPr>
@@ -5970,7 +6591,7 @@
                     <a:bodyPr/>
                     <a:lstStyle/>
                     <a:p>
-                      <a:pPr algn="l" rtl="0">
+                      <a:pPr>
                         <a:lnSpc>
                           <a:spcPct val="100000"/>
                         </a:lnSpc>
@@ -6007,7 +6628,7 @@
                         </a:spcBef>
                       </a:pPr>
                       <a:r>
-                        <a:rPr lang="pt-BR" sz="900">
+                        <a:rPr sz="900" spc="0" dirty="0">
                           <a:solidFill>
                             <a:srgbClr val="020302"/>
                           </a:solidFill>
@@ -6016,6 +6637,10 @@
                         </a:rPr>
                         <a:t></a:t>
                       </a:r>
+                      <a:endParaRPr sz="900" spc="0">
+                        <a:latin typeface="Wingdings"/>
+                        <a:cs typeface="Wingdings"/>
+                      </a:endParaRPr>
                     </a:p>
                   </a:txBody>
                   <a:tcPr marL="0" marR="0" marT="56515" marB="0">
@@ -6041,7 +6666,7 @@
                         </a:spcBef>
                       </a:pPr>
                       <a:r>
-                        <a:rPr lang="pt-BR" sz="900">
+                        <a:rPr sz="900" spc="0" dirty="0">
                           <a:solidFill>
                             <a:srgbClr val="020302"/>
                           </a:solidFill>
@@ -6050,6 +6675,10 @@
                         </a:rPr>
                         <a:t></a:t>
                       </a:r>
+                      <a:endParaRPr sz="900" spc="0" dirty="0">
+                        <a:latin typeface="Wingdings"/>
+                        <a:cs typeface="Wingdings"/>
+                      </a:endParaRPr>
                     </a:p>
                   </a:txBody>
                   <a:tcPr marL="0" marR="0" marT="56515" marB="0">
@@ -6073,7 +6702,7 @@
                   </a:ext>
                 </a:extLst>
               </a:tr>
-              <a:tr h="253412">
+              <a:tr h="264893">
                 <a:tc vMerge="1">
                   <a:txBody>
                     <a:bodyPr/>
@@ -6124,7 +6753,7 @@
                     <a:bodyPr/>
                     <a:lstStyle/>
                     <a:p>
-                      <a:pPr algn="l" rtl="0">
+                      <a:pPr>
                         <a:lnSpc>
                           <a:spcPct val="100000"/>
                         </a:lnSpc>
@@ -6160,7 +6789,7 @@
                     <a:bodyPr/>
                     <a:lstStyle/>
                     <a:p>
-                      <a:pPr algn="l" rtl="0">
+                      <a:pPr>
                         <a:lnSpc>
                           <a:spcPct val="100000"/>
                         </a:lnSpc>
@@ -6185,7 +6814,7 @@
                     <a:bodyPr/>
                     <a:lstStyle/>
                     <a:p>
-                      <a:pPr algn="l" rtl="0">
+                      <a:pPr>
                         <a:lnSpc>
                           <a:spcPct val="100000"/>
                         </a:lnSpc>
@@ -6219,7 +6848,7 @@
                         </a:spcBef>
                       </a:pPr>
                       <a:r>
-                        <a:rPr lang="pt-BR" sz="900">
+                        <a:rPr sz="900" spc="0" dirty="0">
                           <a:solidFill>
                             <a:srgbClr val="020302"/>
                           </a:solidFill>
@@ -6228,6 +6857,10 @@
                         </a:rPr>
                         <a:t>2</a:t>
                       </a:r>
+                      <a:endParaRPr sz="900" spc="0">
+                        <a:latin typeface="AdobeClean-Light"/>
+                        <a:cs typeface="AdobeClean-Light"/>
+                      </a:endParaRPr>
                     </a:p>
                   </a:txBody>
                   <a:tcPr marL="0" marR="0" marT="50800" marB="0">
@@ -6253,7 +6886,7 @@
                         </a:spcBef>
                       </a:pPr>
                       <a:r>
-                        <a:rPr lang="pt-BR" sz="900" dirty="0">
+                        <a:rPr sz="900" spc="0" dirty="0">
                           <a:solidFill>
                             <a:srgbClr val="020302"/>
                           </a:solidFill>
@@ -6262,6 +6895,10 @@
                         </a:rPr>
                         <a:t>4</a:t>
                       </a:r>
+                      <a:endParaRPr sz="900" spc="0" dirty="0">
+                        <a:latin typeface="AdobeClean-Light"/>
+                        <a:cs typeface="AdobeClean-Light"/>
+                      </a:endParaRPr>
                     </a:p>
                   </a:txBody>
                   <a:tcPr marL="0" marR="0" marT="50800" marB="0">
@@ -6323,8 +6960,24 @@
               </a:spcBef>
             </a:pPr>
             <a:r>
-              <a:rPr lang="pt-BR"/>
-              <a:t>©2021 Adobe. All Rights Reserved. Adobe Confidential.</a:t>
+              <a:rPr spc="-5" dirty="0"/>
+              <a:t>©202</a:t>
+            </a:r>
+            <a:r>
+              <a:rPr lang="en-US" spc="-5" dirty="0"/>
+              <a:t>1</a:t>
+            </a:r>
+            <a:r>
+              <a:rPr spc="-5" dirty="0"/>
+              <a:t> Adobe. All Rights Reserved. Adobe</a:t>
+            </a:r>
+            <a:r>
+              <a:rPr spc="60" dirty="0"/>
+              <a:t> </a:t>
+            </a:r>
+            <a:r>
+              <a:rPr spc="-5" dirty="0"/>
+              <a:t>Confidential.</a:t>
             </a:r>
           </a:p>
         </p:txBody>
@@ -6338,14 +6991,14 @@
           <p:nvPr>
             <p:extLst>
               <p:ext uri="{D42A27DB-BD31-4B8C-83A1-F6EECF244321}">
-                <p14:modId xmlns:p14="http://schemas.microsoft.com/office/powerpoint/2010/main" val="1969056798"/>
+                <p14:modId xmlns:p14="http://schemas.microsoft.com/office/powerpoint/2010/main" val="4081524108"/>
               </p:ext>
             </p:extLst>
           </p:nvPr>
         </p:nvGraphicFramePr>
         <p:xfrm>
           <a:off x="33527" y="7483227"/>
-          <a:ext cx="7705343" cy="2256991"/>
+          <a:ext cx="7705343" cy="2172787"/>
         </p:xfrm>
         <a:graphic>
           <a:graphicData uri="http://schemas.openxmlformats.org/drawingml/2006/table">
@@ -6405,15 +7058,19 @@
                         </a:spcBef>
                       </a:pPr>
                       <a:r>
-                        <a:rPr lang="pt-BR" sz="900">
+                        <a:rPr sz="900" spc="0" dirty="0">
                           <a:solidFill>
                             <a:srgbClr val="020302"/>
                           </a:solidFill>
                           <a:latin typeface="Adobe Clean"/>
                           <a:cs typeface="Adobe Clean"/>
                         </a:rPr>
-                        <a:t>Prioridade</a:t>
+                        <a:t>Priority</a:t>
                       </a:r>
+                      <a:endParaRPr sz="900" spc="0" dirty="0">
+                        <a:latin typeface="Adobe Clean"/>
+                        <a:cs typeface="Adobe Clean"/>
+                      </a:endParaRPr>
                     </a:p>
                   </a:txBody>
                   <a:tcPr marL="0" marR="0" marT="7620" marB="0" anchor="ctr">
@@ -6460,15 +7117,39 @@
                         </a:spcBef>
                       </a:pPr>
                       <a:r>
-                        <a:rPr lang="pt-BR" sz="900">
+                        <a:rPr sz="900" spc="0" dirty="0">
                           <a:solidFill>
                             <a:srgbClr val="020302"/>
                           </a:solidFill>
                           <a:latin typeface="Adobe Clean"/>
                           <a:cs typeface="Adobe Clean"/>
                         </a:rPr>
-                        <a:t>Suporte Online</a:t>
+                        <a:t>Online </a:t>
                       </a:r>
+                      <a:r>
+                        <a:rPr lang="en-US" sz="900" spc="0" dirty="0">
+                          <a:solidFill>
+                            <a:srgbClr val="020302"/>
+                          </a:solidFill>
+                          <a:latin typeface="Adobe Clean"/>
+                          <a:cs typeface="Adobe Clean"/>
+                        </a:rPr>
+                        <a:t> </a:t>
+                      </a:r>
+                      <a:r>
+                        <a:rPr sz="900" spc="0" dirty="0">
+                          <a:solidFill>
+                            <a:srgbClr val="020302"/>
+                          </a:solidFill>
+                          <a:latin typeface="Adobe Clean"/>
+                          <a:cs typeface="Adobe Clean"/>
+                        </a:rPr>
+                        <a:t>Support</a:t>
+                      </a:r>
+                      <a:endParaRPr sz="900" spc="0" dirty="0">
+                        <a:latin typeface="Adobe Clean"/>
+                        <a:cs typeface="Adobe Clean"/>
+                      </a:endParaRPr>
                     </a:p>
                   </a:txBody>
                   <a:tcPr marL="0" marR="0" marT="0" marB="0" anchor="ctr">
@@ -6490,11 +7171,14 @@
                       </a:solidFill>
                       <a:prstDash val="solid"/>
                     </a:lnT>
-                    <a:lnB w="76200">
+                    <a:lnB w="76200" cap="flat" cmpd="sng" algn="ctr">
                       <a:solidFill>
                         <a:srgbClr val="858585"/>
                       </a:solidFill>
                       <a:prstDash val="solid"/>
+                      <a:round/>
+                      <a:headEnd type="none" w="med" len="med"/>
+                      <a:tailEnd type="none" w="med" len="med"/>
                     </a:lnB>
                     <a:solidFill>
                       <a:srgbClr val="D9D9D9"/>
@@ -6515,15 +7199,39 @@
                         </a:spcBef>
                       </a:pPr>
                       <a:r>
-                        <a:rPr lang="pt-BR" sz="900">
+                        <a:rPr sz="900" spc="0" dirty="0">
                           <a:solidFill>
                             <a:srgbClr val="FFFFFF"/>
                           </a:solidFill>
                           <a:latin typeface="Adobe Clean"/>
                           <a:cs typeface="Adobe Clean"/>
                         </a:rPr>
-                        <a:t>Suporte Business</a:t>
+                        <a:t>Business</a:t>
                       </a:r>
+                      <a:r>
+                        <a:rPr lang="en-US" sz="900" spc="0" dirty="0">
+                          <a:solidFill>
+                            <a:srgbClr val="FFFFFF"/>
+                          </a:solidFill>
+                          <a:latin typeface="Adobe Clean"/>
+                          <a:cs typeface="Adobe Clean"/>
+                        </a:rPr>
+                        <a:t> </a:t>
+                      </a:r>
+                      <a:r>
+                        <a:rPr sz="900" spc="0" dirty="0">
+                          <a:solidFill>
+                            <a:srgbClr val="FFFFFF"/>
+                          </a:solidFill>
+                          <a:latin typeface="Adobe Clean"/>
+                          <a:cs typeface="Adobe Clean"/>
+                        </a:rPr>
+                        <a:t>Support</a:t>
+                      </a:r>
+                      <a:endParaRPr sz="900" spc="0" dirty="0">
+                        <a:latin typeface="Adobe Clean"/>
+                        <a:cs typeface="Adobe Clean"/>
+                      </a:endParaRPr>
                     </a:p>
                   </a:txBody>
                   <a:tcPr marL="0" marR="0" marT="0" marB="0" anchor="ctr">
@@ -6545,11 +7253,14 @@
                       </a:solidFill>
                       <a:prstDash val="solid"/>
                     </a:lnT>
-                    <a:lnB w="76200">
+                    <a:lnB w="76200" cap="flat" cmpd="sng" algn="ctr">
                       <a:solidFill>
                         <a:srgbClr val="ACD2FF"/>
                       </a:solidFill>
                       <a:prstDash val="solid"/>
+                      <a:round/>
+                      <a:headEnd type="none" w="med" len="med"/>
+                      <a:tailEnd type="none" w="med" len="med"/>
                     </a:lnB>
                     <a:solidFill>
                       <a:srgbClr val="7D7D7D"/>
@@ -6570,15 +7281,39 @@
                         </a:spcBef>
                       </a:pPr>
                       <a:r>
-                        <a:rPr lang="pt-BR" sz="900">
+                        <a:rPr sz="900" spc="0" dirty="0">
                           <a:solidFill>
                             <a:srgbClr val="FFFFFF"/>
                           </a:solidFill>
                           <a:latin typeface="Adobe Clean"/>
                           <a:cs typeface="Adobe Clean"/>
                         </a:rPr>
-                        <a:t>Suporte Enterprise</a:t>
+                        <a:t>Enterprise </a:t>
                       </a:r>
+                      <a:r>
+                        <a:rPr lang="en-US" sz="900" spc="0" dirty="0">
+                          <a:solidFill>
+                            <a:srgbClr val="FFFFFF"/>
+                          </a:solidFill>
+                          <a:latin typeface="Adobe Clean"/>
+                          <a:cs typeface="Adobe Clean"/>
+                        </a:rPr>
+                        <a:t> </a:t>
+                      </a:r>
+                      <a:r>
+                        <a:rPr sz="900" spc="0" dirty="0">
+                          <a:solidFill>
+                            <a:srgbClr val="FFFFFF"/>
+                          </a:solidFill>
+                          <a:latin typeface="Adobe Clean"/>
+                          <a:cs typeface="Adobe Clean"/>
+                        </a:rPr>
+                        <a:t>Support</a:t>
+                      </a:r>
+                      <a:endParaRPr sz="900" spc="0" dirty="0">
+                        <a:latin typeface="Adobe Clean"/>
+                        <a:cs typeface="Adobe Clean"/>
+                      </a:endParaRPr>
                     </a:p>
                   </a:txBody>
                   <a:tcPr marL="0" marR="0" marT="0" marB="0" anchor="ctr">
@@ -6600,11 +7335,14 @@
                       </a:solidFill>
                       <a:prstDash val="solid"/>
                     </a:lnT>
-                    <a:lnB w="76200">
+                    <a:lnB w="76200" cap="flat" cmpd="sng" algn="ctr">
                       <a:solidFill>
                         <a:srgbClr val="2E8FFF"/>
                       </a:solidFill>
                       <a:prstDash val="solid"/>
+                      <a:round/>
+                      <a:headEnd type="none" w="med" len="med"/>
+                      <a:tailEnd type="none" w="med" len="med"/>
                     </a:lnB>
                     <a:solidFill>
                       <a:srgbClr val="404040"/>
@@ -6625,15 +7363,39 @@
                         </a:spcBef>
                       </a:pPr>
                       <a:r>
-                        <a:rPr lang="pt-BR" sz="900">
+                        <a:rPr sz="900" spc="0" dirty="0">
                           <a:solidFill>
                             <a:srgbClr val="FFFFFF"/>
                           </a:solidFill>
                           <a:latin typeface="Adobe Clean"/>
                           <a:cs typeface="Adobe Clean"/>
                         </a:rPr>
-                        <a:t>Suporte Elite</a:t>
+                        <a:t>Elite</a:t>
                       </a:r>
+                      <a:r>
+                        <a:rPr lang="en-US" sz="900" spc="0" dirty="0">
+                          <a:solidFill>
+                            <a:srgbClr val="FFFFFF"/>
+                          </a:solidFill>
+                          <a:latin typeface="Adobe Clean"/>
+                          <a:cs typeface="Adobe Clean"/>
+                        </a:rPr>
+                        <a:t> </a:t>
+                      </a:r>
+                      <a:r>
+                        <a:rPr sz="900" spc="0" dirty="0">
+                          <a:solidFill>
+                            <a:srgbClr val="FFFFFF"/>
+                          </a:solidFill>
+                          <a:latin typeface="Adobe Clean"/>
+                          <a:cs typeface="Adobe Clean"/>
+                        </a:rPr>
+                        <a:t>Support</a:t>
+                      </a:r>
+                      <a:endParaRPr sz="900" spc="0" dirty="0">
+                        <a:latin typeface="Adobe Clean"/>
+                        <a:cs typeface="Adobe Clean"/>
+                      </a:endParaRPr>
                     </a:p>
                   </a:txBody>
                   <a:tcPr marL="0" marR="0" marT="0" marB="0" anchor="ctr">
@@ -6655,11 +7417,14 @@
                       </a:solidFill>
                       <a:prstDash val="solid"/>
                     </a:lnT>
-                    <a:lnB w="76200">
+                    <a:lnB w="76200" cap="flat" cmpd="sng" algn="ctr">
                       <a:solidFill>
                         <a:srgbClr val="0068E1"/>
                       </a:solidFill>
                       <a:prstDash val="solid"/>
+                      <a:round/>
+                      <a:headEnd type="none" w="med" len="med"/>
+                      <a:tailEnd type="none" w="med" len="med"/>
                     </a:lnB>
                     <a:solidFill>
                       <a:srgbClr val="000000"/>
@@ -6687,15 +7452,19 @@
                         </a:spcBef>
                       </a:pPr>
                       <a:r>
-                        <a:rPr lang="pt-BR" sz="900" b="1">
+                        <a:rPr sz="900" b="1" spc="0" dirty="0">
                           <a:solidFill>
                             <a:srgbClr val="020302"/>
                           </a:solidFill>
                           <a:latin typeface="Adobe Clean"/>
                           <a:cs typeface="Adobe Clean"/>
                         </a:rPr>
-                        <a:t>PRIORIDADE 1</a:t>
+                        <a:t>PRIORITY 1</a:t>
                       </a:r>
+                      <a:endParaRPr sz="900" spc="0" dirty="0">
+                        <a:latin typeface="Adobe Clean"/>
+                        <a:cs typeface="Adobe Clean"/>
+                      </a:endParaRPr>
                     </a:p>
                     <a:p>
                       <a:pPr marL="50800" marR="387985">
@@ -6707,14 +7476,19 @@
                         </a:spcBef>
                       </a:pPr>
                       <a:r>
-                        <a:rPr lang="pt-BR" sz="900" b="0" i="0">
+                        <a:rPr lang="en-US" sz="900" b="0" i="0" spc="0" dirty="0">
                           <a:solidFill>
                             <a:srgbClr val="000000"/>
                           </a:solidFill>
+                          <a:effectLst/>
                           <a:latin typeface="Adobe Clean Light" panose="020B0303020404020204" pitchFamily="34" charset="0"/>
                         </a:rPr>
-                        <a:t>As funções de produção do cliente estão inativas ou têm perda significativa de dados ou degradação de serviços, e é necessária atenção imediata para restaurar a funcionalidade e a usabilidade. </a:t>
+                        <a:t>Customer's production business functions are down or have significant data loss or service degradation and immediate attention is required to restore functionality and usability. </a:t>
                       </a:r>
+                      <a:endParaRPr sz="900" spc="0" dirty="0">
+                        <a:latin typeface="AdobeClean-Light"/>
+                        <a:cs typeface="AdobeClean-Light"/>
+                      </a:endParaRPr>
                     </a:p>
                   </a:txBody>
                   <a:tcPr marL="0" marR="0" marT="0" marB="0" anchor="ctr">
@@ -6724,11 +7498,14 @@
                       </a:solidFill>
                       <a:prstDash val="solid"/>
                     </a:lnL>
-                    <a:lnR w="3175">
+                    <a:lnR w="3175" cap="flat" cmpd="sng" algn="ctr">
                       <a:solidFill>
                         <a:srgbClr val="B7B8B8"/>
                       </a:solidFill>
                       <a:prstDash val="solid"/>
+                      <a:round/>
+                      <a:headEnd type="none" w="med" len="med"/>
+                      <a:tailEnd type="none" w="med" len="med"/>
                     </a:lnR>
                     <a:lnT w="3175">
                       <a:solidFill>
@@ -6749,27 +7526,20 @@
                     <a:bodyPr/>
                     <a:lstStyle/>
                     <a:p>
-                      <a:pPr marL="0" marR="325120" indent="-3810" algn="ctr">
-                        <a:lnSpc>
-                          <a:spcPct val="100000"/>
-                        </a:lnSpc>
-                        <a:spcBef>
-                          <a:spcPts val="670"/>
-                        </a:spcBef>
-                      </a:pPr>
+                      <a:pPr algn="ctr" fontAlgn="t"/>
                       <a:r>
-                        <a:rPr lang="pt-BR" sz="900" dirty="0">
+                        <a:rPr lang="en-US" sz="900" b="0" i="0" u="none" strike="noStrike">
                           <a:solidFill>
                             <a:srgbClr val="020302"/>
                           </a:solidFill>
-                          <a:latin typeface="AdobeClean-Light"/>
-                          <a:cs typeface="AdobeClean-Light"/>
+                          <a:effectLst/>
+                          <a:latin typeface="AdobeClean-Light" panose="020B0503020404020204" pitchFamily="34" charset="0"/>
                         </a:rPr>
-                        <a:t>24x7 /                1 hora</a:t>
+                        <a:t>24x7 / 1 hour</a:t>
                       </a:r>
                     </a:p>
                   </a:txBody>
-                  <a:tcPr marL="0" marR="0" marT="0" marB="0" anchor="ctr">
+                  <a:tcPr marL="9525" marR="9525" marT="9525" marB="0" anchor="ctr">
                     <a:lnL w="3175">
                       <a:solidFill>
                         <a:srgbClr val="B7B8B8"/>
@@ -6801,27 +7571,20 @@
                     <a:bodyPr/>
                     <a:lstStyle/>
                     <a:p>
-                      <a:pPr marL="0" marR="325755" indent="-3810" algn="ctr">
-                        <a:lnSpc>
-                          <a:spcPct val="100000"/>
-                        </a:lnSpc>
-                        <a:spcBef>
-                          <a:spcPts val="670"/>
-                        </a:spcBef>
-                      </a:pPr>
+                      <a:pPr algn="ctr" fontAlgn="t"/>
                       <a:r>
-                        <a:rPr lang="pt-BR" sz="900">
+                        <a:rPr lang="en-US" sz="900" b="0" i="0" u="none" strike="noStrike">
                           <a:solidFill>
                             <a:srgbClr val="020302"/>
                           </a:solidFill>
-                          <a:latin typeface="AdobeClean-Light"/>
-                          <a:cs typeface="AdobeClean-Light"/>
+                          <a:effectLst/>
+                          <a:latin typeface="AdobeClean-Light" panose="020B0503020404020204" pitchFamily="34" charset="0"/>
                         </a:rPr>
-                        <a:t>24x7 /              1 hora</a:t>
+                        <a:t>24x7 / 1 hour</a:t>
                       </a:r>
                     </a:p>
                   </a:txBody>
-                  <a:tcPr marL="0" marR="0" marT="0" marB="0" anchor="ctr">
+                  <a:tcPr marL="9525" marR="9525" marT="9525" marB="0" anchor="ctr">
                     <a:lnL w="3175">
                       <a:solidFill>
                         <a:srgbClr val="B7B8B8"/>
@@ -6853,27 +7616,20 @@
                     <a:bodyPr/>
                     <a:lstStyle/>
                     <a:p>
-                      <a:pPr marL="0" marR="258445" indent="115570" algn="ctr">
-                        <a:lnSpc>
-                          <a:spcPct val="100000"/>
-                        </a:lnSpc>
-                        <a:spcBef>
-                          <a:spcPts val="670"/>
-                        </a:spcBef>
-                      </a:pPr>
+                      <a:pPr algn="ctr" fontAlgn="t"/>
                       <a:r>
-                        <a:rPr lang="pt-BR" sz="900">
+                        <a:rPr lang="en-US" sz="900" b="0" i="0" u="none" strike="noStrike">
                           <a:solidFill>
                             <a:srgbClr val="020302"/>
                           </a:solidFill>
-                          <a:latin typeface="AdobeClean-Light"/>
-                          <a:cs typeface="AdobeClean-Light"/>
+                          <a:effectLst/>
+                          <a:latin typeface="AdobeClean-Light" panose="020B0503020404020204" pitchFamily="34" charset="0"/>
                         </a:rPr>
-                        <a:t>24x7 /           30 minutos</a:t>
+                        <a:t>24x7 / 30 minutes</a:t>
                       </a:r>
                     </a:p>
                   </a:txBody>
-                  <a:tcPr marL="0" marR="0" marT="0" marB="0" anchor="ctr">
+                  <a:tcPr marL="9525" marR="9525" marT="9525" marB="0" anchor="ctr">
                     <a:lnL w="3175">
                       <a:solidFill>
                         <a:srgbClr val="B7B8B8"/>
@@ -6905,27 +7661,20 @@
                     <a:bodyPr/>
                     <a:lstStyle/>
                     <a:p>
-                      <a:pPr marL="0" marR="271780" indent="103505" algn="ctr">
-                        <a:lnSpc>
-                          <a:spcPct val="100000"/>
-                        </a:lnSpc>
-                        <a:spcBef>
-                          <a:spcPts val="670"/>
-                        </a:spcBef>
-                      </a:pPr>
+                      <a:pPr algn="ctr" fontAlgn="t"/>
                       <a:r>
-                        <a:rPr lang="pt-BR" sz="900">
+                        <a:rPr lang="en-US" sz="900" b="0" i="0" u="none" strike="noStrike">
                           <a:solidFill>
                             <a:srgbClr val="020302"/>
                           </a:solidFill>
-                          <a:latin typeface="AdobeClean-Light"/>
-                          <a:cs typeface="AdobeClean-Light"/>
+                          <a:effectLst/>
+                          <a:latin typeface="AdobeClean-Light" panose="020B0503020404020204" pitchFamily="34" charset="0"/>
                         </a:rPr>
-                        <a:t>24x7 /         15 minutos</a:t>
+                        <a:t>24x7 / 15 minutes</a:t>
                       </a:r>
                     </a:p>
                   </a:txBody>
-                  <a:tcPr marL="0" marR="0" marT="0" marB="0" anchor="ctr">
+                  <a:tcPr marL="9525" marR="9525" marT="9525" marB="0" anchor="ctr">
                     <a:lnL w="3175">
                       <a:solidFill>
                         <a:srgbClr val="B7B8B8"/>
@@ -6973,15 +7722,19 @@
                         </a:spcBef>
                       </a:pPr>
                       <a:r>
-                        <a:rPr lang="pt-BR" sz="900" b="1">
+                        <a:rPr sz="900" b="1" spc="0" dirty="0">
                           <a:solidFill>
                             <a:srgbClr val="020302"/>
                           </a:solidFill>
                           <a:latin typeface="Adobe Clean"/>
                           <a:cs typeface="Adobe Clean"/>
                         </a:rPr>
-                        <a:t>PRIORIDADE 2</a:t>
+                        <a:t>PRIORITY 2</a:t>
                       </a:r>
+                      <a:endParaRPr sz="900" spc="0" dirty="0">
+                        <a:latin typeface="Adobe Clean"/>
+                        <a:cs typeface="Adobe Clean"/>
+                      </a:endParaRPr>
                     </a:p>
                     <a:p>
                       <a:pPr marL="50165" marR="203200" indent="0" defTabSz="914400" eaLnBrk="1" fontAlgn="auto" latinLnBrk="0" hangingPunct="1">
@@ -7002,14 +7755,19 @@
                         <a:defRPr/>
                       </a:pPr>
                       <a:r>
-                        <a:rPr lang="pt-BR" sz="900" b="0" i="0">
+                        <a:rPr lang="en-US" sz="900" b="0" i="0" spc="0" dirty="0">
                           <a:solidFill>
                             <a:srgbClr val="000000"/>
                           </a:solidFill>
+                          <a:effectLst/>
                           <a:latin typeface="Adobe Clean Light" panose="020B0303020404020204" pitchFamily="34" charset="0"/>
                         </a:rPr>
-                        <a:t>As funções empresariais do cliente têm grande degradação de serviços, perda potencial de dados ou foi afetado um recurso importante </a:t>
+                        <a:t>Customer's business functions have major service degradation or potential data loss, or a major feature is impacted </a:t>
                       </a:r>
+                      <a:endParaRPr sz="900" b="0" i="0" spc="0" dirty="0">
+                        <a:latin typeface="Adobe Clean Light" panose="020B0303020404020204" pitchFamily="34" charset="0"/>
+                        <a:cs typeface="AdobeClean-Light"/>
+                      </a:endParaRPr>
                     </a:p>
                   </a:txBody>
                   <a:tcPr marL="0" marR="0" marT="0" marB="0" anchor="ctr">
@@ -7019,11 +7777,14 @@
                       </a:solidFill>
                       <a:prstDash val="solid"/>
                     </a:lnL>
-                    <a:lnR w="3175">
+                    <a:lnR w="3175" cap="flat" cmpd="sng" algn="ctr">
                       <a:solidFill>
                         <a:srgbClr val="B7B8B8"/>
                       </a:solidFill>
                       <a:prstDash val="solid"/>
+                      <a:round/>
+                      <a:headEnd type="none" w="med" len="med"/>
+                      <a:tailEnd type="none" w="med" len="med"/>
                     </a:lnR>
                     <a:lnT w="3175">
                       <a:solidFill>
@@ -7044,27 +7805,20 @@
                     <a:bodyPr/>
                     <a:lstStyle/>
                     <a:p>
-                      <a:pPr marL="0" marR="184785" indent="-193675" algn="ctr">
-                        <a:lnSpc>
-                          <a:spcPct val="100000"/>
-                        </a:lnSpc>
-                        <a:spcBef>
-                          <a:spcPts val="670"/>
-                        </a:spcBef>
-                      </a:pPr>
+                      <a:pPr algn="ctr" fontAlgn="t"/>
                       <a:r>
-                        <a:rPr lang="pt-BR" sz="900">
+                        <a:rPr lang="en-US" sz="900" b="0" i="0" u="none" strike="noStrike">
                           <a:solidFill>
                             <a:srgbClr val="020302"/>
                           </a:solidFill>
-                          <a:latin typeface="AdobeClean-Light"/>
-                          <a:cs typeface="AdobeClean-Light"/>
+                          <a:effectLst/>
+                          <a:latin typeface="AdobeClean-Light" panose="020B0503020404020204" pitchFamily="34" charset="0"/>
                         </a:rPr>
-                        <a:t>Horário comercial/           4 horas</a:t>
+                        <a:t>Business hours / 4 hours</a:t>
                       </a:r>
                     </a:p>
                   </a:txBody>
-                  <a:tcPr marL="0" marR="0" marT="0" marB="0" anchor="ctr">
+                  <a:tcPr marL="9525" marR="9525" marT="9525" marB="0" anchor="ctr">
                     <a:lnL w="3175">
                       <a:solidFill>
                         <a:srgbClr val="B7B8B8"/>
@@ -7096,150 +7850,110 @@
                     <a:bodyPr/>
                     <a:lstStyle/>
                     <a:p>
-                      <a:pPr marL="0" marR="184785" indent="-194310" algn="ctr">
-                        <a:lnSpc>
-                          <a:spcPct val="100000"/>
-                        </a:lnSpc>
-                        <a:spcBef>
-                          <a:spcPts val="670"/>
-                        </a:spcBef>
-                      </a:pPr>
+                      <a:pPr algn="ctr" fontAlgn="t"/>
                       <a:r>
-                        <a:rPr lang="pt-BR" sz="900" dirty="0">
+                        <a:rPr lang="en-US" sz="900" b="0" i="0" u="none" strike="noStrike">
                           <a:solidFill>
                             <a:srgbClr val="020302"/>
                           </a:solidFill>
-                          <a:latin typeface="AdobeClean-Light"/>
-                          <a:cs typeface="AdobeClean-Light"/>
+                          <a:effectLst/>
+                          <a:latin typeface="AdobeClean-Light" panose="020B0503020404020204" pitchFamily="34" charset="0"/>
                         </a:rPr>
-                        <a:t>Horário comercial/ </a:t>
+                        <a:t>Business hours / 2 hours</a:t>
                       </a:r>
-                      <a:br>
-                        <a:rPr lang="sk-SK" sz="900" dirty="0">
+                    </a:p>
+                  </a:txBody>
+                  <a:tcPr marL="9525" marR="9525" marT="9525" marB="0" anchor="ctr">
+                    <a:lnL w="3175">
+                      <a:solidFill>
+                        <a:srgbClr val="B7B8B8"/>
+                      </a:solidFill>
+                      <a:prstDash val="solid"/>
+                    </a:lnL>
+                    <a:lnR w="3175">
+                      <a:solidFill>
+                        <a:srgbClr val="B7B8B8"/>
+                      </a:solidFill>
+                      <a:prstDash val="solid"/>
+                    </a:lnR>
+                    <a:lnT w="3175">
+                      <a:solidFill>
+                        <a:srgbClr val="B7B8B8"/>
+                      </a:solidFill>
+                      <a:prstDash val="solid"/>
+                    </a:lnT>
+                    <a:lnB w="3175">
+                      <a:solidFill>
+                        <a:srgbClr val="B7B8B8"/>
+                      </a:solidFill>
+                      <a:prstDash val="solid"/>
+                    </a:lnB>
+                  </a:tcPr>
+                </a:tc>
+                <a:tc>
+                  <a:txBody>
+                    <a:bodyPr/>
+                    <a:lstStyle/>
+                    <a:p>
+                      <a:pPr algn="ctr" fontAlgn="t"/>
+                      <a:r>
+                        <a:rPr lang="en-US" sz="900" b="0" i="0" u="none" strike="noStrike">
                           <a:solidFill>
                             <a:srgbClr val="020302"/>
                           </a:solidFill>
-                          <a:latin typeface="AdobeClean-Light"/>
-                          <a:cs typeface="AdobeClean-Light"/>
+                          <a:effectLst/>
+                          <a:latin typeface="AdobeClean-Light" panose="020B0503020404020204" pitchFamily="34" charset="0"/>
                         </a:rPr>
-                      </a:br>
+                        <a:t>24x5 / 1 hour</a:t>
+                      </a:r>
+                    </a:p>
+                  </a:txBody>
+                  <a:tcPr marL="9525" marR="9525" marT="9525" marB="0" anchor="ctr">
+                    <a:lnL w="3175">
+                      <a:solidFill>
+                        <a:srgbClr val="B7B8B8"/>
+                      </a:solidFill>
+                      <a:prstDash val="solid"/>
+                    </a:lnL>
+                    <a:lnR w="3175">
+                      <a:solidFill>
+                        <a:srgbClr val="B7B8B8"/>
+                      </a:solidFill>
+                      <a:prstDash val="solid"/>
+                    </a:lnR>
+                    <a:lnT w="3175">
+                      <a:solidFill>
+                        <a:srgbClr val="B7B8B8"/>
+                      </a:solidFill>
+                      <a:prstDash val="solid"/>
+                    </a:lnT>
+                    <a:lnB w="3175">
+                      <a:solidFill>
+                        <a:srgbClr val="B7B8B8"/>
+                      </a:solidFill>
+                      <a:prstDash val="solid"/>
+                    </a:lnB>
+                  </a:tcPr>
+                </a:tc>
+                <a:tc>
+                  <a:txBody>
+                    <a:bodyPr/>
+                    <a:lstStyle/>
+                    <a:p>
+                      <a:pPr algn="ctr" fontAlgn="t"/>
                       <a:r>
-                        <a:rPr lang="pt-BR" sz="900" dirty="0">
+                        <a:rPr lang="en-US" sz="900" b="0" i="0" u="none" strike="noStrike">
                           <a:solidFill>
                             <a:srgbClr val="020302"/>
                           </a:solidFill>
-                          <a:latin typeface="AdobeClean-Light"/>
-                          <a:cs typeface="AdobeClean-Light"/>
+                          <a:effectLst/>
+                          <a:latin typeface="AdobeClean-Light" panose="020B0503020404020204" pitchFamily="34" charset="0"/>
                         </a:rPr>
-                        <a:t>2 horas</a:t>
+                        <a:t>24x5 / 30 minutes</a:t>
                       </a:r>
                     </a:p>
                   </a:txBody>
-                  <a:tcPr marL="0" marR="0" marT="0" marB="0" anchor="ctr">
-                    <a:lnL w="3175">
-                      <a:solidFill>
-                        <a:srgbClr val="B7B8B8"/>
-                      </a:solidFill>
-                      <a:prstDash val="solid"/>
-                    </a:lnL>
-                    <a:lnR w="3175">
-                      <a:solidFill>
-                        <a:srgbClr val="B7B8B8"/>
-                      </a:solidFill>
-                      <a:prstDash val="solid"/>
-                    </a:lnR>
-                    <a:lnT w="3175">
-                      <a:solidFill>
-                        <a:srgbClr val="B7B8B8"/>
-                      </a:solidFill>
-                      <a:prstDash val="solid"/>
-                    </a:lnT>
-                    <a:lnB w="3175">
-                      <a:solidFill>
-                        <a:srgbClr val="B7B8B8"/>
-                      </a:solidFill>
-                      <a:prstDash val="solid"/>
-                    </a:lnB>
-                  </a:tcPr>
-                </a:tc>
-                <a:tc>
-                  <a:txBody>
-                    <a:bodyPr/>
-                    <a:lstStyle/>
-                    <a:p>
-                      <a:pPr marL="0" marR="325755" indent="-5715" algn="ctr">
-                        <a:lnSpc>
-                          <a:spcPct val="100000"/>
-                        </a:lnSpc>
-                        <a:spcBef>
-                          <a:spcPts val="670"/>
-                        </a:spcBef>
-                      </a:pPr>
-                      <a:r>
-                        <a:rPr lang="pt-BR" sz="900" dirty="0">
-                          <a:solidFill>
-                            <a:srgbClr val="020302"/>
-                          </a:solidFill>
-                          <a:latin typeface="AdobeClean-Light"/>
-                          <a:cs typeface="AdobeClean-Light"/>
-                        </a:rPr>
-                        <a:t>24x5 /                1 hora</a:t>
-                      </a:r>
-                    </a:p>
-                  </a:txBody>
-                  <a:tcPr marL="0" marR="0" marT="0" marB="0" anchor="ctr">
-                    <a:lnL w="3175">
-                      <a:solidFill>
-                        <a:srgbClr val="B7B8B8"/>
-                      </a:solidFill>
-                      <a:prstDash val="solid"/>
-                    </a:lnL>
-                    <a:lnR w="3175">
-                      <a:solidFill>
-                        <a:srgbClr val="B7B8B8"/>
-                      </a:solidFill>
-                      <a:prstDash val="solid"/>
-                    </a:lnR>
-                    <a:lnT w="3175">
-                      <a:solidFill>
-                        <a:srgbClr val="B7B8B8"/>
-                      </a:solidFill>
-                      <a:prstDash val="solid"/>
-                    </a:lnT>
-                    <a:lnB w="3175">
-                      <a:solidFill>
-                        <a:srgbClr val="B7B8B8"/>
-                      </a:solidFill>
-                      <a:prstDash val="solid"/>
-                    </a:lnB>
-                  </a:tcPr>
-                </a:tc>
-                <a:tc>
-                  <a:txBody>
-                    <a:bodyPr/>
-                    <a:lstStyle/>
-                    <a:p>
-                      <a:pPr marL="0" marR="259079" indent="111760" algn="ctr">
-                        <a:lnSpc>
-                          <a:spcPct val="100000"/>
-                        </a:lnSpc>
-                        <a:spcBef>
-                          <a:spcPts val="670"/>
-                        </a:spcBef>
-                      </a:pPr>
-                      <a:r>
-                        <a:rPr lang="pt-BR" sz="900">
-                          <a:solidFill>
-                            <a:srgbClr val="020302"/>
-                          </a:solidFill>
-                          <a:latin typeface="AdobeClean-Light"/>
-                          <a:cs typeface="AdobeClean-Light"/>
-                        </a:rPr>
-                        <a:t>24x5 /         30 minutos</a:t>
-                      </a:r>
-                    </a:p>
-                  </a:txBody>
-                  <a:tcPr marL="0" marR="0" marT="0" marB="0" anchor="ctr">
+                  <a:tcPr marL="9525" marR="9525" marT="9525" marB="0" anchor="ctr">
                     <a:lnL w="3175">
                       <a:solidFill>
                         <a:srgbClr val="B7B8B8"/>
@@ -7287,15 +8001,29 @@
                         </a:spcBef>
                       </a:pPr>
                       <a:r>
-                        <a:rPr lang="pt-BR" sz="900" b="1" dirty="0">
+                        <a:rPr sz="900" b="1" spc="0" dirty="0">
                           <a:solidFill>
                             <a:srgbClr val="020302"/>
                           </a:solidFill>
                           <a:latin typeface="Adobe Clean"/>
                           <a:cs typeface="Adobe Clean"/>
                         </a:rPr>
-                        <a:t>PRIORIDADE 3</a:t>
+                        <a:t>PRIORITY</a:t>
                       </a:r>
+                      <a:r>
+                        <a:rPr lang="en-US" sz="900" b="1" spc="0" dirty="0">
+                          <a:solidFill>
+                            <a:srgbClr val="020302"/>
+                          </a:solidFill>
+                          <a:latin typeface="Adobe Clean"/>
+                          <a:cs typeface="Adobe Clean"/>
+                        </a:rPr>
+                        <a:t> 3</a:t>
+                      </a:r>
+                      <a:endParaRPr lang="en-US" sz="900" spc="0" dirty="0">
+                        <a:latin typeface="Adobe Clean"/>
+                        <a:cs typeface="Adobe Clean"/>
+                      </a:endParaRPr>
                     </a:p>
                     <a:p>
                       <a:pPr marL="49530" marR="212090" indent="-2540" defTabSz="914400" eaLnBrk="1" fontAlgn="auto" latinLnBrk="0" hangingPunct="1">
@@ -7316,21 +8044,26 @@
                         <a:defRPr/>
                       </a:pPr>
                       <a:r>
-                        <a:rPr kumimoji="0" lang="pt-BR" sz="900" b="0" i="0" u="none" strike="noStrike" cap="none" spc="-50" normalizeH="0" baseline="0" noProof="0" dirty="0">
+                        <a:rPr kumimoji="0" lang="en-US" sz="900" b="0" i="0" u="none" strike="noStrike" kern="1200" cap="none" spc="0" normalizeH="0" baseline="0" noProof="0" dirty="0">
                           <a:ln>
                             <a:noFill/>
                           </a:ln>
                           <a:solidFill>
                             <a:srgbClr val="000000"/>
                           </a:solidFill>
+                          <a:effectLst/>
                           <a:uLnTx/>
                           <a:uFillTx/>
                           <a:latin typeface="Adobe Clean Light" panose="020B0303020404020204" pitchFamily="34" charset="0"/>
                           <a:ea typeface="+mn-ea"/>
                           <a:cs typeface="+mn-cs"/>
                         </a:rPr>
-                        <a:t>As funções empresariais do cliente têm pouca degradação dos serviços, e há uma solução/solução alternativa que permite que as funções empresariais continuem normalmente </a:t>
+                        <a:t>Customer's business functions have minor service degradation but there exists a solution/workaround allowing business functions to continue normally </a:t>
                       </a:r>
+                      <a:endParaRPr lang="en-US" sz="900" b="0" i="0" spc="0" dirty="0">
+                        <a:latin typeface="Adobe Clean Light" panose="020B0303020404020204" pitchFamily="34" charset="0"/>
+                        <a:cs typeface="AdobeClean-Light"/>
+                      </a:endParaRPr>
                     </a:p>
                   </a:txBody>
                   <a:tcPr marL="0" marR="0" marT="0" marB="0" anchor="ctr">
@@ -7340,11 +8073,14 @@
                       </a:solidFill>
                       <a:prstDash val="solid"/>
                     </a:lnL>
-                    <a:lnR w="3175">
+                    <a:lnR w="3175" cap="flat" cmpd="sng" algn="ctr">
                       <a:solidFill>
                         <a:srgbClr val="B7B8B8"/>
                       </a:solidFill>
                       <a:prstDash val="solid"/>
+                      <a:round/>
+                      <a:headEnd type="none" w="med" len="med"/>
+                      <a:tailEnd type="none" w="med" len="med"/>
                     </a:lnR>
                     <a:lnT w="3175">
                       <a:solidFill>
@@ -7365,27 +8101,20 @@
                     <a:bodyPr/>
                     <a:lstStyle/>
                     <a:p>
-                      <a:pPr marL="0" marR="184150" indent="-189865" algn="ctr">
-                        <a:lnSpc>
-                          <a:spcPct val="100000"/>
-                        </a:lnSpc>
-                        <a:spcBef>
-                          <a:spcPts val="645"/>
-                        </a:spcBef>
-                      </a:pPr>
+                      <a:pPr algn="ctr" fontAlgn="t"/>
                       <a:r>
-                        <a:rPr lang="pt-BR" sz="900">
+                        <a:rPr lang="en-US" sz="900" b="0" i="0" u="none" strike="noStrike">
                           <a:solidFill>
                             <a:srgbClr val="020302"/>
                           </a:solidFill>
-                          <a:latin typeface="AdobeClean-Light"/>
-                          <a:cs typeface="AdobeClean-Light"/>
+                          <a:effectLst/>
+                          <a:latin typeface="AdobeClean-Light" panose="020B0503020404020204" pitchFamily="34" charset="0"/>
                         </a:rPr>
-                        <a:t>Horário comercial/            6 horas</a:t>
+                        <a:t>Business hours / 6 hours</a:t>
                       </a:r>
                     </a:p>
                   </a:txBody>
-                  <a:tcPr marL="0" marR="0" marT="0" marB="0" anchor="ctr">
+                  <a:tcPr marL="9525" marR="9525" marT="9525" marB="0" anchor="ctr">
                     <a:lnL w="3175">
                       <a:solidFill>
                         <a:srgbClr val="B7B8B8"/>
@@ -7417,27 +8146,20 @@
                     <a:bodyPr/>
                     <a:lstStyle/>
                     <a:p>
-                      <a:pPr marL="0" marR="185420" indent="-193675" algn="ctr">
-                        <a:lnSpc>
-                          <a:spcPct val="100000"/>
-                        </a:lnSpc>
-                        <a:spcBef>
-                          <a:spcPts val="645"/>
-                        </a:spcBef>
-                      </a:pPr>
+                      <a:pPr algn="ctr" fontAlgn="t"/>
                       <a:r>
-                        <a:rPr lang="pt-BR" sz="900">
+                        <a:rPr lang="en-US" sz="900" b="0" i="0" u="none" strike="noStrike">
                           <a:solidFill>
                             <a:srgbClr val="020302"/>
                           </a:solidFill>
-                          <a:latin typeface="AdobeClean-Light"/>
-                          <a:cs typeface="AdobeClean-Light"/>
+                          <a:effectLst/>
+                          <a:latin typeface="AdobeClean-Light" panose="020B0503020404020204" pitchFamily="34" charset="0"/>
                         </a:rPr>
-                        <a:t>Horário comercial/           4 horas</a:t>
+                        <a:t>Business hours /  4 hours</a:t>
                       </a:r>
                     </a:p>
                   </a:txBody>
-                  <a:tcPr marL="0" marR="0" marT="0" marB="0" anchor="ctr">
+                  <a:tcPr marL="9525" marR="9525" marT="9525" marB="0" anchor="ctr">
                     <a:lnL w="3175">
                       <a:solidFill>
                         <a:srgbClr val="B7B8B8"/>
@@ -7469,98 +8191,65 @@
                     <a:bodyPr/>
                     <a:lstStyle/>
                     <a:p>
-                      <a:pPr marL="0" marR="184785" indent="-194310" algn="ctr">
-                        <a:lnSpc>
-                          <a:spcPct val="100000"/>
-                        </a:lnSpc>
-                        <a:spcBef>
-                          <a:spcPts val="645"/>
-                        </a:spcBef>
-                      </a:pPr>
+                      <a:pPr algn="ctr" fontAlgn="t"/>
                       <a:r>
-                        <a:rPr lang="pt-BR" sz="900" dirty="0">
+                        <a:rPr lang="en-US" sz="900" b="0" i="0" u="none" strike="noStrike">
                           <a:solidFill>
                             <a:srgbClr val="020302"/>
                           </a:solidFill>
-                          <a:latin typeface="AdobeClean-Light"/>
-                          <a:cs typeface="AdobeClean-Light"/>
+                          <a:effectLst/>
+                          <a:latin typeface="AdobeClean-Light" panose="020B0503020404020204" pitchFamily="34" charset="0"/>
                         </a:rPr>
-                        <a:t>Horário comercial/ </a:t>
+                        <a:t>Business hours / 2 hours</a:t>
                       </a:r>
-                      <a:br>
-                        <a:rPr lang="sk-SK" sz="900" dirty="0">
+                    </a:p>
+                  </a:txBody>
+                  <a:tcPr marL="9525" marR="9525" marT="9525" marB="0" anchor="ctr">
+                    <a:lnL w="3175">
+                      <a:solidFill>
+                        <a:srgbClr val="B7B8B8"/>
+                      </a:solidFill>
+                      <a:prstDash val="solid"/>
+                    </a:lnL>
+                    <a:lnR w="3175">
+                      <a:solidFill>
+                        <a:srgbClr val="B7B8B8"/>
+                      </a:solidFill>
+                      <a:prstDash val="solid"/>
+                    </a:lnR>
+                    <a:lnT w="3175">
+                      <a:solidFill>
+                        <a:srgbClr val="B7B8B8"/>
+                      </a:solidFill>
+                      <a:prstDash val="solid"/>
+                    </a:lnT>
+                    <a:lnB w="3175">
+                      <a:solidFill>
+                        <a:srgbClr val="B7B8B8"/>
+                      </a:solidFill>
+                      <a:prstDash val="solid"/>
+                    </a:lnB>
+                  </a:tcPr>
+                </a:tc>
+                <a:tc>
+                  <a:txBody>
+                    <a:bodyPr/>
+                    <a:lstStyle/>
+                    <a:p>
+                      <a:pPr algn="ctr" fontAlgn="t"/>
+                      <a:r>
+                        <a:rPr lang="en-US" sz="900" b="0" i="0" u="none" strike="noStrike">
                           <a:solidFill>
                             <a:srgbClr val="020302"/>
                           </a:solidFill>
-                          <a:latin typeface="AdobeClean-Light"/>
-                          <a:cs typeface="AdobeClean-Light"/>
+                          <a:effectLst/>
+                          <a:latin typeface="AdobeClean-Light" panose="020B0503020404020204" pitchFamily="34" charset="0"/>
                         </a:rPr>
-                      </a:br>
-                      <a:r>
-                        <a:rPr lang="pt-BR" sz="900" dirty="0">
-                          <a:solidFill>
-                            <a:srgbClr val="020302"/>
-                          </a:solidFill>
-                          <a:latin typeface="AdobeClean-Light"/>
-                          <a:cs typeface="AdobeClean-Light"/>
-                        </a:rPr>
-                        <a:t>2 horas</a:t>
+                        <a:t>24x5 / 1 hour</a:t>
                       </a:r>
                     </a:p>
                   </a:txBody>
-                  <a:tcPr marL="0" marR="0" marT="0" marB="0" anchor="ctr">
-                    <a:lnL w="3175">
-                      <a:solidFill>
-                        <a:srgbClr val="B7B8B8"/>
-                      </a:solidFill>
-                      <a:prstDash val="solid"/>
-                    </a:lnL>
-                    <a:lnR w="3175">
-                      <a:solidFill>
-                        <a:srgbClr val="B7B8B8"/>
-                      </a:solidFill>
-                      <a:prstDash val="solid"/>
-                    </a:lnR>
-                    <a:lnT w="3175">
-                      <a:solidFill>
-                        <a:srgbClr val="B7B8B8"/>
-                      </a:solidFill>
-                      <a:prstDash val="solid"/>
-                    </a:lnT>
-                    <a:lnB w="3175">
-                      <a:solidFill>
-                        <a:srgbClr val="B7B8B8"/>
-                      </a:solidFill>
-                      <a:prstDash val="solid"/>
-                    </a:lnB>
-                  </a:tcPr>
-                </a:tc>
-                <a:tc>
-                  <a:txBody>
-                    <a:bodyPr/>
-                    <a:lstStyle/>
-                    <a:p>
-                      <a:pPr marL="0" marR="326390" indent="-5715" algn="ctr">
-                        <a:lnSpc>
-                          <a:spcPct val="100000"/>
-                        </a:lnSpc>
-                        <a:spcBef>
-                          <a:spcPts val="645"/>
-                        </a:spcBef>
-                      </a:pPr>
-                      <a:r>
-                        <a:rPr lang="pt-BR" sz="900" dirty="0">
-                          <a:solidFill>
-                            <a:srgbClr val="020302"/>
-                          </a:solidFill>
-                          <a:latin typeface="AdobeClean-Light"/>
-                          <a:cs typeface="AdobeClean-Light"/>
-                        </a:rPr>
-                        <a:t>24x5 /              1 hora</a:t>
-                      </a:r>
-                    </a:p>
-                  </a:txBody>
-                  <a:tcPr marL="0" marR="0" marT="0" marB="0" anchor="ctr">
+                  <a:tcPr marL="9525" marR="9525" marT="9525" marB="0" anchor="ctr">
                     <a:lnL w="3175">
                       <a:solidFill>
                         <a:srgbClr val="B7B8B8"/>
@@ -7608,15 +8297,19 @@
                         </a:spcBef>
                       </a:pPr>
                       <a:r>
-                        <a:rPr lang="pt-BR" sz="900" b="1">
+                        <a:rPr sz="900" b="1" spc="0" dirty="0">
                           <a:solidFill>
                             <a:srgbClr val="020302"/>
                           </a:solidFill>
                           <a:latin typeface="Adobe Clean"/>
                           <a:cs typeface="Adobe Clean"/>
                         </a:rPr>
-                        <a:t>PRIORIDADE 4</a:t>
+                        <a:t>PRIORITY 4</a:t>
                       </a:r>
+                      <a:endParaRPr sz="900" spc="0" dirty="0">
+                        <a:latin typeface="Adobe Clean"/>
+                        <a:cs typeface="Adobe Clean"/>
+                      </a:endParaRPr>
                     </a:p>
                     <a:p>
                       <a:pPr marL="48895" marR="0" indent="0" defTabSz="914400" eaLnBrk="1" fontAlgn="auto" latinLnBrk="0" hangingPunct="1">
@@ -7637,14 +8330,19 @@
                         <a:defRPr/>
                       </a:pPr>
                       <a:r>
-                        <a:rPr lang="pt-BR" sz="900" b="0" i="0">
+                        <a:rPr lang="en-US" sz="900" b="0" i="0" spc="0" dirty="0">
                           <a:solidFill>
                             <a:srgbClr val="000000"/>
                           </a:solidFill>
+                          <a:effectLst/>
                           <a:latin typeface="Adobe Clean Light" panose="020B0303020404020204" pitchFamily="34" charset="0"/>
                         </a:rPr>
-                        <a:t>Pergunta geral sobre a funcionalidade atual do produto ou solicitação de melhoria </a:t>
+                        <a:t>General question regarding current product functionality or an enhancement request </a:t>
                       </a:r>
+                      <a:endParaRPr sz="900" b="0" i="0" spc="0" dirty="0">
+                        <a:latin typeface="Adobe Clean Light" panose="020B0303020404020204" pitchFamily="34" charset="0"/>
+                        <a:cs typeface="AdobeClean-Light"/>
+                      </a:endParaRPr>
                     </a:p>
                   </a:txBody>
                   <a:tcPr marL="0" marR="0" marT="0" marB="0" anchor="ctr">
@@ -7654,11 +8352,14 @@
                       </a:solidFill>
                       <a:prstDash val="solid"/>
                     </a:lnL>
-                    <a:lnR w="3175">
+                    <a:lnR w="3175" cap="flat" cmpd="sng" algn="ctr">
                       <a:solidFill>
                         <a:srgbClr val="B7B8B8"/>
                       </a:solidFill>
                       <a:prstDash val="solid"/>
+                      <a:round/>
+                      <a:headEnd type="none" w="med" len="med"/>
+                      <a:tailEnd type="none" w="med" len="med"/>
                     </a:lnR>
                     <a:lnT w="3175">
                       <a:solidFill>
@@ -7679,46 +8380,110 @@
                     <a:bodyPr/>
                     <a:lstStyle/>
                     <a:p>
-                      <a:pPr marL="0" marR="203200" indent="-193040" algn="ctr">
-                        <a:lnSpc>
-                          <a:spcPct val="100000"/>
-                        </a:lnSpc>
-                        <a:spcBef>
-                          <a:spcPts val="155"/>
-                        </a:spcBef>
-                      </a:pPr>
+                      <a:pPr algn="ctr" fontAlgn="t"/>
                       <a:r>
-                        <a:rPr lang="pt-BR" sz="900" dirty="0">
+                        <a:rPr lang="en-US" sz="900" b="0" i="0" u="none" strike="noStrike">
                           <a:solidFill>
                             <a:srgbClr val="020302"/>
                           </a:solidFill>
-                          <a:latin typeface="AdobeClean-Light"/>
-                          <a:cs typeface="AdobeClean-Light"/>
+                          <a:effectLst/>
+                          <a:latin typeface="AdobeClean-Light" panose="020B0503020404020204" pitchFamily="34" charset="0"/>
                         </a:rPr>
-                        <a:t>Dias úteis / </a:t>
+                        <a:t>Business days / 3 days</a:t>
                       </a:r>
-                      <a:br>
-                        <a:rPr lang="sk-SK" sz="900" dirty="0">
+                    </a:p>
+                  </a:txBody>
+                  <a:tcPr marL="9525" marR="9525" marT="9525" marB="0" anchor="ctr">
+                    <a:lnL w="3175">
+                      <a:solidFill>
+                        <a:srgbClr val="B7B8B8"/>
+                      </a:solidFill>
+                      <a:prstDash val="solid"/>
+                    </a:lnL>
+                    <a:lnR w="3175">
+                      <a:solidFill>
+                        <a:srgbClr val="B7B8B8"/>
+                      </a:solidFill>
+                      <a:prstDash val="solid"/>
+                    </a:lnR>
+                    <a:lnT w="3175">
+                      <a:solidFill>
+                        <a:srgbClr val="B7B8B8"/>
+                      </a:solidFill>
+                      <a:prstDash val="solid"/>
+                    </a:lnT>
+                    <a:lnB w="3175">
+                      <a:solidFill>
+                        <a:srgbClr val="B7B8B8"/>
+                      </a:solidFill>
+                      <a:prstDash val="solid"/>
+                    </a:lnB>
+                  </a:tcPr>
+                </a:tc>
+                <a:tc>
+                  <a:txBody>
+                    <a:bodyPr/>
+                    <a:lstStyle/>
+                    <a:p>
+                      <a:pPr algn="ctr" fontAlgn="t"/>
+                      <a:r>
+                        <a:rPr lang="en-US" sz="900" b="0" i="0" u="none" strike="noStrike">
                           <a:solidFill>
                             <a:srgbClr val="020302"/>
                           </a:solidFill>
-                          <a:latin typeface="AdobeClean-Light"/>
-                          <a:cs typeface="AdobeClean-Light"/>
+                          <a:effectLst/>
+                          <a:latin typeface="AdobeClean-Light" panose="020B0503020404020204" pitchFamily="34" charset="0"/>
                         </a:rPr>
-                      </a:br>
+                        <a:t>Business day / 1 day</a:t>
+                      </a:r>
+                    </a:p>
+                  </a:txBody>
+                  <a:tcPr marL="9525" marR="9525" marT="9525" marB="0" anchor="ctr">
+                    <a:lnL w="3175">
+                      <a:solidFill>
+                        <a:srgbClr val="B7B8B8"/>
+                      </a:solidFill>
+                      <a:prstDash val="solid"/>
+                    </a:lnL>
+                    <a:lnR w="3175">
+                      <a:solidFill>
+                        <a:srgbClr val="B7B8B8"/>
+                      </a:solidFill>
+                      <a:prstDash val="solid"/>
+                    </a:lnR>
+                    <a:lnT w="3175">
+                      <a:solidFill>
+                        <a:srgbClr val="B7B8B8"/>
+                      </a:solidFill>
+                      <a:prstDash val="solid"/>
+                    </a:lnT>
+                    <a:lnB w="3175">
+                      <a:solidFill>
+                        <a:srgbClr val="B7B8B8"/>
+                      </a:solidFill>
+                      <a:prstDash val="solid"/>
+                    </a:lnB>
+                  </a:tcPr>
+                </a:tc>
+                <a:tc>
+                  <a:txBody>
+                    <a:bodyPr/>
+                    <a:lstStyle/>
+                    <a:p>
+                      <a:pPr algn="ctr" fontAlgn="t"/>
                       <a:r>
-                        <a:rPr lang="pt-BR" sz="900" dirty="0">
+                        <a:rPr lang="en-US" sz="900" b="0" i="0" u="none" strike="noStrike">
                           <a:solidFill>
                             <a:srgbClr val="020302"/>
                           </a:solidFill>
-                          <a:latin typeface="AdobeClean-Light"/>
-                          <a:cs typeface="AdobeClean-Light"/>
+                          <a:effectLst/>
+                          <a:latin typeface="AdobeClean-Light" panose="020B0503020404020204" pitchFamily="34" charset="0"/>
                         </a:rPr>
-                        <a:t>3 dias</a:t>
+                        <a:t>Business day / 1 day</a:t>
                       </a:r>
                     </a:p>
                   </a:txBody>
-                  <a:tcPr marL="0" marR="0" marT="0" marB="0" anchor="ctr">
+                  <a:tcPr marL="9525" marR="9525" marT="9525" marB="0" anchor="ctr">
                     <a:lnL w="3175">
                       <a:solidFill>
                         <a:srgbClr val="B7B8B8"/>
@@ -7750,131 +8515,20 @@
                     <a:bodyPr/>
                     <a:lstStyle/>
                     <a:p>
-                      <a:pPr marL="0" marR="223520" indent="-202565" algn="ctr">
-                        <a:lnSpc>
-                          <a:spcPct val="100000"/>
-                        </a:lnSpc>
-                        <a:spcBef>
-                          <a:spcPts val="155"/>
-                        </a:spcBef>
-                      </a:pPr>
+                      <a:pPr algn="ctr" fontAlgn="t"/>
                       <a:r>
-                        <a:rPr lang="pt-BR" sz="900" dirty="0">
+                        <a:rPr lang="en-US" sz="900" b="0" i="0" u="none" strike="noStrike" dirty="0">
                           <a:solidFill>
                             <a:srgbClr val="020302"/>
                           </a:solidFill>
-                          <a:latin typeface="AdobeClean-Light"/>
-                          <a:cs typeface="AdobeClean-Light"/>
+                          <a:effectLst/>
+                          <a:latin typeface="AdobeClean-Light" panose="020B0503020404020204" pitchFamily="34" charset="0"/>
                         </a:rPr>
-                        <a:t>Dia útil / 1 dia</a:t>
+                        <a:t>Business day / 1 day</a:t>
                       </a:r>
                     </a:p>
                   </a:txBody>
-                  <a:tcPr marL="0" marR="0" marT="0" marB="0" anchor="ctr">
-                    <a:lnL w="3175">
-                      <a:solidFill>
-                        <a:srgbClr val="B7B8B8"/>
-                      </a:solidFill>
-                      <a:prstDash val="solid"/>
-                    </a:lnL>
-                    <a:lnR w="3175">
-                      <a:solidFill>
-                        <a:srgbClr val="B7B8B8"/>
-                      </a:solidFill>
-                      <a:prstDash val="solid"/>
-                    </a:lnR>
-                    <a:lnT w="3175">
-                      <a:solidFill>
-                        <a:srgbClr val="B7B8B8"/>
-                      </a:solidFill>
-                      <a:prstDash val="solid"/>
-                    </a:lnT>
-                    <a:lnB w="3175">
-                      <a:solidFill>
-                        <a:srgbClr val="B7B8B8"/>
-                      </a:solidFill>
-                      <a:prstDash val="solid"/>
-                    </a:lnB>
-                  </a:tcPr>
-                </a:tc>
-                <a:tc>
-                  <a:txBody>
-                    <a:bodyPr/>
-                    <a:lstStyle/>
-                    <a:p>
-                      <a:pPr marL="0" marR="223520" indent="-202565" algn="ctr">
-                        <a:lnSpc>
-                          <a:spcPct val="100000"/>
-                        </a:lnSpc>
-                        <a:spcBef>
-                          <a:spcPts val="155"/>
-                        </a:spcBef>
-                      </a:pPr>
-                      <a:r>
-                        <a:rPr lang="pt-BR" sz="900" dirty="0">
-                          <a:solidFill>
-                            <a:srgbClr val="020302"/>
-                          </a:solidFill>
-                          <a:latin typeface="AdobeClean-Light"/>
-                          <a:cs typeface="AdobeClean-Light"/>
-                        </a:rPr>
-                        <a:t>Dia útil / 1 dia</a:t>
-                      </a:r>
-                    </a:p>
-                  </a:txBody>
-                  <a:tcPr marL="0" marR="0" marT="0" marB="0" anchor="ctr">
-                    <a:lnL w="3175">
-                      <a:solidFill>
-                        <a:srgbClr val="B7B8B8"/>
-                      </a:solidFill>
-                      <a:prstDash val="solid"/>
-                    </a:lnL>
-                    <a:lnR w="3175">
-                      <a:solidFill>
-                        <a:srgbClr val="B7B8B8"/>
-                      </a:solidFill>
-                      <a:prstDash val="solid"/>
-                    </a:lnR>
-                    <a:lnT w="3175">
-                      <a:solidFill>
-                        <a:srgbClr val="B7B8B8"/>
-                      </a:solidFill>
-                      <a:prstDash val="solid"/>
-                    </a:lnT>
-                    <a:lnB w="3175">
-                      <a:solidFill>
-                        <a:srgbClr val="B7B8B8"/>
-                      </a:solidFill>
-                      <a:prstDash val="solid"/>
-                    </a:lnB>
-                  </a:tcPr>
-                </a:tc>
-                <a:tc>
-                  <a:txBody>
-                    <a:bodyPr/>
-                    <a:lstStyle/>
-                    <a:p>
-                      <a:pPr marL="0" marR="223520" indent="-202565" algn="ctr">
-                        <a:lnSpc>
-                          <a:spcPct val="100000"/>
-                        </a:lnSpc>
-                        <a:spcBef>
-                          <a:spcPts val="155"/>
-                        </a:spcBef>
-                      </a:pPr>
-                      <a:r>
-                        <a:rPr lang="pt-BR" sz="900" dirty="0">
-                          <a:solidFill>
-                            <a:srgbClr val="020302"/>
-                          </a:solidFill>
-                          <a:latin typeface="AdobeClean-Light"/>
-                          <a:cs typeface="AdobeClean-Light"/>
-                        </a:rPr>
-                        <a:t>Dia útil / 1 dia</a:t>
-                      </a:r>
-                    </a:p>
-                  </a:txBody>
-                  <a:tcPr marL="0" marR="0" marT="0" marB="0" anchor="ctr">
+                  <a:tcPr marL="9525" marR="9525" marT="9525" marB="0" anchor="ctr">
                     <a:lnL w="3175">
                       <a:solidFill>
                         <a:srgbClr val="B7B8B8"/>
@@ -7937,7 +8591,7 @@
           </a:prstGeom>
         </p:spPr>
         <p:txBody>
-          <a:bodyPr vert="horz" wrap="square" lIns="0" tIns="12700" rIns="0" bIns="0" rtlCol="0">
+          <a:bodyPr vert="horz" wrap="square" lIns="0" tIns="12700" rIns="0" bIns="0" rtlCol="0" anchor="t">
             <a:spAutoFit/>
           </a:bodyPr>
           <a:lstStyle/>
@@ -7951,11 +8605,20 @@
               </a:spcBef>
             </a:pPr>
             <a:r>
-              <a:rPr lang="pt-BR" sz="2300">
-                <a:latin typeface="Adobe Clean" panose="020B0503020404020204" pitchFamily="34" charset="0"/>
-              </a:rPr>
-              <a:t>SERVIÇOS DE SUPORTE ADOBE</a:t>
-            </a:r>
+              <a:rPr sz="2300" dirty="0">
+                <a:latin typeface="Adobe Clean"/>
+              </a:rPr>
+              <a:t>ADOBE </a:t>
+            </a:r>
+            <a:r>
+              <a:rPr lang="en-US" sz="2300" dirty="0">
+                <a:latin typeface="Adobe Clean"/>
+              </a:rPr>
+              <a:t>SUPPORT PLANS</a:t>
+            </a:r>
+            <a:endParaRPr sz="2300" dirty="0">
+              <a:latin typeface="Adobe Clean" panose="020B0503020404020204" pitchFamily="34" charset="0"/>
+            </a:endParaRPr>
           </a:p>
         </p:txBody>
       </p:sp>
@@ -7988,7 +8651,7 @@
           <a:lstStyle/>
           <a:p>
             <a:r>
-              <a:rPr lang="pt-BR" sz="700" i="1">
+              <a:rPr lang="en-US" sz="700" i="1" dirty="0">
                 <a:solidFill>
                   <a:schemeClr val="bg1"/>
                 </a:solidFill>
@@ -8232,7 +8895,7 @@
           </a:prstGeom>
         </p:spPr>
         <p:txBody>
-          <a:bodyPr vert="horz" wrap="square" lIns="0" tIns="35560" rIns="0" bIns="0" rtlCol="0">
+          <a:bodyPr vert="horz" wrap="square" lIns="0" tIns="35560" rIns="0" bIns="0" rtlCol="0" anchor="t">
             <a:spAutoFit/>
           </a:bodyPr>
           <a:lstStyle/>
@@ -8246,32 +8909,406 @@
               </a:spcBef>
             </a:pPr>
             <a:r>
-              <a:rPr lang="pt-BR" sz="1000">
+              <a:rPr lang="en-US" sz="1000" spc="-20" dirty="0">
                 <a:solidFill>
                   <a:srgbClr val="020302"/>
                 </a:solidFill>
                 <a:latin typeface="AdobeClean-Light"/>
                 <a:cs typeface="AdobeClean-Light"/>
               </a:rPr>
-              <a:t>O Suporte ao cliente da Adobe oferece acesso a recursos online para documentação, interação com outros especialistas e clientes para práticas recomendadas e uma série de webinários (Office Hours) para dicas e truques de solução de problemas. Também há vários canais disponíveis</a:t>
-            </a:r>
-            <a:r>
-              <a:rPr lang="pt-BR" sz="1000">
+              <a:t>Adobe Customer Support offers a</a:t>
+            </a:r>
+            <a:r>
+              <a:rPr sz="1000" spc="-20" dirty="0">
+                <a:solidFill>
+                  <a:srgbClr val="020302"/>
+                </a:solidFill>
                 <a:latin typeface="AdobeClean-Light"/>
                 <a:cs typeface="AdobeClean-Light"/>
               </a:rPr>
-              <a:t> </a:t>
-            </a:r>
-            <a:r>
-              <a:rPr lang="pt-BR" sz="1000">
+              <a:t>ccess</a:t>
+            </a:r>
+            <a:r>
+              <a:rPr sz="1000" spc="-90" dirty="0">
                 <a:solidFill>
                   <a:srgbClr val="020302"/>
                 </a:solidFill>
                 <a:latin typeface="AdobeClean-Light"/>
                 <a:cs typeface="AdobeClean-Light"/>
               </a:rPr>
-              <a:t>para envio de perguntas e casos</a:t>
-            </a:r>
+              <a:t> </a:t>
+            </a:r>
+            <a:r>
+              <a:rPr sz="1000" spc="-10" dirty="0">
+                <a:solidFill>
+                  <a:srgbClr val="020302"/>
+                </a:solidFill>
+                <a:latin typeface="AdobeClean-Light"/>
+                <a:cs typeface="AdobeClean-Light"/>
+              </a:rPr>
+              <a:t>to</a:t>
+            </a:r>
+            <a:r>
+              <a:rPr sz="1000" spc="10" dirty="0">
+                <a:solidFill>
+                  <a:srgbClr val="020302"/>
+                </a:solidFill>
+                <a:latin typeface="AdobeClean-Light"/>
+                <a:cs typeface="AdobeClean-Light"/>
+              </a:rPr>
+              <a:t> </a:t>
+            </a:r>
+            <a:r>
+              <a:rPr lang="en-US" sz="1000" spc="-20" dirty="0">
+                <a:solidFill>
+                  <a:srgbClr val="020302"/>
+                </a:solidFill>
+                <a:latin typeface="AdobeClean-Light"/>
+                <a:cs typeface="AdobeClean-Light"/>
+              </a:rPr>
+              <a:t>online resources </a:t>
+            </a:r>
+            <a:r>
+              <a:rPr sz="1000" spc="-15" dirty="0">
+                <a:solidFill>
+                  <a:srgbClr val="020302"/>
+                </a:solidFill>
+                <a:latin typeface="AdobeClean-Light"/>
+                <a:cs typeface="AdobeClean-Light"/>
+              </a:rPr>
+              <a:t>for</a:t>
+            </a:r>
+            <a:r>
+              <a:rPr sz="1000" spc="-30" dirty="0">
+                <a:solidFill>
+                  <a:srgbClr val="020302"/>
+                </a:solidFill>
+                <a:latin typeface="AdobeClean-Light"/>
+                <a:cs typeface="AdobeClean-Light"/>
+              </a:rPr>
+              <a:t> </a:t>
+            </a:r>
+            <a:r>
+              <a:rPr sz="1000" spc="-15" dirty="0">
+                <a:solidFill>
+                  <a:srgbClr val="020302"/>
+                </a:solidFill>
+                <a:latin typeface="AdobeClean-Light"/>
+                <a:cs typeface="AdobeClean-Light"/>
+              </a:rPr>
+              <a:t>documentation,</a:t>
+            </a:r>
+            <a:r>
+              <a:rPr lang="en-US" sz="1000" spc="-15" dirty="0">
+                <a:solidFill>
+                  <a:srgbClr val="020302"/>
+                </a:solidFill>
+                <a:latin typeface="AdobeClean-Light"/>
+                <a:cs typeface="AdobeClean-Light"/>
+              </a:rPr>
+              <a:t> </a:t>
+            </a:r>
+            <a:r>
+              <a:rPr sz="1000" spc="-15" dirty="0">
+                <a:solidFill>
+                  <a:srgbClr val="020302"/>
+                </a:solidFill>
+                <a:latin typeface="AdobeClean-Light"/>
+                <a:cs typeface="AdobeClean-Light"/>
+              </a:rPr>
+              <a:t>engagement</a:t>
+            </a:r>
+            <a:r>
+              <a:rPr lang="en-US" sz="1000" spc="-15" dirty="0">
+                <a:solidFill>
+                  <a:srgbClr val="020302"/>
+                </a:solidFill>
+                <a:latin typeface="AdobeClean-Light"/>
+                <a:cs typeface="AdobeClean-Light"/>
+              </a:rPr>
+              <a:t> </a:t>
+            </a:r>
+            <a:r>
+              <a:rPr sz="1000" spc="-15" dirty="0">
+                <a:solidFill>
+                  <a:srgbClr val="020302"/>
+                </a:solidFill>
+                <a:latin typeface="AdobeClean-Light"/>
+                <a:cs typeface="AdobeClean-Light"/>
+              </a:rPr>
+              <a:t>with</a:t>
+            </a:r>
+            <a:r>
+              <a:rPr sz="1000" spc="-35" dirty="0">
+                <a:solidFill>
+                  <a:srgbClr val="020302"/>
+                </a:solidFill>
+                <a:latin typeface="AdobeClean-Light"/>
+                <a:cs typeface="AdobeClean-Light"/>
+              </a:rPr>
+              <a:t> </a:t>
+            </a:r>
+            <a:r>
+              <a:rPr sz="1000" spc="-20" dirty="0">
+                <a:solidFill>
+                  <a:srgbClr val="020302"/>
+                </a:solidFill>
+                <a:latin typeface="AdobeClean-Light"/>
+                <a:cs typeface="AdobeClean-Light"/>
+              </a:rPr>
+              <a:t>other experts </a:t>
+            </a:r>
+            <a:r>
+              <a:rPr sz="1000" spc="-15" dirty="0">
+                <a:solidFill>
+                  <a:srgbClr val="020302"/>
+                </a:solidFill>
+                <a:latin typeface="AdobeClean-Light"/>
+                <a:cs typeface="AdobeClean-Light"/>
+              </a:rPr>
+              <a:t>and </a:t>
+            </a:r>
+            <a:r>
+              <a:rPr sz="1000" spc="-20" dirty="0">
+                <a:solidFill>
+                  <a:srgbClr val="020302"/>
+                </a:solidFill>
+                <a:latin typeface="AdobeClean-Light"/>
+                <a:cs typeface="AdobeClean-Light"/>
+              </a:rPr>
+              <a:t>customers </a:t>
+            </a:r>
+            <a:r>
+              <a:rPr sz="1000" spc="-15" dirty="0">
+                <a:solidFill>
+                  <a:srgbClr val="020302"/>
+                </a:solidFill>
+                <a:latin typeface="AdobeClean-Light"/>
+                <a:cs typeface="AdobeClean-Light"/>
+              </a:rPr>
+              <a:t>for best </a:t>
+            </a:r>
+            <a:r>
+              <a:rPr sz="1000" spc="-20" dirty="0">
+                <a:solidFill>
+                  <a:srgbClr val="020302"/>
+                </a:solidFill>
+                <a:latin typeface="AdobeClean-Light"/>
+                <a:cs typeface="AdobeClean-Light"/>
+              </a:rPr>
+              <a:t>practices, </a:t>
+            </a:r>
+            <a:r>
+              <a:rPr sz="1000" spc="-15" dirty="0">
+                <a:solidFill>
+                  <a:srgbClr val="020302"/>
+                </a:solidFill>
+                <a:latin typeface="AdobeClean-Light"/>
+                <a:cs typeface="AdobeClean-Light"/>
+              </a:rPr>
+              <a:t>and </a:t>
+            </a:r>
+            <a:r>
+              <a:rPr sz="1000" spc="-20" dirty="0">
+                <a:solidFill>
+                  <a:srgbClr val="020302"/>
+                </a:solidFill>
+                <a:latin typeface="AdobeClean-Light"/>
+                <a:cs typeface="AdobeClean-Light"/>
+              </a:rPr>
+              <a:t>webinar series (Office </a:t>
+            </a:r>
+            <a:r>
+              <a:rPr sz="1000" spc="-15" dirty="0">
+                <a:solidFill>
+                  <a:srgbClr val="020302"/>
+                </a:solidFill>
+                <a:latin typeface="AdobeClean-Light"/>
+                <a:cs typeface="AdobeClean-Light"/>
+              </a:rPr>
+              <a:t>Hours) for </a:t>
+            </a:r>
+            <a:r>
+              <a:rPr sz="1000" spc="-20" dirty="0">
+                <a:solidFill>
+                  <a:srgbClr val="020302"/>
+                </a:solidFill>
+                <a:latin typeface="AdobeClean-Light"/>
+                <a:cs typeface="AdobeClean-Light"/>
+              </a:rPr>
+              <a:t>troubleshooting </a:t>
+            </a:r>
+            <a:r>
+              <a:rPr sz="1000" spc="-15" dirty="0">
+                <a:solidFill>
+                  <a:srgbClr val="020302"/>
+                </a:solidFill>
+                <a:latin typeface="AdobeClean-Light"/>
+                <a:cs typeface="AdobeClean-Light"/>
+              </a:rPr>
+              <a:t>tips and </a:t>
+            </a:r>
+            <a:r>
+              <a:rPr sz="1000" spc="-20" dirty="0">
+                <a:solidFill>
+                  <a:srgbClr val="020302"/>
+                </a:solidFill>
+                <a:latin typeface="AdobeClean-Light"/>
+                <a:cs typeface="AdobeClean-Light"/>
+              </a:rPr>
+              <a:t>tricks. Several channels </a:t>
+            </a:r>
+            <a:r>
+              <a:rPr lang="en-US" sz="1000" spc="-15" dirty="0">
+                <a:solidFill>
+                  <a:srgbClr val="020302"/>
+                </a:solidFill>
+                <a:latin typeface="AdobeClean-Light"/>
+                <a:cs typeface="AdobeClean-Light"/>
+              </a:rPr>
+              <a:t>are </a:t>
+            </a:r>
+            <a:r>
+              <a:rPr lang="en-US" sz="1000" spc="-20" dirty="0">
+                <a:solidFill>
+                  <a:srgbClr val="020302"/>
+                </a:solidFill>
+                <a:latin typeface="AdobeClean-Light"/>
+                <a:cs typeface="AdobeClean-Light"/>
+              </a:rPr>
+              <a:t>also</a:t>
+            </a:r>
+            <a:r>
+              <a:rPr lang="en-US" sz="1000" dirty="0">
+                <a:latin typeface="AdobeClean-Light"/>
+                <a:cs typeface="AdobeClean-Light"/>
+              </a:rPr>
+              <a:t> </a:t>
+            </a:r>
+            <a:r>
+              <a:rPr sz="1000" spc="-25" dirty="0">
+                <a:solidFill>
+                  <a:srgbClr val="020302"/>
+                </a:solidFill>
+                <a:latin typeface="AdobeClean-Light"/>
+                <a:cs typeface="AdobeClean-Light"/>
+              </a:rPr>
+              <a:t>available</a:t>
+            </a:r>
+            <a:r>
+              <a:rPr sz="1000" spc="-65" dirty="0">
+                <a:solidFill>
+                  <a:srgbClr val="020302"/>
+                </a:solidFill>
+                <a:latin typeface="AdobeClean-Light"/>
+                <a:cs typeface="AdobeClean-Light"/>
+              </a:rPr>
+              <a:t> </a:t>
+            </a:r>
+            <a:r>
+              <a:rPr sz="1000" spc="-15" dirty="0">
+                <a:solidFill>
+                  <a:srgbClr val="020302"/>
+                </a:solidFill>
+                <a:latin typeface="AdobeClean-Light"/>
+                <a:cs typeface="AdobeClean-Light"/>
+              </a:rPr>
+              <a:t>for</a:t>
+            </a:r>
+            <a:r>
+              <a:rPr sz="1000" spc="-25" dirty="0">
+                <a:solidFill>
+                  <a:srgbClr val="020302"/>
+                </a:solidFill>
+                <a:latin typeface="AdobeClean-Light"/>
+                <a:cs typeface="AdobeClean-Light"/>
+              </a:rPr>
+              <a:t> </a:t>
+            </a:r>
+            <a:r>
+              <a:rPr sz="1000" spc="-20" dirty="0">
+                <a:solidFill>
+                  <a:srgbClr val="020302"/>
+                </a:solidFill>
+                <a:latin typeface="AdobeClean-Light"/>
+                <a:cs typeface="AdobeClean-Light"/>
+              </a:rPr>
+              <a:t>questions</a:t>
+            </a:r>
+            <a:r>
+              <a:rPr sz="1000" spc="-114" dirty="0">
+                <a:solidFill>
+                  <a:srgbClr val="020302"/>
+                </a:solidFill>
+                <a:latin typeface="AdobeClean-Light"/>
+                <a:cs typeface="AdobeClean-Light"/>
+              </a:rPr>
+              <a:t> </a:t>
+            </a:r>
+            <a:r>
+              <a:rPr sz="1000" spc="-15" dirty="0">
+                <a:solidFill>
+                  <a:srgbClr val="020302"/>
+                </a:solidFill>
+                <a:latin typeface="AdobeClean-Light"/>
+                <a:cs typeface="AdobeClean-Light"/>
+              </a:rPr>
+              <a:t>and</a:t>
+            </a:r>
+            <a:r>
+              <a:rPr sz="1000" spc="-45" dirty="0">
+                <a:solidFill>
+                  <a:srgbClr val="020302"/>
+                </a:solidFill>
+                <a:latin typeface="AdobeClean-Light"/>
+                <a:cs typeface="AdobeClean-Light"/>
+              </a:rPr>
+              <a:t> </a:t>
+            </a:r>
+            <a:r>
+              <a:rPr sz="1000" spc="-20" dirty="0">
+                <a:solidFill>
+                  <a:srgbClr val="020302"/>
+                </a:solidFill>
+                <a:latin typeface="AdobeClean-Light"/>
+                <a:cs typeface="AdobeClean-Light"/>
+              </a:rPr>
+              <a:t>case</a:t>
+            </a:r>
+            <a:r>
+              <a:rPr sz="1000" spc="-35" dirty="0">
+                <a:solidFill>
+                  <a:srgbClr val="020302"/>
+                </a:solidFill>
+                <a:latin typeface="AdobeClean-Light"/>
+                <a:cs typeface="AdobeClean-Light"/>
+              </a:rPr>
+              <a:t> </a:t>
+            </a:r>
+            <a:r>
+              <a:rPr sz="1000" spc="-20" dirty="0">
+                <a:solidFill>
+                  <a:srgbClr val="020302"/>
+                </a:solidFill>
+                <a:latin typeface="AdobeClean-Light"/>
+                <a:cs typeface="AdobeClean-Light"/>
+              </a:rPr>
+              <a:t>submissions</a:t>
+            </a:r>
+            <a:r>
+              <a:rPr lang="en-US" sz="1000" spc="-20" dirty="0">
+                <a:solidFill>
+                  <a:srgbClr val="020302"/>
+                </a:solidFill>
+                <a:latin typeface="AdobeClean-Light"/>
+                <a:cs typeface="AdobeClean-Light"/>
+              </a:rPr>
+              <a:t>.</a:t>
+            </a:r>
+            <a:endParaRPr sz="1000" dirty="0">
+              <a:latin typeface="AdobeClean-Light"/>
+              <a:cs typeface="AdobeClean-Light"/>
+            </a:endParaRPr>
           </a:p>
         </p:txBody>
       </p:sp>
@@ -8284,22 +9321,19 @@
         <p:spPr>
           <a:xfrm>
             <a:off x="206585" y="8494028"/>
-            <a:ext cx="3560153" cy="302647"/>
+            <a:ext cx="3270885" cy="302647"/>
           </a:xfrm>
           <a:prstGeom prst="rect">
             <a:avLst/>
           </a:prstGeom>
         </p:spPr>
         <p:txBody>
-          <a:bodyPr vert="horz" wrap="square" lIns="0" tIns="12700" rIns="0" bIns="0" rtlCol="0">
+          <a:bodyPr vert="horz" wrap="square" lIns="0" tIns="12700" rIns="0" bIns="0" rtlCol="0" anchor="t">
             <a:spAutoFit/>
           </a:bodyPr>
           <a:lstStyle/>
           <a:p>
             <a:pPr marL="33020" marR="159385">
-              <a:lnSpc>
-                <a:spcPct val="100000"/>
-              </a:lnSpc>
               <a:spcBef>
                 <a:spcPts val="100"/>
               </a:spcBef>
@@ -8308,14 +9342,174 @@
               </a:tabLst>
             </a:pPr>
             <a:r>
-              <a:rPr lang="pt-BR" sz="900" dirty="0">
+              <a:rPr sz="900" spc="-20" dirty="0">
                 <a:solidFill>
                   <a:srgbClr val="020302"/>
                 </a:solidFill>
                 <a:latin typeface="AdobeClean-Light"/>
                 <a:cs typeface="AdobeClean-Light"/>
               </a:rPr>
-              <a:t>Inicie uma sessão de chat para obter respostas e ajuda com o envio de caso</a:t>
+              <a:t>Start </a:t>
+            </a:r>
+            <a:r>
+              <a:rPr sz="900" dirty="0">
+                <a:solidFill>
+                  <a:srgbClr val="020302"/>
+                </a:solidFill>
+                <a:latin typeface="AdobeClean-Light"/>
+                <a:cs typeface="AdobeClean-Light"/>
+              </a:rPr>
+              <a:t>a </a:t>
+            </a:r>
+            <a:r>
+              <a:rPr sz="900" spc="-15" dirty="0">
+                <a:solidFill>
+                  <a:srgbClr val="020302"/>
+                </a:solidFill>
+                <a:latin typeface="AdobeClean-Light"/>
+                <a:cs typeface="AdobeClean-Light"/>
+              </a:rPr>
+              <a:t>chat </a:t>
+            </a:r>
+            <a:r>
+              <a:rPr sz="900" spc="-10" dirty="0">
+                <a:solidFill>
+                  <a:srgbClr val="020302"/>
+                </a:solidFill>
+                <a:latin typeface="AdobeClean-Light"/>
+                <a:cs typeface="AdobeClean-Light"/>
+              </a:rPr>
+              <a:t>session </a:t>
+            </a:r>
+            <a:r>
+              <a:rPr sz="900" spc="-5" dirty="0">
+                <a:solidFill>
+                  <a:srgbClr val="020302"/>
+                </a:solidFill>
+                <a:latin typeface="AdobeClean-Light"/>
+                <a:cs typeface="AdobeClean-Light"/>
+              </a:rPr>
+              <a:t>to </a:t>
+            </a:r>
+            <a:r>
+              <a:rPr sz="900" spc="-10" dirty="0">
+                <a:solidFill>
+                  <a:srgbClr val="020302"/>
+                </a:solidFill>
+                <a:latin typeface="AdobeClean-Light"/>
+                <a:cs typeface="AdobeClean-Light"/>
+              </a:rPr>
+              <a:t>get</a:t>
+            </a:r>
+            <a:r>
+              <a:rPr lang="en-US" sz="900" spc="-10" dirty="0">
+                <a:solidFill>
+                  <a:srgbClr val="020302"/>
+                </a:solidFill>
+                <a:latin typeface="AdobeClean-Light"/>
+                <a:cs typeface="AdobeClean-Light"/>
+              </a:rPr>
+              <a:t> </a:t>
+            </a:r>
+            <a:r>
+              <a:rPr sz="900" spc="30" dirty="0">
+                <a:solidFill>
+                  <a:srgbClr val="020302"/>
+                </a:solidFill>
+                <a:latin typeface="AdobeClean-Light"/>
+                <a:cs typeface="AdobeClean-Light"/>
+              </a:rPr>
+              <a:t> </a:t>
+            </a:r>
+            <a:r>
+              <a:rPr sz="900" spc="-20" dirty="0">
+                <a:solidFill>
+                  <a:srgbClr val="020302"/>
+                </a:solidFill>
+                <a:latin typeface="AdobeClean-Light"/>
+                <a:cs typeface="AdobeClean-Light"/>
+              </a:rPr>
+              <a:t>answers</a:t>
+            </a:r>
+            <a:r>
+              <a:rPr lang="en-US" sz="900" spc="-45" dirty="0">
+                <a:solidFill>
+                  <a:srgbClr val="020302"/>
+                </a:solidFill>
+                <a:latin typeface="AdobeClean-Light"/>
+                <a:cs typeface="AdobeClean-Light"/>
+              </a:rPr>
+              <a:t> </a:t>
+            </a:r>
+            <a:r>
+              <a:rPr lang="en-US" sz="900" dirty="0">
+                <a:solidFill>
+                  <a:srgbClr val="020302"/>
+                </a:solidFill>
+                <a:latin typeface="AdobeClean-Light"/>
+                <a:cs typeface="AdobeClean-Light"/>
+              </a:rPr>
+              <a:t>&amp; </a:t>
+            </a:r>
+            <a:r>
+              <a:rPr sz="900" spc="-15" dirty="0">
+                <a:solidFill>
+                  <a:srgbClr val="020302"/>
+                </a:solidFill>
+                <a:latin typeface="AdobeClean-Light"/>
+                <a:cs typeface="AdobeClean-Light"/>
+              </a:rPr>
+              <a:t>help </a:t>
+            </a:r>
+            <a:r>
+              <a:rPr sz="900" spc="-10" dirty="0">
+                <a:solidFill>
+                  <a:srgbClr val="020302"/>
+                </a:solidFill>
+                <a:latin typeface="AdobeClean-Light"/>
+                <a:cs typeface="AdobeClean-Light"/>
+              </a:rPr>
+              <a:t>with</a:t>
+            </a:r>
+            <a:r>
+              <a:rPr sz="900" spc="85" dirty="0">
+                <a:solidFill>
+                  <a:srgbClr val="020302"/>
+                </a:solidFill>
+                <a:latin typeface="AdobeClean-Light"/>
+                <a:cs typeface="AdobeClean-Light"/>
+              </a:rPr>
+              <a:t> </a:t>
+            </a:r>
+            <a:r>
+              <a:rPr sz="900" spc="-10" dirty="0">
+                <a:solidFill>
+                  <a:srgbClr val="020302"/>
+                </a:solidFill>
+                <a:latin typeface="AdobeClean-Light"/>
+                <a:cs typeface="AdobeClean-Light"/>
+              </a:rPr>
+              <a:t>case </a:t>
+            </a:r>
+            <a:r>
+              <a:rPr sz="900" spc="-20" dirty="0">
+                <a:solidFill>
+                  <a:srgbClr val="020302"/>
+                </a:solidFill>
+                <a:latin typeface="AdobeClean-Light"/>
+                <a:cs typeface="AdobeClean-Light"/>
+              </a:rPr>
+              <a:t>submission</a:t>
+            </a:r>
+            <a:r>
+              <a:rPr lang="en-US" sz="900" spc="-20" dirty="0">
+                <a:solidFill>
+                  <a:srgbClr val="020302"/>
+                </a:solidFill>
+                <a:latin typeface="AdobeClean-Light"/>
+                <a:cs typeface="AdobeClean-Light"/>
+              </a:rPr>
+              <a:t>.</a:t>
             </a:r>
           </a:p>
           <a:p>
@@ -8331,15 +9525,29 @@
               </a:tabLst>
             </a:pPr>
             <a:r>
-              <a:rPr lang="pt-BR" sz="900" i="1" dirty="0">
+              <a:rPr sz="900" i="1" spc="-10" dirty="0">
                 <a:solidFill>
                   <a:srgbClr val="7A7A7A"/>
                 </a:solidFill>
                 <a:latin typeface="AdobeClean-LightIt"/>
                 <a:cs typeface="AdobeClean-LightIt"/>
               </a:rPr>
-              <a:t>*Nem todos os produtos têm suporte de chat ao vivo.  </a:t>
-            </a:r>
+              <a:t>*Not all </a:t>
+            </a:r>
+            <a:r>
+              <a:rPr sz="900" i="1" spc="-20" dirty="0">
+                <a:solidFill>
+                  <a:srgbClr val="7A7A7A"/>
+                </a:solidFill>
+                <a:latin typeface="AdobeClean-LightIt"/>
+                <a:cs typeface="AdobeClean-LightIt"/>
+              </a:rPr>
+              <a:t>products have live chat support.  </a:t>
+            </a:r>
+            <a:endParaRPr sz="900" dirty="0">
+              <a:latin typeface="AdobeClean-Light"/>
+              <a:cs typeface="AdobeClean-Light"/>
+            </a:endParaRPr>
           </a:p>
         </p:txBody>
       </p:sp>
@@ -8408,15 +9616,19 @@
               </a:spcBef>
             </a:pPr>
             <a:r>
-              <a:rPr lang="pt-BR" sz="1400" b="1">
+              <a:rPr lang="en-US" sz="1400" b="1" spc="-10" dirty="0">
                 <a:solidFill>
                   <a:srgbClr val="020302"/>
                 </a:solidFill>
                 <a:latin typeface="Adobe Clean"/>
                 <a:cs typeface="Adobe Clean"/>
               </a:rPr>
-              <a:t>Suporte Online</a:t>
-            </a:r>
+              <a:t>Online Support</a:t>
+            </a:r>
+            <a:endParaRPr lang="en-US" sz="1400" dirty="0">
+              <a:latin typeface="Adobe Clean"/>
+              <a:cs typeface="Adobe Clean"/>
+            </a:endParaRPr>
           </a:p>
         </p:txBody>
       </p:sp>
@@ -8463,12 +9675,12 @@
               <a:defRPr/>
             </a:pPr>
             <a:r>
-              <a:rPr lang="pt-BR" sz="1200">
+              <a:rPr lang="en-US" sz="1200" dirty="0">
                 <a:solidFill>
                   <a:srgbClr val="000000"/>
                 </a:solidFill>
               </a:rPr>
-              <a:t>Fóruns da comunidade</a:t>
+              <a:t>Community Forums</a:t>
             </a:r>
           </a:p>
         </p:txBody>
@@ -8511,12 +9723,12 @@
               </a:spcAft>
             </a:pPr>
             <a:r>
-              <a:rPr lang="pt-BR" sz="1200" b="1">
+              <a:rPr lang="en-US" sz="1200" b="1" dirty="0">
                 <a:latin typeface="+mj-lt"/>
                 <a:ea typeface="Open Sans" pitchFamily="34" charset="0"/>
                 <a:cs typeface="Open Sans" pitchFamily="34" charset="0"/>
               </a:rPr>
-              <a:t>Fóruns online</a:t>
+              <a:t>Online Forums</a:t>
             </a:r>
           </a:p>
         </p:txBody>
@@ -8536,7 +9748,7 @@
         <p:spPr>
           <a:xfrm>
             <a:off x="244599" y="3893151"/>
-            <a:ext cx="3413002" cy="805349"/>
+            <a:ext cx="3413002" cy="651460"/>
           </a:xfrm>
           <a:prstGeom prst="rect">
             <a:avLst/>
@@ -8549,30 +9761,13 @@
           <a:lstStyle/>
           <a:p>
             <a:r>
-              <a:rPr lang="pt-BR" sz="1000" dirty="0">
+              <a:rPr lang="en-US" sz="1000" dirty="0">
                 <a:solidFill>
                   <a:srgbClr val="000000"/>
                 </a:solidFill>
                 <a:latin typeface="Adobe Clean Light" panose="020B0303020404020204" pitchFamily="34" charset="0"/>
               </a:rPr>
-              <a:t>Acesso online contínuo a um banco de dados cada vez maior </a:t>
-            </a:r>
-            <a:br>
-              <a:rPr lang="sk-SK" sz="1000" dirty="0">
-                <a:solidFill>
-                  <a:srgbClr val="000000"/>
-                </a:solidFill>
-                <a:latin typeface="Adobe Clean Light" panose="020B0303020404020204" pitchFamily="34" charset="0"/>
-              </a:rPr>
-            </a:br>
-            <a:r>
-              <a:rPr lang="pt-BR" sz="1000" dirty="0">
-                <a:solidFill>
-                  <a:srgbClr val="000000"/>
-                </a:solidFill>
-                <a:latin typeface="Adobe Clean Light" panose="020B0303020404020204" pitchFamily="34" charset="0"/>
-              </a:rPr>
-              <a:t>de soluções técnicas, documentação do produto, perguntas frequentes e muito mais. Conecte-se com profissionais e outros clientes na Comunidade da Adobe para compartilhar práticas recomendadas e lições aprendidas.</a:t>
+              <a:t>Continuous online access to a growing database of technical solutions, product documentation, FAQs and more. Connect with practitioners and other customers on Adobe Community to share best practices and lessons learned.</a:t>
             </a:r>
           </a:p>
         </p:txBody>
@@ -8620,7 +9815,7 @@
               <a:defRPr/>
             </a:pPr>
             <a:r>
-              <a:rPr lang="pt-BR" sz="1200">
+              <a:rPr lang="en-US" sz="1200" dirty="0">
                 <a:solidFill>
                   <a:srgbClr val="000000"/>
                 </a:solidFill>
@@ -8668,12 +9863,12 @@
               </a:spcAft>
             </a:pPr>
             <a:r>
-              <a:rPr lang="pt-BR" sz="1200" b="1">
+              <a:rPr lang="en-US" sz="1200" b="1" dirty="0">
                 <a:latin typeface="+mj-lt"/>
                 <a:ea typeface="Open Sans" pitchFamily="34" charset="0"/>
                 <a:cs typeface="Open Sans" pitchFamily="34" charset="0"/>
               </a:rPr>
-              <a:t>Jornadas autoguiadas</a:t>
+              <a:t>Self-guided Journeys</a:t>
             </a:r>
           </a:p>
         </p:txBody>
@@ -8706,30 +9901,13 @@
           <a:lstStyle/>
           <a:p>
             <a:r>
-              <a:rPr lang="pt-BR" sz="1000" dirty="0">
+              <a:rPr lang="en-US" sz="1000" dirty="0">
                 <a:solidFill>
                   <a:srgbClr val="000000"/>
                 </a:solidFill>
                 <a:latin typeface="Adobe Clean Light" panose="020B0303020404020204" pitchFamily="34" charset="0"/>
               </a:rPr>
-              <a:t>A Experience League gera criadores de experiências. Os clientes podem adquirir habilidades de gerenciamento de experiência </a:t>
-            </a:r>
-            <a:br>
-              <a:rPr lang="sk-SK" sz="1000" dirty="0">
-                <a:solidFill>
-                  <a:srgbClr val="000000"/>
-                </a:solidFill>
-                <a:latin typeface="Adobe Clean Light" panose="020B0303020404020204" pitchFamily="34" charset="0"/>
-              </a:rPr>
-            </a:br>
-            <a:r>
-              <a:rPr lang="pt-BR" sz="1000" dirty="0">
-                <a:solidFill>
-                  <a:srgbClr val="000000"/>
-                </a:solidFill>
-                <a:latin typeface="Adobe Clean Light" panose="020B0303020404020204" pitchFamily="34" charset="0"/>
-              </a:rPr>
-              <a:t>do cliente com aprendizagem personalizada, participar de uma comunidade de pares global e conseguir reconhecimento de carreira. </a:t>
+              <a:t>Experience Makers are made with Experience League. Customers can kickstart their Customer Experience Management abilities with personalized learning to develop skills, engage with a global community of peers, and earn career advancing recognition. </a:t>
             </a:r>
           </a:p>
         </p:txBody>
@@ -8777,7 +9955,7 @@
               <a:defRPr/>
             </a:pPr>
             <a:r>
-              <a:rPr lang="pt-BR" sz="1200">
+              <a:rPr lang="en-US" sz="1200" dirty="0">
                 <a:solidFill>
                   <a:srgbClr val="000000"/>
                 </a:solidFill>
@@ -8825,12 +10003,12 @@
               </a:spcAft>
             </a:pPr>
             <a:r>
-              <a:rPr lang="pt-BR" sz="1200" b="1">
+              <a:rPr lang="en-US" sz="1200" b="1" dirty="0">
                 <a:latin typeface="+mj-lt"/>
                 <a:ea typeface="Open Sans" pitchFamily="34" charset="0"/>
                 <a:cs typeface="Open Sans" pitchFamily="34" charset="0"/>
               </a:rPr>
-              <a:t>Webinários</a:t>
+              <a:t>Webinars</a:t>
             </a:r>
           </a:p>
         </p:txBody>
@@ -8863,64 +10041,13 @@
           <a:lstStyle/>
           <a:p>
             <a:r>
-              <a:rPr lang="pt-BR" sz="1000" dirty="0">
+              <a:rPr lang="en-US" sz="1000" dirty="0">
                 <a:solidFill>
                   <a:srgbClr val="000000"/>
                 </a:solidFill>
                 <a:latin typeface="Adobe Clean Light" panose="020B0303020404020204" pitchFamily="34" charset="0"/>
               </a:rPr>
-              <a:t>O Office Hours, apresentado pela equipe de Suporte ao cliente </a:t>
-            </a:r>
-            <a:br>
-              <a:rPr lang="sk-SK" sz="1000" dirty="0">
-                <a:solidFill>
-                  <a:srgbClr val="000000"/>
-                </a:solidFill>
-                <a:latin typeface="Adobe Clean Light" panose="020B0303020404020204" pitchFamily="34" charset="0"/>
-              </a:rPr>
-            </a:br>
-            <a:r>
-              <a:rPr lang="pt-BR" sz="1000" dirty="0">
-                <a:solidFill>
-                  <a:srgbClr val="000000"/>
-                </a:solidFill>
-                <a:latin typeface="Adobe Clean Light" panose="020B0303020404020204" pitchFamily="34" charset="0"/>
-              </a:rPr>
-              <a:t>da Adobe, inclui sessões para informar e ajudar os participantes </a:t>
-            </a:r>
-            <a:br>
-              <a:rPr lang="sk-SK" sz="1000" dirty="0">
-                <a:solidFill>
-                  <a:srgbClr val="000000"/>
-                </a:solidFill>
-                <a:latin typeface="Adobe Clean Light" panose="020B0303020404020204" pitchFamily="34" charset="0"/>
-              </a:rPr>
-            </a:br>
-            <a:r>
-              <a:rPr lang="pt-BR" sz="1000" dirty="0">
-                <a:solidFill>
-                  <a:srgbClr val="000000"/>
-                </a:solidFill>
-                <a:latin typeface="Adobe Clean Light" panose="020B0303020404020204" pitchFamily="34" charset="0"/>
-              </a:rPr>
-              <a:t>a solucionar problemas e fornecer dicas e truques para aproveitar </a:t>
-            </a:r>
-            <a:br>
-              <a:rPr lang="sk-SK" sz="1000" dirty="0">
-                <a:solidFill>
-                  <a:srgbClr val="000000"/>
-                </a:solidFill>
-                <a:latin typeface="Adobe Clean Light" panose="020B0303020404020204" pitchFamily="34" charset="0"/>
-              </a:rPr>
-            </a:br>
-            <a:r>
-              <a:rPr lang="pt-BR" sz="1000" dirty="0">
-                <a:solidFill>
-                  <a:srgbClr val="000000"/>
-                </a:solidFill>
-                <a:latin typeface="Adobe Clean Light" panose="020B0303020404020204" pitchFamily="34" charset="0"/>
-              </a:rPr>
-              <a:t>ao máximo as soluções da Adobe.</a:t>
+              <a:t>Office  Hours  led  by  the  Adobe  Customer Support  team  includes  sessions  designed to  inform  as  well  as  help  participants troubleshoot  problems  and  provide  tips and  tricks  for  success  with  Adobe  solutions.</a:t>
             </a:r>
           </a:p>
         </p:txBody>
@@ -8968,12 +10095,12 @@
               <a:defRPr/>
             </a:pPr>
             <a:r>
-              <a:rPr lang="pt-BR" sz="1200">
+              <a:rPr lang="en-US" sz="1200" dirty="0">
                 <a:solidFill>
                   <a:srgbClr val="000000"/>
                 </a:solidFill>
               </a:rPr>
-              <a:t>Portais de autoatendimento</a:t>
+              <a:t>Self-help Portals</a:t>
             </a:r>
           </a:p>
         </p:txBody>
@@ -9016,12 +10143,12 @@
               </a:spcAft>
             </a:pPr>
             <a:r>
-              <a:rPr lang="pt-BR" sz="1200" b="1">
+              <a:rPr lang="en-US" sz="1200" b="1" dirty="0">
                 <a:latin typeface="+mj-lt"/>
                 <a:ea typeface="Open Sans" pitchFamily="34" charset="0"/>
                 <a:cs typeface="Open Sans" pitchFamily="34" charset="0"/>
               </a:rPr>
-              <a:t>Portal de suporte 24/7</a:t>
+              <a:t>24/7 Support Portal</a:t>
             </a:r>
           </a:p>
         </p:txBody>
@@ -9041,7 +10168,7 @@
         <p:spPr>
           <a:xfrm>
             <a:off x="3849036" y="6132567"/>
-            <a:ext cx="3413002" cy="651460"/>
+            <a:ext cx="3413002" cy="497572"/>
           </a:xfrm>
           <a:prstGeom prst="rect">
             <a:avLst/>
@@ -9054,30 +10181,13 @@
           <a:lstStyle/>
           <a:p>
             <a:r>
-              <a:rPr lang="pt-BR" sz="1000" dirty="0">
+              <a:rPr lang="en-US" sz="1000" dirty="0">
                 <a:solidFill>
                   <a:srgbClr val="000000"/>
                 </a:solidFill>
                 <a:latin typeface="Adobe Clean Light" panose="020B0303020404020204" pitchFamily="34" charset="0"/>
               </a:rPr>
-              <a:t>Acesso sob demanda ao Portal de autoatendimento online para enviar solicitações de suporte, revisar o status do caso e procurar outros recursos, como nossa base de conhecimento, notícias </a:t>
-            </a:r>
-            <a:br>
-              <a:rPr lang="sk-SK" sz="1000" dirty="0">
-                <a:solidFill>
-                  <a:srgbClr val="000000"/>
-                </a:solidFill>
-                <a:latin typeface="Adobe Clean Light" panose="020B0303020404020204" pitchFamily="34" charset="0"/>
-              </a:rPr>
-            </a:br>
-            <a:r>
-              <a:rPr lang="pt-BR" sz="1000" dirty="0">
-                <a:solidFill>
-                  <a:srgbClr val="000000"/>
-                </a:solidFill>
-                <a:latin typeface="Adobe Clean Light" panose="020B0303020404020204" pitchFamily="34" charset="0"/>
-              </a:rPr>
-              <a:t>e alertas, dicas em destaque e muito mais.</a:t>
+              <a:t>On-demand access to the online Self-help Support Portal to submit support requests, review case status, and browse other resources, like our knowledgebase, news and alerts, featured tips, and more.</a:t>
             </a:r>
           </a:p>
         </p:txBody>
@@ -9125,12 +10235,12 @@
               <a:defRPr/>
             </a:pPr>
             <a:r>
-              <a:rPr lang="pt-BR" sz="1200">
+              <a:rPr lang="en-US" sz="1200" dirty="0">
                 <a:solidFill>
                   <a:srgbClr val="000000"/>
                 </a:solidFill>
               </a:rPr>
-              <a:t>Suporte por chat ao vivo*</a:t>
+              <a:t>Live Chat  Support*</a:t>
             </a:r>
           </a:p>
         </p:txBody>
@@ -9173,12 +10283,12 @@
               </a:spcAft>
             </a:pPr>
             <a:r>
-              <a:rPr lang="pt-BR" sz="1200" b="1">
+              <a:rPr lang="en-US" sz="1200" b="1" dirty="0">
                 <a:latin typeface="+mj-lt"/>
                 <a:ea typeface="Open Sans" pitchFamily="34" charset="0"/>
                 <a:cs typeface="Open Sans" pitchFamily="34" charset="0"/>
               </a:rPr>
-              <a:t>Suporte por chat</a:t>
+              <a:t>Chat Support</a:t>
             </a:r>
           </a:p>
         </p:txBody>
@@ -9226,7 +10336,7 @@
               <a:defRPr/>
             </a:pPr>
             <a:r>
-              <a:rPr lang="pt-BR" sz="1200">
+              <a:rPr lang="en-US" sz="1200" dirty="0">
                 <a:solidFill>
                   <a:srgbClr val="000000"/>
                 </a:solidFill>
@@ -9274,12 +10384,12 @@
               </a:spcAft>
             </a:pPr>
             <a:r>
-              <a:rPr lang="pt-BR" sz="1200" b="1">
+              <a:rPr lang="en-US" sz="1200" b="1" dirty="0">
                 <a:latin typeface="+mj-lt"/>
                 <a:ea typeface="Open Sans" pitchFamily="34" charset="0"/>
                 <a:cs typeface="Open Sans" pitchFamily="34" charset="0"/>
               </a:rPr>
-              <a:t>Suporte telefônico</a:t>
+              <a:t>Phone  Support</a:t>
             </a:r>
           </a:p>
         </p:txBody>
@@ -9312,20 +10422,26 @@
           <a:lstStyle/>
           <a:p>
             <a:r>
-              <a:rPr lang="pt-BR" sz="1000">
+              <a:rPr lang="en-US" sz="1000" dirty="0">
                 <a:solidFill>
                   <a:srgbClr val="020302"/>
                 </a:solidFill>
                 <a:latin typeface="AdobeClean-Light"/>
               </a:rPr>
-              <a:t>Usuários autorizados ou contatos de suporte nomeados</a:t>
-            </a:r>
-            <a:r>
-              <a:rPr lang="pt-BR" sz="1000">
+              <a:t>Authorized users or Named Support Contacts </a:t>
+            </a:r>
+            <a:r>
+              <a:rPr lang="en-US" sz="1000" dirty="0">
                 <a:latin typeface="Adobe Clean Light" panose="020B0303020404020204" pitchFamily="34" charset="0"/>
               </a:rPr>
-              <a:t> podem enviar problemas por todos os canais disponíveis (incluindo por telefone em prioridades P1) e contatar a equipe de suporte técnico em nome de sua empresa. </a:t>
-            </a:r>
+              <a:t>can submit issues through all available  channels (including phone for P1) and interact with our technical support team on behalf of your company. </a:t>
+            </a:r>
+            <a:endParaRPr lang="en-US" sz="1000" dirty="0">
+              <a:solidFill>
+                <a:srgbClr val="000000"/>
+              </a:solidFill>
+              <a:latin typeface="Adobe Clean Light" panose="020B0303020404020204" pitchFamily="34" charset="0"/>
+            </a:endParaRPr>
           </a:p>
         </p:txBody>
       </p:sp>
@@ -9369,8 +10485,24 @@
               </a:spcBef>
             </a:pPr>
             <a:r>
-              <a:rPr lang="pt-BR"/>
-              <a:t>©2021 Adobe. All Rights Reserved. Adobe Confidential.</a:t>
+              <a:rPr spc="-5" dirty="0"/>
+              <a:t>©202</a:t>
+            </a:r>
+            <a:r>
+              <a:rPr lang="en-US" spc="-5" dirty="0"/>
+              <a:t>1</a:t>
+            </a:r>
+            <a:r>
+              <a:rPr spc="-5" dirty="0"/>
+              <a:t> Adobe. All Rights Reserved. Adobe</a:t>
+            </a:r>
+            <a:r>
+              <a:rPr spc="60" dirty="0"/>
+              <a:t> </a:t>
+            </a:r>
+            <a:r>
+              <a:rPr spc="-5" dirty="0"/>
+              <a:t>Confidential.</a:t>
             </a:r>
           </a:p>
         </p:txBody>
@@ -9661,15 +10793,49 @@
               </a:lnSpc>
             </a:pPr>
             <a:r>
-              <a:rPr lang="pt-BR" sz="500">
+              <a:rPr sz="500" spc="-5" dirty="0">
                 <a:solidFill>
                   <a:srgbClr val="6C6C6C"/>
                 </a:solidFill>
                 <a:latin typeface="Adobe Clean"/>
                 <a:cs typeface="Adobe Clean"/>
               </a:rPr>
-              <a:t>©2020 Adobe. All Rights Reserved. Adobe Confidential.</a:t>
-            </a:r>
+              <a:t>©2020 Adobe. All Rights Reserved. </a:t>
+            </a:r>
+            <a:r>
+              <a:rPr sz="500" dirty="0">
+                <a:solidFill>
+                  <a:srgbClr val="6C6C6C"/>
+                </a:solidFill>
+                <a:latin typeface="Adobe Clean"/>
+                <a:cs typeface="Adobe Clean"/>
+              </a:rPr>
+              <a:t>Adobe</a:t>
+            </a:r>
+            <a:r>
+              <a:rPr sz="500" spc="5" dirty="0">
+                <a:solidFill>
+                  <a:srgbClr val="6C6C6C"/>
+                </a:solidFill>
+                <a:latin typeface="Adobe Clean"/>
+                <a:cs typeface="Adobe Clean"/>
+              </a:rPr>
+              <a:t> </a:t>
+            </a:r>
+            <a:r>
+              <a:rPr sz="500" spc="-5" dirty="0">
+                <a:solidFill>
+                  <a:srgbClr val="6C6C6C"/>
+                </a:solidFill>
+                <a:latin typeface="Adobe Clean"/>
+                <a:cs typeface="Adobe Clean"/>
+              </a:rPr>
+              <a:t>Confidential.</a:t>
+            </a:r>
+            <a:endParaRPr sz="500">
+              <a:latin typeface="Adobe Clean"/>
+              <a:cs typeface="Adobe Clean"/>
+            </a:endParaRPr>
           </a:p>
           <a:p>
             <a:pPr>
@@ -9695,15 +10861,39 @@
               </a:spcBef>
             </a:pPr>
             <a:r>
-              <a:rPr lang="pt-BR" sz="800">
+              <a:rPr sz="800" spc="-5" dirty="0">
                 <a:solidFill>
                   <a:srgbClr val="6D6D6D"/>
                 </a:solidFill>
                 <a:latin typeface="Adobe Clean"/>
                 <a:cs typeface="Adobe Clean"/>
               </a:rPr>
-              <a:t>©2020 Adobe. All Rights Reserved. Adobe Confidential.</a:t>
-            </a:r>
+              <a:t>©2020 Adobe. All Rights Reserved. Adobe</a:t>
+            </a:r>
+            <a:r>
+              <a:rPr sz="800" spc="75" dirty="0">
+                <a:solidFill>
+                  <a:srgbClr val="6D6D6D"/>
+                </a:solidFill>
+                <a:latin typeface="Adobe Clean"/>
+                <a:cs typeface="Adobe Clean"/>
+              </a:rPr>
+              <a:t> </a:t>
+            </a:r>
+            <a:r>
+              <a:rPr sz="800" spc="-5" dirty="0">
+                <a:solidFill>
+                  <a:srgbClr val="6D6D6D"/>
+                </a:solidFill>
+                <a:latin typeface="Adobe Clean"/>
+                <a:cs typeface="Adobe Clean"/>
+              </a:rPr>
+              <a:t>Confidential.</a:t>
+            </a:r>
+            <a:endParaRPr sz="800">
+              <a:latin typeface="Adobe Clean"/>
+              <a:cs typeface="Adobe Clean"/>
+            </a:endParaRPr>
           </a:p>
         </p:txBody>
       </p:sp>
@@ -9787,15 +10977,19 @@
               </a:spcBef>
             </a:pPr>
             <a:r>
-              <a:rPr lang="pt-BR" sz="1400" b="1">
+              <a:rPr lang="en-US" sz="1400" b="1" spc="-15" dirty="0">
                 <a:solidFill>
                   <a:srgbClr val="020302"/>
                 </a:solidFill>
                 <a:latin typeface="Adobe Clean"/>
                 <a:cs typeface="Adobe Clean"/>
               </a:rPr>
-              <a:t>Recursos</a:t>
-            </a:r>
+              <a:t>Resources</a:t>
+            </a:r>
+            <a:endParaRPr sz="1400" dirty="0">
+              <a:latin typeface="Adobe Clean"/>
+              <a:cs typeface="Adobe Clean"/>
+            </a:endParaRPr>
           </a:p>
         </p:txBody>
       </p:sp>
@@ -9808,14 +11002,14 @@
         <p:spPr>
           <a:xfrm>
             <a:off x="6754821" y="9283729"/>
-            <a:ext cx="930275" cy="662305"/>
+            <a:ext cx="930275" cy="758541"/>
           </a:xfrm>
           <a:prstGeom prst="rect">
             <a:avLst/>
           </a:prstGeom>
         </p:spPr>
         <p:txBody>
-          <a:bodyPr vert="horz" wrap="square" lIns="0" tIns="12065" rIns="0" bIns="0" rtlCol="0">
+          <a:bodyPr vert="horz" wrap="square" lIns="0" tIns="12065" rIns="0" bIns="0" rtlCol="0" anchor="t">
             <a:spAutoFit/>
           </a:bodyPr>
           <a:lstStyle/>
@@ -9829,7 +11023,7 @@
               </a:spcBef>
             </a:pPr>
             <a:r>
-              <a:rPr lang="pt-BR" sz="800">
+              <a:rPr sz="800" spc="-15" dirty="0">
                 <a:solidFill>
                   <a:srgbClr val="777879"/>
                 </a:solidFill>
@@ -9838,6 +11032,10 @@
               </a:rPr>
               <a:t>Adobe</a:t>
             </a:r>
+            <a:endParaRPr sz="800">
+              <a:latin typeface="Adobe Clean"/>
+              <a:cs typeface="Adobe Clean"/>
+            </a:endParaRPr>
           </a:p>
           <a:p>
             <a:pPr marL="12700">
@@ -9846,15 +11044,29 @@
               </a:lnSpc>
             </a:pPr>
             <a:r>
-              <a:rPr lang="pt-BR" sz="800">
+              <a:rPr sz="800" spc="-15" dirty="0">
                 <a:solidFill>
                   <a:srgbClr val="777879"/>
                 </a:solidFill>
                 <a:latin typeface="Adobe Clean"/>
                 <a:cs typeface="Adobe Clean"/>
               </a:rPr>
-              <a:t>345 Park Avenue</a:t>
-            </a:r>
+              <a:t>345 </a:t>
+            </a:r>
+            <a:r>
+              <a:rPr lang="en-US" sz="800" spc="-15" dirty="0">
+                <a:solidFill>
+                  <a:srgbClr val="777879"/>
+                </a:solidFill>
+                <a:latin typeface="Adobe Clean"/>
+                <a:cs typeface="Adobe Clean"/>
+              </a:rPr>
+              <a:t>Park Avenue</a:t>
+            </a:r>
+            <a:endParaRPr sz="800" dirty="0">
+              <a:latin typeface="Adobe Clean"/>
+              <a:cs typeface="Adobe Clean"/>
+            </a:endParaRPr>
           </a:p>
           <a:p>
             <a:pPr marL="12700">
@@ -9863,15 +11075,49 @@
               </a:lnSpc>
             </a:pPr>
             <a:r>
-              <a:rPr lang="pt-BR" sz="800">
+              <a:rPr sz="800" spc="-10" dirty="0">
                 <a:solidFill>
                   <a:srgbClr val="777879"/>
                 </a:solidFill>
                 <a:latin typeface="Adobe Clean"/>
                 <a:cs typeface="Adobe Clean"/>
               </a:rPr>
-              <a:t>San Jose, CA95110-2704</a:t>
-            </a:r>
+              <a:t>San </a:t>
+            </a:r>
+            <a:r>
+              <a:rPr sz="800" spc="-15" dirty="0">
+                <a:solidFill>
+                  <a:srgbClr val="777879"/>
+                </a:solidFill>
+                <a:latin typeface="Adobe Clean"/>
+                <a:cs typeface="Adobe Clean"/>
+              </a:rPr>
+              <a:t>Jose,</a:t>
+            </a:r>
+            <a:r>
+              <a:rPr sz="800" spc="-140" dirty="0">
+                <a:solidFill>
+                  <a:srgbClr val="777879"/>
+                </a:solidFill>
+                <a:latin typeface="Adobe Clean"/>
+                <a:cs typeface="Adobe Clean"/>
+              </a:rPr>
+              <a:t> </a:t>
+            </a:r>
+            <a:r>
+              <a:rPr sz="800" spc="-20" dirty="0">
+                <a:solidFill>
+                  <a:srgbClr val="777879"/>
+                </a:solidFill>
+                <a:latin typeface="Adobe Clean"/>
+                <a:cs typeface="Adobe Clean"/>
+              </a:rPr>
+              <a:t>CA95110-2704</a:t>
+            </a:r>
+            <a:endParaRPr sz="800">
+              <a:latin typeface="Adobe Clean"/>
+              <a:cs typeface="Adobe Clean"/>
+            </a:endParaRPr>
           </a:p>
           <a:p>
             <a:pPr marL="12700">
@@ -9883,7 +11129,7 @@
               </a:spcBef>
             </a:pPr>
             <a:r>
-              <a:rPr lang="pt-BR" sz="800">
+              <a:rPr sz="800" spc="-10" dirty="0">
                 <a:solidFill>
                   <a:srgbClr val="777879"/>
                 </a:solidFill>
@@ -9892,6 +11138,10 @@
               </a:rPr>
               <a:t>USA</a:t>
             </a:r>
+            <a:endParaRPr sz="800">
+              <a:latin typeface="Adobe Clean"/>
+              <a:cs typeface="Adobe Clean"/>
+            </a:endParaRPr>
           </a:p>
           <a:p>
             <a:pPr marL="12700">
@@ -9903,7 +11153,7 @@
               </a:spcBef>
             </a:pPr>
             <a:r>
-              <a:rPr lang="pt-BR" sz="800" u="sng">
+              <a:rPr sz="800" u="sng" spc="-25" dirty="0">
                 <a:solidFill>
                   <a:srgbClr val="5F5F5F"/>
                 </a:solidFill>
@@ -9918,6 +11168,10 @@
               </a:rPr>
               <a:t>www.adobe.com</a:t>
             </a:r>
+            <a:endParaRPr sz="800">
+              <a:latin typeface="Adobe Clean"/>
+              <a:cs typeface="Adobe Clean"/>
+            </a:endParaRPr>
           </a:p>
         </p:txBody>
       </p:sp>
@@ -10071,14 +11325,14 @@
         <p:spPr>
           <a:xfrm>
             <a:off x="75947" y="9437110"/>
-            <a:ext cx="5715253" cy="570865"/>
+            <a:ext cx="5466715" cy="570865"/>
           </a:xfrm>
           <a:prstGeom prst="rect">
             <a:avLst/>
           </a:prstGeom>
         </p:spPr>
         <p:txBody>
-          <a:bodyPr vert="horz" wrap="square" lIns="0" tIns="29845" rIns="0" bIns="0" rtlCol="0">
+          <a:bodyPr vert="horz" wrap="square" lIns="0" tIns="29845" rIns="0" bIns="0" rtlCol="0" anchor="t">
             <a:spAutoFit/>
           </a:bodyPr>
           <a:lstStyle/>
@@ -10092,15 +11346,449 @@
               </a:spcBef>
             </a:pPr>
             <a:r>
-              <a:rPr lang="pt-BR" sz="1100" i="1" dirty="0">
+              <a:rPr sz="1100" i="1" spc="-10" dirty="0">
                 <a:solidFill>
                   <a:srgbClr val="777879"/>
                 </a:solidFill>
                 <a:latin typeface="AdobeClean-LightIt"/>
                 <a:cs typeface="AdobeClean-LightIt"/>
               </a:rPr>
-              <a:t>Para saber mais sobre os Serviços de suporte Adobe e identificar o nível certo para você, entre em contato com o seu Gerente de conta nomeado (NAM, em inglês) ou Gerente de sucesso do cliente (CSM, em inglês).</a:t>
-            </a:r>
+              <a:t>To</a:t>
+            </a:r>
+            <a:r>
+              <a:rPr sz="1100" i="1" spc="-50" dirty="0">
+                <a:solidFill>
+                  <a:srgbClr val="777879"/>
+                </a:solidFill>
+                <a:latin typeface="AdobeClean-LightIt"/>
+                <a:cs typeface="AdobeClean-LightIt"/>
+              </a:rPr>
+              <a:t> </a:t>
+            </a:r>
+            <a:r>
+              <a:rPr sz="1100" i="1" spc="-15" dirty="0">
+                <a:solidFill>
+                  <a:srgbClr val="777879"/>
+                </a:solidFill>
+                <a:latin typeface="AdobeClean-LightIt"/>
+                <a:cs typeface="AdobeClean-LightIt"/>
+              </a:rPr>
+              <a:t>learn</a:t>
+            </a:r>
+            <a:r>
+              <a:rPr sz="1100" i="1" spc="-40" dirty="0">
+                <a:solidFill>
+                  <a:srgbClr val="777879"/>
+                </a:solidFill>
+                <a:latin typeface="AdobeClean-LightIt"/>
+                <a:cs typeface="AdobeClean-LightIt"/>
+              </a:rPr>
+              <a:t> </a:t>
+            </a:r>
+            <a:r>
+              <a:rPr sz="1100" i="1" spc="-15" dirty="0">
+                <a:solidFill>
+                  <a:srgbClr val="777879"/>
+                </a:solidFill>
+                <a:latin typeface="AdobeClean-LightIt"/>
+                <a:cs typeface="AdobeClean-LightIt"/>
+              </a:rPr>
+              <a:t>more</a:t>
+            </a:r>
+            <a:r>
+              <a:rPr sz="1100" i="1" spc="-45" dirty="0">
+                <a:solidFill>
+                  <a:srgbClr val="777879"/>
+                </a:solidFill>
+                <a:latin typeface="AdobeClean-LightIt"/>
+                <a:cs typeface="AdobeClean-LightIt"/>
+              </a:rPr>
+              <a:t> </a:t>
+            </a:r>
+            <a:r>
+              <a:rPr sz="1100" i="1" spc="-15" dirty="0">
+                <a:solidFill>
+                  <a:srgbClr val="777879"/>
+                </a:solidFill>
+                <a:latin typeface="AdobeClean-LightIt"/>
+                <a:cs typeface="AdobeClean-LightIt"/>
+              </a:rPr>
+              <a:t>about</a:t>
+            </a:r>
+            <a:r>
+              <a:rPr sz="1100" i="1" spc="-45" dirty="0">
+                <a:solidFill>
+                  <a:srgbClr val="777879"/>
+                </a:solidFill>
+                <a:latin typeface="AdobeClean-LightIt"/>
+                <a:cs typeface="AdobeClean-LightIt"/>
+              </a:rPr>
+              <a:t> </a:t>
+            </a:r>
+            <a:r>
+              <a:rPr sz="1100" i="1" spc="-15" dirty="0">
+                <a:solidFill>
+                  <a:srgbClr val="777879"/>
+                </a:solidFill>
+                <a:latin typeface="AdobeClean-LightIt"/>
+                <a:cs typeface="AdobeClean-LightIt"/>
+              </a:rPr>
+              <a:t>Adobe</a:t>
+            </a:r>
+            <a:r>
+              <a:rPr sz="1100" i="1" spc="-60" dirty="0">
+                <a:solidFill>
+                  <a:srgbClr val="777879"/>
+                </a:solidFill>
+                <a:latin typeface="AdobeClean-LightIt"/>
+                <a:cs typeface="AdobeClean-LightIt"/>
+              </a:rPr>
+              <a:t> </a:t>
+            </a:r>
+            <a:r>
+              <a:rPr sz="1100" i="1" spc="-15" dirty="0">
+                <a:solidFill>
+                  <a:srgbClr val="777879"/>
+                </a:solidFill>
+                <a:latin typeface="AdobeClean-LightIt"/>
+                <a:cs typeface="AdobeClean-LightIt"/>
+              </a:rPr>
+              <a:t>Support</a:t>
+            </a:r>
+            <a:r>
+              <a:rPr lang="en-US" sz="1100" i="1" spc="-15" dirty="0">
+                <a:solidFill>
+                  <a:srgbClr val="777879"/>
+                </a:solidFill>
+                <a:latin typeface="AdobeClean-LightIt"/>
+                <a:cs typeface="AdobeClean-LightIt"/>
+              </a:rPr>
+              <a:t> Offerings</a:t>
+            </a:r>
+            <a:r>
+              <a:rPr sz="1100" i="1" spc="-75" dirty="0">
+                <a:solidFill>
+                  <a:srgbClr val="777879"/>
+                </a:solidFill>
+                <a:latin typeface="AdobeClean-LightIt"/>
+                <a:cs typeface="AdobeClean-LightIt"/>
+              </a:rPr>
+              <a:t> </a:t>
+            </a:r>
+            <a:r>
+              <a:rPr sz="1100" i="1" spc="-15" dirty="0">
+                <a:solidFill>
+                  <a:srgbClr val="777879"/>
+                </a:solidFill>
+                <a:latin typeface="AdobeClean-LightIt"/>
+                <a:cs typeface="AdobeClean-LightIt"/>
+              </a:rPr>
+              <a:t>and</a:t>
+            </a:r>
+            <a:r>
+              <a:rPr sz="1100" i="1" spc="-50" dirty="0">
+                <a:solidFill>
+                  <a:srgbClr val="777879"/>
+                </a:solidFill>
+                <a:latin typeface="AdobeClean-LightIt"/>
+                <a:cs typeface="AdobeClean-LightIt"/>
+              </a:rPr>
+              <a:t> </a:t>
+            </a:r>
+            <a:r>
+              <a:rPr sz="1100" i="1" spc="-15" dirty="0">
+                <a:solidFill>
+                  <a:srgbClr val="777879"/>
+                </a:solidFill>
+                <a:latin typeface="AdobeClean-LightIt"/>
+                <a:cs typeface="AdobeClean-LightIt"/>
+              </a:rPr>
+              <a:t>the</a:t>
+            </a:r>
+            <a:r>
+              <a:rPr sz="1100" i="1" spc="-55" dirty="0">
+                <a:solidFill>
+                  <a:srgbClr val="777879"/>
+                </a:solidFill>
+                <a:latin typeface="AdobeClean-LightIt"/>
+                <a:cs typeface="AdobeClean-LightIt"/>
+              </a:rPr>
+              <a:t> </a:t>
+            </a:r>
+            <a:r>
+              <a:rPr sz="1100" i="1" spc="-15" dirty="0">
+                <a:solidFill>
+                  <a:srgbClr val="777879"/>
+                </a:solidFill>
+                <a:latin typeface="AdobeClean-LightIt"/>
+                <a:cs typeface="AdobeClean-LightIt"/>
+              </a:rPr>
+              <a:t>right</a:t>
+            </a:r>
+            <a:r>
+              <a:rPr sz="1100" i="1" spc="-95" dirty="0">
+                <a:solidFill>
+                  <a:srgbClr val="777879"/>
+                </a:solidFill>
+                <a:latin typeface="AdobeClean-LightIt"/>
+                <a:cs typeface="AdobeClean-LightIt"/>
+              </a:rPr>
+              <a:t> </a:t>
+            </a:r>
+            <a:r>
+              <a:rPr sz="1100" i="1" spc="-15" dirty="0">
+                <a:solidFill>
+                  <a:srgbClr val="777879"/>
+                </a:solidFill>
+                <a:latin typeface="AdobeClean-LightIt"/>
+                <a:cs typeface="AdobeClean-LightIt"/>
+              </a:rPr>
+              <a:t>level</a:t>
+            </a:r>
+            <a:r>
+              <a:rPr sz="1100" i="1" spc="-55" dirty="0">
+                <a:solidFill>
+                  <a:srgbClr val="777879"/>
+                </a:solidFill>
+                <a:latin typeface="AdobeClean-LightIt"/>
+                <a:cs typeface="AdobeClean-LightIt"/>
+              </a:rPr>
+              <a:t> </a:t>
+            </a:r>
+            <a:r>
+              <a:rPr sz="1100" i="1" spc="-15" dirty="0">
+                <a:solidFill>
+                  <a:srgbClr val="777879"/>
+                </a:solidFill>
+                <a:latin typeface="AdobeClean-LightIt"/>
+                <a:cs typeface="AdobeClean-LightIt"/>
+              </a:rPr>
+              <a:t>for</a:t>
+            </a:r>
+            <a:r>
+              <a:rPr sz="1100" i="1" spc="-85" dirty="0">
+                <a:solidFill>
+                  <a:srgbClr val="777879"/>
+                </a:solidFill>
+                <a:latin typeface="AdobeClean-LightIt"/>
+                <a:cs typeface="AdobeClean-LightIt"/>
+              </a:rPr>
+              <a:t> </a:t>
+            </a:r>
+            <a:r>
+              <a:rPr sz="1100" i="1" spc="-15" dirty="0">
+                <a:solidFill>
+                  <a:srgbClr val="777879"/>
+                </a:solidFill>
+                <a:latin typeface="AdobeClean-LightIt"/>
+                <a:cs typeface="AdobeClean-LightIt"/>
+              </a:rPr>
+              <a:t>you,</a:t>
+            </a:r>
+            <a:r>
+              <a:rPr sz="1100" i="1" spc="-65" dirty="0">
+                <a:solidFill>
+                  <a:srgbClr val="777879"/>
+                </a:solidFill>
+                <a:latin typeface="AdobeClean-LightIt"/>
+                <a:cs typeface="AdobeClean-LightIt"/>
+              </a:rPr>
+              <a:t> </a:t>
+            </a:r>
+            <a:r>
+              <a:rPr sz="1100" i="1" spc="-15" dirty="0">
+                <a:solidFill>
+                  <a:srgbClr val="777879"/>
+                </a:solidFill>
+                <a:latin typeface="AdobeClean-LightIt"/>
+                <a:cs typeface="AdobeClean-LightIt"/>
+              </a:rPr>
+              <a:t>contact</a:t>
+            </a:r>
+            <a:r>
+              <a:rPr sz="1100" i="1" spc="-85" dirty="0">
+                <a:solidFill>
+                  <a:srgbClr val="777879"/>
+                </a:solidFill>
+                <a:latin typeface="AdobeClean-LightIt"/>
+                <a:cs typeface="AdobeClean-LightIt"/>
+              </a:rPr>
+              <a:t> </a:t>
+            </a:r>
+            <a:r>
+              <a:rPr sz="1100" i="1" spc="-15" dirty="0">
+                <a:solidFill>
+                  <a:srgbClr val="777879"/>
+                </a:solidFill>
+                <a:latin typeface="AdobeClean-LightIt"/>
+                <a:cs typeface="AdobeClean-LightIt"/>
+              </a:rPr>
+              <a:t>your</a:t>
+            </a:r>
+            <a:r>
+              <a:rPr sz="1100" i="1" spc="-70" dirty="0">
+                <a:solidFill>
+                  <a:srgbClr val="777879"/>
+                </a:solidFill>
+                <a:latin typeface="AdobeClean-LightIt"/>
+                <a:cs typeface="AdobeClean-LightIt"/>
+              </a:rPr>
+              <a:t> </a:t>
+            </a:r>
+            <a:r>
+              <a:rPr sz="1100" i="1" spc="-15" dirty="0">
+                <a:solidFill>
+                  <a:srgbClr val="777879"/>
+                </a:solidFill>
+                <a:latin typeface="AdobeClean-LightIt"/>
+                <a:cs typeface="AdobeClean-LightIt"/>
+              </a:rPr>
+              <a:t>Named</a:t>
+            </a:r>
+            <a:r>
+              <a:rPr sz="1100" i="1" spc="-55" dirty="0">
+                <a:solidFill>
+                  <a:srgbClr val="777879"/>
+                </a:solidFill>
+                <a:latin typeface="AdobeClean-LightIt"/>
+                <a:cs typeface="AdobeClean-LightIt"/>
+              </a:rPr>
+              <a:t> </a:t>
+            </a:r>
+            <a:r>
+              <a:rPr sz="1100" i="1" spc="-25" dirty="0">
+                <a:solidFill>
+                  <a:srgbClr val="777879"/>
+                </a:solidFill>
+                <a:latin typeface="AdobeClean-LightIt"/>
+                <a:cs typeface="AdobeClean-LightIt"/>
+              </a:rPr>
+              <a:t>Account</a:t>
+            </a:r>
+            <a:r>
+              <a:rPr sz="1100" i="1" spc="-120" dirty="0">
+                <a:solidFill>
+                  <a:srgbClr val="777879"/>
+                </a:solidFill>
+                <a:latin typeface="AdobeClean-LightIt"/>
+                <a:cs typeface="AdobeClean-LightIt"/>
+              </a:rPr>
+              <a:t> </a:t>
+            </a:r>
+            <a:r>
+              <a:rPr sz="1100" i="1" spc="-20" dirty="0">
+                <a:solidFill>
+                  <a:srgbClr val="777879"/>
+                </a:solidFill>
+                <a:latin typeface="AdobeClean-LightIt"/>
+                <a:cs typeface="AdobeClean-LightIt"/>
+              </a:rPr>
+              <a:t>Manager</a:t>
+            </a:r>
+            <a:r>
+              <a:rPr lang="en-US" sz="1100" i="1" spc="-20" dirty="0">
+                <a:solidFill>
+                  <a:srgbClr val="777879"/>
+                </a:solidFill>
+                <a:latin typeface="AdobeClean-LightIt"/>
+                <a:cs typeface="AdobeClean-LightIt"/>
+              </a:rPr>
+              <a:t> </a:t>
+            </a:r>
+            <a:r>
+              <a:rPr sz="1100" i="1" spc="-20" dirty="0">
+                <a:solidFill>
+                  <a:srgbClr val="777879"/>
+                </a:solidFill>
+                <a:latin typeface="AdobeClean-LightIt"/>
+                <a:cs typeface="AdobeClean-LightIt"/>
+              </a:rPr>
+              <a:t> </a:t>
+            </a:r>
+            <a:r>
+              <a:rPr sz="1100" i="1" spc="-15" dirty="0">
+                <a:solidFill>
+                  <a:srgbClr val="777879"/>
+                </a:solidFill>
+                <a:latin typeface="AdobeClean-LightIt"/>
+                <a:cs typeface="AdobeClean-LightIt"/>
+              </a:rPr>
+              <a:t>(NAM) </a:t>
+            </a:r>
+            <a:r>
+              <a:rPr sz="1100" i="1" spc="-10" dirty="0">
+                <a:solidFill>
+                  <a:srgbClr val="777879"/>
+                </a:solidFill>
+                <a:latin typeface="AdobeClean-LightIt"/>
+                <a:cs typeface="AdobeClean-LightIt"/>
+              </a:rPr>
+              <a:t>or </a:t>
+            </a:r>
+            <a:r>
+              <a:rPr sz="1100" i="1" spc="-15" dirty="0">
+                <a:solidFill>
+                  <a:srgbClr val="777879"/>
+                </a:solidFill>
+                <a:latin typeface="AdobeClean-LightIt"/>
+                <a:cs typeface="AdobeClean-LightIt"/>
+              </a:rPr>
+              <a:t>Customer </a:t>
+            </a:r>
+            <a:r>
+              <a:rPr sz="1100" i="1" spc="-20" dirty="0">
+                <a:solidFill>
+                  <a:srgbClr val="777879"/>
+                </a:solidFill>
+                <a:latin typeface="AdobeClean-LightIt"/>
+                <a:cs typeface="AdobeClean-LightIt"/>
+              </a:rPr>
+              <a:t>Success</a:t>
+            </a:r>
+            <a:r>
+              <a:rPr lang="en-US" sz="1100" i="1" spc="-20" dirty="0">
+                <a:solidFill>
+                  <a:srgbClr val="777879"/>
+                </a:solidFill>
+                <a:latin typeface="AdobeClean-LightIt"/>
+                <a:cs typeface="AdobeClean-LightIt"/>
+              </a:rPr>
+              <a:t> </a:t>
+            </a:r>
+            <a:r>
+              <a:rPr sz="1100" i="1" spc="-15" dirty="0">
+                <a:solidFill>
+                  <a:srgbClr val="777879"/>
+                </a:solidFill>
+                <a:latin typeface="AdobeClean-LightIt"/>
+                <a:cs typeface="AdobeClean-LightIt"/>
+              </a:rPr>
+              <a:t>Manager</a:t>
+            </a:r>
+            <a:r>
+              <a:rPr lang="en-US" sz="1100" i="1" spc="-15" dirty="0">
+                <a:solidFill>
+                  <a:srgbClr val="777879"/>
+                </a:solidFill>
+                <a:latin typeface="AdobeClean-LightIt"/>
+                <a:cs typeface="AdobeClean-LightIt"/>
+              </a:rPr>
+              <a:t> </a:t>
+            </a:r>
+            <a:r>
+              <a:rPr sz="1100" i="1" spc="-15" dirty="0">
+                <a:solidFill>
+                  <a:srgbClr val="777879"/>
+                </a:solidFill>
+                <a:latin typeface="AdobeClean-LightIt"/>
+                <a:cs typeface="AdobeClean-LightIt"/>
+              </a:rPr>
+              <a:t>(CSM)</a:t>
+            </a:r>
+            <a:endParaRPr sz="1100" dirty="0">
+              <a:latin typeface="AdobeClean-LightIt"/>
+              <a:cs typeface="AdobeClean-LightIt"/>
+            </a:endParaRPr>
           </a:p>
           <a:p>
             <a:pPr marL="34290">
@@ -10112,15 +11800,59 @@
               </a:spcBef>
             </a:pPr>
             <a:r>
-              <a:rPr lang="pt-BR" sz="800" dirty="0">
+              <a:rPr sz="800" spc="-5" dirty="0">
                 <a:solidFill>
                   <a:srgbClr val="6D6D6D"/>
                 </a:solidFill>
                 <a:latin typeface="Adobe Clean"/>
                 <a:cs typeface="Adobe Clean"/>
               </a:rPr>
-              <a:t>©2021 Adobe. All Rights Reserved. Adobe Confidential.</a:t>
-            </a:r>
+              <a:t>©202</a:t>
+            </a:r>
+            <a:r>
+              <a:rPr lang="en-US" sz="800" spc="-5" dirty="0">
+                <a:solidFill>
+                  <a:srgbClr val="6D6D6D"/>
+                </a:solidFill>
+                <a:latin typeface="Adobe Clean"/>
+                <a:cs typeface="Adobe Clean"/>
+              </a:rPr>
+              <a:t>1</a:t>
+            </a:r>
+            <a:r>
+              <a:rPr sz="800" spc="-5" dirty="0">
+                <a:solidFill>
+                  <a:srgbClr val="6D6D6D"/>
+                </a:solidFill>
+                <a:latin typeface="Adobe Clean"/>
+                <a:cs typeface="Adobe Clean"/>
+              </a:rPr>
+              <a:t> Adobe. All Rights Reserved. Adobe</a:t>
+            </a:r>
+            <a:r>
+              <a:rPr sz="800" spc="75" dirty="0">
+                <a:solidFill>
+                  <a:srgbClr val="6D6D6D"/>
+                </a:solidFill>
+                <a:latin typeface="Adobe Clean"/>
+                <a:cs typeface="Adobe Clean"/>
+              </a:rPr>
+              <a:t> </a:t>
+            </a:r>
+            <a:r>
+              <a:rPr sz="800" spc="-5" dirty="0">
+                <a:solidFill>
+                  <a:srgbClr val="6D6D6D"/>
+                </a:solidFill>
+                <a:latin typeface="Adobe Clean"/>
+                <a:cs typeface="Adobe Clean"/>
+              </a:rPr>
+              <a:t>Confidential.</a:t>
+            </a:r>
+            <a:endParaRPr sz="800" dirty="0">
+              <a:latin typeface="Adobe Clean"/>
+              <a:cs typeface="Adobe Clean"/>
+            </a:endParaRPr>
           </a:p>
         </p:txBody>
       </p:sp>
@@ -10157,14 +11889,14 @@
               </a:spcBef>
             </a:pPr>
             <a:r>
-              <a:rPr lang="pt-BR" sz="1400" b="1">
+              <a:rPr lang="en-US" sz="1400" b="1" spc="-15" dirty="0">
                 <a:solidFill>
                   <a:srgbClr val="020302"/>
                 </a:solidFill>
                 <a:latin typeface="Adobe Clean"/>
                 <a:cs typeface="Adobe Clean"/>
               </a:rPr>
-              <a:t>Escopo regional do Suporte da Adobe, horário local de operação e suporte de idioma</a:t>
+              <a:t>Regional scope of Adobe Support, Local Hours Of Operation And Language Support</a:t>
             </a:r>
           </a:p>
           <a:p>
@@ -10174,13 +11906,13 @@
               </a:spcBef>
             </a:pPr>
             <a:r>
-              <a:rPr lang="pt-BR" sz="1000">
+              <a:rPr lang="en-US" sz="1000" spc="-15" dirty="0">
                 <a:solidFill>
                   <a:srgbClr val="1F1F1F"/>
                 </a:solidFill>
                 <a:latin typeface="AdobeClean-Light"/>
               </a:rPr>
-              <a:t>O escopo regional do Suporte da Adobe é estabelecido alinhando o endereço de faturamento do cliente (conforme a ordem de venda ou outro documento de compra do Suporte da Adobe) a uma das regiões seguintes:</a:t>
+              <a:t>The Regional scope of Adobe Support is established by aligning the customer's billing address (via the Sales Order or other Adobe Support purchasing document) to one of the following regions:</a:t>
             </a:r>
           </a:p>
         </p:txBody>
@@ -10253,13 +11985,13 @@
                     <a:p>
                       <a:pPr algn="ctr"/>
                       <a:r>
-                        <a:rPr lang="pt-BR" sz="1100">
+                        <a:rPr lang="en-US" sz="1100" dirty="0">
                           <a:solidFill>
                             <a:schemeClr val="tx1"/>
                           </a:solidFill>
                           <a:latin typeface="Adobe Clean" panose="020B0503020404020204" pitchFamily="34" charset="0"/>
                         </a:rPr>
-                        <a:t>Américas</a:t>
+                        <a:t>Americas</a:t>
                       </a:r>
                     </a:p>
                   </a:txBody>
@@ -10318,13 +12050,13 @@
                     <a:p>
                       <a:pPr algn="ctr"/>
                       <a:r>
-                        <a:rPr lang="pt-BR" sz="1100">
+                        <a:rPr lang="en-US" sz="1100" dirty="0">
                           <a:solidFill>
                             <a:schemeClr val="tx1"/>
                           </a:solidFill>
                           <a:latin typeface="Adobe Clean" panose="020B0503020404020204" pitchFamily="34" charset="0"/>
                         </a:rPr>
-                        <a:t>Europa, Oriente Médio e África</a:t>
+                        <a:t>Europe, Middle East &amp; Africa</a:t>
                       </a:r>
                     </a:p>
                   </a:txBody>
@@ -10383,13 +12115,13 @@
                     <a:p>
                       <a:pPr algn="ctr"/>
                       <a:r>
-                        <a:rPr lang="pt-BR" sz="1100">
+                        <a:rPr lang="en-US" sz="1100" dirty="0">
                           <a:solidFill>
                             <a:schemeClr val="tx1"/>
                           </a:solidFill>
                           <a:latin typeface="Adobe Clean" panose="020B0503020404020204" pitchFamily="34" charset="0"/>
                         </a:rPr>
-                        <a:t>Ásia–Pacífico</a:t>
+                        <a:t>Asia Pacific</a:t>
                       </a:r>
                     </a:p>
                   </a:txBody>
@@ -10448,16 +12180,16 @@
                     <a:p>
                       <a:pPr algn="ctr"/>
                       <a:r>
-                        <a:rPr lang="pt-BR" sz="1100">
+                        <a:rPr lang="en-US" sz="1100" dirty="0">
                           <a:solidFill>
                             <a:schemeClr val="tx1"/>
                           </a:solidFill>
                           <a:latin typeface="Adobe Clean"/>
                         </a:rPr>
-                        <a:t>Japão</a:t>
+                        <a:t>Japan </a:t>
                       </a:r>
                       <a:r>
-                        <a:rPr lang="pt-BR" sz="1100" baseline="30000">
+                        <a:rPr lang="en-US" sz="1100" baseline="30000" dirty="0">
                           <a:solidFill>
                             <a:schemeClr val="tx1"/>
                           </a:solidFill>
@@ -10465,6 +12197,12 @@
                         </a:rPr>
                         <a:t>1 </a:t>
                       </a:r>
+                      <a:endParaRPr lang="en-US" sz="1100" dirty="0">
+                        <a:solidFill>
+                          <a:schemeClr val="tx1"/>
+                        </a:solidFill>
+                        <a:latin typeface="Adobe Clean" panose="020B0503020404020204" pitchFamily="34" charset="0"/>
+                      </a:endParaRPr>
                     </a:p>
                   </a:txBody>
                   <a:tcPr anchor="ctr">
@@ -10529,13 +12267,13 @@
                     <a:p>
                       <a:pPr algn="ctr"/>
                       <a:r>
-                        <a:rPr lang="pt-BR" sz="1100">
+                        <a:rPr lang="en-US" sz="1100" dirty="0">
                           <a:solidFill>
                             <a:schemeClr val="tx1"/>
                           </a:solidFill>
                           <a:latin typeface="Adobe Clean" panose="020B0503020404020204" pitchFamily="34" charset="0"/>
                         </a:rPr>
-                        <a:t>6h – 17h30</a:t>
+                        <a:t>6 am – 5:30 pm</a:t>
                       </a:r>
                     </a:p>
                   </a:txBody>
@@ -10594,13 +12332,13 @@
                     <a:p>
                       <a:pPr algn="ctr"/>
                       <a:r>
-                        <a:rPr lang="pt-BR" sz="1100">
+                        <a:rPr lang="en-US" sz="1100" dirty="0">
                           <a:solidFill>
                             <a:schemeClr val="tx1"/>
                           </a:solidFill>
                           <a:latin typeface="Adobe Clean" panose="020B0503020404020204" pitchFamily="34" charset="0"/>
                         </a:rPr>
-                        <a:t>9h – 17h</a:t>
+                        <a:t>9 am – 5 pm</a:t>
                       </a:r>
                     </a:p>
                   </a:txBody>
@@ -10659,13 +12397,13 @@
                     <a:p>
                       <a:pPr algn="ctr"/>
                       <a:r>
-                        <a:rPr lang="pt-BR" sz="1100">
+                        <a:rPr lang="en-US" sz="1100" dirty="0">
                           <a:solidFill>
                             <a:schemeClr val="tx1"/>
                           </a:solidFill>
                           <a:latin typeface="Adobe Clean" panose="020B0503020404020204" pitchFamily="34" charset="0"/>
                         </a:rPr>
-                        <a:t>9h – 17h</a:t>
+                        <a:t>9 am – 5 pm</a:t>
                       </a:r>
                     </a:p>
                   </a:txBody>
@@ -10724,13 +12462,13 @@
                     <a:p>
                       <a:pPr algn="ctr"/>
                       <a:r>
-                        <a:rPr lang="pt-BR" sz="1100">
+                        <a:rPr lang="en-US" sz="1100" dirty="0">
                           <a:solidFill>
                             <a:schemeClr val="tx1"/>
                           </a:solidFill>
                           <a:latin typeface="Adobe Clean" panose="020B0503020404020204" pitchFamily="34" charset="0"/>
                         </a:rPr>
-                        <a:t>9h – 17h30</a:t>
+                        <a:t>9 am – 5:30 pm</a:t>
                       </a:r>
                     </a:p>
                   </a:txBody>
@@ -10810,14 +12548,20 @@
                         <a:buNone/>
                       </a:pPr>
                       <a:r>
-                        <a:rPr lang="pt-BR" sz="1100">
+                        <a:rPr lang="en-US" sz="1100" dirty="0">
                           <a:solidFill>
                             <a:schemeClr val="tx1"/>
                           </a:solidFill>
                           <a:latin typeface="Adobe Clean"/>
                         </a:rPr>
-                        <a:t>O suporte de idioma está disponível somente em inglês e japonês.</a:t>
+                        <a:t>Language support is only available in English and Japanese.</a:t>
                       </a:r>
+                      <a:endParaRPr lang="en-US" sz="1100" dirty="0">
+                        <a:solidFill>
+                          <a:schemeClr val="tx1"/>
+                        </a:solidFill>
+                        <a:latin typeface="Adobe Clean" panose="020B0503020404020204" pitchFamily="34" charset="0"/>
+                      </a:endParaRPr>
                     </a:p>
                     <a:p>
                       <a:pPr marL="0" marR="0" lvl="0" indent="0" algn="ctr" defTabSz="914400" eaLnBrk="1" fontAlgn="auto" latinLnBrk="0" hangingPunct="1">
@@ -10838,17 +12582,17 @@
                         <a:defRPr/>
                       </a:pPr>
                       <a:r>
-                        <a:rPr lang="pt-BR" sz="1100" i="1">
+                        <a:rPr lang="en-US" sz="1100" i="1" dirty="0">
                           <a:solidFill>
                             <a:schemeClr val="tx1"/>
                           </a:solidFill>
                           <a:latin typeface="Adobe Clean"/>
                         </a:rPr>
-                        <a:t>*O Adobe Commerce exclui o suporte ao idioma japonês.</a:t>
+                        <a:t>*Adobe Commerce excludes Japanese language support.</a:t>
                       </a:r>
                     </a:p>
                     <a:p>
-                      <a:pPr algn="l" rtl="0"/>
+                      <a:pPr algn="ctr"/>
                       <a:endParaRPr kumimoji="0" lang="en-US" sz="1100" b="1" i="0" u="none" strike="noStrike" kern="0" cap="none" spc="0" normalizeH="0" baseline="30000" noProof="0" dirty="0">
                         <a:ln>
                           <a:noFill/>
@@ -10867,7 +12611,7 @@
                     <a:p>
                       <a:pPr algn="ctr"/>
                       <a:r>
-                        <a:rPr lang="pt-BR" sz="1100" i="0">
+                        <a:rPr lang="en-US" sz="1100" i="0" dirty="0">
                           <a:solidFill>
                             <a:schemeClr val="tx1"/>
                           </a:solidFill>
@@ -10876,26 +12620,32 @@
                         <a:t> </a:t>
                       </a:r>
                       <a:r>
-                        <a:rPr lang="pt-BR" sz="1100" i="0" baseline="30000">
+                        <a:rPr lang="en-US" sz="1100" i="0" baseline="30000" dirty="0">
                           <a:solidFill>
                             <a:schemeClr val="tx1"/>
                           </a:solidFill>
                           <a:latin typeface="Adobe Clean"/>
                         </a:rPr>
-                        <a:t>1</a:t>
+                        <a:t>1 </a:t>
                       </a:r>
                       <a:r>
-                        <a:rPr lang="pt-BR" sz="1100" i="0">
+                        <a:rPr lang="en-US" sz="1100" i="0" dirty="0">
                           <a:solidFill>
                             <a:schemeClr val="tx1"/>
                           </a:solidFill>
                           <a:latin typeface="Adobe Clean"/>
                         </a:rPr>
-                        <a:t>Os casos de prioridade P2, P3 e P4 estão limitados ao horário comercial somente no Japão.</a:t>
+                        <a:t>P2, P3, P4 cases are limited to business hours only in Japan.</a:t>
                       </a:r>
-                    </a:p>
-                    <a:p>
-                      <a:pPr algn="l" rtl="0"/>
+                      <a:endParaRPr lang="en-US" sz="1100" b="1" i="0" dirty="0">
+                        <a:solidFill>
+                          <a:schemeClr val="tx1"/>
+                        </a:solidFill>
+                        <a:latin typeface="Adobe Clean"/>
+                      </a:endParaRPr>
+                    </a:p>
+                    <a:p>
+                      <a:pPr algn="ctr"/>
                       <a:endParaRPr lang="en-US" sz="1100" dirty="0">
                         <a:solidFill>
                           <a:schemeClr val="tx1"/>
@@ -11256,7 +13006,7 @@
           </a:bodyPr>
           <a:lstStyle/>
           <a:p>
-            <a:pPr marR="5080" algn="ctr">
+            <a:pPr marL="139065" marR="5080" indent="-139065">
               <a:lnSpc>
                 <a:spcPts val="1390"/>
               </a:lnSpc>
@@ -11265,15 +13015,129 @@
               </a:spcBef>
             </a:pPr>
             <a:r>
-              <a:rPr lang="pt-BR" sz="1200" b="1" dirty="0">
+              <a:rPr sz="1200" b="1" spc="-15" dirty="0">
                 <a:solidFill>
                   <a:srgbClr val="FFFFFF"/>
                 </a:solidFill>
                 <a:latin typeface="Adobe Clean"/>
                 <a:cs typeface="Adobe Clean"/>
               </a:rPr>
-              <a:t>Experiência sem igual</a:t>
-            </a:r>
+              <a:t>U</a:t>
+            </a:r>
+            <a:r>
+              <a:rPr sz="1200" b="1" spc="-20" dirty="0">
+                <a:solidFill>
+                  <a:srgbClr val="FFFFFF"/>
+                </a:solidFill>
+                <a:latin typeface="Adobe Clean"/>
+                <a:cs typeface="Adobe Clean"/>
+              </a:rPr>
+              <a:t>n</a:t>
+            </a:r>
+            <a:r>
+              <a:rPr sz="1200" b="1" spc="-25" dirty="0">
+                <a:solidFill>
+                  <a:srgbClr val="FFFFFF"/>
+                </a:solidFill>
+                <a:latin typeface="Adobe Clean"/>
+                <a:cs typeface="Adobe Clean"/>
+              </a:rPr>
+              <a:t>p</a:t>
+            </a:r>
+            <a:r>
+              <a:rPr sz="1200" b="1" spc="-15" dirty="0">
+                <a:solidFill>
+                  <a:srgbClr val="FFFFFF"/>
+                </a:solidFill>
+                <a:latin typeface="Adobe Clean"/>
+                <a:cs typeface="Adobe Clean"/>
+              </a:rPr>
+              <a:t>a</a:t>
+            </a:r>
+            <a:r>
+              <a:rPr sz="1200" b="1" spc="-25" dirty="0">
+                <a:solidFill>
+                  <a:srgbClr val="FFFFFF"/>
+                </a:solidFill>
+                <a:latin typeface="Adobe Clean"/>
+                <a:cs typeface="Adobe Clean"/>
+              </a:rPr>
+              <a:t>r</a:t>
+            </a:r>
+            <a:r>
+              <a:rPr sz="1200" b="1" spc="-15" dirty="0">
+                <a:solidFill>
+                  <a:srgbClr val="FFFFFF"/>
+                </a:solidFill>
+                <a:latin typeface="Adobe Clean"/>
+                <a:cs typeface="Adobe Clean"/>
+              </a:rPr>
+              <a:t>a</a:t>
+            </a:r>
+            <a:r>
+              <a:rPr sz="1200" b="1" spc="-30" dirty="0">
+                <a:solidFill>
+                  <a:srgbClr val="FFFFFF"/>
+                </a:solidFill>
+                <a:latin typeface="Adobe Clean"/>
+                <a:cs typeface="Adobe Clean"/>
+              </a:rPr>
+              <a:t>ll</a:t>
+            </a:r>
+            <a:r>
+              <a:rPr sz="1200" b="1" spc="-25" dirty="0">
+                <a:solidFill>
+                  <a:srgbClr val="FFFFFF"/>
+                </a:solidFill>
+                <a:latin typeface="Adobe Clean"/>
+                <a:cs typeface="Adobe Clean"/>
+              </a:rPr>
+              <a:t>e</a:t>
+            </a:r>
+            <a:r>
+              <a:rPr sz="1200" b="1" spc="-30" dirty="0">
+                <a:solidFill>
+                  <a:srgbClr val="FFFFFF"/>
+                </a:solidFill>
+                <a:latin typeface="Adobe Clean"/>
+                <a:cs typeface="Adobe Clean"/>
+              </a:rPr>
+              <a:t>l</a:t>
+            </a:r>
+            <a:r>
+              <a:rPr sz="1200" b="1" spc="-25" dirty="0">
+                <a:solidFill>
+                  <a:srgbClr val="FFFFFF"/>
+                </a:solidFill>
+                <a:latin typeface="Adobe Clean"/>
+                <a:cs typeface="Adobe Clean"/>
+              </a:rPr>
+              <a:t>e</a:t>
+            </a:r>
+            <a:r>
+              <a:rPr sz="1200" b="1" dirty="0">
+                <a:solidFill>
+                  <a:srgbClr val="FFFFFF"/>
+                </a:solidFill>
+                <a:latin typeface="Adobe Clean"/>
+                <a:cs typeface="Adobe Clean"/>
+              </a:rPr>
+              <a:t>d  </a:t>
+            </a:r>
+            <a:r>
+              <a:rPr sz="1200" b="1" spc="-25" dirty="0">
+                <a:solidFill>
+                  <a:srgbClr val="FFFFFF"/>
+                </a:solidFill>
+                <a:latin typeface="Adobe Clean"/>
+                <a:cs typeface="Adobe Clean"/>
+              </a:rPr>
+              <a:t>Expertise</a:t>
+            </a:r>
+            <a:endParaRPr sz="1200" dirty="0">
+              <a:latin typeface="Adobe Clean"/>
+              <a:cs typeface="Adobe Clean"/>
+            </a:endParaRPr>
           </a:p>
         </p:txBody>
       </p:sp>
@@ -11291,8 +13155,8 @@
         </p:nvSpPr>
         <p:spPr>
           <a:xfrm>
-            <a:off x="4656295" y="8541244"/>
-            <a:ext cx="906305" cy="382797"/>
+            <a:off x="4732495" y="8541244"/>
+            <a:ext cx="810895" cy="382797"/>
           </a:xfrm>
           <a:prstGeom prst="rect">
             <a:avLst/>
@@ -11304,7 +13168,7 @@
           </a:bodyPr>
           <a:lstStyle/>
           <a:p>
-            <a:pPr marR="5080" algn="ctr">
+            <a:pPr marL="139065" marR="5080" indent="-139065">
               <a:lnSpc>
                 <a:spcPts val="1390"/>
               </a:lnSpc>
@@ -11313,15 +13177,19 @@
               </a:spcBef>
             </a:pPr>
             <a:r>
-              <a:rPr lang="pt-BR" sz="1200" b="1" dirty="0">
+              <a:rPr lang="en-US" sz="1200" b="1" spc="-15" dirty="0">
                 <a:solidFill>
                   <a:srgbClr val="FFFFFF"/>
                 </a:solidFill>
                 <a:latin typeface="Adobe Clean"/>
                 <a:cs typeface="Adobe Clean"/>
               </a:rPr>
-              <a:t>Suporte acelerado</a:t>
-            </a:r>
+              <a:t>Accelerated Support</a:t>
+            </a:r>
+            <a:endParaRPr sz="1200" dirty="0">
+              <a:latin typeface="Adobe Clean"/>
+              <a:cs typeface="Adobe Clean"/>
+            </a:endParaRPr>
           </a:p>
         </p:txBody>
       </p:sp>
@@ -11339,8 +13207,8 @@
         </p:nvSpPr>
         <p:spPr>
           <a:xfrm>
-            <a:off x="6477000" y="8543943"/>
-            <a:ext cx="841575" cy="382797"/>
+            <a:off x="6624119" y="8543943"/>
+            <a:ext cx="510540" cy="385445"/>
           </a:xfrm>
           <a:prstGeom prst="rect">
             <a:avLst/>
@@ -11352,7 +13220,7 @@
           </a:bodyPr>
           <a:lstStyle/>
           <a:p>
-            <a:pPr marL="50800" marR="5080" indent="-51435" algn="ctr">
+            <a:pPr marL="50800" marR="5080" indent="-51435">
               <a:lnSpc>
                 <a:spcPts val="1390"/>
               </a:lnSpc>
@@ -11361,15 +13229,109 @@
               </a:spcBef>
             </a:pPr>
             <a:r>
-              <a:rPr lang="pt-BR" sz="1200" b="1" dirty="0">
+              <a:rPr sz="1200" b="1" spc="-50" dirty="0">
                 <a:solidFill>
                   <a:srgbClr val="FFFFFF"/>
                 </a:solidFill>
                 <a:latin typeface="Adobe Clean"/>
                 <a:cs typeface="Adobe Clean"/>
               </a:rPr>
-              <a:t>Consultoria estratégica</a:t>
-            </a:r>
+              <a:t>S</a:t>
+            </a:r>
+            <a:r>
+              <a:rPr sz="1200" b="1" spc="-20" dirty="0">
+                <a:solidFill>
+                  <a:srgbClr val="FFFFFF"/>
+                </a:solidFill>
+                <a:latin typeface="Adobe Clean"/>
+                <a:cs typeface="Adobe Clean"/>
+              </a:rPr>
+              <a:t>t</a:t>
+            </a:r>
+            <a:r>
+              <a:rPr sz="1200" b="1" spc="-75" dirty="0">
+                <a:solidFill>
+                  <a:srgbClr val="FFFFFF"/>
+                </a:solidFill>
+                <a:latin typeface="Adobe Clean"/>
+                <a:cs typeface="Adobe Clean"/>
+              </a:rPr>
+              <a:t>r</a:t>
+            </a:r>
+            <a:r>
+              <a:rPr sz="1200" b="1" spc="-90" dirty="0">
+                <a:solidFill>
+                  <a:srgbClr val="FFFFFF"/>
+                </a:solidFill>
+                <a:latin typeface="Adobe Clean"/>
+                <a:cs typeface="Adobe Clean"/>
+              </a:rPr>
+              <a:t>a</a:t>
+            </a:r>
+            <a:r>
+              <a:rPr sz="1200" b="1" spc="-55" dirty="0">
+                <a:solidFill>
+                  <a:srgbClr val="FFFFFF"/>
+                </a:solidFill>
+                <a:latin typeface="Adobe Clean"/>
+                <a:cs typeface="Adobe Clean"/>
+              </a:rPr>
+              <a:t>t</a:t>
+            </a:r>
+            <a:r>
+              <a:rPr sz="1200" b="1" spc="-100" dirty="0">
+                <a:solidFill>
+                  <a:srgbClr val="FFFFFF"/>
+                </a:solidFill>
+                <a:latin typeface="Adobe Clean"/>
+                <a:cs typeface="Adobe Clean"/>
+              </a:rPr>
+              <a:t>e</a:t>
+            </a:r>
+            <a:r>
+              <a:rPr sz="1200" b="1" spc="-80" dirty="0">
+                <a:solidFill>
+                  <a:srgbClr val="FFFFFF"/>
+                </a:solidFill>
+                <a:latin typeface="Adobe Clean"/>
+                <a:cs typeface="Adobe Clean"/>
+              </a:rPr>
+              <a:t>g</a:t>
+            </a:r>
+            <a:r>
+              <a:rPr sz="1200" b="1" spc="-35" dirty="0">
+                <a:solidFill>
+                  <a:srgbClr val="FFFFFF"/>
+                </a:solidFill>
+                <a:latin typeface="Adobe Clean"/>
+                <a:cs typeface="Adobe Clean"/>
+              </a:rPr>
+              <a:t>i</a:t>
+            </a:r>
+            <a:r>
+              <a:rPr sz="1200" b="1" dirty="0">
+                <a:solidFill>
+                  <a:srgbClr val="FFFFFF"/>
+                </a:solidFill>
+                <a:latin typeface="Adobe Clean"/>
+                <a:cs typeface="Adobe Clean"/>
+              </a:rPr>
+              <a:t>c  </a:t>
+            </a:r>
+            <a:r>
+              <a:rPr sz="1200" b="1" spc="-45" dirty="0">
+                <a:solidFill>
+                  <a:srgbClr val="FFFFFF"/>
+                </a:solidFill>
+                <a:latin typeface="Adobe Clean"/>
+                <a:cs typeface="Adobe Clean"/>
+              </a:rPr>
+              <a:t>Advice</a:t>
+            </a:r>
+            <a:endParaRPr sz="1200" dirty="0">
+              <a:latin typeface="Adobe Clean"/>
+              <a:cs typeface="Adobe Clean"/>
+            </a:endParaRPr>
           </a:p>
         </p:txBody>
       </p:sp>
@@ -11388,14 +13350,14 @@
           <p:nvPr>
             <p:extLst>
               <p:ext uri="{D42A27DB-BD31-4B8C-83A1-F6EECF244321}">
-                <p14:modId xmlns:p14="http://schemas.microsoft.com/office/powerpoint/2010/main" val="2855027042"/>
+                <p14:modId xmlns:p14="http://schemas.microsoft.com/office/powerpoint/2010/main" val="1366573891"/>
               </p:ext>
             </p:extLst>
           </p:nvPr>
         </p:nvGraphicFramePr>
         <p:xfrm>
           <a:off x="194236" y="1059345"/>
-          <a:ext cx="7368291" cy="3388360"/>
+          <a:ext cx="7368291" cy="2931160"/>
         </p:xfrm>
         <a:graphic>
           <a:graphicData uri="http://schemas.openxmlformats.org/drawingml/2006/table">
@@ -11426,7 +13388,7 @@
                     <a:lstStyle/>
                     <a:p>
                       <a:r>
-                        <a:rPr lang="pt-BR" sz="1100" b="0">
+                        <a:rPr lang="en-US" sz="1100" b="0" dirty="0">
                           <a:solidFill>
                             <a:schemeClr val="tx1"/>
                           </a:solidFill>
@@ -11437,6 +13399,14 @@
                         </a:rPr>
                         <a:t>Experience League</a:t>
                       </a:r>
+                      <a:endParaRPr lang="en-US" sz="1100" b="0" dirty="0">
+                        <a:solidFill>
+                          <a:schemeClr val="tx1"/>
+                        </a:solidFill>
+                        <a:latin typeface="Adobe Clean" panose="020B0503020404020204" pitchFamily="34" charset="0"/>
+                        <a:ea typeface="+mn-ea"/>
+                        <a:cs typeface="+mn-cs"/>
+                      </a:endParaRPr>
                     </a:p>
                   </a:txBody>
                   <a:tcPr marL="47625" marR="47625" marT="0" marB="0" anchor="ctr">
@@ -11510,7 +13480,7 @@
                         <a:defRPr/>
                       </a:pPr>
                       <a:r>
-                        <a:rPr lang="pt-BR" sz="1000" b="0" dirty="0">
+                        <a:rPr lang="en-US" sz="1000" b="0" kern="1200" dirty="0">
                           <a:solidFill>
                             <a:srgbClr val="000000"/>
                           </a:solidFill>
@@ -11518,70 +13488,7 @@
                           <a:ea typeface="+mn-ea"/>
                           <a:cs typeface="+mn-cs"/>
                         </a:rPr>
-                        <a:t>A Experience League foi criada para ajudar as empresas a alcançar </a:t>
-                      </a:r>
-                      <a:br>
-                        <a:rPr lang="sk-SK" sz="1000" b="0" dirty="0">
-                          <a:solidFill>
-                            <a:srgbClr val="000000"/>
-                          </a:solidFill>
-                          <a:latin typeface="Adobe Clean Light" panose="020B0303020404020204" pitchFamily="34" charset="0"/>
-                          <a:ea typeface="+mn-ea"/>
-                          <a:cs typeface="+mn-cs"/>
-                        </a:rPr>
-                      </a:br>
-                      <a:r>
-                        <a:rPr lang="pt-BR" sz="1000" b="0" dirty="0">
-                          <a:solidFill>
-                            <a:srgbClr val="000000"/>
-                          </a:solidFill>
-                          <a:latin typeface="Adobe Clean Light" panose="020B0303020404020204" pitchFamily="34" charset="0"/>
-                          <a:ea typeface="+mn-ea"/>
-                          <a:cs typeface="+mn-cs"/>
-                        </a:rPr>
-                        <a:t>o valor que esperam do seu investimento em produtos da Adobe. </a:t>
-                      </a:r>
-                      <a:br>
-                        <a:rPr lang="sk-SK" sz="1000" b="0" dirty="0">
-                          <a:solidFill>
-                            <a:srgbClr val="000000"/>
-                          </a:solidFill>
-                          <a:latin typeface="Adobe Clean Light" panose="020B0303020404020204" pitchFamily="34" charset="0"/>
-                          <a:ea typeface="+mn-ea"/>
-                          <a:cs typeface="+mn-cs"/>
-                        </a:rPr>
-                      </a:br>
-                      <a:r>
-                        <a:rPr lang="pt-BR" sz="1000" b="0" dirty="0">
-                          <a:solidFill>
-                            <a:srgbClr val="000000"/>
-                          </a:solidFill>
-                          <a:latin typeface="Adobe Clean Light" panose="020B0303020404020204" pitchFamily="34" charset="0"/>
-                          <a:ea typeface="+mn-ea"/>
-                          <a:cs typeface="+mn-cs"/>
-                        </a:rPr>
-                        <a:t>É o local unificado onde os clientes podem aprender, interagir e crescer ao longo de um caminho personalizado de sucesso que inclui tutoriais de autoatendimento, documentação dos produtos, treinamento </a:t>
-                      </a:r>
-                      <a:br>
-                        <a:rPr lang="sk-SK" sz="1000" b="0" dirty="0">
-                          <a:solidFill>
-                            <a:srgbClr val="000000"/>
-                          </a:solidFill>
-                          <a:latin typeface="Adobe Clean Light" panose="020B0303020404020204" pitchFamily="34" charset="0"/>
-                          <a:ea typeface="+mn-ea"/>
-                          <a:cs typeface="+mn-cs"/>
-                        </a:rPr>
-                      </a:br>
-                      <a:r>
-                        <a:rPr lang="pt-BR" sz="1000" b="0" dirty="0">
-                          <a:solidFill>
-                            <a:srgbClr val="000000"/>
-                          </a:solidFill>
-                          <a:latin typeface="Adobe Clean Light" panose="020B0303020404020204" pitchFamily="34" charset="0"/>
-                          <a:ea typeface="+mn-ea"/>
-                          <a:cs typeface="+mn-cs"/>
-                        </a:rPr>
-                        <a:t>com instrutores e suporte técnico e da comunidade. </a:t>
+                        <a:t>Experience League is how Adobe helps businesses achieve the value they expect from their Adobe investment. It’s the unified place where customers can learn, connect, and grow along a personalized path to success that includes self-help tutorials, product documentation, instructor-led training, community and technical support. </a:t>
                       </a:r>
                     </a:p>
                   </a:txBody>
@@ -11663,28 +13570,39 @@
                         <a:defRPr/>
                       </a:pPr>
                       <a:r>
-                        <a:rPr lang="pt-BR" sz="1100">
+                        <a:rPr lang="en-US" sz="1100" dirty="0">
                           <a:solidFill>
                             <a:schemeClr val="dk1"/>
                           </a:solidFill>
+                          <a:effectLst/>
                           <a:latin typeface="Adobe Clean" panose="020B0503020404020204" pitchFamily="34" charset="0"/>
                           <a:ea typeface="+mn-ea"/>
                           <a:cs typeface="+mn-cs"/>
                           <a:hlinkClick r:id="rId8"/>
                         </a:rPr>
-                        <a:t>Treinamento</a:t>
+                        <a:t>Training</a:t>
                       </a:r>
                       <a:r>
-                        <a:rPr lang="pt-BR" sz="1100">
+                        <a:rPr lang="en-US" sz="1100" dirty="0">
                           <a:solidFill>
                             <a:schemeClr val="dk1"/>
                           </a:solidFill>
+                          <a:effectLst/>
                           <a:latin typeface="Adobe Clean" panose="020B0503020404020204" pitchFamily="34" charset="0"/>
                           <a:ea typeface="+mn-ea"/>
                           <a:cs typeface="+mn-cs"/>
                         </a:rPr>
                         <a:t> </a:t>
                       </a:r>
+                      <a:endParaRPr lang="en-US" sz="1100" dirty="0">
+                        <a:solidFill>
+                          <a:schemeClr val="tx1"/>
+                        </a:solidFill>
+                        <a:effectLst/>
+                        <a:latin typeface="Adobe Clean" panose="020B0503020404020204" pitchFamily="34" charset="0"/>
+                        <a:ea typeface="+mn-ea"/>
+                        <a:cs typeface="+mn-cs"/>
+                      </a:endParaRPr>
                     </a:p>
                   </a:txBody>
                   <a:tcPr anchor="ctr">
@@ -11758,7 +13676,7 @@
                         <a:defRPr/>
                       </a:pPr>
                       <a:r>
-                        <a:rPr lang="pt-BR" sz="1000">
+                        <a:rPr lang="en-US" sz="1000" kern="1200" dirty="0">
                           <a:solidFill>
                             <a:srgbClr val="000000"/>
                           </a:solidFill>
@@ -11766,7 +13684,7 @@
                           <a:ea typeface="+mn-ea"/>
                           <a:cs typeface="+mn-cs"/>
                         </a:rPr>
-                        <a:t>O acesso aos cursos do Adobe Digital Learning Services está disponível na Experience League. Os cursos de aprendizagem incluem lições sob demanda e com instrutores.  É um lugar para adquirir habilidades com reconhecido valor de mercado que você pode pôr em prática para impulsionar o sucesso na sua organização.</a:t>
+                        <a:t>Adobe Digital Learning Services courses are accessible from Experience League. Learning courses integrate both on-demand and instructor-led lessons.  Here you can accrue skills that have recognized market value and position them to drive success in your organizations.</a:t>
                       </a:r>
                     </a:p>
                   </a:txBody>
@@ -11848,17 +13766,27 @@
                         <a:defRPr/>
                       </a:pPr>
                       <a:r>
-                        <a:rPr lang="pt-BR" sz="1100">
+                        <a:rPr lang="en-US" sz="1100" dirty="0">
                           <a:solidFill>
                             <a:schemeClr val="tx1"/>
                           </a:solidFill>
+                          <a:effectLst/>
                           <a:latin typeface="Adobe Clean" panose="020B0503020404020204" pitchFamily="34" charset="0"/>
                           <a:ea typeface="+mn-ea"/>
                           <a:cs typeface="+mn-cs"/>
                           <a:hlinkClick r:id="rId9"/>
                         </a:rPr>
-                        <a:t>Problemas de produção e paralisações do sistema</a:t>
+                        <a:t>Production Issues &amp; System Outages</a:t>
                       </a:r>
+                      <a:endParaRPr lang="en-US" sz="1100" dirty="0">
+                        <a:solidFill>
+                          <a:schemeClr val="tx1"/>
+                        </a:solidFill>
+                        <a:effectLst/>
+                        <a:latin typeface="Adobe Clean" panose="020B0503020404020204" pitchFamily="34" charset="0"/>
+                        <a:ea typeface="+mn-ea"/>
+                        <a:cs typeface="+mn-cs"/>
+                      </a:endParaRPr>
                     </a:p>
                   </a:txBody>
                   <a:tcPr anchor="ctr">
@@ -11932,7 +13860,7 @@
                         <a:defRPr/>
                       </a:pPr>
                       <a:r>
-                        <a:rPr lang="pt-BR" sz="1000" dirty="0">
+                        <a:rPr lang="en-US" sz="1000" kern="1200" dirty="0">
                           <a:solidFill>
                             <a:srgbClr val="000000"/>
                           </a:solidFill>
@@ -11940,28 +13868,7 @@
                           <a:ea typeface="+mn-ea"/>
                           <a:cs typeface="+mn-cs"/>
                         </a:rPr>
-                        <a:t>O Status.adobe.com transmite as informações de integridade de todos os produtos e serviços da Adobe implantados em ambientes de vários locatários. Os clientes podem escolher suas preferências de subscrição para receber notificações por email sempre que a Adobe criar, atualizar ou resolver um evento de produto. Isso pode incluir manutenção programada ou problemas de serviço com diferentes níveis </a:t>
-                      </a:r>
-                      <a:br>
-                        <a:rPr lang="sk-SK" sz="1000" dirty="0">
-                          <a:solidFill>
-                            <a:srgbClr val="000000"/>
-                          </a:solidFill>
-                          <a:latin typeface="Adobe Clean Light" panose="020B0303020404020204" pitchFamily="34" charset="0"/>
-                          <a:ea typeface="+mn-ea"/>
-                          <a:cs typeface="+mn-cs"/>
-                        </a:rPr>
-                      </a:br>
-                      <a:r>
-                        <a:rPr lang="pt-BR" sz="1000" dirty="0">
-                          <a:solidFill>
-                            <a:srgbClr val="000000"/>
-                          </a:solidFill>
-                          <a:latin typeface="Adobe Clean Light" panose="020B0303020404020204" pitchFamily="34" charset="0"/>
-                          <a:ea typeface="+mn-ea"/>
-                          <a:cs typeface="+mn-cs"/>
-                        </a:rPr>
-                        <a:t>de gravidade. </a:t>
+                        <a:t>Status.adobe.com conveys the health information of all Adobe products and services that are deployed in multi-tenant environments. Customers can choose their subscription preferences to get email notifications whenever Adobe creates, updates or resolves a product event. This can include scheduled maintenance or service issues of varying levels of severity. </a:t>
                       </a:r>
                     </a:p>
                   </a:txBody>
@@ -12043,17 +13950,27 @@
                         <a:defRPr/>
                       </a:pPr>
                       <a:r>
-                        <a:rPr lang="pt-BR" sz="1100">
+                        <a:rPr lang="en-US" sz="1100" dirty="0">
                           <a:solidFill>
                             <a:schemeClr val="tx1"/>
                           </a:solidFill>
+                          <a:effectLst/>
                           <a:latin typeface="Adobe Clean" panose="020B0503020404020204" pitchFamily="34" charset="0"/>
                           <a:ea typeface="+mn-ea"/>
                           <a:cs typeface="+mn-cs"/>
                           <a:hlinkClick r:id="rId10"/>
                         </a:rPr>
-                        <a:t>Termos e condições</a:t>
+                        <a:t>Terms and Conditions</a:t>
                       </a:r>
+                      <a:endParaRPr lang="en-US" sz="1100" dirty="0">
+                        <a:solidFill>
+                          <a:schemeClr val="tx1"/>
+                        </a:solidFill>
+                        <a:effectLst/>
+                        <a:latin typeface="Adobe Clean" panose="020B0503020404020204" pitchFamily="34" charset="0"/>
+                        <a:ea typeface="+mn-ea"/>
+                        <a:cs typeface="+mn-cs"/>
+                      </a:endParaRPr>
                     </a:p>
                   </a:txBody>
                   <a:tcPr anchor="ctr">
@@ -12110,7 +14027,7 @@
                     <a:lstStyle/>
                     <a:p>
                       <a:r>
-                        <a:rPr lang="pt-BR" sz="1000" dirty="0">
+                        <a:rPr lang="en-US" sz="1000" kern="1200" dirty="0">
                           <a:solidFill>
                             <a:srgbClr val="000000"/>
                           </a:solidFill>
@@ -12118,7 +14035,7 @@
                           <a:ea typeface="+mn-ea"/>
                           <a:cs typeface="+mn-cs"/>
                         </a:rPr>
-                        <a:t>Os Termos e condições que detalham os serviços de suporte</a:t>
+                        <a:t>Terms and conditions detailing Support Services offerings.</a:t>
                       </a:r>
                     </a:p>
                   </a:txBody>
@@ -12889,6 +14806,21 @@
 </file>
 
 <file path=customXml/item1.xml><?xml version="1.0" encoding="utf-8"?>
+<?mso-contentType ?>
+<FormTemplates xmlns="http://schemas.microsoft.com/sharepoint/v3/contenttype/forms">
+  <Display>DocumentLibraryForm</Display>
+  <Edit>DocumentLibraryForm</Edit>
+  <New>DocumentLibraryForm</New>
+</FormTemplates>
+</file>
+
+<file path=customXml/item2.xml><?xml version="1.0" encoding="utf-8"?>
+<p:properties xmlns:p="http://schemas.microsoft.com/office/2006/metadata/properties" xmlns:xsi="http://www.w3.org/2001/XMLSchema-instance" xmlns:pc="http://schemas.microsoft.com/office/infopath/2007/PartnerControls">
+  <documentManagement/>
+</p:properties>
+</file>
+
+<file path=customXml/item3.xml><?xml version="1.0" encoding="utf-8"?>
 <ct:contentTypeSchema xmlns:ct="http://schemas.microsoft.com/office/2006/metadata/contentType" xmlns:ma="http://schemas.microsoft.com/office/2006/metadata/properties/metaAttributes" ct:_="" ma:_="" ma:contentTypeName="Document" ma:contentTypeID="0x010100E783BF6876BCC646A459363AF21A7736" ma:contentTypeVersion="10" ma:contentTypeDescription="Create a new document." ma:contentTypeScope="" ma:versionID="c4ffda7f4f415767600769e454c2ea87">
   <xsd:schema xmlns:xsd="http://www.w3.org/2001/XMLSchema" xmlns:xs="http://www.w3.org/2001/XMLSchema" xmlns:p="http://schemas.microsoft.com/office/2006/metadata/properties" xmlns:ns2="8a053bff-88be-49e4-9a87-e748e18b8b62" xmlns:ns3="6c8368ec-3776-49b5-a5bb-90648cf9530f" targetNamespace="http://schemas.microsoft.com/office/2006/metadata/properties" ma:root="true" ma:fieldsID="df3ec33bccc23e23bce7bc897fad43d1" ns2:_="" ns3:_="">
     <xsd:import namespace="8a053bff-88be-49e4-9a87-e748e18b8b62"/>
@@ -13093,22 +15025,32 @@
 </ct:contentTypeSchema>
 </file>
 
-<file path=customXml/item2.xml><?xml version="1.0" encoding="utf-8"?>
-<p:properties xmlns:p="http://schemas.microsoft.com/office/2006/metadata/properties" xmlns:xsi="http://www.w3.org/2001/XMLSchema-instance" xmlns:pc="http://schemas.microsoft.com/office/infopath/2007/PartnerControls">
-  <documentManagement/>
-</p:properties>
+<file path=customXml/itemProps1.xml><?xml version="1.0" encoding="utf-8"?>
+<ds:datastoreItem xmlns:ds="http://schemas.openxmlformats.org/officeDocument/2006/customXml" ds:itemID="{AC92E7FA-19A2-4675-9C77-2C92D8A268D1}">
+  <ds:schemaRefs>
+    <ds:schemaRef ds:uri="http://schemas.microsoft.com/sharepoint/v3/contenttype/forms"/>
+  </ds:schemaRefs>
+</ds:datastoreItem>
 </file>
 
-<file path=customXml/item3.xml><?xml version="1.0" encoding="utf-8"?>
-<?mso-contentType ?>
-<FormTemplates xmlns="http://schemas.microsoft.com/sharepoint/v3/contenttype/forms">
-  <Display>DocumentLibraryForm</Display>
-  <Edit>DocumentLibraryForm</Edit>
-  <New>DocumentLibraryForm</New>
-</FormTemplates>
+<file path=customXml/itemProps2.xml><?xml version="1.0" encoding="utf-8"?>
+<ds:datastoreItem xmlns:ds="http://schemas.openxmlformats.org/officeDocument/2006/customXml" ds:itemID="{8D12BD98-169B-4BEE-86DF-4C9641DF23C4}">
+  <ds:schemaRefs>
+    <ds:schemaRef ds:uri="http://schemas.microsoft.com/office/2006/documentManagement/types"/>
+    <ds:schemaRef ds:uri="http://schemas.microsoft.com/office/2006/metadata/properties"/>
+    <ds:schemaRef ds:uri="http://www.w3.org/XML/1998/namespace"/>
+    <ds:schemaRef ds:uri="http://purl.org/dc/terms/"/>
+    <ds:schemaRef ds:uri="http://purl.org/dc/elements/1.1/"/>
+    <ds:schemaRef ds:uri="http://schemas.microsoft.com/office/infopath/2007/PartnerControls"/>
+    <ds:schemaRef ds:uri="http://schemas.openxmlformats.org/package/2006/metadata/core-properties"/>
+    <ds:schemaRef ds:uri="8a053bff-88be-49e4-9a87-e748e18b8b62"/>
+    <ds:schemaRef ds:uri="6c8368ec-3776-49b5-a5bb-90648cf9530f"/>
+    <ds:schemaRef ds:uri="http://purl.org/dc/dcmitype/"/>
+  </ds:schemaRefs>
+</ds:datastoreItem>
 </file>
 
-<file path=customXml/itemProps1.xml><?xml version="1.0" encoding="utf-8"?>
+<file path=customXml/itemProps3.xml><?xml version="1.0" encoding="utf-8"?>
 <ds:datastoreItem xmlns:ds="http://schemas.openxmlformats.org/officeDocument/2006/customXml" ds:itemID="{34863498-7BB7-4F09-9F4A-B99E97FDB0EB}">
   <ds:schemaRefs>
     <ds:schemaRef ds:uri="http://schemas.microsoft.com/office/2006/metadata/contentType"/>
@@ -13125,21 +15067,4 @@
     <ds:schemaRef ds:uri="http://schemas.microsoft.com/internal/obd"/>
   </ds:schemaRefs>
 </ds:datastoreItem>
-</file>
-
-<file path=customXml/itemProps2.xml><?xml version="1.0" encoding="utf-8"?>
-<ds:datastoreItem xmlns:ds="http://schemas.openxmlformats.org/officeDocument/2006/customXml" ds:itemID="{8D12BD98-169B-4BEE-86DF-4C9641DF23C4}">
-  <ds:schemaRefs>
-    <ds:schemaRef ds:uri="http://schemas.microsoft.com/office/2006/metadata/properties"/>
-    <ds:schemaRef ds:uri="http://schemas.microsoft.com/office/infopath/2007/PartnerControls"/>
-  </ds:schemaRefs>
-</ds:datastoreItem>
-</file>
-
-<file path=customXml/itemProps3.xml><?xml version="1.0" encoding="utf-8"?>
-<ds:datastoreItem xmlns:ds="http://schemas.openxmlformats.org/officeDocument/2006/customXml" ds:itemID="{AC92E7FA-19A2-4675-9C77-2C92D8A268D1}">
-  <ds:schemaRefs>
-    <ds:schemaRef ds:uri="http://schemas.microsoft.com/sharepoint/v3/contenttype/forms"/>
-  </ds:schemaRefs>
-</ds:datastoreItem>
 </file>
--- a/help/data-sheets/assets/OnlineSupportDatasheet.pptx
+++ b/help/data-sheets/assets/OnlineSupportDatasheet.pptx
@@ -131,7 +131,7 @@
 <file path=ppt/revisionInfo.xml><?xml version="1.0" encoding="utf-8"?>
 <p1510:revInfo xmlns:a="http://schemas.openxmlformats.org/drawingml/2006/main" xmlns:r="http://schemas.openxmlformats.org/officeDocument/2006/relationships" xmlns:p1510="http://schemas.microsoft.com/office/powerpoint/2015/10/main">
   <p1510:revLst>
-    <p1510:client id="{096F7488-A26A-D845-83B0-BE2FC48D1AFD}" v="1" dt="2021-10-13T19:37:08.512"/>
+    <p1510:client id="{5343DD59-8FB2-7AAD-1875-255EDB54B98D}" v="367" dt="2021-09-22T18:47:16.489"/>
   </p1510:revLst>
 </p1510:revInfo>
 </file>
@@ -167,186 +167,6 @@
             <ac:graphicFrameMk id="25" creationId="{3A91F5B0-3974-A14D-A146-FB590F2AAD18}"/>
           </ac:graphicFrameMkLst>
         </pc:graphicFrameChg>
-      </pc:sldChg>
-    </pc:docChg>
-  </pc:docChgLst>
-  <pc:docChgLst>
-    <pc:chgData name="Akilah Johnson" userId="S::akjohnso@adobe.com::2fa3aa60-0c9c-4d06-bae2-795983241227" providerId="AD" clId="Web-{57A486D7-8267-4044-450E-B1D42691F1A4}"/>
-    <pc:docChg chg="modSld">
-      <pc:chgData name="Akilah Johnson" userId="S::akjohnso@adobe.com::2fa3aa60-0c9c-4d06-bae2-795983241227" providerId="AD" clId="Web-{57A486D7-8267-4044-450E-B1D42691F1A4}" dt="2021-10-12T15:47:55.091" v="2" actId="20577"/>
-      <pc:docMkLst>
-        <pc:docMk/>
-      </pc:docMkLst>
-      <pc:sldChg chg="modSp">
-        <pc:chgData name="Akilah Johnson" userId="S::akjohnso@adobe.com::2fa3aa60-0c9c-4d06-bae2-795983241227" providerId="AD" clId="Web-{57A486D7-8267-4044-450E-B1D42691F1A4}" dt="2021-10-12T15:47:55.091" v="2" actId="20577"/>
-        <pc:sldMkLst>
-          <pc:docMk/>
-          <pc:sldMk cId="0" sldId="256"/>
-        </pc:sldMkLst>
-        <pc:spChg chg="mod">
-          <ac:chgData name="Akilah Johnson" userId="S::akjohnso@adobe.com::2fa3aa60-0c9c-4d06-bae2-795983241227" providerId="AD" clId="Web-{57A486D7-8267-4044-450E-B1D42691F1A4}" dt="2021-10-12T15:47:55.091" v="2" actId="20577"/>
-          <ac:spMkLst>
-            <pc:docMk/>
-            <pc:sldMk cId="0" sldId="256"/>
-            <ac:spMk id="5" creationId="{00000000-0000-0000-0000-000000000000}"/>
-          </ac:spMkLst>
-        </pc:spChg>
-      </pc:sldChg>
-    </pc:docChg>
-  </pc:docChgLst>
-  <pc:docChgLst>
-    <pc:chgData name="Lauren Schutte" userId="6e08b2d3-447a-4d66-86be-444d50df187f" providerId="ADAL" clId="{096F7488-A26A-D845-83B0-BE2FC48D1AFD}"/>
-    <pc:docChg chg="modSld">
-      <pc:chgData name="Lauren Schutte" userId="6e08b2d3-447a-4d66-86be-444d50df187f" providerId="ADAL" clId="{096F7488-A26A-D845-83B0-BE2FC48D1AFD}" dt="2021-10-13T19:38:26.139" v="4" actId="20577"/>
-      <pc:docMkLst>
-        <pc:docMk/>
-      </pc:docMkLst>
-      <pc:sldChg chg="modSp mod">
-        <pc:chgData name="Lauren Schutte" userId="6e08b2d3-447a-4d66-86be-444d50df187f" providerId="ADAL" clId="{096F7488-A26A-D845-83B0-BE2FC48D1AFD}" dt="2021-10-13T19:37:16.686" v="2" actId="242"/>
-        <pc:sldMkLst>
-          <pc:docMk/>
-          <pc:sldMk cId="0" sldId="256"/>
-        </pc:sldMkLst>
-        <pc:graphicFrameChg chg="mod modGraphic">
-          <ac:chgData name="Lauren Schutte" userId="6e08b2d3-447a-4d66-86be-444d50df187f" providerId="ADAL" clId="{096F7488-A26A-D845-83B0-BE2FC48D1AFD}" dt="2021-10-13T19:37:16.686" v="2" actId="242"/>
-          <ac:graphicFrameMkLst>
-            <pc:docMk/>
-            <pc:sldMk cId="0" sldId="256"/>
-            <ac:graphicFrameMk id="9" creationId="{00000000-0000-0000-0000-000000000000}"/>
-          </ac:graphicFrameMkLst>
-        </pc:graphicFrameChg>
-      </pc:sldChg>
-      <pc:sldChg chg="modSp mod">
-        <pc:chgData name="Lauren Schutte" userId="6e08b2d3-447a-4d66-86be-444d50df187f" providerId="ADAL" clId="{096F7488-A26A-D845-83B0-BE2FC48D1AFD}" dt="2021-10-13T19:38:11.810" v="3" actId="20577"/>
-        <pc:sldMkLst>
-          <pc:docMk/>
-          <pc:sldMk cId="0" sldId="257"/>
-        </pc:sldMkLst>
-        <pc:spChg chg="mod">
-          <ac:chgData name="Lauren Schutte" userId="6e08b2d3-447a-4d66-86be-444d50df187f" providerId="ADAL" clId="{096F7488-A26A-D845-83B0-BE2FC48D1AFD}" dt="2021-10-13T19:38:11.810" v="3" actId="20577"/>
-          <ac:spMkLst>
-            <pc:docMk/>
-            <pc:sldMk cId="0" sldId="257"/>
-            <ac:spMk id="39" creationId="{00000000-0000-0000-0000-000000000000}"/>
-          </ac:spMkLst>
-        </pc:spChg>
-      </pc:sldChg>
-      <pc:sldChg chg="modSp mod">
-        <pc:chgData name="Lauren Schutte" userId="6e08b2d3-447a-4d66-86be-444d50df187f" providerId="ADAL" clId="{096F7488-A26A-D845-83B0-BE2FC48D1AFD}" dt="2021-10-13T19:38:26.139" v="4" actId="20577"/>
-        <pc:sldMkLst>
-          <pc:docMk/>
-          <pc:sldMk cId="799510854" sldId="260"/>
-        </pc:sldMkLst>
-        <pc:graphicFrameChg chg="modGraphic">
-          <ac:chgData name="Lauren Schutte" userId="6e08b2d3-447a-4d66-86be-444d50df187f" providerId="ADAL" clId="{096F7488-A26A-D845-83B0-BE2FC48D1AFD}" dt="2021-10-13T19:38:26.139" v="4" actId="20577"/>
-          <ac:graphicFrameMkLst>
-            <pc:docMk/>
-            <pc:sldMk cId="799510854" sldId="260"/>
-            <ac:graphicFrameMk id="111" creationId="{D8653CEC-4213-DE40-9BAF-D1E3318FF89C}"/>
-          </ac:graphicFrameMkLst>
-        </pc:graphicFrameChg>
-      </pc:sldChg>
-    </pc:docChg>
-  </pc:docChgLst>
-  <pc:docChgLst>
-    <pc:chgData name="Akilah Johnson" userId="S::akjohnso@adobe.com::2fa3aa60-0c9c-4d06-bae2-795983241227" providerId="AD" clId="Web-{CF46E89E-48FC-BA32-13C5-654DDA452FDC}"/>
-    <pc:docChg chg="modSld">
-      <pc:chgData name="Akilah Johnson" userId="S::akjohnso@adobe.com::2fa3aa60-0c9c-4d06-bae2-795983241227" providerId="AD" clId="Web-{CF46E89E-48FC-BA32-13C5-654DDA452FDC}" dt="2021-10-12T17:00:50.675" v="21" actId="20577"/>
-      <pc:docMkLst>
-        <pc:docMk/>
-      </pc:docMkLst>
-      <pc:sldChg chg="modSp">
-        <pc:chgData name="Akilah Johnson" userId="S::akjohnso@adobe.com::2fa3aa60-0c9c-4d06-bae2-795983241227" providerId="AD" clId="Web-{CF46E89E-48FC-BA32-13C5-654DDA452FDC}" dt="2021-10-12T16:58:10.550" v="6" actId="20577"/>
-        <pc:sldMkLst>
-          <pc:docMk/>
-          <pc:sldMk cId="0" sldId="256"/>
-        </pc:sldMkLst>
-        <pc:spChg chg="mod">
-          <ac:chgData name="Akilah Johnson" userId="S::akjohnso@adobe.com::2fa3aa60-0c9c-4d06-bae2-795983241227" providerId="AD" clId="Web-{CF46E89E-48FC-BA32-13C5-654DDA452FDC}" dt="2021-10-12T16:58:10.550" v="6" actId="20577"/>
-          <ac:spMkLst>
-            <pc:docMk/>
-            <pc:sldMk cId="0" sldId="256"/>
-            <ac:spMk id="2" creationId="{00000000-0000-0000-0000-000000000000}"/>
-          </ac:spMkLst>
-        </pc:spChg>
-        <pc:graphicFrameChg chg="mod modGraphic">
-          <ac:chgData name="Akilah Johnson" userId="S::akjohnso@adobe.com::2fa3aa60-0c9c-4d06-bae2-795983241227" providerId="AD" clId="Web-{CF46E89E-48FC-BA32-13C5-654DDA452FDC}" dt="2021-10-12T16:57:07.113" v="1"/>
-          <ac:graphicFrameMkLst>
-            <pc:docMk/>
-            <pc:sldMk cId="0" sldId="256"/>
-            <ac:graphicFrameMk id="8" creationId="{00000000-0000-0000-0000-000000000000}"/>
-          </ac:graphicFrameMkLst>
-        </pc:graphicFrameChg>
-      </pc:sldChg>
-      <pc:sldChg chg="modSp">
-        <pc:chgData name="Akilah Johnson" userId="S::akjohnso@adobe.com::2fa3aa60-0c9c-4d06-bae2-795983241227" providerId="AD" clId="Web-{CF46E89E-48FC-BA32-13C5-654DDA452FDC}" dt="2021-10-12T16:59:59.628" v="14" actId="20577"/>
-        <pc:sldMkLst>
-          <pc:docMk/>
-          <pc:sldMk cId="0" sldId="257"/>
-        </pc:sldMkLst>
-        <pc:spChg chg="mod">
-          <ac:chgData name="Akilah Johnson" userId="S::akjohnso@adobe.com::2fa3aa60-0c9c-4d06-bae2-795983241227" providerId="AD" clId="Web-{CF46E89E-48FC-BA32-13C5-654DDA452FDC}" dt="2021-10-12T16:59:21.300" v="12" actId="20577"/>
-          <ac:spMkLst>
-            <pc:docMk/>
-            <pc:sldMk cId="0" sldId="257"/>
-            <ac:spMk id="39" creationId="{00000000-0000-0000-0000-000000000000}"/>
-          </ac:spMkLst>
-        </pc:spChg>
-        <pc:spChg chg="mod">
-          <ac:chgData name="Akilah Johnson" userId="S::akjohnso@adobe.com::2fa3aa60-0c9c-4d06-bae2-795983241227" providerId="AD" clId="Web-{CF46E89E-48FC-BA32-13C5-654DDA452FDC}" dt="2021-10-12T16:59:59.628" v="14" actId="20577"/>
-          <ac:spMkLst>
-            <pc:docMk/>
-            <pc:sldMk cId="0" sldId="257"/>
-            <ac:spMk id="46" creationId="{00000000-0000-0000-0000-000000000000}"/>
-          </ac:spMkLst>
-        </pc:spChg>
-      </pc:sldChg>
-      <pc:sldChg chg="modSp">
-        <pc:chgData name="Akilah Johnson" userId="S::akjohnso@adobe.com::2fa3aa60-0c9c-4d06-bae2-795983241227" providerId="AD" clId="Web-{CF46E89E-48FC-BA32-13C5-654DDA452FDC}" dt="2021-10-12T17:00:50.675" v="21" actId="20577"/>
-        <pc:sldMkLst>
-          <pc:docMk/>
-          <pc:sldMk cId="799510854" sldId="260"/>
-        </pc:sldMkLst>
-        <pc:spChg chg="mod">
-          <ac:chgData name="Akilah Johnson" userId="S::akjohnso@adobe.com::2fa3aa60-0c9c-4d06-bae2-795983241227" providerId="AD" clId="Web-{CF46E89E-48FC-BA32-13C5-654DDA452FDC}" dt="2021-10-12T17:00:50.675" v="21" actId="20577"/>
-          <ac:spMkLst>
-            <pc:docMk/>
-            <pc:sldMk cId="799510854" sldId="260"/>
-            <ac:spMk id="24" creationId="{00000000-0000-0000-0000-000000000000}"/>
-          </ac:spMkLst>
-        </pc:spChg>
-        <pc:spChg chg="mod">
-          <ac:chgData name="Akilah Johnson" userId="S::akjohnso@adobe.com::2fa3aa60-0c9c-4d06-bae2-795983241227" providerId="AD" clId="Web-{CF46E89E-48FC-BA32-13C5-654DDA452FDC}" dt="2021-10-12T17:00:45.784" v="19" actId="20577"/>
-          <ac:spMkLst>
-            <pc:docMk/>
-            <pc:sldMk cId="799510854" sldId="260"/>
-            <ac:spMk id="56" creationId="{00000000-0000-0000-0000-000000000000}"/>
-          </ac:spMkLst>
-        </pc:spChg>
-      </pc:sldChg>
-    </pc:docChg>
-  </pc:docChgLst>
-  <pc:docChgLst>
-    <pc:chgData name="Akilah Johnson" userId="S::akjohnso@adobe.com::2fa3aa60-0c9c-4d06-bae2-795983241227" providerId="AD" clId="Web-{19E88417-C612-7196-8214-73025F75FA84}"/>
-    <pc:docChg chg="modSld">
-      <pc:chgData name="Akilah Johnson" userId="S::akjohnso@adobe.com::2fa3aa60-0c9c-4d06-bae2-795983241227" providerId="AD" clId="Web-{19E88417-C612-7196-8214-73025F75FA84}" dt="2021-10-12T19:15:42.562" v="5" actId="20577"/>
-      <pc:docMkLst>
-        <pc:docMk/>
-      </pc:docMkLst>
-      <pc:sldChg chg="modSp">
-        <pc:chgData name="Akilah Johnson" userId="S::akjohnso@adobe.com::2fa3aa60-0c9c-4d06-bae2-795983241227" providerId="AD" clId="Web-{19E88417-C612-7196-8214-73025F75FA84}" dt="2021-10-12T19:15:42.562" v="5" actId="20577"/>
-        <pc:sldMkLst>
-          <pc:docMk/>
-          <pc:sldMk cId="0" sldId="256"/>
-        </pc:sldMkLst>
-        <pc:spChg chg="mod">
-          <ac:chgData name="Akilah Johnson" userId="S::akjohnso@adobe.com::2fa3aa60-0c9c-4d06-bae2-795983241227" providerId="AD" clId="Web-{19E88417-C612-7196-8214-73025F75FA84}" dt="2021-10-12T19:15:42.562" v="5" actId="20577"/>
-          <ac:spMkLst>
-            <pc:docMk/>
-            <pc:sldMk cId="0" sldId="256"/>
-            <ac:spMk id="13" creationId="{7979C0CC-523E-844A-96DC-75FC662E01AB}"/>
-          </ac:spMkLst>
-        </pc:spChg>
       </pc:sldChg>
     </pc:docChg>
   </pc:docChgLst>
@@ -435,7 +255,7 @@
           <a:p>
             <a:fld id="{A438815C-EDE5-F947-A55F-7634403F36C4}" type="datetimeFigureOut">
               <a:rPr lang="en-US" smtClean="0"/>
-              <a:t>10/13/21</a:t>
+              <a:t>10/1/2021</a:t>
             </a:fld>
             <a:endParaRPr lang="en-US"/>
           </a:p>
@@ -1058,7 +878,7 @@
           <a:p>
             <a:fld id="{1D8BD707-D9CF-40AE-B4C6-C98DA3205C09}" type="datetimeFigureOut">
               <a:rPr lang="en-US"/>
-              <a:t>10/13/21</a:t>
+              <a:t>10/1/2021</a:t>
             </a:fld>
             <a:endParaRPr lang="en-US"/>
           </a:p>
@@ -1242,7 +1062,7 @@
           <a:p>
             <a:fld id="{1D8BD707-D9CF-40AE-B4C6-C98DA3205C09}" type="datetimeFigureOut">
               <a:rPr lang="en-US"/>
-              <a:t>10/13/21</a:t>
+              <a:t>10/1/2021</a:t>
             </a:fld>
             <a:endParaRPr lang="en-US"/>
           </a:p>
@@ -1544,7 +1364,7 @@
           <a:p>
             <a:fld id="{1D8BD707-D9CF-40AE-B4C6-C98DA3205C09}" type="datetimeFigureOut">
               <a:rPr lang="en-US"/>
-              <a:t>10/13/21</a:t>
+              <a:t>10/1/2021</a:t>
             </a:fld>
             <a:endParaRPr lang="en-US"/>
           </a:p>
@@ -1799,25 +1619,28 @@
         <p:spPr>
           <a:xfrm>
             <a:off x="95250" y="7228840"/>
-            <a:ext cx="2884717" cy="227626"/>
+            <a:ext cx="2800350" cy="238760"/>
           </a:xfrm>
           <a:prstGeom prst="rect">
             <a:avLst/>
           </a:prstGeom>
         </p:spPr>
         <p:txBody>
-          <a:bodyPr vert="horz" wrap="square" lIns="0" tIns="12065" rIns="0" bIns="0" rtlCol="0" anchor="t">
+          <a:bodyPr vert="horz" wrap="square" lIns="0" tIns="12065" rIns="0" bIns="0" rtlCol="0">
             <a:spAutoFit/>
           </a:bodyPr>
           <a:lstStyle/>
           <a:p>
             <a:pPr marL="12700">
+              <a:lnSpc>
+                <a:spcPct val="100000"/>
+              </a:lnSpc>
               <a:spcBef>
                 <a:spcPts val="95"/>
               </a:spcBef>
             </a:pPr>
             <a:r>
-              <a:rPr sz="1400" b="1" u="heavy" spc="10" dirty="0">
+              <a:rPr lang="pt-BR" sz="1400" b="1" u="heavy">
                 <a:solidFill>
                   <a:srgbClr val="020302"/>
                 </a:solidFill>
@@ -1829,87 +1652,8 @@
                 <a:latin typeface="Adobe Clean"/>
                 <a:cs typeface="Adobe Clean"/>
               </a:rPr>
-              <a:t>Service </a:t>
+              <a:t>Metas de nível de serviço: Resposta inicial</a:t>
             </a:r>
-            <a:r>
-              <a:rPr sz="1400" b="1" u="heavy" spc="-10" dirty="0">
-                <a:solidFill>
-                  <a:srgbClr val="020302"/>
-                </a:solidFill>
-                <a:uFill>
-                  <a:solidFill>
-                    <a:srgbClr val="020302"/>
-                  </a:solidFill>
-                </a:uFill>
-                <a:latin typeface="Adobe Clean"/>
-                <a:cs typeface="Adobe Clean"/>
-              </a:rPr>
-              <a:t>Level </a:t>
-            </a:r>
-            <a:r>
-              <a:rPr sz="1400" b="1" u="heavy" spc="-45" dirty="0">
-                <a:solidFill>
-                  <a:srgbClr val="020302"/>
-                </a:solidFill>
-                <a:uFill>
-                  <a:solidFill>
-                    <a:srgbClr val="020302"/>
-                  </a:solidFill>
-                </a:uFill>
-                <a:latin typeface="Adobe Clean"/>
-                <a:cs typeface="Adobe Clean"/>
-              </a:rPr>
-              <a:t>Targets: </a:t>
-            </a:r>
-            <a:r>
-              <a:rPr sz="1400" b="1" u="heavy" spc="-10" dirty="0">
-                <a:solidFill>
-                  <a:srgbClr val="020302"/>
-                </a:solidFill>
-                <a:uFill>
-                  <a:solidFill>
-                    <a:srgbClr val="020302"/>
-                  </a:solidFill>
-                </a:uFill>
-                <a:latin typeface="Adobe Clean"/>
-                <a:cs typeface="Adobe Clean"/>
-              </a:rPr>
-              <a:t>Initial</a:t>
-            </a:r>
-            <a:r>
-              <a:rPr lang="en-US" sz="1400" b="1" u="heavy" spc="-10" dirty="0">
-                <a:solidFill>
-                  <a:srgbClr val="020302"/>
-                </a:solidFill>
-                <a:uFill>
-                  <a:solidFill>
-                    <a:srgbClr val="020302"/>
-                  </a:solidFill>
-                </a:uFill>
-                <a:latin typeface="Adobe Clean"/>
-                <a:cs typeface="Adobe Clean"/>
-              </a:rPr>
-              <a:t> </a:t>
-            </a:r>
-            <a:r>
-              <a:rPr sz="1400" b="1" u="heavy" spc="-15" dirty="0">
-                <a:solidFill>
-                  <a:srgbClr val="020302"/>
-                </a:solidFill>
-                <a:uFill>
-                  <a:solidFill>
-                    <a:srgbClr val="020302"/>
-                  </a:solidFill>
-                </a:uFill>
-                <a:latin typeface="Adobe Clean"/>
-                <a:cs typeface="Adobe Clean"/>
-              </a:rPr>
-              <a:t>Response</a:t>
-            </a:r>
-            <a:endParaRPr sz="1400" dirty="0">
-              <a:latin typeface="Adobe Clean"/>
-              <a:cs typeface="Adobe Clean"/>
-            </a:endParaRPr>
           </a:p>
         </p:txBody>
       </p:sp>
@@ -1950,7 +1694,7 @@
         </p:nvSpPr>
         <p:spPr>
           <a:xfrm>
-            <a:off x="136772" y="813361"/>
+            <a:off x="136772" y="739271"/>
             <a:ext cx="6035427" cy="1089529"/>
           </a:xfrm>
           <a:prstGeom prst="rect">
@@ -1958,7 +1702,7 @@
           </a:prstGeom>
         </p:spPr>
         <p:txBody>
-          <a:bodyPr vert="horz" wrap="square" lIns="0" tIns="24130" rIns="0" bIns="0" rtlCol="0" anchor="t">
+          <a:bodyPr vert="horz" wrap="square" lIns="0" tIns="24130" rIns="0" bIns="0" rtlCol="0">
             <a:spAutoFit/>
           </a:bodyPr>
           <a:lstStyle/>
@@ -1972,7 +1716,7 @@
               </a:spcBef>
             </a:pPr>
             <a:r>
-              <a:rPr lang="en-US" sz="1200" b="1" dirty="0">
+              <a:rPr lang="pt-BR" sz="1200" b="1" dirty="0">
                 <a:solidFill>
                   <a:schemeClr val="bg1"/>
                 </a:solidFill>
@@ -1980,34 +1724,37 @@
               <a:t>Online</a:t>
             </a:r>
             <a:r>
-              <a:rPr lang="en-US" sz="1200" dirty="0">
+              <a:rPr lang="pt-BR" sz="1200" dirty="0">
                 <a:solidFill>
                   <a:schemeClr val="bg1"/>
                 </a:solidFill>
-                <a:latin typeface="Adobe Clean Light"/>
+                <a:latin typeface="Adobe Clean Light" panose="020B0303020404020204" pitchFamily="34" charset="0"/>
               </a:rPr>
               <a:t> | Business | Enterprise | Elite</a:t>
             </a:r>
             <a:br>
-              <a:rPr lang="en-US" sz="900" dirty="0">
+              <a:rPr lang="pt-BR" sz="900" dirty="0">
+                <a:solidFill>
+                  <a:schemeClr val="bg1"/>
+                </a:solidFill>
                 <a:latin typeface="Adobe Clean Light" panose="020B0303020404020204" pitchFamily="34" charset="0"/>
               </a:rPr>
             </a:br>
             <a:r>
-              <a:rPr lang="en-US" sz="900" dirty="0">
+              <a:rPr lang="pt-BR" sz="900" dirty="0">
                 <a:solidFill>
                   <a:schemeClr val="bg1"/>
                 </a:solidFill>
-                <a:latin typeface="Adobe Clean SemiLight"/>
+                <a:latin typeface="Adobe Clean SemiLight" panose="020B0403020404020204" pitchFamily="34" charset="0"/>
               </a:rPr>
-              <a:t>Adobe provides a comprehensive range of technical resources to help support your business included as part of your Experience Cloud license subscription. Online support includes access to personalized learning paths and monitored community forums via the Adobe Experience League. You can take advantage of our detailed and in-depth technical product documentation and current release notes published on </a:t>
+              <a:t>A Adobe oferece uma ampla gama de recursos técnicos para prestar suporte à sua empresa, incluídos na sua assinatura da Experience Cloud. O Suporte Online inclui acesso a caminhos de aprendizagem personalizados e a fóruns monitorados da comunidade na Adobe Experience League. Você tem à sua disposição a nossa documentação técnica de produto, com todos os detalhes, e as notas de versão publicadas em </a:t>
             </a:r>
             <a:r>
-              <a:rPr lang="en-US" sz="900" u="sng" dirty="0">
+              <a:rPr lang="pt-BR" sz="900" u="sng" dirty="0">
                 <a:solidFill>
                   <a:schemeClr val="bg1"/>
                 </a:solidFill>
-                <a:latin typeface="Adobe Clean SemiLight"/>
+                <a:latin typeface="Adobe Clean SemiLight" panose="020B0403020404020204" pitchFamily="34" charset="0"/>
                 <a:hlinkClick r:id="rId4">
                   <a:extLst>
                     <a:ext uri="{A12FA001-AC4F-418D-AE19-62706E023703}">
@@ -2016,24 +1763,17 @@
                   </a:extLst>
                 </a:hlinkClick>
               </a:rPr>
-              <a:t>http://www.adobe.com. </a:t>
+              <a:t>http://www.adobe.com</a:t>
             </a:r>
             <a:r>
-              <a:rPr lang="en-US" sz="900" dirty="0">
+              <a:rPr lang="pt-BR" sz="900" dirty="0">
                 <a:solidFill>
                   <a:schemeClr val="bg1"/>
                 </a:solidFill>
-                <a:latin typeface="Adobe Clean SemiLight"/>
+                <a:latin typeface="Adobe Clean SemiLight" panose="020B0403020404020204" pitchFamily="34" charset="0"/>
               </a:rPr>
-              <a:t>Our Online package also includes access to our technical support teams for any critical P1 product issues via telephone to help protect your business at the most critical times as well as providing the ability to log lower priority requests for assistance via support web portal.</a:t>
+              <a:t> O pacote Online inclui acesso às equipes de suporte técnico por telefone para qualquer problema no produto que tenha prioridade P1, para ajudar a proteger a sua empresa nos momentos mais críticos. Você também pode registrar solicitações de prioridade mais baixa no portal de suporte na web.</a:t>
             </a:r>
-            <a:endParaRPr lang="en-US" sz="900" dirty="0">
-              <a:solidFill>
-                <a:schemeClr val="bg1"/>
-              </a:solidFill>
-              <a:latin typeface="Adobe Clean SemiLight"/>
-              <a:cs typeface="AdobeClean-Light"/>
-            </a:endParaRPr>
           </a:p>
         </p:txBody>
       </p:sp>
@@ -2075,14 +1815,14 @@
           <p:nvPr>
             <p:extLst>
               <p:ext uri="{D42A27DB-BD31-4B8C-83A1-F6EECF244321}">
-                <p14:modId xmlns:p14="http://schemas.microsoft.com/office/powerpoint/2010/main" val="1047125657"/>
+                <p14:modId xmlns:p14="http://schemas.microsoft.com/office/powerpoint/2010/main" val="1471540385"/>
               </p:ext>
             </p:extLst>
           </p:nvPr>
         </p:nvGraphicFramePr>
         <p:xfrm>
-          <a:off x="0" y="1938946"/>
-          <a:ext cx="7705343" cy="5227197"/>
+          <a:off x="0" y="1938947"/>
+          <a:ext cx="7705343" cy="5205864"/>
         </p:xfrm>
         <a:graphic>
           <a:graphicData uri="http://schemas.openxmlformats.org/drawingml/2006/table">
@@ -2141,7 +1881,7 @@
                   </a:extLst>
                 </a:gridCol>
               </a:tblGrid>
-              <a:tr h="218820">
+              <a:tr h="355722">
                 <a:tc gridSpan="2">
                   <a:txBody>
                     <a:bodyPr/>
@@ -2176,39 +1916,15 @@
                         </a:spcBef>
                       </a:pPr>
                       <a:r>
-                        <a:rPr sz="900" spc="0" dirty="0">
+                        <a:rPr lang="pt-BR" sz="900">
                           <a:solidFill>
                             <a:srgbClr val="404040"/>
                           </a:solidFill>
                           <a:latin typeface="Adobe Clean"/>
                           <a:cs typeface="Adobe Clean"/>
                         </a:rPr>
-                        <a:t>Online</a:t>
+                        <a:t>Suporte Online</a:t>
                       </a:r>
-                      <a:r>
-                        <a:rPr lang="en-US" sz="900" spc="0" dirty="0">
-                          <a:solidFill>
-                            <a:srgbClr val="404040"/>
-                          </a:solidFill>
-                          <a:latin typeface="Adobe Clean"/>
-                          <a:cs typeface="Adobe Clean"/>
-                        </a:rPr>
-                        <a:t> </a:t>
-                      </a:r>
-                      <a:r>
-                        <a:rPr sz="900" spc="0" dirty="0">
-                          <a:solidFill>
-                            <a:srgbClr val="404040"/>
-                          </a:solidFill>
-                          <a:latin typeface="Adobe Clean"/>
-                          <a:cs typeface="Adobe Clean"/>
-                        </a:rPr>
-                        <a:t>Support</a:t>
-                      </a:r>
-                      <a:endParaRPr sz="900" spc="0" dirty="0">
-                        <a:latin typeface="Adobe Clean"/>
-                        <a:cs typeface="Adobe Clean"/>
-                      </a:endParaRPr>
                     </a:p>
                   </a:txBody>
                   <a:tcPr marL="0" marR="0" marT="7620" marB="0" anchor="ctr">
@@ -2243,39 +1959,113 @@
                         </a:spcBef>
                       </a:pPr>
                       <a:r>
-                        <a:rPr sz="900" spc="0" dirty="0">
+                        <a:rPr lang="pt-BR" sz="900">
                           <a:solidFill>
                             <a:srgbClr val="FFFFFF"/>
                           </a:solidFill>
                           <a:latin typeface="Adobe Clean"/>
                           <a:cs typeface="Adobe Clean"/>
                         </a:rPr>
-                        <a:t>Business</a:t>
+                        <a:t>Suporte Business</a:t>
                       </a:r>
+                    </a:p>
+                  </a:txBody>
+                  <a:tcPr marL="0" marR="0" marT="7620" marB="0" anchor="ctr">
+                    <a:lnL w="3175">
+                      <a:solidFill>
+                        <a:srgbClr val="B7B8B8"/>
+                      </a:solidFill>
+                      <a:prstDash val="solid"/>
+                    </a:lnL>
+                    <a:lnR w="3175">
+                      <a:solidFill>
+                        <a:srgbClr val="B7B8B8"/>
+                      </a:solidFill>
+                      <a:prstDash val="solid"/>
+                    </a:lnR>
+                    <a:lnB w="76200">
+                      <a:solidFill>
+                        <a:srgbClr val="ACD2FF"/>
+                      </a:solidFill>
+                      <a:prstDash val="solid"/>
+                    </a:lnB>
+                    <a:solidFill>
+                      <a:srgbClr val="7D7D7D"/>
+                    </a:solidFill>
+                  </a:tcPr>
+                </a:tc>
+                <a:tc gridSpan="2">
+                  <a:txBody>
+                    <a:bodyPr/>
+                    <a:lstStyle/>
+                    <a:p>
+                      <a:pPr marL="2540" algn="ctr">
+                        <a:lnSpc>
+                          <a:spcPct val="100000"/>
+                        </a:lnSpc>
+                        <a:spcBef>
+                          <a:spcPts val="60"/>
+                        </a:spcBef>
+                      </a:pPr>
                       <a:r>
-                        <a:rPr lang="en-US" sz="900" spc="0" dirty="0">
+                        <a:rPr lang="pt-BR" sz="900">
                           <a:solidFill>
                             <a:srgbClr val="FFFFFF"/>
                           </a:solidFill>
                           <a:latin typeface="Adobe Clean"/>
                           <a:cs typeface="Adobe Clean"/>
                         </a:rPr>
-                        <a:t> </a:t>
+                        <a:t>Suporte Enterprise</a:t>
                       </a:r>
+                    </a:p>
+                  </a:txBody>
+                  <a:tcPr marL="0" marR="0" marT="7620" marB="0" anchor="ctr">
+                    <a:lnL w="3175">
+                      <a:solidFill>
+                        <a:srgbClr val="B7B8B8"/>
+                      </a:solidFill>
+                      <a:prstDash val="solid"/>
+                    </a:lnL>
+                    <a:lnR w="3175">
+                      <a:solidFill>
+                        <a:srgbClr val="B7B8B8"/>
+                      </a:solidFill>
+                      <a:prstDash val="solid"/>
+                    </a:lnR>
+                    <a:lnB w="76200">
+                      <a:solidFill>
+                        <a:srgbClr val="2E8FFF"/>
+                      </a:solidFill>
+                      <a:prstDash val="solid"/>
+                    </a:lnB>
+                    <a:solidFill>
+                      <a:srgbClr val="404040"/>
+                    </a:solidFill>
+                  </a:tcPr>
+                </a:tc>
+                <a:tc hMerge="1">
+                  <a:txBody>
+                    <a:bodyPr/>
+                    <a:lstStyle/>
+                    <a:p>
+                      <a:pPr marL="635" algn="ctr">
+                        <a:lnSpc>
+                          <a:spcPct val="100000"/>
+                        </a:lnSpc>
+                        <a:spcBef>
+                          <a:spcPts val="60"/>
+                        </a:spcBef>
+                      </a:pPr>
                       <a:r>
-                        <a:rPr sz="900" spc="0" dirty="0">
+                        <a:rPr lang="pt-BR" sz="900">
                           <a:solidFill>
                             <a:srgbClr val="FFFFFF"/>
                           </a:solidFill>
                           <a:latin typeface="Adobe Clean"/>
                           <a:cs typeface="Adobe Clean"/>
                         </a:rPr>
-                        <a:t>Support</a:t>
+                        <a:t>Suporte Enterprise</a:t>
                       </a:r>
-                      <a:endParaRPr sz="900" spc="0" dirty="0">
-                        <a:latin typeface="Adobe Clean"/>
-                        <a:cs typeface="Adobe Clean"/>
-                      </a:endParaRPr>
                     </a:p>
                   </a:txBody>
                   <a:tcPr marL="0" marR="0" marT="7620" marB="0" anchor="ctr">
@@ -2293,21 +2083,21 @@
                     </a:lnR>
                     <a:lnB w="76200">
                       <a:solidFill>
-                        <a:srgbClr val="ACD2FF"/>
+                        <a:srgbClr val="2E8FFF"/>
                       </a:solidFill>
                       <a:prstDash val="solid"/>
                     </a:lnB>
                     <a:solidFill>
-                      <a:srgbClr val="7D7D7D"/>
+                      <a:srgbClr val="404040"/>
                     </a:solidFill>
                   </a:tcPr>
                 </a:tc>
-                <a:tc gridSpan="2">
-                  <a:txBody>
-                    <a:bodyPr/>
-                    <a:lstStyle/>
-                    <a:p>
-                      <a:pPr marL="2540" algn="ctr">
+                <a:tc>
+                  <a:txBody>
+                    <a:bodyPr/>
+                    <a:lstStyle/>
+                    <a:p>
+                      <a:pPr marL="635" algn="ctr">
                         <a:lnSpc>
                           <a:spcPct val="100000"/>
                         </a:lnSpc>
@@ -2316,165 +2106,15 @@
                         </a:spcBef>
                       </a:pPr>
                       <a:r>
-                        <a:rPr lang="en-US" sz="900" spc="0" dirty="0">
+                        <a:rPr lang="pt-BR" sz="900">
                           <a:solidFill>
                             <a:srgbClr val="FFFFFF"/>
                           </a:solidFill>
                           <a:latin typeface="Adobe Clean"/>
                           <a:cs typeface="Adobe Clean"/>
                         </a:rPr>
-                        <a:t>Enterprise Support</a:t>
+                        <a:t>Suporte Elite</a:t>
                       </a:r>
-                      <a:endParaRPr sz="900" spc="0" dirty="0">
-                        <a:latin typeface="Adobe Clean"/>
-                        <a:cs typeface="Adobe Clean"/>
-                      </a:endParaRPr>
-                    </a:p>
-                  </a:txBody>
-                  <a:tcPr marL="0" marR="0" marT="7620" marB="0" anchor="ctr">
-                    <a:lnL w="3175">
-                      <a:solidFill>
-                        <a:srgbClr val="B7B8B8"/>
-                      </a:solidFill>
-                      <a:prstDash val="solid"/>
-                    </a:lnL>
-                    <a:lnR w="3175">
-                      <a:solidFill>
-                        <a:srgbClr val="B7B8B8"/>
-                      </a:solidFill>
-                      <a:prstDash val="solid"/>
-                    </a:lnR>
-                    <a:lnB w="76200">
-                      <a:solidFill>
-                        <a:srgbClr val="2E8FFF"/>
-                      </a:solidFill>
-                      <a:prstDash val="solid"/>
-                    </a:lnB>
-                    <a:solidFill>
-                      <a:srgbClr val="404040"/>
-                    </a:solidFill>
-                  </a:tcPr>
-                </a:tc>
-                <a:tc hMerge="1">
-                  <a:txBody>
-                    <a:bodyPr/>
-                    <a:lstStyle/>
-                    <a:p>
-                      <a:pPr marL="635" algn="ctr">
-                        <a:lnSpc>
-                          <a:spcPct val="100000"/>
-                        </a:lnSpc>
-                        <a:spcBef>
-                          <a:spcPts val="60"/>
-                        </a:spcBef>
-                      </a:pPr>
-                      <a:r>
-                        <a:rPr sz="900" spc="-20" dirty="0">
-                          <a:solidFill>
-                            <a:srgbClr val="FFFFFF"/>
-                          </a:solidFill>
-                          <a:latin typeface="Adobe Clean"/>
-                          <a:cs typeface="Adobe Clean"/>
-                        </a:rPr>
-                        <a:t>Enterprise</a:t>
-                      </a:r>
-                      <a:r>
-                        <a:rPr lang="en-US" sz="900" spc="-20" dirty="0">
-                          <a:solidFill>
-                            <a:srgbClr val="FFFFFF"/>
-                          </a:solidFill>
-                          <a:latin typeface="Adobe Clean"/>
-                          <a:cs typeface="Adobe Clean"/>
-                        </a:rPr>
-                        <a:t> </a:t>
-                      </a:r>
-                      <a:r>
-                        <a:rPr sz="900" spc="-20" dirty="0">
-                          <a:solidFill>
-                            <a:srgbClr val="FFFFFF"/>
-                          </a:solidFill>
-                          <a:latin typeface="Adobe Clean"/>
-                          <a:cs typeface="Adobe Clean"/>
-                        </a:rPr>
-                        <a:t>Support</a:t>
-                      </a:r>
-                      <a:endParaRPr sz="900" dirty="0">
-                        <a:latin typeface="Adobe Clean"/>
-                        <a:cs typeface="Adobe Clean"/>
-                      </a:endParaRPr>
-                    </a:p>
-                  </a:txBody>
-                  <a:tcPr marL="0" marR="0" marT="7620" marB="0" anchor="ctr">
-                    <a:lnL w="3175">
-                      <a:solidFill>
-                        <a:srgbClr val="B7B8B8"/>
-                      </a:solidFill>
-                      <a:prstDash val="solid"/>
-                    </a:lnL>
-                    <a:lnR w="3175">
-                      <a:solidFill>
-                        <a:srgbClr val="B7B8B8"/>
-                      </a:solidFill>
-                      <a:prstDash val="solid"/>
-                    </a:lnR>
-                    <a:lnB w="76200">
-                      <a:solidFill>
-                        <a:srgbClr val="2E8FFF"/>
-                      </a:solidFill>
-                      <a:prstDash val="solid"/>
-                    </a:lnB>
-                    <a:solidFill>
-                      <a:srgbClr val="404040"/>
-                    </a:solidFill>
-                  </a:tcPr>
-                </a:tc>
-                <a:tc>
-                  <a:txBody>
-                    <a:bodyPr/>
-                    <a:lstStyle/>
-                    <a:p>
-                      <a:pPr marL="635" algn="ctr">
-                        <a:lnSpc>
-                          <a:spcPct val="100000"/>
-                        </a:lnSpc>
-                        <a:spcBef>
-                          <a:spcPts val="60"/>
-                        </a:spcBef>
-                      </a:pPr>
-                      <a:r>
-                        <a:rPr sz="900" spc="0" dirty="0">
-                          <a:solidFill>
-                            <a:srgbClr val="FFFFFF"/>
-                          </a:solidFill>
-                          <a:latin typeface="Adobe Clean"/>
-                          <a:cs typeface="Adobe Clean"/>
-                        </a:rPr>
-                        <a:t>Elite</a:t>
-                      </a:r>
-                      <a:r>
-                        <a:rPr lang="en-US" sz="900" spc="0" dirty="0">
-                          <a:solidFill>
-                            <a:srgbClr val="FFFFFF"/>
-                          </a:solidFill>
-                          <a:latin typeface="Adobe Clean"/>
-                          <a:cs typeface="Adobe Clean"/>
-                        </a:rPr>
-                        <a:t> </a:t>
-                      </a:r>
-                      <a:r>
-                        <a:rPr sz="900" spc="0" dirty="0">
-                          <a:solidFill>
-                            <a:srgbClr val="FFFFFF"/>
-                          </a:solidFill>
-                          <a:latin typeface="Adobe Clean"/>
-                          <a:cs typeface="Adobe Clean"/>
-                        </a:rPr>
-                        <a:t>Support</a:t>
-                      </a:r>
-                      <a:endParaRPr sz="900" spc="0" dirty="0">
-                        <a:latin typeface="Adobe Clean"/>
-                        <a:cs typeface="Adobe Clean"/>
-                      </a:endParaRPr>
                     </a:p>
                   </a:txBody>
                   <a:tcPr marL="0" marR="0" marT="7620" marB="0" anchor="ctr">
@@ -2501,7 +2141,7 @@
                   </a:ext>
                 </a:extLst>
               </a:tr>
-              <a:tr h="0">
+              <a:tr h="355722">
                 <a:tc gridSpan="2">
                   <a:txBody>
                     <a:bodyPr/>
@@ -2527,7 +2167,7 @@
                     <a:bodyPr/>
                     <a:lstStyle/>
                     <a:p>
-                      <a:pPr marL="255904" marR="248920" indent="-25400">
+                      <a:pPr marL="255904" marR="248920" indent="-25400" algn="l" rtl="0">
                         <a:lnSpc>
                           <a:spcPct val="100000"/>
                         </a:lnSpc>
@@ -2581,29 +2221,15 @@
                         </a:spcBef>
                       </a:pPr>
                       <a:r>
-                        <a:rPr lang="en-US" sz="800" i="1" spc="0" dirty="0">
+                        <a:rPr lang="pt-BR" sz="800" i="1">
                           <a:solidFill>
                             <a:srgbClr val="FFFFFF"/>
                           </a:solidFill>
                           <a:latin typeface="Adobe Clean"/>
                           <a:cs typeface="Adobe Clean"/>
                         </a:rPr>
-                        <a:t>Paid</a:t>
+                        <a:t>Níveis de suporte pago ($)</a:t>
                       </a:r>
-                      <a:r>
-                        <a:rPr sz="800" i="1" spc="0" dirty="0">
-                          <a:solidFill>
-                            <a:srgbClr val="FFFFFF"/>
-                          </a:solidFill>
-                          <a:latin typeface="Adobe Clean"/>
-                          <a:cs typeface="Adobe Clean"/>
-                        </a:rPr>
-                        <a:t> Support Levels($)</a:t>
-                      </a:r>
-                      <a:endParaRPr sz="800" spc="0" dirty="0">
-                        <a:latin typeface="Adobe Clean"/>
-                        <a:cs typeface="Adobe Clean"/>
-                      </a:endParaRPr>
                     </a:p>
                   </a:txBody>
                   <a:tcPr marL="0" marR="0" marT="82550" marB="0" anchor="ctr">
@@ -2675,7 +2301,7 @@
                   </a:ext>
                 </a:extLst>
               </a:tr>
-              <a:tr h="264424">
+              <a:tr h="252963">
                 <a:tc rowSpan="3">
                   <a:txBody>
                     <a:bodyPr/>
@@ -2690,22 +2316,15 @@
                         </a:spcBef>
                       </a:pPr>
                       <a:r>
-                        <a:rPr lang="en-US" sz="1000" b="1" i="0" spc="0" dirty="0">
+                        <a:rPr lang="pt-BR" sz="1000" b="1" i="0">
                           <a:solidFill>
                             <a:schemeClr val="bg1"/>
                           </a:solidFill>
                           <a:latin typeface="Adobe Clean" panose="020B0503020404020204" pitchFamily="34" charset="0"/>
                           <a:cs typeface="AdobeClean-Light"/>
                         </a:rPr>
-                        <a:t>Assigned Experts</a:t>
+                        <a:t>Especialistas atribuídos</a:t>
                       </a:r>
-                      <a:endParaRPr sz="1000" b="1" i="0" spc="0" dirty="0">
-                        <a:solidFill>
-                          <a:schemeClr val="bg1"/>
-                        </a:solidFill>
-                        <a:latin typeface="Adobe Clean" panose="020B0503020404020204" pitchFamily="34" charset="0"/>
-                        <a:cs typeface="AdobeClean-Light"/>
-                      </a:endParaRPr>
                     </a:p>
                   </a:txBody>
                   <a:tcPr marL="0" marR="0" marT="58419" marB="0" anchor="ctr">
@@ -2752,19 +2371,15 @@
                         </a:spcBef>
                       </a:pPr>
                       <a:r>
-                        <a:rPr sz="900" spc="0" dirty="0">
+                        <a:rPr lang="pt-BR" sz="900">
                           <a:solidFill>
                             <a:srgbClr val="020302"/>
                           </a:solidFill>
                           <a:latin typeface="AdobeClean-Light"/>
                           <a:cs typeface="AdobeClean-Light"/>
                         </a:rPr>
-                        <a:t>Account Support Lead</a:t>
+                        <a:t>Líder de suporte da conta</a:t>
                       </a:r>
-                      <a:endParaRPr sz="900" spc="0" dirty="0">
-                        <a:latin typeface="AdobeClean-Light"/>
-                        <a:cs typeface="AdobeClean-Light"/>
-                      </a:endParaRPr>
                     </a:p>
                   </a:txBody>
                   <a:tcPr marL="0" marR="0" marT="58419" marB="0">
@@ -2793,7 +2408,7 @@
                     <a:bodyPr/>
                     <a:lstStyle/>
                     <a:p>
-                      <a:pPr>
+                      <a:pPr algn="l" rtl="0">
                         <a:lnSpc>
                           <a:spcPct val="100000"/>
                         </a:lnSpc>
@@ -2838,7 +2453,7 @@
                         </a:spcBef>
                       </a:pPr>
                       <a:r>
-                        <a:rPr sz="900" spc="0" dirty="0">
+                        <a:rPr lang="pt-BR" sz="900">
                           <a:solidFill>
                             <a:srgbClr val="020302"/>
                           </a:solidFill>
@@ -2847,10 +2462,6 @@
                         </a:rPr>
                         <a:t></a:t>
                       </a:r>
-                      <a:endParaRPr sz="900" spc="0" dirty="0">
-                        <a:latin typeface="Wingdings"/>
-                        <a:cs typeface="Wingdings"/>
-                      </a:endParaRPr>
                     </a:p>
                   </a:txBody>
                   <a:tcPr marL="0" marR="0" marT="59690" marB="0">
@@ -2867,7 +2478,7 @@
                     <a:bodyPr/>
                     <a:lstStyle/>
                     <a:p>
-                      <a:pPr algn="ctr">
+                      <a:pPr algn="l" rtl="0">
                         <a:lnSpc>
                           <a:spcPct val="100000"/>
                         </a:lnSpc>
@@ -2898,7 +2509,7 @@
                     <a:bodyPr/>
                     <a:lstStyle/>
                     <a:p>
-                      <a:pPr>
+                      <a:pPr algn="l" rtl="0">
                         <a:lnSpc>
                           <a:spcPct val="100000"/>
                         </a:lnSpc>
@@ -2923,7 +2534,7 @@
                     <a:bodyPr/>
                     <a:lstStyle/>
                     <a:p>
-                      <a:pPr>
+                      <a:pPr algn="l" rtl="0">
                         <a:lnSpc>
                           <a:spcPct val="100000"/>
                         </a:lnSpc>
@@ -2955,13 +2566,13 @@
                   </a:ext>
                 </a:extLst>
               </a:tr>
-              <a:tr h="264424">
+              <a:tr h="252963">
                 <a:tc vMerge="1">
                   <a:txBody>
                     <a:bodyPr/>
                     <a:lstStyle/>
                     <a:p>
-                      <a:pPr marL="50800">
+                      <a:pPr marL="50800" algn="l" rtl="0">
                         <a:lnSpc>
                           <a:spcPct val="100000"/>
                         </a:lnSpc>
@@ -3007,19 +2618,15 @@
                         </a:spcBef>
                       </a:pPr>
                       <a:r>
-                        <a:rPr sz="900" spc="0" dirty="0">
+                        <a:rPr lang="pt-BR" sz="900">
                           <a:solidFill>
                             <a:srgbClr val="020302"/>
                           </a:solidFill>
                           <a:latin typeface="AdobeClean-Light"/>
                           <a:cs typeface="AdobeClean-Light"/>
                         </a:rPr>
-                        <a:t>Named Support Engineer</a:t>
+                        <a:t>Engenheiro de suporte nomeado</a:t>
                       </a:r>
-                      <a:endParaRPr sz="900" spc="0" dirty="0">
-                        <a:latin typeface="AdobeClean-Light"/>
-                        <a:cs typeface="AdobeClean-Light"/>
-                      </a:endParaRPr>
                     </a:p>
                   </a:txBody>
                   <a:tcPr marL="0" marR="0" marT="58419" marB="0">
@@ -3042,7 +2649,7 @@
                     <a:bodyPr/>
                     <a:lstStyle/>
                     <a:p>
-                      <a:pPr>
+                      <a:pPr algn="l" rtl="0">
                         <a:lnSpc>
                           <a:spcPct val="100000"/>
                         </a:lnSpc>
@@ -3072,7 +2679,7 @@
                     <a:bodyPr/>
                     <a:lstStyle/>
                     <a:p>
-                      <a:pPr>
+                      <a:pPr algn="l" rtl="0">
                         <a:lnSpc>
                           <a:spcPct val="100000"/>
                         </a:lnSpc>
@@ -3090,7 +2697,7 @@
                     <a:bodyPr/>
                     <a:lstStyle/>
                     <a:p>
-                      <a:pPr>
+                      <a:pPr algn="l" rtl="0">
                         <a:lnSpc>
                           <a:spcPct val="100000"/>
                         </a:lnSpc>
@@ -3117,7 +2724,7 @@
                         </a:spcBef>
                       </a:pPr>
                       <a:r>
-                        <a:rPr sz="900" spc="0" dirty="0">
+                        <a:rPr lang="pt-BR" sz="900">
                           <a:solidFill>
                             <a:srgbClr val="020302"/>
                           </a:solidFill>
@@ -3126,10 +2733,6 @@
                         </a:rPr>
                         <a:t></a:t>
                       </a:r>
-                      <a:endParaRPr sz="900" spc="0" dirty="0">
-                        <a:latin typeface="Wingdings"/>
-                        <a:cs typeface="Wingdings"/>
-                      </a:endParaRPr>
                     </a:p>
                   </a:txBody>
                   <a:tcPr marL="0" marR="0" marT="59055" marB="0"/>
@@ -3148,7 +2751,7 @@
                         </a:spcBef>
                       </a:pPr>
                       <a:r>
-                        <a:rPr sz="900" spc="0" dirty="0">
+                        <a:rPr lang="pt-BR" sz="900">
                           <a:solidFill>
                             <a:srgbClr val="020302"/>
                           </a:solidFill>
@@ -3157,10 +2760,6 @@
                         </a:rPr>
                         <a:t></a:t>
                       </a:r>
-                      <a:endParaRPr sz="900" spc="0" dirty="0">
-                        <a:latin typeface="Wingdings"/>
-                        <a:cs typeface="Wingdings"/>
-                      </a:endParaRPr>
                     </a:p>
                   </a:txBody>
                   <a:tcPr marL="0" marR="0" marT="59055" marB="0">
@@ -3178,13 +2777,13 @@
                   </a:ext>
                 </a:extLst>
               </a:tr>
-              <a:tr h="264424">
+              <a:tr h="252963">
                 <a:tc vMerge="1">
                   <a:txBody>
                     <a:bodyPr/>
                     <a:lstStyle/>
                     <a:p>
-                      <a:pPr marL="50800">
+                      <a:pPr marL="50800" algn="l" rtl="0">
                         <a:lnSpc>
                           <a:spcPct val="100000"/>
                         </a:lnSpc>
@@ -3242,19 +2841,15 @@
                         </a:spcBef>
                       </a:pPr>
                       <a:r>
-                        <a:rPr sz="900" spc="0" dirty="0">
+                        <a:rPr lang="pt-BR" sz="900">
                           <a:solidFill>
                             <a:srgbClr val="020302"/>
                           </a:solidFill>
                           <a:latin typeface="AdobeClean-Light"/>
                           <a:cs typeface="AdobeClean-Light"/>
                         </a:rPr>
-                        <a:t>Technical Account Manager</a:t>
+                        <a:t>Gerente técnico de conta</a:t>
                       </a:r>
-                      <a:endParaRPr sz="900" spc="0" dirty="0">
-                        <a:latin typeface="AdobeClean-Light"/>
-                        <a:cs typeface="AdobeClean-Light"/>
-                      </a:endParaRPr>
                     </a:p>
                   </a:txBody>
                   <a:tcPr marL="0" marR="0" marT="63500" marB="0">
@@ -3283,7 +2878,7 @@
                     <a:bodyPr/>
                     <a:lstStyle/>
                     <a:p>
-                      <a:pPr>
+                      <a:pPr algn="l" rtl="0">
                         <a:lnSpc>
                           <a:spcPct val="100000"/>
                         </a:lnSpc>
@@ -3319,7 +2914,7 @@
                     <a:bodyPr/>
                     <a:lstStyle/>
                     <a:p>
-                      <a:pPr>
+                      <a:pPr algn="l" rtl="0">
                         <a:lnSpc>
                           <a:spcPct val="100000"/>
                         </a:lnSpc>
@@ -3344,7 +2939,7 @@
                     <a:bodyPr/>
                     <a:lstStyle/>
                     <a:p>
-                      <a:pPr>
+                      <a:pPr algn="l" rtl="0">
                         <a:lnSpc>
                           <a:spcPct val="100000"/>
                         </a:lnSpc>
@@ -3372,7 +2967,7 @@
                     <a:bodyPr/>
                     <a:lstStyle/>
                     <a:p>
-                      <a:pPr>
+                      <a:pPr algn="l" rtl="0">
                         <a:lnSpc>
                           <a:spcPct val="100000"/>
                         </a:lnSpc>
@@ -3406,7 +3001,7 @@
                         </a:spcBef>
                       </a:pPr>
                       <a:r>
-                        <a:rPr sz="900" spc="0" dirty="0">
+                        <a:rPr lang="pt-BR" sz="900">
                           <a:solidFill>
                             <a:srgbClr val="020302"/>
                           </a:solidFill>
@@ -3415,10 +3010,6 @@
                         </a:rPr>
                         <a:t></a:t>
                       </a:r>
-                      <a:endParaRPr sz="900" spc="0">
-                        <a:latin typeface="Wingdings"/>
-                        <a:cs typeface="Wingdings"/>
-                      </a:endParaRPr>
                     </a:p>
                   </a:txBody>
                   <a:tcPr marL="0" marR="0" marT="64135" marB="0">
@@ -3442,7 +3033,7 @@
                   </a:ext>
                 </a:extLst>
               </a:tr>
-              <a:tr h="264424">
+              <a:tr h="252963">
                 <a:tc rowSpan="12">
                   <a:txBody>
                     <a:bodyPr/>
@@ -3457,22 +3048,15 @@
                         </a:spcBef>
                       </a:pPr>
                       <a:r>
-                        <a:rPr lang="en-US" sz="1000" b="1" i="0" spc="0" dirty="0">
+                        <a:rPr lang="pt-BR" sz="1000" b="1" i="0">
                           <a:solidFill>
                             <a:schemeClr val="bg1"/>
                           </a:solidFill>
                           <a:latin typeface="Adobe Clean" panose="020B0503020404020204" pitchFamily="34" charset="0"/>
                           <a:cs typeface="AdobeClean-Light"/>
                         </a:rPr>
-                        <a:t>Support Services</a:t>
+                        <a:t>Serviços de suporte</a:t>
                       </a:r>
-                      <a:endParaRPr sz="1000" b="1" i="0" spc="0" dirty="0">
-                        <a:solidFill>
-                          <a:schemeClr val="bg1"/>
-                        </a:solidFill>
-                        <a:latin typeface="Adobe Clean" panose="020B0503020404020204" pitchFamily="34" charset="0"/>
-                        <a:cs typeface="AdobeClean-Light"/>
-                      </a:endParaRPr>
                     </a:p>
                   </a:txBody>
                   <a:tcPr marL="0" marR="0" marT="57150" marB="0" anchor="ctr">
@@ -3528,79 +3112,61 @@
                         </a:spcBef>
                       </a:pPr>
                       <a:r>
-                        <a:rPr lang="en-US" sz="900" spc="0" dirty="0">
+                        <a:rPr lang="pt-BR" sz="900">
                           <a:solidFill>
                             <a:srgbClr val="020302"/>
                           </a:solidFill>
                           <a:latin typeface="AdobeClean-Light"/>
                           <a:cs typeface="AdobeClean-Light"/>
                         </a:rPr>
-                        <a:t>Online </a:t>
+                        <a:t>Suporte Online</a:t>
                       </a:r>
+                    </a:p>
+                  </a:txBody>
+                  <a:tcPr marL="0" marR="0" marT="57150" marB="0">
+                    <a:lnL w="12700">
+                      <a:solidFill>
+                        <a:srgbClr val="F0F0F0"/>
+                      </a:solidFill>
+                      <a:prstDash val="solid"/>
+                    </a:lnL>
+                    <a:lnR w="12700">
+                      <a:solidFill>
+                        <a:srgbClr val="F0F0F0"/>
+                      </a:solidFill>
+                      <a:prstDash val="solid"/>
+                    </a:lnR>
+                    <a:lnT w="12700">
+                      <a:solidFill>
+                        <a:srgbClr val="F0F0F0"/>
+                      </a:solidFill>
+                      <a:prstDash val="solid"/>
+                    </a:lnT>
+                  </a:tcPr>
+                </a:tc>
+                <a:tc>
+                  <a:txBody>
+                    <a:bodyPr/>
+                    <a:lstStyle/>
+                    <a:p>
+                      <a:pPr algn="ctr">
+                        <a:lnSpc>
+                          <a:spcPct val="100000"/>
+                        </a:lnSpc>
+                        <a:spcBef>
+                          <a:spcPts val="535"/>
+                        </a:spcBef>
+                      </a:pPr>
                       <a:r>
-                        <a:rPr sz="900" spc="0" dirty="0">
+                        <a:rPr lang="pt-BR" sz="800">
                           <a:solidFill>
                             <a:srgbClr val="020302"/>
                           </a:solidFill>
                           <a:latin typeface="AdobeClean-Light"/>
                           <a:cs typeface="AdobeClean-Light"/>
                         </a:rPr>
-                        <a:t> Support</a:t>
+                        <a:t>Horário comercial</a:t>
                       </a:r>
-                      <a:endParaRPr sz="900" spc="0" dirty="0">
-                        <a:latin typeface="AdobeClean-Light"/>
-                        <a:cs typeface="AdobeClean-Light"/>
-                      </a:endParaRPr>
-                    </a:p>
-                  </a:txBody>
-                  <a:tcPr marL="0" marR="0" marT="57150" marB="0">
-                    <a:lnL w="12700">
-                      <a:solidFill>
-                        <a:srgbClr val="F0F0F0"/>
-                      </a:solidFill>
-                      <a:prstDash val="solid"/>
-                    </a:lnL>
-                    <a:lnR w="12700">
-                      <a:solidFill>
-                        <a:srgbClr val="F0F0F0"/>
-                      </a:solidFill>
-                      <a:prstDash val="solid"/>
-                    </a:lnR>
-                    <a:lnT w="12700">
-                      <a:solidFill>
-                        <a:srgbClr val="F0F0F0"/>
-                      </a:solidFill>
-                      <a:prstDash val="solid"/>
-                    </a:lnT>
-                  </a:tcPr>
-                </a:tc>
-                <a:tc>
-                  <a:txBody>
-                    <a:bodyPr/>
-                    <a:lstStyle/>
-                    <a:p>
-                      <a:pPr algn="ctr">
-                        <a:lnSpc>
-                          <a:spcPct val="100000"/>
-                        </a:lnSpc>
-                        <a:spcBef>
-                          <a:spcPts val="535"/>
-                        </a:spcBef>
-                      </a:pPr>
-                      <a:r>
-                        <a:rPr sz="800" spc="0" dirty="0">
-                          <a:solidFill>
-                            <a:srgbClr val="020302"/>
-                          </a:solidFill>
-                          <a:latin typeface="AdobeClean-Light"/>
-                          <a:cs typeface="AdobeClean-Light"/>
-                        </a:rPr>
-                        <a:t>Business hours</a:t>
-                      </a:r>
-                      <a:endParaRPr sz="800" spc="0" dirty="0">
-                        <a:latin typeface="AdobeClean-Light"/>
-                        <a:cs typeface="AdobeClean-Light"/>
-                      </a:endParaRPr>
                     </a:p>
                   </a:txBody>
                   <a:tcPr marL="0" marR="0" marT="67945" marB="0">
@@ -3637,19 +3203,15 @@
                         </a:spcBef>
                       </a:pPr>
                       <a:r>
-                        <a:rPr sz="800" spc="0" dirty="0">
+                        <a:rPr lang="pt-BR" sz="800">
                           <a:solidFill>
                             <a:srgbClr val="020302"/>
                           </a:solidFill>
                           <a:latin typeface="AdobeClean-Light"/>
                           <a:cs typeface="AdobeClean-Light"/>
                         </a:rPr>
-                        <a:t>Business hours</a:t>
+                        <a:t>Horário comercial</a:t>
                       </a:r>
-                      <a:endParaRPr sz="800" spc="0" dirty="0">
-                        <a:latin typeface="AdobeClean-Light"/>
-                        <a:cs typeface="AdobeClean-Light"/>
-                      </a:endParaRPr>
                     </a:p>
                   </a:txBody>
                   <a:tcPr marL="0" marR="0" marT="67945" marB="0">
@@ -3666,7 +3228,7 @@
                     <a:bodyPr/>
                     <a:lstStyle/>
                     <a:p>
-                      <a:pPr algn="ctr">
+                      <a:pPr algn="l" rtl="0">
                         <a:lnSpc>
                           <a:spcPct val="100000"/>
                         </a:lnSpc>
@@ -3706,7 +3268,7 @@
                         </a:spcBef>
                       </a:pPr>
                       <a:r>
-                        <a:rPr sz="800" spc="0" dirty="0">
+                        <a:rPr lang="pt-BR" sz="800">
                           <a:solidFill>
                             <a:srgbClr val="020302"/>
                           </a:solidFill>
@@ -3715,10 +3277,6 @@
                         </a:rPr>
                         <a:t>24X5</a:t>
                       </a:r>
-                      <a:endParaRPr sz="800" spc="0">
-                        <a:latin typeface="AdobeClean-Light"/>
-                        <a:cs typeface="AdobeClean-Light"/>
-                      </a:endParaRPr>
                     </a:p>
                   </a:txBody>
                   <a:tcPr marL="0" marR="0" marT="67945" marB="0">
@@ -3744,7 +3302,7 @@
                         </a:spcBef>
                       </a:pPr>
                       <a:r>
-                        <a:rPr sz="800" spc="0" dirty="0">
+                        <a:rPr lang="pt-BR" sz="800">
                           <a:solidFill>
                             <a:srgbClr val="020302"/>
                           </a:solidFill>
@@ -3753,10 +3311,6 @@
                         </a:rPr>
                         <a:t>24X5</a:t>
                       </a:r>
-                      <a:endParaRPr sz="800" spc="0" dirty="0">
-                        <a:latin typeface="AdobeClean-Light"/>
-                        <a:cs typeface="AdobeClean-Light"/>
-                      </a:endParaRPr>
                     </a:p>
                   </a:txBody>
                   <a:tcPr marL="0" marR="0" marT="67945" marB="0">
@@ -3780,13 +3334,13 @@
                   </a:ext>
                 </a:extLst>
               </a:tr>
-              <a:tr h="264424">
+              <a:tr h="252963">
                 <a:tc vMerge="1">
                   <a:txBody>
                     <a:bodyPr/>
                     <a:lstStyle/>
                     <a:p>
-                      <a:pPr marL="50800">
+                      <a:pPr marL="50800" algn="l" rtl="0">
                         <a:lnSpc>
                           <a:spcPct val="100000"/>
                         </a:lnSpc>
@@ -3835,39 +3389,15 @@
                         </a:spcBef>
                       </a:pPr>
                       <a:r>
-                        <a:rPr sz="900" spc="0" dirty="0">
+                        <a:rPr lang="pt-BR" sz="900">
                           <a:solidFill>
                             <a:srgbClr val="020302"/>
                           </a:solidFill>
                           <a:latin typeface="AdobeClean-Light"/>
                           <a:cs typeface="AdobeClean-Light"/>
                         </a:rPr>
-                        <a:t>24x7</a:t>
+                        <a:t>Suporte 24x7x365 para prioridades P1</a:t>
                       </a:r>
-                      <a:r>
-                        <a:rPr lang="en-US" sz="900" spc="0" dirty="0">
-                          <a:solidFill>
-                            <a:srgbClr val="020302"/>
-                          </a:solidFill>
-                          <a:latin typeface="AdobeClean-Light"/>
-                          <a:cs typeface="AdobeClean-Light"/>
-                        </a:rPr>
-                        <a:t>x365</a:t>
-                      </a:r>
-                      <a:r>
-                        <a:rPr sz="900" spc="0" dirty="0">
-                          <a:solidFill>
-                            <a:srgbClr val="020302"/>
-                          </a:solidFill>
-                          <a:latin typeface="AdobeClean-Light"/>
-                          <a:cs typeface="AdobeClean-Light"/>
-                        </a:rPr>
-                        <a:t> P1 Issue Support</a:t>
-                      </a:r>
-                      <a:endParaRPr sz="900" spc="0" dirty="0">
-                        <a:latin typeface="AdobeClean-Light"/>
-                        <a:cs typeface="AdobeClean-Light"/>
-                      </a:endParaRPr>
                     </a:p>
                   </a:txBody>
                   <a:tcPr marL="0" marR="0" marT="57785" marB="0">
@@ -3899,7 +3429,7 @@
                         </a:spcBef>
                       </a:pPr>
                       <a:r>
-                        <a:rPr sz="900" spc="0" dirty="0">
+                        <a:rPr lang="pt-BR" sz="900">
                           <a:solidFill>
                             <a:srgbClr val="020302"/>
                           </a:solidFill>
@@ -3908,10 +3438,6 @@
                         </a:rPr>
                         <a:t></a:t>
                       </a:r>
-                      <a:endParaRPr sz="900" spc="0">
-                        <a:latin typeface="Wingdings"/>
-                        <a:cs typeface="Wingdings"/>
-                      </a:endParaRPr>
                     </a:p>
                   </a:txBody>
                   <a:tcPr marL="0" marR="0" marT="58419" marB="0">
@@ -3942,7 +3468,7 @@
                         </a:spcBef>
                       </a:pPr>
                       <a:r>
-                        <a:rPr sz="900" spc="0" dirty="0">
+                        <a:rPr lang="pt-BR" sz="900">
                           <a:solidFill>
                             <a:srgbClr val="020302"/>
                           </a:solidFill>
@@ -3951,10 +3477,6 @@
                         </a:rPr>
                         <a:t></a:t>
                       </a:r>
-                      <a:endParaRPr sz="900" spc="0">
-                        <a:latin typeface="Wingdings"/>
-                        <a:cs typeface="Wingdings"/>
-                      </a:endParaRPr>
                     </a:p>
                   </a:txBody>
                   <a:tcPr marL="0" marR="0" marT="58419" marB="0"/>
@@ -3964,7 +3486,7 @@
                     <a:bodyPr/>
                     <a:lstStyle/>
                     <a:p>
-                      <a:pPr algn="ctr">
+                      <a:pPr algn="l" rtl="0">
                         <a:lnSpc>
                           <a:spcPct val="100000"/>
                         </a:lnSpc>
@@ -3994,7 +3516,7 @@
                         </a:spcBef>
                       </a:pPr>
                       <a:r>
-                        <a:rPr sz="900" spc="0" dirty="0">
+                        <a:rPr lang="pt-BR" sz="900">
                           <a:solidFill>
                             <a:srgbClr val="020302"/>
                           </a:solidFill>
@@ -4003,10 +3525,6 @@
                         </a:rPr>
                         <a:t></a:t>
                       </a:r>
-                      <a:endParaRPr sz="900" spc="0">
-                        <a:latin typeface="Wingdings"/>
-                        <a:cs typeface="Wingdings"/>
-                      </a:endParaRPr>
                     </a:p>
                   </a:txBody>
                   <a:tcPr marL="0" marR="0" marT="58419" marB="0"/>
@@ -4025,7 +3543,7 @@
                         </a:spcBef>
                       </a:pPr>
                       <a:r>
-                        <a:rPr sz="900" spc="0" dirty="0">
+                        <a:rPr lang="pt-BR" sz="900">
                           <a:solidFill>
                             <a:srgbClr val="020302"/>
                           </a:solidFill>
@@ -4034,10 +3552,6 @@
                         </a:rPr>
                         <a:t></a:t>
                       </a:r>
-                      <a:endParaRPr sz="900" spc="0">
-                        <a:latin typeface="Wingdings"/>
-                        <a:cs typeface="Wingdings"/>
-                      </a:endParaRPr>
                     </a:p>
                   </a:txBody>
                   <a:tcPr marL="0" marR="0" marT="58419" marB="0">
@@ -4055,13 +3569,13 @@
                   </a:ext>
                 </a:extLst>
               </a:tr>
-              <a:tr h="264424">
+              <a:tr h="252963">
                 <a:tc vMerge="1">
                   <a:txBody>
                     <a:bodyPr/>
                     <a:lstStyle/>
                     <a:p>
-                      <a:pPr marL="50800">
+                      <a:pPr marL="50800" algn="l" rtl="0">
                         <a:lnSpc>
                           <a:spcPct val="100000"/>
                         </a:lnSpc>
@@ -4110,19 +3624,15 @@
                         </a:spcBef>
                       </a:pPr>
                       <a:r>
-                        <a:rPr lang="en-US" sz="900" spc="0" dirty="0">
+                        <a:rPr lang="pt-BR" sz="900">
                           <a:solidFill>
                             <a:srgbClr val="020302"/>
                           </a:solidFill>
                           <a:latin typeface="AdobeClean-Light"/>
                           <a:cs typeface="AdobeClean-Light"/>
                         </a:rPr>
-                        <a:t>Named Support Contacts (per product)</a:t>
+                        <a:t>Contatos de suporte nomeados (por produto)</a:t>
                       </a:r>
-                      <a:endParaRPr sz="900" spc="0" dirty="0">
-                        <a:latin typeface="AdobeClean-Light"/>
-                        <a:cs typeface="AdobeClean-Light"/>
-                      </a:endParaRPr>
                     </a:p>
                   </a:txBody>
                   <a:tcPr marL="0" marR="0" marT="57785" marB="0">
@@ -4154,7 +3664,7 @@
                         </a:spcBef>
                       </a:pPr>
                       <a:r>
-                        <a:rPr sz="900" spc="0" dirty="0">
+                        <a:rPr lang="pt-BR" sz="900">
                           <a:solidFill>
                             <a:srgbClr val="020302"/>
                           </a:solidFill>
@@ -4163,10 +3673,6 @@
                         </a:rPr>
                         <a:t>4</a:t>
                       </a:r>
-                      <a:endParaRPr sz="900" spc="0" dirty="0">
-                        <a:latin typeface="AdobeClean-Light"/>
-                        <a:cs typeface="AdobeClean-Light"/>
-                      </a:endParaRPr>
                     </a:p>
                   </a:txBody>
                   <a:tcPr marL="0" marR="0" marT="57785" marB="0">
@@ -4197,7 +3703,7 @@
                         </a:spcBef>
                       </a:pPr>
                       <a:r>
-                        <a:rPr sz="900" spc="0" dirty="0">
+                        <a:rPr lang="pt-BR" sz="900">
                           <a:solidFill>
                             <a:srgbClr val="020302"/>
                           </a:solidFill>
@@ -4206,10 +3712,6 @@
                         </a:rPr>
                         <a:t>6</a:t>
                       </a:r>
-                      <a:endParaRPr sz="900" spc="0">
-                        <a:latin typeface="AdobeClean-Light"/>
-                        <a:cs typeface="AdobeClean-Light"/>
-                      </a:endParaRPr>
                     </a:p>
                   </a:txBody>
                   <a:tcPr marL="0" marR="0" marT="57785" marB="0"/>
@@ -4219,7 +3721,7 @@
                     <a:bodyPr/>
                     <a:lstStyle/>
                     <a:p>
-                      <a:pPr algn="ctr">
+                      <a:pPr algn="l" rtl="0">
                         <a:lnSpc>
                           <a:spcPct val="100000"/>
                         </a:lnSpc>
@@ -4249,7 +3751,7 @@
                         </a:spcBef>
                       </a:pPr>
                       <a:r>
-                        <a:rPr sz="900" spc="0" dirty="0">
+                        <a:rPr lang="pt-BR" sz="900">
                           <a:solidFill>
                             <a:srgbClr val="020302"/>
                           </a:solidFill>
@@ -4258,10 +3760,6 @@
                         </a:rPr>
                         <a:t>10</a:t>
                       </a:r>
-                      <a:endParaRPr sz="900" spc="0">
-                        <a:latin typeface="AdobeClean-Light"/>
-                        <a:cs typeface="AdobeClean-Light"/>
-                      </a:endParaRPr>
                     </a:p>
                   </a:txBody>
                   <a:tcPr marL="0" marR="0" marT="57785" marB="0"/>
@@ -4280,7 +3778,7 @@
                         </a:spcBef>
                       </a:pPr>
                       <a:r>
-                        <a:rPr sz="900" spc="0" dirty="0">
+                        <a:rPr lang="pt-BR" sz="900">
                           <a:solidFill>
                             <a:srgbClr val="020302"/>
                           </a:solidFill>
@@ -4289,10 +3787,6 @@
                         </a:rPr>
                         <a:t>15</a:t>
                       </a:r>
-                      <a:endParaRPr sz="900" spc="0">
-                        <a:latin typeface="AdobeClean-Light"/>
-                        <a:cs typeface="AdobeClean-Light"/>
-                      </a:endParaRPr>
                     </a:p>
                   </a:txBody>
                   <a:tcPr marL="0" marR="0" marT="57785" marB="0">
@@ -4310,13 +3804,13 @@
                   </a:ext>
                 </a:extLst>
               </a:tr>
-              <a:tr h="264424">
+              <a:tr h="252963">
                 <a:tc vMerge="1">
                   <a:txBody>
                     <a:bodyPr/>
                     <a:lstStyle/>
                     <a:p>
-                      <a:pPr marL="50800">
+                      <a:pPr marL="50800" algn="l" rtl="0">
                         <a:lnSpc>
                           <a:spcPct val="100000"/>
                         </a:lnSpc>
@@ -4365,19 +3859,15 @@
                         </a:spcBef>
                       </a:pPr>
                       <a:r>
-                        <a:rPr lang="en-US" sz="900" spc="0" dirty="0">
+                        <a:rPr lang="pt-BR" sz="900">
                           <a:solidFill>
                             <a:srgbClr val="020302"/>
                           </a:solidFill>
                           <a:latin typeface="AdobeClean-Light"/>
                           <a:cs typeface="AdobeClean-Light"/>
                         </a:rPr>
-                        <a:t>Live Telephone Support</a:t>
+                        <a:t>Suporte telefônico ao vivo</a:t>
                       </a:r>
-                      <a:endParaRPr sz="900" spc="0" dirty="0">
-                        <a:latin typeface="AdobeClean-Light"/>
-                        <a:cs typeface="AdobeClean-Light"/>
-                      </a:endParaRPr>
                     </a:p>
                   </a:txBody>
                   <a:tcPr marL="0" marR="0" marT="57785" marB="0">
@@ -4400,7 +3890,7 @@
                     <a:bodyPr/>
                     <a:lstStyle/>
                     <a:p>
-                      <a:pPr>
+                      <a:pPr algn="l" rtl="0">
                         <a:lnSpc>
                           <a:spcPct val="100000"/>
                         </a:lnSpc>
@@ -4439,7 +3929,7 @@
                         </a:spcBef>
                       </a:pPr>
                       <a:r>
-                        <a:rPr sz="900" spc="0" dirty="0">
+                        <a:rPr lang="pt-BR" sz="900">
                           <a:solidFill>
                             <a:srgbClr val="020302"/>
                           </a:solidFill>
@@ -4448,10 +3938,6 @@
                         </a:rPr>
                         <a:t></a:t>
                       </a:r>
-                      <a:endParaRPr sz="900" spc="0">
-                        <a:latin typeface="Wingdings"/>
-                        <a:cs typeface="Wingdings"/>
-                      </a:endParaRPr>
                     </a:p>
                   </a:txBody>
                   <a:tcPr marL="0" marR="0" marT="59054" marB="0"/>
@@ -4461,7 +3947,7 @@
                     <a:bodyPr/>
                     <a:lstStyle/>
                     <a:p>
-                      <a:pPr algn="ctr">
+                      <a:pPr algn="l" rtl="0">
                         <a:lnSpc>
                           <a:spcPct val="100000"/>
                         </a:lnSpc>
@@ -4491,7 +3977,7 @@
                         </a:spcBef>
                       </a:pPr>
                       <a:r>
-                        <a:rPr sz="900" spc="0" dirty="0">
+                        <a:rPr lang="pt-BR" sz="900">
                           <a:solidFill>
                             <a:srgbClr val="020302"/>
                           </a:solidFill>
@@ -4500,10 +3986,6 @@
                         </a:rPr>
                         <a:t></a:t>
                       </a:r>
-                      <a:endParaRPr sz="900" spc="0">
-                        <a:latin typeface="Wingdings"/>
-                        <a:cs typeface="Wingdings"/>
-                      </a:endParaRPr>
                     </a:p>
                   </a:txBody>
                   <a:tcPr marL="0" marR="0" marT="59054" marB="0"/>
@@ -4522,7 +4004,7 @@
                         </a:spcBef>
                       </a:pPr>
                       <a:r>
-                        <a:rPr sz="900" spc="0" dirty="0">
+                        <a:rPr lang="pt-BR" sz="900">
                           <a:solidFill>
                             <a:srgbClr val="020302"/>
                           </a:solidFill>
@@ -4531,10 +4013,6 @@
                         </a:rPr>
                         <a:t></a:t>
                       </a:r>
-                      <a:endParaRPr sz="900" spc="0">
-                        <a:latin typeface="Wingdings"/>
-                        <a:cs typeface="Wingdings"/>
-                      </a:endParaRPr>
                     </a:p>
                   </a:txBody>
                   <a:tcPr marL="0" marR="0" marT="59054" marB="0">
@@ -4552,13 +4030,13 @@
                   </a:ext>
                 </a:extLst>
               </a:tr>
-              <a:tr h="264424">
+              <a:tr h="252963">
                 <a:tc vMerge="1">
                   <a:txBody>
                     <a:bodyPr/>
                     <a:lstStyle/>
                     <a:p>
-                      <a:pPr marL="50800">
+                      <a:pPr marL="50800" algn="l" rtl="0">
                         <a:lnSpc>
                           <a:spcPct val="100000"/>
                         </a:lnSpc>
@@ -4607,19 +4085,15 @@
                         </a:spcBef>
                       </a:pPr>
                       <a:r>
-                        <a:rPr sz="900" spc="0" dirty="0">
+                        <a:rPr lang="pt-BR" sz="900">
                           <a:solidFill>
                             <a:srgbClr val="020302"/>
                           </a:solidFill>
                           <a:latin typeface="AdobeClean-Light"/>
                           <a:cs typeface="AdobeClean-Light"/>
                         </a:rPr>
-                        <a:t>Escalation Management</a:t>
+                        <a:t>Gestão de encaminhamento</a:t>
                       </a:r>
-                      <a:endParaRPr sz="900" spc="0" dirty="0">
-                        <a:latin typeface="AdobeClean-Light"/>
-                        <a:cs typeface="AdobeClean-Light"/>
-                      </a:endParaRPr>
                     </a:p>
                   </a:txBody>
                   <a:tcPr marL="0" marR="0" marT="58419" marB="0">
@@ -4642,7 +4116,7 @@
                     <a:bodyPr/>
                     <a:lstStyle/>
                     <a:p>
-                      <a:pPr>
+                      <a:pPr algn="l" rtl="0">
                         <a:lnSpc>
                           <a:spcPct val="100000"/>
                         </a:lnSpc>
@@ -4681,7 +4155,7 @@
                         </a:spcBef>
                       </a:pPr>
                       <a:r>
-                        <a:rPr sz="900" spc="0" dirty="0">
+                        <a:rPr lang="pt-BR" sz="900">
                           <a:solidFill>
                             <a:srgbClr val="020302"/>
                           </a:solidFill>
@@ -4690,10 +4164,6 @@
                         </a:rPr>
                         <a:t></a:t>
                       </a:r>
-                      <a:endParaRPr sz="900" spc="0" dirty="0">
-                        <a:latin typeface="Wingdings"/>
-                        <a:cs typeface="Wingdings"/>
-                      </a:endParaRPr>
                     </a:p>
                   </a:txBody>
                   <a:tcPr marL="0" marR="0" marT="59690" marB="0"/>
@@ -4703,7 +4173,7 @@
                     <a:bodyPr/>
                     <a:lstStyle/>
                     <a:p>
-                      <a:pPr algn="ctr">
+                      <a:pPr algn="l" rtl="0">
                         <a:lnSpc>
                           <a:spcPct val="100000"/>
                         </a:lnSpc>
@@ -4733,7 +4203,7 @@
                         </a:spcBef>
                       </a:pPr>
                       <a:r>
-                        <a:rPr sz="900" spc="0" dirty="0">
+                        <a:rPr lang="pt-BR" sz="900">
                           <a:solidFill>
                             <a:srgbClr val="020302"/>
                           </a:solidFill>
@@ -4742,10 +4212,6 @@
                         </a:rPr>
                         <a:t></a:t>
                       </a:r>
-                      <a:endParaRPr sz="900" spc="0">
-                        <a:latin typeface="Wingdings"/>
-                        <a:cs typeface="Wingdings"/>
-                      </a:endParaRPr>
                     </a:p>
                   </a:txBody>
                   <a:tcPr marL="0" marR="0" marT="59690" marB="0"/>
@@ -4764,7 +4230,7 @@
                         </a:spcBef>
                       </a:pPr>
                       <a:r>
-                        <a:rPr sz="900" spc="0" dirty="0">
+                        <a:rPr lang="pt-BR" sz="900">
                           <a:solidFill>
                             <a:srgbClr val="020302"/>
                           </a:solidFill>
@@ -4773,10 +4239,6 @@
                         </a:rPr>
                         <a:t></a:t>
                       </a:r>
-                      <a:endParaRPr sz="900" spc="0" dirty="0">
-                        <a:latin typeface="Wingdings"/>
-                        <a:cs typeface="Wingdings"/>
-                      </a:endParaRPr>
                     </a:p>
                   </a:txBody>
                   <a:tcPr marL="0" marR="0" marT="59690" marB="0">
@@ -4794,13 +4256,13 @@
                   </a:ext>
                 </a:extLst>
               </a:tr>
-              <a:tr h="264424">
+              <a:tr h="252963">
                 <a:tc vMerge="1">
                   <a:txBody>
                     <a:bodyPr/>
                     <a:lstStyle/>
                     <a:p>
-                      <a:pPr marL="50800">
+                      <a:pPr marL="50800" algn="l" rtl="0">
                         <a:lnSpc>
                           <a:spcPct val="100000"/>
                         </a:lnSpc>
@@ -4849,19 +4311,15 @@
                         </a:spcBef>
                       </a:pPr>
                       <a:r>
-                        <a:rPr sz="900" spc="0" dirty="0">
+                        <a:rPr lang="pt-BR" sz="900">
                           <a:solidFill>
                             <a:srgbClr val="020302"/>
                           </a:solidFill>
                           <a:latin typeface="AdobeClean-Light"/>
                           <a:cs typeface="AdobeClean-Light"/>
                         </a:rPr>
-                        <a:t>Service Reviews  per Year</a:t>
+                        <a:t>Revisões de serviço por ano</a:t>
                       </a:r>
-                      <a:endParaRPr sz="900" spc="0" dirty="0">
-                        <a:latin typeface="AdobeClean-Light"/>
-                        <a:cs typeface="AdobeClean-Light"/>
-                      </a:endParaRPr>
                     </a:p>
                   </a:txBody>
                   <a:tcPr marL="0" marR="0" marT="57150" marB="0">
@@ -4884,7 +4342,7 @@
                     <a:bodyPr/>
                     <a:lstStyle/>
                     <a:p>
-                      <a:pPr>
+                      <a:pPr algn="l" rtl="0">
                         <a:lnSpc>
                           <a:spcPct val="100000"/>
                         </a:lnSpc>
@@ -4914,7 +4372,7 @@
                     <a:bodyPr/>
                     <a:lstStyle/>
                     <a:p>
-                      <a:pPr>
+                      <a:pPr algn="l" rtl="0">
                         <a:lnSpc>
                           <a:spcPct val="100000"/>
                         </a:lnSpc>
@@ -4932,7 +4390,7 @@
                     <a:bodyPr/>
                     <a:lstStyle/>
                     <a:p>
-                      <a:pPr>
+                      <a:pPr algn="l" rtl="0">
                         <a:lnSpc>
                           <a:spcPct val="100000"/>
                         </a:lnSpc>
@@ -4959,7 +4417,7 @@
                         </a:spcBef>
                       </a:pPr>
                       <a:r>
-                        <a:rPr sz="900" spc="0" dirty="0">
+                        <a:rPr lang="pt-BR" sz="900">
                           <a:solidFill>
                             <a:srgbClr val="020302"/>
                           </a:solidFill>
@@ -4968,10 +4426,6 @@
                         </a:rPr>
                         <a:t>2</a:t>
                       </a:r>
-                      <a:endParaRPr sz="900" spc="0" dirty="0">
-                        <a:latin typeface="AdobeClean-Light"/>
-                        <a:cs typeface="AdobeClean-Light"/>
-                      </a:endParaRPr>
                     </a:p>
                   </a:txBody>
                   <a:tcPr marL="0" marR="0" marT="57150" marB="0"/>
@@ -4990,7 +4444,7 @@
                         </a:spcBef>
                       </a:pPr>
                       <a:r>
-                        <a:rPr sz="900" spc="0" dirty="0">
+                        <a:rPr lang="pt-BR" sz="900">
                           <a:solidFill>
                             <a:srgbClr val="020302"/>
                           </a:solidFill>
@@ -4999,10 +4453,6 @@
                         </a:rPr>
                         <a:t>4</a:t>
                       </a:r>
-                      <a:endParaRPr sz="900" spc="0" dirty="0">
-                        <a:latin typeface="AdobeClean-Light"/>
-                        <a:cs typeface="AdobeClean-Light"/>
-                      </a:endParaRPr>
                     </a:p>
                   </a:txBody>
                   <a:tcPr marL="0" marR="0" marT="57150" marB="0">
@@ -5020,7 +4470,7 @@
                   </a:ext>
                 </a:extLst>
               </a:tr>
-              <a:tr h="264424">
+              <a:tr h="252963">
                 <a:tc vMerge="1">
                   <a:txBody>
                     <a:bodyPr/>
@@ -5045,16 +4495,12 @@
                         </a:spcBef>
                       </a:pPr>
                       <a:r>
-                        <a:rPr lang="en-US" sz="900" spc="0" dirty="0">
+                        <a:rPr lang="pt-BR" sz="900">
                           <a:latin typeface="AdobeClean-Light"/>
                           <a:cs typeface="AdobeClean-Light"/>
                         </a:rPr>
-                        <a:t>Expert Sessions per Year</a:t>
+                        <a:t>Sessões de especialistas por ano</a:t>
                       </a:r>
-                      <a:endParaRPr sz="900" spc="0" dirty="0">
-                        <a:latin typeface="AdobeClean-Light"/>
-                        <a:cs typeface="AdobeClean-Light"/>
-                      </a:endParaRPr>
                     </a:p>
                   </a:txBody>
                   <a:tcPr marL="0" marR="0" marT="57150" marB="0">
@@ -5083,7 +4529,7 @@
                     <a:bodyPr/>
                     <a:lstStyle/>
                     <a:p>
-                      <a:pPr>
+                      <a:pPr algn="l" rtl="0">
                         <a:lnSpc>
                           <a:spcPct val="100000"/>
                         </a:lnSpc>
@@ -5116,7 +4562,7 @@
                     <a:bodyPr/>
                     <a:lstStyle/>
                     <a:p>
-                      <a:pPr>
+                      <a:pPr algn="l" rtl="0">
                         <a:lnSpc>
                           <a:spcPct val="100000"/>
                         </a:lnSpc>
@@ -5153,16 +4599,12 @@
                         </a:spcBef>
                       </a:pPr>
                       <a:r>
-                        <a:rPr lang="en-US" sz="900" spc="0" dirty="0">
+                        <a:rPr lang="pt-BR" sz="900">
                           <a:latin typeface="AdobeClean-Light"/>
                           <a:cs typeface="AdobeClean-Light"/>
                         </a:rPr>
                         <a:t>2</a:t>
                       </a:r>
-                      <a:endParaRPr sz="900" spc="0" dirty="0">
-                        <a:latin typeface="AdobeClean-Light"/>
-                        <a:cs typeface="AdobeClean-Light"/>
-                      </a:endParaRPr>
                     </a:p>
                   </a:txBody>
                   <a:tcPr marL="0" marR="0" marT="57150" marB="0"/>
@@ -5181,16 +4623,12 @@
                         </a:spcBef>
                       </a:pPr>
                       <a:r>
-                        <a:rPr lang="en-US" sz="900" spc="0" dirty="0">
+                        <a:rPr lang="pt-BR" sz="900">
                           <a:latin typeface="AdobeClean-Light"/>
                           <a:cs typeface="AdobeClean-Light"/>
                         </a:rPr>
                         <a:t>4</a:t>
                       </a:r>
-                      <a:endParaRPr sz="900" spc="0" dirty="0">
-                        <a:latin typeface="AdobeClean-Light"/>
-                        <a:cs typeface="AdobeClean-Light"/>
-                      </a:endParaRPr>
                     </a:p>
                   </a:txBody>
                   <a:tcPr marL="0" marR="0" marT="57150" marB="0">
@@ -5208,7 +4646,7 @@
                   </a:ext>
                 </a:extLst>
               </a:tr>
-              <a:tr h="264424">
+              <a:tr h="252963">
                 <a:tc vMerge="1">
                   <a:txBody>
                     <a:bodyPr/>
@@ -5233,16 +4671,12 @@
                         </a:spcBef>
                       </a:pPr>
                       <a:r>
-                        <a:rPr lang="en-US" sz="900" spc="0" dirty="0">
+                        <a:rPr lang="pt-BR" sz="900">
                           <a:latin typeface="AdobeClean-Light"/>
                           <a:cs typeface="AdobeClean-Light"/>
                         </a:rPr>
-                        <a:t>Case Reviews</a:t>
+                        <a:t>Revisões de caso</a:t>
                       </a:r>
-                      <a:endParaRPr sz="900" spc="0" dirty="0">
-                        <a:latin typeface="AdobeClean-Light"/>
-                        <a:cs typeface="AdobeClean-Light"/>
-                      </a:endParaRPr>
                     </a:p>
                   </a:txBody>
                   <a:tcPr marL="0" marR="0" marT="57150" marB="0">
@@ -5271,7 +4705,7 @@
                     <a:bodyPr/>
                     <a:lstStyle/>
                     <a:p>
-                      <a:pPr>
+                      <a:pPr algn="l" rtl="0">
                         <a:lnSpc>
                           <a:spcPct val="100000"/>
                         </a:lnSpc>
@@ -5304,7 +4738,7 @@
                     <a:bodyPr/>
                     <a:lstStyle/>
                     <a:p>
-                      <a:pPr>
+                      <a:pPr algn="l" rtl="0">
                         <a:lnSpc>
                           <a:spcPct val="100000"/>
                         </a:lnSpc>
@@ -5350,7 +4784,7 @@
                         <a:defRPr/>
                       </a:pPr>
                       <a:r>
-                        <a:rPr lang="en-US" sz="900" spc="0" dirty="0">
+                        <a:rPr lang="pt-BR" sz="900">
                           <a:solidFill>
                             <a:srgbClr val="020302"/>
                           </a:solidFill>
@@ -5359,10 +4793,6 @@
                         </a:rPr>
                         <a:t></a:t>
                       </a:r>
-                      <a:endParaRPr lang="en-US" sz="900" spc="0" dirty="0">
-                        <a:latin typeface="Wingdings"/>
-                        <a:cs typeface="Wingdings"/>
-                      </a:endParaRPr>
                     </a:p>
                   </a:txBody>
                   <a:tcPr marL="0" marR="0" marT="57150" marB="0"/>
@@ -5390,7 +4820,7 @@
                         <a:defRPr/>
                       </a:pPr>
                       <a:r>
-                        <a:rPr lang="en-US" sz="900" spc="0" dirty="0">
+                        <a:rPr lang="pt-BR" sz="900">
                           <a:solidFill>
                             <a:srgbClr val="020302"/>
                           </a:solidFill>
@@ -5399,10 +4829,6 @@
                         </a:rPr>
                         <a:t></a:t>
                       </a:r>
-                      <a:endParaRPr lang="en-US" sz="900" spc="0" dirty="0">
-                        <a:latin typeface="Wingdings"/>
-                        <a:cs typeface="Wingdings"/>
-                      </a:endParaRPr>
                     </a:p>
                   </a:txBody>
                   <a:tcPr marL="0" marR="0" marT="57150" marB="0">
@@ -5420,13 +4846,13 @@
                   </a:ext>
                 </a:extLst>
               </a:tr>
-              <a:tr h="264424">
+              <a:tr h="252963">
                 <a:tc vMerge="1">
                   <a:txBody>
                     <a:bodyPr/>
                     <a:lstStyle/>
                     <a:p>
-                      <a:pPr marL="48895">
+                      <a:pPr marL="48895" algn="l" rtl="0">
                         <a:lnSpc>
                           <a:spcPct val="100000"/>
                         </a:lnSpc>
@@ -5475,19 +4901,15 @@
                         </a:spcBef>
                       </a:pPr>
                       <a:r>
-                        <a:rPr sz="900" spc="0" dirty="0">
+                        <a:rPr lang="pt-BR" sz="900">
                           <a:solidFill>
                             <a:srgbClr val="020302"/>
                           </a:solidFill>
                           <a:latin typeface="AdobeClean-Light"/>
                           <a:cs typeface="AdobeClean-Light"/>
                         </a:rPr>
-                        <a:t>Event Management</a:t>
+                        <a:t>Gerenciamento de eventos</a:t>
                       </a:r>
-                      <a:endParaRPr sz="900" spc="0" dirty="0">
-                        <a:latin typeface="AdobeClean-Light"/>
-                        <a:cs typeface="AdobeClean-Light"/>
-                      </a:endParaRPr>
                     </a:p>
                   </a:txBody>
                   <a:tcPr marL="0" marR="0" marT="58419" marB="0">
@@ -5510,7 +4932,7 @@
                     <a:bodyPr/>
                     <a:lstStyle/>
                     <a:p>
-                      <a:pPr>
+                      <a:pPr algn="l" rtl="0">
                         <a:lnSpc>
                           <a:spcPct val="100000"/>
                         </a:lnSpc>
@@ -5540,7 +4962,7 @@
                     <a:bodyPr/>
                     <a:lstStyle/>
                     <a:p>
-                      <a:pPr>
+                      <a:pPr algn="l" rtl="0">
                         <a:lnSpc>
                           <a:spcPct val="100000"/>
                         </a:lnSpc>
@@ -5558,7 +4980,7 @@
                     <a:bodyPr/>
                     <a:lstStyle/>
                     <a:p>
-                      <a:pPr>
+                      <a:pPr algn="l" rtl="0">
                         <a:lnSpc>
                           <a:spcPct val="100000"/>
                         </a:lnSpc>
@@ -5576,7 +4998,7 @@
                     <a:bodyPr/>
                     <a:lstStyle/>
                     <a:p>
-                      <a:pPr>
+                      <a:pPr algn="l" rtl="0">
                         <a:lnSpc>
                           <a:spcPct val="100000"/>
                         </a:lnSpc>
@@ -5603,7 +5025,7 @@
                         </a:spcBef>
                       </a:pPr>
                       <a:r>
-                        <a:rPr sz="900" spc="0" dirty="0">
+                        <a:rPr lang="pt-BR" sz="900">
                           <a:solidFill>
                             <a:srgbClr val="020302"/>
                           </a:solidFill>
@@ -5612,10 +5034,6 @@
                         </a:rPr>
                         <a:t></a:t>
                       </a:r>
-                      <a:endParaRPr sz="900" spc="0" dirty="0">
-                        <a:latin typeface="Wingdings"/>
-                        <a:cs typeface="Wingdings"/>
-                      </a:endParaRPr>
                     </a:p>
                   </a:txBody>
                   <a:tcPr marL="0" marR="0" marT="59055" marB="0">
@@ -5633,13 +5051,13 @@
                   </a:ext>
                 </a:extLst>
               </a:tr>
-              <a:tr h="264424">
+              <a:tr h="252963">
                 <a:tc vMerge="1">
                   <a:txBody>
                     <a:bodyPr/>
                     <a:lstStyle/>
                     <a:p>
-                      <a:pPr marL="48895">
+                      <a:pPr marL="48895" algn="l" rtl="0">
                         <a:lnSpc>
                           <a:spcPct val="100000"/>
                         </a:lnSpc>
@@ -5697,34 +5115,14 @@
                         </a:spcBef>
                       </a:pPr>
                       <a:r>
-                        <a:rPr sz="900" spc="0" dirty="0">
+                        <a:rPr lang="pt-BR" sz="900">
                           <a:solidFill>
                             <a:srgbClr val="020302"/>
                           </a:solidFill>
                           <a:latin typeface="AdobeClean-Light"/>
                           <a:cs typeface="AdobeClean-Light"/>
                         </a:rPr>
-                        <a:t>Environment</a:t>
-                      </a:r>
-                      <a:r>
-                        <a:rPr lang="en-US" sz="900" spc="0" dirty="0">
-                          <a:solidFill>
-                            <a:srgbClr val="020302"/>
-                          </a:solidFill>
-                          <a:latin typeface="AdobeClean-Light"/>
-                          <a:cs typeface="AdobeClean-Light"/>
-                        </a:rPr>
-                        <a:t> </a:t>
-                      </a:r>
-                      <a:r>
-                        <a:rPr sz="900" spc="0" dirty="0">
-                          <a:solidFill>
-                            <a:srgbClr val="020302"/>
-                          </a:solidFill>
-                          <a:latin typeface="AdobeClean-Light"/>
-                          <a:cs typeface="AdobeClean-Light"/>
-                        </a:rPr>
-                        <a:t>Review, Maintenance &amp; Monitoring</a:t>
+                        <a:t>Revisão, manutenção e monitoramento do ambiente,</a:t>
                       </a:r>
                     </a:p>
                   </a:txBody>
@@ -5754,7 +5152,7 @@
                     <a:bodyPr/>
                     <a:lstStyle/>
                     <a:p>
-                      <a:pPr>
+                      <a:pPr algn="l" rtl="0">
                         <a:lnSpc>
                           <a:spcPct val="100000"/>
                         </a:lnSpc>
@@ -5787,7 +5185,7 @@
                     <a:bodyPr/>
                     <a:lstStyle/>
                     <a:p>
-                      <a:pPr>
+                      <a:pPr algn="l" rtl="0">
                         <a:lnSpc>
                           <a:spcPct val="100000"/>
                         </a:lnSpc>
@@ -5805,7 +5203,7 @@
                     <a:bodyPr/>
                     <a:lstStyle/>
                     <a:p>
-                      <a:pPr>
+                      <a:pPr algn="l" rtl="0">
                         <a:lnSpc>
                           <a:spcPct val="100000"/>
                         </a:lnSpc>
@@ -5823,7 +5221,7 @@
                     <a:bodyPr/>
                     <a:lstStyle/>
                     <a:p>
-                      <a:pPr>
+                      <a:pPr algn="l" rtl="0">
                         <a:lnSpc>
                           <a:spcPct val="100000"/>
                         </a:lnSpc>
@@ -5850,7 +5248,7 @@
                         </a:spcBef>
                       </a:pPr>
                       <a:r>
-                        <a:rPr sz="900" spc="0" dirty="0">
+                        <a:rPr lang="pt-BR" sz="900">
                           <a:solidFill>
                             <a:srgbClr val="020302"/>
                           </a:solidFill>
@@ -5859,10 +5257,6 @@
                         </a:rPr>
                         <a:t></a:t>
                       </a:r>
-                      <a:endParaRPr sz="900" spc="0" dirty="0">
-                        <a:latin typeface="Wingdings"/>
-                        <a:cs typeface="Wingdings"/>
-                      </a:endParaRPr>
                     </a:p>
                   </a:txBody>
                   <a:tcPr marL="0" marR="0" marT="60325" marB="0">
@@ -5880,13 +5274,13 @@
                   </a:ext>
                 </a:extLst>
               </a:tr>
-              <a:tr h="264424">
+              <a:tr h="328548">
                 <a:tc vMerge="1">
                   <a:txBody>
                     <a:bodyPr/>
                     <a:lstStyle/>
                     <a:p>
-                      <a:pPr marL="49530">
+                      <a:pPr marL="49530" algn="l" rtl="0">
                         <a:lnSpc>
                           <a:spcPct val="100000"/>
                         </a:lnSpc>
@@ -5935,19 +5329,34 @@
                         </a:spcBef>
                       </a:pPr>
                       <a:r>
-                        <a:rPr sz="900" spc="0" dirty="0">
+                        <a:rPr lang="pt-BR" sz="900" dirty="0">
                           <a:solidFill>
                             <a:srgbClr val="020302"/>
                           </a:solidFill>
                           <a:latin typeface="AdobeClean-Light"/>
                           <a:cs typeface="AdobeClean-Light"/>
                         </a:rPr>
-                        <a:t>Release, Migration, Upgrade &amp; Product Roadmap Review</a:t>
+                        <a:t>Revisão de versão, migração, atualização e roteiro </a:t>
                       </a:r>
-                      <a:endParaRPr sz="900" spc="0" dirty="0">
-                        <a:latin typeface="AdobeClean-Light"/>
-                        <a:cs typeface="AdobeClean-Light"/>
-                      </a:endParaRPr>
+                      <a:br>
+                        <a:rPr lang="sk-SK" sz="900" dirty="0">
+                          <a:solidFill>
+                            <a:srgbClr val="020302"/>
+                          </a:solidFill>
+                          <a:latin typeface="AdobeClean-Light"/>
+                          <a:cs typeface="AdobeClean-Light"/>
+                        </a:rPr>
+                      </a:br>
+                      <a:r>
+                        <a:rPr lang="pt-BR" sz="900" dirty="0">
+                          <a:solidFill>
+                            <a:srgbClr val="020302"/>
+                          </a:solidFill>
+                          <a:latin typeface="AdobeClean-Light"/>
+                          <a:cs typeface="AdobeClean-Light"/>
+                        </a:rPr>
+                        <a:t>de produtos</a:t>
+                      </a:r>
                     </a:p>
                   </a:txBody>
                   <a:tcPr marL="0" marR="0" marT="63500" marB="0">
@@ -5970,7 +5379,7 @@
                     <a:bodyPr/>
                     <a:lstStyle/>
                     <a:p>
-                      <a:pPr>
+                      <a:pPr algn="l" rtl="0">
                         <a:lnSpc>
                           <a:spcPct val="100000"/>
                         </a:lnSpc>
@@ -6000,7 +5409,7 @@
                     <a:bodyPr/>
                     <a:lstStyle/>
                     <a:p>
-                      <a:pPr>
+                      <a:pPr algn="l" rtl="0">
                         <a:lnSpc>
                           <a:spcPct val="100000"/>
                         </a:lnSpc>
@@ -6018,7 +5427,7 @@
                     <a:bodyPr/>
                     <a:lstStyle/>
                     <a:p>
-                      <a:pPr>
+                      <a:pPr algn="l" rtl="0">
                         <a:lnSpc>
                           <a:spcPct val="100000"/>
                         </a:lnSpc>
@@ -6036,7 +5445,7 @@
                     <a:bodyPr/>
                     <a:lstStyle/>
                     <a:p>
-                      <a:pPr>
+                      <a:pPr algn="l" rtl="0">
                         <a:lnSpc>
                           <a:spcPct val="100000"/>
                         </a:lnSpc>
@@ -6063,7 +5472,7 @@
                         </a:spcBef>
                       </a:pPr>
                       <a:r>
-                        <a:rPr sz="900" spc="0" dirty="0">
+                        <a:rPr lang="pt-BR" sz="900">
                           <a:solidFill>
                             <a:srgbClr val="020302"/>
                           </a:solidFill>
@@ -6072,10 +5481,6 @@
                         </a:rPr>
                         <a:t></a:t>
                       </a:r>
-                      <a:endParaRPr sz="900" spc="0">
-                        <a:latin typeface="Wingdings"/>
-                        <a:cs typeface="Wingdings"/>
-                      </a:endParaRPr>
                     </a:p>
                   </a:txBody>
                   <a:tcPr marL="0" marR="0" marT="64135" marB="0">
@@ -6093,13 +5498,13 @@
                   </a:ext>
                 </a:extLst>
               </a:tr>
-              <a:tr h="264424">
+              <a:tr h="332254">
                 <a:tc vMerge="1">
                   <a:txBody>
                     <a:bodyPr/>
                     <a:lstStyle/>
                     <a:p>
-                      <a:pPr marL="49530">
+                      <a:pPr marL="49530" algn="l" rtl="0">
                         <a:lnSpc>
                           <a:spcPct val="100000"/>
                         </a:lnSpc>
@@ -6157,11 +5562,24 @@
                         </a:spcBef>
                       </a:pPr>
                       <a:r>
-                        <a:rPr sz="900" spc="0" dirty="0">
+                        <a:rPr lang="pt-BR" sz="900" dirty="0">
                           <a:latin typeface="AdobeClean-Light"/>
                           <a:cs typeface="AdobeClean-Light"/>
                         </a:rPr>
-                        <a:t>Cloud Support Activities – Experience Manager as Cloud</a:t>
+                        <a:t>Atividades de suporte na nuvem — Experience Manager </a:t>
+                      </a:r>
+                      <a:br>
+                        <a:rPr lang="sk-SK" sz="900" dirty="0">
+                          <a:latin typeface="AdobeClean-Light"/>
+                          <a:cs typeface="AdobeClean-Light"/>
+                        </a:rPr>
+                      </a:br>
+                      <a:r>
+                        <a:rPr lang="pt-BR" sz="900" dirty="0">
+                          <a:latin typeface="AdobeClean-Light"/>
+                          <a:cs typeface="AdobeClean-Light"/>
+                        </a:rPr>
+                        <a:t>as Cloud</a:t>
                       </a:r>
                     </a:p>
                   </a:txBody>
@@ -6191,7 +5609,7 @@
                     <a:bodyPr/>
                     <a:lstStyle/>
                     <a:p>
-                      <a:pPr>
+                      <a:pPr algn="l" rtl="0">
                         <a:lnSpc>
                           <a:spcPct val="100000"/>
                         </a:lnSpc>
@@ -6227,7 +5645,7 @@
                     <a:bodyPr/>
                     <a:lstStyle/>
                     <a:p>
-                      <a:pPr>
+                      <a:pPr algn="l" rtl="0">
                         <a:lnSpc>
                           <a:spcPct val="100000"/>
                         </a:lnSpc>
@@ -6252,7 +5670,7 @@
                     <a:bodyPr/>
                     <a:lstStyle/>
                     <a:p>
-                      <a:pPr>
+                      <a:pPr algn="l" rtl="0">
                         <a:lnSpc>
                           <a:spcPct val="100000"/>
                         </a:lnSpc>
@@ -6289,7 +5707,7 @@
                         </a:spcBef>
                       </a:pPr>
                       <a:r>
-                        <a:rPr sz="900" spc="0" dirty="0">
+                        <a:rPr lang="pt-BR" sz="900">
                           <a:solidFill>
                             <a:srgbClr val="020302"/>
                           </a:solidFill>
@@ -6298,10 +5716,6 @@
                         </a:rPr>
                         <a:t></a:t>
                       </a:r>
-                      <a:endParaRPr sz="900" spc="0" dirty="0">
-                        <a:latin typeface="Wingdings"/>
-                        <a:cs typeface="Wingdings"/>
-                      </a:endParaRPr>
                     </a:p>
                   </a:txBody>
                   <a:tcPr marL="0" marR="0" marT="62230" marB="0">
@@ -6327,7 +5741,7 @@
                         </a:spcBef>
                       </a:pPr>
                       <a:r>
-                        <a:rPr sz="900" spc="0" dirty="0">
+                        <a:rPr lang="pt-BR" sz="900">
                           <a:solidFill>
                             <a:srgbClr val="020302"/>
                           </a:solidFill>
@@ -6336,10 +5750,6 @@
                         </a:rPr>
                         <a:t></a:t>
                       </a:r>
-                      <a:endParaRPr sz="900" spc="0" dirty="0">
-                        <a:latin typeface="Wingdings"/>
-                        <a:cs typeface="Wingdings"/>
-                      </a:endParaRPr>
                     </a:p>
                   </a:txBody>
                   <a:tcPr marL="0" marR="0" marT="62230" marB="0">
@@ -6363,7 +5773,7 @@
                   </a:ext>
                 </a:extLst>
               </a:tr>
-              <a:tr h="264424">
+              <a:tr h="252963">
                 <a:tc rowSpan="2">
                   <a:txBody>
                     <a:bodyPr/>
@@ -6378,22 +5788,15 @@
                         </a:spcBef>
                       </a:pPr>
                       <a:r>
-                        <a:rPr lang="en-US" sz="1000" b="1" i="0" spc="0" dirty="0">
+                        <a:rPr lang="pt-BR" sz="1000" b="1" i="0">
                           <a:solidFill>
                             <a:schemeClr val="bg1"/>
                           </a:solidFill>
                           <a:latin typeface="Adobe Clean" panose="020B0503020404020204" pitchFamily="34" charset="0"/>
                           <a:cs typeface="AdobeClean-Light"/>
                         </a:rPr>
-                        <a:t>Field Services</a:t>
+                        <a:t>Serviços de campo</a:t>
                       </a:r>
-                      <a:endParaRPr sz="1000" b="1" i="0" spc="0" dirty="0">
-                        <a:solidFill>
-                          <a:schemeClr val="bg1"/>
-                        </a:solidFill>
-                        <a:latin typeface="Adobe Clean" panose="020B0503020404020204" pitchFamily="34" charset="0"/>
-                        <a:cs typeface="AdobeClean-Light"/>
-                      </a:endParaRPr>
                     </a:p>
                   </a:txBody>
                   <a:tcPr marL="0" marR="0" marT="48260" marB="0" anchor="ctr">
@@ -6446,39 +5849,15 @@
                         </a:spcBef>
                       </a:pPr>
                       <a:r>
-                        <a:rPr sz="900" spc="0" dirty="0">
+                        <a:rPr lang="pt-BR" sz="900">
                           <a:solidFill>
                             <a:srgbClr val="020302"/>
                           </a:solidFill>
                           <a:latin typeface="AdobeClean-Light"/>
                           <a:cs typeface="AdobeClean-Light"/>
                         </a:rPr>
-                        <a:t>Launch Advisory Services – First Year of </a:t>
+                        <a:t>Launch Advisory Services — primeiro ano da nova solução</a:t>
                       </a:r>
-                      <a:r>
-                        <a:rPr lang="en-US" sz="900" spc="0" dirty="0">
-                          <a:solidFill>
-                            <a:srgbClr val="020302"/>
-                          </a:solidFill>
-                          <a:latin typeface="AdobeClean-Light"/>
-                          <a:cs typeface="AdobeClean-Light"/>
-                        </a:rPr>
-                        <a:t>a </a:t>
-                      </a:r>
-                      <a:r>
-                        <a:rPr sz="900" spc="0" dirty="0">
-                          <a:solidFill>
-                            <a:srgbClr val="020302"/>
-                          </a:solidFill>
-                          <a:latin typeface="AdobeClean-Light"/>
-                          <a:cs typeface="AdobeClean-Light"/>
-                        </a:rPr>
-                        <a:t>new solution</a:t>
-                      </a:r>
-                      <a:endParaRPr sz="900" spc="0" dirty="0">
-                        <a:latin typeface="AdobeClean-Light"/>
-                        <a:cs typeface="AdobeClean-Light"/>
-                      </a:endParaRPr>
                     </a:p>
                     <a:p>
                       <a:pPr marL="48260">
@@ -6490,11 +5869,11 @@
                         </a:spcBef>
                       </a:pPr>
                       <a:r>
-                        <a:rPr sz="900" spc="0" dirty="0">
+                        <a:rPr lang="pt-BR" sz="900">
                           <a:latin typeface="AdobeClean-Light"/>
                           <a:cs typeface="AdobeClean-Light"/>
                         </a:rPr>
-                        <a:t>Field Service Activities</a:t>
+                        <a:t>Atividades de serviço de campo</a:t>
                       </a:r>
                     </a:p>
                   </a:txBody>
@@ -6530,7 +5909,7 @@
                     <a:bodyPr/>
                     <a:lstStyle/>
                     <a:p>
-                      <a:pPr>
+                      <a:pPr algn="l" rtl="0">
                         <a:lnSpc>
                           <a:spcPct val="100000"/>
                         </a:lnSpc>
@@ -6566,12 +5945,12 @@
                     <a:bodyPr/>
                     <a:lstStyle/>
                     <a:p>
-                      <a:pPr>
-                        <a:lnSpc>
-                          <a:spcPct val="100000"/>
-                        </a:lnSpc>
-                      </a:pPr>
-                      <a:endParaRPr sz="900" spc="0">
+                      <a:pPr algn="l" rtl="0">
+                        <a:lnSpc>
+                          <a:spcPct val="100000"/>
+                        </a:lnSpc>
+                      </a:pPr>
+                      <a:endParaRPr sz="900" spc="0" dirty="0">
                         <a:latin typeface="Times New Roman"/>
                         <a:cs typeface="Times New Roman"/>
                       </a:endParaRPr>
@@ -6591,7 +5970,7 @@
                     <a:bodyPr/>
                     <a:lstStyle/>
                     <a:p>
-                      <a:pPr>
+                      <a:pPr algn="l" rtl="0">
                         <a:lnSpc>
                           <a:spcPct val="100000"/>
                         </a:lnSpc>
@@ -6628,7 +6007,7 @@
                         </a:spcBef>
                       </a:pPr>
                       <a:r>
-                        <a:rPr sz="900" spc="0" dirty="0">
+                        <a:rPr lang="pt-BR" sz="900">
                           <a:solidFill>
                             <a:srgbClr val="020302"/>
                           </a:solidFill>
@@ -6637,10 +6016,6 @@
                         </a:rPr>
                         <a:t></a:t>
                       </a:r>
-                      <a:endParaRPr sz="900" spc="0">
-                        <a:latin typeface="Wingdings"/>
-                        <a:cs typeface="Wingdings"/>
-                      </a:endParaRPr>
                     </a:p>
                   </a:txBody>
                   <a:tcPr marL="0" marR="0" marT="56515" marB="0">
@@ -6666,7 +6041,7 @@
                         </a:spcBef>
                       </a:pPr>
                       <a:r>
-                        <a:rPr sz="900" spc="0" dirty="0">
+                        <a:rPr lang="pt-BR" sz="900">
                           <a:solidFill>
                             <a:srgbClr val="020302"/>
                           </a:solidFill>
@@ -6675,10 +6050,6 @@
                         </a:rPr>
                         <a:t></a:t>
                       </a:r>
-                      <a:endParaRPr sz="900" spc="0" dirty="0">
-                        <a:latin typeface="Wingdings"/>
-                        <a:cs typeface="Wingdings"/>
-                      </a:endParaRPr>
                     </a:p>
                   </a:txBody>
                   <a:tcPr marL="0" marR="0" marT="56515" marB="0">
@@ -6702,7 +6073,7 @@
                   </a:ext>
                 </a:extLst>
               </a:tr>
-              <a:tr h="264893">
+              <a:tr h="253412">
                 <a:tc vMerge="1">
                   <a:txBody>
                     <a:bodyPr/>
@@ -6753,7 +6124,7 @@
                     <a:bodyPr/>
                     <a:lstStyle/>
                     <a:p>
-                      <a:pPr>
+                      <a:pPr algn="l" rtl="0">
                         <a:lnSpc>
                           <a:spcPct val="100000"/>
                         </a:lnSpc>
@@ -6789,7 +6160,7 @@
                     <a:bodyPr/>
                     <a:lstStyle/>
                     <a:p>
-                      <a:pPr>
+                      <a:pPr algn="l" rtl="0">
                         <a:lnSpc>
                           <a:spcPct val="100000"/>
                         </a:lnSpc>
@@ -6814,7 +6185,7 @@
                     <a:bodyPr/>
                     <a:lstStyle/>
                     <a:p>
-                      <a:pPr>
+                      <a:pPr algn="l" rtl="0">
                         <a:lnSpc>
                           <a:spcPct val="100000"/>
                         </a:lnSpc>
@@ -6848,7 +6219,7 @@
                         </a:spcBef>
                       </a:pPr>
                       <a:r>
-                        <a:rPr sz="900" spc="0" dirty="0">
+                        <a:rPr lang="pt-BR" sz="900">
                           <a:solidFill>
                             <a:srgbClr val="020302"/>
                           </a:solidFill>
@@ -6857,10 +6228,6 @@
                         </a:rPr>
                         <a:t>2</a:t>
                       </a:r>
-                      <a:endParaRPr sz="900" spc="0">
-                        <a:latin typeface="AdobeClean-Light"/>
-                        <a:cs typeface="AdobeClean-Light"/>
-                      </a:endParaRPr>
                     </a:p>
                   </a:txBody>
                   <a:tcPr marL="0" marR="0" marT="50800" marB="0">
@@ -6886,7 +6253,7 @@
                         </a:spcBef>
                       </a:pPr>
                       <a:r>
-                        <a:rPr sz="900" spc="0" dirty="0">
+                        <a:rPr lang="pt-BR" sz="900" dirty="0">
                           <a:solidFill>
                             <a:srgbClr val="020302"/>
                           </a:solidFill>
@@ -6895,10 +6262,6 @@
                         </a:rPr>
                         <a:t>4</a:t>
                       </a:r>
-                      <a:endParaRPr sz="900" spc="0" dirty="0">
-                        <a:latin typeface="AdobeClean-Light"/>
-                        <a:cs typeface="AdobeClean-Light"/>
-                      </a:endParaRPr>
                     </a:p>
                   </a:txBody>
                   <a:tcPr marL="0" marR="0" marT="50800" marB="0">
@@ -6960,24 +6323,8 @@
               </a:spcBef>
             </a:pPr>
             <a:r>
-              <a:rPr spc="-5" dirty="0"/>
-              <a:t>©202</a:t>
-            </a:r>
-            <a:r>
-              <a:rPr lang="en-US" spc="-5" dirty="0"/>
-              <a:t>1</a:t>
-            </a:r>
-            <a:r>
-              <a:rPr spc="-5" dirty="0"/>
-              <a:t> Adobe. All Rights Reserved. Adobe</a:t>
-            </a:r>
-            <a:r>
-              <a:rPr spc="60" dirty="0"/>
-              <a:t> </a:t>
-            </a:r>
-            <a:r>
-              <a:rPr spc="-5" dirty="0"/>
-              <a:t>Confidential.</a:t>
+              <a:rPr lang="pt-BR"/>
+              <a:t>©2021 Adobe. All Rights Reserved. Adobe Confidential.</a:t>
             </a:r>
           </a:p>
         </p:txBody>
@@ -6991,14 +6338,14 @@
           <p:nvPr>
             <p:extLst>
               <p:ext uri="{D42A27DB-BD31-4B8C-83A1-F6EECF244321}">
-                <p14:modId xmlns:p14="http://schemas.microsoft.com/office/powerpoint/2010/main" val="4081524108"/>
+                <p14:modId xmlns:p14="http://schemas.microsoft.com/office/powerpoint/2010/main" val="1969056798"/>
               </p:ext>
             </p:extLst>
           </p:nvPr>
         </p:nvGraphicFramePr>
         <p:xfrm>
           <a:off x="33527" y="7483227"/>
-          <a:ext cx="7705343" cy="2172787"/>
+          <a:ext cx="7705343" cy="2256991"/>
         </p:xfrm>
         <a:graphic>
           <a:graphicData uri="http://schemas.openxmlformats.org/drawingml/2006/table">
@@ -7058,19 +6405,15 @@
                         </a:spcBef>
                       </a:pPr>
                       <a:r>
-                        <a:rPr sz="900" spc="0" dirty="0">
+                        <a:rPr lang="pt-BR" sz="900">
                           <a:solidFill>
                             <a:srgbClr val="020302"/>
                           </a:solidFill>
                           <a:latin typeface="Adobe Clean"/>
                           <a:cs typeface="Adobe Clean"/>
                         </a:rPr>
-                        <a:t>Priority</a:t>
+                        <a:t>Prioridade</a:t>
                       </a:r>
-                      <a:endParaRPr sz="900" spc="0" dirty="0">
-                        <a:latin typeface="Adobe Clean"/>
-                        <a:cs typeface="Adobe Clean"/>
-                      </a:endParaRPr>
                     </a:p>
                   </a:txBody>
                   <a:tcPr marL="0" marR="0" marT="7620" marB="0" anchor="ctr">
@@ -7117,39 +6460,15 @@
                         </a:spcBef>
                       </a:pPr>
                       <a:r>
-                        <a:rPr sz="900" spc="0" dirty="0">
+                        <a:rPr lang="pt-BR" sz="900">
                           <a:solidFill>
                             <a:srgbClr val="020302"/>
                           </a:solidFill>
                           <a:latin typeface="Adobe Clean"/>
                           <a:cs typeface="Adobe Clean"/>
                         </a:rPr>
-                        <a:t>Online </a:t>
+                        <a:t>Suporte Online</a:t>
                       </a:r>
-                      <a:r>
-                        <a:rPr lang="en-US" sz="900" spc="0" dirty="0">
-                          <a:solidFill>
-                            <a:srgbClr val="020302"/>
-                          </a:solidFill>
-                          <a:latin typeface="Adobe Clean"/>
-                          <a:cs typeface="Adobe Clean"/>
-                        </a:rPr>
-                        <a:t> </a:t>
-                      </a:r>
-                      <a:r>
-                        <a:rPr sz="900" spc="0" dirty="0">
-                          <a:solidFill>
-                            <a:srgbClr val="020302"/>
-                          </a:solidFill>
-                          <a:latin typeface="Adobe Clean"/>
-                          <a:cs typeface="Adobe Clean"/>
-                        </a:rPr>
-                        <a:t>Support</a:t>
-                      </a:r>
-                      <a:endParaRPr sz="900" spc="0" dirty="0">
-                        <a:latin typeface="Adobe Clean"/>
-                        <a:cs typeface="Adobe Clean"/>
-                      </a:endParaRPr>
                     </a:p>
                   </a:txBody>
                   <a:tcPr marL="0" marR="0" marT="0" marB="0" anchor="ctr">
@@ -7171,14 +6490,11 @@
                       </a:solidFill>
                       <a:prstDash val="solid"/>
                     </a:lnT>
-                    <a:lnB w="76200" cap="flat" cmpd="sng" algn="ctr">
+                    <a:lnB w="76200">
                       <a:solidFill>
                         <a:srgbClr val="858585"/>
                       </a:solidFill>
                       <a:prstDash val="solid"/>
-                      <a:round/>
-                      <a:headEnd type="none" w="med" len="med"/>
-                      <a:tailEnd type="none" w="med" len="med"/>
                     </a:lnB>
                     <a:solidFill>
                       <a:srgbClr val="D9D9D9"/>
@@ -7199,39 +6515,125 @@
                         </a:spcBef>
                       </a:pPr>
                       <a:r>
-                        <a:rPr sz="900" spc="0" dirty="0">
+                        <a:rPr lang="pt-BR" sz="900">
                           <a:solidFill>
                             <a:srgbClr val="FFFFFF"/>
                           </a:solidFill>
                           <a:latin typeface="Adobe Clean"/>
                           <a:cs typeface="Adobe Clean"/>
                         </a:rPr>
-                        <a:t>Business</a:t>
+                        <a:t>Suporte Business</a:t>
                       </a:r>
+                    </a:p>
+                  </a:txBody>
+                  <a:tcPr marL="0" marR="0" marT="0" marB="0" anchor="ctr">
+                    <a:lnL w="3175">
+                      <a:solidFill>
+                        <a:srgbClr val="B7B8B8"/>
+                      </a:solidFill>
+                      <a:prstDash val="solid"/>
+                    </a:lnL>
+                    <a:lnR w="3175">
+                      <a:solidFill>
+                        <a:srgbClr val="B7B8B8"/>
+                      </a:solidFill>
+                      <a:prstDash val="solid"/>
+                    </a:lnR>
+                    <a:lnT w="3175">
+                      <a:solidFill>
+                        <a:srgbClr val="B7B8B8"/>
+                      </a:solidFill>
+                      <a:prstDash val="solid"/>
+                    </a:lnT>
+                    <a:lnB w="76200">
+                      <a:solidFill>
+                        <a:srgbClr val="ACD2FF"/>
+                      </a:solidFill>
+                      <a:prstDash val="solid"/>
+                    </a:lnB>
+                    <a:solidFill>
+                      <a:srgbClr val="7D7D7D"/>
+                    </a:solidFill>
+                  </a:tcPr>
+                </a:tc>
+                <a:tc>
+                  <a:txBody>
+                    <a:bodyPr/>
+                    <a:lstStyle/>
+                    <a:p>
+                      <a:pPr marL="0" algn="ctr">
+                        <a:lnSpc>
+                          <a:spcPct val="100000"/>
+                        </a:lnSpc>
+                        <a:spcBef>
+                          <a:spcPts val="60"/>
+                        </a:spcBef>
+                      </a:pPr>
                       <a:r>
-                        <a:rPr lang="en-US" sz="900" spc="0" dirty="0">
+                        <a:rPr lang="pt-BR" sz="900">
                           <a:solidFill>
                             <a:srgbClr val="FFFFFF"/>
                           </a:solidFill>
                           <a:latin typeface="Adobe Clean"/>
                           <a:cs typeface="Adobe Clean"/>
                         </a:rPr>
-                        <a:t> </a:t>
+                        <a:t>Suporte Enterprise</a:t>
                       </a:r>
+                    </a:p>
+                  </a:txBody>
+                  <a:tcPr marL="0" marR="0" marT="0" marB="0" anchor="ctr">
+                    <a:lnL w="3175">
+                      <a:solidFill>
+                        <a:srgbClr val="B7B8B8"/>
+                      </a:solidFill>
+                      <a:prstDash val="solid"/>
+                    </a:lnL>
+                    <a:lnR w="3175">
+                      <a:solidFill>
+                        <a:srgbClr val="B7B8B8"/>
+                      </a:solidFill>
+                      <a:prstDash val="solid"/>
+                    </a:lnR>
+                    <a:lnT w="3175">
+                      <a:solidFill>
+                        <a:srgbClr val="B7B8B8"/>
+                      </a:solidFill>
+                      <a:prstDash val="solid"/>
+                    </a:lnT>
+                    <a:lnB w="76200">
+                      <a:solidFill>
+                        <a:srgbClr val="2E8FFF"/>
+                      </a:solidFill>
+                      <a:prstDash val="solid"/>
+                    </a:lnB>
+                    <a:solidFill>
+                      <a:srgbClr val="404040"/>
+                    </a:solidFill>
+                  </a:tcPr>
+                </a:tc>
+                <a:tc>
+                  <a:txBody>
+                    <a:bodyPr/>
+                    <a:lstStyle/>
+                    <a:p>
+                      <a:pPr marL="0" algn="ctr">
+                        <a:lnSpc>
+                          <a:spcPct val="100000"/>
+                        </a:lnSpc>
+                        <a:spcBef>
+                          <a:spcPts val="60"/>
+                        </a:spcBef>
+                      </a:pPr>
                       <a:r>
-                        <a:rPr sz="900" spc="0" dirty="0">
+                        <a:rPr lang="pt-BR" sz="900">
                           <a:solidFill>
                             <a:srgbClr val="FFFFFF"/>
                           </a:solidFill>
                           <a:latin typeface="Adobe Clean"/>
                           <a:cs typeface="Adobe Clean"/>
                         </a:rPr>
-                        <a:t>Support</a:t>
+                        <a:t>Suporte Elite</a:t>
                       </a:r>
-                      <a:endParaRPr sz="900" spc="0" dirty="0">
-                        <a:latin typeface="Adobe Clean"/>
-                        <a:cs typeface="Adobe Clean"/>
-                      </a:endParaRPr>
                     </a:p>
                   </a:txBody>
                   <a:tcPr marL="0" marR="0" marT="0" marB="0" anchor="ctr">
@@ -7253,178 +6655,11 @@
                       </a:solidFill>
                       <a:prstDash val="solid"/>
                     </a:lnT>
-                    <a:lnB w="76200" cap="flat" cmpd="sng" algn="ctr">
-                      <a:solidFill>
-                        <a:srgbClr val="ACD2FF"/>
-                      </a:solidFill>
-                      <a:prstDash val="solid"/>
-                      <a:round/>
-                      <a:headEnd type="none" w="med" len="med"/>
-                      <a:tailEnd type="none" w="med" len="med"/>
-                    </a:lnB>
-                    <a:solidFill>
-                      <a:srgbClr val="7D7D7D"/>
-                    </a:solidFill>
-                  </a:tcPr>
-                </a:tc>
-                <a:tc>
-                  <a:txBody>
-                    <a:bodyPr/>
-                    <a:lstStyle/>
-                    <a:p>
-                      <a:pPr marL="0" algn="ctr">
-                        <a:lnSpc>
-                          <a:spcPct val="100000"/>
-                        </a:lnSpc>
-                        <a:spcBef>
-                          <a:spcPts val="60"/>
-                        </a:spcBef>
-                      </a:pPr>
-                      <a:r>
-                        <a:rPr sz="900" spc="0" dirty="0">
-                          <a:solidFill>
-                            <a:srgbClr val="FFFFFF"/>
-                          </a:solidFill>
-                          <a:latin typeface="Adobe Clean"/>
-                          <a:cs typeface="Adobe Clean"/>
-                        </a:rPr>
-                        <a:t>Enterprise </a:t>
-                      </a:r>
-                      <a:r>
-                        <a:rPr lang="en-US" sz="900" spc="0" dirty="0">
-                          <a:solidFill>
-                            <a:srgbClr val="FFFFFF"/>
-                          </a:solidFill>
-                          <a:latin typeface="Adobe Clean"/>
-                          <a:cs typeface="Adobe Clean"/>
-                        </a:rPr>
-                        <a:t> </a:t>
-                      </a:r>
-                      <a:r>
-                        <a:rPr sz="900" spc="0" dirty="0">
-                          <a:solidFill>
-                            <a:srgbClr val="FFFFFF"/>
-                          </a:solidFill>
-                          <a:latin typeface="Adobe Clean"/>
-                          <a:cs typeface="Adobe Clean"/>
-                        </a:rPr>
-                        <a:t>Support</a:t>
-                      </a:r>
-                      <a:endParaRPr sz="900" spc="0" dirty="0">
-                        <a:latin typeface="Adobe Clean"/>
-                        <a:cs typeface="Adobe Clean"/>
-                      </a:endParaRPr>
-                    </a:p>
-                  </a:txBody>
-                  <a:tcPr marL="0" marR="0" marT="0" marB="0" anchor="ctr">
-                    <a:lnL w="3175">
-                      <a:solidFill>
-                        <a:srgbClr val="B7B8B8"/>
-                      </a:solidFill>
-                      <a:prstDash val="solid"/>
-                    </a:lnL>
-                    <a:lnR w="3175">
-                      <a:solidFill>
-                        <a:srgbClr val="B7B8B8"/>
-                      </a:solidFill>
-                      <a:prstDash val="solid"/>
-                    </a:lnR>
-                    <a:lnT w="3175">
-                      <a:solidFill>
-                        <a:srgbClr val="B7B8B8"/>
-                      </a:solidFill>
-                      <a:prstDash val="solid"/>
-                    </a:lnT>
-                    <a:lnB w="76200" cap="flat" cmpd="sng" algn="ctr">
-                      <a:solidFill>
-                        <a:srgbClr val="2E8FFF"/>
-                      </a:solidFill>
-                      <a:prstDash val="solid"/>
-                      <a:round/>
-                      <a:headEnd type="none" w="med" len="med"/>
-                      <a:tailEnd type="none" w="med" len="med"/>
-                    </a:lnB>
-                    <a:solidFill>
-                      <a:srgbClr val="404040"/>
-                    </a:solidFill>
-                  </a:tcPr>
-                </a:tc>
-                <a:tc>
-                  <a:txBody>
-                    <a:bodyPr/>
-                    <a:lstStyle/>
-                    <a:p>
-                      <a:pPr marL="0" algn="ctr">
-                        <a:lnSpc>
-                          <a:spcPct val="100000"/>
-                        </a:lnSpc>
-                        <a:spcBef>
-                          <a:spcPts val="60"/>
-                        </a:spcBef>
-                      </a:pPr>
-                      <a:r>
-                        <a:rPr sz="900" spc="0" dirty="0">
-                          <a:solidFill>
-                            <a:srgbClr val="FFFFFF"/>
-                          </a:solidFill>
-                          <a:latin typeface="Adobe Clean"/>
-                          <a:cs typeface="Adobe Clean"/>
-                        </a:rPr>
-                        <a:t>Elite</a:t>
-                      </a:r>
-                      <a:r>
-                        <a:rPr lang="en-US" sz="900" spc="0" dirty="0">
-                          <a:solidFill>
-                            <a:srgbClr val="FFFFFF"/>
-                          </a:solidFill>
-                          <a:latin typeface="Adobe Clean"/>
-                          <a:cs typeface="Adobe Clean"/>
-                        </a:rPr>
-                        <a:t> </a:t>
-                      </a:r>
-                      <a:r>
-                        <a:rPr sz="900" spc="0" dirty="0">
-                          <a:solidFill>
-                            <a:srgbClr val="FFFFFF"/>
-                          </a:solidFill>
-                          <a:latin typeface="Adobe Clean"/>
-                          <a:cs typeface="Adobe Clean"/>
-                        </a:rPr>
-                        <a:t>Support</a:t>
-                      </a:r>
-                      <a:endParaRPr sz="900" spc="0" dirty="0">
-                        <a:latin typeface="Adobe Clean"/>
-                        <a:cs typeface="Adobe Clean"/>
-                      </a:endParaRPr>
-                    </a:p>
-                  </a:txBody>
-                  <a:tcPr marL="0" marR="0" marT="0" marB="0" anchor="ctr">
-                    <a:lnL w="3175">
-                      <a:solidFill>
-                        <a:srgbClr val="B7B8B8"/>
-                      </a:solidFill>
-                      <a:prstDash val="solid"/>
-                    </a:lnL>
-                    <a:lnR w="3175">
-                      <a:solidFill>
-                        <a:srgbClr val="B7B8B8"/>
-                      </a:solidFill>
-                      <a:prstDash val="solid"/>
-                    </a:lnR>
-                    <a:lnT w="3175">
-                      <a:solidFill>
-                        <a:srgbClr val="B7B8B8"/>
-                      </a:solidFill>
-                      <a:prstDash val="solid"/>
-                    </a:lnT>
-                    <a:lnB w="76200" cap="flat" cmpd="sng" algn="ctr">
+                    <a:lnB w="76200">
                       <a:solidFill>
                         <a:srgbClr val="0068E1"/>
                       </a:solidFill>
                       <a:prstDash val="solid"/>
-                      <a:round/>
-                      <a:headEnd type="none" w="med" len="med"/>
-                      <a:tailEnd type="none" w="med" len="med"/>
                     </a:lnB>
                     <a:solidFill>
                       <a:srgbClr val="000000"/>
@@ -7452,19 +6687,15 @@
                         </a:spcBef>
                       </a:pPr>
                       <a:r>
-                        <a:rPr sz="900" b="1" spc="0" dirty="0">
+                        <a:rPr lang="pt-BR" sz="900" b="1">
                           <a:solidFill>
                             <a:srgbClr val="020302"/>
                           </a:solidFill>
                           <a:latin typeface="Adobe Clean"/>
                           <a:cs typeface="Adobe Clean"/>
                         </a:rPr>
-                        <a:t>PRIORITY 1</a:t>
+                        <a:t>PRIORIDADE 1</a:t>
                       </a:r>
-                      <a:endParaRPr sz="900" spc="0" dirty="0">
-                        <a:latin typeface="Adobe Clean"/>
-                        <a:cs typeface="Adobe Clean"/>
-                      </a:endParaRPr>
                     </a:p>
                     <a:p>
                       <a:pPr marL="50800" marR="387985">
@@ -7476,19 +6707,14 @@
                         </a:spcBef>
                       </a:pPr>
                       <a:r>
-                        <a:rPr lang="en-US" sz="900" b="0" i="0" spc="0" dirty="0">
+                        <a:rPr lang="pt-BR" sz="900" b="0" i="0">
                           <a:solidFill>
                             <a:srgbClr val="000000"/>
                           </a:solidFill>
-                          <a:effectLst/>
                           <a:latin typeface="Adobe Clean Light" panose="020B0303020404020204" pitchFamily="34" charset="0"/>
                         </a:rPr>
-                        <a:t>Customer's production business functions are down or have significant data loss or service degradation and immediate attention is required to restore functionality and usability. </a:t>
+                        <a:t>As funções de produção do cliente estão inativas ou têm perda significativa de dados ou degradação de serviços, e é necessária atenção imediata para restaurar a funcionalidade e a usabilidade. </a:t>
                       </a:r>
-                      <a:endParaRPr sz="900" spc="0" dirty="0">
-                        <a:latin typeface="AdobeClean-Light"/>
-                        <a:cs typeface="AdobeClean-Light"/>
-                      </a:endParaRPr>
                     </a:p>
                   </a:txBody>
                   <a:tcPr marL="0" marR="0" marT="0" marB="0" anchor="ctr">
@@ -7498,14 +6724,11 @@
                       </a:solidFill>
                       <a:prstDash val="solid"/>
                     </a:lnL>
-                    <a:lnR w="3175" cap="flat" cmpd="sng" algn="ctr">
+                    <a:lnR w="3175">
                       <a:solidFill>
                         <a:srgbClr val="B7B8B8"/>
                       </a:solidFill>
                       <a:prstDash val="solid"/>
-                      <a:round/>
-                      <a:headEnd type="none" w="med" len="med"/>
-                      <a:tailEnd type="none" w="med" len="med"/>
                     </a:lnR>
                     <a:lnT w="3175">
                       <a:solidFill>
@@ -7526,20 +6749,27 @@
                     <a:bodyPr/>
                     <a:lstStyle/>
                     <a:p>
-                      <a:pPr algn="ctr" fontAlgn="t"/>
+                      <a:pPr marL="0" marR="325120" indent="-3810" algn="ctr">
+                        <a:lnSpc>
+                          <a:spcPct val="100000"/>
+                        </a:lnSpc>
+                        <a:spcBef>
+                          <a:spcPts val="670"/>
+                        </a:spcBef>
+                      </a:pPr>
                       <a:r>
-                        <a:rPr lang="en-US" sz="900" b="0" i="0" u="none" strike="noStrike">
+                        <a:rPr lang="pt-BR" sz="900" dirty="0">
                           <a:solidFill>
                             <a:srgbClr val="020302"/>
                           </a:solidFill>
-                          <a:effectLst/>
-                          <a:latin typeface="AdobeClean-Light" panose="020B0503020404020204" pitchFamily="34" charset="0"/>
-                        </a:rPr>
-                        <a:t>24x7 / 1 hour</a:t>
+                          <a:latin typeface="AdobeClean-Light"/>
+                          <a:cs typeface="AdobeClean-Light"/>
+                        </a:rPr>
+                        <a:t>24x7 /                1 hora</a:t>
                       </a:r>
                     </a:p>
                   </a:txBody>
-                  <a:tcPr marL="9525" marR="9525" marT="9525" marB="0" anchor="ctr">
+                  <a:tcPr marL="0" marR="0" marT="0" marB="0" anchor="ctr">
                     <a:lnL w="3175">
                       <a:solidFill>
                         <a:srgbClr val="B7B8B8"/>
@@ -7571,20 +6801,27 @@
                     <a:bodyPr/>
                     <a:lstStyle/>
                     <a:p>
-                      <a:pPr algn="ctr" fontAlgn="t"/>
+                      <a:pPr marL="0" marR="325755" indent="-3810" algn="ctr">
+                        <a:lnSpc>
+                          <a:spcPct val="100000"/>
+                        </a:lnSpc>
+                        <a:spcBef>
+                          <a:spcPts val="670"/>
+                        </a:spcBef>
+                      </a:pPr>
                       <a:r>
-                        <a:rPr lang="en-US" sz="900" b="0" i="0" u="none" strike="noStrike">
+                        <a:rPr lang="pt-BR" sz="900">
                           <a:solidFill>
                             <a:srgbClr val="020302"/>
                           </a:solidFill>
-                          <a:effectLst/>
-                          <a:latin typeface="AdobeClean-Light" panose="020B0503020404020204" pitchFamily="34" charset="0"/>
-                        </a:rPr>
-                        <a:t>24x7 / 1 hour</a:t>
+                          <a:latin typeface="AdobeClean-Light"/>
+                          <a:cs typeface="AdobeClean-Light"/>
+                        </a:rPr>
+                        <a:t>24x7 /              1 hora</a:t>
                       </a:r>
                     </a:p>
                   </a:txBody>
-                  <a:tcPr marL="9525" marR="9525" marT="9525" marB="0" anchor="ctr">
+                  <a:tcPr marL="0" marR="0" marT="0" marB="0" anchor="ctr">
                     <a:lnL w="3175">
                       <a:solidFill>
                         <a:srgbClr val="B7B8B8"/>
@@ -7616,20 +6853,27 @@
                     <a:bodyPr/>
                     <a:lstStyle/>
                     <a:p>
-                      <a:pPr algn="ctr" fontAlgn="t"/>
+                      <a:pPr marL="0" marR="258445" indent="115570" algn="ctr">
+                        <a:lnSpc>
+                          <a:spcPct val="100000"/>
+                        </a:lnSpc>
+                        <a:spcBef>
+                          <a:spcPts val="670"/>
+                        </a:spcBef>
+                      </a:pPr>
                       <a:r>
-                        <a:rPr lang="en-US" sz="900" b="0" i="0" u="none" strike="noStrike">
+                        <a:rPr lang="pt-BR" sz="900">
                           <a:solidFill>
                             <a:srgbClr val="020302"/>
                           </a:solidFill>
-                          <a:effectLst/>
-                          <a:latin typeface="AdobeClean-Light" panose="020B0503020404020204" pitchFamily="34" charset="0"/>
-                        </a:rPr>
-                        <a:t>24x7 / 30 minutes</a:t>
+                          <a:latin typeface="AdobeClean-Light"/>
+                          <a:cs typeface="AdobeClean-Light"/>
+                        </a:rPr>
+                        <a:t>24x7 /           30 minutos</a:t>
                       </a:r>
                     </a:p>
                   </a:txBody>
-                  <a:tcPr marL="9525" marR="9525" marT="9525" marB="0" anchor="ctr">
+                  <a:tcPr marL="0" marR="0" marT="0" marB="0" anchor="ctr">
                     <a:lnL w="3175">
                       <a:solidFill>
                         <a:srgbClr val="B7B8B8"/>
@@ -7661,20 +6905,27 @@
                     <a:bodyPr/>
                     <a:lstStyle/>
                     <a:p>
-                      <a:pPr algn="ctr" fontAlgn="t"/>
+                      <a:pPr marL="0" marR="271780" indent="103505" algn="ctr">
+                        <a:lnSpc>
+                          <a:spcPct val="100000"/>
+                        </a:lnSpc>
+                        <a:spcBef>
+                          <a:spcPts val="670"/>
+                        </a:spcBef>
+                      </a:pPr>
                       <a:r>
-                        <a:rPr lang="en-US" sz="900" b="0" i="0" u="none" strike="noStrike">
+                        <a:rPr lang="pt-BR" sz="900">
                           <a:solidFill>
                             <a:srgbClr val="020302"/>
                           </a:solidFill>
-                          <a:effectLst/>
-                          <a:latin typeface="AdobeClean-Light" panose="020B0503020404020204" pitchFamily="34" charset="0"/>
-                        </a:rPr>
-                        <a:t>24x7 / 15 minutes</a:t>
+                          <a:latin typeface="AdobeClean-Light"/>
+                          <a:cs typeface="AdobeClean-Light"/>
+                        </a:rPr>
+                        <a:t>24x7 /         15 minutos</a:t>
                       </a:r>
                     </a:p>
                   </a:txBody>
-                  <a:tcPr marL="9525" marR="9525" marT="9525" marB="0" anchor="ctr">
+                  <a:tcPr marL="0" marR="0" marT="0" marB="0" anchor="ctr">
                     <a:lnL w="3175">
                       <a:solidFill>
                         <a:srgbClr val="B7B8B8"/>
@@ -7722,19 +6973,15 @@
                         </a:spcBef>
                       </a:pPr>
                       <a:r>
-                        <a:rPr sz="900" b="1" spc="0" dirty="0">
+                        <a:rPr lang="pt-BR" sz="900" b="1">
                           <a:solidFill>
                             <a:srgbClr val="020302"/>
                           </a:solidFill>
                           <a:latin typeface="Adobe Clean"/>
                           <a:cs typeface="Adobe Clean"/>
                         </a:rPr>
-                        <a:t>PRIORITY 2</a:t>
+                        <a:t>PRIORIDADE 2</a:t>
                       </a:r>
-                      <a:endParaRPr sz="900" spc="0" dirty="0">
-                        <a:latin typeface="Adobe Clean"/>
-                        <a:cs typeface="Adobe Clean"/>
-                      </a:endParaRPr>
                     </a:p>
                     <a:p>
                       <a:pPr marL="50165" marR="203200" indent="0" defTabSz="914400" eaLnBrk="1" fontAlgn="auto" latinLnBrk="0" hangingPunct="1">
@@ -7755,19 +7002,14 @@
                         <a:defRPr/>
                       </a:pPr>
                       <a:r>
-                        <a:rPr lang="en-US" sz="900" b="0" i="0" spc="0" dirty="0">
+                        <a:rPr lang="pt-BR" sz="900" b="0" i="0">
                           <a:solidFill>
                             <a:srgbClr val="000000"/>
                           </a:solidFill>
-                          <a:effectLst/>
                           <a:latin typeface="Adobe Clean Light" panose="020B0303020404020204" pitchFamily="34" charset="0"/>
                         </a:rPr>
-                        <a:t>Customer's business functions have major service degradation or potential data loss, or a major feature is impacted </a:t>
+                        <a:t>As funções empresariais do cliente têm grande degradação de serviços, perda potencial de dados ou foi afetado um recurso importante </a:t>
                       </a:r>
-                      <a:endParaRPr sz="900" b="0" i="0" spc="0" dirty="0">
-                        <a:latin typeface="Adobe Clean Light" panose="020B0303020404020204" pitchFamily="34" charset="0"/>
-                        <a:cs typeface="AdobeClean-Light"/>
-                      </a:endParaRPr>
                     </a:p>
                   </a:txBody>
                   <a:tcPr marL="0" marR="0" marT="0" marB="0" anchor="ctr">
@@ -7777,14 +7019,11 @@
                       </a:solidFill>
                       <a:prstDash val="solid"/>
                     </a:lnL>
-                    <a:lnR w="3175" cap="flat" cmpd="sng" algn="ctr">
+                    <a:lnR w="3175">
                       <a:solidFill>
                         <a:srgbClr val="B7B8B8"/>
                       </a:solidFill>
                       <a:prstDash val="solid"/>
-                      <a:round/>
-                      <a:headEnd type="none" w="med" len="med"/>
-                      <a:tailEnd type="none" w="med" len="med"/>
                     </a:lnR>
                     <a:lnT w="3175">
                       <a:solidFill>
@@ -7805,20 +7044,27 @@
                     <a:bodyPr/>
                     <a:lstStyle/>
                     <a:p>
-                      <a:pPr algn="ctr" fontAlgn="t"/>
+                      <a:pPr marL="0" marR="184785" indent="-193675" algn="ctr">
+                        <a:lnSpc>
+                          <a:spcPct val="100000"/>
+                        </a:lnSpc>
+                        <a:spcBef>
+                          <a:spcPts val="670"/>
+                        </a:spcBef>
+                      </a:pPr>
                       <a:r>
-                        <a:rPr lang="en-US" sz="900" b="0" i="0" u="none" strike="noStrike">
+                        <a:rPr lang="pt-BR" sz="900">
                           <a:solidFill>
                             <a:srgbClr val="020302"/>
                           </a:solidFill>
-                          <a:effectLst/>
-                          <a:latin typeface="AdobeClean-Light" panose="020B0503020404020204" pitchFamily="34" charset="0"/>
-                        </a:rPr>
-                        <a:t>Business hours / 4 hours</a:t>
+                          <a:latin typeface="AdobeClean-Light"/>
+                          <a:cs typeface="AdobeClean-Light"/>
+                        </a:rPr>
+                        <a:t>Horário comercial/           4 horas</a:t>
                       </a:r>
                     </a:p>
                   </a:txBody>
-                  <a:tcPr marL="9525" marR="9525" marT="9525" marB="0" anchor="ctr">
+                  <a:tcPr marL="0" marR="0" marT="0" marB="0" anchor="ctr">
                     <a:lnL w="3175">
                       <a:solidFill>
                         <a:srgbClr val="B7B8B8"/>
@@ -7850,110 +7096,150 @@
                     <a:bodyPr/>
                     <a:lstStyle/>
                     <a:p>
-                      <a:pPr algn="ctr" fontAlgn="t"/>
+                      <a:pPr marL="0" marR="184785" indent="-194310" algn="ctr">
+                        <a:lnSpc>
+                          <a:spcPct val="100000"/>
+                        </a:lnSpc>
+                        <a:spcBef>
+                          <a:spcPts val="670"/>
+                        </a:spcBef>
+                      </a:pPr>
                       <a:r>
-                        <a:rPr lang="en-US" sz="900" b="0" i="0" u="none" strike="noStrike">
+                        <a:rPr lang="pt-BR" sz="900" dirty="0">
                           <a:solidFill>
                             <a:srgbClr val="020302"/>
                           </a:solidFill>
-                          <a:effectLst/>
-                          <a:latin typeface="AdobeClean-Light" panose="020B0503020404020204" pitchFamily="34" charset="0"/>
-                        </a:rPr>
-                        <a:t>Business hours / 2 hours</a:t>
+                          <a:latin typeface="AdobeClean-Light"/>
+                          <a:cs typeface="AdobeClean-Light"/>
+                        </a:rPr>
+                        <a:t>Horário comercial/ </a:t>
                       </a:r>
-                    </a:p>
-                  </a:txBody>
-                  <a:tcPr marL="9525" marR="9525" marT="9525" marB="0" anchor="ctr">
-                    <a:lnL w="3175">
-                      <a:solidFill>
-                        <a:srgbClr val="B7B8B8"/>
-                      </a:solidFill>
-                      <a:prstDash val="solid"/>
-                    </a:lnL>
-                    <a:lnR w="3175">
-                      <a:solidFill>
-                        <a:srgbClr val="B7B8B8"/>
-                      </a:solidFill>
-                      <a:prstDash val="solid"/>
-                    </a:lnR>
-                    <a:lnT w="3175">
-                      <a:solidFill>
-                        <a:srgbClr val="B7B8B8"/>
-                      </a:solidFill>
-                      <a:prstDash val="solid"/>
-                    </a:lnT>
-                    <a:lnB w="3175">
-                      <a:solidFill>
-                        <a:srgbClr val="B7B8B8"/>
-                      </a:solidFill>
-                      <a:prstDash val="solid"/>
-                    </a:lnB>
-                  </a:tcPr>
-                </a:tc>
-                <a:tc>
-                  <a:txBody>
-                    <a:bodyPr/>
-                    <a:lstStyle/>
-                    <a:p>
-                      <a:pPr algn="ctr" fontAlgn="t"/>
-                      <a:r>
-                        <a:rPr lang="en-US" sz="900" b="0" i="0" u="none" strike="noStrike">
+                      <a:br>
+                        <a:rPr lang="sk-SK" sz="900" dirty="0">
                           <a:solidFill>
                             <a:srgbClr val="020302"/>
                           </a:solidFill>
-                          <a:effectLst/>
-                          <a:latin typeface="AdobeClean-Light" panose="020B0503020404020204" pitchFamily="34" charset="0"/>
-                        </a:rPr>
-                        <a:t>24x5 / 1 hour</a:t>
-                      </a:r>
-                    </a:p>
-                  </a:txBody>
-                  <a:tcPr marL="9525" marR="9525" marT="9525" marB="0" anchor="ctr">
-                    <a:lnL w="3175">
-                      <a:solidFill>
-                        <a:srgbClr val="B7B8B8"/>
-                      </a:solidFill>
-                      <a:prstDash val="solid"/>
-                    </a:lnL>
-                    <a:lnR w="3175">
-                      <a:solidFill>
-                        <a:srgbClr val="B7B8B8"/>
-                      </a:solidFill>
-                      <a:prstDash val="solid"/>
-                    </a:lnR>
-                    <a:lnT w="3175">
-                      <a:solidFill>
-                        <a:srgbClr val="B7B8B8"/>
-                      </a:solidFill>
-                      <a:prstDash val="solid"/>
-                    </a:lnT>
-                    <a:lnB w="3175">
-                      <a:solidFill>
-                        <a:srgbClr val="B7B8B8"/>
-                      </a:solidFill>
-                      <a:prstDash val="solid"/>
-                    </a:lnB>
-                  </a:tcPr>
-                </a:tc>
-                <a:tc>
-                  <a:txBody>
-                    <a:bodyPr/>
-                    <a:lstStyle/>
-                    <a:p>
-                      <a:pPr algn="ctr" fontAlgn="t"/>
+                          <a:latin typeface="AdobeClean-Light"/>
+                          <a:cs typeface="AdobeClean-Light"/>
+                        </a:rPr>
+                      </a:br>
                       <a:r>
-                        <a:rPr lang="en-US" sz="900" b="0" i="0" u="none" strike="noStrike">
+                        <a:rPr lang="pt-BR" sz="900" dirty="0">
                           <a:solidFill>
                             <a:srgbClr val="020302"/>
                           </a:solidFill>
-                          <a:effectLst/>
-                          <a:latin typeface="AdobeClean-Light" panose="020B0503020404020204" pitchFamily="34" charset="0"/>
-                        </a:rPr>
-                        <a:t>24x5 / 30 minutes</a:t>
+                          <a:latin typeface="AdobeClean-Light"/>
+                          <a:cs typeface="AdobeClean-Light"/>
+                        </a:rPr>
+                        <a:t>2 horas</a:t>
                       </a:r>
                     </a:p>
                   </a:txBody>
-                  <a:tcPr marL="9525" marR="9525" marT="9525" marB="0" anchor="ctr">
+                  <a:tcPr marL="0" marR="0" marT="0" marB="0" anchor="ctr">
+                    <a:lnL w="3175">
+                      <a:solidFill>
+                        <a:srgbClr val="B7B8B8"/>
+                      </a:solidFill>
+                      <a:prstDash val="solid"/>
+                    </a:lnL>
+                    <a:lnR w="3175">
+                      <a:solidFill>
+                        <a:srgbClr val="B7B8B8"/>
+                      </a:solidFill>
+                      <a:prstDash val="solid"/>
+                    </a:lnR>
+                    <a:lnT w="3175">
+                      <a:solidFill>
+                        <a:srgbClr val="B7B8B8"/>
+                      </a:solidFill>
+                      <a:prstDash val="solid"/>
+                    </a:lnT>
+                    <a:lnB w="3175">
+                      <a:solidFill>
+                        <a:srgbClr val="B7B8B8"/>
+                      </a:solidFill>
+                      <a:prstDash val="solid"/>
+                    </a:lnB>
+                  </a:tcPr>
+                </a:tc>
+                <a:tc>
+                  <a:txBody>
+                    <a:bodyPr/>
+                    <a:lstStyle/>
+                    <a:p>
+                      <a:pPr marL="0" marR="325755" indent="-5715" algn="ctr">
+                        <a:lnSpc>
+                          <a:spcPct val="100000"/>
+                        </a:lnSpc>
+                        <a:spcBef>
+                          <a:spcPts val="670"/>
+                        </a:spcBef>
+                      </a:pPr>
+                      <a:r>
+                        <a:rPr lang="pt-BR" sz="900" dirty="0">
+                          <a:solidFill>
+                            <a:srgbClr val="020302"/>
+                          </a:solidFill>
+                          <a:latin typeface="AdobeClean-Light"/>
+                          <a:cs typeface="AdobeClean-Light"/>
+                        </a:rPr>
+                        <a:t>24x5 /                1 hora</a:t>
+                      </a:r>
+                    </a:p>
+                  </a:txBody>
+                  <a:tcPr marL="0" marR="0" marT="0" marB="0" anchor="ctr">
+                    <a:lnL w="3175">
+                      <a:solidFill>
+                        <a:srgbClr val="B7B8B8"/>
+                      </a:solidFill>
+                      <a:prstDash val="solid"/>
+                    </a:lnL>
+                    <a:lnR w="3175">
+                      <a:solidFill>
+                        <a:srgbClr val="B7B8B8"/>
+                      </a:solidFill>
+                      <a:prstDash val="solid"/>
+                    </a:lnR>
+                    <a:lnT w="3175">
+                      <a:solidFill>
+                        <a:srgbClr val="B7B8B8"/>
+                      </a:solidFill>
+                      <a:prstDash val="solid"/>
+                    </a:lnT>
+                    <a:lnB w="3175">
+                      <a:solidFill>
+                        <a:srgbClr val="B7B8B8"/>
+                      </a:solidFill>
+                      <a:prstDash val="solid"/>
+                    </a:lnB>
+                  </a:tcPr>
+                </a:tc>
+                <a:tc>
+                  <a:txBody>
+                    <a:bodyPr/>
+                    <a:lstStyle/>
+                    <a:p>
+                      <a:pPr marL="0" marR="259079" indent="111760" algn="ctr">
+                        <a:lnSpc>
+                          <a:spcPct val="100000"/>
+                        </a:lnSpc>
+                        <a:spcBef>
+                          <a:spcPts val="670"/>
+                        </a:spcBef>
+                      </a:pPr>
+                      <a:r>
+                        <a:rPr lang="pt-BR" sz="900">
+                          <a:solidFill>
+                            <a:srgbClr val="020302"/>
+                          </a:solidFill>
+                          <a:latin typeface="AdobeClean-Light"/>
+                          <a:cs typeface="AdobeClean-Light"/>
+                        </a:rPr>
+                        <a:t>24x5 /         30 minutos</a:t>
+                      </a:r>
+                    </a:p>
+                  </a:txBody>
+                  <a:tcPr marL="0" marR="0" marT="0" marB="0" anchor="ctr">
                     <a:lnL w="3175">
                       <a:solidFill>
                         <a:srgbClr val="B7B8B8"/>
@@ -8001,29 +7287,15 @@
                         </a:spcBef>
                       </a:pPr>
                       <a:r>
-                        <a:rPr sz="900" b="1" spc="0" dirty="0">
+                        <a:rPr lang="pt-BR" sz="900" b="1" dirty="0">
                           <a:solidFill>
                             <a:srgbClr val="020302"/>
                           </a:solidFill>
                           <a:latin typeface="Adobe Clean"/>
                           <a:cs typeface="Adobe Clean"/>
                         </a:rPr>
-                        <a:t>PRIORITY</a:t>
+                        <a:t>PRIORIDADE 3</a:t>
                       </a:r>
-                      <a:r>
-                        <a:rPr lang="en-US" sz="900" b="1" spc="0" dirty="0">
-                          <a:solidFill>
-                            <a:srgbClr val="020302"/>
-                          </a:solidFill>
-                          <a:latin typeface="Adobe Clean"/>
-                          <a:cs typeface="Adobe Clean"/>
-                        </a:rPr>
-                        <a:t> 3</a:t>
-                      </a:r>
-                      <a:endParaRPr lang="en-US" sz="900" spc="0" dirty="0">
-                        <a:latin typeface="Adobe Clean"/>
-                        <a:cs typeface="Adobe Clean"/>
-                      </a:endParaRPr>
                     </a:p>
                     <a:p>
                       <a:pPr marL="49530" marR="212090" indent="-2540" defTabSz="914400" eaLnBrk="1" fontAlgn="auto" latinLnBrk="0" hangingPunct="1">
@@ -8044,26 +7316,21 @@
                         <a:defRPr/>
                       </a:pPr>
                       <a:r>
-                        <a:rPr kumimoji="0" lang="en-US" sz="900" b="0" i="0" u="none" strike="noStrike" kern="1200" cap="none" spc="0" normalizeH="0" baseline="0" noProof="0" dirty="0">
+                        <a:rPr kumimoji="0" lang="pt-BR" sz="900" b="0" i="0" u="none" strike="noStrike" cap="none" spc="-50" normalizeH="0" baseline="0" noProof="0" dirty="0">
                           <a:ln>
                             <a:noFill/>
                           </a:ln>
                           <a:solidFill>
                             <a:srgbClr val="000000"/>
                           </a:solidFill>
-                          <a:effectLst/>
                           <a:uLnTx/>
                           <a:uFillTx/>
                           <a:latin typeface="Adobe Clean Light" panose="020B0303020404020204" pitchFamily="34" charset="0"/>
                           <a:ea typeface="+mn-ea"/>
                           <a:cs typeface="+mn-cs"/>
                         </a:rPr>
-                        <a:t>Customer's business functions have minor service degradation but there exists a solution/workaround allowing business functions to continue normally </a:t>
+                        <a:t>As funções empresariais do cliente têm pouca degradação dos serviços, e há uma solução/solução alternativa que permite que as funções empresariais continuem normalmente </a:t>
                       </a:r>
-                      <a:endParaRPr lang="en-US" sz="900" b="0" i="0" spc="0" dirty="0">
-                        <a:latin typeface="Adobe Clean Light" panose="020B0303020404020204" pitchFamily="34" charset="0"/>
-                        <a:cs typeface="AdobeClean-Light"/>
-                      </a:endParaRPr>
                     </a:p>
                   </a:txBody>
                   <a:tcPr marL="0" marR="0" marT="0" marB="0" anchor="ctr">
@@ -8073,14 +7340,11 @@
                       </a:solidFill>
                       <a:prstDash val="solid"/>
                     </a:lnL>
-                    <a:lnR w="3175" cap="flat" cmpd="sng" algn="ctr">
+                    <a:lnR w="3175">
                       <a:solidFill>
                         <a:srgbClr val="B7B8B8"/>
                       </a:solidFill>
                       <a:prstDash val="solid"/>
-                      <a:round/>
-                      <a:headEnd type="none" w="med" len="med"/>
-                      <a:tailEnd type="none" w="med" len="med"/>
                     </a:lnR>
                     <a:lnT w="3175">
                       <a:solidFill>
@@ -8101,20 +7365,27 @@
                     <a:bodyPr/>
                     <a:lstStyle/>
                     <a:p>
-                      <a:pPr algn="ctr" fontAlgn="t"/>
+                      <a:pPr marL="0" marR="184150" indent="-189865" algn="ctr">
+                        <a:lnSpc>
+                          <a:spcPct val="100000"/>
+                        </a:lnSpc>
+                        <a:spcBef>
+                          <a:spcPts val="645"/>
+                        </a:spcBef>
+                      </a:pPr>
                       <a:r>
-                        <a:rPr lang="en-US" sz="900" b="0" i="0" u="none" strike="noStrike">
+                        <a:rPr lang="pt-BR" sz="900">
                           <a:solidFill>
                             <a:srgbClr val="020302"/>
                           </a:solidFill>
-                          <a:effectLst/>
-                          <a:latin typeface="AdobeClean-Light" panose="020B0503020404020204" pitchFamily="34" charset="0"/>
-                        </a:rPr>
-                        <a:t>Business hours / 6 hours</a:t>
+                          <a:latin typeface="AdobeClean-Light"/>
+                          <a:cs typeface="AdobeClean-Light"/>
+                        </a:rPr>
+                        <a:t>Horário comercial/            6 horas</a:t>
                       </a:r>
                     </a:p>
                   </a:txBody>
-                  <a:tcPr marL="9525" marR="9525" marT="9525" marB="0" anchor="ctr">
+                  <a:tcPr marL="0" marR="0" marT="0" marB="0" anchor="ctr">
                     <a:lnL w="3175">
                       <a:solidFill>
                         <a:srgbClr val="B7B8B8"/>
@@ -8146,20 +7417,27 @@
                     <a:bodyPr/>
                     <a:lstStyle/>
                     <a:p>
-                      <a:pPr algn="ctr" fontAlgn="t"/>
+                      <a:pPr marL="0" marR="185420" indent="-193675" algn="ctr">
+                        <a:lnSpc>
+                          <a:spcPct val="100000"/>
+                        </a:lnSpc>
+                        <a:spcBef>
+                          <a:spcPts val="645"/>
+                        </a:spcBef>
+                      </a:pPr>
                       <a:r>
-                        <a:rPr lang="en-US" sz="900" b="0" i="0" u="none" strike="noStrike">
+                        <a:rPr lang="pt-BR" sz="900">
                           <a:solidFill>
                             <a:srgbClr val="020302"/>
                           </a:solidFill>
-                          <a:effectLst/>
-                          <a:latin typeface="AdobeClean-Light" panose="020B0503020404020204" pitchFamily="34" charset="0"/>
-                        </a:rPr>
-                        <a:t>Business hours /  4 hours</a:t>
+                          <a:latin typeface="AdobeClean-Light"/>
+                          <a:cs typeface="AdobeClean-Light"/>
+                        </a:rPr>
+                        <a:t>Horário comercial/           4 horas</a:t>
                       </a:r>
                     </a:p>
                   </a:txBody>
-                  <a:tcPr marL="9525" marR="9525" marT="9525" marB="0" anchor="ctr">
+                  <a:tcPr marL="0" marR="0" marT="0" marB="0" anchor="ctr">
                     <a:lnL w="3175">
                       <a:solidFill>
                         <a:srgbClr val="B7B8B8"/>
@@ -8191,65 +7469,98 @@
                     <a:bodyPr/>
                     <a:lstStyle/>
                     <a:p>
-                      <a:pPr algn="ctr" fontAlgn="t"/>
+                      <a:pPr marL="0" marR="184785" indent="-194310" algn="ctr">
+                        <a:lnSpc>
+                          <a:spcPct val="100000"/>
+                        </a:lnSpc>
+                        <a:spcBef>
+                          <a:spcPts val="645"/>
+                        </a:spcBef>
+                      </a:pPr>
                       <a:r>
-                        <a:rPr lang="en-US" sz="900" b="0" i="0" u="none" strike="noStrike">
+                        <a:rPr lang="pt-BR" sz="900" dirty="0">
                           <a:solidFill>
                             <a:srgbClr val="020302"/>
                           </a:solidFill>
-                          <a:effectLst/>
-                          <a:latin typeface="AdobeClean-Light" panose="020B0503020404020204" pitchFamily="34" charset="0"/>
-                        </a:rPr>
-                        <a:t>Business hours / 2 hours</a:t>
+                          <a:latin typeface="AdobeClean-Light"/>
+                          <a:cs typeface="AdobeClean-Light"/>
+                        </a:rPr>
+                        <a:t>Horário comercial/ </a:t>
                       </a:r>
-                    </a:p>
-                  </a:txBody>
-                  <a:tcPr marL="9525" marR="9525" marT="9525" marB="0" anchor="ctr">
-                    <a:lnL w="3175">
-                      <a:solidFill>
-                        <a:srgbClr val="B7B8B8"/>
-                      </a:solidFill>
-                      <a:prstDash val="solid"/>
-                    </a:lnL>
-                    <a:lnR w="3175">
-                      <a:solidFill>
-                        <a:srgbClr val="B7B8B8"/>
-                      </a:solidFill>
-                      <a:prstDash val="solid"/>
-                    </a:lnR>
-                    <a:lnT w="3175">
-                      <a:solidFill>
-                        <a:srgbClr val="B7B8B8"/>
-                      </a:solidFill>
-                      <a:prstDash val="solid"/>
-                    </a:lnT>
-                    <a:lnB w="3175">
-                      <a:solidFill>
-                        <a:srgbClr val="B7B8B8"/>
-                      </a:solidFill>
-                      <a:prstDash val="solid"/>
-                    </a:lnB>
-                  </a:tcPr>
-                </a:tc>
-                <a:tc>
-                  <a:txBody>
-                    <a:bodyPr/>
-                    <a:lstStyle/>
-                    <a:p>
-                      <a:pPr algn="ctr" fontAlgn="t"/>
-                      <a:r>
-                        <a:rPr lang="en-US" sz="900" b="0" i="0" u="none" strike="noStrike">
+                      <a:br>
+                        <a:rPr lang="sk-SK" sz="900" dirty="0">
                           <a:solidFill>
                             <a:srgbClr val="020302"/>
                           </a:solidFill>
-                          <a:effectLst/>
-                          <a:latin typeface="AdobeClean-Light" panose="020B0503020404020204" pitchFamily="34" charset="0"/>
-                        </a:rPr>
-                        <a:t>24x5 / 1 hour</a:t>
+                          <a:latin typeface="AdobeClean-Light"/>
+                          <a:cs typeface="AdobeClean-Light"/>
+                        </a:rPr>
+                      </a:br>
+                      <a:r>
+                        <a:rPr lang="pt-BR" sz="900" dirty="0">
+                          <a:solidFill>
+                            <a:srgbClr val="020302"/>
+                          </a:solidFill>
+                          <a:latin typeface="AdobeClean-Light"/>
+                          <a:cs typeface="AdobeClean-Light"/>
+                        </a:rPr>
+                        <a:t>2 horas</a:t>
                       </a:r>
                     </a:p>
                   </a:txBody>
-                  <a:tcPr marL="9525" marR="9525" marT="9525" marB="0" anchor="ctr">
+                  <a:tcPr marL="0" marR="0" marT="0" marB="0" anchor="ctr">
+                    <a:lnL w="3175">
+                      <a:solidFill>
+                        <a:srgbClr val="B7B8B8"/>
+                      </a:solidFill>
+                      <a:prstDash val="solid"/>
+                    </a:lnL>
+                    <a:lnR w="3175">
+                      <a:solidFill>
+                        <a:srgbClr val="B7B8B8"/>
+                      </a:solidFill>
+                      <a:prstDash val="solid"/>
+                    </a:lnR>
+                    <a:lnT w="3175">
+                      <a:solidFill>
+                        <a:srgbClr val="B7B8B8"/>
+                      </a:solidFill>
+                      <a:prstDash val="solid"/>
+                    </a:lnT>
+                    <a:lnB w="3175">
+                      <a:solidFill>
+                        <a:srgbClr val="B7B8B8"/>
+                      </a:solidFill>
+                      <a:prstDash val="solid"/>
+                    </a:lnB>
+                  </a:tcPr>
+                </a:tc>
+                <a:tc>
+                  <a:txBody>
+                    <a:bodyPr/>
+                    <a:lstStyle/>
+                    <a:p>
+                      <a:pPr marL="0" marR="326390" indent="-5715" algn="ctr">
+                        <a:lnSpc>
+                          <a:spcPct val="100000"/>
+                        </a:lnSpc>
+                        <a:spcBef>
+                          <a:spcPts val="645"/>
+                        </a:spcBef>
+                      </a:pPr>
+                      <a:r>
+                        <a:rPr lang="pt-BR" sz="900" dirty="0">
+                          <a:solidFill>
+                            <a:srgbClr val="020302"/>
+                          </a:solidFill>
+                          <a:latin typeface="AdobeClean-Light"/>
+                          <a:cs typeface="AdobeClean-Light"/>
+                        </a:rPr>
+                        <a:t>24x5 /              1 hora</a:t>
+                      </a:r>
+                    </a:p>
+                  </a:txBody>
+                  <a:tcPr marL="0" marR="0" marT="0" marB="0" anchor="ctr">
                     <a:lnL w="3175">
                       <a:solidFill>
                         <a:srgbClr val="B7B8B8"/>
@@ -8297,19 +7608,15 @@
                         </a:spcBef>
                       </a:pPr>
                       <a:r>
-                        <a:rPr sz="900" b="1" spc="0" dirty="0">
+                        <a:rPr lang="pt-BR" sz="900" b="1">
                           <a:solidFill>
                             <a:srgbClr val="020302"/>
                           </a:solidFill>
                           <a:latin typeface="Adobe Clean"/>
                           <a:cs typeface="Adobe Clean"/>
                         </a:rPr>
-                        <a:t>PRIORITY 4</a:t>
+                        <a:t>PRIORIDADE 4</a:t>
                       </a:r>
-                      <a:endParaRPr sz="900" spc="0" dirty="0">
-                        <a:latin typeface="Adobe Clean"/>
-                        <a:cs typeface="Adobe Clean"/>
-                      </a:endParaRPr>
                     </a:p>
                     <a:p>
                       <a:pPr marL="48895" marR="0" indent="0" defTabSz="914400" eaLnBrk="1" fontAlgn="auto" latinLnBrk="0" hangingPunct="1">
@@ -8330,19 +7637,14 @@
                         <a:defRPr/>
                       </a:pPr>
                       <a:r>
-                        <a:rPr lang="en-US" sz="900" b="0" i="0" spc="0" dirty="0">
+                        <a:rPr lang="pt-BR" sz="900" b="0" i="0">
                           <a:solidFill>
                             <a:srgbClr val="000000"/>
                           </a:solidFill>
-                          <a:effectLst/>
                           <a:latin typeface="Adobe Clean Light" panose="020B0303020404020204" pitchFamily="34" charset="0"/>
                         </a:rPr>
-                        <a:t>General question regarding current product functionality or an enhancement request </a:t>
+                        <a:t>Pergunta geral sobre a funcionalidade atual do produto ou solicitação de melhoria </a:t>
                       </a:r>
-                      <a:endParaRPr sz="900" b="0" i="0" spc="0" dirty="0">
-                        <a:latin typeface="Adobe Clean Light" panose="020B0303020404020204" pitchFamily="34" charset="0"/>
-                        <a:cs typeface="AdobeClean-Light"/>
-                      </a:endParaRPr>
                     </a:p>
                   </a:txBody>
                   <a:tcPr marL="0" marR="0" marT="0" marB="0" anchor="ctr">
@@ -8352,14 +7654,11 @@
                       </a:solidFill>
                       <a:prstDash val="solid"/>
                     </a:lnL>
-                    <a:lnR w="3175" cap="flat" cmpd="sng" algn="ctr">
+                    <a:lnR w="3175">
                       <a:solidFill>
                         <a:srgbClr val="B7B8B8"/>
                       </a:solidFill>
                       <a:prstDash val="solid"/>
-                      <a:round/>
-                      <a:headEnd type="none" w="med" len="med"/>
-                      <a:tailEnd type="none" w="med" len="med"/>
                     </a:lnR>
                     <a:lnT w="3175">
                       <a:solidFill>
@@ -8380,110 +7679,46 @@
                     <a:bodyPr/>
                     <a:lstStyle/>
                     <a:p>
-                      <a:pPr algn="ctr" fontAlgn="t"/>
+                      <a:pPr marL="0" marR="203200" indent="-193040" algn="ctr">
+                        <a:lnSpc>
+                          <a:spcPct val="100000"/>
+                        </a:lnSpc>
+                        <a:spcBef>
+                          <a:spcPts val="155"/>
+                        </a:spcBef>
+                      </a:pPr>
                       <a:r>
-                        <a:rPr lang="en-US" sz="900" b="0" i="0" u="none" strike="noStrike">
+                        <a:rPr lang="pt-BR" sz="900" dirty="0">
                           <a:solidFill>
                             <a:srgbClr val="020302"/>
                           </a:solidFill>
-                          <a:effectLst/>
-                          <a:latin typeface="AdobeClean-Light" panose="020B0503020404020204" pitchFamily="34" charset="0"/>
-                        </a:rPr>
-                        <a:t>Business days / 3 days</a:t>
+                          <a:latin typeface="AdobeClean-Light"/>
+                          <a:cs typeface="AdobeClean-Light"/>
+                        </a:rPr>
+                        <a:t>Dias úteis / </a:t>
                       </a:r>
-                    </a:p>
-                  </a:txBody>
-                  <a:tcPr marL="9525" marR="9525" marT="9525" marB="0" anchor="ctr">
-                    <a:lnL w="3175">
-                      <a:solidFill>
-                        <a:srgbClr val="B7B8B8"/>
-                      </a:solidFill>
-                      <a:prstDash val="solid"/>
-                    </a:lnL>
-                    <a:lnR w="3175">
-                      <a:solidFill>
-                        <a:srgbClr val="B7B8B8"/>
-                      </a:solidFill>
-                      <a:prstDash val="solid"/>
-                    </a:lnR>
-                    <a:lnT w="3175">
-                      <a:solidFill>
-                        <a:srgbClr val="B7B8B8"/>
-                      </a:solidFill>
-                      <a:prstDash val="solid"/>
-                    </a:lnT>
-                    <a:lnB w="3175">
-                      <a:solidFill>
-                        <a:srgbClr val="B7B8B8"/>
-                      </a:solidFill>
-                      <a:prstDash val="solid"/>
-                    </a:lnB>
-                  </a:tcPr>
-                </a:tc>
-                <a:tc>
-                  <a:txBody>
-                    <a:bodyPr/>
-                    <a:lstStyle/>
-                    <a:p>
-                      <a:pPr algn="ctr" fontAlgn="t"/>
-                      <a:r>
-                        <a:rPr lang="en-US" sz="900" b="0" i="0" u="none" strike="noStrike">
+                      <a:br>
+                        <a:rPr lang="sk-SK" sz="900" dirty="0">
                           <a:solidFill>
                             <a:srgbClr val="020302"/>
                           </a:solidFill>
-                          <a:effectLst/>
-                          <a:latin typeface="AdobeClean-Light" panose="020B0503020404020204" pitchFamily="34" charset="0"/>
-                        </a:rPr>
-                        <a:t>Business day / 1 day</a:t>
-                      </a:r>
-                    </a:p>
-                  </a:txBody>
-                  <a:tcPr marL="9525" marR="9525" marT="9525" marB="0" anchor="ctr">
-                    <a:lnL w="3175">
-                      <a:solidFill>
-                        <a:srgbClr val="B7B8B8"/>
-                      </a:solidFill>
-                      <a:prstDash val="solid"/>
-                    </a:lnL>
-                    <a:lnR w="3175">
-                      <a:solidFill>
-                        <a:srgbClr val="B7B8B8"/>
-                      </a:solidFill>
-                      <a:prstDash val="solid"/>
-                    </a:lnR>
-                    <a:lnT w="3175">
-                      <a:solidFill>
-                        <a:srgbClr val="B7B8B8"/>
-                      </a:solidFill>
-                      <a:prstDash val="solid"/>
-                    </a:lnT>
-                    <a:lnB w="3175">
-                      <a:solidFill>
-                        <a:srgbClr val="B7B8B8"/>
-                      </a:solidFill>
-                      <a:prstDash val="solid"/>
-                    </a:lnB>
-                  </a:tcPr>
-                </a:tc>
-                <a:tc>
-                  <a:txBody>
-                    <a:bodyPr/>
-                    <a:lstStyle/>
-                    <a:p>
-                      <a:pPr algn="ctr" fontAlgn="t"/>
+                          <a:latin typeface="AdobeClean-Light"/>
+                          <a:cs typeface="AdobeClean-Light"/>
+                        </a:rPr>
+                      </a:br>
                       <a:r>
-                        <a:rPr lang="en-US" sz="900" b="0" i="0" u="none" strike="noStrike">
+                        <a:rPr lang="pt-BR" sz="900" dirty="0">
                           <a:solidFill>
                             <a:srgbClr val="020302"/>
                           </a:solidFill>
-                          <a:effectLst/>
-                          <a:latin typeface="AdobeClean-Light" panose="020B0503020404020204" pitchFamily="34" charset="0"/>
-                        </a:rPr>
-                        <a:t>Business day / 1 day</a:t>
+                          <a:latin typeface="AdobeClean-Light"/>
+                          <a:cs typeface="AdobeClean-Light"/>
+                        </a:rPr>
+                        <a:t>3 dias</a:t>
                       </a:r>
                     </a:p>
                   </a:txBody>
-                  <a:tcPr marL="9525" marR="9525" marT="9525" marB="0" anchor="ctr">
+                  <a:tcPr marL="0" marR="0" marT="0" marB="0" anchor="ctr">
                     <a:lnL w="3175">
                       <a:solidFill>
                         <a:srgbClr val="B7B8B8"/>
@@ -8515,20 +7750,131 @@
                     <a:bodyPr/>
                     <a:lstStyle/>
                     <a:p>
-                      <a:pPr algn="ctr" fontAlgn="t"/>
+                      <a:pPr marL="0" marR="223520" indent="-202565" algn="ctr">
+                        <a:lnSpc>
+                          <a:spcPct val="100000"/>
+                        </a:lnSpc>
+                        <a:spcBef>
+                          <a:spcPts val="155"/>
+                        </a:spcBef>
+                      </a:pPr>
                       <a:r>
-                        <a:rPr lang="en-US" sz="900" b="0" i="0" u="none" strike="noStrike" dirty="0">
+                        <a:rPr lang="pt-BR" sz="900" dirty="0">
                           <a:solidFill>
                             <a:srgbClr val="020302"/>
                           </a:solidFill>
-                          <a:effectLst/>
-                          <a:latin typeface="AdobeClean-Light" panose="020B0503020404020204" pitchFamily="34" charset="0"/>
-                        </a:rPr>
-                        <a:t>Business day / 1 day</a:t>
+                          <a:latin typeface="AdobeClean-Light"/>
+                          <a:cs typeface="AdobeClean-Light"/>
+                        </a:rPr>
+                        <a:t>Dia útil / 1 dia</a:t>
                       </a:r>
                     </a:p>
                   </a:txBody>
-                  <a:tcPr marL="9525" marR="9525" marT="9525" marB="0" anchor="ctr">
+                  <a:tcPr marL="0" marR="0" marT="0" marB="0" anchor="ctr">
+                    <a:lnL w="3175">
+                      <a:solidFill>
+                        <a:srgbClr val="B7B8B8"/>
+                      </a:solidFill>
+                      <a:prstDash val="solid"/>
+                    </a:lnL>
+                    <a:lnR w="3175">
+                      <a:solidFill>
+                        <a:srgbClr val="B7B8B8"/>
+                      </a:solidFill>
+                      <a:prstDash val="solid"/>
+                    </a:lnR>
+                    <a:lnT w="3175">
+                      <a:solidFill>
+                        <a:srgbClr val="B7B8B8"/>
+                      </a:solidFill>
+                      <a:prstDash val="solid"/>
+                    </a:lnT>
+                    <a:lnB w="3175">
+                      <a:solidFill>
+                        <a:srgbClr val="B7B8B8"/>
+                      </a:solidFill>
+                      <a:prstDash val="solid"/>
+                    </a:lnB>
+                  </a:tcPr>
+                </a:tc>
+                <a:tc>
+                  <a:txBody>
+                    <a:bodyPr/>
+                    <a:lstStyle/>
+                    <a:p>
+                      <a:pPr marL="0" marR="223520" indent="-202565" algn="ctr">
+                        <a:lnSpc>
+                          <a:spcPct val="100000"/>
+                        </a:lnSpc>
+                        <a:spcBef>
+                          <a:spcPts val="155"/>
+                        </a:spcBef>
+                      </a:pPr>
+                      <a:r>
+                        <a:rPr lang="pt-BR" sz="900" dirty="0">
+                          <a:solidFill>
+                            <a:srgbClr val="020302"/>
+                          </a:solidFill>
+                          <a:latin typeface="AdobeClean-Light"/>
+                          <a:cs typeface="AdobeClean-Light"/>
+                        </a:rPr>
+                        <a:t>Dia útil / 1 dia</a:t>
+                      </a:r>
+                    </a:p>
+                  </a:txBody>
+                  <a:tcPr marL="0" marR="0" marT="0" marB="0" anchor="ctr">
+                    <a:lnL w="3175">
+                      <a:solidFill>
+                        <a:srgbClr val="B7B8B8"/>
+                      </a:solidFill>
+                      <a:prstDash val="solid"/>
+                    </a:lnL>
+                    <a:lnR w="3175">
+                      <a:solidFill>
+                        <a:srgbClr val="B7B8B8"/>
+                      </a:solidFill>
+                      <a:prstDash val="solid"/>
+                    </a:lnR>
+                    <a:lnT w="3175">
+                      <a:solidFill>
+                        <a:srgbClr val="B7B8B8"/>
+                      </a:solidFill>
+                      <a:prstDash val="solid"/>
+                    </a:lnT>
+                    <a:lnB w="3175">
+                      <a:solidFill>
+                        <a:srgbClr val="B7B8B8"/>
+                      </a:solidFill>
+                      <a:prstDash val="solid"/>
+                    </a:lnB>
+                  </a:tcPr>
+                </a:tc>
+                <a:tc>
+                  <a:txBody>
+                    <a:bodyPr/>
+                    <a:lstStyle/>
+                    <a:p>
+                      <a:pPr marL="0" marR="223520" indent="-202565" algn="ctr">
+                        <a:lnSpc>
+                          <a:spcPct val="100000"/>
+                        </a:lnSpc>
+                        <a:spcBef>
+                          <a:spcPts val="155"/>
+                        </a:spcBef>
+                      </a:pPr>
+                      <a:r>
+                        <a:rPr lang="pt-BR" sz="900" dirty="0">
+                          <a:solidFill>
+                            <a:srgbClr val="020302"/>
+                          </a:solidFill>
+                          <a:latin typeface="AdobeClean-Light"/>
+                          <a:cs typeface="AdobeClean-Light"/>
+                        </a:rPr>
+                        <a:t>Dia útil / 1 dia</a:t>
+                      </a:r>
+                    </a:p>
+                  </a:txBody>
+                  <a:tcPr marL="0" marR="0" marT="0" marB="0" anchor="ctr">
                     <a:lnL w="3175">
                       <a:solidFill>
                         <a:srgbClr val="B7B8B8"/>
@@ -8591,7 +7937,7 @@
           </a:prstGeom>
         </p:spPr>
         <p:txBody>
-          <a:bodyPr vert="horz" wrap="square" lIns="0" tIns="12700" rIns="0" bIns="0" rtlCol="0" anchor="t">
+          <a:bodyPr vert="horz" wrap="square" lIns="0" tIns="12700" rIns="0" bIns="0" rtlCol="0">
             <a:spAutoFit/>
           </a:bodyPr>
           <a:lstStyle/>
@@ -8605,20 +7951,11 @@
               </a:spcBef>
             </a:pPr>
             <a:r>
-              <a:rPr sz="2300" dirty="0">
-                <a:latin typeface="Adobe Clean"/>
+              <a:rPr lang="pt-BR" sz="2300">
+                <a:latin typeface="Adobe Clean" panose="020B0503020404020204" pitchFamily="34" charset="0"/>
               </a:rPr>
-              <a:t>ADOBE </a:t>
+              <a:t>SERVIÇOS DE SUPORTE ADOBE</a:t>
             </a:r>
-            <a:r>
-              <a:rPr lang="en-US" sz="2300" dirty="0">
-                <a:latin typeface="Adobe Clean"/>
-              </a:rPr>
-              <a:t>SUPPORT PLANS</a:t>
-            </a:r>
-            <a:endParaRPr sz="2300" dirty="0">
-              <a:latin typeface="Adobe Clean" panose="020B0503020404020204" pitchFamily="34" charset="0"/>
-            </a:endParaRPr>
           </a:p>
         </p:txBody>
       </p:sp>
@@ -8651,7 +7988,7 @@
           <a:lstStyle/>
           <a:p>
             <a:r>
-              <a:rPr lang="en-US" sz="700" i="1" dirty="0">
+              <a:rPr lang="pt-BR" sz="700" i="1">
                 <a:solidFill>
                   <a:schemeClr val="bg1"/>
                 </a:solidFill>
@@ -8895,7 +8232,7 @@
           </a:prstGeom>
         </p:spPr>
         <p:txBody>
-          <a:bodyPr vert="horz" wrap="square" lIns="0" tIns="35560" rIns="0" bIns="0" rtlCol="0" anchor="t">
+          <a:bodyPr vert="horz" wrap="square" lIns="0" tIns="35560" rIns="0" bIns="0" rtlCol="0">
             <a:spAutoFit/>
           </a:bodyPr>
           <a:lstStyle/>
@@ -8909,406 +8246,32 @@
               </a:spcBef>
             </a:pPr>
             <a:r>
-              <a:rPr lang="en-US" sz="1000" spc="-20" dirty="0">
+              <a:rPr lang="pt-BR" sz="1000">
                 <a:solidFill>
                   <a:srgbClr val="020302"/>
                 </a:solidFill>
                 <a:latin typeface="AdobeClean-Light"/>
                 <a:cs typeface="AdobeClean-Light"/>
               </a:rPr>
-              <a:t>Adobe Customer Support offers a</a:t>
+              <a:t>O Suporte ao cliente da Adobe oferece acesso a recursos online para documentação, interação com outros especialistas e clientes para práticas recomendadas e uma série de webinários (Office Hours) para dicas e truques de solução de problemas. Também há vários canais disponíveis</a:t>
             </a:r>
             <a:r>
-              <a:rPr sz="1000" spc="-20" dirty="0">
+              <a:rPr lang="pt-BR" sz="1000">
+                <a:latin typeface="AdobeClean-Light"/>
+                <a:cs typeface="AdobeClean-Light"/>
+              </a:rPr>
+              <a:t> </a:t>
+            </a:r>
+            <a:r>
+              <a:rPr lang="pt-BR" sz="1000">
                 <a:solidFill>
                   <a:srgbClr val="020302"/>
                 </a:solidFill>
                 <a:latin typeface="AdobeClean-Light"/>
                 <a:cs typeface="AdobeClean-Light"/>
               </a:rPr>
-              <a:t>ccess</a:t>
+              <a:t>para envio de perguntas e casos</a:t>
             </a:r>
-            <a:r>
-              <a:rPr sz="1000" spc="-90" dirty="0">
-                <a:solidFill>
-                  <a:srgbClr val="020302"/>
-                </a:solidFill>
-                <a:latin typeface="AdobeClean-Light"/>
-                <a:cs typeface="AdobeClean-Light"/>
-              </a:rPr>
-              <a:t> </a:t>
-            </a:r>
-            <a:r>
-              <a:rPr sz="1000" spc="-10" dirty="0">
-                <a:solidFill>
-                  <a:srgbClr val="020302"/>
-                </a:solidFill>
-                <a:latin typeface="AdobeClean-Light"/>
-                <a:cs typeface="AdobeClean-Light"/>
-              </a:rPr>
-              <a:t>to</a:t>
-            </a:r>
-            <a:r>
-              <a:rPr sz="1000" spc="10" dirty="0">
-                <a:solidFill>
-                  <a:srgbClr val="020302"/>
-                </a:solidFill>
-                <a:latin typeface="AdobeClean-Light"/>
-                <a:cs typeface="AdobeClean-Light"/>
-              </a:rPr>
-              <a:t> </a:t>
-            </a:r>
-            <a:r>
-              <a:rPr lang="en-US" sz="1000" spc="-20" dirty="0">
-                <a:solidFill>
-                  <a:srgbClr val="020302"/>
-                </a:solidFill>
-                <a:latin typeface="AdobeClean-Light"/>
-                <a:cs typeface="AdobeClean-Light"/>
-              </a:rPr>
-              <a:t>online resources </a:t>
-            </a:r>
-            <a:r>
-              <a:rPr sz="1000" spc="-15" dirty="0">
-                <a:solidFill>
-                  <a:srgbClr val="020302"/>
-                </a:solidFill>
-                <a:latin typeface="AdobeClean-Light"/>
-                <a:cs typeface="AdobeClean-Light"/>
-              </a:rPr>
-              <a:t>for</a:t>
-            </a:r>
-            <a:r>
-              <a:rPr sz="1000" spc="-30" dirty="0">
-                <a:solidFill>
-                  <a:srgbClr val="020302"/>
-                </a:solidFill>
-                <a:latin typeface="AdobeClean-Light"/>
-                <a:cs typeface="AdobeClean-Light"/>
-              </a:rPr>
-              <a:t> </a:t>
-            </a:r>
-            <a:r>
-              <a:rPr sz="1000" spc="-15" dirty="0">
-                <a:solidFill>
-                  <a:srgbClr val="020302"/>
-                </a:solidFill>
-                <a:latin typeface="AdobeClean-Light"/>
-                <a:cs typeface="AdobeClean-Light"/>
-              </a:rPr>
-              <a:t>documentation,</a:t>
-            </a:r>
-            <a:r>
-              <a:rPr lang="en-US" sz="1000" spc="-15" dirty="0">
-                <a:solidFill>
-                  <a:srgbClr val="020302"/>
-                </a:solidFill>
-                <a:latin typeface="AdobeClean-Light"/>
-                <a:cs typeface="AdobeClean-Light"/>
-              </a:rPr>
-              <a:t> </a:t>
-            </a:r>
-            <a:r>
-              <a:rPr sz="1000" spc="-15" dirty="0">
-                <a:solidFill>
-                  <a:srgbClr val="020302"/>
-                </a:solidFill>
-                <a:latin typeface="AdobeClean-Light"/>
-                <a:cs typeface="AdobeClean-Light"/>
-              </a:rPr>
-              <a:t>engagement</a:t>
-            </a:r>
-            <a:r>
-              <a:rPr lang="en-US" sz="1000" spc="-15" dirty="0">
-                <a:solidFill>
-                  <a:srgbClr val="020302"/>
-                </a:solidFill>
-                <a:latin typeface="AdobeClean-Light"/>
-                <a:cs typeface="AdobeClean-Light"/>
-              </a:rPr>
-              <a:t> </a:t>
-            </a:r>
-            <a:r>
-              <a:rPr sz="1000" spc="-15" dirty="0">
-                <a:solidFill>
-                  <a:srgbClr val="020302"/>
-                </a:solidFill>
-                <a:latin typeface="AdobeClean-Light"/>
-                <a:cs typeface="AdobeClean-Light"/>
-              </a:rPr>
-              <a:t>with</a:t>
-            </a:r>
-            <a:r>
-              <a:rPr sz="1000" spc="-35" dirty="0">
-                <a:solidFill>
-                  <a:srgbClr val="020302"/>
-                </a:solidFill>
-                <a:latin typeface="AdobeClean-Light"/>
-                <a:cs typeface="AdobeClean-Light"/>
-              </a:rPr>
-              <a:t> </a:t>
-            </a:r>
-            <a:r>
-              <a:rPr sz="1000" spc="-20" dirty="0">
-                <a:solidFill>
-                  <a:srgbClr val="020302"/>
-                </a:solidFill>
-                <a:latin typeface="AdobeClean-Light"/>
-                <a:cs typeface="AdobeClean-Light"/>
-              </a:rPr>
-              <a:t>other experts </a:t>
-            </a:r>
-            <a:r>
-              <a:rPr sz="1000" spc="-15" dirty="0">
-                <a:solidFill>
-                  <a:srgbClr val="020302"/>
-                </a:solidFill>
-                <a:latin typeface="AdobeClean-Light"/>
-                <a:cs typeface="AdobeClean-Light"/>
-              </a:rPr>
-              <a:t>and </a:t>
-            </a:r>
-            <a:r>
-              <a:rPr sz="1000" spc="-20" dirty="0">
-                <a:solidFill>
-                  <a:srgbClr val="020302"/>
-                </a:solidFill>
-                <a:latin typeface="AdobeClean-Light"/>
-                <a:cs typeface="AdobeClean-Light"/>
-              </a:rPr>
-              <a:t>customers </a:t>
-            </a:r>
-            <a:r>
-              <a:rPr sz="1000" spc="-15" dirty="0">
-                <a:solidFill>
-                  <a:srgbClr val="020302"/>
-                </a:solidFill>
-                <a:latin typeface="AdobeClean-Light"/>
-                <a:cs typeface="AdobeClean-Light"/>
-              </a:rPr>
-              <a:t>for best </a:t>
-            </a:r>
-            <a:r>
-              <a:rPr sz="1000" spc="-20" dirty="0">
-                <a:solidFill>
-                  <a:srgbClr val="020302"/>
-                </a:solidFill>
-                <a:latin typeface="AdobeClean-Light"/>
-                <a:cs typeface="AdobeClean-Light"/>
-              </a:rPr>
-              <a:t>practices, </a:t>
-            </a:r>
-            <a:r>
-              <a:rPr sz="1000" spc="-15" dirty="0">
-                <a:solidFill>
-                  <a:srgbClr val="020302"/>
-                </a:solidFill>
-                <a:latin typeface="AdobeClean-Light"/>
-                <a:cs typeface="AdobeClean-Light"/>
-              </a:rPr>
-              <a:t>and </a:t>
-            </a:r>
-            <a:r>
-              <a:rPr sz="1000" spc="-20" dirty="0">
-                <a:solidFill>
-                  <a:srgbClr val="020302"/>
-                </a:solidFill>
-                <a:latin typeface="AdobeClean-Light"/>
-                <a:cs typeface="AdobeClean-Light"/>
-              </a:rPr>
-              <a:t>webinar series (Office </a:t>
-            </a:r>
-            <a:r>
-              <a:rPr sz="1000" spc="-15" dirty="0">
-                <a:solidFill>
-                  <a:srgbClr val="020302"/>
-                </a:solidFill>
-                <a:latin typeface="AdobeClean-Light"/>
-                <a:cs typeface="AdobeClean-Light"/>
-              </a:rPr>
-              <a:t>Hours) for </a:t>
-            </a:r>
-            <a:r>
-              <a:rPr sz="1000" spc="-20" dirty="0">
-                <a:solidFill>
-                  <a:srgbClr val="020302"/>
-                </a:solidFill>
-                <a:latin typeface="AdobeClean-Light"/>
-                <a:cs typeface="AdobeClean-Light"/>
-              </a:rPr>
-              <a:t>troubleshooting </a:t>
-            </a:r>
-            <a:r>
-              <a:rPr sz="1000" spc="-15" dirty="0">
-                <a:solidFill>
-                  <a:srgbClr val="020302"/>
-                </a:solidFill>
-                <a:latin typeface="AdobeClean-Light"/>
-                <a:cs typeface="AdobeClean-Light"/>
-              </a:rPr>
-              <a:t>tips and </a:t>
-            </a:r>
-            <a:r>
-              <a:rPr sz="1000" spc="-20" dirty="0">
-                <a:solidFill>
-                  <a:srgbClr val="020302"/>
-                </a:solidFill>
-                <a:latin typeface="AdobeClean-Light"/>
-                <a:cs typeface="AdobeClean-Light"/>
-              </a:rPr>
-              <a:t>tricks. Several channels </a:t>
-            </a:r>
-            <a:r>
-              <a:rPr lang="en-US" sz="1000" spc="-15" dirty="0">
-                <a:solidFill>
-                  <a:srgbClr val="020302"/>
-                </a:solidFill>
-                <a:latin typeface="AdobeClean-Light"/>
-                <a:cs typeface="AdobeClean-Light"/>
-              </a:rPr>
-              <a:t>are </a:t>
-            </a:r>
-            <a:r>
-              <a:rPr lang="en-US" sz="1000" spc="-20" dirty="0">
-                <a:solidFill>
-                  <a:srgbClr val="020302"/>
-                </a:solidFill>
-                <a:latin typeface="AdobeClean-Light"/>
-                <a:cs typeface="AdobeClean-Light"/>
-              </a:rPr>
-              <a:t>also</a:t>
-            </a:r>
-            <a:r>
-              <a:rPr lang="en-US" sz="1000" dirty="0">
-                <a:latin typeface="AdobeClean-Light"/>
-                <a:cs typeface="AdobeClean-Light"/>
-              </a:rPr>
-              <a:t> </a:t>
-            </a:r>
-            <a:r>
-              <a:rPr sz="1000" spc="-25" dirty="0">
-                <a:solidFill>
-                  <a:srgbClr val="020302"/>
-                </a:solidFill>
-                <a:latin typeface="AdobeClean-Light"/>
-                <a:cs typeface="AdobeClean-Light"/>
-              </a:rPr>
-              <a:t>available</a:t>
-            </a:r>
-            <a:r>
-              <a:rPr sz="1000" spc="-65" dirty="0">
-                <a:solidFill>
-                  <a:srgbClr val="020302"/>
-                </a:solidFill>
-                <a:latin typeface="AdobeClean-Light"/>
-                <a:cs typeface="AdobeClean-Light"/>
-              </a:rPr>
-              <a:t> </a:t>
-            </a:r>
-            <a:r>
-              <a:rPr sz="1000" spc="-15" dirty="0">
-                <a:solidFill>
-                  <a:srgbClr val="020302"/>
-                </a:solidFill>
-                <a:latin typeface="AdobeClean-Light"/>
-                <a:cs typeface="AdobeClean-Light"/>
-              </a:rPr>
-              <a:t>for</a:t>
-            </a:r>
-            <a:r>
-              <a:rPr sz="1000" spc="-25" dirty="0">
-                <a:solidFill>
-                  <a:srgbClr val="020302"/>
-                </a:solidFill>
-                <a:latin typeface="AdobeClean-Light"/>
-                <a:cs typeface="AdobeClean-Light"/>
-              </a:rPr>
-              <a:t> </a:t>
-            </a:r>
-            <a:r>
-              <a:rPr sz="1000" spc="-20" dirty="0">
-                <a:solidFill>
-                  <a:srgbClr val="020302"/>
-                </a:solidFill>
-                <a:latin typeface="AdobeClean-Light"/>
-                <a:cs typeface="AdobeClean-Light"/>
-              </a:rPr>
-              <a:t>questions</a:t>
-            </a:r>
-            <a:r>
-              <a:rPr sz="1000" spc="-114" dirty="0">
-                <a:solidFill>
-                  <a:srgbClr val="020302"/>
-                </a:solidFill>
-                <a:latin typeface="AdobeClean-Light"/>
-                <a:cs typeface="AdobeClean-Light"/>
-              </a:rPr>
-              <a:t> </a:t>
-            </a:r>
-            <a:r>
-              <a:rPr sz="1000" spc="-15" dirty="0">
-                <a:solidFill>
-                  <a:srgbClr val="020302"/>
-                </a:solidFill>
-                <a:latin typeface="AdobeClean-Light"/>
-                <a:cs typeface="AdobeClean-Light"/>
-              </a:rPr>
-              <a:t>and</a:t>
-            </a:r>
-            <a:r>
-              <a:rPr sz="1000" spc="-45" dirty="0">
-                <a:solidFill>
-                  <a:srgbClr val="020302"/>
-                </a:solidFill>
-                <a:latin typeface="AdobeClean-Light"/>
-                <a:cs typeface="AdobeClean-Light"/>
-              </a:rPr>
-              <a:t> </a:t>
-            </a:r>
-            <a:r>
-              <a:rPr sz="1000" spc="-20" dirty="0">
-                <a:solidFill>
-                  <a:srgbClr val="020302"/>
-                </a:solidFill>
-                <a:latin typeface="AdobeClean-Light"/>
-                <a:cs typeface="AdobeClean-Light"/>
-              </a:rPr>
-              <a:t>case</a:t>
-            </a:r>
-            <a:r>
-              <a:rPr sz="1000" spc="-35" dirty="0">
-                <a:solidFill>
-                  <a:srgbClr val="020302"/>
-                </a:solidFill>
-                <a:latin typeface="AdobeClean-Light"/>
-                <a:cs typeface="AdobeClean-Light"/>
-              </a:rPr>
-              <a:t> </a:t>
-            </a:r>
-            <a:r>
-              <a:rPr sz="1000" spc="-20" dirty="0">
-                <a:solidFill>
-                  <a:srgbClr val="020302"/>
-                </a:solidFill>
-                <a:latin typeface="AdobeClean-Light"/>
-                <a:cs typeface="AdobeClean-Light"/>
-              </a:rPr>
-              <a:t>submissions</a:t>
-            </a:r>
-            <a:r>
-              <a:rPr lang="en-US" sz="1000" spc="-20" dirty="0">
-                <a:solidFill>
-                  <a:srgbClr val="020302"/>
-                </a:solidFill>
-                <a:latin typeface="AdobeClean-Light"/>
-                <a:cs typeface="AdobeClean-Light"/>
-              </a:rPr>
-              <a:t>.</a:t>
-            </a:r>
-            <a:endParaRPr sz="1000" dirty="0">
-              <a:latin typeface="AdobeClean-Light"/>
-              <a:cs typeface="AdobeClean-Light"/>
-            </a:endParaRPr>
           </a:p>
         </p:txBody>
       </p:sp>
@@ -9321,19 +8284,22 @@
         <p:spPr>
           <a:xfrm>
             <a:off x="206585" y="8494028"/>
-            <a:ext cx="3270885" cy="302647"/>
+            <a:ext cx="3560153" cy="302647"/>
           </a:xfrm>
           <a:prstGeom prst="rect">
             <a:avLst/>
           </a:prstGeom>
         </p:spPr>
         <p:txBody>
-          <a:bodyPr vert="horz" wrap="square" lIns="0" tIns="12700" rIns="0" bIns="0" rtlCol="0" anchor="t">
+          <a:bodyPr vert="horz" wrap="square" lIns="0" tIns="12700" rIns="0" bIns="0" rtlCol="0">
             <a:spAutoFit/>
           </a:bodyPr>
           <a:lstStyle/>
           <a:p>
             <a:pPr marL="33020" marR="159385">
+              <a:lnSpc>
+                <a:spcPct val="100000"/>
+              </a:lnSpc>
               <a:spcBef>
                 <a:spcPts val="100"/>
               </a:spcBef>
@@ -9342,174 +8308,14 @@
               </a:tabLst>
             </a:pPr>
             <a:r>
-              <a:rPr sz="900" spc="-20" dirty="0">
+              <a:rPr lang="pt-BR" sz="900" dirty="0">
                 <a:solidFill>
                   <a:srgbClr val="020302"/>
                 </a:solidFill>
                 <a:latin typeface="AdobeClean-Light"/>
                 <a:cs typeface="AdobeClean-Light"/>
               </a:rPr>
-              <a:t>Start </a:t>
-            </a:r>
-            <a:r>
-              <a:rPr sz="900" dirty="0">
-                <a:solidFill>
-                  <a:srgbClr val="020302"/>
-                </a:solidFill>
-                <a:latin typeface="AdobeClean-Light"/>
-                <a:cs typeface="AdobeClean-Light"/>
-              </a:rPr>
-              <a:t>a </a:t>
-            </a:r>
-            <a:r>
-              <a:rPr sz="900" spc="-15" dirty="0">
-                <a:solidFill>
-                  <a:srgbClr val="020302"/>
-                </a:solidFill>
-                <a:latin typeface="AdobeClean-Light"/>
-                <a:cs typeface="AdobeClean-Light"/>
-              </a:rPr>
-              <a:t>chat </a:t>
-            </a:r>
-            <a:r>
-              <a:rPr sz="900" spc="-10" dirty="0">
-                <a:solidFill>
-                  <a:srgbClr val="020302"/>
-                </a:solidFill>
-                <a:latin typeface="AdobeClean-Light"/>
-                <a:cs typeface="AdobeClean-Light"/>
-              </a:rPr>
-              <a:t>session </a:t>
-            </a:r>
-            <a:r>
-              <a:rPr sz="900" spc="-5" dirty="0">
-                <a:solidFill>
-                  <a:srgbClr val="020302"/>
-                </a:solidFill>
-                <a:latin typeface="AdobeClean-Light"/>
-                <a:cs typeface="AdobeClean-Light"/>
-              </a:rPr>
-              <a:t>to </a:t>
-            </a:r>
-            <a:r>
-              <a:rPr sz="900" spc="-10" dirty="0">
-                <a:solidFill>
-                  <a:srgbClr val="020302"/>
-                </a:solidFill>
-                <a:latin typeface="AdobeClean-Light"/>
-                <a:cs typeface="AdobeClean-Light"/>
-              </a:rPr>
-              <a:t>get</a:t>
-            </a:r>
-            <a:r>
-              <a:rPr lang="en-US" sz="900" spc="-10" dirty="0">
-                <a:solidFill>
-                  <a:srgbClr val="020302"/>
-                </a:solidFill>
-                <a:latin typeface="AdobeClean-Light"/>
-                <a:cs typeface="AdobeClean-Light"/>
-              </a:rPr>
-              <a:t> </a:t>
-            </a:r>
-            <a:r>
-              <a:rPr sz="900" spc="30" dirty="0">
-                <a:solidFill>
-                  <a:srgbClr val="020302"/>
-                </a:solidFill>
-                <a:latin typeface="AdobeClean-Light"/>
-                <a:cs typeface="AdobeClean-Light"/>
-              </a:rPr>
-              <a:t> </a:t>
-            </a:r>
-            <a:r>
-              <a:rPr sz="900" spc="-20" dirty="0">
-                <a:solidFill>
-                  <a:srgbClr val="020302"/>
-                </a:solidFill>
-                <a:latin typeface="AdobeClean-Light"/>
-                <a:cs typeface="AdobeClean-Light"/>
-              </a:rPr>
-              <a:t>answers</a:t>
-            </a:r>
-            <a:r>
-              <a:rPr lang="en-US" sz="900" spc="-45" dirty="0">
-                <a:solidFill>
-                  <a:srgbClr val="020302"/>
-                </a:solidFill>
-                <a:latin typeface="AdobeClean-Light"/>
-                <a:cs typeface="AdobeClean-Light"/>
-              </a:rPr>
-              <a:t> </a:t>
-            </a:r>
-            <a:r>
-              <a:rPr lang="en-US" sz="900" dirty="0">
-                <a:solidFill>
-                  <a:srgbClr val="020302"/>
-                </a:solidFill>
-                <a:latin typeface="AdobeClean-Light"/>
-                <a:cs typeface="AdobeClean-Light"/>
-              </a:rPr>
-              <a:t>&amp; </a:t>
-            </a:r>
-            <a:r>
-              <a:rPr sz="900" spc="-15" dirty="0">
-                <a:solidFill>
-                  <a:srgbClr val="020302"/>
-                </a:solidFill>
-                <a:latin typeface="AdobeClean-Light"/>
-                <a:cs typeface="AdobeClean-Light"/>
-              </a:rPr>
-              <a:t>help </a:t>
-            </a:r>
-            <a:r>
-              <a:rPr sz="900" spc="-10" dirty="0">
-                <a:solidFill>
-                  <a:srgbClr val="020302"/>
-                </a:solidFill>
-                <a:latin typeface="AdobeClean-Light"/>
-                <a:cs typeface="AdobeClean-Light"/>
-              </a:rPr>
-              <a:t>with</a:t>
-            </a:r>
-            <a:r>
-              <a:rPr sz="900" spc="85" dirty="0">
-                <a:solidFill>
-                  <a:srgbClr val="020302"/>
-                </a:solidFill>
-                <a:latin typeface="AdobeClean-Light"/>
-                <a:cs typeface="AdobeClean-Light"/>
-              </a:rPr>
-              <a:t> </a:t>
-            </a:r>
-            <a:r>
-              <a:rPr sz="900" spc="-10" dirty="0">
-                <a:solidFill>
-                  <a:srgbClr val="020302"/>
-                </a:solidFill>
-                <a:latin typeface="AdobeClean-Light"/>
-                <a:cs typeface="AdobeClean-Light"/>
-              </a:rPr>
-              <a:t>case </a:t>
-            </a:r>
-            <a:r>
-              <a:rPr sz="900" spc="-20" dirty="0">
-                <a:solidFill>
-                  <a:srgbClr val="020302"/>
-                </a:solidFill>
-                <a:latin typeface="AdobeClean-Light"/>
-                <a:cs typeface="AdobeClean-Light"/>
-              </a:rPr>
-              <a:t>submission</a:t>
-            </a:r>
-            <a:r>
-              <a:rPr lang="en-US" sz="900" spc="-20" dirty="0">
-                <a:solidFill>
-                  <a:srgbClr val="020302"/>
-                </a:solidFill>
-                <a:latin typeface="AdobeClean-Light"/>
-                <a:cs typeface="AdobeClean-Light"/>
-              </a:rPr>
-              <a:t>.</a:t>
+              <a:t>Inicie uma sessão de chat para obter respostas e ajuda com o envio de caso</a:t>
             </a:r>
           </a:p>
           <a:p>
@@ -9525,29 +8331,15 @@
               </a:tabLst>
             </a:pPr>
             <a:r>
-              <a:rPr sz="900" i="1" spc="-10" dirty="0">
+              <a:rPr lang="pt-BR" sz="900" i="1" dirty="0">
                 <a:solidFill>
                   <a:srgbClr val="7A7A7A"/>
                 </a:solidFill>
                 <a:latin typeface="AdobeClean-LightIt"/>
                 <a:cs typeface="AdobeClean-LightIt"/>
               </a:rPr>
-              <a:t>*Not all </a:t>
+              <a:t>*Nem todos os produtos têm suporte de chat ao vivo.  </a:t>
             </a:r>
-            <a:r>
-              <a:rPr sz="900" i="1" spc="-20" dirty="0">
-                <a:solidFill>
-                  <a:srgbClr val="7A7A7A"/>
-                </a:solidFill>
-                <a:latin typeface="AdobeClean-LightIt"/>
-                <a:cs typeface="AdobeClean-LightIt"/>
-              </a:rPr>
-              <a:t>products have live chat support.  </a:t>
-            </a:r>
-            <a:endParaRPr sz="900" dirty="0">
-              <a:latin typeface="AdobeClean-Light"/>
-              <a:cs typeface="AdobeClean-Light"/>
-            </a:endParaRPr>
           </a:p>
         </p:txBody>
       </p:sp>
@@ -9616,19 +8408,15 @@
               </a:spcBef>
             </a:pPr>
             <a:r>
-              <a:rPr lang="en-US" sz="1400" b="1" spc="-10" dirty="0">
+              <a:rPr lang="pt-BR" sz="1400" b="1">
                 <a:solidFill>
                   <a:srgbClr val="020302"/>
                 </a:solidFill>
                 <a:latin typeface="Adobe Clean"/>
                 <a:cs typeface="Adobe Clean"/>
               </a:rPr>
-              <a:t>Online Support</a:t>
+              <a:t>Suporte Online</a:t>
             </a:r>
-            <a:endParaRPr lang="en-US" sz="1400" dirty="0">
-              <a:latin typeface="Adobe Clean"/>
-              <a:cs typeface="Adobe Clean"/>
-            </a:endParaRPr>
           </a:p>
         </p:txBody>
       </p:sp>
@@ -9675,12 +8463,12 @@
               <a:defRPr/>
             </a:pPr>
             <a:r>
-              <a:rPr lang="en-US" sz="1200" dirty="0">
+              <a:rPr lang="pt-BR" sz="1200">
                 <a:solidFill>
                   <a:srgbClr val="000000"/>
                 </a:solidFill>
               </a:rPr>
-              <a:t>Community Forums</a:t>
+              <a:t>Fóruns da comunidade</a:t>
             </a:r>
           </a:p>
         </p:txBody>
@@ -9723,12 +8511,12 @@
               </a:spcAft>
             </a:pPr>
             <a:r>
-              <a:rPr lang="en-US" sz="1200" b="1" dirty="0">
+              <a:rPr lang="pt-BR" sz="1200" b="1">
                 <a:latin typeface="+mj-lt"/>
                 <a:ea typeface="Open Sans" pitchFamily="34" charset="0"/>
                 <a:cs typeface="Open Sans" pitchFamily="34" charset="0"/>
               </a:rPr>
-              <a:t>Online Forums</a:t>
+              <a:t>Fóruns online</a:t>
             </a:r>
           </a:p>
         </p:txBody>
@@ -9748,7 +8536,7 @@
         <p:spPr>
           <a:xfrm>
             <a:off x="244599" y="3893151"/>
-            <a:ext cx="3413002" cy="651460"/>
+            <a:ext cx="3413002" cy="805349"/>
           </a:xfrm>
           <a:prstGeom prst="rect">
             <a:avLst/>
@@ -9761,13 +8549,30 @@
           <a:lstStyle/>
           <a:p>
             <a:r>
-              <a:rPr lang="en-US" sz="1000" dirty="0">
+              <a:rPr lang="pt-BR" sz="1000" dirty="0">
                 <a:solidFill>
                   <a:srgbClr val="000000"/>
                 </a:solidFill>
                 <a:latin typeface="Adobe Clean Light" panose="020B0303020404020204" pitchFamily="34" charset="0"/>
               </a:rPr>
-              <a:t>Continuous online access to a growing database of technical solutions, product documentation, FAQs and more. Connect with practitioners and other customers on Adobe Community to share best practices and lessons learned.</a:t>
+              <a:t>Acesso online contínuo a um banco de dados cada vez maior </a:t>
+            </a:r>
+            <a:br>
+              <a:rPr lang="sk-SK" sz="1000" dirty="0">
+                <a:solidFill>
+                  <a:srgbClr val="000000"/>
+                </a:solidFill>
+                <a:latin typeface="Adobe Clean Light" panose="020B0303020404020204" pitchFamily="34" charset="0"/>
+              </a:rPr>
+            </a:br>
+            <a:r>
+              <a:rPr lang="pt-BR" sz="1000" dirty="0">
+                <a:solidFill>
+                  <a:srgbClr val="000000"/>
+                </a:solidFill>
+                <a:latin typeface="Adobe Clean Light" panose="020B0303020404020204" pitchFamily="34" charset="0"/>
+              </a:rPr>
+              <a:t>de soluções técnicas, documentação do produto, perguntas frequentes e muito mais. Conecte-se com profissionais e outros clientes na Comunidade da Adobe para compartilhar práticas recomendadas e lições aprendidas.</a:t>
             </a:r>
           </a:p>
         </p:txBody>
@@ -9815,7 +8620,7 @@
               <a:defRPr/>
             </a:pPr>
             <a:r>
-              <a:rPr lang="en-US" sz="1200" dirty="0">
+              <a:rPr lang="pt-BR" sz="1200">
                 <a:solidFill>
                   <a:srgbClr val="000000"/>
                 </a:solidFill>
@@ -9863,12 +8668,12 @@
               </a:spcAft>
             </a:pPr>
             <a:r>
-              <a:rPr lang="en-US" sz="1200" b="1" dirty="0">
+              <a:rPr lang="pt-BR" sz="1200" b="1">
                 <a:latin typeface="+mj-lt"/>
                 <a:ea typeface="Open Sans" pitchFamily="34" charset="0"/>
                 <a:cs typeface="Open Sans" pitchFamily="34" charset="0"/>
               </a:rPr>
-              <a:t>Self-guided Journeys</a:t>
+              <a:t>Jornadas autoguiadas</a:t>
             </a:r>
           </a:p>
         </p:txBody>
@@ -9901,13 +8706,30 @@
           <a:lstStyle/>
           <a:p>
             <a:r>
-              <a:rPr lang="en-US" sz="1000" dirty="0">
+              <a:rPr lang="pt-BR" sz="1000" dirty="0">
                 <a:solidFill>
                   <a:srgbClr val="000000"/>
                 </a:solidFill>
                 <a:latin typeface="Adobe Clean Light" panose="020B0303020404020204" pitchFamily="34" charset="0"/>
               </a:rPr>
-              <a:t>Experience Makers are made with Experience League. Customers can kickstart their Customer Experience Management abilities with personalized learning to develop skills, engage with a global community of peers, and earn career advancing recognition. </a:t>
+              <a:t>A Experience League gera criadores de experiências. Os clientes podem adquirir habilidades de gerenciamento de experiência </a:t>
+            </a:r>
+            <a:br>
+              <a:rPr lang="sk-SK" sz="1000" dirty="0">
+                <a:solidFill>
+                  <a:srgbClr val="000000"/>
+                </a:solidFill>
+                <a:latin typeface="Adobe Clean Light" panose="020B0303020404020204" pitchFamily="34" charset="0"/>
+              </a:rPr>
+            </a:br>
+            <a:r>
+              <a:rPr lang="pt-BR" sz="1000" dirty="0">
+                <a:solidFill>
+                  <a:srgbClr val="000000"/>
+                </a:solidFill>
+                <a:latin typeface="Adobe Clean Light" panose="020B0303020404020204" pitchFamily="34" charset="0"/>
+              </a:rPr>
+              <a:t>do cliente com aprendizagem personalizada, participar de uma comunidade de pares global e conseguir reconhecimento de carreira. </a:t>
             </a:r>
           </a:p>
         </p:txBody>
@@ -9955,7 +8777,7 @@
               <a:defRPr/>
             </a:pPr>
             <a:r>
-              <a:rPr lang="en-US" sz="1200" dirty="0">
+              <a:rPr lang="pt-BR" sz="1200">
                 <a:solidFill>
                   <a:srgbClr val="000000"/>
                 </a:solidFill>
@@ -10003,12 +8825,12 @@
               </a:spcAft>
             </a:pPr>
             <a:r>
-              <a:rPr lang="en-US" sz="1200" b="1" dirty="0">
+              <a:rPr lang="pt-BR" sz="1200" b="1">
                 <a:latin typeface="+mj-lt"/>
                 <a:ea typeface="Open Sans" pitchFamily="34" charset="0"/>
                 <a:cs typeface="Open Sans" pitchFamily="34" charset="0"/>
               </a:rPr>
-              <a:t>Webinars</a:t>
+              <a:t>Webinários</a:t>
             </a:r>
           </a:p>
         </p:txBody>
@@ -10041,13 +8863,64 @@
           <a:lstStyle/>
           <a:p>
             <a:r>
-              <a:rPr lang="en-US" sz="1000" dirty="0">
+              <a:rPr lang="pt-BR" sz="1000" dirty="0">
                 <a:solidFill>
                   <a:srgbClr val="000000"/>
                 </a:solidFill>
                 <a:latin typeface="Adobe Clean Light" panose="020B0303020404020204" pitchFamily="34" charset="0"/>
               </a:rPr>
-              <a:t>Office  Hours  led  by  the  Adobe  Customer Support  team  includes  sessions  designed to  inform  as  well  as  help  participants troubleshoot  problems  and  provide  tips and  tricks  for  success  with  Adobe  solutions.</a:t>
+              <a:t>O Office Hours, apresentado pela equipe de Suporte ao cliente </a:t>
+            </a:r>
+            <a:br>
+              <a:rPr lang="sk-SK" sz="1000" dirty="0">
+                <a:solidFill>
+                  <a:srgbClr val="000000"/>
+                </a:solidFill>
+                <a:latin typeface="Adobe Clean Light" panose="020B0303020404020204" pitchFamily="34" charset="0"/>
+              </a:rPr>
+            </a:br>
+            <a:r>
+              <a:rPr lang="pt-BR" sz="1000" dirty="0">
+                <a:solidFill>
+                  <a:srgbClr val="000000"/>
+                </a:solidFill>
+                <a:latin typeface="Adobe Clean Light" panose="020B0303020404020204" pitchFamily="34" charset="0"/>
+              </a:rPr>
+              <a:t>da Adobe, inclui sessões para informar e ajudar os participantes </a:t>
+            </a:r>
+            <a:br>
+              <a:rPr lang="sk-SK" sz="1000" dirty="0">
+                <a:solidFill>
+                  <a:srgbClr val="000000"/>
+                </a:solidFill>
+                <a:latin typeface="Adobe Clean Light" panose="020B0303020404020204" pitchFamily="34" charset="0"/>
+              </a:rPr>
+            </a:br>
+            <a:r>
+              <a:rPr lang="pt-BR" sz="1000" dirty="0">
+                <a:solidFill>
+                  <a:srgbClr val="000000"/>
+                </a:solidFill>
+                <a:latin typeface="Adobe Clean Light" panose="020B0303020404020204" pitchFamily="34" charset="0"/>
+              </a:rPr>
+              <a:t>a solucionar problemas e fornecer dicas e truques para aproveitar </a:t>
+            </a:r>
+            <a:br>
+              <a:rPr lang="sk-SK" sz="1000" dirty="0">
+                <a:solidFill>
+                  <a:srgbClr val="000000"/>
+                </a:solidFill>
+                <a:latin typeface="Adobe Clean Light" panose="020B0303020404020204" pitchFamily="34" charset="0"/>
+              </a:rPr>
+            </a:br>
+            <a:r>
+              <a:rPr lang="pt-BR" sz="1000" dirty="0">
+                <a:solidFill>
+                  <a:srgbClr val="000000"/>
+                </a:solidFill>
+                <a:latin typeface="Adobe Clean Light" panose="020B0303020404020204" pitchFamily="34" charset="0"/>
+              </a:rPr>
+              <a:t>ao máximo as soluções da Adobe.</a:t>
             </a:r>
           </a:p>
         </p:txBody>
@@ -10095,12 +8968,12 @@
               <a:defRPr/>
             </a:pPr>
             <a:r>
-              <a:rPr lang="en-US" sz="1200" dirty="0">
+              <a:rPr lang="pt-BR" sz="1200">
                 <a:solidFill>
                   <a:srgbClr val="000000"/>
                 </a:solidFill>
               </a:rPr>
-              <a:t>Self-help Portals</a:t>
+              <a:t>Portais de autoatendimento</a:t>
             </a:r>
           </a:p>
         </p:txBody>
@@ -10143,12 +9016,12 @@
               </a:spcAft>
             </a:pPr>
             <a:r>
-              <a:rPr lang="en-US" sz="1200" b="1" dirty="0">
+              <a:rPr lang="pt-BR" sz="1200" b="1">
                 <a:latin typeface="+mj-lt"/>
                 <a:ea typeface="Open Sans" pitchFamily="34" charset="0"/>
                 <a:cs typeface="Open Sans" pitchFamily="34" charset="0"/>
               </a:rPr>
-              <a:t>24/7 Support Portal</a:t>
+              <a:t>Portal de suporte 24/7</a:t>
             </a:r>
           </a:p>
         </p:txBody>
@@ -10168,7 +9041,7 @@
         <p:spPr>
           <a:xfrm>
             <a:off x="3849036" y="6132567"/>
-            <a:ext cx="3413002" cy="497572"/>
+            <a:ext cx="3413002" cy="651460"/>
           </a:xfrm>
           <a:prstGeom prst="rect">
             <a:avLst/>
@@ -10181,13 +9054,30 @@
           <a:lstStyle/>
           <a:p>
             <a:r>
-              <a:rPr lang="en-US" sz="1000" dirty="0">
+              <a:rPr lang="pt-BR" sz="1000" dirty="0">
                 <a:solidFill>
                   <a:srgbClr val="000000"/>
                 </a:solidFill>
                 <a:latin typeface="Adobe Clean Light" panose="020B0303020404020204" pitchFamily="34" charset="0"/>
               </a:rPr>
-              <a:t>On-demand access to the online Self-help Support Portal to submit support requests, review case status, and browse other resources, like our knowledgebase, news and alerts, featured tips, and more.</a:t>
+              <a:t>Acesso sob demanda ao Portal de autoatendimento online para enviar solicitações de suporte, revisar o status do caso e procurar outros recursos, como nossa base de conhecimento, notícias </a:t>
+            </a:r>
+            <a:br>
+              <a:rPr lang="sk-SK" sz="1000" dirty="0">
+                <a:solidFill>
+                  <a:srgbClr val="000000"/>
+                </a:solidFill>
+                <a:latin typeface="Adobe Clean Light" panose="020B0303020404020204" pitchFamily="34" charset="0"/>
+              </a:rPr>
+            </a:br>
+            <a:r>
+              <a:rPr lang="pt-BR" sz="1000" dirty="0">
+                <a:solidFill>
+                  <a:srgbClr val="000000"/>
+                </a:solidFill>
+                <a:latin typeface="Adobe Clean Light" panose="020B0303020404020204" pitchFamily="34" charset="0"/>
+              </a:rPr>
+              <a:t>e alertas, dicas em destaque e muito mais.</a:t>
             </a:r>
           </a:p>
         </p:txBody>
@@ -10235,12 +9125,12 @@
               <a:defRPr/>
             </a:pPr>
             <a:r>
-              <a:rPr lang="en-US" sz="1200" dirty="0">
+              <a:rPr lang="pt-BR" sz="1200">
                 <a:solidFill>
                   <a:srgbClr val="000000"/>
                 </a:solidFill>
               </a:rPr>
-              <a:t>Live Chat  Support*</a:t>
+              <a:t>Suporte por chat ao vivo*</a:t>
             </a:r>
           </a:p>
         </p:txBody>
@@ -10283,12 +9173,12 @@
               </a:spcAft>
             </a:pPr>
             <a:r>
-              <a:rPr lang="en-US" sz="1200" b="1" dirty="0">
+              <a:rPr lang="pt-BR" sz="1200" b="1">
                 <a:latin typeface="+mj-lt"/>
                 <a:ea typeface="Open Sans" pitchFamily="34" charset="0"/>
                 <a:cs typeface="Open Sans" pitchFamily="34" charset="0"/>
               </a:rPr>
-              <a:t>Chat Support</a:t>
+              <a:t>Suporte por chat</a:t>
             </a:r>
           </a:p>
         </p:txBody>
@@ -10336,7 +9226,7 @@
               <a:defRPr/>
             </a:pPr>
             <a:r>
-              <a:rPr lang="en-US" sz="1200" dirty="0">
+              <a:rPr lang="pt-BR" sz="1200">
                 <a:solidFill>
                   <a:srgbClr val="000000"/>
                 </a:solidFill>
@@ -10384,12 +9274,12 @@
               </a:spcAft>
             </a:pPr>
             <a:r>
-              <a:rPr lang="en-US" sz="1200" b="1" dirty="0">
+              <a:rPr lang="pt-BR" sz="1200" b="1">
                 <a:latin typeface="+mj-lt"/>
                 <a:ea typeface="Open Sans" pitchFamily="34" charset="0"/>
                 <a:cs typeface="Open Sans" pitchFamily="34" charset="0"/>
               </a:rPr>
-              <a:t>Phone  Support</a:t>
+              <a:t>Suporte telefônico</a:t>
             </a:r>
           </a:p>
         </p:txBody>
@@ -10422,26 +9312,20 @@
           <a:lstStyle/>
           <a:p>
             <a:r>
-              <a:rPr lang="en-US" sz="1000" dirty="0">
+              <a:rPr lang="pt-BR" sz="1000">
                 <a:solidFill>
                   <a:srgbClr val="020302"/>
                 </a:solidFill>
                 <a:latin typeface="AdobeClean-Light"/>
               </a:rPr>
-              <a:t>Authorized users or Named Support Contacts </a:t>
+              <a:t>Usuários autorizados ou contatos de suporte nomeados</a:t>
             </a:r>
             <a:r>
-              <a:rPr lang="en-US" sz="1000" dirty="0">
+              <a:rPr lang="pt-BR" sz="1000">
                 <a:latin typeface="Adobe Clean Light" panose="020B0303020404020204" pitchFamily="34" charset="0"/>
               </a:rPr>
-              <a:t>can submit issues through all available  channels (including phone for P1) and interact with our technical support team on behalf of your company. </a:t>
+              <a:t> podem enviar problemas por todos os canais disponíveis (incluindo por telefone em prioridades P1) e contatar a equipe de suporte técnico em nome de sua empresa. </a:t>
             </a:r>
-            <a:endParaRPr lang="en-US" sz="1000" dirty="0">
-              <a:solidFill>
-                <a:srgbClr val="000000"/>
-              </a:solidFill>
-              <a:latin typeface="Adobe Clean Light" panose="020B0303020404020204" pitchFamily="34" charset="0"/>
-            </a:endParaRPr>
           </a:p>
         </p:txBody>
       </p:sp>
@@ -10485,24 +9369,8 @@
               </a:spcBef>
             </a:pPr>
             <a:r>
-              <a:rPr spc="-5" dirty="0"/>
-              <a:t>©202</a:t>
-            </a:r>
-            <a:r>
-              <a:rPr lang="en-US" spc="-5" dirty="0"/>
-              <a:t>1</a:t>
-            </a:r>
-            <a:r>
-              <a:rPr spc="-5" dirty="0"/>
-              <a:t> Adobe. All Rights Reserved. Adobe</a:t>
-            </a:r>
-            <a:r>
-              <a:rPr spc="60" dirty="0"/>
-              <a:t> </a:t>
-            </a:r>
-            <a:r>
-              <a:rPr spc="-5" dirty="0"/>
-              <a:t>Confidential.</a:t>
+              <a:rPr lang="pt-BR"/>
+              <a:t>©2021 Adobe. All Rights Reserved. Adobe Confidential.</a:t>
             </a:r>
           </a:p>
         </p:txBody>
@@ -10793,49 +9661,15 @@
               </a:lnSpc>
             </a:pPr>
             <a:r>
-              <a:rPr sz="500" spc="-5" dirty="0">
+              <a:rPr lang="pt-BR" sz="500">
                 <a:solidFill>
                   <a:srgbClr val="6C6C6C"/>
                 </a:solidFill>
                 <a:latin typeface="Adobe Clean"/>
                 <a:cs typeface="Adobe Clean"/>
               </a:rPr>
-              <a:t>©2020 Adobe. All Rights Reserved. </a:t>
+              <a:t>©2020 Adobe. All Rights Reserved. Adobe Confidential.</a:t>
             </a:r>
-            <a:r>
-              <a:rPr sz="500" dirty="0">
-                <a:solidFill>
-                  <a:srgbClr val="6C6C6C"/>
-                </a:solidFill>
-                <a:latin typeface="Adobe Clean"/>
-                <a:cs typeface="Adobe Clean"/>
-              </a:rPr>
-              <a:t>Adobe</a:t>
-            </a:r>
-            <a:r>
-              <a:rPr sz="500" spc="5" dirty="0">
-                <a:solidFill>
-                  <a:srgbClr val="6C6C6C"/>
-                </a:solidFill>
-                <a:latin typeface="Adobe Clean"/>
-                <a:cs typeface="Adobe Clean"/>
-              </a:rPr>
-              <a:t> </a:t>
-            </a:r>
-            <a:r>
-              <a:rPr sz="500" spc="-5" dirty="0">
-                <a:solidFill>
-                  <a:srgbClr val="6C6C6C"/>
-                </a:solidFill>
-                <a:latin typeface="Adobe Clean"/>
-                <a:cs typeface="Adobe Clean"/>
-              </a:rPr>
-              <a:t>Confidential.</a:t>
-            </a:r>
-            <a:endParaRPr sz="500">
-              <a:latin typeface="Adobe Clean"/>
-              <a:cs typeface="Adobe Clean"/>
-            </a:endParaRPr>
           </a:p>
           <a:p>
             <a:pPr>
@@ -10861,39 +9695,15 @@
               </a:spcBef>
             </a:pPr>
             <a:r>
-              <a:rPr sz="800" spc="-5" dirty="0">
+              <a:rPr lang="pt-BR" sz="800">
                 <a:solidFill>
                   <a:srgbClr val="6D6D6D"/>
                 </a:solidFill>
                 <a:latin typeface="Adobe Clean"/>
                 <a:cs typeface="Adobe Clean"/>
               </a:rPr>
-              <a:t>©2020 Adobe. All Rights Reserved. Adobe</a:t>
+              <a:t>©2020 Adobe. All Rights Reserved. Adobe Confidential.</a:t>
             </a:r>
-            <a:r>
-              <a:rPr sz="800" spc="75" dirty="0">
-                <a:solidFill>
-                  <a:srgbClr val="6D6D6D"/>
-                </a:solidFill>
-                <a:latin typeface="Adobe Clean"/>
-                <a:cs typeface="Adobe Clean"/>
-              </a:rPr>
-              <a:t> </a:t>
-            </a:r>
-            <a:r>
-              <a:rPr sz="800" spc="-5" dirty="0">
-                <a:solidFill>
-                  <a:srgbClr val="6D6D6D"/>
-                </a:solidFill>
-                <a:latin typeface="Adobe Clean"/>
-                <a:cs typeface="Adobe Clean"/>
-              </a:rPr>
-              <a:t>Confidential.</a:t>
-            </a:r>
-            <a:endParaRPr sz="800">
-              <a:latin typeface="Adobe Clean"/>
-              <a:cs typeface="Adobe Clean"/>
-            </a:endParaRPr>
           </a:p>
         </p:txBody>
       </p:sp>
@@ -10977,19 +9787,15 @@
               </a:spcBef>
             </a:pPr>
             <a:r>
-              <a:rPr lang="en-US" sz="1400" b="1" spc="-15" dirty="0">
+              <a:rPr lang="pt-BR" sz="1400" b="1">
                 <a:solidFill>
                   <a:srgbClr val="020302"/>
                 </a:solidFill>
                 <a:latin typeface="Adobe Clean"/>
                 <a:cs typeface="Adobe Clean"/>
               </a:rPr>
-              <a:t>Resources</a:t>
+              <a:t>Recursos</a:t>
             </a:r>
-            <a:endParaRPr sz="1400" dirty="0">
-              <a:latin typeface="Adobe Clean"/>
-              <a:cs typeface="Adobe Clean"/>
-            </a:endParaRPr>
           </a:p>
         </p:txBody>
       </p:sp>
@@ -11002,14 +9808,14 @@
         <p:spPr>
           <a:xfrm>
             <a:off x="6754821" y="9283729"/>
-            <a:ext cx="930275" cy="758541"/>
+            <a:ext cx="930275" cy="662305"/>
           </a:xfrm>
           <a:prstGeom prst="rect">
             <a:avLst/>
           </a:prstGeom>
         </p:spPr>
         <p:txBody>
-          <a:bodyPr vert="horz" wrap="square" lIns="0" tIns="12065" rIns="0" bIns="0" rtlCol="0" anchor="t">
+          <a:bodyPr vert="horz" wrap="square" lIns="0" tIns="12065" rIns="0" bIns="0" rtlCol="0">
             <a:spAutoFit/>
           </a:bodyPr>
           <a:lstStyle/>
@@ -11023,7 +9829,7 @@
               </a:spcBef>
             </a:pPr>
             <a:r>
-              <a:rPr sz="800" spc="-15" dirty="0">
+              <a:rPr lang="pt-BR" sz="800">
                 <a:solidFill>
                   <a:srgbClr val="777879"/>
                 </a:solidFill>
@@ -11032,10 +9838,6 @@
               </a:rPr>
               <a:t>Adobe</a:t>
             </a:r>
-            <a:endParaRPr sz="800">
-              <a:latin typeface="Adobe Clean"/>
-              <a:cs typeface="Adobe Clean"/>
-            </a:endParaRPr>
           </a:p>
           <a:p>
             <a:pPr marL="12700">
@@ -11044,29 +9846,15 @@
               </a:lnSpc>
             </a:pPr>
             <a:r>
-              <a:rPr sz="800" spc="-15" dirty="0">
+              <a:rPr lang="pt-BR" sz="800">
                 <a:solidFill>
                   <a:srgbClr val="777879"/>
                 </a:solidFill>
                 <a:latin typeface="Adobe Clean"/>
                 <a:cs typeface="Adobe Clean"/>
               </a:rPr>
-              <a:t>345 </a:t>
+              <a:t>345 Park Avenue</a:t>
             </a:r>
-            <a:r>
-              <a:rPr lang="en-US" sz="800" spc="-15" dirty="0">
-                <a:solidFill>
-                  <a:srgbClr val="777879"/>
-                </a:solidFill>
-                <a:latin typeface="Adobe Clean"/>
-                <a:cs typeface="Adobe Clean"/>
-              </a:rPr>
-              <a:t>Park Avenue</a:t>
-            </a:r>
-            <a:endParaRPr sz="800" dirty="0">
-              <a:latin typeface="Adobe Clean"/>
-              <a:cs typeface="Adobe Clean"/>
-            </a:endParaRPr>
           </a:p>
           <a:p>
             <a:pPr marL="12700">
@@ -11075,49 +9863,15 @@
               </a:lnSpc>
             </a:pPr>
             <a:r>
-              <a:rPr sz="800" spc="-10" dirty="0">
+              <a:rPr lang="pt-BR" sz="800">
                 <a:solidFill>
                   <a:srgbClr val="777879"/>
                 </a:solidFill>
                 <a:latin typeface="Adobe Clean"/>
                 <a:cs typeface="Adobe Clean"/>
               </a:rPr>
-              <a:t>San </a:t>
+              <a:t>San Jose, CA95110-2704</a:t>
             </a:r>
-            <a:r>
-              <a:rPr sz="800" spc="-15" dirty="0">
-                <a:solidFill>
-                  <a:srgbClr val="777879"/>
-                </a:solidFill>
-                <a:latin typeface="Adobe Clean"/>
-                <a:cs typeface="Adobe Clean"/>
-              </a:rPr>
-              <a:t>Jose,</a:t>
-            </a:r>
-            <a:r>
-              <a:rPr sz="800" spc="-140" dirty="0">
-                <a:solidFill>
-                  <a:srgbClr val="777879"/>
-                </a:solidFill>
-                <a:latin typeface="Adobe Clean"/>
-                <a:cs typeface="Adobe Clean"/>
-              </a:rPr>
-              <a:t> </a:t>
-            </a:r>
-            <a:r>
-              <a:rPr sz="800" spc="-20" dirty="0">
-                <a:solidFill>
-                  <a:srgbClr val="777879"/>
-                </a:solidFill>
-                <a:latin typeface="Adobe Clean"/>
-                <a:cs typeface="Adobe Clean"/>
-              </a:rPr>
-              <a:t>CA95110-2704</a:t>
-            </a:r>
-            <a:endParaRPr sz="800">
-              <a:latin typeface="Adobe Clean"/>
-              <a:cs typeface="Adobe Clean"/>
-            </a:endParaRPr>
           </a:p>
           <a:p>
             <a:pPr marL="12700">
@@ -11129,7 +9883,7 @@
               </a:spcBef>
             </a:pPr>
             <a:r>
-              <a:rPr sz="800" spc="-10" dirty="0">
+              <a:rPr lang="pt-BR" sz="800">
                 <a:solidFill>
                   <a:srgbClr val="777879"/>
                 </a:solidFill>
@@ -11138,10 +9892,6 @@
               </a:rPr>
               <a:t>USA</a:t>
             </a:r>
-            <a:endParaRPr sz="800">
-              <a:latin typeface="Adobe Clean"/>
-              <a:cs typeface="Adobe Clean"/>
-            </a:endParaRPr>
           </a:p>
           <a:p>
             <a:pPr marL="12700">
@@ -11153,7 +9903,7 @@
               </a:spcBef>
             </a:pPr>
             <a:r>
-              <a:rPr sz="800" u="sng" spc="-25" dirty="0">
+              <a:rPr lang="pt-BR" sz="800" u="sng">
                 <a:solidFill>
                   <a:srgbClr val="5F5F5F"/>
                 </a:solidFill>
@@ -11168,10 +9918,6 @@
               </a:rPr>
               <a:t>www.adobe.com</a:t>
             </a:r>
-            <a:endParaRPr sz="800">
-              <a:latin typeface="Adobe Clean"/>
-              <a:cs typeface="Adobe Clean"/>
-            </a:endParaRPr>
           </a:p>
         </p:txBody>
       </p:sp>
@@ -11325,14 +10071,14 @@
         <p:spPr>
           <a:xfrm>
             <a:off x="75947" y="9437110"/>
-            <a:ext cx="5466715" cy="570865"/>
+            <a:ext cx="5715253" cy="570865"/>
           </a:xfrm>
           <a:prstGeom prst="rect">
             <a:avLst/>
           </a:prstGeom>
         </p:spPr>
         <p:txBody>
-          <a:bodyPr vert="horz" wrap="square" lIns="0" tIns="29845" rIns="0" bIns="0" rtlCol="0" anchor="t">
+          <a:bodyPr vert="horz" wrap="square" lIns="0" tIns="29845" rIns="0" bIns="0" rtlCol="0">
             <a:spAutoFit/>
           </a:bodyPr>
           <a:lstStyle/>
@@ -11346,449 +10092,15 @@
               </a:spcBef>
             </a:pPr>
             <a:r>
-              <a:rPr sz="1100" i="1" spc="-10" dirty="0">
+              <a:rPr lang="pt-BR" sz="1100" i="1" dirty="0">
                 <a:solidFill>
                   <a:srgbClr val="777879"/>
                 </a:solidFill>
                 <a:latin typeface="AdobeClean-LightIt"/>
                 <a:cs typeface="AdobeClean-LightIt"/>
               </a:rPr>
-              <a:t>To</a:t>
+              <a:t>Para saber mais sobre os Serviços de suporte Adobe e identificar o nível certo para você, entre em contato com o seu Gerente de conta nomeado (NAM, em inglês) ou Gerente de sucesso do cliente (CSM, em inglês).</a:t>
             </a:r>
-            <a:r>
-              <a:rPr sz="1100" i="1" spc="-50" dirty="0">
-                <a:solidFill>
-                  <a:srgbClr val="777879"/>
-                </a:solidFill>
-                <a:latin typeface="AdobeClean-LightIt"/>
-                <a:cs typeface="AdobeClean-LightIt"/>
-              </a:rPr>
-              <a:t> </a:t>
-            </a:r>
-            <a:r>
-              <a:rPr sz="1100" i="1" spc="-15" dirty="0">
-                <a:solidFill>
-                  <a:srgbClr val="777879"/>
-                </a:solidFill>
-                <a:latin typeface="AdobeClean-LightIt"/>
-                <a:cs typeface="AdobeClean-LightIt"/>
-              </a:rPr>
-              <a:t>learn</a:t>
-            </a:r>
-            <a:r>
-              <a:rPr sz="1100" i="1" spc="-40" dirty="0">
-                <a:solidFill>
-                  <a:srgbClr val="777879"/>
-                </a:solidFill>
-                <a:latin typeface="AdobeClean-LightIt"/>
-                <a:cs typeface="AdobeClean-LightIt"/>
-              </a:rPr>
-              <a:t> </a:t>
-            </a:r>
-            <a:r>
-              <a:rPr sz="1100" i="1" spc="-15" dirty="0">
-                <a:solidFill>
-                  <a:srgbClr val="777879"/>
-                </a:solidFill>
-                <a:latin typeface="AdobeClean-LightIt"/>
-                <a:cs typeface="AdobeClean-LightIt"/>
-              </a:rPr>
-              <a:t>more</a:t>
-            </a:r>
-            <a:r>
-              <a:rPr sz="1100" i="1" spc="-45" dirty="0">
-                <a:solidFill>
-                  <a:srgbClr val="777879"/>
-                </a:solidFill>
-                <a:latin typeface="AdobeClean-LightIt"/>
-                <a:cs typeface="AdobeClean-LightIt"/>
-              </a:rPr>
-              <a:t> </a:t>
-            </a:r>
-            <a:r>
-              <a:rPr sz="1100" i="1" spc="-15" dirty="0">
-                <a:solidFill>
-                  <a:srgbClr val="777879"/>
-                </a:solidFill>
-                <a:latin typeface="AdobeClean-LightIt"/>
-                <a:cs typeface="AdobeClean-LightIt"/>
-              </a:rPr>
-              <a:t>about</a:t>
-            </a:r>
-            <a:r>
-              <a:rPr sz="1100" i="1" spc="-45" dirty="0">
-                <a:solidFill>
-                  <a:srgbClr val="777879"/>
-                </a:solidFill>
-                <a:latin typeface="AdobeClean-LightIt"/>
-                <a:cs typeface="AdobeClean-LightIt"/>
-              </a:rPr>
-              <a:t> </a:t>
-            </a:r>
-            <a:r>
-              <a:rPr sz="1100" i="1" spc="-15" dirty="0">
-                <a:solidFill>
-                  <a:srgbClr val="777879"/>
-                </a:solidFill>
-                <a:latin typeface="AdobeClean-LightIt"/>
-                <a:cs typeface="AdobeClean-LightIt"/>
-              </a:rPr>
-              <a:t>Adobe</a:t>
-            </a:r>
-            <a:r>
-              <a:rPr sz="1100" i="1" spc="-60" dirty="0">
-                <a:solidFill>
-                  <a:srgbClr val="777879"/>
-                </a:solidFill>
-                <a:latin typeface="AdobeClean-LightIt"/>
-                <a:cs typeface="AdobeClean-LightIt"/>
-              </a:rPr>
-              <a:t> </a:t>
-            </a:r>
-            <a:r>
-              <a:rPr sz="1100" i="1" spc="-15" dirty="0">
-                <a:solidFill>
-                  <a:srgbClr val="777879"/>
-                </a:solidFill>
-                <a:latin typeface="AdobeClean-LightIt"/>
-                <a:cs typeface="AdobeClean-LightIt"/>
-              </a:rPr>
-              <a:t>Support</a:t>
-            </a:r>
-            <a:r>
-              <a:rPr lang="en-US" sz="1100" i="1" spc="-15" dirty="0">
-                <a:solidFill>
-                  <a:srgbClr val="777879"/>
-                </a:solidFill>
-                <a:latin typeface="AdobeClean-LightIt"/>
-                <a:cs typeface="AdobeClean-LightIt"/>
-              </a:rPr>
-              <a:t> Offerings</a:t>
-            </a:r>
-            <a:r>
-              <a:rPr sz="1100" i="1" spc="-75" dirty="0">
-                <a:solidFill>
-                  <a:srgbClr val="777879"/>
-                </a:solidFill>
-                <a:latin typeface="AdobeClean-LightIt"/>
-                <a:cs typeface="AdobeClean-LightIt"/>
-              </a:rPr>
-              <a:t> </a:t>
-            </a:r>
-            <a:r>
-              <a:rPr sz="1100" i="1" spc="-15" dirty="0">
-                <a:solidFill>
-                  <a:srgbClr val="777879"/>
-                </a:solidFill>
-                <a:latin typeface="AdobeClean-LightIt"/>
-                <a:cs typeface="AdobeClean-LightIt"/>
-              </a:rPr>
-              <a:t>and</a:t>
-            </a:r>
-            <a:r>
-              <a:rPr sz="1100" i="1" spc="-50" dirty="0">
-                <a:solidFill>
-                  <a:srgbClr val="777879"/>
-                </a:solidFill>
-                <a:latin typeface="AdobeClean-LightIt"/>
-                <a:cs typeface="AdobeClean-LightIt"/>
-              </a:rPr>
-              <a:t> </a:t>
-            </a:r>
-            <a:r>
-              <a:rPr sz="1100" i="1" spc="-15" dirty="0">
-                <a:solidFill>
-                  <a:srgbClr val="777879"/>
-                </a:solidFill>
-                <a:latin typeface="AdobeClean-LightIt"/>
-                <a:cs typeface="AdobeClean-LightIt"/>
-              </a:rPr>
-              <a:t>the</a:t>
-            </a:r>
-            <a:r>
-              <a:rPr sz="1100" i="1" spc="-55" dirty="0">
-                <a:solidFill>
-                  <a:srgbClr val="777879"/>
-                </a:solidFill>
-                <a:latin typeface="AdobeClean-LightIt"/>
-                <a:cs typeface="AdobeClean-LightIt"/>
-              </a:rPr>
-              <a:t> </a:t>
-            </a:r>
-            <a:r>
-              <a:rPr sz="1100" i="1" spc="-15" dirty="0">
-                <a:solidFill>
-                  <a:srgbClr val="777879"/>
-                </a:solidFill>
-                <a:latin typeface="AdobeClean-LightIt"/>
-                <a:cs typeface="AdobeClean-LightIt"/>
-              </a:rPr>
-              <a:t>right</a:t>
-            </a:r>
-            <a:r>
-              <a:rPr sz="1100" i="1" spc="-95" dirty="0">
-                <a:solidFill>
-                  <a:srgbClr val="777879"/>
-                </a:solidFill>
-                <a:latin typeface="AdobeClean-LightIt"/>
-                <a:cs typeface="AdobeClean-LightIt"/>
-              </a:rPr>
-              <a:t> </a:t>
-            </a:r>
-            <a:r>
-              <a:rPr sz="1100" i="1" spc="-15" dirty="0">
-                <a:solidFill>
-                  <a:srgbClr val="777879"/>
-                </a:solidFill>
-                <a:latin typeface="AdobeClean-LightIt"/>
-                <a:cs typeface="AdobeClean-LightIt"/>
-              </a:rPr>
-              <a:t>level</a:t>
-            </a:r>
-            <a:r>
-              <a:rPr sz="1100" i="1" spc="-55" dirty="0">
-                <a:solidFill>
-                  <a:srgbClr val="777879"/>
-                </a:solidFill>
-                <a:latin typeface="AdobeClean-LightIt"/>
-                <a:cs typeface="AdobeClean-LightIt"/>
-              </a:rPr>
-              <a:t> </a:t>
-            </a:r>
-            <a:r>
-              <a:rPr sz="1100" i="1" spc="-15" dirty="0">
-                <a:solidFill>
-                  <a:srgbClr val="777879"/>
-                </a:solidFill>
-                <a:latin typeface="AdobeClean-LightIt"/>
-                <a:cs typeface="AdobeClean-LightIt"/>
-              </a:rPr>
-              <a:t>for</a:t>
-            </a:r>
-            <a:r>
-              <a:rPr sz="1100" i="1" spc="-85" dirty="0">
-                <a:solidFill>
-                  <a:srgbClr val="777879"/>
-                </a:solidFill>
-                <a:latin typeface="AdobeClean-LightIt"/>
-                <a:cs typeface="AdobeClean-LightIt"/>
-              </a:rPr>
-              <a:t> </a:t>
-            </a:r>
-            <a:r>
-              <a:rPr sz="1100" i="1" spc="-15" dirty="0">
-                <a:solidFill>
-                  <a:srgbClr val="777879"/>
-                </a:solidFill>
-                <a:latin typeface="AdobeClean-LightIt"/>
-                <a:cs typeface="AdobeClean-LightIt"/>
-              </a:rPr>
-              <a:t>you,</a:t>
-            </a:r>
-            <a:r>
-              <a:rPr sz="1100" i="1" spc="-65" dirty="0">
-                <a:solidFill>
-                  <a:srgbClr val="777879"/>
-                </a:solidFill>
-                <a:latin typeface="AdobeClean-LightIt"/>
-                <a:cs typeface="AdobeClean-LightIt"/>
-              </a:rPr>
-              <a:t> </a:t>
-            </a:r>
-            <a:r>
-              <a:rPr sz="1100" i="1" spc="-15" dirty="0">
-                <a:solidFill>
-                  <a:srgbClr val="777879"/>
-                </a:solidFill>
-                <a:latin typeface="AdobeClean-LightIt"/>
-                <a:cs typeface="AdobeClean-LightIt"/>
-              </a:rPr>
-              <a:t>contact</a:t>
-            </a:r>
-            <a:r>
-              <a:rPr sz="1100" i="1" spc="-85" dirty="0">
-                <a:solidFill>
-                  <a:srgbClr val="777879"/>
-                </a:solidFill>
-                <a:latin typeface="AdobeClean-LightIt"/>
-                <a:cs typeface="AdobeClean-LightIt"/>
-              </a:rPr>
-              <a:t> </a:t>
-            </a:r>
-            <a:r>
-              <a:rPr sz="1100" i="1" spc="-15" dirty="0">
-                <a:solidFill>
-                  <a:srgbClr val="777879"/>
-                </a:solidFill>
-                <a:latin typeface="AdobeClean-LightIt"/>
-                <a:cs typeface="AdobeClean-LightIt"/>
-              </a:rPr>
-              <a:t>your</a:t>
-            </a:r>
-            <a:r>
-              <a:rPr sz="1100" i="1" spc="-70" dirty="0">
-                <a:solidFill>
-                  <a:srgbClr val="777879"/>
-                </a:solidFill>
-                <a:latin typeface="AdobeClean-LightIt"/>
-                <a:cs typeface="AdobeClean-LightIt"/>
-              </a:rPr>
-              <a:t> </a:t>
-            </a:r>
-            <a:r>
-              <a:rPr sz="1100" i="1" spc="-15" dirty="0">
-                <a:solidFill>
-                  <a:srgbClr val="777879"/>
-                </a:solidFill>
-                <a:latin typeface="AdobeClean-LightIt"/>
-                <a:cs typeface="AdobeClean-LightIt"/>
-              </a:rPr>
-              <a:t>Named</a:t>
-            </a:r>
-            <a:r>
-              <a:rPr sz="1100" i="1" spc="-55" dirty="0">
-                <a:solidFill>
-                  <a:srgbClr val="777879"/>
-                </a:solidFill>
-                <a:latin typeface="AdobeClean-LightIt"/>
-                <a:cs typeface="AdobeClean-LightIt"/>
-              </a:rPr>
-              <a:t> </a:t>
-            </a:r>
-            <a:r>
-              <a:rPr sz="1100" i="1" spc="-25" dirty="0">
-                <a:solidFill>
-                  <a:srgbClr val="777879"/>
-                </a:solidFill>
-                <a:latin typeface="AdobeClean-LightIt"/>
-                <a:cs typeface="AdobeClean-LightIt"/>
-              </a:rPr>
-              <a:t>Account</a:t>
-            </a:r>
-            <a:r>
-              <a:rPr sz="1100" i="1" spc="-120" dirty="0">
-                <a:solidFill>
-                  <a:srgbClr val="777879"/>
-                </a:solidFill>
-                <a:latin typeface="AdobeClean-LightIt"/>
-                <a:cs typeface="AdobeClean-LightIt"/>
-              </a:rPr>
-              <a:t> </a:t>
-            </a:r>
-            <a:r>
-              <a:rPr sz="1100" i="1" spc="-20" dirty="0">
-                <a:solidFill>
-                  <a:srgbClr val="777879"/>
-                </a:solidFill>
-                <a:latin typeface="AdobeClean-LightIt"/>
-                <a:cs typeface="AdobeClean-LightIt"/>
-              </a:rPr>
-              <a:t>Manager</a:t>
-            </a:r>
-            <a:r>
-              <a:rPr lang="en-US" sz="1100" i="1" spc="-20" dirty="0">
-                <a:solidFill>
-                  <a:srgbClr val="777879"/>
-                </a:solidFill>
-                <a:latin typeface="AdobeClean-LightIt"/>
-                <a:cs typeface="AdobeClean-LightIt"/>
-              </a:rPr>
-              <a:t> </a:t>
-            </a:r>
-            <a:r>
-              <a:rPr sz="1100" i="1" spc="-20" dirty="0">
-                <a:solidFill>
-                  <a:srgbClr val="777879"/>
-                </a:solidFill>
-                <a:latin typeface="AdobeClean-LightIt"/>
-                <a:cs typeface="AdobeClean-LightIt"/>
-              </a:rPr>
-              <a:t> </a:t>
-            </a:r>
-            <a:r>
-              <a:rPr sz="1100" i="1" spc="-15" dirty="0">
-                <a:solidFill>
-                  <a:srgbClr val="777879"/>
-                </a:solidFill>
-                <a:latin typeface="AdobeClean-LightIt"/>
-                <a:cs typeface="AdobeClean-LightIt"/>
-              </a:rPr>
-              <a:t>(NAM) </a:t>
-            </a:r>
-            <a:r>
-              <a:rPr sz="1100" i="1" spc="-10" dirty="0">
-                <a:solidFill>
-                  <a:srgbClr val="777879"/>
-                </a:solidFill>
-                <a:latin typeface="AdobeClean-LightIt"/>
-                <a:cs typeface="AdobeClean-LightIt"/>
-              </a:rPr>
-              <a:t>or </a:t>
-            </a:r>
-            <a:r>
-              <a:rPr sz="1100" i="1" spc="-15" dirty="0">
-                <a:solidFill>
-                  <a:srgbClr val="777879"/>
-                </a:solidFill>
-                <a:latin typeface="AdobeClean-LightIt"/>
-                <a:cs typeface="AdobeClean-LightIt"/>
-              </a:rPr>
-              <a:t>Customer </a:t>
-            </a:r>
-            <a:r>
-              <a:rPr sz="1100" i="1" spc="-20" dirty="0">
-                <a:solidFill>
-                  <a:srgbClr val="777879"/>
-                </a:solidFill>
-                <a:latin typeface="AdobeClean-LightIt"/>
-                <a:cs typeface="AdobeClean-LightIt"/>
-              </a:rPr>
-              <a:t>Success</a:t>
-            </a:r>
-            <a:r>
-              <a:rPr lang="en-US" sz="1100" i="1" spc="-20" dirty="0">
-                <a:solidFill>
-                  <a:srgbClr val="777879"/>
-                </a:solidFill>
-                <a:latin typeface="AdobeClean-LightIt"/>
-                <a:cs typeface="AdobeClean-LightIt"/>
-              </a:rPr>
-              <a:t> </a:t>
-            </a:r>
-            <a:r>
-              <a:rPr sz="1100" i="1" spc="-15" dirty="0">
-                <a:solidFill>
-                  <a:srgbClr val="777879"/>
-                </a:solidFill>
-                <a:latin typeface="AdobeClean-LightIt"/>
-                <a:cs typeface="AdobeClean-LightIt"/>
-              </a:rPr>
-              <a:t>Manager</a:t>
-            </a:r>
-            <a:r>
-              <a:rPr lang="en-US" sz="1100" i="1" spc="-15" dirty="0">
-                <a:solidFill>
-                  <a:srgbClr val="777879"/>
-                </a:solidFill>
-                <a:latin typeface="AdobeClean-LightIt"/>
-                <a:cs typeface="AdobeClean-LightIt"/>
-              </a:rPr>
-              <a:t> </a:t>
-            </a:r>
-            <a:r>
-              <a:rPr sz="1100" i="1" spc="-15" dirty="0">
-                <a:solidFill>
-                  <a:srgbClr val="777879"/>
-                </a:solidFill>
-                <a:latin typeface="AdobeClean-LightIt"/>
-                <a:cs typeface="AdobeClean-LightIt"/>
-              </a:rPr>
-              <a:t>(CSM)</a:t>
-            </a:r>
-            <a:endParaRPr sz="1100" dirty="0">
-              <a:latin typeface="AdobeClean-LightIt"/>
-              <a:cs typeface="AdobeClean-LightIt"/>
-            </a:endParaRPr>
           </a:p>
           <a:p>
             <a:pPr marL="34290">
@@ -11800,59 +10112,15 @@
               </a:spcBef>
             </a:pPr>
             <a:r>
-              <a:rPr sz="800" spc="-5" dirty="0">
+              <a:rPr lang="pt-BR" sz="800" dirty="0">
                 <a:solidFill>
                   <a:srgbClr val="6D6D6D"/>
                 </a:solidFill>
                 <a:latin typeface="Adobe Clean"/>
                 <a:cs typeface="Adobe Clean"/>
               </a:rPr>
-              <a:t>©202</a:t>
+              <a:t>©2021 Adobe. All Rights Reserved. Adobe Confidential.</a:t>
             </a:r>
-            <a:r>
-              <a:rPr lang="en-US" sz="800" spc="-5" dirty="0">
-                <a:solidFill>
-                  <a:srgbClr val="6D6D6D"/>
-                </a:solidFill>
-                <a:latin typeface="Adobe Clean"/>
-                <a:cs typeface="Adobe Clean"/>
-              </a:rPr>
-              <a:t>1</a:t>
-            </a:r>
-            <a:r>
-              <a:rPr sz="800" spc="-5" dirty="0">
-                <a:solidFill>
-                  <a:srgbClr val="6D6D6D"/>
-                </a:solidFill>
-                <a:latin typeface="Adobe Clean"/>
-                <a:cs typeface="Adobe Clean"/>
-              </a:rPr>
-              <a:t> Adobe. All Rights Reserved. Adobe</a:t>
-            </a:r>
-            <a:r>
-              <a:rPr sz="800" spc="75" dirty="0">
-                <a:solidFill>
-                  <a:srgbClr val="6D6D6D"/>
-                </a:solidFill>
-                <a:latin typeface="Adobe Clean"/>
-                <a:cs typeface="Adobe Clean"/>
-              </a:rPr>
-              <a:t> </a:t>
-            </a:r>
-            <a:r>
-              <a:rPr sz="800" spc="-5" dirty="0">
-                <a:solidFill>
-                  <a:srgbClr val="6D6D6D"/>
-                </a:solidFill>
-                <a:latin typeface="Adobe Clean"/>
-                <a:cs typeface="Adobe Clean"/>
-              </a:rPr>
-              <a:t>Confidential.</a:t>
-            </a:r>
-            <a:endParaRPr sz="800" dirty="0">
-              <a:latin typeface="Adobe Clean"/>
-              <a:cs typeface="Adobe Clean"/>
-            </a:endParaRPr>
           </a:p>
         </p:txBody>
       </p:sp>
@@ -11889,14 +10157,14 @@
               </a:spcBef>
             </a:pPr>
             <a:r>
-              <a:rPr lang="en-US" sz="1400" b="1" spc="-15" dirty="0">
+              <a:rPr lang="pt-BR" sz="1400" b="1">
                 <a:solidFill>
                   <a:srgbClr val="020302"/>
                 </a:solidFill>
                 <a:latin typeface="Adobe Clean"/>
                 <a:cs typeface="Adobe Clean"/>
               </a:rPr>
-              <a:t>Regional scope of Adobe Support, Local Hours Of Operation And Language Support</a:t>
+              <a:t>Escopo regional do Suporte da Adobe, horário local de operação e suporte de idioma</a:t>
             </a:r>
           </a:p>
           <a:p>
@@ -11906,13 +10174,13 @@
               </a:spcBef>
             </a:pPr>
             <a:r>
-              <a:rPr lang="en-US" sz="1000" spc="-15" dirty="0">
+              <a:rPr lang="pt-BR" sz="1000">
                 <a:solidFill>
                   <a:srgbClr val="1F1F1F"/>
                 </a:solidFill>
                 <a:latin typeface="AdobeClean-Light"/>
               </a:rPr>
-              <a:t>The Regional scope of Adobe Support is established by aligning the customer's billing address (via the Sales Order or other Adobe Support purchasing document) to one of the following regions:</a:t>
+              <a:t>O escopo regional do Suporte da Adobe é estabelecido alinhando o endereço de faturamento do cliente (conforme a ordem de venda ou outro documento de compra do Suporte da Adobe) a uma das regiões seguintes:</a:t>
             </a:r>
           </a:p>
         </p:txBody>
@@ -11985,13 +10253,13 @@
                     <a:p>
                       <a:pPr algn="ctr"/>
                       <a:r>
-                        <a:rPr lang="en-US" sz="1100" dirty="0">
+                        <a:rPr lang="pt-BR" sz="1100">
                           <a:solidFill>
                             <a:schemeClr val="tx1"/>
                           </a:solidFill>
                           <a:latin typeface="Adobe Clean" panose="020B0503020404020204" pitchFamily="34" charset="0"/>
                         </a:rPr>
-                        <a:t>Americas</a:t>
+                        <a:t>Américas</a:t>
                       </a:r>
                     </a:p>
                   </a:txBody>
@@ -12050,13 +10318,13 @@
                     <a:p>
                       <a:pPr algn="ctr"/>
                       <a:r>
-                        <a:rPr lang="en-US" sz="1100" dirty="0">
+                        <a:rPr lang="pt-BR" sz="1100">
                           <a:solidFill>
                             <a:schemeClr val="tx1"/>
                           </a:solidFill>
                           <a:latin typeface="Adobe Clean" panose="020B0503020404020204" pitchFamily="34" charset="0"/>
                         </a:rPr>
-                        <a:t>Europe, Middle East &amp; Africa</a:t>
+                        <a:t>Europa, Oriente Médio e África</a:t>
                       </a:r>
                     </a:p>
                   </a:txBody>
@@ -12115,13 +10383,13 @@
                     <a:p>
                       <a:pPr algn="ctr"/>
                       <a:r>
-                        <a:rPr lang="en-US" sz="1100" dirty="0">
+                        <a:rPr lang="pt-BR" sz="1100">
                           <a:solidFill>
                             <a:schemeClr val="tx1"/>
                           </a:solidFill>
                           <a:latin typeface="Adobe Clean" panose="020B0503020404020204" pitchFamily="34" charset="0"/>
                         </a:rPr>
-                        <a:t>Asia Pacific</a:t>
+                        <a:t>Ásia–Pacífico</a:t>
                       </a:r>
                     </a:p>
                   </a:txBody>
@@ -12180,16 +10448,16 @@
                     <a:p>
                       <a:pPr algn="ctr"/>
                       <a:r>
-                        <a:rPr lang="en-US" sz="1100" dirty="0">
+                        <a:rPr lang="pt-BR" sz="1100">
                           <a:solidFill>
                             <a:schemeClr val="tx1"/>
                           </a:solidFill>
                           <a:latin typeface="Adobe Clean"/>
                         </a:rPr>
-                        <a:t>Japan </a:t>
+                        <a:t>Japão</a:t>
                       </a:r>
                       <a:r>
-                        <a:rPr lang="en-US" sz="1100" baseline="30000" dirty="0">
+                        <a:rPr lang="pt-BR" sz="1100" baseline="30000">
                           <a:solidFill>
                             <a:schemeClr val="tx1"/>
                           </a:solidFill>
@@ -12197,12 +10465,6 @@
                         </a:rPr>
                         <a:t>1 </a:t>
                       </a:r>
-                      <a:endParaRPr lang="en-US" sz="1100" dirty="0">
-                        <a:solidFill>
-                          <a:schemeClr val="tx1"/>
-                        </a:solidFill>
-                        <a:latin typeface="Adobe Clean" panose="020B0503020404020204" pitchFamily="34" charset="0"/>
-                      </a:endParaRPr>
                     </a:p>
                   </a:txBody>
                   <a:tcPr anchor="ctr">
@@ -12267,13 +10529,13 @@
                     <a:p>
                       <a:pPr algn="ctr"/>
                       <a:r>
-                        <a:rPr lang="en-US" sz="1100" dirty="0">
+                        <a:rPr lang="pt-BR" sz="1100">
                           <a:solidFill>
                             <a:schemeClr val="tx1"/>
                           </a:solidFill>
                           <a:latin typeface="Adobe Clean" panose="020B0503020404020204" pitchFamily="34" charset="0"/>
                         </a:rPr>
-                        <a:t>6 am – 5:30 pm</a:t>
+                        <a:t>6h – 17h30</a:t>
                       </a:r>
                     </a:p>
                   </a:txBody>
@@ -12332,13 +10594,13 @@
                     <a:p>
                       <a:pPr algn="ctr"/>
                       <a:r>
-                        <a:rPr lang="en-US" sz="1100" dirty="0">
+                        <a:rPr lang="pt-BR" sz="1100">
                           <a:solidFill>
                             <a:schemeClr val="tx1"/>
                           </a:solidFill>
                           <a:latin typeface="Adobe Clean" panose="020B0503020404020204" pitchFamily="34" charset="0"/>
                         </a:rPr>
-                        <a:t>9 am – 5 pm</a:t>
+                        <a:t>9h – 17h</a:t>
                       </a:r>
                     </a:p>
                   </a:txBody>
@@ -12397,13 +10659,13 @@
                     <a:p>
                       <a:pPr algn="ctr"/>
                       <a:r>
-                        <a:rPr lang="en-US" sz="1100" dirty="0">
+                        <a:rPr lang="pt-BR" sz="1100">
                           <a:solidFill>
                             <a:schemeClr val="tx1"/>
                           </a:solidFill>
                           <a:latin typeface="Adobe Clean" panose="020B0503020404020204" pitchFamily="34" charset="0"/>
                         </a:rPr>
-                        <a:t>9 am – 5 pm</a:t>
+                        <a:t>9h – 17h</a:t>
                       </a:r>
                     </a:p>
                   </a:txBody>
@@ -12462,13 +10724,13 @@
                     <a:p>
                       <a:pPr algn="ctr"/>
                       <a:r>
-                        <a:rPr lang="en-US" sz="1100" dirty="0">
+                        <a:rPr lang="pt-BR" sz="1100">
                           <a:solidFill>
                             <a:schemeClr val="tx1"/>
                           </a:solidFill>
                           <a:latin typeface="Adobe Clean" panose="020B0503020404020204" pitchFamily="34" charset="0"/>
                         </a:rPr>
-                        <a:t>9 am – 5:30 pm</a:t>
+                        <a:t>9h – 17h30</a:t>
                       </a:r>
                     </a:p>
                   </a:txBody>
@@ -12548,20 +10810,14 @@
                         <a:buNone/>
                       </a:pPr>
                       <a:r>
-                        <a:rPr lang="en-US" sz="1100" dirty="0">
+                        <a:rPr lang="pt-BR" sz="1100">
                           <a:solidFill>
                             <a:schemeClr val="tx1"/>
                           </a:solidFill>
                           <a:latin typeface="Adobe Clean"/>
                         </a:rPr>
-                        <a:t>Language support is only available in English and Japanese.</a:t>
+                        <a:t>O suporte de idioma está disponível somente em inglês e japonês.</a:t>
                       </a:r>
-                      <a:endParaRPr lang="en-US" sz="1100" dirty="0">
-                        <a:solidFill>
-                          <a:schemeClr val="tx1"/>
-                        </a:solidFill>
-                        <a:latin typeface="Adobe Clean" panose="020B0503020404020204" pitchFamily="34" charset="0"/>
-                      </a:endParaRPr>
                     </a:p>
                     <a:p>
                       <a:pPr marL="0" marR="0" lvl="0" indent="0" algn="ctr" defTabSz="914400" eaLnBrk="1" fontAlgn="auto" latinLnBrk="0" hangingPunct="1">
@@ -12582,17 +10838,17 @@
                         <a:defRPr/>
                       </a:pPr>
                       <a:r>
-                        <a:rPr lang="en-US" sz="1100" i="1" dirty="0">
+                        <a:rPr lang="pt-BR" sz="1100" i="1">
                           <a:solidFill>
                             <a:schemeClr val="tx1"/>
                           </a:solidFill>
                           <a:latin typeface="Adobe Clean"/>
                         </a:rPr>
-                        <a:t>*Adobe Commerce excludes Japanese language support.</a:t>
+                        <a:t>*O Adobe Commerce exclui o suporte ao idioma japonês.</a:t>
                       </a:r>
                     </a:p>
                     <a:p>
-                      <a:pPr algn="ctr"/>
+                      <a:pPr algn="l" rtl="0"/>
                       <a:endParaRPr kumimoji="0" lang="en-US" sz="1100" b="1" i="0" u="none" strike="noStrike" kern="0" cap="none" spc="0" normalizeH="0" baseline="30000" noProof="0" dirty="0">
                         <a:ln>
                           <a:noFill/>
@@ -12611,7 +10867,7 @@
                     <a:p>
                       <a:pPr algn="ctr"/>
                       <a:r>
-                        <a:rPr lang="en-US" sz="1100" i="0" dirty="0">
+                        <a:rPr lang="pt-BR" sz="1100" i="0">
                           <a:solidFill>
                             <a:schemeClr val="tx1"/>
                           </a:solidFill>
@@ -12620,32 +10876,26 @@
                         <a:t> </a:t>
                       </a:r>
                       <a:r>
-                        <a:rPr lang="en-US" sz="1100" i="0" baseline="30000" dirty="0">
+                        <a:rPr lang="pt-BR" sz="1100" i="0" baseline="30000">
                           <a:solidFill>
                             <a:schemeClr val="tx1"/>
                           </a:solidFill>
                           <a:latin typeface="Adobe Clean"/>
                         </a:rPr>
-                        <a:t>1 </a:t>
+                        <a:t>1</a:t>
                       </a:r>
                       <a:r>
-                        <a:rPr lang="en-US" sz="1100" i="0" dirty="0">
+                        <a:rPr lang="pt-BR" sz="1100" i="0">
                           <a:solidFill>
                             <a:schemeClr val="tx1"/>
                           </a:solidFill>
                           <a:latin typeface="Adobe Clean"/>
                         </a:rPr>
-                        <a:t>P2, P3, P4 cases are limited to business hours only in Japan.</a:t>
+                        <a:t>Os casos de prioridade P2, P3 e P4 estão limitados ao horário comercial somente no Japão.</a:t>
                       </a:r>
-                      <a:endParaRPr lang="en-US" sz="1100" b="1" i="0" dirty="0">
-                        <a:solidFill>
-                          <a:schemeClr val="tx1"/>
-                        </a:solidFill>
-                        <a:latin typeface="Adobe Clean"/>
-                      </a:endParaRPr>
-                    </a:p>
-                    <a:p>
-                      <a:pPr algn="ctr"/>
+                    </a:p>
+                    <a:p>
+                      <a:pPr algn="l" rtl="0"/>
                       <a:endParaRPr lang="en-US" sz="1100" dirty="0">
                         <a:solidFill>
                           <a:schemeClr val="tx1"/>
@@ -13006,7 +11256,7 @@
           </a:bodyPr>
           <a:lstStyle/>
           <a:p>
-            <a:pPr marL="139065" marR="5080" indent="-139065">
+            <a:pPr marR="5080" algn="ctr">
               <a:lnSpc>
                 <a:spcPts val="1390"/>
               </a:lnSpc>
@@ -13015,129 +11265,15 @@
               </a:spcBef>
             </a:pPr>
             <a:r>
-              <a:rPr sz="1200" b="1" spc="-15" dirty="0">
+              <a:rPr lang="pt-BR" sz="1200" b="1" dirty="0">
                 <a:solidFill>
                   <a:srgbClr val="FFFFFF"/>
                 </a:solidFill>
                 <a:latin typeface="Adobe Clean"/>
                 <a:cs typeface="Adobe Clean"/>
               </a:rPr>
-              <a:t>U</a:t>
+              <a:t>Experiência sem igual</a:t>
             </a:r>
-            <a:r>
-              <a:rPr sz="1200" b="1" spc="-20" dirty="0">
-                <a:solidFill>
-                  <a:srgbClr val="FFFFFF"/>
-                </a:solidFill>
-                <a:latin typeface="Adobe Clean"/>
-                <a:cs typeface="Adobe Clean"/>
-              </a:rPr>
-              <a:t>n</a:t>
-            </a:r>
-            <a:r>
-              <a:rPr sz="1200" b="1" spc="-25" dirty="0">
-                <a:solidFill>
-                  <a:srgbClr val="FFFFFF"/>
-                </a:solidFill>
-                <a:latin typeface="Adobe Clean"/>
-                <a:cs typeface="Adobe Clean"/>
-              </a:rPr>
-              <a:t>p</a:t>
-            </a:r>
-            <a:r>
-              <a:rPr sz="1200" b="1" spc="-15" dirty="0">
-                <a:solidFill>
-                  <a:srgbClr val="FFFFFF"/>
-                </a:solidFill>
-                <a:latin typeface="Adobe Clean"/>
-                <a:cs typeface="Adobe Clean"/>
-              </a:rPr>
-              <a:t>a</a:t>
-            </a:r>
-            <a:r>
-              <a:rPr sz="1200" b="1" spc="-25" dirty="0">
-                <a:solidFill>
-                  <a:srgbClr val="FFFFFF"/>
-                </a:solidFill>
-                <a:latin typeface="Adobe Clean"/>
-                <a:cs typeface="Adobe Clean"/>
-              </a:rPr>
-              <a:t>r</a:t>
-            </a:r>
-            <a:r>
-              <a:rPr sz="1200" b="1" spc="-15" dirty="0">
-                <a:solidFill>
-                  <a:srgbClr val="FFFFFF"/>
-                </a:solidFill>
-                <a:latin typeface="Adobe Clean"/>
-                <a:cs typeface="Adobe Clean"/>
-              </a:rPr>
-              <a:t>a</a:t>
-            </a:r>
-            <a:r>
-              <a:rPr sz="1200" b="1" spc="-30" dirty="0">
-                <a:solidFill>
-                  <a:srgbClr val="FFFFFF"/>
-                </a:solidFill>
-                <a:latin typeface="Adobe Clean"/>
-                <a:cs typeface="Adobe Clean"/>
-              </a:rPr>
-              <a:t>ll</a:t>
-            </a:r>
-            <a:r>
-              <a:rPr sz="1200" b="1" spc="-25" dirty="0">
-                <a:solidFill>
-                  <a:srgbClr val="FFFFFF"/>
-                </a:solidFill>
-                <a:latin typeface="Adobe Clean"/>
-                <a:cs typeface="Adobe Clean"/>
-              </a:rPr>
-              <a:t>e</a:t>
-            </a:r>
-            <a:r>
-              <a:rPr sz="1200" b="1" spc="-30" dirty="0">
-                <a:solidFill>
-                  <a:srgbClr val="FFFFFF"/>
-                </a:solidFill>
-                <a:latin typeface="Adobe Clean"/>
-                <a:cs typeface="Adobe Clean"/>
-              </a:rPr>
-              <a:t>l</a:t>
-            </a:r>
-            <a:r>
-              <a:rPr sz="1200" b="1" spc="-25" dirty="0">
-                <a:solidFill>
-                  <a:srgbClr val="FFFFFF"/>
-                </a:solidFill>
-                <a:latin typeface="Adobe Clean"/>
-                <a:cs typeface="Adobe Clean"/>
-              </a:rPr>
-              <a:t>e</a:t>
-            </a:r>
-            <a:r>
-              <a:rPr sz="1200" b="1" dirty="0">
-                <a:solidFill>
-                  <a:srgbClr val="FFFFFF"/>
-                </a:solidFill>
-                <a:latin typeface="Adobe Clean"/>
-                <a:cs typeface="Adobe Clean"/>
-              </a:rPr>
-              <a:t>d  </a:t>
-            </a:r>
-            <a:r>
-              <a:rPr sz="1200" b="1" spc="-25" dirty="0">
-                <a:solidFill>
-                  <a:srgbClr val="FFFFFF"/>
-                </a:solidFill>
-                <a:latin typeface="Adobe Clean"/>
-                <a:cs typeface="Adobe Clean"/>
-              </a:rPr>
-              <a:t>Expertise</a:t>
-            </a:r>
-            <a:endParaRPr sz="1200" dirty="0">
-              <a:latin typeface="Adobe Clean"/>
-              <a:cs typeface="Adobe Clean"/>
-            </a:endParaRPr>
           </a:p>
         </p:txBody>
       </p:sp>
@@ -13155,8 +11291,8 @@
         </p:nvSpPr>
         <p:spPr>
           <a:xfrm>
-            <a:off x="4732495" y="8541244"/>
-            <a:ext cx="810895" cy="382797"/>
+            <a:off x="4656295" y="8541244"/>
+            <a:ext cx="906305" cy="382797"/>
           </a:xfrm>
           <a:prstGeom prst="rect">
             <a:avLst/>
@@ -13168,7 +11304,7 @@
           </a:bodyPr>
           <a:lstStyle/>
           <a:p>
-            <a:pPr marL="139065" marR="5080" indent="-139065">
+            <a:pPr marR="5080" algn="ctr">
               <a:lnSpc>
                 <a:spcPts val="1390"/>
               </a:lnSpc>
@@ -13177,19 +11313,15 @@
               </a:spcBef>
             </a:pPr>
             <a:r>
-              <a:rPr lang="en-US" sz="1200" b="1" spc="-15" dirty="0">
+              <a:rPr lang="pt-BR" sz="1200" b="1" dirty="0">
                 <a:solidFill>
                   <a:srgbClr val="FFFFFF"/>
                 </a:solidFill>
                 <a:latin typeface="Adobe Clean"/>
                 <a:cs typeface="Adobe Clean"/>
               </a:rPr>
-              <a:t>Accelerated Support</a:t>
+              <a:t>Suporte acelerado</a:t>
             </a:r>
-            <a:endParaRPr sz="1200" dirty="0">
-              <a:latin typeface="Adobe Clean"/>
-              <a:cs typeface="Adobe Clean"/>
-            </a:endParaRPr>
           </a:p>
         </p:txBody>
       </p:sp>
@@ -13207,8 +11339,8 @@
         </p:nvSpPr>
         <p:spPr>
           <a:xfrm>
-            <a:off x="6624119" y="8543943"/>
-            <a:ext cx="510540" cy="385445"/>
+            <a:off x="6477000" y="8543943"/>
+            <a:ext cx="841575" cy="382797"/>
           </a:xfrm>
           <a:prstGeom prst="rect">
             <a:avLst/>
@@ -13220,7 +11352,7 @@
           </a:bodyPr>
           <a:lstStyle/>
           <a:p>
-            <a:pPr marL="50800" marR="5080" indent="-51435">
+            <a:pPr marL="50800" marR="5080" indent="-51435" algn="ctr">
               <a:lnSpc>
                 <a:spcPts val="1390"/>
               </a:lnSpc>
@@ -13229,109 +11361,15 @@
               </a:spcBef>
             </a:pPr>
             <a:r>
-              <a:rPr sz="1200" b="1" spc="-50" dirty="0">
+              <a:rPr lang="pt-BR" sz="1200" b="1" dirty="0">
                 <a:solidFill>
                   <a:srgbClr val="FFFFFF"/>
                 </a:solidFill>
                 <a:latin typeface="Adobe Clean"/>
                 <a:cs typeface="Adobe Clean"/>
               </a:rPr>
-              <a:t>S</a:t>
+              <a:t>Consultoria estratégica</a:t>
             </a:r>
-            <a:r>
-              <a:rPr sz="1200" b="1" spc="-20" dirty="0">
-                <a:solidFill>
-                  <a:srgbClr val="FFFFFF"/>
-                </a:solidFill>
-                <a:latin typeface="Adobe Clean"/>
-                <a:cs typeface="Adobe Clean"/>
-              </a:rPr>
-              <a:t>t</a:t>
-            </a:r>
-            <a:r>
-              <a:rPr sz="1200" b="1" spc="-75" dirty="0">
-                <a:solidFill>
-                  <a:srgbClr val="FFFFFF"/>
-                </a:solidFill>
-                <a:latin typeface="Adobe Clean"/>
-                <a:cs typeface="Adobe Clean"/>
-              </a:rPr>
-              <a:t>r</a:t>
-            </a:r>
-            <a:r>
-              <a:rPr sz="1200" b="1" spc="-90" dirty="0">
-                <a:solidFill>
-                  <a:srgbClr val="FFFFFF"/>
-                </a:solidFill>
-                <a:latin typeface="Adobe Clean"/>
-                <a:cs typeface="Adobe Clean"/>
-              </a:rPr>
-              <a:t>a</a:t>
-            </a:r>
-            <a:r>
-              <a:rPr sz="1200" b="1" spc="-55" dirty="0">
-                <a:solidFill>
-                  <a:srgbClr val="FFFFFF"/>
-                </a:solidFill>
-                <a:latin typeface="Adobe Clean"/>
-                <a:cs typeface="Adobe Clean"/>
-              </a:rPr>
-              <a:t>t</a:t>
-            </a:r>
-            <a:r>
-              <a:rPr sz="1200" b="1" spc="-100" dirty="0">
-                <a:solidFill>
-                  <a:srgbClr val="FFFFFF"/>
-                </a:solidFill>
-                <a:latin typeface="Adobe Clean"/>
-                <a:cs typeface="Adobe Clean"/>
-              </a:rPr>
-              <a:t>e</a:t>
-            </a:r>
-            <a:r>
-              <a:rPr sz="1200" b="1" spc="-80" dirty="0">
-                <a:solidFill>
-                  <a:srgbClr val="FFFFFF"/>
-                </a:solidFill>
-                <a:latin typeface="Adobe Clean"/>
-                <a:cs typeface="Adobe Clean"/>
-              </a:rPr>
-              <a:t>g</a:t>
-            </a:r>
-            <a:r>
-              <a:rPr sz="1200" b="1" spc="-35" dirty="0">
-                <a:solidFill>
-                  <a:srgbClr val="FFFFFF"/>
-                </a:solidFill>
-                <a:latin typeface="Adobe Clean"/>
-                <a:cs typeface="Adobe Clean"/>
-              </a:rPr>
-              <a:t>i</a:t>
-            </a:r>
-            <a:r>
-              <a:rPr sz="1200" b="1" dirty="0">
-                <a:solidFill>
-                  <a:srgbClr val="FFFFFF"/>
-                </a:solidFill>
-                <a:latin typeface="Adobe Clean"/>
-                <a:cs typeface="Adobe Clean"/>
-              </a:rPr>
-              <a:t>c  </a:t>
-            </a:r>
-            <a:r>
-              <a:rPr sz="1200" b="1" spc="-45" dirty="0">
-                <a:solidFill>
-                  <a:srgbClr val="FFFFFF"/>
-                </a:solidFill>
-                <a:latin typeface="Adobe Clean"/>
-                <a:cs typeface="Adobe Clean"/>
-              </a:rPr>
-              <a:t>Advice</a:t>
-            </a:r>
-            <a:endParaRPr sz="1200" dirty="0">
-              <a:latin typeface="Adobe Clean"/>
-              <a:cs typeface="Adobe Clean"/>
-            </a:endParaRPr>
           </a:p>
         </p:txBody>
       </p:sp>
@@ -13350,14 +11388,14 @@
           <p:nvPr>
             <p:extLst>
               <p:ext uri="{D42A27DB-BD31-4B8C-83A1-F6EECF244321}">
-                <p14:modId xmlns:p14="http://schemas.microsoft.com/office/powerpoint/2010/main" val="1366573891"/>
+                <p14:modId xmlns:p14="http://schemas.microsoft.com/office/powerpoint/2010/main" val="2855027042"/>
               </p:ext>
             </p:extLst>
           </p:nvPr>
         </p:nvGraphicFramePr>
         <p:xfrm>
           <a:off x="194236" y="1059345"/>
-          <a:ext cx="7368291" cy="2931160"/>
+          <a:ext cx="7368291" cy="3388360"/>
         </p:xfrm>
         <a:graphic>
           <a:graphicData uri="http://schemas.openxmlformats.org/drawingml/2006/table">
@@ -13388,7 +11426,7 @@
                     <a:lstStyle/>
                     <a:p>
                       <a:r>
-                        <a:rPr lang="en-US" sz="1100" b="0" dirty="0">
+                        <a:rPr lang="pt-BR" sz="1100" b="0">
                           <a:solidFill>
                             <a:schemeClr val="tx1"/>
                           </a:solidFill>
@@ -13399,14 +11437,6 @@
                         </a:rPr>
                         <a:t>Experience League</a:t>
                       </a:r>
-                      <a:endParaRPr lang="en-US" sz="1100" b="0" dirty="0">
-                        <a:solidFill>
-                          <a:schemeClr val="tx1"/>
-                        </a:solidFill>
-                        <a:latin typeface="Adobe Clean" panose="020B0503020404020204" pitchFamily="34" charset="0"/>
-                        <a:ea typeface="+mn-ea"/>
-                        <a:cs typeface="+mn-cs"/>
-                      </a:endParaRPr>
                     </a:p>
                   </a:txBody>
                   <a:tcPr marL="47625" marR="47625" marT="0" marB="0" anchor="ctr">
@@ -13480,7 +11510,7 @@
                         <a:defRPr/>
                       </a:pPr>
                       <a:r>
-                        <a:rPr lang="en-US" sz="1000" b="0" kern="1200" dirty="0">
+                        <a:rPr lang="pt-BR" sz="1000" b="0" dirty="0">
                           <a:solidFill>
                             <a:srgbClr val="000000"/>
                           </a:solidFill>
@@ -13488,7 +11518,70 @@
                           <a:ea typeface="+mn-ea"/>
                           <a:cs typeface="+mn-cs"/>
                         </a:rPr>
-                        <a:t>Experience League is how Adobe helps businesses achieve the value they expect from their Adobe investment. It’s the unified place where customers can learn, connect, and grow along a personalized path to success that includes self-help tutorials, product documentation, instructor-led training, community and technical support. </a:t>
+                        <a:t>A Experience League foi criada para ajudar as empresas a alcançar </a:t>
+                      </a:r>
+                      <a:br>
+                        <a:rPr lang="sk-SK" sz="1000" b="0" dirty="0">
+                          <a:solidFill>
+                            <a:srgbClr val="000000"/>
+                          </a:solidFill>
+                          <a:latin typeface="Adobe Clean Light" panose="020B0303020404020204" pitchFamily="34" charset="0"/>
+                          <a:ea typeface="+mn-ea"/>
+                          <a:cs typeface="+mn-cs"/>
+                        </a:rPr>
+                      </a:br>
+                      <a:r>
+                        <a:rPr lang="pt-BR" sz="1000" b="0" dirty="0">
+                          <a:solidFill>
+                            <a:srgbClr val="000000"/>
+                          </a:solidFill>
+                          <a:latin typeface="Adobe Clean Light" panose="020B0303020404020204" pitchFamily="34" charset="0"/>
+                          <a:ea typeface="+mn-ea"/>
+                          <a:cs typeface="+mn-cs"/>
+                        </a:rPr>
+                        <a:t>o valor que esperam do seu investimento em produtos da Adobe. </a:t>
+                      </a:r>
+                      <a:br>
+                        <a:rPr lang="sk-SK" sz="1000" b="0" dirty="0">
+                          <a:solidFill>
+                            <a:srgbClr val="000000"/>
+                          </a:solidFill>
+                          <a:latin typeface="Adobe Clean Light" panose="020B0303020404020204" pitchFamily="34" charset="0"/>
+                          <a:ea typeface="+mn-ea"/>
+                          <a:cs typeface="+mn-cs"/>
+                        </a:rPr>
+                      </a:br>
+                      <a:r>
+                        <a:rPr lang="pt-BR" sz="1000" b="0" dirty="0">
+                          <a:solidFill>
+                            <a:srgbClr val="000000"/>
+                          </a:solidFill>
+                          <a:latin typeface="Adobe Clean Light" panose="020B0303020404020204" pitchFamily="34" charset="0"/>
+                          <a:ea typeface="+mn-ea"/>
+                          <a:cs typeface="+mn-cs"/>
+                        </a:rPr>
+                        <a:t>É o local unificado onde os clientes podem aprender, interagir e crescer ao longo de um caminho personalizado de sucesso que inclui tutoriais de autoatendimento, documentação dos produtos, treinamento </a:t>
+                      </a:r>
+                      <a:br>
+                        <a:rPr lang="sk-SK" sz="1000" b="0" dirty="0">
+                          <a:solidFill>
+                            <a:srgbClr val="000000"/>
+                          </a:solidFill>
+                          <a:latin typeface="Adobe Clean Light" panose="020B0303020404020204" pitchFamily="34" charset="0"/>
+                          <a:ea typeface="+mn-ea"/>
+                          <a:cs typeface="+mn-cs"/>
+                        </a:rPr>
+                      </a:br>
+                      <a:r>
+                        <a:rPr lang="pt-BR" sz="1000" b="0" dirty="0">
+                          <a:solidFill>
+                            <a:srgbClr val="000000"/>
+                          </a:solidFill>
+                          <a:latin typeface="Adobe Clean Light" panose="020B0303020404020204" pitchFamily="34" charset="0"/>
+                          <a:ea typeface="+mn-ea"/>
+                          <a:cs typeface="+mn-cs"/>
+                        </a:rPr>
+                        <a:t>com instrutores e suporte técnico e da comunidade. </a:t>
                       </a:r>
                     </a:p>
                   </a:txBody>
@@ -13570,39 +11663,28 @@
                         <a:defRPr/>
                       </a:pPr>
                       <a:r>
-                        <a:rPr lang="en-US" sz="1100" dirty="0">
+                        <a:rPr lang="pt-BR" sz="1100">
                           <a:solidFill>
                             <a:schemeClr val="dk1"/>
                           </a:solidFill>
-                          <a:effectLst/>
                           <a:latin typeface="Adobe Clean" panose="020B0503020404020204" pitchFamily="34" charset="0"/>
                           <a:ea typeface="+mn-ea"/>
                           <a:cs typeface="+mn-cs"/>
                           <a:hlinkClick r:id="rId8"/>
                         </a:rPr>
-                        <a:t>Training</a:t>
+                        <a:t>Treinamento</a:t>
                       </a:r>
                       <a:r>
-                        <a:rPr lang="en-US" sz="1100" dirty="0">
+                        <a:rPr lang="pt-BR" sz="1100">
                           <a:solidFill>
                             <a:schemeClr val="dk1"/>
                           </a:solidFill>
-                          <a:effectLst/>
                           <a:latin typeface="Adobe Clean" panose="020B0503020404020204" pitchFamily="34" charset="0"/>
                           <a:ea typeface="+mn-ea"/>
                           <a:cs typeface="+mn-cs"/>
                         </a:rPr>
                         <a:t> </a:t>
                       </a:r>
-                      <a:endParaRPr lang="en-US" sz="1100" dirty="0">
-                        <a:solidFill>
-                          <a:schemeClr val="tx1"/>
-                        </a:solidFill>
-                        <a:effectLst/>
-                        <a:latin typeface="Adobe Clean" panose="020B0503020404020204" pitchFamily="34" charset="0"/>
-                        <a:ea typeface="+mn-ea"/>
-                        <a:cs typeface="+mn-cs"/>
-                      </a:endParaRPr>
                     </a:p>
                   </a:txBody>
                   <a:tcPr anchor="ctr">
@@ -13676,7 +11758,7 @@
                         <a:defRPr/>
                       </a:pPr>
                       <a:r>
-                        <a:rPr lang="en-US" sz="1000" kern="1200" dirty="0">
+                        <a:rPr lang="pt-BR" sz="1000">
                           <a:solidFill>
                             <a:srgbClr val="000000"/>
                           </a:solidFill>
@@ -13684,7 +11766,7 @@
                           <a:ea typeface="+mn-ea"/>
                           <a:cs typeface="+mn-cs"/>
                         </a:rPr>
-                        <a:t>Adobe Digital Learning Services courses are accessible from Experience League. Learning courses integrate both on-demand and instructor-led lessons.  Here you can accrue skills that have recognized market value and position them to drive success in your organizations.</a:t>
+                        <a:t>O acesso aos cursos do Adobe Digital Learning Services está disponível na Experience League. Os cursos de aprendizagem incluem lições sob demanda e com instrutores.  É um lugar para adquirir habilidades com reconhecido valor de mercado que você pode pôr em prática para impulsionar o sucesso na sua organização.</a:t>
                       </a:r>
                     </a:p>
                   </a:txBody>
@@ -13766,27 +11848,17 @@
                         <a:defRPr/>
                       </a:pPr>
                       <a:r>
-                        <a:rPr lang="en-US" sz="1100" dirty="0">
+                        <a:rPr lang="pt-BR" sz="1100">
                           <a:solidFill>
                             <a:schemeClr val="tx1"/>
                           </a:solidFill>
-                          <a:effectLst/>
                           <a:latin typeface="Adobe Clean" panose="020B0503020404020204" pitchFamily="34" charset="0"/>
                           <a:ea typeface="+mn-ea"/>
                           <a:cs typeface="+mn-cs"/>
                           <a:hlinkClick r:id="rId9"/>
                         </a:rPr>
-                        <a:t>Production Issues &amp; System Outages</a:t>
+                        <a:t>Problemas de produção e paralisações do sistema</a:t>
                       </a:r>
-                      <a:endParaRPr lang="en-US" sz="1100" dirty="0">
-                        <a:solidFill>
-                          <a:schemeClr val="tx1"/>
-                        </a:solidFill>
-                        <a:effectLst/>
-                        <a:latin typeface="Adobe Clean" panose="020B0503020404020204" pitchFamily="34" charset="0"/>
-                        <a:ea typeface="+mn-ea"/>
-                        <a:cs typeface="+mn-cs"/>
-                      </a:endParaRPr>
                     </a:p>
                   </a:txBody>
                   <a:tcPr anchor="ctr">
@@ -13860,7 +11932,7 @@
                         <a:defRPr/>
                       </a:pPr>
                       <a:r>
-                        <a:rPr lang="en-US" sz="1000" kern="1200" dirty="0">
+                        <a:rPr lang="pt-BR" sz="1000" dirty="0">
                           <a:solidFill>
                             <a:srgbClr val="000000"/>
                           </a:solidFill>
@@ -13868,7 +11940,28 @@
                           <a:ea typeface="+mn-ea"/>
                           <a:cs typeface="+mn-cs"/>
                         </a:rPr>
-                        <a:t>Status.adobe.com conveys the health information of all Adobe products and services that are deployed in multi-tenant environments. Customers can choose their subscription preferences to get email notifications whenever Adobe creates, updates or resolves a product event. This can include scheduled maintenance or service issues of varying levels of severity. </a:t>
+                        <a:t>O Status.adobe.com transmite as informações de integridade de todos os produtos e serviços da Adobe implantados em ambientes de vários locatários. Os clientes podem escolher suas preferências de subscrição para receber notificações por email sempre que a Adobe criar, atualizar ou resolver um evento de produto. Isso pode incluir manutenção programada ou problemas de serviço com diferentes níveis </a:t>
+                      </a:r>
+                      <a:br>
+                        <a:rPr lang="sk-SK" sz="1000" dirty="0">
+                          <a:solidFill>
+                            <a:srgbClr val="000000"/>
+                          </a:solidFill>
+                          <a:latin typeface="Adobe Clean Light" panose="020B0303020404020204" pitchFamily="34" charset="0"/>
+                          <a:ea typeface="+mn-ea"/>
+                          <a:cs typeface="+mn-cs"/>
+                        </a:rPr>
+                      </a:br>
+                      <a:r>
+                        <a:rPr lang="pt-BR" sz="1000" dirty="0">
+                          <a:solidFill>
+                            <a:srgbClr val="000000"/>
+                          </a:solidFill>
+                          <a:latin typeface="Adobe Clean Light" panose="020B0303020404020204" pitchFamily="34" charset="0"/>
+                          <a:ea typeface="+mn-ea"/>
+                          <a:cs typeface="+mn-cs"/>
+                        </a:rPr>
+                        <a:t>de gravidade. </a:t>
                       </a:r>
                     </a:p>
                   </a:txBody>
@@ -13950,27 +12043,17 @@
                         <a:defRPr/>
                       </a:pPr>
                       <a:r>
-                        <a:rPr lang="en-US" sz="1100" dirty="0">
+                        <a:rPr lang="pt-BR" sz="1100">
                           <a:solidFill>
                             <a:schemeClr val="tx1"/>
                           </a:solidFill>
-                          <a:effectLst/>
                           <a:latin typeface="Adobe Clean" panose="020B0503020404020204" pitchFamily="34" charset="0"/>
                           <a:ea typeface="+mn-ea"/>
                           <a:cs typeface="+mn-cs"/>
                           <a:hlinkClick r:id="rId10"/>
                         </a:rPr>
-                        <a:t>Terms and Conditions</a:t>
+                        <a:t>Termos e condições</a:t>
                       </a:r>
-                      <a:endParaRPr lang="en-US" sz="1100" dirty="0">
-                        <a:solidFill>
-                          <a:schemeClr val="tx1"/>
-                        </a:solidFill>
-                        <a:effectLst/>
-                        <a:latin typeface="Adobe Clean" panose="020B0503020404020204" pitchFamily="34" charset="0"/>
-                        <a:ea typeface="+mn-ea"/>
-                        <a:cs typeface="+mn-cs"/>
-                      </a:endParaRPr>
                     </a:p>
                   </a:txBody>
                   <a:tcPr anchor="ctr">
@@ -14027,7 +12110,7 @@
                     <a:lstStyle/>
                     <a:p>
                       <a:r>
-                        <a:rPr lang="en-US" sz="1000" kern="1200" dirty="0">
+                        <a:rPr lang="pt-BR" sz="1000" dirty="0">
                           <a:solidFill>
                             <a:srgbClr val="000000"/>
                           </a:solidFill>
@@ -14035,7 +12118,7 @@
                           <a:ea typeface="+mn-ea"/>
                           <a:cs typeface="+mn-cs"/>
                         </a:rPr>
-                        <a:t>Terms and conditions detailing Support Services offerings.</a:t>
+                        <a:t>Os Termos e condições que detalham os serviços de suporte</a:t>
                       </a:r>
                     </a:p>
                   </a:txBody>
@@ -14806,21 +12889,6 @@
 </file>
 
 <file path=customXml/item1.xml><?xml version="1.0" encoding="utf-8"?>
-<?mso-contentType ?>
-<FormTemplates xmlns="http://schemas.microsoft.com/sharepoint/v3/contenttype/forms">
-  <Display>DocumentLibraryForm</Display>
-  <Edit>DocumentLibraryForm</Edit>
-  <New>DocumentLibraryForm</New>
-</FormTemplates>
-</file>
-
-<file path=customXml/item2.xml><?xml version="1.0" encoding="utf-8"?>
-<p:properties xmlns:p="http://schemas.microsoft.com/office/2006/metadata/properties" xmlns:xsi="http://www.w3.org/2001/XMLSchema-instance" xmlns:pc="http://schemas.microsoft.com/office/infopath/2007/PartnerControls">
-  <documentManagement/>
-</p:properties>
-</file>
-
-<file path=customXml/item3.xml><?xml version="1.0" encoding="utf-8"?>
 <ct:contentTypeSchema xmlns:ct="http://schemas.microsoft.com/office/2006/metadata/contentType" xmlns:ma="http://schemas.microsoft.com/office/2006/metadata/properties/metaAttributes" ct:_="" ma:_="" ma:contentTypeName="Document" ma:contentTypeID="0x010100E783BF6876BCC646A459363AF21A7736" ma:contentTypeVersion="10" ma:contentTypeDescription="Create a new document." ma:contentTypeScope="" ma:versionID="c4ffda7f4f415767600769e454c2ea87">
   <xsd:schema xmlns:xsd="http://www.w3.org/2001/XMLSchema" xmlns:xs="http://www.w3.org/2001/XMLSchema" xmlns:p="http://schemas.microsoft.com/office/2006/metadata/properties" xmlns:ns2="8a053bff-88be-49e4-9a87-e748e18b8b62" xmlns:ns3="6c8368ec-3776-49b5-a5bb-90648cf9530f" targetNamespace="http://schemas.microsoft.com/office/2006/metadata/properties" ma:root="true" ma:fieldsID="df3ec33bccc23e23bce7bc897fad43d1" ns2:_="" ns3:_="">
     <xsd:import namespace="8a053bff-88be-49e4-9a87-e748e18b8b62"/>
@@ -15025,32 +13093,22 @@
 </ct:contentTypeSchema>
 </file>
 
-<file path=customXml/itemProps1.xml><?xml version="1.0" encoding="utf-8"?>
-<ds:datastoreItem xmlns:ds="http://schemas.openxmlformats.org/officeDocument/2006/customXml" ds:itemID="{AC92E7FA-19A2-4675-9C77-2C92D8A268D1}">
-  <ds:schemaRefs>
-    <ds:schemaRef ds:uri="http://schemas.microsoft.com/sharepoint/v3/contenttype/forms"/>
-  </ds:schemaRefs>
-</ds:datastoreItem>
+<file path=customXml/item2.xml><?xml version="1.0" encoding="utf-8"?>
+<p:properties xmlns:p="http://schemas.microsoft.com/office/2006/metadata/properties" xmlns:xsi="http://www.w3.org/2001/XMLSchema-instance" xmlns:pc="http://schemas.microsoft.com/office/infopath/2007/PartnerControls">
+  <documentManagement/>
+</p:properties>
 </file>
 
-<file path=customXml/itemProps2.xml><?xml version="1.0" encoding="utf-8"?>
-<ds:datastoreItem xmlns:ds="http://schemas.openxmlformats.org/officeDocument/2006/customXml" ds:itemID="{8D12BD98-169B-4BEE-86DF-4C9641DF23C4}">
-  <ds:schemaRefs>
-    <ds:schemaRef ds:uri="http://schemas.microsoft.com/office/2006/documentManagement/types"/>
-    <ds:schemaRef ds:uri="http://schemas.microsoft.com/office/2006/metadata/properties"/>
-    <ds:schemaRef ds:uri="http://www.w3.org/XML/1998/namespace"/>
-    <ds:schemaRef ds:uri="http://purl.org/dc/terms/"/>
-    <ds:schemaRef ds:uri="http://purl.org/dc/elements/1.1/"/>
-    <ds:schemaRef ds:uri="http://schemas.microsoft.com/office/infopath/2007/PartnerControls"/>
-    <ds:schemaRef ds:uri="http://schemas.openxmlformats.org/package/2006/metadata/core-properties"/>
-    <ds:schemaRef ds:uri="8a053bff-88be-49e4-9a87-e748e18b8b62"/>
-    <ds:schemaRef ds:uri="6c8368ec-3776-49b5-a5bb-90648cf9530f"/>
-    <ds:schemaRef ds:uri="http://purl.org/dc/dcmitype/"/>
-  </ds:schemaRefs>
-</ds:datastoreItem>
+<file path=customXml/item3.xml><?xml version="1.0" encoding="utf-8"?>
+<?mso-contentType ?>
+<FormTemplates xmlns="http://schemas.microsoft.com/sharepoint/v3/contenttype/forms">
+  <Display>DocumentLibraryForm</Display>
+  <Edit>DocumentLibraryForm</Edit>
+  <New>DocumentLibraryForm</New>
+</FormTemplates>
 </file>
 
-<file path=customXml/itemProps3.xml><?xml version="1.0" encoding="utf-8"?>
+<file path=customXml/itemProps1.xml><?xml version="1.0" encoding="utf-8"?>
 <ds:datastoreItem xmlns:ds="http://schemas.openxmlformats.org/officeDocument/2006/customXml" ds:itemID="{34863498-7BB7-4F09-9F4A-B99E97FDB0EB}">
   <ds:schemaRefs>
     <ds:schemaRef ds:uri="http://schemas.microsoft.com/office/2006/metadata/contentType"/>
@@ -15067,4 +13125,21 @@
     <ds:schemaRef ds:uri="http://schemas.microsoft.com/internal/obd"/>
   </ds:schemaRefs>
 </ds:datastoreItem>
+</file>
+
+<file path=customXml/itemProps2.xml><?xml version="1.0" encoding="utf-8"?>
+<ds:datastoreItem xmlns:ds="http://schemas.openxmlformats.org/officeDocument/2006/customXml" ds:itemID="{8D12BD98-169B-4BEE-86DF-4C9641DF23C4}">
+  <ds:schemaRefs>
+    <ds:schemaRef ds:uri="http://schemas.microsoft.com/office/2006/metadata/properties"/>
+    <ds:schemaRef ds:uri="http://schemas.microsoft.com/office/infopath/2007/PartnerControls"/>
+  </ds:schemaRefs>
+</ds:datastoreItem>
+</file>
+
+<file path=customXml/itemProps3.xml><?xml version="1.0" encoding="utf-8"?>
+<ds:datastoreItem xmlns:ds="http://schemas.openxmlformats.org/officeDocument/2006/customXml" ds:itemID="{AC92E7FA-19A2-4675-9C77-2C92D8A268D1}">
+  <ds:schemaRefs>
+    <ds:schemaRef ds:uri="http://schemas.microsoft.com/sharepoint/v3/contenttype/forms"/>
+  </ds:schemaRefs>
+</ds:datastoreItem>
 </file>
--- a/help/data-sheets/assets/OnlineSupportDatasheet.pptx
+++ b/help/data-sheets/assets/OnlineSupportDatasheet.pptx
@@ -131,13 +131,193 @@
 <file path=ppt/revisionInfo.xml><?xml version="1.0" encoding="utf-8"?>
 <p1510:revInfo xmlns:a="http://schemas.openxmlformats.org/drawingml/2006/main" xmlns:r="http://schemas.openxmlformats.org/officeDocument/2006/relationships" xmlns:p1510="http://schemas.microsoft.com/office/powerpoint/2015/10/main">
   <p1510:revLst>
-    <p1510:client id="{5343DD59-8FB2-7AAD-1875-255EDB54B98D}" v="367" dt="2021-09-22T18:47:16.489"/>
+    <p1510:client id="{096F7488-A26A-D845-83B0-BE2FC48D1AFD}" v="1" dt="2021-10-13T19:37:08.512"/>
   </p1510:revLst>
 </p1510:revInfo>
 </file>
 
 <file path=ppt/changesInfos/changesInfo1.xml><?xml version="1.0" encoding="utf-8"?>
 <pc:chgInfo xmlns:a="http://schemas.openxmlformats.org/drawingml/2006/main" xmlns:r="http://schemas.openxmlformats.org/officeDocument/2006/relationships" xmlns:ac="http://schemas.microsoft.com/office/drawing/2013/main/command" xmlns:pc="http://schemas.microsoft.com/office/powerpoint/2013/main/command">
+  <pc:docChgLst>
+    <pc:chgData name="Lauren Schutte" userId="6e08b2d3-447a-4d66-86be-444d50df187f" providerId="ADAL" clId="{096F7488-A26A-D845-83B0-BE2FC48D1AFD}"/>
+    <pc:docChg chg="modSld">
+      <pc:chgData name="Lauren Schutte" userId="6e08b2d3-447a-4d66-86be-444d50df187f" providerId="ADAL" clId="{096F7488-A26A-D845-83B0-BE2FC48D1AFD}" dt="2021-10-13T19:38:26.139" v="4" actId="20577"/>
+      <pc:docMkLst>
+        <pc:docMk/>
+      </pc:docMkLst>
+      <pc:sldChg chg="modSp mod">
+        <pc:chgData name="Lauren Schutte" userId="6e08b2d3-447a-4d66-86be-444d50df187f" providerId="ADAL" clId="{096F7488-A26A-D845-83B0-BE2FC48D1AFD}" dt="2021-10-13T19:37:16.686" v="2" actId="242"/>
+        <pc:sldMkLst>
+          <pc:docMk/>
+          <pc:sldMk cId="0" sldId="256"/>
+        </pc:sldMkLst>
+        <pc:graphicFrameChg chg="mod modGraphic">
+          <ac:chgData name="Lauren Schutte" userId="6e08b2d3-447a-4d66-86be-444d50df187f" providerId="ADAL" clId="{096F7488-A26A-D845-83B0-BE2FC48D1AFD}" dt="2021-10-13T19:37:16.686" v="2" actId="242"/>
+          <ac:graphicFrameMkLst>
+            <pc:docMk/>
+            <pc:sldMk cId="0" sldId="256"/>
+            <ac:graphicFrameMk id="9" creationId="{00000000-0000-0000-0000-000000000000}"/>
+          </ac:graphicFrameMkLst>
+        </pc:graphicFrameChg>
+      </pc:sldChg>
+      <pc:sldChg chg="modSp mod">
+        <pc:chgData name="Lauren Schutte" userId="6e08b2d3-447a-4d66-86be-444d50df187f" providerId="ADAL" clId="{096F7488-A26A-D845-83B0-BE2FC48D1AFD}" dt="2021-10-13T19:38:11.810" v="3" actId="20577"/>
+        <pc:sldMkLst>
+          <pc:docMk/>
+          <pc:sldMk cId="0" sldId="257"/>
+        </pc:sldMkLst>
+        <pc:spChg chg="mod">
+          <ac:chgData name="Lauren Schutte" userId="6e08b2d3-447a-4d66-86be-444d50df187f" providerId="ADAL" clId="{096F7488-A26A-D845-83B0-BE2FC48D1AFD}" dt="2021-10-13T19:38:11.810" v="3" actId="20577"/>
+          <ac:spMkLst>
+            <pc:docMk/>
+            <pc:sldMk cId="0" sldId="257"/>
+            <ac:spMk id="39" creationId="{00000000-0000-0000-0000-000000000000}"/>
+          </ac:spMkLst>
+        </pc:spChg>
+      </pc:sldChg>
+      <pc:sldChg chg="modSp mod">
+        <pc:chgData name="Lauren Schutte" userId="6e08b2d3-447a-4d66-86be-444d50df187f" providerId="ADAL" clId="{096F7488-A26A-D845-83B0-BE2FC48D1AFD}" dt="2021-10-13T19:38:26.139" v="4" actId="20577"/>
+        <pc:sldMkLst>
+          <pc:docMk/>
+          <pc:sldMk cId="799510854" sldId="260"/>
+        </pc:sldMkLst>
+        <pc:graphicFrameChg chg="modGraphic">
+          <ac:chgData name="Lauren Schutte" userId="6e08b2d3-447a-4d66-86be-444d50df187f" providerId="ADAL" clId="{096F7488-A26A-D845-83B0-BE2FC48D1AFD}" dt="2021-10-13T19:38:26.139" v="4" actId="20577"/>
+          <ac:graphicFrameMkLst>
+            <pc:docMk/>
+            <pc:sldMk cId="799510854" sldId="260"/>
+            <ac:graphicFrameMk id="111" creationId="{D8653CEC-4213-DE40-9BAF-D1E3318FF89C}"/>
+          </ac:graphicFrameMkLst>
+        </pc:graphicFrameChg>
+      </pc:sldChg>
+    </pc:docChg>
+  </pc:docChgLst>
+  <pc:docChgLst>
+    <pc:chgData name="Akilah Johnson" userId="S::akjohnso@adobe.com::2fa3aa60-0c9c-4d06-bae2-795983241227" providerId="AD" clId="Web-{57A486D7-8267-4044-450E-B1D42691F1A4}"/>
+    <pc:docChg chg="modSld">
+      <pc:chgData name="Akilah Johnson" userId="S::akjohnso@adobe.com::2fa3aa60-0c9c-4d06-bae2-795983241227" providerId="AD" clId="Web-{57A486D7-8267-4044-450E-B1D42691F1A4}" dt="2021-10-12T15:47:55.091" v="2" actId="20577"/>
+      <pc:docMkLst>
+        <pc:docMk/>
+      </pc:docMkLst>
+      <pc:sldChg chg="modSp">
+        <pc:chgData name="Akilah Johnson" userId="S::akjohnso@adobe.com::2fa3aa60-0c9c-4d06-bae2-795983241227" providerId="AD" clId="Web-{57A486D7-8267-4044-450E-B1D42691F1A4}" dt="2021-10-12T15:47:55.091" v="2" actId="20577"/>
+        <pc:sldMkLst>
+          <pc:docMk/>
+          <pc:sldMk cId="0" sldId="256"/>
+        </pc:sldMkLst>
+        <pc:spChg chg="mod">
+          <ac:chgData name="Akilah Johnson" userId="S::akjohnso@adobe.com::2fa3aa60-0c9c-4d06-bae2-795983241227" providerId="AD" clId="Web-{57A486D7-8267-4044-450E-B1D42691F1A4}" dt="2021-10-12T15:47:55.091" v="2" actId="20577"/>
+          <ac:spMkLst>
+            <pc:docMk/>
+            <pc:sldMk cId="0" sldId="256"/>
+            <ac:spMk id="5" creationId="{00000000-0000-0000-0000-000000000000}"/>
+          </ac:spMkLst>
+        </pc:spChg>
+      </pc:sldChg>
+    </pc:docChg>
+  </pc:docChgLst>
+  <pc:docChgLst>
+    <pc:chgData name="Akilah Johnson" userId="S::akjohnso@adobe.com::2fa3aa60-0c9c-4d06-bae2-795983241227" providerId="AD" clId="Web-{CF46E89E-48FC-BA32-13C5-654DDA452FDC}"/>
+    <pc:docChg chg="modSld">
+      <pc:chgData name="Akilah Johnson" userId="S::akjohnso@adobe.com::2fa3aa60-0c9c-4d06-bae2-795983241227" providerId="AD" clId="Web-{CF46E89E-48FC-BA32-13C5-654DDA452FDC}" dt="2021-10-12T17:00:50.675" v="21" actId="20577"/>
+      <pc:docMkLst>
+        <pc:docMk/>
+      </pc:docMkLst>
+      <pc:sldChg chg="modSp">
+        <pc:chgData name="Akilah Johnson" userId="S::akjohnso@adobe.com::2fa3aa60-0c9c-4d06-bae2-795983241227" providerId="AD" clId="Web-{CF46E89E-48FC-BA32-13C5-654DDA452FDC}" dt="2021-10-12T16:58:10.550" v="6" actId="20577"/>
+        <pc:sldMkLst>
+          <pc:docMk/>
+          <pc:sldMk cId="0" sldId="256"/>
+        </pc:sldMkLst>
+        <pc:spChg chg="mod">
+          <ac:chgData name="Akilah Johnson" userId="S::akjohnso@adobe.com::2fa3aa60-0c9c-4d06-bae2-795983241227" providerId="AD" clId="Web-{CF46E89E-48FC-BA32-13C5-654DDA452FDC}" dt="2021-10-12T16:58:10.550" v="6" actId="20577"/>
+          <ac:spMkLst>
+            <pc:docMk/>
+            <pc:sldMk cId="0" sldId="256"/>
+            <ac:spMk id="2" creationId="{00000000-0000-0000-0000-000000000000}"/>
+          </ac:spMkLst>
+        </pc:spChg>
+        <pc:graphicFrameChg chg="mod modGraphic">
+          <ac:chgData name="Akilah Johnson" userId="S::akjohnso@adobe.com::2fa3aa60-0c9c-4d06-bae2-795983241227" providerId="AD" clId="Web-{CF46E89E-48FC-BA32-13C5-654DDA452FDC}" dt="2021-10-12T16:57:07.113" v="1"/>
+          <ac:graphicFrameMkLst>
+            <pc:docMk/>
+            <pc:sldMk cId="0" sldId="256"/>
+            <ac:graphicFrameMk id="8" creationId="{00000000-0000-0000-0000-000000000000}"/>
+          </ac:graphicFrameMkLst>
+        </pc:graphicFrameChg>
+      </pc:sldChg>
+      <pc:sldChg chg="modSp">
+        <pc:chgData name="Akilah Johnson" userId="S::akjohnso@adobe.com::2fa3aa60-0c9c-4d06-bae2-795983241227" providerId="AD" clId="Web-{CF46E89E-48FC-BA32-13C5-654DDA452FDC}" dt="2021-10-12T16:59:59.628" v="14" actId="20577"/>
+        <pc:sldMkLst>
+          <pc:docMk/>
+          <pc:sldMk cId="0" sldId="257"/>
+        </pc:sldMkLst>
+        <pc:spChg chg="mod">
+          <ac:chgData name="Akilah Johnson" userId="S::akjohnso@adobe.com::2fa3aa60-0c9c-4d06-bae2-795983241227" providerId="AD" clId="Web-{CF46E89E-48FC-BA32-13C5-654DDA452FDC}" dt="2021-10-12T16:59:21.300" v="12" actId="20577"/>
+          <ac:spMkLst>
+            <pc:docMk/>
+            <pc:sldMk cId="0" sldId="257"/>
+            <ac:spMk id="39" creationId="{00000000-0000-0000-0000-000000000000}"/>
+          </ac:spMkLst>
+        </pc:spChg>
+        <pc:spChg chg="mod">
+          <ac:chgData name="Akilah Johnson" userId="S::akjohnso@adobe.com::2fa3aa60-0c9c-4d06-bae2-795983241227" providerId="AD" clId="Web-{CF46E89E-48FC-BA32-13C5-654DDA452FDC}" dt="2021-10-12T16:59:59.628" v="14" actId="20577"/>
+          <ac:spMkLst>
+            <pc:docMk/>
+            <pc:sldMk cId="0" sldId="257"/>
+            <ac:spMk id="46" creationId="{00000000-0000-0000-0000-000000000000}"/>
+          </ac:spMkLst>
+        </pc:spChg>
+      </pc:sldChg>
+      <pc:sldChg chg="modSp">
+        <pc:chgData name="Akilah Johnson" userId="S::akjohnso@adobe.com::2fa3aa60-0c9c-4d06-bae2-795983241227" providerId="AD" clId="Web-{CF46E89E-48FC-BA32-13C5-654DDA452FDC}" dt="2021-10-12T17:00:50.675" v="21" actId="20577"/>
+        <pc:sldMkLst>
+          <pc:docMk/>
+          <pc:sldMk cId="799510854" sldId="260"/>
+        </pc:sldMkLst>
+        <pc:spChg chg="mod">
+          <ac:chgData name="Akilah Johnson" userId="S::akjohnso@adobe.com::2fa3aa60-0c9c-4d06-bae2-795983241227" providerId="AD" clId="Web-{CF46E89E-48FC-BA32-13C5-654DDA452FDC}" dt="2021-10-12T17:00:50.675" v="21" actId="20577"/>
+          <ac:spMkLst>
+            <pc:docMk/>
+            <pc:sldMk cId="799510854" sldId="260"/>
+            <ac:spMk id="24" creationId="{00000000-0000-0000-0000-000000000000}"/>
+          </ac:spMkLst>
+        </pc:spChg>
+        <pc:spChg chg="mod">
+          <ac:chgData name="Akilah Johnson" userId="S::akjohnso@adobe.com::2fa3aa60-0c9c-4d06-bae2-795983241227" providerId="AD" clId="Web-{CF46E89E-48FC-BA32-13C5-654DDA452FDC}" dt="2021-10-12T17:00:45.784" v="19" actId="20577"/>
+          <ac:spMkLst>
+            <pc:docMk/>
+            <pc:sldMk cId="799510854" sldId="260"/>
+            <ac:spMk id="56" creationId="{00000000-0000-0000-0000-000000000000}"/>
+          </ac:spMkLst>
+        </pc:spChg>
+      </pc:sldChg>
+    </pc:docChg>
+  </pc:docChgLst>
+  <pc:docChgLst>
+    <pc:chgData name="Akilah Johnson" userId="S::akjohnso@adobe.com::2fa3aa60-0c9c-4d06-bae2-795983241227" providerId="AD" clId="Web-{19E88417-C612-7196-8214-73025F75FA84}"/>
+    <pc:docChg chg="modSld">
+      <pc:chgData name="Akilah Johnson" userId="S::akjohnso@adobe.com::2fa3aa60-0c9c-4d06-bae2-795983241227" providerId="AD" clId="Web-{19E88417-C612-7196-8214-73025F75FA84}" dt="2021-10-12T19:15:42.562" v="5" actId="20577"/>
+      <pc:docMkLst>
+        <pc:docMk/>
+      </pc:docMkLst>
+      <pc:sldChg chg="modSp">
+        <pc:chgData name="Akilah Johnson" userId="S::akjohnso@adobe.com::2fa3aa60-0c9c-4d06-bae2-795983241227" providerId="AD" clId="Web-{19E88417-C612-7196-8214-73025F75FA84}" dt="2021-10-12T19:15:42.562" v="5" actId="20577"/>
+        <pc:sldMkLst>
+          <pc:docMk/>
+          <pc:sldMk cId="0" sldId="256"/>
+        </pc:sldMkLst>
+        <pc:spChg chg="mod">
+          <ac:chgData name="Akilah Johnson" userId="S::akjohnso@adobe.com::2fa3aa60-0c9c-4d06-bae2-795983241227" providerId="AD" clId="Web-{19E88417-C612-7196-8214-73025F75FA84}" dt="2021-10-12T19:15:42.562" v="5" actId="20577"/>
+          <ac:spMkLst>
+            <pc:docMk/>
+            <pc:sldMk cId="0" sldId="256"/>
+            <ac:spMk id="13" creationId="{7979C0CC-523E-844A-96DC-75FC662E01AB}"/>
+          </ac:spMkLst>
+        </pc:spChg>
+      </pc:sldChg>
+    </pc:docChg>
+  </pc:docChgLst>
   <pc:docChgLst>
     <pc:chgData name="Akilah Johnson" userId="S::akjohnso@adobe.com::2fa3aa60-0c9c-4d06-bae2-795983241227" providerId="AD" clId="Web-{5343DD59-8FB2-7AAD-1875-255EDB54B98D}"/>
     <pc:docChg chg="modSld">
@@ -255,7 +435,7 @@
           <a:p>
             <a:fld id="{A438815C-EDE5-F947-A55F-7634403F36C4}" type="datetimeFigureOut">
               <a:rPr lang="en-US" smtClean="0"/>
-              <a:t>10/1/2021</a:t>
+              <a:t>11/12/2021</a:t>
             </a:fld>
             <a:endParaRPr lang="en-US"/>
           </a:p>
@@ -878,7 +1058,7 @@
           <a:p>
             <a:fld id="{1D8BD707-D9CF-40AE-B4C6-C98DA3205C09}" type="datetimeFigureOut">
               <a:rPr lang="en-US"/>
-              <a:t>10/1/2021</a:t>
+              <a:t>11/12/2021</a:t>
             </a:fld>
             <a:endParaRPr lang="en-US"/>
           </a:p>
@@ -1062,7 +1242,7 @@
           <a:p>
             <a:fld id="{1D8BD707-D9CF-40AE-B4C6-C98DA3205C09}" type="datetimeFigureOut">
               <a:rPr lang="en-US"/>
-              <a:t>10/1/2021</a:t>
+              <a:t>11/12/2021</a:t>
             </a:fld>
             <a:endParaRPr lang="en-US"/>
           </a:p>
@@ -1364,7 +1544,7 @@
           <a:p>
             <a:fld id="{1D8BD707-D9CF-40AE-B4C6-C98DA3205C09}" type="datetimeFigureOut">
               <a:rPr lang="en-US"/>
-              <a:t>10/1/2021</a:t>
+              <a:t>11/12/2021</a:t>
             </a:fld>
             <a:endParaRPr lang="en-US"/>
           </a:p>
@@ -1619,22 +1799,19 @@
         <p:spPr>
           <a:xfrm>
             <a:off x="95250" y="7228840"/>
-            <a:ext cx="2800350" cy="238760"/>
+            <a:ext cx="2884717" cy="227626"/>
           </a:xfrm>
           <a:prstGeom prst="rect">
             <a:avLst/>
           </a:prstGeom>
         </p:spPr>
         <p:txBody>
-          <a:bodyPr vert="horz" wrap="square" lIns="0" tIns="12065" rIns="0" bIns="0" rtlCol="0">
+          <a:bodyPr vert="horz" wrap="square" lIns="0" tIns="12065" rIns="0" bIns="0" rtlCol="0" anchor="t">
             <a:spAutoFit/>
           </a:bodyPr>
           <a:lstStyle/>
           <a:p>
             <a:pPr marL="12700">
-              <a:lnSpc>
-                <a:spcPct val="100000"/>
-              </a:lnSpc>
               <a:spcBef>
                 <a:spcPts val="95"/>
               </a:spcBef>
@@ -1694,7 +1871,7 @@
         </p:nvSpPr>
         <p:spPr>
           <a:xfrm>
-            <a:off x="136772" y="739271"/>
+            <a:off x="136772" y="762000"/>
             <a:ext cx="6035427" cy="1089529"/>
           </a:xfrm>
           <a:prstGeom prst="rect">
@@ -1702,7 +1879,7 @@
           </a:prstGeom>
         </p:spPr>
         <p:txBody>
-          <a:bodyPr vert="horz" wrap="square" lIns="0" tIns="24130" rIns="0" bIns="0" rtlCol="0">
+          <a:bodyPr vert="horz" wrap="square" lIns="0" tIns="24130" rIns="0" bIns="0" rtlCol="0" anchor="t">
             <a:spAutoFit/>
           </a:bodyPr>
           <a:lstStyle/>
@@ -1718,26 +1895,79 @@
             <a:r>
               <a:rPr lang="pt-BR" sz="1200" b="1" dirty="0">
                 <a:solidFill>
-                  <a:schemeClr val="bg1"/>
+                  <a:srgbClr val="FFFFFF"/>
                 </a:solidFill>
+                <a:latin typeface="Adobe Clean" panose="020B0503020404020204" pitchFamily="34" charset="0"/>
               </a:rPr>
               <a:t>Online</a:t>
             </a:r>
             <a:r>
               <a:rPr lang="pt-BR" sz="1200" dirty="0">
                 <a:solidFill>
-                  <a:schemeClr val="bg1"/>
+                  <a:srgbClr val="FFFFFF"/>
                 </a:solidFill>
-                <a:latin typeface="Adobe Clean Light" panose="020B0303020404020204" pitchFamily="34" charset="0"/>
+                <a:latin typeface="Adobe Clean" panose="020B0503020404020204" pitchFamily="34" charset="0"/>
               </a:rPr>
               <a:t> | Business | Enterprise | Elite</a:t>
             </a:r>
             <a:br>
               <a:rPr lang="pt-BR" sz="900" dirty="0">
                 <a:solidFill>
+                  <a:srgbClr val="FFFFFF"/>
+                </a:solidFill>
+                <a:latin typeface="Adobe Clean" panose="020B0503020404020204" pitchFamily="34" charset="0"/>
+              </a:rPr>
+            </a:br>
+            <a:r>
+              <a:rPr lang="pt-BR" sz="900" dirty="0">
+                <a:solidFill>
+                  <a:srgbClr val="FFFFFF"/>
+                </a:solidFill>
+                <a:latin typeface="Adobe Clean SemiLight" panose="020B0403020404020204" pitchFamily="34" charset="0"/>
+              </a:rPr>
+              <a:t>A Adobe oferece uma ampla gama de recursos técnicos para prestar suporte à sua empresa, incluídos na sua assinatura </a:t>
+            </a:r>
+            <a:br>
+              <a:rPr lang="pt-BR" sz="900" dirty="0">
+                <a:solidFill>
+                  <a:srgbClr val="FFFFFF"/>
+                </a:solidFill>
+                <a:latin typeface="Adobe Clean SemiLight" panose="020B0403020404020204" pitchFamily="34" charset="0"/>
+              </a:rPr>
+            </a:br>
+            <a:r>
+              <a:rPr lang="pt-BR" sz="900" dirty="0">
+                <a:solidFill>
+                  <a:srgbClr val="FFFFFF"/>
+                </a:solidFill>
+                <a:latin typeface="Adobe Clean SemiLight" panose="020B0403020404020204" pitchFamily="34" charset="0"/>
+              </a:rPr>
+              <a:t>da Experience Cloud.</a:t>
+            </a:r>
+            <a:r>
+              <a:rPr lang="pt-BR" sz="900" dirty="0">
+                <a:solidFill>
+                  <a:srgbClr val="FFFFFF"/>
+                </a:solidFill>
+                <a:latin typeface="Adobe Clean SemiLight"/>
+              </a:rPr>
+              <a:t> </a:t>
+            </a:r>
+            <a:r>
+              <a:rPr lang="pt-BR" sz="900" dirty="0">
+                <a:solidFill>
                   <a:schemeClr val="bg1"/>
                 </a:solidFill>
-                <a:latin typeface="Adobe Clean Light" panose="020B0303020404020204" pitchFamily="34" charset="0"/>
+                <a:latin typeface="Adobe Clean SemiLight"/>
+              </a:rPr>
+              <a:t>O Suporte Online inclui acesso a caminhos de aprendizagem personalizados e a fóruns monitorados </a:t>
+            </a:r>
+            <a:br>
+              <a:rPr lang="pt-BR" sz="900" dirty="0">
+                <a:solidFill>
+                  <a:schemeClr val="bg1"/>
+                </a:solidFill>
+                <a:latin typeface="Adobe Clean SemiLight"/>
               </a:rPr>
             </a:br>
             <a:r>
@@ -1745,16 +1975,16 @@
                 <a:solidFill>
                   <a:schemeClr val="bg1"/>
                 </a:solidFill>
-                <a:latin typeface="Adobe Clean SemiLight" panose="020B0403020404020204" pitchFamily="34" charset="0"/>
+                <a:latin typeface="Adobe Clean SemiLight"/>
               </a:rPr>
-              <a:t>A Adobe oferece uma ampla gama de recursos técnicos para prestar suporte à sua empresa, incluídos na sua assinatura da Experience Cloud. O Suporte Online inclui acesso a caminhos de aprendizagem personalizados e a fóruns monitorados da comunidade na Adobe Experience League. Você tem à sua disposição a nossa documentação técnica de produto, com todos os detalhes, e as notas de versão publicadas em </a:t>
+              <a:t>da comunidade na Adobe Experience League. Você tem à disposição nossa documentação técnica detalhada e aprofundada do produto e as notas de versão atuais publicadas em </a:t>
             </a:r>
             <a:r>
               <a:rPr lang="pt-BR" sz="900" u="sng" dirty="0">
                 <a:solidFill>
                   <a:schemeClr val="bg1"/>
                 </a:solidFill>
-                <a:latin typeface="Adobe Clean SemiLight" panose="020B0403020404020204" pitchFamily="34" charset="0"/>
+                <a:latin typeface="Adobe Clean SemiLight"/>
                 <a:hlinkClick r:id="rId4">
                   <a:extLst>
                     <a:ext uri="{A12FA001-AC4F-418D-AE19-62706E023703}">
@@ -1763,16 +1993,16 @@
                   </a:extLst>
                 </a:hlinkClick>
               </a:rPr>
-              <a:t>http://www.adobe.com</a:t>
+              <a:t>http://www.adobe.com. </a:t>
             </a:r>
             <a:r>
               <a:rPr lang="pt-BR" sz="900" dirty="0">
                 <a:solidFill>
                   <a:schemeClr val="bg1"/>
                 </a:solidFill>
-                <a:latin typeface="Adobe Clean SemiLight" panose="020B0403020404020204" pitchFamily="34" charset="0"/>
+                <a:latin typeface="Adobe Clean SemiLight"/>
               </a:rPr>
-              <a:t> O pacote Online inclui acesso às equipes de suporte técnico por telefone para qualquer problema no produto que tenha prioridade P1, para ajudar a proteger a sua empresa nos momentos mais críticos. Você também pode registrar solicitações de prioridade mais baixa no portal de suporte na web.</a:t>
+              <a:t>O pacote Online inclui acesso às equipes de suporte técnico por telefone para qualquer problema no produto que tenha prioridade P1, para ajudar a proteger a sua empresa nos momentos mais críticos. Você também pode registrar solicitações de prioridade mais baixa no portal de suporte na web.</a:t>
             </a:r>
           </a:p>
         </p:txBody>
@@ -1815,14 +2045,14 @@
           <p:nvPr>
             <p:extLst>
               <p:ext uri="{D42A27DB-BD31-4B8C-83A1-F6EECF244321}">
-                <p14:modId xmlns:p14="http://schemas.microsoft.com/office/powerpoint/2010/main" val="1471540385"/>
+                <p14:modId xmlns:p14="http://schemas.microsoft.com/office/powerpoint/2010/main" val="3654315186"/>
               </p:ext>
             </p:extLst>
           </p:nvPr>
         </p:nvGraphicFramePr>
         <p:xfrm>
           <a:off x="0" y="1938947"/>
-          <a:ext cx="7705343" cy="5205864"/>
+          <a:ext cx="7705343" cy="5200748"/>
         </p:xfrm>
         <a:graphic>
           <a:graphicData uri="http://schemas.openxmlformats.org/drawingml/2006/table">
@@ -1881,7 +2111,7 @@
                   </a:extLst>
                 </a:gridCol>
               </a:tblGrid>
-              <a:tr h="355722">
+              <a:tr h="357048">
                 <a:tc gridSpan="2">
                   <a:txBody>
                     <a:bodyPr/>
@@ -2141,7 +2371,7 @@
                   </a:ext>
                 </a:extLst>
               </a:tr>
-              <a:tr h="355722">
+              <a:tr h="357048">
                 <a:tc gridSpan="2">
                   <a:txBody>
                     <a:bodyPr/>
@@ -2301,7 +2531,7 @@
                   </a:ext>
                 </a:extLst>
               </a:tr>
-              <a:tr h="252963">
+              <a:tr h="252622">
                 <a:tc rowSpan="3">
                   <a:txBody>
                     <a:bodyPr/>
@@ -2566,7 +2796,7 @@
                   </a:ext>
                 </a:extLst>
               </a:tr>
-              <a:tr h="252963">
+              <a:tr h="252622">
                 <a:tc vMerge="1">
                   <a:txBody>
                     <a:bodyPr/>
@@ -2777,7 +3007,7 @@
                   </a:ext>
                 </a:extLst>
               </a:tr>
-              <a:tr h="252963">
+              <a:tr h="252622">
                 <a:tc vMerge="1">
                   <a:txBody>
                     <a:bodyPr/>
@@ -3033,7 +3263,7 @@
                   </a:ext>
                 </a:extLst>
               </a:tr>
-              <a:tr h="252963">
+              <a:tr h="252622">
                 <a:tc rowSpan="12">
                   <a:txBody>
                     <a:bodyPr/>
@@ -3334,7 +3564,7 @@
                   </a:ext>
                 </a:extLst>
               </a:tr>
-              <a:tr h="252963">
+              <a:tr h="252622">
                 <a:tc vMerge="1">
                   <a:txBody>
                     <a:bodyPr/>
@@ -3569,7 +3799,7 @@
                   </a:ext>
                 </a:extLst>
               </a:tr>
-              <a:tr h="252963">
+              <a:tr h="252622">
                 <a:tc vMerge="1">
                   <a:txBody>
                     <a:bodyPr/>
@@ -3804,7 +4034,7 @@
                   </a:ext>
                 </a:extLst>
               </a:tr>
-              <a:tr h="252963">
+              <a:tr h="252622">
                 <a:tc vMerge="1">
                   <a:txBody>
                     <a:bodyPr/>
@@ -4030,7 +4260,7 @@
                   </a:ext>
                 </a:extLst>
               </a:tr>
-              <a:tr h="252963">
+              <a:tr h="252622">
                 <a:tc vMerge="1">
                   <a:txBody>
                     <a:bodyPr/>
@@ -4256,7 +4486,7 @@
                   </a:ext>
                 </a:extLst>
               </a:tr>
-              <a:tr h="252963">
+              <a:tr h="252622">
                 <a:tc vMerge="1">
                   <a:txBody>
                     <a:bodyPr/>
@@ -4470,7 +4700,7 @@
                   </a:ext>
                 </a:extLst>
               </a:tr>
-              <a:tr h="252963">
+              <a:tr h="252622">
                 <a:tc vMerge="1">
                   <a:txBody>
                     <a:bodyPr/>
@@ -4646,7 +4876,7 @@
                   </a:ext>
                 </a:extLst>
               </a:tr>
-              <a:tr h="252963">
+              <a:tr h="252622">
                 <a:tc vMerge="1">
                   <a:txBody>
                     <a:bodyPr/>
@@ -4846,7 +5076,7 @@
                   </a:ext>
                 </a:extLst>
               </a:tr>
-              <a:tr h="252963">
+              <a:tr h="252622">
                 <a:tc vMerge="1">
                   <a:txBody>
                     <a:bodyPr/>
@@ -5051,7 +5281,7 @@
                   </a:ext>
                 </a:extLst>
               </a:tr>
-              <a:tr h="252963">
+              <a:tr h="252622">
                 <a:tc vMerge="1">
                   <a:txBody>
                     <a:bodyPr/>
@@ -5122,7 +5352,7 @@
                           <a:latin typeface="AdobeClean-Light"/>
                           <a:cs typeface="AdobeClean-Light"/>
                         </a:rPr>
-                        <a:t>Revisão, manutenção e monitoramento do ambiente,</a:t>
+                        <a:t>Revisão, manutenção e monitoramento do ambiente</a:t>
                       </a:r>
                     </a:p>
                   </a:txBody>
@@ -5274,7 +5504,7 @@
                   </a:ext>
                 </a:extLst>
               </a:tr>
-              <a:tr h="328548">
+              <a:tr h="329774">
                 <a:tc vMerge="1">
                   <a:txBody>
                     <a:bodyPr/>
@@ -5339,7 +5569,7 @@
                         <a:t>Revisão de versão, migração, atualização e roteiro </a:t>
                       </a:r>
                       <a:br>
-                        <a:rPr lang="sk-SK" sz="900" dirty="0">
+                        <a:rPr lang="pt-BR" sz="900" dirty="0">
                           <a:solidFill>
                             <a:srgbClr val="020302"/>
                           </a:solidFill>
@@ -5498,7 +5728,7 @@
                   </a:ext>
                 </a:extLst>
               </a:tr>
-              <a:tr h="332254">
+              <a:tr h="333493">
                 <a:tc vMerge="1">
                   <a:txBody>
                     <a:bodyPr/>
@@ -5569,7 +5799,7 @@
                         <a:t>Atividades de suporte na nuvem — Experience Manager </a:t>
                       </a:r>
                       <a:br>
-                        <a:rPr lang="sk-SK" sz="900" dirty="0">
+                        <a:rPr lang="pt-BR" sz="900" dirty="0">
                           <a:latin typeface="AdobeClean-Light"/>
                           <a:cs typeface="AdobeClean-Light"/>
                         </a:rPr>
@@ -5773,7 +6003,7 @@
                   </a:ext>
                 </a:extLst>
               </a:tr>
-              <a:tr h="252963">
+              <a:tr h="252622">
                 <a:tc rowSpan="2">
                   <a:txBody>
                     <a:bodyPr/>
@@ -5950,7 +6180,7 @@
                           <a:spcPct val="100000"/>
                         </a:lnSpc>
                       </a:pPr>
-                      <a:endParaRPr sz="900" spc="0" dirty="0">
+                      <a:endParaRPr sz="900" spc="0">
                         <a:latin typeface="Times New Roman"/>
                         <a:cs typeface="Times New Roman"/>
                       </a:endParaRPr>
@@ -6073,7 +6303,7 @@
                   </a:ext>
                 </a:extLst>
               </a:tr>
-              <a:tr h="253412">
+              <a:tr h="253070">
                 <a:tc vMerge="1">
                   <a:txBody>
                     <a:bodyPr/>
@@ -6338,14 +6568,14 @@
           <p:nvPr>
             <p:extLst>
               <p:ext uri="{D42A27DB-BD31-4B8C-83A1-F6EECF244321}">
-                <p14:modId xmlns:p14="http://schemas.microsoft.com/office/powerpoint/2010/main" val="1969056798"/>
+                <p14:modId xmlns:p14="http://schemas.microsoft.com/office/powerpoint/2010/main" val="1630578444"/>
               </p:ext>
             </p:extLst>
           </p:nvPr>
         </p:nvGraphicFramePr>
         <p:xfrm>
           <a:off x="33527" y="7483227"/>
-          <a:ext cx="7705343" cy="2256991"/>
+          <a:ext cx="7705343" cy="2292991"/>
         </p:xfrm>
         <a:graphic>
           <a:graphicData uri="http://schemas.openxmlformats.org/drawingml/2006/table">
@@ -6490,11 +6720,14 @@
                       </a:solidFill>
                       <a:prstDash val="solid"/>
                     </a:lnT>
-                    <a:lnB w="76200">
+                    <a:lnB w="76200" cap="flat" cmpd="sng" algn="ctr">
                       <a:solidFill>
                         <a:srgbClr val="858585"/>
                       </a:solidFill>
                       <a:prstDash val="solid"/>
+                      <a:round/>
+                      <a:headEnd type="none" w="med" len="med"/>
+                      <a:tailEnd type="none" w="med" len="med"/>
                     </a:lnB>
                     <a:solidFill>
                       <a:srgbClr val="D9D9D9"/>
@@ -6545,11 +6778,14 @@
                       </a:solidFill>
                       <a:prstDash val="solid"/>
                     </a:lnT>
-                    <a:lnB w="76200">
+                    <a:lnB w="76200" cap="flat" cmpd="sng" algn="ctr">
                       <a:solidFill>
                         <a:srgbClr val="ACD2FF"/>
                       </a:solidFill>
                       <a:prstDash val="solid"/>
+                      <a:round/>
+                      <a:headEnd type="none" w="med" len="med"/>
+                      <a:tailEnd type="none" w="med" len="med"/>
                     </a:lnB>
                     <a:solidFill>
                       <a:srgbClr val="7D7D7D"/>
@@ -6600,11 +6836,14 @@
                       </a:solidFill>
                       <a:prstDash val="solid"/>
                     </a:lnT>
-                    <a:lnB w="76200">
+                    <a:lnB w="76200" cap="flat" cmpd="sng" algn="ctr">
                       <a:solidFill>
                         <a:srgbClr val="2E8FFF"/>
                       </a:solidFill>
                       <a:prstDash val="solid"/>
+                      <a:round/>
+                      <a:headEnd type="none" w="med" len="med"/>
+                      <a:tailEnd type="none" w="med" len="med"/>
                     </a:lnB>
                     <a:solidFill>
                       <a:srgbClr val="404040"/>
@@ -6655,11 +6894,14 @@
                       </a:solidFill>
                       <a:prstDash val="solid"/>
                     </a:lnT>
-                    <a:lnB w="76200">
+                    <a:lnB w="76200" cap="flat" cmpd="sng" algn="ctr">
                       <a:solidFill>
                         <a:srgbClr val="0068E1"/>
                       </a:solidFill>
                       <a:prstDash val="solid"/>
+                      <a:round/>
+                      <a:headEnd type="none" w="med" len="med"/>
+                      <a:tailEnd type="none" w="med" len="med"/>
                     </a:lnB>
                     <a:solidFill>
                       <a:srgbClr val="000000"/>
@@ -6687,7 +6929,7 @@
                         </a:spcBef>
                       </a:pPr>
                       <a:r>
-                        <a:rPr lang="pt-BR" sz="900" b="1">
+                        <a:rPr lang="pt-BR" sz="900" b="1" dirty="0">
                           <a:solidFill>
                             <a:srgbClr val="020302"/>
                           </a:solidFill>
@@ -6707,7 +6949,7 @@
                         </a:spcBef>
                       </a:pPr>
                       <a:r>
-                        <a:rPr lang="pt-BR" sz="900" b="0" i="0">
+                        <a:rPr lang="pt-BR" sz="900" b="0" i="0" dirty="0">
                           <a:solidFill>
                             <a:srgbClr val="000000"/>
                           </a:solidFill>
@@ -6717,18 +6959,21 @@
                       </a:r>
                     </a:p>
                   </a:txBody>
-                  <a:tcPr marL="0" marR="0" marT="0" marB="0" anchor="ctr">
+                  <a:tcPr marL="0" marR="0" marT="0" marB="18000" anchor="ctr">
                     <a:lnL w="3175">
                       <a:solidFill>
                         <a:srgbClr val="B7B8B8"/>
                       </a:solidFill>
                       <a:prstDash val="solid"/>
                     </a:lnL>
-                    <a:lnR w="3175">
+                    <a:lnR w="3175" cap="flat" cmpd="sng" algn="ctr">
                       <a:solidFill>
                         <a:srgbClr val="B7B8B8"/>
                       </a:solidFill>
                       <a:prstDash val="solid"/>
+                      <a:round/>
+                      <a:headEnd type="none" w="med" len="med"/>
+                      <a:tailEnd type="none" w="med" len="med"/>
                     </a:lnR>
                     <a:lnT w="3175">
                       <a:solidFill>
@@ -6749,27 +6994,19 @@
                     <a:bodyPr/>
                     <a:lstStyle/>
                     <a:p>
-                      <a:pPr marL="0" marR="325120" indent="-3810" algn="ctr">
-                        <a:lnSpc>
-                          <a:spcPct val="100000"/>
-                        </a:lnSpc>
-                        <a:spcBef>
-                          <a:spcPts val="670"/>
-                        </a:spcBef>
-                      </a:pPr>
+                      <a:pPr algn="ctr" fontAlgn="t"/>
                       <a:r>
-                        <a:rPr lang="pt-BR" sz="900" dirty="0">
+                        <a:rPr lang="pt-BR" sz="900" b="0" i="0" u="none" strike="noStrike">
                           <a:solidFill>
                             <a:srgbClr val="020302"/>
                           </a:solidFill>
-                          <a:latin typeface="AdobeClean-Light"/>
-                          <a:cs typeface="AdobeClean-Light"/>
-                        </a:rPr>
-                        <a:t>24x7 /                1 hora</a:t>
+                          <a:latin typeface="AdobeClean-Light" panose="020B0503020404020204" pitchFamily="34" charset="0"/>
+                        </a:rPr>
+                        <a:t>24x7 / 1 hora</a:t>
                       </a:r>
                     </a:p>
                   </a:txBody>
-                  <a:tcPr marL="0" marR="0" marT="0" marB="0" anchor="ctr">
+                  <a:tcPr marL="9525" marR="9525" marT="9525" marB="0" anchor="ctr">
                     <a:lnL w="3175">
                       <a:solidFill>
                         <a:srgbClr val="B7B8B8"/>
@@ -6801,27 +7038,19 @@
                     <a:bodyPr/>
                     <a:lstStyle/>
                     <a:p>
-                      <a:pPr marL="0" marR="325755" indent="-3810" algn="ctr">
-                        <a:lnSpc>
-                          <a:spcPct val="100000"/>
-                        </a:lnSpc>
-                        <a:spcBef>
-                          <a:spcPts val="670"/>
-                        </a:spcBef>
-                      </a:pPr>
+                      <a:pPr algn="ctr" fontAlgn="t"/>
                       <a:r>
-                        <a:rPr lang="pt-BR" sz="900">
+                        <a:rPr lang="pt-BR" sz="900" b="0" i="0" u="none" strike="noStrike">
                           <a:solidFill>
                             <a:srgbClr val="020302"/>
                           </a:solidFill>
-                          <a:latin typeface="AdobeClean-Light"/>
-                          <a:cs typeface="AdobeClean-Light"/>
-                        </a:rPr>
-                        <a:t>24x7 /              1 hora</a:t>
+                          <a:latin typeface="AdobeClean-Light" panose="020B0503020404020204" pitchFamily="34" charset="0"/>
+                        </a:rPr>
+                        <a:t>24x7 / 1 hora</a:t>
                       </a:r>
                     </a:p>
                   </a:txBody>
-                  <a:tcPr marL="0" marR="0" marT="0" marB="0" anchor="ctr">
+                  <a:tcPr marL="9525" marR="9525" marT="9525" marB="0" anchor="ctr">
                     <a:lnL w="3175">
                       <a:solidFill>
                         <a:srgbClr val="B7B8B8"/>
@@ -6853,27 +7082,19 @@
                     <a:bodyPr/>
                     <a:lstStyle/>
                     <a:p>
-                      <a:pPr marL="0" marR="258445" indent="115570" algn="ctr">
-                        <a:lnSpc>
-                          <a:spcPct val="100000"/>
-                        </a:lnSpc>
-                        <a:spcBef>
-                          <a:spcPts val="670"/>
-                        </a:spcBef>
-                      </a:pPr>
+                      <a:pPr algn="ctr" fontAlgn="t"/>
                       <a:r>
-                        <a:rPr lang="pt-BR" sz="900">
+                        <a:rPr lang="pt-BR" sz="900" b="0" i="0" u="none" strike="noStrike">
                           <a:solidFill>
                             <a:srgbClr val="020302"/>
                           </a:solidFill>
-                          <a:latin typeface="AdobeClean-Light"/>
-                          <a:cs typeface="AdobeClean-Light"/>
-                        </a:rPr>
-                        <a:t>24x7 /           30 minutos</a:t>
+                          <a:latin typeface="AdobeClean-Light" panose="020B0503020404020204" pitchFamily="34" charset="0"/>
+                        </a:rPr>
+                        <a:t>24x7 / 30 minutos</a:t>
                       </a:r>
                     </a:p>
                   </a:txBody>
-                  <a:tcPr marL="0" marR="0" marT="0" marB="0" anchor="ctr">
+                  <a:tcPr marL="9525" marR="9525" marT="9525" marB="0" anchor="ctr">
                     <a:lnL w="3175">
                       <a:solidFill>
                         <a:srgbClr val="B7B8B8"/>
@@ -6905,27 +7126,19 @@
                     <a:bodyPr/>
                     <a:lstStyle/>
                     <a:p>
-                      <a:pPr marL="0" marR="271780" indent="103505" algn="ctr">
-                        <a:lnSpc>
-                          <a:spcPct val="100000"/>
-                        </a:lnSpc>
-                        <a:spcBef>
-                          <a:spcPts val="670"/>
-                        </a:spcBef>
-                      </a:pPr>
+                      <a:pPr algn="ctr" fontAlgn="t"/>
                       <a:r>
-                        <a:rPr lang="pt-BR" sz="900">
+                        <a:rPr lang="pt-BR" sz="900" b="0" i="0" u="none" strike="noStrike">
                           <a:solidFill>
                             <a:srgbClr val="020302"/>
                           </a:solidFill>
-                          <a:latin typeface="AdobeClean-Light"/>
-                          <a:cs typeface="AdobeClean-Light"/>
-                        </a:rPr>
-                        <a:t>24x7 /         15 minutos</a:t>
+                          <a:latin typeface="AdobeClean-Light" panose="020B0503020404020204" pitchFamily="34" charset="0"/>
+                        </a:rPr>
+                        <a:t>24x7 / 15 minutos</a:t>
                       </a:r>
                     </a:p>
                   </a:txBody>
-                  <a:tcPr marL="0" marR="0" marT="0" marB="0" anchor="ctr">
+                  <a:tcPr marL="9525" marR="9525" marT="9525" marB="0" anchor="ctr">
                     <a:lnL w="3175">
                       <a:solidFill>
                         <a:srgbClr val="B7B8B8"/>
@@ -6973,7 +7186,7 @@
                         </a:spcBef>
                       </a:pPr>
                       <a:r>
-                        <a:rPr lang="pt-BR" sz="900" b="1">
+                        <a:rPr lang="pt-BR" sz="900" b="1" dirty="0">
                           <a:solidFill>
                             <a:srgbClr val="020302"/>
                           </a:solidFill>
@@ -7002,13 +7215,30 @@
                         <a:defRPr/>
                       </a:pPr>
                       <a:r>
-                        <a:rPr lang="pt-BR" sz="900" b="0" i="0">
+                        <a:rPr lang="pt-BR" sz="900" b="0" i="0" dirty="0">
                           <a:solidFill>
                             <a:srgbClr val="000000"/>
                           </a:solidFill>
                           <a:latin typeface="Adobe Clean Light" panose="020B0303020404020204" pitchFamily="34" charset="0"/>
                         </a:rPr>
-                        <a:t>As funções empresariais do cliente têm grande degradação de serviços, perda potencial de dados ou foi afetado um recurso importante </a:t>
+                        <a:t>As funções empresariais do cliente têm grande degradação de serviços, </a:t>
+                      </a:r>
+                      <a:br>
+                        <a:rPr lang="pt-BR" sz="900" b="0" i="0" dirty="0">
+                          <a:solidFill>
+                            <a:srgbClr val="000000"/>
+                          </a:solidFill>
+                          <a:latin typeface="Adobe Clean Light" panose="020B0303020404020204" pitchFamily="34" charset="0"/>
+                        </a:rPr>
+                      </a:br>
+                      <a:r>
+                        <a:rPr lang="pt-BR" sz="900" b="0" i="0" dirty="0">
+                          <a:solidFill>
+                            <a:srgbClr val="000000"/>
+                          </a:solidFill>
+                          <a:latin typeface="Adobe Clean Light" panose="020B0303020404020204" pitchFamily="34" charset="0"/>
+                        </a:rPr>
+                        <a:t>perda potencial de dados ou foi afetado um recurso importante </a:t>
                       </a:r>
                     </a:p>
                   </a:txBody>
@@ -7019,11 +7249,14 @@
                       </a:solidFill>
                       <a:prstDash val="solid"/>
                     </a:lnL>
-                    <a:lnR w="3175">
+                    <a:lnR w="3175" cap="flat" cmpd="sng" algn="ctr">
                       <a:solidFill>
                         <a:srgbClr val="B7B8B8"/>
                       </a:solidFill>
                       <a:prstDash val="solid"/>
+                      <a:round/>
+                      <a:headEnd type="none" w="med" len="med"/>
+                      <a:tailEnd type="none" w="med" len="med"/>
                     </a:lnR>
                     <a:lnT w="3175">
                       <a:solidFill>
@@ -7044,27 +7277,19 @@
                     <a:bodyPr/>
                     <a:lstStyle/>
                     <a:p>
-                      <a:pPr marL="0" marR="184785" indent="-193675" algn="ctr">
-                        <a:lnSpc>
-                          <a:spcPct val="100000"/>
-                        </a:lnSpc>
-                        <a:spcBef>
-                          <a:spcPts val="670"/>
-                        </a:spcBef>
-                      </a:pPr>
+                      <a:pPr algn="ctr" fontAlgn="t"/>
                       <a:r>
-                        <a:rPr lang="pt-BR" sz="900">
+                        <a:rPr lang="pt-BR" sz="900" b="0" i="0" u="none" strike="noStrike">
                           <a:solidFill>
                             <a:srgbClr val="020302"/>
                           </a:solidFill>
-                          <a:latin typeface="AdobeClean-Light"/>
-                          <a:cs typeface="AdobeClean-Light"/>
-                        </a:rPr>
-                        <a:t>Horário comercial/           4 horas</a:t>
+                          <a:latin typeface="AdobeClean-Light" panose="020B0503020404020204" pitchFamily="34" charset="0"/>
+                        </a:rPr>
+                        <a:t>Horário comercial / 4 horas</a:t>
                       </a:r>
                     </a:p>
                   </a:txBody>
-                  <a:tcPr marL="0" marR="0" marT="0" marB="0" anchor="ctr">
+                  <a:tcPr marL="9525" marR="9525" marT="9525" marB="0" anchor="ctr">
                     <a:lnL w="3175">
                       <a:solidFill>
                         <a:srgbClr val="B7B8B8"/>
@@ -7096,46 +7321,36 @@
                     <a:bodyPr/>
                     <a:lstStyle/>
                     <a:p>
-                      <a:pPr marL="0" marR="184785" indent="-194310" algn="ctr">
-                        <a:lnSpc>
-                          <a:spcPct val="100000"/>
-                        </a:lnSpc>
-                        <a:spcBef>
-                          <a:spcPts val="670"/>
-                        </a:spcBef>
-                      </a:pPr>
+                      <a:pPr algn="ctr" fontAlgn="t"/>
                       <a:r>
-                        <a:rPr lang="pt-BR" sz="900" dirty="0">
+                        <a:rPr lang="pt-BR" sz="900" b="0" i="0" u="none" strike="noStrike" dirty="0">
                           <a:solidFill>
                             <a:srgbClr val="020302"/>
                           </a:solidFill>
-                          <a:latin typeface="AdobeClean-Light"/>
-                          <a:cs typeface="AdobeClean-Light"/>
-                        </a:rPr>
-                        <a:t>Horário comercial/ </a:t>
+                          <a:latin typeface="AdobeClean-Light" panose="020B0503020404020204" pitchFamily="34" charset="0"/>
+                        </a:rPr>
+                        <a:t>Horário comercial / </a:t>
                       </a:r>
                       <a:br>
-                        <a:rPr lang="sk-SK" sz="900" dirty="0">
+                        <a:rPr lang="pt-BR" sz="900" b="0" i="0" u="none" strike="noStrike" dirty="0">
                           <a:solidFill>
                             <a:srgbClr val="020302"/>
                           </a:solidFill>
-                          <a:latin typeface="AdobeClean-Light"/>
-                          <a:cs typeface="AdobeClean-Light"/>
+                          <a:latin typeface="AdobeClean-Light" panose="020B0503020404020204" pitchFamily="34" charset="0"/>
                         </a:rPr>
                       </a:br>
                       <a:r>
-                        <a:rPr lang="pt-BR" sz="900" dirty="0">
+                        <a:rPr lang="pt-BR" sz="900" b="0" i="0" u="none" strike="noStrike" dirty="0">
                           <a:solidFill>
                             <a:srgbClr val="020302"/>
                           </a:solidFill>
-                          <a:latin typeface="AdobeClean-Light"/>
-                          <a:cs typeface="AdobeClean-Light"/>
+                          <a:latin typeface="AdobeClean-Light" panose="020B0503020404020204" pitchFamily="34" charset="0"/>
                         </a:rPr>
                         <a:t>2 horas</a:t>
                       </a:r>
                     </a:p>
                   </a:txBody>
-                  <a:tcPr marL="0" marR="0" marT="0" marB="0" anchor="ctr">
+                  <a:tcPr marL="9525" marR="9525" marT="9525" marB="0" anchor="ctr">
                     <a:lnL w="3175">
                       <a:solidFill>
                         <a:srgbClr val="B7B8B8"/>
@@ -7167,27 +7382,19 @@
                     <a:bodyPr/>
                     <a:lstStyle/>
                     <a:p>
-                      <a:pPr marL="0" marR="325755" indent="-5715" algn="ctr">
-                        <a:lnSpc>
-                          <a:spcPct val="100000"/>
-                        </a:lnSpc>
-                        <a:spcBef>
-                          <a:spcPts val="670"/>
-                        </a:spcBef>
-                      </a:pPr>
+                      <a:pPr algn="ctr" fontAlgn="t"/>
                       <a:r>
-                        <a:rPr lang="pt-BR" sz="900" dirty="0">
+                        <a:rPr lang="pt-BR" sz="900" b="0" i="0" u="none" strike="noStrike">
                           <a:solidFill>
                             <a:srgbClr val="020302"/>
                           </a:solidFill>
-                          <a:latin typeface="AdobeClean-Light"/>
-                          <a:cs typeface="AdobeClean-Light"/>
-                        </a:rPr>
-                        <a:t>24x5 /                1 hora</a:t>
+                          <a:latin typeface="AdobeClean-Light" panose="020B0503020404020204" pitchFamily="34" charset="0"/>
+                        </a:rPr>
+                        <a:t>24x5 / 1 hora</a:t>
                       </a:r>
                     </a:p>
                   </a:txBody>
-                  <a:tcPr marL="0" marR="0" marT="0" marB="0" anchor="ctr">
+                  <a:tcPr marL="9525" marR="9525" marT="9525" marB="0" anchor="ctr">
                     <a:lnL w="3175">
                       <a:solidFill>
                         <a:srgbClr val="B7B8B8"/>
@@ -7219,27 +7426,19 @@
                     <a:bodyPr/>
                     <a:lstStyle/>
                     <a:p>
-                      <a:pPr marL="0" marR="259079" indent="111760" algn="ctr">
-                        <a:lnSpc>
-                          <a:spcPct val="100000"/>
-                        </a:lnSpc>
-                        <a:spcBef>
-                          <a:spcPts val="670"/>
-                        </a:spcBef>
-                      </a:pPr>
+                      <a:pPr algn="ctr" fontAlgn="t"/>
                       <a:r>
-                        <a:rPr lang="pt-BR" sz="900">
+                        <a:rPr lang="pt-BR" sz="900" b="0" i="0" u="none" strike="noStrike">
                           <a:solidFill>
                             <a:srgbClr val="020302"/>
                           </a:solidFill>
-                          <a:latin typeface="AdobeClean-Light"/>
-                          <a:cs typeface="AdobeClean-Light"/>
-                        </a:rPr>
-                        <a:t>24x5 /         30 minutos</a:t>
+                          <a:latin typeface="AdobeClean-Light" panose="020B0503020404020204" pitchFamily="34" charset="0"/>
+                        </a:rPr>
+                        <a:t>24x5 / 30 minutos</a:t>
                       </a:r>
                     </a:p>
                   </a:txBody>
-                  <a:tcPr marL="0" marR="0" marT="0" marB="0" anchor="ctr">
+                  <a:tcPr marL="9525" marR="9525" marT="9525" marB="0" anchor="ctr">
                     <a:lnL w="3175">
                       <a:solidFill>
                         <a:srgbClr val="B7B8B8"/>
@@ -7316,7 +7515,7 @@
                         <a:defRPr/>
                       </a:pPr>
                       <a:r>
-                        <a:rPr kumimoji="0" lang="pt-BR" sz="900" b="0" i="0" u="none" strike="noStrike" cap="none" spc="-50" normalizeH="0" baseline="0" noProof="0" dirty="0">
+                        <a:rPr kumimoji="0" lang="pt-BR" sz="900" b="0" i="0" u="none" strike="noStrike" cap="none" normalizeH="0" baseline="0" noProof="0" dirty="0">
                           <a:ln>
                             <a:noFill/>
                           </a:ln>
@@ -7333,18 +7532,21 @@
                       </a:r>
                     </a:p>
                   </a:txBody>
-                  <a:tcPr marL="0" marR="0" marT="0" marB="0" anchor="ctr">
+                  <a:tcPr marL="0" marR="0" marT="0" marB="18000" anchor="ctr">
                     <a:lnL w="3175">
                       <a:solidFill>
                         <a:srgbClr val="B7B8B8"/>
                       </a:solidFill>
                       <a:prstDash val="solid"/>
                     </a:lnL>
-                    <a:lnR w="3175">
+                    <a:lnR w="3175" cap="flat" cmpd="sng" algn="ctr">
                       <a:solidFill>
                         <a:srgbClr val="B7B8B8"/>
                       </a:solidFill>
                       <a:prstDash val="solid"/>
+                      <a:round/>
+                      <a:headEnd type="none" w="med" len="med"/>
+                      <a:tailEnd type="none" w="med" len="med"/>
                     </a:lnR>
                     <a:lnT w="3175">
                       <a:solidFill>
@@ -7365,27 +7567,19 @@
                     <a:bodyPr/>
                     <a:lstStyle/>
                     <a:p>
-                      <a:pPr marL="0" marR="184150" indent="-189865" algn="ctr">
-                        <a:lnSpc>
-                          <a:spcPct val="100000"/>
-                        </a:lnSpc>
-                        <a:spcBef>
-                          <a:spcPts val="645"/>
-                        </a:spcBef>
-                      </a:pPr>
+                      <a:pPr algn="ctr" fontAlgn="t"/>
                       <a:r>
-                        <a:rPr lang="pt-BR" sz="900">
+                        <a:rPr lang="pt-BR" sz="900" b="0" i="0" u="none" strike="noStrike">
                           <a:solidFill>
                             <a:srgbClr val="020302"/>
                           </a:solidFill>
-                          <a:latin typeface="AdobeClean-Light"/>
-                          <a:cs typeface="AdobeClean-Light"/>
-                        </a:rPr>
-                        <a:t>Horário comercial/            6 horas</a:t>
+                          <a:latin typeface="AdobeClean-Light" panose="020B0503020404020204" pitchFamily="34" charset="0"/>
+                        </a:rPr>
+                        <a:t>Horário comercial / 6 horas</a:t>
                       </a:r>
                     </a:p>
                   </a:txBody>
-                  <a:tcPr marL="0" marR="0" marT="0" marB="0" anchor="ctr">
+                  <a:tcPr marL="9525" marR="9525" marT="9525" marB="0" anchor="ctr">
                     <a:lnL w="3175">
                       <a:solidFill>
                         <a:srgbClr val="B7B8B8"/>
@@ -7417,27 +7611,19 @@
                     <a:bodyPr/>
                     <a:lstStyle/>
                     <a:p>
-                      <a:pPr marL="0" marR="185420" indent="-193675" algn="ctr">
-                        <a:lnSpc>
-                          <a:spcPct val="100000"/>
-                        </a:lnSpc>
-                        <a:spcBef>
-                          <a:spcPts val="645"/>
-                        </a:spcBef>
-                      </a:pPr>
+                      <a:pPr algn="ctr" fontAlgn="t"/>
                       <a:r>
-                        <a:rPr lang="pt-BR" sz="900">
+                        <a:rPr lang="pt-BR" sz="900" b="0" i="0" u="none" strike="noStrike">
                           <a:solidFill>
                             <a:srgbClr val="020302"/>
                           </a:solidFill>
-                          <a:latin typeface="AdobeClean-Light"/>
-                          <a:cs typeface="AdobeClean-Light"/>
+                          <a:latin typeface="AdobeClean-Light" panose="020B0503020404020204" pitchFamily="34" charset="0"/>
                         </a:rPr>
                         <a:t>Horário comercial/           4 horas</a:t>
                       </a:r>
                     </a:p>
                   </a:txBody>
-                  <a:tcPr marL="0" marR="0" marT="0" marB="0" anchor="ctr">
+                  <a:tcPr marL="9525" marR="9525" marT="9525" marB="0" anchor="ctr">
                     <a:lnL w="3175">
                       <a:solidFill>
                         <a:srgbClr val="B7B8B8"/>
@@ -7469,46 +7655,36 @@
                     <a:bodyPr/>
                     <a:lstStyle/>
                     <a:p>
-                      <a:pPr marL="0" marR="184785" indent="-194310" algn="ctr">
-                        <a:lnSpc>
-                          <a:spcPct val="100000"/>
-                        </a:lnSpc>
-                        <a:spcBef>
-                          <a:spcPts val="645"/>
-                        </a:spcBef>
-                      </a:pPr>
+                      <a:pPr algn="ctr" fontAlgn="t"/>
                       <a:r>
-                        <a:rPr lang="pt-BR" sz="900" dirty="0">
+                        <a:rPr lang="pt-BR" sz="900" b="0" i="0" u="none" strike="noStrike" dirty="0">
                           <a:solidFill>
                             <a:srgbClr val="020302"/>
                           </a:solidFill>
-                          <a:latin typeface="AdobeClean-Light"/>
-                          <a:cs typeface="AdobeClean-Light"/>
-                        </a:rPr>
-                        <a:t>Horário comercial/ </a:t>
+                          <a:latin typeface="AdobeClean-Light" panose="020B0503020404020204" pitchFamily="34" charset="0"/>
+                        </a:rPr>
+                        <a:t>Horário comercial / </a:t>
                       </a:r>
                       <a:br>
-                        <a:rPr lang="sk-SK" sz="900" dirty="0">
+                        <a:rPr lang="pt-BR" sz="900" b="0" i="0" u="none" strike="noStrike" dirty="0">
                           <a:solidFill>
                             <a:srgbClr val="020302"/>
                           </a:solidFill>
-                          <a:latin typeface="AdobeClean-Light"/>
-                          <a:cs typeface="AdobeClean-Light"/>
+                          <a:latin typeface="AdobeClean-Light" panose="020B0503020404020204" pitchFamily="34" charset="0"/>
                         </a:rPr>
                       </a:br>
                       <a:r>
-                        <a:rPr lang="pt-BR" sz="900" dirty="0">
+                        <a:rPr lang="pt-BR" sz="900" b="0" i="0" u="none" strike="noStrike" dirty="0">
                           <a:solidFill>
                             <a:srgbClr val="020302"/>
                           </a:solidFill>
-                          <a:latin typeface="AdobeClean-Light"/>
-                          <a:cs typeface="AdobeClean-Light"/>
+                          <a:latin typeface="AdobeClean-Light" panose="020B0503020404020204" pitchFamily="34" charset="0"/>
                         </a:rPr>
                         <a:t>2 horas</a:t>
                       </a:r>
                     </a:p>
                   </a:txBody>
-                  <a:tcPr marL="0" marR="0" marT="0" marB="0" anchor="ctr">
+                  <a:tcPr marL="9525" marR="9525" marT="9525" marB="0" anchor="ctr">
                     <a:lnL w="3175">
                       <a:solidFill>
                         <a:srgbClr val="B7B8B8"/>
@@ -7540,27 +7716,19 @@
                     <a:bodyPr/>
                     <a:lstStyle/>
                     <a:p>
-                      <a:pPr marL="0" marR="326390" indent="-5715" algn="ctr">
-                        <a:lnSpc>
-                          <a:spcPct val="100000"/>
-                        </a:lnSpc>
-                        <a:spcBef>
-                          <a:spcPts val="645"/>
-                        </a:spcBef>
-                      </a:pPr>
+                      <a:pPr algn="ctr" fontAlgn="t"/>
                       <a:r>
-                        <a:rPr lang="pt-BR" sz="900" dirty="0">
+                        <a:rPr lang="pt-BR" sz="900" b="0" i="0" u="none" strike="noStrike">
                           <a:solidFill>
                             <a:srgbClr val="020302"/>
                           </a:solidFill>
-                          <a:latin typeface="AdobeClean-Light"/>
-                          <a:cs typeface="AdobeClean-Light"/>
-                        </a:rPr>
-                        <a:t>24x5 /              1 hora</a:t>
+                          <a:latin typeface="AdobeClean-Light" panose="020B0503020404020204" pitchFamily="34" charset="0"/>
+                        </a:rPr>
+                        <a:t>24x5 / 1 hora</a:t>
                       </a:r>
                     </a:p>
                   </a:txBody>
-                  <a:tcPr marL="0" marR="0" marT="0" marB="0" anchor="ctr">
+                  <a:tcPr marL="9525" marR="9525" marT="9525" marB="0" anchor="ctr">
                     <a:lnL w="3175">
                       <a:solidFill>
                         <a:srgbClr val="B7B8B8"/>
@@ -7654,11 +7822,14 @@
                       </a:solidFill>
                       <a:prstDash val="solid"/>
                     </a:lnL>
-                    <a:lnR w="3175">
+                    <a:lnR w="3175" cap="flat" cmpd="sng" algn="ctr">
                       <a:solidFill>
                         <a:srgbClr val="B7B8B8"/>
                       </a:solidFill>
                       <a:prstDash val="solid"/>
+                      <a:round/>
+                      <a:headEnd type="none" w="med" len="med"/>
+                      <a:tailEnd type="none" w="med" len="med"/>
                     </a:lnR>
                     <a:lnT w="3175">
                       <a:solidFill>
@@ -7679,46 +7850,107 @@
                     <a:bodyPr/>
                     <a:lstStyle/>
                     <a:p>
-                      <a:pPr marL="0" marR="203200" indent="-193040" algn="ctr">
-                        <a:lnSpc>
-                          <a:spcPct val="100000"/>
-                        </a:lnSpc>
-                        <a:spcBef>
-                          <a:spcPts val="155"/>
-                        </a:spcBef>
-                      </a:pPr>
+                      <a:pPr algn="ctr" fontAlgn="t"/>
                       <a:r>
-                        <a:rPr lang="pt-BR" sz="900" dirty="0">
+                        <a:rPr lang="pt-BR" sz="900" b="0" i="0" u="none" strike="noStrike">
                           <a:solidFill>
                             <a:srgbClr val="020302"/>
                           </a:solidFill>
-                          <a:latin typeface="AdobeClean-Light"/>
-                          <a:cs typeface="AdobeClean-Light"/>
-                        </a:rPr>
-                        <a:t>Dias úteis / </a:t>
+                          <a:latin typeface="AdobeClean-Light" panose="020B0503020404020204" pitchFamily="34" charset="0"/>
+                        </a:rPr>
+                        <a:t>Dias úteis / 3 dias</a:t>
                       </a:r>
-                      <a:br>
-                        <a:rPr lang="sk-SK" sz="900" dirty="0">
+                    </a:p>
+                  </a:txBody>
+                  <a:tcPr marL="9525" marR="9525" marT="9525" marB="0" anchor="ctr">
+                    <a:lnL w="3175">
+                      <a:solidFill>
+                        <a:srgbClr val="B7B8B8"/>
+                      </a:solidFill>
+                      <a:prstDash val="solid"/>
+                    </a:lnL>
+                    <a:lnR w="3175">
+                      <a:solidFill>
+                        <a:srgbClr val="B7B8B8"/>
+                      </a:solidFill>
+                      <a:prstDash val="solid"/>
+                    </a:lnR>
+                    <a:lnT w="3175">
+                      <a:solidFill>
+                        <a:srgbClr val="B7B8B8"/>
+                      </a:solidFill>
+                      <a:prstDash val="solid"/>
+                    </a:lnT>
+                    <a:lnB w="3175">
+                      <a:solidFill>
+                        <a:srgbClr val="B7B8B8"/>
+                      </a:solidFill>
+                      <a:prstDash val="solid"/>
+                    </a:lnB>
+                  </a:tcPr>
+                </a:tc>
+                <a:tc>
+                  <a:txBody>
+                    <a:bodyPr/>
+                    <a:lstStyle/>
+                    <a:p>
+                      <a:pPr algn="ctr" fontAlgn="t"/>
+                      <a:r>
+                        <a:rPr lang="pt-BR" sz="900" b="0" i="0" u="none" strike="noStrike">
                           <a:solidFill>
                             <a:srgbClr val="020302"/>
                           </a:solidFill>
-                          <a:latin typeface="AdobeClean-Light"/>
-                          <a:cs typeface="AdobeClean-Light"/>
-                        </a:rPr>
-                      </a:br>
+                          <a:latin typeface="AdobeClean-Light" panose="020B0503020404020204" pitchFamily="34" charset="0"/>
+                        </a:rPr>
+                        <a:t>Dia útil / 1 dia</a:t>
+                      </a:r>
+                    </a:p>
+                  </a:txBody>
+                  <a:tcPr marL="9525" marR="9525" marT="9525" marB="0" anchor="ctr">
+                    <a:lnL w="3175">
+                      <a:solidFill>
+                        <a:srgbClr val="B7B8B8"/>
+                      </a:solidFill>
+                      <a:prstDash val="solid"/>
+                    </a:lnL>
+                    <a:lnR w="3175">
+                      <a:solidFill>
+                        <a:srgbClr val="B7B8B8"/>
+                      </a:solidFill>
+                      <a:prstDash val="solid"/>
+                    </a:lnR>
+                    <a:lnT w="3175">
+                      <a:solidFill>
+                        <a:srgbClr val="B7B8B8"/>
+                      </a:solidFill>
+                      <a:prstDash val="solid"/>
+                    </a:lnT>
+                    <a:lnB w="3175">
+                      <a:solidFill>
+                        <a:srgbClr val="B7B8B8"/>
+                      </a:solidFill>
+                      <a:prstDash val="solid"/>
+                    </a:lnB>
+                  </a:tcPr>
+                </a:tc>
+                <a:tc>
+                  <a:txBody>
+                    <a:bodyPr/>
+                    <a:lstStyle/>
+                    <a:p>
+                      <a:pPr algn="ctr" fontAlgn="t"/>
                       <a:r>
-                        <a:rPr lang="pt-BR" sz="900" dirty="0">
+                        <a:rPr lang="pt-BR" sz="900" b="0" i="0" u="none" strike="noStrike">
                           <a:solidFill>
                             <a:srgbClr val="020302"/>
                           </a:solidFill>
-                          <a:latin typeface="AdobeClean-Light"/>
-                          <a:cs typeface="AdobeClean-Light"/>
-                        </a:rPr>
-                        <a:t>3 dias</a:t>
+                          <a:latin typeface="AdobeClean-Light" panose="020B0503020404020204" pitchFamily="34" charset="0"/>
+                        </a:rPr>
+                        <a:t>Dia útil / 1 dia</a:t>
                       </a:r>
                     </a:p>
                   </a:txBody>
-                  <a:tcPr marL="0" marR="0" marT="0" marB="0" anchor="ctr">
+                  <a:tcPr marL="9525" marR="9525" marT="9525" marB="0" anchor="ctr">
                     <a:lnL w="3175">
                       <a:solidFill>
                         <a:srgbClr val="B7B8B8"/>
@@ -7750,131 +7982,19 @@
                     <a:bodyPr/>
                     <a:lstStyle/>
                     <a:p>
-                      <a:pPr marL="0" marR="223520" indent="-202565" algn="ctr">
-                        <a:lnSpc>
-                          <a:spcPct val="100000"/>
-                        </a:lnSpc>
-                        <a:spcBef>
-                          <a:spcPts val="155"/>
-                        </a:spcBef>
-                      </a:pPr>
+                      <a:pPr algn="ctr" fontAlgn="t"/>
                       <a:r>
-                        <a:rPr lang="pt-BR" sz="900" dirty="0">
+                        <a:rPr lang="pt-BR" sz="900" b="0" i="0" u="none" strike="noStrike" dirty="0">
                           <a:solidFill>
                             <a:srgbClr val="020302"/>
                           </a:solidFill>
-                          <a:latin typeface="AdobeClean-Light"/>
-                          <a:cs typeface="AdobeClean-Light"/>
+                          <a:latin typeface="AdobeClean-Light" panose="020B0503020404020204" pitchFamily="34" charset="0"/>
                         </a:rPr>
                         <a:t>Dia útil / 1 dia</a:t>
                       </a:r>
                     </a:p>
                   </a:txBody>
-                  <a:tcPr marL="0" marR="0" marT="0" marB="0" anchor="ctr">
-                    <a:lnL w="3175">
-                      <a:solidFill>
-                        <a:srgbClr val="B7B8B8"/>
-                      </a:solidFill>
-                      <a:prstDash val="solid"/>
-                    </a:lnL>
-                    <a:lnR w="3175">
-                      <a:solidFill>
-                        <a:srgbClr val="B7B8B8"/>
-                      </a:solidFill>
-                      <a:prstDash val="solid"/>
-                    </a:lnR>
-                    <a:lnT w="3175">
-                      <a:solidFill>
-                        <a:srgbClr val="B7B8B8"/>
-                      </a:solidFill>
-                      <a:prstDash val="solid"/>
-                    </a:lnT>
-                    <a:lnB w="3175">
-                      <a:solidFill>
-                        <a:srgbClr val="B7B8B8"/>
-                      </a:solidFill>
-                      <a:prstDash val="solid"/>
-                    </a:lnB>
-                  </a:tcPr>
-                </a:tc>
-                <a:tc>
-                  <a:txBody>
-                    <a:bodyPr/>
-                    <a:lstStyle/>
-                    <a:p>
-                      <a:pPr marL="0" marR="223520" indent="-202565" algn="ctr">
-                        <a:lnSpc>
-                          <a:spcPct val="100000"/>
-                        </a:lnSpc>
-                        <a:spcBef>
-                          <a:spcPts val="155"/>
-                        </a:spcBef>
-                      </a:pPr>
-                      <a:r>
-                        <a:rPr lang="pt-BR" sz="900" dirty="0">
-                          <a:solidFill>
-                            <a:srgbClr val="020302"/>
-                          </a:solidFill>
-                          <a:latin typeface="AdobeClean-Light"/>
-                          <a:cs typeface="AdobeClean-Light"/>
-                        </a:rPr>
-                        <a:t>Dia útil / 1 dia</a:t>
-                      </a:r>
-                    </a:p>
-                  </a:txBody>
-                  <a:tcPr marL="0" marR="0" marT="0" marB="0" anchor="ctr">
-                    <a:lnL w="3175">
-                      <a:solidFill>
-                        <a:srgbClr val="B7B8B8"/>
-                      </a:solidFill>
-                      <a:prstDash val="solid"/>
-                    </a:lnL>
-                    <a:lnR w="3175">
-                      <a:solidFill>
-                        <a:srgbClr val="B7B8B8"/>
-                      </a:solidFill>
-                      <a:prstDash val="solid"/>
-                    </a:lnR>
-                    <a:lnT w="3175">
-                      <a:solidFill>
-                        <a:srgbClr val="B7B8B8"/>
-                      </a:solidFill>
-                      <a:prstDash val="solid"/>
-                    </a:lnT>
-                    <a:lnB w="3175">
-                      <a:solidFill>
-                        <a:srgbClr val="B7B8B8"/>
-                      </a:solidFill>
-                      <a:prstDash val="solid"/>
-                    </a:lnB>
-                  </a:tcPr>
-                </a:tc>
-                <a:tc>
-                  <a:txBody>
-                    <a:bodyPr/>
-                    <a:lstStyle/>
-                    <a:p>
-                      <a:pPr marL="0" marR="223520" indent="-202565" algn="ctr">
-                        <a:lnSpc>
-                          <a:spcPct val="100000"/>
-                        </a:lnSpc>
-                        <a:spcBef>
-                          <a:spcPts val="155"/>
-                        </a:spcBef>
-                      </a:pPr>
-                      <a:r>
-                        <a:rPr lang="pt-BR" sz="900" dirty="0">
-                          <a:solidFill>
-                            <a:srgbClr val="020302"/>
-                          </a:solidFill>
-                          <a:latin typeface="AdobeClean-Light"/>
-                          <a:cs typeface="AdobeClean-Light"/>
-                        </a:rPr>
-                        <a:t>Dia útil / 1 dia</a:t>
-                      </a:r>
-                    </a:p>
-                  </a:txBody>
-                  <a:tcPr marL="0" marR="0" marT="0" marB="0" anchor="ctr">
+                  <a:tcPr marL="9525" marR="9525" marT="9525" marB="0" anchor="ctr">
                     <a:lnL w="3175">
                       <a:solidFill>
                         <a:srgbClr val="B7B8B8"/>
@@ -7937,7 +8057,7 @@
           </a:prstGeom>
         </p:spPr>
         <p:txBody>
-          <a:bodyPr vert="horz" wrap="square" lIns="0" tIns="12700" rIns="0" bIns="0" rtlCol="0">
+          <a:bodyPr vert="horz" wrap="square" lIns="0" tIns="12700" rIns="0" bIns="0" rtlCol="0" anchor="t">
             <a:spAutoFit/>
           </a:bodyPr>
           <a:lstStyle/>
@@ -7952,9 +8072,9 @@
             </a:pPr>
             <a:r>
               <a:rPr lang="pt-BR" sz="2300">
-                <a:latin typeface="Adobe Clean" panose="020B0503020404020204" pitchFamily="34" charset="0"/>
+                <a:latin typeface="Adobe Clean"/>
               </a:rPr>
-              <a:t>SERVIÇOS DE SUPORTE ADOBE</a:t>
+              <a:t>PLANOS DE SUPORTE DA ADOBE</a:t>
             </a:r>
           </a:p>
         </p:txBody>
@@ -8140,8 +8260,8 @@
         </p:nvSpPr>
         <p:spPr>
           <a:xfrm>
-            <a:off x="296036" y="1370614"/>
-            <a:ext cx="1371600" cy="0"/>
+            <a:off x="296036" y="1370613"/>
+            <a:ext cx="1227964" cy="49567"/>
           </a:xfrm>
           <a:custGeom>
             <a:avLst/>
@@ -8232,7 +8352,7 @@
           </a:prstGeom>
         </p:spPr>
         <p:txBody>
-          <a:bodyPr vert="horz" wrap="square" lIns="0" tIns="35560" rIns="0" bIns="0" rtlCol="0">
+          <a:bodyPr vert="horz" wrap="square" lIns="0" tIns="35560" rIns="0" bIns="0" rtlCol="0" anchor="t">
             <a:spAutoFit/>
           </a:bodyPr>
           <a:lstStyle/>
@@ -8246,31 +8366,51 @@
               </a:spcBef>
             </a:pPr>
             <a:r>
-              <a:rPr lang="pt-BR" sz="1000">
+              <a:rPr lang="pt-BR" sz="1000" dirty="0">
                 <a:solidFill>
                   <a:srgbClr val="020302"/>
                 </a:solidFill>
                 <a:latin typeface="AdobeClean-Light"/>
                 <a:cs typeface="AdobeClean-Light"/>
               </a:rPr>
-              <a:t>O Suporte ao cliente da Adobe oferece acesso a recursos online para documentação, interação com outros especialistas e clientes para práticas recomendadas e uma série de webinários (Office Hours) para dicas e truques de solução de problemas. Também há vários canais disponíveis</a:t>
+              <a:t>O Suporte ao cliente da Adobe oferece acesso a recursos online para documentação, interação com outros especialistas e clientes para práticas recomendadas e uma série de </a:t>
             </a:r>
             <a:r>
-              <a:rPr lang="pt-BR" sz="1000">
+              <a:rPr lang="pt-BR" sz="1000" dirty="0" err="1">
+                <a:solidFill>
+                  <a:srgbClr val="020302"/>
+                </a:solidFill>
+                <a:latin typeface="AdobeClean-Light"/>
+                <a:cs typeface="AdobeClean-Light"/>
+              </a:rPr>
+              <a:t>webinários</a:t>
+            </a:r>
+            <a:r>
+              <a:rPr lang="pt-BR" sz="1000" dirty="0">
+                <a:solidFill>
+                  <a:srgbClr val="020302"/>
+                </a:solidFill>
+                <a:latin typeface="AdobeClean-Light"/>
+                <a:cs typeface="AdobeClean-Light"/>
+              </a:rPr>
+              <a:t> (Office Hours) para dicas e truques de solução de problemas. Também há vários canais disponíveis</a:t>
+            </a:r>
+            <a:r>
+              <a:rPr lang="pt-BR" sz="1000" dirty="0">
                 <a:latin typeface="AdobeClean-Light"/>
                 <a:cs typeface="AdobeClean-Light"/>
               </a:rPr>
               <a:t> </a:t>
             </a:r>
             <a:r>
-              <a:rPr lang="pt-BR" sz="1000">
+              <a:rPr lang="pt-BR" sz="1000" dirty="0">
                 <a:solidFill>
                   <a:srgbClr val="020302"/>
                 </a:solidFill>
                 <a:latin typeface="AdobeClean-Light"/>
                 <a:cs typeface="AdobeClean-Light"/>
               </a:rPr>
-              <a:t>para envio de perguntas e casos</a:t>
+              <a:t>para envio de perguntas e casos. </a:t>
             </a:r>
           </a:p>
         </p:txBody>
@@ -8291,15 +8431,12 @@
           </a:prstGeom>
         </p:spPr>
         <p:txBody>
-          <a:bodyPr vert="horz" wrap="square" lIns="0" tIns="12700" rIns="0" bIns="0" rtlCol="0">
+          <a:bodyPr vert="horz" wrap="square" lIns="0" tIns="12700" rIns="0" bIns="0" rtlCol="0" anchor="t">
             <a:spAutoFit/>
           </a:bodyPr>
           <a:lstStyle/>
           <a:p>
             <a:pPr marL="33020" marR="159385">
-              <a:lnSpc>
-                <a:spcPct val="100000"/>
-              </a:lnSpc>
               <a:spcBef>
                 <a:spcPts val="100"/>
               </a:spcBef>
@@ -8315,7 +8452,7 @@
                 <a:latin typeface="AdobeClean-Light"/>
                 <a:cs typeface="AdobeClean-Light"/>
               </a:rPr>
-              <a:t>Inicie uma sessão de chat para obter respostas e ajuda com o envio de caso</a:t>
+              <a:t>Inicie uma sessão de chat para obter respostas e ajuda com o envio de caso.</a:t>
             </a:r>
           </a:p>
           <a:p>
@@ -8558,7 +8695,7 @@
               <a:t>Acesso online contínuo a um banco de dados cada vez maior </a:t>
             </a:r>
             <a:br>
-              <a:rPr lang="sk-SK" sz="1000" dirty="0">
+              <a:rPr lang="pt-BR" sz="1000" dirty="0">
                 <a:solidFill>
                   <a:srgbClr val="000000"/>
                 </a:solidFill>
@@ -8715,7 +8852,7 @@
               <a:t>A Experience League gera criadores de experiências. Os clientes podem adquirir habilidades de gerenciamento de experiência </a:t>
             </a:r>
             <a:br>
-              <a:rPr lang="sk-SK" sz="1000" dirty="0">
+              <a:rPr lang="pt-BR" sz="1000" dirty="0">
                 <a:solidFill>
                   <a:srgbClr val="000000"/>
                 </a:solidFill>
@@ -8872,7 +9009,7 @@
               <a:t>O Office Hours, apresentado pela equipe de Suporte ao cliente </a:t>
             </a:r>
             <a:br>
-              <a:rPr lang="sk-SK" sz="1000" dirty="0">
+              <a:rPr lang="pt-BR" sz="1000" dirty="0">
                 <a:solidFill>
                   <a:srgbClr val="000000"/>
                 </a:solidFill>
@@ -8889,7 +9026,7 @@
               <a:t>da Adobe, inclui sessões para informar e ajudar os participantes </a:t>
             </a:r>
             <a:br>
-              <a:rPr lang="sk-SK" sz="1000" dirty="0">
+              <a:rPr lang="pt-BR" sz="1000" dirty="0">
                 <a:solidFill>
                   <a:srgbClr val="000000"/>
                 </a:solidFill>
@@ -8906,7 +9043,7 @@
               <a:t>a solucionar problemas e fornecer dicas e truques para aproveitar </a:t>
             </a:r>
             <a:br>
-              <a:rPr lang="sk-SK" sz="1000" dirty="0">
+              <a:rPr lang="pt-BR" sz="1000" dirty="0">
                 <a:solidFill>
                   <a:srgbClr val="000000"/>
                 </a:solidFill>
@@ -9063,7 +9200,7 @@
               <a:t>Acesso sob demanda ao Portal de autoatendimento online para enviar solicitações de suporte, revisar o status do caso e procurar outros recursos, como nossa base de conhecimento, notícias </a:t>
             </a:r>
             <a:br>
-              <a:rPr lang="sk-SK" sz="1000" dirty="0">
+              <a:rPr lang="pt-BR" sz="1000" dirty="0">
                 <a:solidFill>
                   <a:srgbClr val="000000"/>
                 </a:solidFill>
@@ -9312,7 +9449,7 @@
           <a:lstStyle/>
           <a:p>
             <a:r>
-              <a:rPr lang="pt-BR" sz="1000">
+              <a:rPr lang="pt-BR" sz="1000" dirty="0">
                 <a:solidFill>
                   <a:srgbClr val="020302"/>
                 </a:solidFill>
@@ -9321,7 +9458,7 @@
               <a:t>Usuários autorizados ou contatos de suporte nomeados</a:t>
             </a:r>
             <a:r>
-              <a:rPr lang="pt-BR" sz="1000">
+              <a:rPr lang="pt-BR" sz="1000" dirty="0">
                 <a:latin typeface="Adobe Clean Light" panose="020B0303020404020204" pitchFamily="34" charset="0"/>
               </a:rPr>
               <a:t> podem enviar problemas por todos os canais disponíveis (incluindo por telefone em prioridades P1) e contatar a equipe de suporte técnico em nome de sua empresa. </a:t>
@@ -9808,14 +9945,14 @@
         <p:spPr>
           <a:xfrm>
             <a:off x="6754821" y="9283729"/>
-            <a:ext cx="930275" cy="662305"/>
+            <a:ext cx="1017579" cy="643125"/>
           </a:xfrm>
           <a:prstGeom prst="rect">
             <a:avLst/>
           </a:prstGeom>
         </p:spPr>
         <p:txBody>
-          <a:bodyPr vert="horz" wrap="square" lIns="0" tIns="12065" rIns="0" bIns="0" rtlCol="0">
+          <a:bodyPr vert="horz" wrap="square" lIns="0" tIns="12065" rIns="0" bIns="0" rtlCol="0" anchor="t">
             <a:spAutoFit/>
           </a:bodyPr>
           <a:lstStyle/>
@@ -9829,7 +9966,7 @@
               </a:spcBef>
             </a:pPr>
             <a:r>
-              <a:rPr lang="pt-BR" sz="800">
+              <a:rPr lang="pt-BR" sz="800" dirty="0">
                 <a:solidFill>
                   <a:srgbClr val="777879"/>
                 </a:solidFill>
@@ -9846,7 +9983,7 @@
               </a:lnSpc>
             </a:pPr>
             <a:r>
-              <a:rPr lang="pt-BR" sz="800">
+              <a:rPr lang="pt-BR" sz="800" dirty="0">
                 <a:solidFill>
                   <a:srgbClr val="777879"/>
                 </a:solidFill>
@@ -9863,7 +10000,7 @@
               </a:lnSpc>
             </a:pPr>
             <a:r>
-              <a:rPr lang="pt-BR" sz="800">
+              <a:rPr lang="pt-BR" sz="800" dirty="0">
                 <a:solidFill>
                   <a:srgbClr val="777879"/>
                 </a:solidFill>
@@ -9883,7 +10020,7 @@
               </a:spcBef>
             </a:pPr>
             <a:r>
-              <a:rPr lang="pt-BR" sz="800">
+              <a:rPr lang="pt-BR" sz="800" dirty="0">
                 <a:solidFill>
                   <a:srgbClr val="777879"/>
                 </a:solidFill>
@@ -9903,7 +10040,7 @@
               </a:spcBef>
             </a:pPr>
             <a:r>
-              <a:rPr lang="pt-BR" sz="800" u="sng">
+              <a:rPr lang="pt-BR" sz="800" u="sng" dirty="0">
                 <a:solidFill>
                   <a:srgbClr val="5F5F5F"/>
                 </a:solidFill>
@@ -10078,7 +10215,7 @@
           </a:prstGeom>
         </p:spPr>
         <p:txBody>
-          <a:bodyPr vert="horz" wrap="square" lIns="0" tIns="29845" rIns="0" bIns="0" rtlCol="0">
+          <a:bodyPr vert="horz" wrap="square" lIns="0" tIns="29845" rIns="0" bIns="0" rtlCol="0" anchor="t">
             <a:spAutoFit/>
           </a:bodyPr>
           <a:lstStyle/>
@@ -10119,7 +10256,87 @@
                 <a:latin typeface="Adobe Clean"/>
                 <a:cs typeface="Adobe Clean"/>
               </a:rPr>
-              <a:t>©2021 Adobe. All Rights Reserved. Adobe Confidential.</a:t>
+              <a:t>©2021 Adobe. </a:t>
+            </a:r>
+            <a:r>
+              <a:rPr lang="pt-BR" sz="800" dirty="0" err="1">
+                <a:solidFill>
+                  <a:srgbClr val="6D6D6D"/>
+                </a:solidFill>
+                <a:latin typeface="Adobe Clean"/>
+                <a:cs typeface="Adobe Clean"/>
+              </a:rPr>
+              <a:t>All</a:t>
+            </a:r>
+            <a:r>
+              <a:rPr lang="pt-BR" sz="800" dirty="0">
+                <a:solidFill>
+                  <a:srgbClr val="6D6D6D"/>
+                </a:solidFill>
+                <a:latin typeface="Adobe Clean"/>
+                <a:cs typeface="Adobe Clean"/>
+              </a:rPr>
+              <a:t> </a:t>
+            </a:r>
+            <a:r>
+              <a:rPr lang="pt-BR" sz="800" dirty="0" err="1">
+                <a:solidFill>
+                  <a:srgbClr val="6D6D6D"/>
+                </a:solidFill>
+                <a:latin typeface="Adobe Clean"/>
+                <a:cs typeface="Adobe Clean"/>
+              </a:rPr>
+              <a:t>Rights</a:t>
+            </a:r>
+            <a:r>
+              <a:rPr lang="pt-BR" sz="800" dirty="0">
+                <a:solidFill>
+                  <a:srgbClr val="6D6D6D"/>
+                </a:solidFill>
+                <a:latin typeface="Adobe Clean"/>
+                <a:cs typeface="Adobe Clean"/>
+              </a:rPr>
+              <a:t> </a:t>
+            </a:r>
+            <a:r>
+              <a:rPr lang="pt-BR" sz="800" dirty="0" err="1">
+                <a:solidFill>
+                  <a:srgbClr val="6D6D6D"/>
+                </a:solidFill>
+                <a:latin typeface="Adobe Clean"/>
+                <a:cs typeface="Adobe Clean"/>
+              </a:rPr>
+              <a:t>Reserved</a:t>
+            </a:r>
+            <a:r>
+              <a:rPr lang="pt-BR" sz="800" dirty="0">
+                <a:solidFill>
+                  <a:srgbClr val="6D6D6D"/>
+                </a:solidFill>
+                <a:latin typeface="Adobe Clean"/>
+                <a:cs typeface="Adobe Clean"/>
+              </a:rPr>
+              <a:t>. Adobe </a:t>
+            </a:r>
+            <a:r>
+              <a:rPr lang="pt-BR" sz="800" dirty="0" err="1">
+                <a:solidFill>
+                  <a:srgbClr val="6D6D6D"/>
+                </a:solidFill>
+                <a:latin typeface="Adobe Clean"/>
+                <a:cs typeface="Adobe Clean"/>
+              </a:rPr>
+              <a:t>Confidential</a:t>
+            </a:r>
+            <a:r>
+              <a:rPr lang="pt-BR" sz="800" dirty="0">
+                <a:solidFill>
+                  <a:srgbClr val="6D6D6D"/>
+                </a:solidFill>
+                <a:latin typeface="Adobe Clean"/>
+                <a:cs typeface="Adobe Clean"/>
+              </a:rPr>
+              <a:t>.</a:t>
             </a:r>
           </a:p>
         </p:txBody>
@@ -10138,8 +10355,8 @@
         </p:nvSpPr>
         <p:spPr>
           <a:xfrm>
-            <a:off x="171129" y="5057379"/>
-            <a:ext cx="6476646" cy="755976"/>
+            <a:off x="171128" y="5057379"/>
+            <a:ext cx="6686871" cy="755976"/>
           </a:xfrm>
           <a:prstGeom prst="rect">
             <a:avLst/>
@@ -10157,7 +10374,7 @@
               </a:spcBef>
             </a:pPr>
             <a:r>
-              <a:rPr lang="pt-BR" sz="1400" b="1">
+              <a:rPr lang="pt-BR" sz="1400" b="1" dirty="0">
                 <a:solidFill>
                   <a:srgbClr val="020302"/>
                 </a:solidFill>
@@ -10174,7 +10391,7 @@
               </a:spcBef>
             </a:pPr>
             <a:r>
-              <a:rPr lang="pt-BR" sz="1000">
+              <a:rPr lang="pt-BR" sz="1000" dirty="0">
                 <a:solidFill>
                   <a:srgbClr val="1F1F1F"/>
                 </a:solidFill>
@@ -10200,7 +10417,7 @@
           <p:nvPr>
             <p:extLst>
               <p:ext uri="{D42A27DB-BD31-4B8C-83A1-F6EECF244321}">
-                <p14:modId xmlns:p14="http://schemas.microsoft.com/office/powerpoint/2010/main" val="2846210228"/>
+                <p14:modId xmlns:p14="http://schemas.microsoft.com/office/powerpoint/2010/main" val="2004483500"/>
               </p:ext>
             </p:extLst>
           </p:nvPr>
@@ -10318,13 +10535,30 @@
                     <a:p>
                       <a:pPr algn="ctr"/>
                       <a:r>
-                        <a:rPr lang="pt-BR" sz="1100">
+                        <a:rPr lang="pt-BR" sz="1100" dirty="0">
                           <a:solidFill>
                             <a:schemeClr val="tx1"/>
                           </a:solidFill>
                           <a:latin typeface="Adobe Clean" panose="020B0503020404020204" pitchFamily="34" charset="0"/>
                         </a:rPr>
-                        <a:t>Europa, Oriente Médio e África</a:t>
+                        <a:t>Europa, Oriente Médio </a:t>
+                      </a:r>
+                      <a:br>
+                        <a:rPr lang="pt-BR" sz="1100" dirty="0">
+                          <a:solidFill>
+                            <a:schemeClr val="tx1"/>
+                          </a:solidFill>
+                          <a:latin typeface="Adobe Clean" panose="020B0503020404020204" pitchFamily="34" charset="0"/>
+                        </a:rPr>
+                      </a:br>
+                      <a:r>
+                        <a:rPr lang="pt-BR" sz="1100" dirty="0">
+                          <a:solidFill>
+                            <a:schemeClr val="tx1"/>
+                          </a:solidFill>
+                          <a:latin typeface="Adobe Clean" panose="020B0503020404020204" pitchFamily="34" charset="0"/>
+                        </a:rPr>
+                        <a:t>e África</a:t>
                       </a:r>
                     </a:p>
                   </a:txBody>
@@ -10810,7 +11044,7 @@
                         <a:buNone/>
                       </a:pPr>
                       <a:r>
-                        <a:rPr lang="pt-BR" sz="1100">
+                        <a:rPr lang="pt-BR" sz="1100" dirty="0">
                           <a:solidFill>
                             <a:schemeClr val="tx1"/>
                           </a:solidFill>
@@ -10838,13 +11072,31 @@
                         <a:defRPr/>
                       </a:pPr>
                       <a:r>
-                        <a:rPr lang="pt-BR" sz="1100" i="1">
+                        <a:rPr lang="pt-BR" sz="1100" i="1" dirty="0">
                           <a:solidFill>
                             <a:schemeClr val="tx1"/>
                           </a:solidFill>
                           <a:latin typeface="Adobe Clean"/>
                         </a:rPr>
-                        <a:t>*O Adobe Commerce exclui o suporte ao idioma japonês.</a:t>
+                        <a:t>*O Adobe </a:t>
+                      </a:r>
+                      <a:r>
+                        <a:rPr lang="pt-BR" sz="1100" i="1" dirty="0" err="1">
+                          <a:solidFill>
+                            <a:schemeClr val="tx1"/>
+                          </a:solidFill>
+                          <a:latin typeface="Adobe Clean"/>
+                        </a:rPr>
+                        <a:t>Commerce</a:t>
+                      </a:r>
+                      <a:r>
+                        <a:rPr lang="pt-BR" sz="1100" i="1" dirty="0">
+                          <a:solidFill>
+                            <a:schemeClr val="tx1"/>
+                          </a:solidFill>
+                          <a:latin typeface="Adobe Clean"/>
+                        </a:rPr>
+                        <a:t> exclui o suporte ao idioma japonês.</a:t>
                       </a:r>
                     </a:p>
                     <a:p>
@@ -10867,7 +11119,7 @@
                     <a:p>
                       <a:pPr algn="ctr"/>
                       <a:r>
-                        <a:rPr lang="pt-BR" sz="1100" i="0">
+                        <a:rPr lang="pt-BR" sz="1100" i="0" dirty="0">
                           <a:solidFill>
                             <a:schemeClr val="tx1"/>
                           </a:solidFill>
@@ -10876,7 +11128,7 @@
                         <a:t> </a:t>
                       </a:r>
                       <a:r>
-                        <a:rPr lang="pt-BR" sz="1100" i="0" baseline="30000">
+                        <a:rPr lang="pt-BR" sz="1100" i="0" baseline="30000" dirty="0">
                           <a:solidFill>
                             <a:schemeClr val="tx1"/>
                           </a:solidFill>
@@ -10885,7 +11137,7 @@
                         <a:t>1</a:t>
                       </a:r>
                       <a:r>
-                        <a:rPr lang="pt-BR" sz="1100" i="0">
+                        <a:rPr lang="pt-BR" sz="1100" i="0" dirty="0">
                           <a:solidFill>
                             <a:schemeClr val="tx1"/>
                           </a:solidFill>
@@ -11291,8 +11543,8 @@
         </p:nvSpPr>
         <p:spPr>
           <a:xfrm>
-            <a:off x="4656295" y="8541244"/>
-            <a:ext cx="906305" cy="382797"/>
+            <a:off x="4732495" y="8541244"/>
+            <a:ext cx="810895" cy="382797"/>
           </a:xfrm>
           <a:prstGeom prst="rect">
             <a:avLst/>
@@ -11339,8 +11591,8 @@
         </p:nvSpPr>
         <p:spPr>
           <a:xfrm>
-            <a:off x="6477000" y="8543943"/>
-            <a:ext cx="841575" cy="382797"/>
+            <a:off x="6324600" y="8543943"/>
+            <a:ext cx="1109578" cy="385445"/>
           </a:xfrm>
           <a:prstGeom prst="rect">
             <a:avLst/>
@@ -11352,7 +11604,7 @@
           </a:bodyPr>
           <a:lstStyle/>
           <a:p>
-            <a:pPr marL="50800" marR="5080" indent="-51435" algn="ctr">
+            <a:pPr marR="5080" algn="ctr">
               <a:lnSpc>
                 <a:spcPts val="1390"/>
               </a:lnSpc>
@@ -11388,14 +11640,14 @@
           <p:nvPr>
             <p:extLst>
               <p:ext uri="{D42A27DB-BD31-4B8C-83A1-F6EECF244321}">
-                <p14:modId xmlns:p14="http://schemas.microsoft.com/office/powerpoint/2010/main" val="2855027042"/>
+                <p14:modId xmlns:p14="http://schemas.microsoft.com/office/powerpoint/2010/main" val="4184906498"/>
               </p:ext>
             </p:extLst>
           </p:nvPr>
         </p:nvGraphicFramePr>
         <p:xfrm>
           <a:off x="194236" y="1059345"/>
-          <a:ext cx="7368291" cy="3388360"/>
+          <a:ext cx="7368291" cy="3235960"/>
         </p:xfrm>
         <a:graphic>
           <a:graphicData uri="http://schemas.openxmlformats.org/drawingml/2006/table">
@@ -11404,14 +11656,14 @@
                 <a:tableStyleId>{5C22544A-7EE6-4342-B048-85BDC9FD1C3A}</a:tableStyleId>
               </a:tblPr>
               <a:tblGrid>
-                <a:gridCol w="3691964">
+                <a:gridCol w="3539564">
                   <a:extLst>
                     <a:ext uri="{9D8B030D-6E8A-4147-A177-3AD203B41FA5}">
                       <a16:colId xmlns:a16="http://schemas.microsoft.com/office/drawing/2014/main" val="2364693614"/>
                     </a:ext>
                   </a:extLst>
                 </a:gridCol>
-                <a:gridCol w="3676327">
+                <a:gridCol w="3828727">
                   <a:extLst>
                     <a:ext uri="{9D8B030D-6E8A-4147-A177-3AD203B41FA5}">
                       <a16:colId xmlns:a16="http://schemas.microsoft.com/office/drawing/2014/main" val="1545335406"/>
@@ -11518,10 +11770,10 @@
                           <a:ea typeface="+mn-ea"/>
                           <a:cs typeface="+mn-cs"/>
                         </a:rPr>
-                        <a:t>A Experience League foi criada para ajudar as empresas a alcançar </a:t>
+                        <a:t>A Experience League foi criada para ajudar as empresas a alcançar o </a:t>
                       </a:r>
                       <a:br>
-                        <a:rPr lang="sk-SK" sz="1000" b="0" dirty="0">
+                        <a:rPr lang="pt-BR" sz="1000" b="0" dirty="0">
                           <a:solidFill>
                             <a:srgbClr val="000000"/>
                           </a:solidFill>
@@ -11539,49 +11791,7 @@
                           <a:ea typeface="+mn-ea"/>
                           <a:cs typeface="+mn-cs"/>
                         </a:rPr>
-                        <a:t>o valor que esperam do seu investimento em produtos da Adobe. </a:t>
-                      </a:r>
-                      <a:br>
-                        <a:rPr lang="sk-SK" sz="1000" b="0" dirty="0">
-                          <a:solidFill>
-                            <a:srgbClr val="000000"/>
-                          </a:solidFill>
-                          <a:latin typeface="Adobe Clean Light" panose="020B0303020404020204" pitchFamily="34" charset="0"/>
-                          <a:ea typeface="+mn-ea"/>
-                          <a:cs typeface="+mn-cs"/>
-                        </a:rPr>
-                      </a:br>
-                      <a:r>
-                        <a:rPr lang="pt-BR" sz="1000" b="0" dirty="0">
-                          <a:solidFill>
-                            <a:srgbClr val="000000"/>
-                          </a:solidFill>
-                          <a:latin typeface="Adobe Clean Light" panose="020B0303020404020204" pitchFamily="34" charset="0"/>
-                          <a:ea typeface="+mn-ea"/>
-                          <a:cs typeface="+mn-cs"/>
-                        </a:rPr>
-                        <a:t>É o local unificado onde os clientes podem aprender, interagir e crescer ao longo de um caminho personalizado de sucesso que inclui tutoriais de autoatendimento, documentação dos produtos, treinamento </a:t>
-                      </a:r>
-                      <a:br>
-                        <a:rPr lang="sk-SK" sz="1000" b="0" dirty="0">
-                          <a:solidFill>
-                            <a:srgbClr val="000000"/>
-                          </a:solidFill>
-                          <a:latin typeface="Adobe Clean Light" panose="020B0303020404020204" pitchFamily="34" charset="0"/>
-                          <a:ea typeface="+mn-ea"/>
-                          <a:cs typeface="+mn-cs"/>
-                        </a:rPr>
-                      </a:br>
-                      <a:r>
-                        <a:rPr lang="pt-BR" sz="1000" b="0" dirty="0">
-                          <a:solidFill>
-                            <a:srgbClr val="000000"/>
-                          </a:solidFill>
-                          <a:latin typeface="Adobe Clean Light" panose="020B0303020404020204" pitchFamily="34" charset="0"/>
-                          <a:ea typeface="+mn-ea"/>
-                          <a:cs typeface="+mn-cs"/>
-                        </a:rPr>
-                        <a:t>com instrutores e suporte técnico e da comunidade. </a:t>
+                        <a:t>valor que esperam do seu investimento em produtos da Adobe. É o local unificado onde os clientes podem aprender, interagir e crescer ao longo de um caminho personalizado de sucesso que inclui tutoriais de autoatendimento, documentação dos produtos, treinamento com instrutores e suporte técnico e da comunidade. </a:t>
                       </a:r>
                     </a:p>
                   </a:txBody>
@@ -11758,7 +11968,7 @@
                         <a:defRPr/>
                       </a:pPr>
                       <a:r>
-                        <a:rPr lang="pt-BR" sz="1000">
+                        <a:rPr lang="pt-BR" sz="1000" dirty="0">
                           <a:solidFill>
                             <a:srgbClr val="000000"/>
                           </a:solidFill>
@@ -11766,7 +11976,28 @@
                           <a:ea typeface="+mn-ea"/>
                           <a:cs typeface="+mn-cs"/>
                         </a:rPr>
-                        <a:t>O acesso aos cursos do Adobe Digital Learning Services está disponível na Experience League. Os cursos de aprendizagem incluem lições sob demanda e com instrutores.  É um lugar para adquirir habilidades com reconhecido valor de mercado que você pode pôr em prática para impulsionar o sucesso na sua organização.</a:t>
+                        <a:t>O acesso aos cursos do Adobe Digital Learning Services está disponível </a:t>
+                      </a:r>
+                      <a:br>
+                        <a:rPr lang="pt-BR" sz="1000" dirty="0">
+                          <a:solidFill>
+                            <a:srgbClr val="000000"/>
+                          </a:solidFill>
+                          <a:latin typeface="Adobe Clean Light" panose="020B0303020404020204" pitchFamily="34" charset="0"/>
+                          <a:ea typeface="+mn-ea"/>
+                          <a:cs typeface="+mn-cs"/>
+                        </a:rPr>
+                      </a:br>
+                      <a:r>
+                        <a:rPr lang="pt-BR" sz="1000" dirty="0">
+                          <a:solidFill>
+                            <a:srgbClr val="000000"/>
+                          </a:solidFill>
+                          <a:latin typeface="Adobe Clean Light" panose="020B0303020404020204" pitchFamily="34" charset="0"/>
+                          <a:ea typeface="+mn-ea"/>
+                          <a:cs typeface="+mn-cs"/>
+                        </a:rPr>
+                        <a:t>na Experience League. Os cursos de aprendizagem incluem lições sob demanda e com instrutores.  É um lugar para adquirir habilidades com reconhecido valor de mercado que você pode pôr em prática para impulsionar o sucesso na sua organização.</a:t>
                       </a:r>
                     </a:p>
                   </a:txBody>
@@ -11940,10 +12171,10 @@
                           <a:ea typeface="+mn-ea"/>
                           <a:cs typeface="+mn-cs"/>
                         </a:rPr>
-                        <a:t>O Status.adobe.com transmite as informações de integridade de todos os produtos e serviços da Adobe implantados em ambientes de vários locatários. Os clientes podem escolher suas preferências de subscrição para receber notificações por email sempre que a Adobe criar, atualizar ou resolver um evento de produto. Isso pode incluir manutenção programada ou problemas de serviço com diferentes níveis </a:t>
+                        <a:t>O Status.adobe.com transmite as informações de integridade de todos </a:t>
                       </a:r>
                       <a:br>
-                        <a:rPr lang="sk-SK" sz="1000" dirty="0">
+                        <a:rPr lang="pt-BR" sz="1000" dirty="0">
                           <a:solidFill>
                             <a:srgbClr val="000000"/>
                           </a:solidFill>
@@ -11961,7 +12192,50 @@
                           <a:ea typeface="+mn-ea"/>
                           <a:cs typeface="+mn-cs"/>
                         </a:rPr>
-                        <a:t>de gravidade. </a:t>
+                        <a:t>os produtos e serviços da Adobe implantados em ambientes de vários locatários. Os clientes podem escolher suas preferências de subscrição para receber notificações por </a:t>
+                      </a:r>
+                      <a:r>
+                        <a:rPr lang="pt-BR" sz="1000" dirty="0" err="1">
+                          <a:solidFill>
+                            <a:srgbClr val="000000"/>
+                          </a:solidFill>
+                          <a:latin typeface="Adobe Clean Light" panose="020B0303020404020204" pitchFamily="34" charset="0"/>
+                          <a:ea typeface="+mn-ea"/>
+                          <a:cs typeface="+mn-cs"/>
+                        </a:rPr>
+                        <a:t>email</a:t>
+                      </a:r>
+                      <a:r>
+                        <a:rPr lang="pt-BR" sz="1000" dirty="0">
+                          <a:solidFill>
+                            <a:srgbClr val="000000"/>
+                          </a:solidFill>
+                          <a:latin typeface="Adobe Clean Light" panose="020B0303020404020204" pitchFamily="34" charset="0"/>
+                          <a:ea typeface="+mn-ea"/>
+                          <a:cs typeface="+mn-cs"/>
+                        </a:rPr>
+                        <a:t> sempre que a Adobe criar, atualizar </a:t>
+                      </a:r>
+                      <a:br>
+                        <a:rPr lang="pt-BR" sz="1000" dirty="0">
+                          <a:solidFill>
+                            <a:srgbClr val="000000"/>
+                          </a:solidFill>
+                          <a:latin typeface="Adobe Clean Light" panose="020B0303020404020204" pitchFamily="34" charset="0"/>
+                          <a:ea typeface="+mn-ea"/>
+                          <a:cs typeface="+mn-cs"/>
+                        </a:rPr>
+                      </a:br>
+                      <a:r>
+                        <a:rPr lang="pt-BR" sz="1000" dirty="0">
+                          <a:solidFill>
+                            <a:srgbClr val="000000"/>
+                          </a:solidFill>
+                          <a:latin typeface="Adobe Clean Light" panose="020B0303020404020204" pitchFamily="34" charset="0"/>
+                          <a:ea typeface="+mn-ea"/>
+                          <a:cs typeface="+mn-cs"/>
+                        </a:rPr>
+                        <a:t>ou resolver um evento de produto. Isso pode incluir manutenção programada ou problemas de serviço com diferentes níveis de gravidade. </a:t>
                       </a:r>
                     </a:p>
                   </a:txBody>
@@ -12118,7 +12392,7 @@
                           <a:ea typeface="+mn-ea"/>
                           <a:cs typeface="+mn-cs"/>
                         </a:rPr>
-                        <a:t>Os Termos e condições que detalham os serviços de suporte</a:t>
+                        <a:t>Os Termos e condições que detalham os serviços de suporte.</a:t>
                       </a:r>
                     </a:p>
                   </a:txBody>
@@ -12889,6 +13163,21 @@
 </file>
 
 <file path=customXml/item1.xml><?xml version="1.0" encoding="utf-8"?>
+<?mso-contentType ?>
+<FormTemplates xmlns="http://schemas.microsoft.com/sharepoint/v3/contenttype/forms">
+  <Display>DocumentLibraryForm</Display>
+  <Edit>DocumentLibraryForm</Edit>
+  <New>DocumentLibraryForm</New>
+</FormTemplates>
+</file>
+
+<file path=customXml/item2.xml><?xml version="1.0" encoding="utf-8"?>
+<p:properties xmlns:p="http://schemas.microsoft.com/office/2006/metadata/properties" xmlns:xsi="http://www.w3.org/2001/XMLSchema-instance" xmlns:pc="http://schemas.microsoft.com/office/infopath/2007/PartnerControls">
+  <documentManagement/>
+</p:properties>
+</file>
+
+<file path=customXml/item3.xml><?xml version="1.0" encoding="utf-8"?>
 <ct:contentTypeSchema xmlns:ct="http://schemas.microsoft.com/office/2006/metadata/contentType" xmlns:ma="http://schemas.microsoft.com/office/2006/metadata/properties/metaAttributes" ct:_="" ma:_="" ma:contentTypeName="Document" ma:contentTypeID="0x010100E783BF6876BCC646A459363AF21A7736" ma:contentTypeVersion="10" ma:contentTypeDescription="Create a new document." ma:contentTypeScope="" ma:versionID="c4ffda7f4f415767600769e454c2ea87">
   <xsd:schema xmlns:xsd="http://www.w3.org/2001/XMLSchema" xmlns:xs="http://www.w3.org/2001/XMLSchema" xmlns:p="http://schemas.microsoft.com/office/2006/metadata/properties" xmlns:ns2="8a053bff-88be-49e4-9a87-e748e18b8b62" xmlns:ns3="6c8368ec-3776-49b5-a5bb-90648cf9530f" targetNamespace="http://schemas.microsoft.com/office/2006/metadata/properties" ma:root="true" ma:fieldsID="df3ec33bccc23e23bce7bc897fad43d1" ns2:_="" ns3:_="">
     <xsd:import namespace="8a053bff-88be-49e4-9a87-e748e18b8b62"/>
@@ -13093,22 +13382,32 @@
 </ct:contentTypeSchema>
 </file>
 
-<file path=customXml/item2.xml><?xml version="1.0" encoding="utf-8"?>
-<p:properties xmlns:p="http://schemas.microsoft.com/office/2006/metadata/properties" xmlns:xsi="http://www.w3.org/2001/XMLSchema-instance" xmlns:pc="http://schemas.microsoft.com/office/infopath/2007/PartnerControls">
-  <documentManagement/>
-</p:properties>
+<file path=customXml/itemProps1.xml><?xml version="1.0" encoding="utf-8"?>
+<ds:datastoreItem xmlns:ds="http://schemas.openxmlformats.org/officeDocument/2006/customXml" ds:itemID="{AC92E7FA-19A2-4675-9C77-2C92D8A268D1}">
+  <ds:schemaRefs>
+    <ds:schemaRef ds:uri="http://schemas.microsoft.com/sharepoint/v3/contenttype/forms"/>
+  </ds:schemaRefs>
+</ds:datastoreItem>
 </file>
 
-<file path=customXml/item3.xml><?xml version="1.0" encoding="utf-8"?>
-<?mso-contentType ?>
-<FormTemplates xmlns="http://schemas.microsoft.com/sharepoint/v3/contenttype/forms">
-  <Display>DocumentLibraryForm</Display>
-  <Edit>DocumentLibraryForm</Edit>
-  <New>DocumentLibraryForm</New>
-</FormTemplates>
+<file path=customXml/itemProps2.xml><?xml version="1.0" encoding="utf-8"?>
+<ds:datastoreItem xmlns:ds="http://schemas.openxmlformats.org/officeDocument/2006/customXml" ds:itemID="{8D12BD98-169B-4BEE-86DF-4C9641DF23C4}">
+  <ds:schemaRefs>
+    <ds:schemaRef ds:uri="http://schemas.microsoft.com/office/2006/documentManagement/types"/>
+    <ds:schemaRef ds:uri="http://schemas.microsoft.com/office/2006/metadata/properties"/>
+    <ds:schemaRef ds:uri="http://www.w3.org/XML/1998/namespace"/>
+    <ds:schemaRef ds:uri="http://purl.org/dc/terms/"/>
+    <ds:schemaRef ds:uri="http://purl.org/dc/elements/1.1/"/>
+    <ds:schemaRef ds:uri="http://schemas.microsoft.com/office/infopath/2007/PartnerControls"/>
+    <ds:schemaRef ds:uri="http://schemas.openxmlformats.org/package/2006/metadata/core-properties"/>
+    <ds:schemaRef ds:uri="8a053bff-88be-49e4-9a87-e748e18b8b62"/>
+    <ds:schemaRef ds:uri="6c8368ec-3776-49b5-a5bb-90648cf9530f"/>
+    <ds:schemaRef ds:uri="http://purl.org/dc/dcmitype/"/>
+  </ds:schemaRefs>
+</ds:datastoreItem>
 </file>
 
-<file path=customXml/itemProps1.xml><?xml version="1.0" encoding="utf-8"?>
+<file path=customXml/itemProps3.xml><?xml version="1.0" encoding="utf-8"?>
 <ds:datastoreItem xmlns:ds="http://schemas.openxmlformats.org/officeDocument/2006/customXml" ds:itemID="{34863498-7BB7-4F09-9F4A-B99E97FDB0EB}">
   <ds:schemaRefs>
     <ds:schemaRef ds:uri="http://schemas.microsoft.com/office/2006/metadata/contentType"/>
@@ -13125,21 +13424,4 @@
     <ds:schemaRef ds:uri="http://schemas.microsoft.com/internal/obd"/>
   </ds:schemaRefs>
 </ds:datastoreItem>
-</file>
-
-<file path=customXml/itemProps2.xml><?xml version="1.0" encoding="utf-8"?>
-<ds:datastoreItem xmlns:ds="http://schemas.openxmlformats.org/officeDocument/2006/customXml" ds:itemID="{8D12BD98-169B-4BEE-86DF-4C9641DF23C4}">
-  <ds:schemaRefs>
-    <ds:schemaRef ds:uri="http://schemas.microsoft.com/office/2006/metadata/properties"/>
-    <ds:schemaRef ds:uri="http://schemas.microsoft.com/office/infopath/2007/PartnerControls"/>
-  </ds:schemaRefs>
-</ds:datastoreItem>
-</file>
-
-<file path=customXml/itemProps3.xml><?xml version="1.0" encoding="utf-8"?>
-<ds:datastoreItem xmlns:ds="http://schemas.openxmlformats.org/officeDocument/2006/customXml" ds:itemID="{AC92E7FA-19A2-4675-9C77-2C92D8A268D1}">
-  <ds:schemaRefs>
-    <ds:schemaRef ds:uri="http://schemas.microsoft.com/sharepoint/v3/contenttype/forms"/>
-  </ds:schemaRefs>
-</ds:datastoreItem>
 </file>